--- a/発表用/1821086_卒業研究発表会.pptx
+++ b/発表用/1821086_卒業研究発表会.pptx
@@ -5627,11 +5627,11 @@
   <p:clrMapOvr>
     <a:masterClrMapping/>
   </p:clrMapOvr>
-  <mc:AlternateContent xmlns:mc="http://schemas.openxmlformats.org/markup-compatibility/2006">
-    <mc:Choice xmlns:p14="http://schemas.microsoft.com/office/powerpoint/2010/main" Requires="p14">
+  <mc:AlternateContent xmlns:mc="http://schemas.openxmlformats.org/markup-compatibility/2006" xmlns:p14="http://schemas.microsoft.com/office/powerpoint/2010/main">
+    <mc:Choice Requires="p14">
       <p:transition spd="slow" p14:dur="2000" advTm="15280"/>
     </mc:Choice>
-    <mc:Fallback>
+    <mc:Fallback xmlns="">
       <p:transition spd="slow" advTm="15280"/>
     </mc:Fallback>
   </mc:AlternateContent>
@@ -5773,11 +5773,7 @@
             </a:r>
             <a:r>
               <a:rPr lang="ja-JP" altLang="en-US" sz="3200" dirty="0" smtClean="0"/>
-              <a:t>該当サーバ</a:t>
-            </a:r>
-            <a:r>
-              <a:rPr lang="ja-JP" altLang="en-US" sz="3200" dirty="0" smtClean="0"/>
-              <a:t>への</a:t>
+              <a:t>該当サーバへの</a:t>
             </a:r>
             <a:r>
               <a:rPr lang="ja-JP" altLang="ja-JP" sz="3200" dirty="0" smtClean="0"/>
@@ -5785,11 +5781,7 @@
             </a:r>
             <a:r>
               <a:rPr lang="ja-JP" altLang="en-US" sz="3200" dirty="0" smtClean="0"/>
-              <a:t>を</a:t>
-            </a:r>
-            <a:r>
-              <a:rPr lang="ja-JP" altLang="en-US" sz="3200" dirty="0" smtClean="0"/>
-              <a:t>行わない</a:t>
+              <a:t>を行わない</a:t>
             </a:r>
             <a:r>
               <a:rPr lang="ja-JP" altLang="ja-JP" sz="3200" dirty="0" smtClean="0"/>
@@ -5967,59 +5959,31 @@
           </a:p>
           <a:p>
             <a:r>
-              <a:rPr lang="ja-JP" altLang="en-US" sz="3200" dirty="0">
-                <a:solidFill>
-                  <a:srgbClr val="FF0000"/>
-                </a:solidFill>
-              </a:rPr>
+              <a:rPr lang="ja-JP" altLang="en-US" sz="3200" dirty="0"/>
               <a:t>応答</a:t>
             </a:r>
             <a:r>
-              <a:rPr lang="ja-JP" altLang="en-US" sz="3200" dirty="0" smtClean="0">
-                <a:solidFill>
-                  <a:srgbClr val="FF0000"/>
-                </a:solidFill>
-              </a:rPr>
+              <a:rPr lang="ja-JP" altLang="en-US" sz="3200" dirty="0" smtClean="0"/>
               <a:t>速度に基づいた割り振りは，</a:t>
             </a:r>
             <a:r>
-              <a:rPr lang="en-US" altLang="ja-JP" sz="3200" dirty="0" smtClean="0">
-                <a:solidFill>
-                  <a:srgbClr val="FF0000"/>
-                </a:solidFill>
-              </a:rPr>
+              <a:rPr lang="en-US" altLang="ja-JP" sz="3200" dirty="0" smtClean="0"/>
               <a:t>Nginx</a:t>
             </a:r>
             <a:r>
-              <a:rPr lang="ja-JP" altLang="en-US" sz="3200" dirty="0" smtClean="0">
-                <a:solidFill>
-                  <a:srgbClr val="FF0000"/>
-                </a:solidFill>
-              </a:rPr>
+              <a:rPr lang="ja-JP" altLang="en-US" sz="3200" dirty="0" smtClean="0"/>
               <a:t>の設定ファイル</a:t>
             </a:r>
             <a:r>
-              <a:rPr lang="ja-JP" altLang="ja-JP" sz="3200" dirty="0" smtClean="0">
-                <a:solidFill>
-                  <a:srgbClr val="FF0000"/>
-                </a:solidFill>
-              </a:rPr>
+              <a:rPr lang="ja-JP" altLang="ja-JP" sz="3200" dirty="0" smtClean="0"/>
               <a:t>の</a:t>
             </a:r>
             <a:r>
-              <a:rPr lang="ja-JP" altLang="ja-JP" sz="3200" dirty="0">
-                <a:solidFill>
-                  <a:srgbClr val="FF0000"/>
-                </a:solidFill>
-              </a:rPr>
+              <a:rPr lang="ja-JP" altLang="ja-JP" sz="3200" dirty="0"/>
               <a:t>重みづけをプログラムによって書き換えることで</a:t>
             </a:r>
             <a:r>
-              <a:rPr lang="ja-JP" altLang="ja-JP" sz="3200" dirty="0" smtClean="0">
-                <a:solidFill>
-                  <a:srgbClr val="FF0000"/>
-                </a:solidFill>
-              </a:rPr>
+              <a:rPr lang="ja-JP" altLang="ja-JP" sz="3200" dirty="0" smtClean="0"/>
               <a:t>実現．</a:t>
             </a:r>
             <a:endParaRPr lang="en-US" altLang="ja-JP" sz="3200" dirty="0"/>
@@ -6050,11 +6014,19 @@
           <a:p>
             <a:r>
               <a:rPr lang="ja-JP" altLang="ja-JP" sz="3200" dirty="0" smtClean="0"/>
-              <a:t>これ</a:t>
+              <a:t>稼働率</a:t>
             </a:r>
             <a:r>
               <a:rPr lang="ja-JP" altLang="ja-JP" sz="3200" dirty="0"/>
-              <a:t>により，再起動により稼働率を落とすことなく，応答速度に応じた負荷分散の重みを動的にロードバランサに反映することができる</a:t>
+              <a:t>を落とすことなく</a:t>
+            </a:r>
+            <a:r>
+              <a:rPr lang="ja-JP" altLang="ja-JP" sz="3200" dirty="0" smtClean="0"/>
+              <a:t>，応答速度に応じた負荷分散の重みを動的にロードバランサ</a:t>
+            </a:r>
+            <a:r>
+              <a:rPr lang="ja-JP" altLang="ja-JP" sz="3200" dirty="0"/>
+              <a:t>に反映することができる</a:t>
             </a:r>
             <a:r>
               <a:rPr lang="ja-JP" altLang="ja-JP" sz="3200" dirty="0" smtClean="0"/>
@@ -8299,11 +8271,7 @@
           <a:p>
             <a:r>
               <a:rPr lang="ja-JP" altLang="en-US" sz="2400" dirty="0" smtClean="0"/>
-              <a:t>異種のサーバ環境でのロードバランスを再現する為，上記コマンド</a:t>
-            </a:r>
-            <a:r>
-              <a:rPr lang="ja-JP" altLang="en-US" sz="2400" dirty="0" smtClean="0"/>
-              <a:t>で</a:t>
+              <a:t>異種のサーバ環境でのロードバランスを再現する為，上記コマンドで</a:t>
             </a:r>
             <a:r>
               <a:rPr lang="en-US" altLang="ja-JP" sz="2400" dirty="0"/>
@@ -8311,11 +8279,7 @@
             </a:r>
             <a:r>
               <a:rPr lang="ja-JP" altLang="en-US" sz="2400" dirty="0" smtClean="0"/>
-              <a:t>に</a:t>
-            </a:r>
-            <a:r>
-              <a:rPr lang="ja-JP" altLang="en-US" sz="2400" dirty="0" smtClean="0"/>
-              <a:t>制限を設ける．</a:t>
+              <a:t>に制限を設ける．</a:t>
             </a:r>
             <a:endParaRPr lang="en-US" altLang="ja-JP" sz="2400" dirty="0" smtClean="0"/>
           </a:p>
@@ -8655,11 +8619,7 @@
           <a:p>
             <a:r>
               <a:rPr lang="ja-JP" altLang="en-US" dirty="0" smtClean="0"/>
-              <a:t>実験</a:t>
-            </a:r>
-            <a:r>
-              <a:rPr lang="ja-JP" altLang="en-US" dirty="0" smtClean="0"/>
-              <a:t>結果</a:t>
+              <a:t>実験結果</a:t>
             </a:r>
             <a:endParaRPr kumimoji="1" lang="ja-JP" altLang="en-US" sz="6000" dirty="0">
               <a:solidFill>
@@ -9562,11 +9522,7 @@
             </a:r>
             <a:r>
               <a:rPr lang="en-US" altLang="ja-JP" sz="2900" dirty="0" smtClean="0"/>
-              <a:t>2017</a:t>
-            </a:r>
-            <a:r>
-              <a:rPr lang="en-US" altLang="ja-JP" sz="2900" dirty="0" smtClean="0"/>
-              <a:t>]</a:t>
+              <a:t>2017]</a:t>
             </a:r>
             <a:r>
               <a:rPr lang="ja-JP" altLang="en-US" sz="2900" dirty="0"/>
@@ -9683,11 +9639,11 @@
   <p:clrMapOvr>
     <a:masterClrMapping/>
   </p:clrMapOvr>
-  <mc:AlternateContent xmlns:mc="http://schemas.openxmlformats.org/markup-compatibility/2006">
-    <mc:Choice xmlns:p14="http://schemas.microsoft.com/office/powerpoint/2010/main" Requires="p14">
+  <mc:AlternateContent xmlns:mc="http://schemas.openxmlformats.org/markup-compatibility/2006" xmlns:p14="http://schemas.microsoft.com/office/powerpoint/2010/main">
+    <mc:Choice Requires="p14">
       <p:transition spd="slow" p14:dur="2000" advTm="3542"/>
     </mc:Choice>
-    <mc:Fallback>
+    <mc:Fallback xmlns="">
       <p:transition spd="slow" advTm="3542"/>
     </mc:Fallback>
   </mc:AlternateContent>
@@ -10788,7 +10744,7 @@
         <p:spPr>
           <a:xfrm>
             <a:off x="628650" y="1582548"/>
-            <a:ext cx="8067294" cy="4370196"/>
+            <a:ext cx="8067294" cy="4845684"/>
           </a:xfrm>
         </p:spPr>
         <p:txBody>
@@ -10798,36 +10754,12 @@
           <a:lstStyle/>
           <a:p>
             <a:r>
-              <a:rPr lang="ja-JP" altLang="en-US" sz="2900" dirty="0"/>
-              <a:t>性能差の</a:t>
-            </a:r>
-            <a:r>
               <a:rPr lang="ja-JP" altLang="en-US" sz="2900" dirty="0" smtClean="0"/>
-              <a:t>あるサーバ</a:t>
-            </a:r>
-            <a:r>
-              <a:rPr lang="ja-JP" altLang="en-US" sz="2900" dirty="0"/>
-              <a:t>からなる</a:t>
-            </a:r>
-            <a:r>
-              <a:rPr lang="en-US" altLang="ja-JP" sz="2900" dirty="0" smtClean="0"/>
-              <a:t>Web</a:t>
+              <a:t>応答</a:t>
             </a:r>
             <a:r>
               <a:rPr lang="ja-JP" altLang="en-US" sz="2900" dirty="0" smtClean="0"/>
-              <a:t>サイト</a:t>
-            </a:r>
-            <a:r>
-              <a:rPr lang="ja-JP" altLang="en-US" sz="2900" dirty="0"/>
-              <a:t>環境</a:t>
-            </a:r>
-            <a:r>
-              <a:rPr lang="ja-JP" altLang="en-US" sz="2900" dirty="0" smtClean="0"/>
-              <a:t>において</a:t>
-            </a:r>
-            <a:r>
-              <a:rPr lang="ja-JP" altLang="en-US" sz="2900" dirty="0" smtClean="0"/>
-              <a:t>，応答速度によってサーバの割り振り先を決めるアルゴリズムの提案．</a:t>
+              <a:t>速度によってサーバの割り振り先を決めるアルゴリズムの提案．</a:t>
             </a:r>
             <a:endParaRPr lang="en-US" altLang="ja-JP" sz="2900" dirty="0" smtClean="0"/>
           </a:p>
@@ -10841,7 +10773,7 @@
           <a:p>
             <a:r>
               <a:rPr lang="ja-JP" altLang="en-US" sz="2900" dirty="0" smtClean="0"/>
-              <a:t>上記を用いた応答</a:t>
+              <a:t>応答</a:t>
             </a:r>
             <a:r>
               <a:rPr lang="ja-JP" altLang="en-US" sz="2900" dirty="0" smtClean="0"/>
@@ -10852,12 +10784,19 @@
               <a:t>．</a:t>
             </a:r>
             <a:r>
+              <a:rPr lang="en-US" altLang="ja-JP" sz="2900" dirty="0" smtClean="0"/>
+              <a:t/>
+            </a:r>
+            <a:br>
+              <a:rPr lang="en-US" altLang="ja-JP" sz="2900" dirty="0" smtClean="0"/>
+            </a:br>
+            <a:r>
+              <a:rPr lang="ja-JP" altLang="en-US" sz="2900" dirty="0" smtClean="0"/>
+              <a:t>→</a:t>
+            </a:r>
+            <a:r>
               <a:rPr lang="ja-JP" altLang="ja-JP" sz="2900" dirty="0" smtClean="0"/>
-              <a:t>安価</a:t>
-            </a:r>
-            <a:r>
-              <a:rPr lang="ja-JP" altLang="ja-JP" sz="2900" dirty="0" smtClean="0"/>
-              <a:t>で現行システムに導入</a:t>
+              <a:t>安価で導入</a:t>
             </a:r>
             <a:r>
               <a:rPr lang="ja-JP" altLang="en-US" sz="2900" dirty="0" smtClean="0"/>
@@ -10865,19 +10804,46 @@
             </a:r>
             <a:r>
               <a:rPr lang="ja-JP" altLang="ja-JP" sz="2900" dirty="0" smtClean="0"/>
-              <a:t>，システ</a:t>
+              <a:t>システ</a:t>
             </a:r>
             <a:r>
               <a:rPr lang="ja-JP" altLang="en-US" sz="2900" dirty="0" smtClean="0"/>
-              <a:t>ムで</a:t>
+              <a:t>ム</a:t>
+            </a:r>
+            <a:r>
+              <a:rPr lang="ja-JP" altLang="en-US" sz="2900" dirty="0" smtClean="0"/>
+              <a:t>を作ることで</a:t>
             </a:r>
             <a:r>
               <a:rPr lang="ja-JP" altLang="ja-JP" sz="2900" dirty="0" smtClean="0"/>
-              <a:t>課題の解決</a:t>
+              <a:t>課題</a:t>
+            </a:r>
+            <a:r>
+              <a:rPr lang="ja-JP" altLang="ja-JP" sz="2900" dirty="0" smtClean="0"/>
+              <a:t>の解決</a:t>
             </a:r>
             <a:r>
               <a:rPr lang="ja-JP" altLang="en-US" sz="2900" dirty="0" smtClean="0"/>
-              <a:t>にアプローチする．</a:t>
+              <a:t>にアプローチする</a:t>
+            </a:r>
+            <a:r>
+              <a:rPr lang="ja-JP" altLang="en-US" sz="2900" dirty="0" smtClean="0"/>
+              <a:t>．</a:t>
+            </a:r>
+            <a:endParaRPr lang="en-US" altLang="ja-JP" sz="2900" dirty="0" smtClean="0"/>
+          </a:p>
+          <a:p>
+            <a:r>
+              <a:rPr lang="ja-JP" altLang="ja-JP" dirty="0"/>
+              <a:t>ロードバランサと</a:t>
+            </a:r>
+            <a:r>
+              <a:rPr lang="en-US" altLang="ja-JP" dirty="0"/>
+              <a:t>Web</a:t>
+            </a:r>
+            <a:r>
+              <a:rPr lang="ja-JP" altLang="ja-JP" dirty="0"/>
+              <a:t>サーバのボトルネック削減</a:t>
             </a:r>
             <a:endParaRPr lang="en-US" altLang="ja-JP" sz="2900" dirty="0" smtClean="0"/>
           </a:p>

--- a/発表用/1821086_卒業研究発表会.pptx
+++ b/発表用/1821086_卒業研究発表会.pptx
@@ -5756,8 +5756,20 @@
               <a:t>現在</a:t>
             </a:r>
             <a:r>
+              <a:rPr lang="ja-JP" altLang="ja-JP" sz="3200" dirty="0" smtClean="0"/>
+              <a:t>の</a:t>
+            </a:r>
+            <a:r>
+              <a:rPr lang="ja-JP" altLang="en-US" sz="3200" dirty="0" smtClean="0"/>
+              <a:t>応答</a:t>
+            </a:r>
+            <a:r>
+              <a:rPr lang="ja-JP" altLang="ja-JP" sz="3200" dirty="0" smtClean="0"/>
+              <a:t>速度</a:t>
+            </a:r>
+            <a:r>
               <a:rPr lang="ja-JP" altLang="ja-JP" sz="3200" dirty="0"/>
-              <a:t>の速度が</a:t>
+              <a:t>が</a:t>
             </a:r>
             <a:r>
               <a:rPr lang="en-US" altLang="ja-JP" sz="3200" dirty="0"/>
@@ -5964,7 +5976,22 @@
             </a:r>
             <a:r>
               <a:rPr lang="ja-JP" altLang="en-US" sz="3200" dirty="0" smtClean="0"/>
-              <a:t>速度に基づいた割り振りは，</a:t>
+              <a:t>速度に基づいた</a:t>
+            </a:r>
+            <a:r>
+              <a:rPr lang="ja-JP" altLang="en-US" sz="3200" dirty="0" smtClean="0"/>
+              <a:t>割り振り</a:t>
+            </a:r>
+            <a:r>
+              <a:rPr lang="en-US" altLang="ja-JP" sz="3200" dirty="0" smtClean="0"/>
+              <a:t/>
+            </a:r>
+            <a:br>
+              <a:rPr lang="en-US" altLang="ja-JP" sz="3200" dirty="0" smtClean="0"/>
+            </a:br>
+            <a:r>
+              <a:rPr lang="ja-JP" altLang="en-US" sz="3200" dirty="0" smtClean="0"/>
+              <a:t>→</a:t>
             </a:r>
             <a:r>
               <a:rPr lang="en-US" altLang="ja-JP" sz="3200" dirty="0" smtClean="0"/>
@@ -5979,12 +6006,48 @@
               <a:t>の</a:t>
             </a:r>
             <a:r>
-              <a:rPr lang="ja-JP" altLang="ja-JP" sz="3200" dirty="0"/>
-              <a:t>重みづけをプログラムによって書き換えることで</a:t>
+              <a:rPr lang="ja-JP" altLang="ja-JP" sz="3200" dirty="0" smtClean="0">
+                <a:solidFill>
+                  <a:srgbClr val="FF0000"/>
+                </a:solidFill>
+              </a:rPr>
+              <a:t>重みを</a:t>
+            </a:r>
+            <a:r>
+              <a:rPr lang="ja-JP" altLang="ja-JP" sz="3200" dirty="0">
+                <a:solidFill>
+                  <a:srgbClr val="FF0000"/>
+                </a:solidFill>
+              </a:rPr>
+              <a:t>プログラム</a:t>
+            </a:r>
+            <a:r>
+              <a:rPr lang="ja-JP" altLang="ja-JP" sz="3200" dirty="0" smtClean="0">
+                <a:solidFill>
+                  <a:srgbClr val="FF0000"/>
+                </a:solidFill>
+              </a:rPr>
+              <a:t>によって</a:t>
+            </a:r>
+            <a:r>
+              <a:rPr lang="ja-JP" altLang="ja-JP" sz="3200" dirty="0">
+                <a:solidFill>
+                  <a:srgbClr val="FF0000"/>
+                </a:solidFill>
+              </a:rPr>
+              <a:t>書き換えることで</a:t>
+            </a:r>
+            <a:r>
+              <a:rPr lang="ja-JP" altLang="ja-JP" sz="3200" dirty="0" smtClean="0">
+                <a:solidFill>
+                  <a:srgbClr val="FF0000"/>
+                </a:solidFill>
+              </a:rPr>
+              <a:t>実現</a:t>
             </a:r>
             <a:r>
               <a:rPr lang="ja-JP" altLang="ja-JP" sz="3200" dirty="0" smtClean="0"/>
-              <a:t>実現．</a:t>
+              <a:t>．</a:t>
             </a:r>
             <a:endParaRPr lang="en-US" altLang="ja-JP" sz="3200" dirty="0"/>
           </a:p>
@@ -6003,30 +6066,65 @@
             </a:r>
             <a:r>
               <a:rPr lang="ja-JP" altLang="ja-JP" sz="3200" dirty="0"/>
-              <a:t>し，再読み込みするように設計した</a:t>
+              <a:t>し，</a:t>
+            </a:r>
+            <a:r>
+              <a:rPr lang="ja-JP" altLang="ja-JP" sz="3200" u="sng" dirty="0"/>
+              <a:t>再読み</a:t>
+            </a:r>
+            <a:r>
+              <a:rPr lang="ja-JP" altLang="ja-JP" sz="3200" dirty="0"/>
+              <a:t>込みするように</a:t>
             </a:r>
             <a:r>
               <a:rPr lang="ja-JP" altLang="ja-JP" sz="3200" dirty="0" smtClean="0"/>
+              <a:t>設計</a:t>
+            </a:r>
+            <a:r>
+              <a:rPr lang="ja-JP" altLang="en-US" sz="3200" dirty="0" smtClean="0"/>
               <a:t>．</a:t>
             </a:r>
-            <a:endParaRPr lang="en-US" altLang="ja-JP" sz="3200" dirty="0" smtClean="0"/>
-          </a:p>
-          <a:p>
+            <a:endParaRPr lang="en-US" altLang="ja-JP" sz="3200" dirty="0"/>
+          </a:p>
+          <a:p>
+            <a:pPr marL="0" indent="0">
+              <a:buNone/>
+            </a:pPr>
+            <a:r>
+              <a:rPr lang="ja-JP" altLang="en-US" sz="3200" dirty="0" smtClean="0"/>
+              <a:t>→</a:t>
+            </a:r>
+            <a:r>
+              <a:rPr lang="ja-JP" altLang="ja-JP" sz="3200" u="sng" dirty="0" smtClean="0"/>
+              <a:t>稼働率</a:t>
+            </a:r>
+            <a:r>
+              <a:rPr lang="ja-JP" altLang="ja-JP" sz="3200" u="sng" dirty="0"/>
+              <a:t>を落とすことなく</a:t>
+            </a:r>
             <a:r>
               <a:rPr lang="ja-JP" altLang="ja-JP" sz="3200" dirty="0" smtClean="0"/>
-              <a:t>稼働率</a:t>
+              <a:t>，負荷</a:t>
+            </a:r>
+            <a:r>
+              <a:rPr lang="ja-JP" altLang="ja-JP" sz="3200" dirty="0" smtClean="0"/>
+              <a:t>分散の重みを動的に</a:t>
+            </a:r>
+            <a:r>
+              <a:rPr lang="ja-JP" altLang="ja-JP" sz="3200" dirty="0" smtClean="0"/>
+              <a:t>ロードバランサ</a:t>
+            </a:r>
+            <a:r>
+              <a:rPr lang="ja-JP" altLang="en-US" sz="3200" dirty="0" smtClean="0"/>
+              <a:t>へ</a:t>
+            </a:r>
+            <a:r>
+              <a:rPr lang="ja-JP" altLang="ja-JP" sz="3200" dirty="0" smtClean="0"/>
+              <a:t>反映</a:t>
             </a:r>
             <a:r>
               <a:rPr lang="ja-JP" altLang="ja-JP" sz="3200" dirty="0"/>
-              <a:t>を落とすことなく</a:t>
-            </a:r>
-            <a:r>
-              <a:rPr lang="ja-JP" altLang="ja-JP" sz="3200" dirty="0" smtClean="0"/>
-              <a:t>，応答速度に応じた負荷分散の重みを動的にロードバランサ</a:t>
-            </a:r>
-            <a:r>
-              <a:rPr lang="ja-JP" altLang="ja-JP" sz="3200" dirty="0"/>
-              <a:t>に反映することができる</a:t>
+              <a:t>することができる</a:t>
             </a:r>
             <a:r>
               <a:rPr lang="ja-JP" altLang="ja-JP" sz="3200" dirty="0" smtClean="0"/>
@@ -6760,27 +6858,89 @@
           </a:lstStyle>
           <a:p>
             <a:r>
-              <a:rPr lang="ja-JP" altLang="en-US" sz="2400" dirty="0">
+              <a:rPr lang="ja-JP" altLang="en-US" dirty="0" smtClean="0">
+                <a:latin typeface="ＭＳ Ｐゴシック" panose="020B0600070205080204" pitchFamily="50" charset="-128"/>
+              </a:rPr>
+              <a:t>負荷分散を行うため，</a:t>
+            </a:r>
+            <a:r>
+              <a:rPr lang="ja-JP" altLang="ja-JP" dirty="0" smtClean="0">
+                <a:latin typeface="ＭＳ Ｐゴシック" panose="020B0600070205080204" pitchFamily="50" charset="-128"/>
+              </a:rPr>
+              <a:t>物理的</a:t>
+            </a:r>
+            <a:r>
+              <a:rPr lang="ja-JP" altLang="en-US" dirty="0" smtClean="0">
+                <a:latin typeface="ＭＳ Ｐゴシック" panose="020B0600070205080204" pitchFamily="50" charset="-128"/>
+              </a:rPr>
+              <a:t>な</a:t>
+            </a:r>
+            <a:r>
+              <a:rPr lang="ja-JP" altLang="ja-JP" dirty="0" smtClean="0">
+                <a:latin typeface="ＭＳ Ｐゴシック" panose="020B0600070205080204" pitchFamily="50" charset="-128"/>
+              </a:rPr>
+              <a:t>サーバを</a:t>
+            </a:r>
+            <a:r>
+              <a:rPr lang="ja-JP" altLang="en-US" dirty="0">
+                <a:latin typeface="ＭＳ Ｐゴシック" panose="020B0600070205080204" pitchFamily="50" charset="-128"/>
+              </a:rPr>
+              <a:t>４</a:t>
+            </a:r>
+            <a:r>
+              <a:rPr lang="ja-JP" altLang="en-US" dirty="0" smtClean="0">
+                <a:latin typeface="ＭＳ Ｐゴシック" panose="020B0600070205080204" pitchFamily="50" charset="-128"/>
+              </a:rPr>
+              <a:t>台用意</a:t>
+            </a:r>
+            <a:r>
+              <a:rPr lang="en-US" altLang="ja-JP" dirty="0">
+                <a:latin typeface="ＭＳ Ｐゴシック" panose="020B0600070205080204" pitchFamily="50" charset="-128"/>
+              </a:rPr>
+              <a:t/>
+            </a:r>
+            <a:br>
+              <a:rPr lang="en-US" altLang="ja-JP" dirty="0">
+                <a:latin typeface="ＭＳ Ｐゴシック" panose="020B0600070205080204" pitchFamily="50" charset="-128"/>
+              </a:rPr>
+            </a:br>
+            <a:r>
+              <a:rPr lang="ja-JP" altLang="en-US" dirty="0" smtClean="0">
+                <a:latin typeface="ＭＳ Ｐゴシック" panose="020B0600070205080204" pitchFamily="50" charset="-128"/>
+              </a:rPr>
+              <a:t>１台をロードバランサ機として利用．</a:t>
+            </a:r>
+            <a:endParaRPr lang="en-US" altLang="ja-JP" dirty="0" smtClean="0">
+              <a:latin typeface="ＭＳ Ｐゴシック" panose="020B0600070205080204" pitchFamily="50" charset="-128"/>
+            </a:endParaRPr>
+          </a:p>
+          <a:p>
+            <a:r>
+              <a:rPr lang="ja-JP" altLang="en-US" dirty="0" smtClean="0">
                 <a:latin typeface="ＭＳ Ｐゴシック" panose="020B0600070205080204" pitchFamily="50" charset="-128"/>
               </a:rPr>
               <a:t>実験</a:t>
             </a:r>
             <a:r>
-              <a:rPr lang="ja-JP" altLang="en-US" sz="2400" dirty="0" smtClean="0">
+              <a:rPr lang="ja-JP" altLang="en-US" dirty="0" smtClean="0">
                 <a:latin typeface="ＭＳ Ｐゴシック" panose="020B0600070205080204" pitchFamily="50" charset="-128"/>
               </a:rPr>
               <a:t>で使用するハードウェアは全て</a:t>
             </a:r>
             <a:r>
-              <a:rPr lang="en-US" altLang="ja-JP" sz="2400" dirty="0"/>
+              <a:rPr lang="en-US" altLang="ja-JP" dirty="0"/>
               <a:t>Raspberry Pi 4B </a:t>
             </a:r>
             <a:r>
-              <a:rPr lang="en-US" altLang="ja-JP" sz="2400" dirty="0" smtClean="0"/>
-              <a:t>4G</a:t>
-            </a:r>
-            <a:r>
-              <a:rPr lang="ja-JP" altLang="en-US" sz="2400" dirty="0" smtClean="0">
+              <a:rPr lang="ja-JP" altLang="en-US" dirty="0" smtClean="0"/>
+              <a:t>のメモリ</a:t>
+            </a:r>
+            <a:r>
+              <a:rPr lang="en-US" altLang="ja-JP" dirty="0" smtClean="0"/>
+              <a:t>4GB</a:t>
+            </a:r>
+            <a:r>
+              <a:rPr lang="ja-JP" altLang="en-US" dirty="0" smtClean="0">
                 <a:solidFill>
                   <a:srgbClr val="000000"/>
                 </a:solidFill>
@@ -6789,112 +6949,19 @@
               <a:t>を</a:t>
             </a:r>
             <a:r>
-              <a:rPr lang="ja-JP" altLang="en-US" sz="2400" dirty="0" smtClean="0">
+              <a:rPr lang="ja-JP" altLang="en-US" dirty="0" smtClean="0">
                 <a:latin typeface="ＭＳ Ｐゴシック" panose="020B0600070205080204" pitchFamily="50" charset="-128"/>
               </a:rPr>
-              <a:t>使用</a:t>
-            </a:r>
-            <a:r>
-              <a:rPr lang="ja-JP" altLang="en-US" sz="2400" dirty="0">
-                <a:latin typeface="ＭＳ Ｐゴシック" panose="020B0600070205080204" pitchFamily="50" charset="-128"/>
-              </a:rPr>
-              <a:t>する。</a:t>
-            </a:r>
-            <a:r>
-              <a:rPr lang="ja-JP" altLang="ja-JP" sz="2400" dirty="0">
-                <a:latin typeface="ＭＳ Ｐゴシック" panose="020B0600070205080204" pitchFamily="50" charset="-128"/>
-              </a:rPr>
-              <a:t>大量アクセスによる</a:t>
-            </a:r>
-            <a:r>
-              <a:rPr lang="en-US" altLang="ja-JP" sz="2400" dirty="0">
-                <a:latin typeface="ＭＳ Ｐゴシック" panose="020B0600070205080204" pitchFamily="50" charset="-128"/>
-              </a:rPr>
-              <a:t>CPU</a:t>
-            </a:r>
-            <a:r>
-              <a:rPr lang="ja-JP" altLang="ja-JP" sz="2400" dirty="0">
-                <a:latin typeface="ＭＳ Ｐゴシック" panose="020B0600070205080204" pitchFamily="50" charset="-128"/>
-              </a:rPr>
-              <a:t>やネットワークの負荷分散</a:t>
-            </a:r>
-            <a:r>
-              <a:rPr lang="ja-JP" altLang="en-US" sz="2400" dirty="0">
-                <a:latin typeface="ＭＳ Ｐゴシック" panose="020B0600070205080204" pitchFamily="50" charset="-128"/>
-              </a:rPr>
-              <a:t>を</a:t>
-            </a:r>
-            <a:r>
-              <a:rPr lang="ja-JP" altLang="en-US" sz="2400" dirty="0" smtClean="0">
-                <a:latin typeface="ＭＳ Ｐゴシック" panose="020B0600070205080204" pitchFamily="50" charset="-128"/>
-              </a:rPr>
-              <a:t>想定</a:t>
-            </a:r>
-            <a:r>
-              <a:rPr lang="ja-JP" altLang="en-US" sz="2400" dirty="0">
-                <a:latin typeface="ＭＳ Ｐゴシック" panose="020B0600070205080204" pitchFamily="50" charset="-128"/>
-              </a:rPr>
-              <a:t>し</a:t>
-            </a:r>
-            <a:r>
-              <a:rPr lang="ja-JP" altLang="ja-JP" sz="2400" dirty="0" smtClean="0">
-                <a:latin typeface="ＭＳ Ｐゴシック" panose="020B0600070205080204" pitchFamily="50" charset="-128"/>
-              </a:rPr>
-              <a:t>，</a:t>
-            </a:r>
-            <a:r>
-              <a:rPr lang="ja-JP" altLang="ja-JP" sz="2400" dirty="0">
-                <a:latin typeface="ＭＳ Ｐゴシック" panose="020B0600070205080204" pitchFamily="50" charset="-128"/>
-              </a:rPr>
-              <a:t>ここでは物理的な別のサーバを数台用意</a:t>
-            </a:r>
-            <a:r>
-              <a:rPr lang="ja-JP" altLang="ja-JP" sz="2400" dirty="0" smtClean="0">
-                <a:latin typeface="ＭＳ Ｐゴシック" panose="020B0600070205080204" pitchFamily="50" charset="-128"/>
-              </a:rPr>
-              <a:t>する</a:t>
-            </a:r>
-            <a:r>
-              <a:rPr lang="ja-JP" altLang="en-US" sz="2400" dirty="0" smtClean="0">
-                <a:latin typeface="ＭＳ Ｐゴシック" panose="020B0600070205080204" pitchFamily="50" charset="-128"/>
-              </a:rPr>
-              <a:t>．</a:t>
-            </a:r>
-            <a:endParaRPr lang="en-US" altLang="ja-JP" sz="2400" dirty="0">
+              <a:t>使用．</a:t>
+            </a:r>
+            <a:endParaRPr lang="en-US" altLang="ja-JP" dirty="0" smtClean="0">
               <a:latin typeface="ＭＳ Ｐゴシック" panose="020B0600070205080204" pitchFamily="50" charset="-128"/>
             </a:endParaRPr>
           </a:p>
           <a:p>
-            <a:r>
-              <a:rPr lang="en-US" altLang="ja-JP" sz="2400" dirty="0">
-                <a:latin typeface="ＭＳ Ｐゴシック" panose="020B0600070205080204" pitchFamily="50" charset="-128"/>
-              </a:rPr>
-              <a:t>WEB</a:t>
-            </a:r>
-            <a:r>
-              <a:rPr lang="ja-JP" altLang="en-US" sz="2400" dirty="0">
-                <a:latin typeface="ＭＳ Ｐゴシック" panose="020B0600070205080204" pitchFamily="50" charset="-128"/>
-              </a:rPr>
-              <a:t>サーバが異なるのは設計・開発した動的ロードバランサが</a:t>
-            </a:r>
-            <a:r>
-              <a:rPr lang="en-US" altLang="ja-JP" sz="2400" dirty="0">
-                <a:latin typeface="ＭＳ Ｐゴシック" panose="020B0600070205080204" pitchFamily="50" charset="-128"/>
-              </a:rPr>
-              <a:t>Nginx</a:t>
-            </a:r>
-            <a:r>
-              <a:rPr lang="ja-JP" altLang="en-US" sz="2400" dirty="0" smtClean="0">
-                <a:latin typeface="ＭＳ Ｐゴシック" panose="020B0600070205080204" pitchFamily="50" charset="-128"/>
-              </a:rPr>
-              <a:t>のコンフィグ書き換えを利用している為である．</a:t>
-            </a:r>
-            <a:endParaRPr lang="en-US" altLang="ja-JP" sz="2400" dirty="0">
+            <a:endParaRPr lang="en-US" altLang="ja-JP" dirty="0">
               <a:latin typeface="ＭＳ Ｐゴシック" panose="020B0600070205080204" pitchFamily="50" charset="-128"/>
             </a:endParaRPr>
-          </a:p>
-          <a:p>
-            <a:endParaRPr lang="ja-JP" altLang="ja-JP" sz="2400" dirty="0"/>
           </a:p>
         </p:txBody>
       </p:sp>
@@ -8093,8 +8160,8 @@
         </p:nvSpPr>
         <p:spPr>
           <a:xfrm>
-            <a:off x="540864" y="5316884"/>
-            <a:ext cx="7974486" cy="1039467"/>
+            <a:off x="540864" y="5266944"/>
+            <a:ext cx="7974486" cy="1380744"/>
           </a:xfrm>
           <a:prstGeom prst="rect">
             <a:avLst/>
@@ -8102,7 +8169,7 @@
         </p:spPr>
         <p:txBody>
           <a:bodyPr vert="horz" lIns="91440" tIns="45720" rIns="91440" bIns="45720" rtlCol="0">
-            <a:normAutofit/>
+            <a:normAutofit fontScale="92500"/>
           </a:bodyPr>
           <a:lstStyle>
             <a:lvl1pPr marL="228600" indent="-228600" algn="l" defTabSz="914400" rtl="0" eaLnBrk="1" latinLnBrk="0" hangingPunct="1">
@@ -8270,16 +8337,47 @@
           </a:lstStyle>
           <a:p>
             <a:r>
-              <a:rPr lang="ja-JP" altLang="en-US" sz="2400" dirty="0" smtClean="0"/>
-              <a:t>異種のサーバ環境でのロードバランスを再現する為，上記コマンドで</a:t>
-            </a:r>
-            <a:r>
-              <a:rPr lang="en-US" altLang="ja-JP" sz="2400" dirty="0"/>
+              <a:rPr lang="ja-JP" altLang="en-US" dirty="0" smtClean="0"/>
+              <a:t>異種のサーバ環境でのロードバランスを再現</a:t>
+            </a:r>
+            <a:r>
+              <a:rPr lang="ja-JP" altLang="en-US" dirty="0" smtClean="0"/>
+              <a:t>するため，</a:t>
+            </a:r>
+            <a:r>
+              <a:rPr lang="en-US" altLang="ja-JP" dirty="0" smtClean="0"/>
+              <a:t/>
+            </a:r>
+            <a:br>
+              <a:rPr lang="en-US" altLang="ja-JP" dirty="0" smtClean="0"/>
+            </a:br>
+            <a:r>
+              <a:rPr lang="en-US" altLang="ja-JP" dirty="0" smtClean="0"/>
               <a:t>Raspberry Pi</a:t>
             </a:r>
             <a:r>
-              <a:rPr lang="ja-JP" altLang="en-US" sz="2400" dirty="0" smtClean="0"/>
-              <a:t>に制限を設ける．</a:t>
+              <a:rPr lang="ja-JP" altLang="en-US" dirty="0" err="1" smtClean="0"/>
+              <a:t>のメ</a:t>
+            </a:r>
+            <a:r>
+              <a:rPr lang="ja-JP" altLang="en-US" dirty="0" smtClean="0"/>
+              <a:t>モリやネットワークトラフィック，</a:t>
+            </a:r>
+            <a:r>
+              <a:rPr lang="en-US" altLang="ja-JP" dirty="0" smtClean="0"/>
+              <a:t>CPU</a:t>
+            </a:r>
+            <a:r>
+              <a:rPr lang="ja-JP" altLang="en-US" dirty="0" smtClean="0"/>
+              <a:t>のリソースに</a:t>
+            </a:r>
+            <a:r>
+              <a:rPr lang="ja-JP" altLang="en-US" dirty="0" smtClean="0"/>
+              <a:t>制限</a:t>
+            </a:r>
+            <a:r>
+              <a:rPr lang="ja-JP" altLang="en-US" dirty="0" smtClean="0"/>
+              <a:t>を設ける．</a:t>
             </a:r>
             <a:endParaRPr lang="en-US" altLang="ja-JP" sz="2400" dirty="0" smtClean="0"/>
           </a:p>
@@ -8409,7 +8507,7 @@
         </p:spPr>
         <p:txBody>
           <a:bodyPr>
-            <a:normAutofit lnSpcReduction="10000"/>
+            <a:normAutofit/>
           </a:bodyPr>
           <a:lstStyle/>
           <a:p>
@@ -8417,26 +8515,26 @@
               <a:buNone/>
             </a:pPr>
             <a:r>
-              <a:rPr lang="ja-JP" altLang="en-US" dirty="0" smtClean="0"/>
+              <a:rPr lang="ja-JP" altLang="en-US" sz="3200" dirty="0" smtClean="0"/>
               <a:t>応答</a:t>
             </a:r>
             <a:r>
-              <a:rPr lang="ja-JP" altLang="en-US" dirty="0"/>
+              <a:rPr lang="ja-JP" altLang="en-US" sz="3200" dirty="0"/>
               <a:t>速度を</a:t>
             </a:r>
             <a:r>
-              <a:rPr lang="ja-JP" altLang="en-US" u="sng" dirty="0"/>
+              <a:rPr lang="ja-JP" altLang="en-US" sz="3200" u="sng" dirty="0"/>
               <a:t>比較</a:t>
             </a:r>
             <a:r>
-              <a:rPr lang="ja-JP" altLang="en-US" u="sng" dirty="0" smtClean="0"/>
+              <a:rPr lang="ja-JP" altLang="en-US" sz="3200" u="sng" dirty="0" smtClean="0"/>
               <a:t>実験</a:t>
             </a:r>
             <a:r>
-              <a:rPr lang="ja-JP" altLang="en-US" dirty="0" smtClean="0"/>
+              <a:rPr lang="ja-JP" altLang="en-US" sz="3200" dirty="0" smtClean="0"/>
               <a:t>．</a:t>
             </a:r>
-            <a:endParaRPr lang="en-US" altLang="ja-JP" dirty="0" smtClean="0"/>
+            <a:endParaRPr lang="en-US" altLang="ja-JP" sz="3200" dirty="0" smtClean="0"/>
           </a:p>
           <a:p>
             <a:r>
@@ -8451,20 +8549,36 @@
           <a:p>
             <a:r>
               <a:rPr lang="ja-JP" altLang="en-US" dirty="0"/>
-              <a:t>コンフィグの設定を変更し重み付けを等しくする．</a:t>
+              <a:t>コンフィグの設定を変更</a:t>
+            </a:r>
+            <a:r>
+              <a:rPr lang="ja-JP" altLang="en-US" dirty="0" smtClean="0"/>
+              <a:t>し，重み付け</a:t>
+            </a:r>
+            <a:r>
+              <a:rPr lang="ja-JP" altLang="en-US" dirty="0"/>
+              <a:t>を等しくする．</a:t>
             </a:r>
             <a:br>
               <a:rPr lang="ja-JP" altLang="en-US" dirty="0"/>
             </a:br>
             <a:r>
+              <a:rPr lang="ja-JP" altLang="en-US" dirty="0" smtClean="0"/>
+              <a:t>→ラウンドロビン</a:t>
+            </a:r>
+            <a:r>
               <a:rPr lang="ja-JP" altLang="en-US" dirty="0"/>
-              <a:t>ラウンドロビンとして割り振られる．</a:t>
-            </a:r>
-          </a:p>
-          <a:p>
+              <a:t>として割り振られる．</a:t>
+            </a:r>
+          </a:p>
+          <a:p>
+            <a:r>
+              <a:rPr lang="ja-JP" altLang="en-US" dirty="0" smtClean="0"/>
+              <a:t>「</a:t>
+            </a:r>
             <a:r>
               <a:rPr lang="ja-JP" altLang="en-US" dirty="0"/>
-              <a:t>実験用計測プログラムを使い，「ラウンドロビン</a:t>
+              <a:t>ラウンドロビン</a:t>
             </a:r>
             <a:r>
               <a:rPr lang="ja-JP" altLang="en-US" dirty="0" smtClean="0"/>
@@ -8505,8 +8619,12 @@
           </a:p>
           <a:p>
             <a:r>
+              <a:rPr lang="ja-JP" altLang="en-US" dirty="0" smtClean="0"/>
+              <a:t>「</a:t>
+            </a:r>
+            <a:r>
               <a:rPr lang="ja-JP" altLang="en-US" dirty="0"/>
-              <a:t>再び実験用計測プログラムを使い，「提案システム</a:t>
+              <a:t>提案システム</a:t>
             </a:r>
             <a:r>
               <a:rPr lang="ja-JP" altLang="en-US" dirty="0" smtClean="0"/>
@@ -10755,11 +10873,7 @@
           <a:p>
             <a:r>
               <a:rPr lang="ja-JP" altLang="en-US" sz="2900" dirty="0" smtClean="0"/>
-              <a:t>応答</a:t>
-            </a:r>
-            <a:r>
-              <a:rPr lang="ja-JP" altLang="en-US" sz="2900" dirty="0" smtClean="0"/>
-              <a:t>速度によってサーバの割り振り先を決めるアルゴリズムの提案．</a:t>
+              <a:t>応答速度によってサーバの割り振り先を決めるアルゴリズムの提案．</a:t>
             </a:r>
             <a:endParaRPr lang="en-US" altLang="ja-JP" sz="2900" dirty="0" smtClean="0"/>
           </a:p>
@@ -10773,15 +10887,7 @@
           <a:p>
             <a:r>
               <a:rPr lang="ja-JP" altLang="en-US" sz="2900" dirty="0" smtClean="0"/>
-              <a:t>応答</a:t>
-            </a:r>
-            <a:r>
-              <a:rPr lang="ja-JP" altLang="en-US" sz="2900" dirty="0" smtClean="0"/>
-              <a:t>速度を考慮したロードバランサの設計と開発</a:t>
-            </a:r>
-            <a:r>
-              <a:rPr lang="ja-JP" altLang="en-US" sz="2900" dirty="0" smtClean="0"/>
-              <a:t>．</a:t>
+              <a:t>応答速度を考慮したロードバランサの設計と開発．</a:t>
             </a:r>
             <a:r>
               <a:rPr lang="en-US" altLang="ja-JP" sz="2900" dirty="0" smtClean="0"/>
@@ -10808,27 +10914,15 @@
             </a:r>
             <a:r>
               <a:rPr lang="ja-JP" altLang="en-US" sz="2900" dirty="0" smtClean="0"/>
-              <a:t>ム</a:t>
+              <a:t>ムを作ることで</a:t>
+            </a:r>
+            <a:r>
+              <a:rPr lang="ja-JP" altLang="ja-JP" sz="2900" dirty="0" smtClean="0"/>
+              <a:t>課題の解決</a:t>
             </a:r>
             <a:r>
               <a:rPr lang="ja-JP" altLang="en-US" sz="2900" dirty="0" smtClean="0"/>
-              <a:t>を作ることで</a:t>
-            </a:r>
-            <a:r>
-              <a:rPr lang="ja-JP" altLang="ja-JP" sz="2900" dirty="0" smtClean="0"/>
-              <a:t>課題</a:t>
-            </a:r>
-            <a:r>
-              <a:rPr lang="ja-JP" altLang="ja-JP" sz="2900" dirty="0" smtClean="0"/>
-              <a:t>の解決</a:t>
-            </a:r>
-            <a:r>
-              <a:rPr lang="ja-JP" altLang="en-US" sz="2900" dirty="0" smtClean="0"/>
-              <a:t>にアプローチする</a:t>
-            </a:r>
-            <a:r>
-              <a:rPr lang="ja-JP" altLang="en-US" sz="2900" dirty="0" smtClean="0"/>
-              <a:t>．</a:t>
+              <a:t>にアプローチする．</a:t>
             </a:r>
             <a:endParaRPr lang="en-US" altLang="ja-JP" sz="2900" dirty="0" smtClean="0"/>
           </a:p>

--- a/発表用/1821086_卒業研究発表会.pptx
+++ b/発表用/1821086_卒業研究発表会.pptx
@@ -10,13 +10,13 @@
   <p:sldIdLst>
     <p:sldId id="291" r:id="rId2"/>
     <p:sldId id="300" r:id="rId3"/>
-    <p:sldId id="261" r:id="rId4"/>
-    <p:sldId id="258" r:id="rId5"/>
-    <p:sldId id="260" r:id="rId6"/>
-    <p:sldId id="263" r:id="rId7"/>
-    <p:sldId id="316" r:id="rId8"/>
-    <p:sldId id="329" r:id="rId9"/>
-    <p:sldId id="328" r:id="rId10"/>
+    <p:sldId id="334" r:id="rId4"/>
+    <p:sldId id="261" r:id="rId5"/>
+    <p:sldId id="335" r:id="rId6"/>
+    <p:sldId id="258" r:id="rId7"/>
+    <p:sldId id="336" r:id="rId8"/>
+    <p:sldId id="260" r:id="rId9"/>
+    <p:sldId id="263" r:id="rId10"/>
     <p:sldId id="318" r:id="rId11"/>
     <p:sldId id="330" r:id="rId12"/>
     <p:sldId id="289" r:id="rId13"/>
@@ -245,7 +245,7 @@
           <a:p>
             <a:fld id="{27571B5F-C8EC-4379-AD76-80FD414F3861}" type="datetimeFigureOut">
               <a:rPr kumimoji="1" lang="ja-JP" altLang="en-US" smtClean="0"/>
-              <a:t>2022/1/14</a:t>
+              <a:t>2022/1/15</a:t>
             </a:fld>
             <a:endParaRPr kumimoji="1" lang="ja-JP" altLang="en-US"/>
           </a:p>
@@ -696,6 +696,484 @@
 </p:notes>
 </file>
 
+<file path=ppt/notesSlides/notesSlide10.xml><?xml version="1.0" encoding="utf-8"?>
+<p:notes xmlns:a="http://schemas.openxmlformats.org/drawingml/2006/main" xmlns:r="http://schemas.openxmlformats.org/officeDocument/2006/relationships" xmlns:p="http://schemas.openxmlformats.org/presentationml/2006/main">
+  <p:cSld>
+    <p:spTree>
+      <p:nvGrpSpPr>
+        <p:cNvPr id="1" name=""/>
+        <p:cNvGrpSpPr/>
+        <p:nvPr/>
+      </p:nvGrpSpPr>
+      <p:grpSpPr>
+        <a:xfrm>
+          <a:off x="0" y="0"/>
+          <a:ext cx="0" cy="0"/>
+          <a:chOff x="0" y="0"/>
+          <a:chExt cx="0" cy="0"/>
+        </a:xfrm>
+      </p:grpSpPr>
+      <p:sp>
+        <p:nvSpPr>
+          <p:cNvPr id="2" name="スライド イメージ プレースホルダー 1"/>
+          <p:cNvSpPr>
+            <a:spLocks noGrp="1" noRot="1" noChangeAspect="1"/>
+          </p:cNvSpPr>
+          <p:nvPr>
+            <p:ph type="sldImg"/>
+          </p:nvPr>
+        </p:nvSpPr>
+        <p:spPr/>
+      </p:sp>
+      <p:sp>
+        <p:nvSpPr>
+          <p:cNvPr id="3" name="ノート プレースホルダー 2"/>
+          <p:cNvSpPr>
+            <a:spLocks noGrp="1"/>
+          </p:cNvSpPr>
+          <p:nvPr>
+            <p:ph type="body" idx="1"/>
+          </p:nvPr>
+        </p:nvSpPr>
+        <p:spPr/>
+        <p:txBody>
+          <a:bodyPr/>
+          <a:lstStyle/>
+          <a:p>
+            <a:pPr marL="0" marR="0" lvl="0" indent="0" algn="l" defTabSz="914400" rtl="0" eaLnBrk="1" fontAlgn="auto" latinLnBrk="0" hangingPunct="1">
+              <a:lnSpc>
+                <a:spcPct val="100000"/>
+              </a:lnSpc>
+              <a:spcBef>
+                <a:spcPts val="0"/>
+              </a:spcBef>
+              <a:spcAft>
+                <a:spcPts val="0"/>
+              </a:spcAft>
+              <a:buClrTx/>
+              <a:buSzTx/>
+              <a:buFontTx/>
+              <a:buNone/>
+              <a:tabLst/>
+              <a:defRPr/>
+            </a:pPr>
+            <a:r>
+              <a:rPr kumimoji="1" lang="en-US" altLang="ja-JP" sz="1200" kern="1200" dirty="0" smtClean="0">
+                <a:solidFill>
+                  <a:schemeClr val="tx1"/>
+                </a:solidFill>
+                <a:latin typeface="+mn-lt"/>
+                <a:ea typeface="+mn-ea"/>
+                <a:cs typeface="+mn-cs"/>
+              </a:rPr>
+              <a:t>SEO</a:t>
+            </a:r>
+          </a:p>
+          <a:p>
+            <a:pPr marL="0" marR="0" lvl="0" indent="0" algn="l" defTabSz="914400" rtl="0" eaLnBrk="1" fontAlgn="auto" latinLnBrk="0" hangingPunct="1">
+              <a:lnSpc>
+                <a:spcPct val="100000"/>
+              </a:lnSpc>
+              <a:spcBef>
+                <a:spcPts val="0"/>
+              </a:spcBef>
+              <a:spcAft>
+                <a:spcPts val="0"/>
+              </a:spcAft>
+              <a:buClrTx/>
+              <a:buSzTx/>
+              <a:buFontTx/>
+              <a:buNone/>
+              <a:tabLst/>
+              <a:defRPr/>
+            </a:pPr>
+            <a:r>
+              <a:rPr kumimoji="1" lang="en-US" altLang="ja-JP" sz="1200" kern="1200" dirty="0" smtClean="0">
+                <a:solidFill>
+                  <a:schemeClr val="tx1"/>
+                </a:solidFill>
+                <a:latin typeface="+mn-lt"/>
+                <a:ea typeface="+mn-ea"/>
+                <a:cs typeface="+mn-cs"/>
+                <a:hlinkClick r:id="rId3"/>
+              </a:rPr>
+              <a:t>https://www.thinkwithgoogle.com/marketing-strategies/app-and-mobile/mobile-page-speed-new-industry-benchmarks/</a:t>
+            </a:r>
+            <a:endParaRPr kumimoji="1" lang="en-US" altLang="ja-JP" sz="1200" kern="1200" dirty="0" smtClean="0">
+              <a:solidFill>
+                <a:schemeClr val="tx1"/>
+              </a:solidFill>
+              <a:latin typeface="+mn-lt"/>
+              <a:ea typeface="+mn-ea"/>
+              <a:cs typeface="+mn-cs"/>
+            </a:endParaRPr>
+          </a:p>
+          <a:p>
+            <a:pPr marL="0" marR="0" lvl="0" indent="0" algn="l" defTabSz="914400" rtl="0" eaLnBrk="1" fontAlgn="auto" latinLnBrk="0" hangingPunct="1">
+              <a:lnSpc>
+                <a:spcPct val="100000"/>
+              </a:lnSpc>
+              <a:spcBef>
+                <a:spcPts val="0"/>
+              </a:spcBef>
+              <a:spcAft>
+                <a:spcPts val="0"/>
+              </a:spcAft>
+              <a:buClrTx/>
+              <a:buSzTx/>
+              <a:buFontTx/>
+              <a:buNone/>
+              <a:tabLst/>
+              <a:defRPr/>
+            </a:pPr>
+            <a:r>
+              <a:rPr kumimoji="1" lang="en-US" altLang="ja-JP" sz="1200" kern="1200" dirty="0" smtClean="0">
+                <a:solidFill>
+                  <a:schemeClr val="tx1"/>
+                </a:solidFill>
+                <a:latin typeface="+mn-lt"/>
+                <a:ea typeface="+mn-ea"/>
+                <a:cs typeface="+mn-cs"/>
+              </a:rPr>
+              <a:t>RAIL</a:t>
+            </a:r>
+            <a:r>
+              <a:rPr kumimoji="1" lang="ja-JP" altLang="en-US" sz="1200" kern="1200" dirty="0" smtClean="0">
+                <a:solidFill>
+                  <a:schemeClr val="tx1"/>
+                </a:solidFill>
+                <a:latin typeface="+mn-lt"/>
+                <a:ea typeface="+mn-ea"/>
+                <a:cs typeface="+mn-cs"/>
+              </a:rPr>
+              <a:t>モデルでパフォーマンスを測定する</a:t>
+            </a:r>
+            <a:endParaRPr kumimoji="1" lang="en-US" altLang="ja-JP" sz="1200" kern="1200" dirty="0" smtClean="0">
+              <a:solidFill>
+                <a:schemeClr val="tx1"/>
+              </a:solidFill>
+              <a:latin typeface="+mn-lt"/>
+              <a:ea typeface="+mn-ea"/>
+              <a:cs typeface="+mn-cs"/>
+            </a:endParaRPr>
+          </a:p>
+          <a:p>
+            <a:pPr marL="0" marR="0" lvl="0" indent="0" algn="l" defTabSz="914400" rtl="0" eaLnBrk="1" fontAlgn="auto" latinLnBrk="0" hangingPunct="1">
+              <a:lnSpc>
+                <a:spcPct val="100000"/>
+              </a:lnSpc>
+              <a:spcBef>
+                <a:spcPts val="0"/>
+              </a:spcBef>
+              <a:spcAft>
+                <a:spcPts val="0"/>
+              </a:spcAft>
+              <a:buClrTx/>
+              <a:buSzTx/>
+              <a:buFontTx/>
+              <a:buNone/>
+              <a:tabLst/>
+              <a:defRPr/>
+            </a:pPr>
+            <a:r>
+              <a:rPr kumimoji="1" lang="en-US" altLang="ja-JP" sz="1200" kern="1200" dirty="0" smtClean="0">
+                <a:solidFill>
+                  <a:schemeClr val="tx1"/>
+                </a:solidFill>
+                <a:latin typeface="+mn-lt"/>
+                <a:ea typeface="+mn-ea"/>
+                <a:cs typeface="+mn-cs"/>
+              </a:rPr>
+              <a:t>https://web.dev/rail/</a:t>
+            </a:r>
+          </a:p>
+          <a:p>
+            <a:endParaRPr kumimoji="1" lang="ja-JP" altLang="en-US" sz="1200" kern="1200" dirty="0">
+              <a:solidFill>
+                <a:schemeClr val="tx1"/>
+              </a:solidFill>
+              <a:latin typeface="+mn-lt"/>
+              <a:ea typeface="+mn-ea"/>
+              <a:cs typeface="+mn-cs"/>
+            </a:endParaRPr>
+          </a:p>
+        </p:txBody>
+      </p:sp>
+      <p:sp>
+        <p:nvSpPr>
+          <p:cNvPr id="4" name="スライド番号プレースホルダー 3"/>
+          <p:cNvSpPr>
+            <a:spLocks noGrp="1"/>
+          </p:cNvSpPr>
+          <p:nvPr>
+            <p:ph type="sldNum" sz="quarter" idx="10"/>
+          </p:nvPr>
+        </p:nvSpPr>
+        <p:spPr/>
+        <p:txBody>
+          <a:bodyPr/>
+          <a:lstStyle/>
+          <a:p>
+            <a:fld id="{9D828324-DCC9-430F-AD2C-1DD1805E2C40}" type="slidenum">
+              <a:rPr kumimoji="1" lang="ja-JP" altLang="en-US" smtClean="0"/>
+              <a:t>19</a:t>
+            </a:fld>
+            <a:endParaRPr kumimoji="1" lang="ja-JP" altLang="en-US"/>
+          </a:p>
+        </p:txBody>
+      </p:sp>
+    </p:spTree>
+    <p:extLst>
+      <p:ext uri="{BB962C8B-B14F-4D97-AF65-F5344CB8AC3E}">
+        <p14:creationId xmlns:p14="http://schemas.microsoft.com/office/powerpoint/2010/main" val="186295231"/>
+      </p:ext>
+    </p:extLst>
+  </p:cSld>
+  <p:clrMapOvr>
+    <a:masterClrMapping/>
+  </p:clrMapOvr>
+</p:notes>
+</file>
+
+<file path=ppt/notesSlides/notesSlide11.xml><?xml version="1.0" encoding="utf-8"?>
+<p:notes xmlns:a="http://schemas.openxmlformats.org/drawingml/2006/main" xmlns:r="http://schemas.openxmlformats.org/officeDocument/2006/relationships" xmlns:p="http://schemas.openxmlformats.org/presentationml/2006/main">
+  <p:cSld>
+    <p:spTree>
+      <p:nvGrpSpPr>
+        <p:cNvPr id="1" name=""/>
+        <p:cNvGrpSpPr/>
+        <p:nvPr/>
+      </p:nvGrpSpPr>
+      <p:grpSpPr>
+        <a:xfrm>
+          <a:off x="0" y="0"/>
+          <a:ext cx="0" cy="0"/>
+          <a:chOff x="0" y="0"/>
+          <a:chExt cx="0" cy="0"/>
+        </a:xfrm>
+      </p:grpSpPr>
+      <p:sp>
+        <p:nvSpPr>
+          <p:cNvPr id="2" name="スライド イメージ プレースホルダー 1"/>
+          <p:cNvSpPr>
+            <a:spLocks noGrp="1" noRot="1" noChangeAspect="1"/>
+          </p:cNvSpPr>
+          <p:nvPr>
+            <p:ph type="sldImg"/>
+          </p:nvPr>
+        </p:nvSpPr>
+        <p:spPr/>
+      </p:sp>
+      <p:sp>
+        <p:nvSpPr>
+          <p:cNvPr id="3" name="ノート プレースホルダー 2"/>
+          <p:cNvSpPr>
+            <a:spLocks noGrp="1"/>
+          </p:cNvSpPr>
+          <p:nvPr>
+            <p:ph type="body" idx="1"/>
+          </p:nvPr>
+        </p:nvSpPr>
+        <p:spPr/>
+        <p:txBody>
+          <a:bodyPr/>
+          <a:lstStyle/>
+          <a:p>
+            <a:pPr marL="0" marR="0" lvl="0" indent="0" algn="l" defTabSz="914400" rtl="0" eaLnBrk="1" fontAlgn="auto" latinLnBrk="0" hangingPunct="1">
+              <a:lnSpc>
+                <a:spcPct val="100000"/>
+              </a:lnSpc>
+              <a:spcBef>
+                <a:spcPts val="0"/>
+              </a:spcBef>
+              <a:spcAft>
+                <a:spcPts val="0"/>
+              </a:spcAft>
+              <a:buClrTx/>
+              <a:buSzTx/>
+              <a:buFontTx/>
+              <a:buNone/>
+              <a:tabLst/>
+              <a:defRPr/>
+            </a:pPr>
+            <a:r>
+              <a:rPr kumimoji="1" lang="en-US" altLang="ja-JP" sz="1200" kern="1200" dirty="0" smtClean="0">
+                <a:solidFill>
+                  <a:schemeClr val="tx1"/>
+                </a:solidFill>
+                <a:latin typeface="+mn-lt"/>
+                <a:ea typeface="+mn-ea"/>
+                <a:cs typeface="+mn-cs"/>
+              </a:rPr>
+              <a:t>SEO</a:t>
+            </a:r>
+          </a:p>
+          <a:p>
+            <a:pPr marL="0" marR="0" lvl="0" indent="0" algn="l" defTabSz="914400" rtl="0" eaLnBrk="1" fontAlgn="auto" latinLnBrk="0" hangingPunct="1">
+              <a:lnSpc>
+                <a:spcPct val="100000"/>
+              </a:lnSpc>
+              <a:spcBef>
+                <a:spcPts val="0"/>
+              </a:spcBef>
+              <a:spcAft>
+                <a:spcPts val="0"/>
+              </a:spcAft>
+              <a:buClrTx/>
+              <a:buSzTx/>
+              <a:buFontTx/>
+              <a:buNone/>
+              <a:tabLst/>
+              <a:defRPr/>
+            </a:pPr>
+            <a:r>
+              <a:rPr kumimoji="1" lang="en-US" altLang="ja-JP" sz="1200" kern="1200" dirty="0" smtClean="0">
+                <a:solidFill>
+                  <a:schemeClr val="tx1"/>
+                </a:solidFill>
+                <a:latin typeface="+mn-lt"/>
+                <a:ea typeface="+mn-ea"/>
+                <a:cs typeface="+mn-cs"/>
+                <a:hlinkClick r:id="rId3"/>
+              </a:rPr>
+              <a:t>https://www.thinkwithgoogle.com/marketing-strategies/app-and-mobile/mobile-page-speed-new-industry-benchmarks/</a:t>
+            </a:r>
+            <a:endParaRPr kumimoji="1" lang="en-US" altLang="ja-JP" sz="1200" kern="1200" dirty="0" smtClean="0">
+              <a:solidFill>
+                <a:schemeClr val="tx1"/>
+              </a:solidFill>
+              <a:latin typeface="+mn-lt"/>
+              <a:ea typeface="+mn-ea"/>
+              <a:cs typeface="+mn-cs"/>
+            </a:endParaRPr>
+          </a:p>
+          <a:p>
+            <a:pPr marL="0" marR="0" lvl="0" indent="0" algn="l" defTabSz="914400" rtl="0" eaLnBrk="1" fontAlgn="auto" latinLnBrk="0" hangingPunct="1">
+              <a:lnSpc>
+                <a:spcPct val="100000"/>
+              </a:lnSpc>
+              <a:spcBef>
+                <a:spcPts val="0"/>
+              </a:spcBef>
+              <a:spcAft>
+                <a:spcPts val="0"/>
+              </a:spcAft>
+              <a:buClrTx/>
+              <a:buSzTx/>
+              <a:buFontTx/>
+              <a:buNone/>
+              <a:tabLst/>
+              <a:defRPr/>
+            </a:pPr>
+            <a:r>
+              <a:rPr kumimoji="1" lang="en-US" altLang="ja-JP" sz="1200" kern="1200" dirty="0" smtClean="0">
+                <a:solidFill>
+                  <a:schemeClr val="tx1"/>
+                </a:solidFill>
+                <a:latin typeface="+mn-lt"/>
+                <a:ea typeface="+mn-ea"/>
+                <a:cs typeface="+mn-cs"/>
+              </a:rPr>
+              <a:t>RAIL</a:t>
+            </a:r>
+            <a:r>
+              <a:rPr kumimoji="1" lang="ja-JP" altLang="en-US" sz="1200" kern="1200" dirty="0" smtClean="0">
+                <a:solidFill>
+                  <a:schemeClr val="tx1"/>
+                </a:solidFill>
+                <a:latin typeface="+mn-lt"/>
+                <a:ea typeface="+mn-ea"/>
+                <a:cs typeface="+mn-cs"/>
+              </a:rPr>
+              <a:t>モデルでパフォーマンスを測定する</a:t>
+            </a:r>
+            <a:endParaRPr kumimoji="1" lang="en-US" altLang="ja-JP" sz="1200" kern="1200" dirty="0" smtClean="0">
+              <a:solidFill>
+                <a:schemeClr val="tx1"/>
+              </a:solidFill>
+              <a:latin typeface="+mn-lt"/>
+              <a:ea typeface="+mn-ea"/>
+              <a:cs typeface="+mn-cs"/>
+            </a:endParaRPr>
+          </a:p>
+          <a:p>
+            <a:pPr marL="0" marR="0" lvl="0" indent="0" algn="l" defTabSz="914400" rtl="0" eaLnBrk="1" fontAlgn="auto" latinLnBrk="0" hangingPunct="1">
+              <a:lnSpc>
+                <a:spcPct val="100000"/>
+              </a:lnSpc>
+              <a:spcBef>
+                <a:spcPts val="0"/>
+              </a:spcBef>
+              <a:spcAft>
+                <a:spcPts val="0"/>
+              </a:spcAft>
+              <a:buClrTx/>
+              <a:buSzTx/>
+              <a:buFontTx/>
+              <a:buNone/>
+              <a:tabLst/>
+              <a:defRPr/>
+            </a:pPr>
+            <a:r>
+              <a:rPr kumimoji="1" lang="en-US" altLang="ja-JP" sz="1200" kern="1200" dirty="0" smtClean="0">
+                <a:solidFill>
+                  <a:schemeClr val="tx1"/>
+                </a:solidFill>
+                <a:latin typeface="+mn-lt"/>
+                <a:ea typeface="+mn-ea"/>
+                <a:cs typeface="+mn-cs"/>
+              </a:rPr>
+              <a:t>https://web.dev/rail/</a:t>
+            </a:r>
+          </a:p>
+          <a:p>
+            <a:endParaRPr kumimoji="1" lang="ja-JP" altLang="en-US" sz="1200" kern="1200" dirty="0">
+              <a:solidFill>
+                <a:schemeClr val="tx1"/>
+              </a:solidFill>
+              <a:latin typeface="+mn-lt"/>
+              <a:ea typeface="+mn-ea"/>
+              <a:cs typeface="+mn-cs"/>
+            </a:endParaRPr>
+          </a:p>
+        </p:txBody>
+      </p:sp>
+      <p:sp>
+        <p:nvSpPr>
+          <p:cNvPr id="4" name="スライド番号プレースホルダー 3"/>
+          <p:cNvSpPr>
+            <a:spLocks noGrp="1"/>
+          </p:cNvSpPr>
+          <p:nvPr>
+            <p:ph type="sldNum" sz="quarter" idx="10"/>
+          </p:nvPr>
+        </p:nvSpPr>
+        <p:spPr/>
+        <p:txBody>
+          <a:bodyPr/>
+          <a:lstStyle/>
+          <a:p>
+            <a:fld id="{9D828324-DCC9-430F-AD2C-1DD1805E2C40}" type="slidenum">
+              <a:rPr kumimoji="1" lang="ja-JP" altLang="en-US" smtClean="0"/>
+              <a:t>20</a:t>
+            </a:fld>
+            <a:endParaRPr kumimoji="1" lang="ja-JP" altLang="en-US"/>
+          </a:p>
+        </p:txBody>
+      </p:sp>
+    </p:spTree>
+    <p:extLst>
+      <p:ext uri="{BB962C8B-B14F-4D97-AF65-F5344CB8AC3E}">
+        <p14:creationId xmlns:p14="http://schemas.microsoft.com/office/powerpoint/2010/main" val="2788763254"/>
+      </p:ext>
+    </p:extLst>
+  </p:cSld>
+  <p:clrMapOvr>
+    <a:masterClrMapping/>
+  </p:clrMapOvr>
+</p:notes>
+</file>
+
 <file path=ppt/notesSlides/notesSlide2.xml><?xml version="1.0" encoding="utf-8"?>
 <p:notes xmlns:a="http://schemas.openxmlformats.org/drawingml/2006/main" xmlns:r="http://schemas.openxmlformats.org/officeDocument/2006/relationships" xmlns:p="http://schemas.openxmlformats.org/presentationml/2006/main">
   <p:cSld>
@@ -741,94 +1219,73 @@
           <a:lstStyle/>
           <a:p>
             <a:r>
-              <a:rPr kumimoji="1" lang="ja-JP" altLang="en-US" dirty="0" smtClean="0"/>
-              <a:t>１つめ、（</a:t>
-            </a:r>
-            <a:r>
-              <a:rPr kumimoji="1" lang="en-US" altLang="ja-JP" dirty="0" smtClean="0"/>
-              <a:t>HTTP</a:t>
-            </a:r>
-            <a:r>
-              <a:rPr kumimoji="1" lang="ja-JP" altLang="en-US" dirty="0" smtClean="0"/>
-              <a:t>セッションのハンドオーバによる</a:t>
-            </a:r>
-            <a:r>
-              <a:rPr kumimoji="1" lang="en-US" altLang="ja-JP" dirty="0" smtClean="0"/>
-              <a:t>WEB</a:t>
-            </a:r>
-            <a:r>
-              <a:rPr kumimoji="1" lang="ja-JP" altLang="en-US" dirty="0" smtClean="0"/>
-              <a:t>サーバのロードバランス）</a:t>
-            </a:r>
-          </a:p>
-          <a:p>
-            <a:r>
-              <a:rPr kumimoji="1" lang="ja-JP" altLang="en-US" dirty="0" smtClean="0"/>
-              <a:t>こちらの論文では、リバースプロキシによるロードバランス手法について書かれています。</a:t>
-            </a:r>
-          </a:p>
-          <a:p>
-            <a:endParaRPr kumimoji="1" lang="ja-JP" altLang="en-US" dirty="0" smtClean="0"/>
-          </a:p>
-          <a:p>
-            <a:r>
-              <a:rPr kumimoji="1" lang="ja-JP" altLang="en-US" dirty="0" smtClean="0"/>
-              <a:t>２つめ、（複数のロードバランサによる Ｗｅｂシステムの応答時間最適化）</a:t>
-            </a:r>
-          </a:p>
-          <a:p>
-            <a:r>
-              <a:rPr kumimoji="1" lang="ja-JP" altLang="en-US" dirty="0" smtClean="0"/>
-              <a:t>こちらは応答速度の最適化について、</a:t>
-            </a:r>
-          </a:p>
-          <a:p>
-            <a:endParaRPr kumimoji="1" lang="ja-JP" altLang="en-US" dirty="0" smtClean="0"/>
-          </a:p>
-          <a:p>
-            <a:r>
-              <a:rPr kumimoji="1" lang="ja-JP" altLang="en-US" dirty="0" smtClean="0"/>
-              <a:t>また、</a:t>
-            </a:r>
-            <a:r>
-              <a:rPr kumimoji="1" lang="en-US" altLang="ja-JP" dirty="0" smtClean="0"/>
-              <a:t>3</a:t>
-            </a:r>
-            <a:r>
-              <a:rPr kumimoji="1" lang="ja-JP" altLang="en-US" dirty="0" smtClean="0"/>
-              <a:t>つ目は（</a:t>
-            </a:r>
-            <a:r>
-              <a:rPr kumimoji="1" lang="en-US" altLang="ja-JP" dirty="0" smtClean="0"/>
-              <a:t>What do people want from a news experience</a:t>
-            </a:r>
-            <a:r>
-              <a:rPr kumimoji="1" lang="ja-JP" altLang="en-US" dirty="0" smtClean="0"/>
-              <a:t>）</a:t>
-            </a:r>
-          </a:p>
-          <a:p>
-            <a:r>
-              <a:rPr kumimoji="1" lang="ja-JP" altLang="en-US" dirty="0" smtClean="0"/>
-              <a:t>応答速度の評価手法について書かれています。</a:t>
-            </a:r>
-          </a:p>
-          <a:p>
-            <a:endParaRPr kumimoji="1" lang="ja-JP" altLang="en-US" dirty="0" smtClean="0"/>
-          </a:p>
-          <a:p>
-            <a:r>
-              <a:rPr kumimoji="1" lang="ja-JP" altLang="en-US" dirty="0" smtClean="0"/>
-              <a:t>４つめは</a:t>
-            </a:r>
-            <a:r>
-              <a:rPr kumimoji="1" lang="en-US" altLang="ja-JP" dirty="0" smtClean="0"/>
-              <a:t>WEB</a:t>
-            </a:r>
-            <a:r>
-              <a:rPr kumimoji="1" lang="ja-JP" altLang="en-US" dirty="0" smtClean="0"/>
-              <a:t>サーバ計測システムの設計・開発について書かれています。</a:t>
-            </a:r>
+              <a:rPr lang="ja-JP" altLang="ja-JP" dirty="0" smtClean="0"/>
+              <a:t>大企業だけでなく中小企業や個人のサイトでもサービスが拡大するにつれて</a:t>
+            </a:r>
+            <a:r>
+              <a:rPr lang="en-US" altLang="ja-JP" dirty="0" smtClean="0"/>
+              <a:t>Web</a:t>
+            </a:r>
+            <a:r>
+              <a:rPr lang="ja-JP" altLang="ja-JP" dirty="0" smtClean="0"/>
+              <a:t>の負荷分散が可能な</a:t>
+            </a:r>
+            <a:r>
+              <a:rPr lang="ja-JP" altLang="en-US" dirty="0" smtClean="0"/>
+              <a:t>「</a:t>
+            </a:r>
+            <a:r>
+              <a:rPr lang="ja-JP" altLang="ja-JP" dirty="0" smtClean="0"/>
+              <a:t>サーバロードバランシング</a:t>
+            </a:r>
+            <a:r>
+              <a:rPr lang="ja-JP" altLang="en-US" dirty="0" smtClean="0"/>
+              <a:t>」</a:t>
+            </a:r>
+            <a:r>
+              <a:rPr lang="ja-JP" altLang="ja-JP" dirty="0" smtClean="0"/>
+              <a:t>は重要される．</a:t>
+            </a:r>
+            <a:endParaRPr lang="en-US" altLang="ja-JP" dirty="0" smtClean="0"/>
+          </a:p>
+          <a:p>
+            <a:r>
+              <a:rPr lang="en-US" altLang="ja-JP" dirty="0" smtClean="0"/>
+              <a:t>SEO(Search Engine Optimization)</a:t>
+            </a:r>
+            <a:r>
+              <a:rPr lang="ja-JP" altLang="ja-JP" dirty="0" smtClean="0"/>
+              <a:t>の観点から視，競合サイトと比較し自身のサイトの表示速度が遅いとランキング評価で不利になるとされている</a:t>
+            </a:r>
+            <a:r>
+              <a:rPr lang="en-US" altLang="ja-JP" dirty="0" smtClean="0"/>
+              <a:t>[Daniel 2017]</a:t>
+            </a:r>
+            <a:r>
+              <a:rPr lang="ja-JP" altLang="en-US" dirty="0" smtClean="0"/>
+              <a:t>為</a:t>
+            </a:r>
+            <a:r>
+              <a:rPr lang="ja-JP" altLang="ja-JP" dirty="0" smtClean="0"/>
+              <a:t>，負荷分散時にも応答速度に配慮する必要がある．</a:t>
+            </a:r>
+            <a:endParaRPr lang="en-US" altLang="ja-JP" dirty="0" smtClean="0"/>
+          </a:p>
+          <a:p>
+            <a:r>
+              <a:rPr lang="ja-JP" altLang="ja-JP" dirty="0" smtClean="0"/>
+              <a:t>通常ロードバランサのリバース先であるサーバ</a:t>
+            </a:r>
+            <a:r>
+              <a:rPr lang="ja-JP" altLang="en-US" dirty="0" smtClean="0"/>
+              <a:t>群</a:t>
+            </a:r>
+            <a:r>
+              <a:rPr lang="ja-JP" altLang="ja-JP" dirty="0" smtClean="0"/>
+              <a:t>は同性能であることが望ましいとされている．しかし，リプレイスによって導入された新しいサーバと旧式のサーバを混合して負荷分散に利用されることも個人や中小企業を中心に見受けられる．</a:t>
+            </a:r>
+          </a:p>
+          <a:p>
             <a:endParaRPr kumimoji="1" lang="ja-JP" altLang="en-US" dirty="0"/>
           </a:p>
         </p:txBody>
@@ -852,14 +1309,14 @@
               <a:rPr kumimoji="1" lang="ja-JP" altLang="en-US" smtClean="0"/>
               <a:t>3</a:t>
             </a:fld>
-            <a:endParaRPr kumimoji="1" lang="ja-JP" altLang="en-US"/>
+            <a:endParaRPr kumimoji="1" lang="ja-JP" altLang="en-US" dirty="0"/>
           </a:p>
         </p:txBody>
       </p:sp>
     </p:spTree>
     <p:extLst>
       <p:ext uri="{BB962C8B-B14F-4D97-AF65-F5344CB8AC3E}">
-        <p14:creationId xmlns:p14="http://schemas.microsoft.com/office/powerpoint/2010/main" val="687012771"/>
+        <p14:creationId xmlns:p14="http://schemas.microsoft.com/office/powerpoint/2010/main" val="2717061913"/>
       </p:ext>
     </p:extLst>
   </p:cSld>
@@ -914,186 +1371,94 @@
           <a:lstStyle/>
           <a:p>
             <a:r>
-              <a:rPr lang="en-US" altLang="ja-JP" sz="1200" dirty="0" smtClean="0"/>
-              <a:t>[STEP-1]</a:t>
-            </a:r>
-            <a:r>
-              <a:rPr lang="ja-JP" altLang="ja-JP" sz="1200" dirty="0" smtClean="0"/>
-              <a:t>冗長的で性能が不均一な</a:t>
-            </a:r>
-            <a:r>
-              <a:rPr lang="en-US" altLang="ja-JP" sz="1200" dirty="0" smtClean="0"/>
+              <a:rPr kumimoji="1" lang="ja-JP" altLang="en-US" dirty="0" smtClean="0"/>
+              <a:t>１つめ、（</a:t>
+            </a:r>
+            <a:r>
+              <a:rPr kumimoji="1" lang="en-US" altLang="ja-JP" dirty="0" smtClean="0"/>
+              <a:t>HTTP</a:t>
+            </a:r>
+            <a:r>
+              <a:rPr kumimoji="1" lang="ja-JP" altLang="en-US" dirty="0" smtClean="0"/>
+              <a:t>セッションのハンドオーバによる</a:t>
+            </a:r>
+            <a:r>
+              <a:rPr kumimoji="1" lang="en-US" altLang="ja-JP" dirty="0" smtClean="0"/>
               <a:t>WEB</a:t>
             </a:r>
             <a:r>
-              <a:rPr lang="ja-JP" altLang="ja-JP" sz="1200" dirty="0" smtClean="0"/>
-              <a:t>サーバを用意</a:t>
-            </a:r>
-            <a:r>
-              <a:rPr lang="ja-JP" altLang="en-US" sz="1200" dirty="0" smtClean="0"/>
-              <a:t>．</a:t>
-            </a:r>
-            <a:endParaRPr lang="en-US" altLang="ja-JP" sz="1200" dirty="0" smtClean="0"/>
-          </a:p>
-          <a:p>
-            <a:r>
-              <a:rPr lang="en-US" altLang="ja-JP" sz="1200" dirty="0" smtClean="0"/>
-              <a:t>[STEP-2]</a:t>
-            </a:r>
-            <a:r>
-              <a:rPr lang="ja-JP" altLang="ja-JP" sz="1200" dirty="0" smtClean="0"/>
-              <a:t>そ</a:t>
-            </a:r>
-            <a:r>
-              <a:rPr lang="ja-JP" altLang="en-US" sz="1200" dirty="0" smtClean="0"/>
-              <a:t>れぞれのサーバの応答速度を測るため，サーバにリクエストを送って応答速度を返す「応答速度計測プログラム」を作成し利用する． </a:t>
-            </a:r>
-            <a:endParaRPr lang="en-US" altLang="ja-JP" sz="1200" dirty="0" smtClean="0"/>
-          </a:p>
-          <a:p>
-            <a:r>
-              <a:rPr lang="en-US" altLang="ja-JP" sz="1200" dirty="0" smtClean="0"/>
-              <a:t>[ STEP-3 ] STEP-2</a:t>
-            </a:r>
-            <a:r>
-              <a:rPr lang="ja-JP" altLang="ja-JP" sz="1200" dirty="0" smtClean="0"/>
-              <a:t>で計測したデータは考案した応答速度評価アルゴリズムを用いて</a:t>
-            </a:r>
-            <a:r>
-              <a:rPr lang="en-US" altLang="ja-JP" sz="1200" dirty="0" smtClean="0"/>
-              <a:t>L1</a:t>
-            </a:r>
-            <a:r>
-              <a:rPr lang="ja-JP" altLang="en-US" sz="1200" dirty="0" smtClean="0"/>
-              <a:t>～</a:t>
-            </a:r>
-            <a:r>
-              <a:rPr lang="en-US" altLang="ja-JP" sz="1200" dirty="0" smtClean="0"/>
-              <a:t>Ln</a:t>
-            </a:r>
-            <a:r>
-              <a:rPr lang="ja-JP" altLang="en-US" sz="1200" dirty="0" smtClean="0"/>
-              <a:t>の</a:t>
-            </a:r>
-            <a:r>
-              <a:rPr lang="en-US" altLang="ja-JP" sz="1200" dirty="0" smtClean="0"/>
-              <a:t>n</a:t>
-            </a:r>
-            <a:r>
-              <a:rPr lang="ja-JP" altLang="en-US" sz="1200" dirty="0" smtClean="0"/>
-              <a:t>段階で評価付ける．</a:t>
-            </a:r>
-            <a:r>
-              <a:rPr lang="ja-JP" altLang="ja-JP" sz="1200" dirty="0" smtClean="0"/>
-              <a:t>評価は主観的になりやすい為</a:t>
-            </a:r>
-            <a:r>
-              <a:rPr lang="ja-JP" altLang="en-US" sz="1200" dirty="0" smtClean="0"/>
-              <a:t>，先行研究である「</a:t>
-            </a:r>
-            <a:r>
-              <a:rPr lang="en-US" altLang="ja-JP" sz="1200" dirty="0" smtClean="0"/>
-              <a:t>Web</a:t>
-            </a:r>
-            <a:r>
-              <a:rPr lang="ja-JP" altLang="ja-JP" sz="1200" dirty="0" smtClean="0"/>
-              <a:t>サイトの反応時間の遅延と</a:t>
-            </a:r>
-            <a:r>
-              <a:rPr lang="ja-JP" altLang="en-US" sz="1200" dirty="0" smtClean="0"/>
-              <a:t>，</a:t>
-            </a:r>
-            <a:r>
-              <a:rPr lang="ja-JP" altLang="ja-JP" sz="1200" dirty="0" smtClean="0"/>
-              <a:t>それに対するユーザの反応</a:t>
-            </a:r>
-            <a:r>
-              <a:rPr lang="ja-JP" altLang="en-US" sz="1200" dirty="0" smtClean="0"/>
-              <a:t>」</a:t>
-            </a:r>
-            <a:r>
-              <a:rPr lang="en-US" altLang="ja-JP" sz="1200" dirty="0" smtClean="0">
-                <a:latin typeface="ＭＳ Ｐゴシック" panose="020B0600070205080204" pitchFamily="50" charset="-128"/>
-              </a:rPr>
-              <a:t> [Paul 2014]</a:t>
-            </a:r>
-            <a:r>
-              <a:rPr lang="ja-JP" altLang="en-US" sz="1200" dirty="0" smtClean="0"/>
-              <a:t>や「</a:t>
-            </a:r>
-            <a:r>
-              <a:rPr lang="en-US" altLang="ja-JP" sz="1200" dirty="0" smtClean="0"/>
-              <a:t>RAIL</a:t>
-            </a:r>
-            <a:r>
-              <a:rPr lang="ja-JP" altLang="en-US" sz="1200" dirty="0" smtClean="0"/>
-              <a:t>モデル」</a:t>
-            </a:r>
-            <a:r>
-              <a:rPr lang="en-US" altLang="ja-JP" sz="1200" dirty="0" smtClean="0"/>
-              <a:t>[Google 2008]</a:t>
-            </a:r>
-            <a:r>
-              <a:rPr lang="ja-JP" altLang="ja-JP" sz="1200" dirty="0" smtClean="0"/>
-              <a:t>を参考に評価</a:t>
-            </a:r>
-            <a:r>
-              <a:rPr lang="ja-JP" altLang="en-US" sz="1200" dirty="0" smtClean="0"/>
-              <a:t>を行う</a:t>
-            </a:r>
-            <a:r>
-              <a:rPr lang="en-US" altLang="ja-JP" sz="1200" dirty="0" smtClean="0"/>
-              <a:t>.</a:t>
-            </a:r>
-            <a:endParaRPr lang="ja-JP" altLang="ja-JP" sz="1200" dirty="0" smtClean="0"/>
-          </a:p>
-          <a:p>
-            <a:r>
-              <a:rPr lang="en-US" altLang="ja-JP" sz="1200" dirty="0" smtClean="0"/>
-              <a:t>[ STEP-4 ]</a:t>
-            </a:r>
-            <a:r>
-              <a:rPr lang="ja-JP" altLang="ja-JP" sz="1200" dirty="0" smtClean="0"/>
-              <a:t>評価されたデータは評価済み応答速度としてデータベースへ保管される</a:t>
-            </a:r>
-            <a:r>
-              <a:rPr lang="ja-JP" altLang="en-US" sz="1200" dirty="0" smtClean="0"/>
-              <a:t>．</a:t>
-            </a:r>
-            <a:endParaRPr lang="ja-JP" altLang="ja-JP" sz="1200" dirty="0" smtClean="0"/>
-          </a:p>
-          <a:p>
-            <a:r>
-              <a:rPr lang="en-US" altLang="ja-JP" sz="1200" dirty="0" smtClean="0"/>
-              <a:t>[ STEP-5 ]</a:t>
-            </a:r>
-            <a:r>
-              <a:rPr lang="ja-JP" altLang="ja-JP" sz="1200" dirty="0" smtClean="0"/>
-              <a:t>ロードバランサはこのデータベースへアクセスする</a:t>
-            </a:r>
-            <a:r>
-              <a:rPr lang="ja-JP" altLang="en-US" sz="1200" dirty="0" smtClean="0"/>
-              <a:t>．</a:t>
-            </a:r>
-            <a:r>
-              <a:rPr lang="ja-JP" altLang="ja-JP" sz="1200" dirty="0" smtClean="0"/>
-              <a:t>サーバの状態に応じて割り振り方法を動的に変化させることが可能になる</a:t>
-            </a:r>
-            <a:r>
-              <a:rPr lang="ja-JP" altLang="en-US" sz="1200" dirty="0" smtClean="0"/>
-              <a:t>．</a:t>
-            </a:r>
-            <a:r>
-              <a:rPr lang="ja-JP" altLang="ja-JP" sz="1200" dirty="0" smtClean="0"/>
-              <a:t>応答速度が最も早いサーバへの接続が優先される</a:t>
-            </a:r>
-            <a:r>
-              <a:rPr lang="ja-JP" altLang="en-US" sz="1200" dirty="0" smtClean="0"/>
-              <a:t>．</a:t>
-            </a:r>
-            <a:endParaRPr lang="ja-JP" altLang="ja-JP" sz="1200" dirty="0" smtClean="0"/>
-          </a:p>
-          <a:p>
+              <a:rPr kumimoji="1" lang="ja-JP" altLang="en-US" dirty="0" smtClean="0"/>
+              <a:t>サーバのロードバランス）</a:t>
+            </a:r>
+          </a:p>
+          <a:p>
+            <a:r>
+              <a:rPr kumimoji="1" lang="ja-JP" altLang="en-US" dirty="0" smtClean="0"/>
+              <a:t>こちらの論文では、リバースプロキシによるロードバランス手法について書かれています。</a:t>
+            </a:r>
+          </a:p>
+          <a:p>
+            <a:endParaRPr kumimoji="1" lang="ja-JP" altLang="en-US" dirty="0" smtClean="0"/>
+          </a:p>
+          <a:p>
+            <a:r>
+              <a:rPr kumimoji="1" lang="ja-JP" altLang="en-US" dirty="0" smtClean="0"/>
+              <a:t>２つめ、（複数のロードバランサによる Ｗｅｂシステムの応答時間最適化）</a:t>
+            </a:r>
+          </a:p>
+          <a:p>
+            <a:r>
+              <a:rPr kumimoji="1" lang="ja-JP" altLang="en-US" dirty="0" smtClean="0"/>
+              <a:t>こちらは応答速度の最適化について、</a:t>
+            </a:r>
+          </a:p>
+          <a:p>
+            <a:endParaRPr kumimoji="1" lang="ja-JP" altLang="en-US" dirty="0" smtClean="0"/>
+          </a:p>
+          <a:p>
+            <a:r>
+              <a:rPr kumimoji="1" lang="ja-JP" altLang="en-US" dirty="0" smtClean="0"/>
+              <a:t>また、</a:t>
+            </a:r>
+            <a:r>
+              <a:rPr kumimoji="1" lang="en-US" altLang="ja-JP" dirty="0" smtClean="0"/>
+              <a:t>3</a:t>
+            </a:r>
+            <a:r>
+              <a:rPr kumimoji="1" lang="ja-JP" altLang="en-US" dirty="0" smtClean="0"/>
+              <a:t>つ目は（</a:t>
+            </a:r>
+            <a:r>
+              <a:rPr kumimoji="1" lang="en-US" altLang="ja-JP" dirty="0" smtClean="0"/>
+              <a:t>What do people want from a news experience</a:t>
+            </a:r>
+            <a:r>
+              <a:rPr kumimoji="1" lang="ja-JP" altLang="en-US" dirty="0" smtClean="0"/>
+              <a:t>）</a:t>
+            </a:r>
+          </a:p>
+          <a:p>
+            <a:r>
+              <a:rPr kumimoji="1" lang="ja-JP" altLang="en-US" dirty="0" smtClean="0"/>
+              <a:t>応答速度の評価手法について書かれています。</a:t>
+            </a:r>
+          </a:p>
+          <a:p>
+            <a:endParaRPr kumimoji="1" lang="ja-JP" altLang="en-US" dirty="0" smtClean="0"/>
+          </a:p>
+          <a:p>
+            <a:r>
+              <a:rPr kumimoji="1" lang="ja-JP" altLang="en-US" dirty="0" smtClean="0"/>
+              <a:t>４つめは</a:t>
+            </a:r>
+            <a:r>
+              <a:rPr kumimoji="1" lang="en-US" altLang="ja-JP" dirty="0" smtClean="0"/>
+              <a:t>WEB</a:t>
+            </a:r>
+            <a:r>
+              <a:rPr kumimoji="1" lang="ja-JP" altLang="en-US" dirty="0" smtClean="0"/>
+              <a:t>サーバ計測システムの設計・開発について書かれています。</a:t>
+            </a:r>
             <a:endParaRPr kumimoji="1" lang="ja-JP" altLang="en-US" dirty="0"/>
           </a:p>
         </p:txBody>
@@ -1115,7 +1480,7 @@
           <a:p>
             <a:fld id="{9D828324-DCC9-430F-AD2C-1DD1805E2C40}" type="slidenum">
               <a:rPr kumimoji="1" lang="ja-JP" altLang="en-US" smtClean="0"/>
-              <a:t>6</a:t>
+              <a:t>4</a:t>
             </a:fld>
             <a:endParaRPr kumimoji="1" lang="ja-JP" altLang="en-US"/>
           </a:p>
@@ -1124,7 +1489,7 @@
     </p:spTree>
     <p:extLst>
       <p:ext uri="{BB962C8B-B14F-4D97-AF65-F5344CB8AC3E}">
-        <p14:creationId xmlns:p14="http://schemas.microsoft.com/office/powerpoint/2010/main" val="3429871460"/>
+        <p14:creationId xmlns:p14="http://schemas.microsoft.com/office/powerpoint/2010/main" val="687012771"/>
       </p:ext>
     </p:extLst>
   </p:cSld>
@@ -1179,67 +1544,94 @@
           <a:lstStyle/>
           <a:p>
             <a:r>
-              <a:rPr lang="ja-JP" altLang="ja-JP" sz="1200" dirty="0" smtClean="0"/>
-              <a:t>提案システムの</a:t>
-            </a:r>
-            <a:r>
-              <a:rPr lang="ja-JP" altLang="en-US" sz="1200" dirty="0" smtClean="0"/>
-              <a:t>プロトタイプでは</a:t>
-            </a:r>
-            <a:r>
-              <a:rPr lang="ja-JP" altLang="ja-JP" sz="1200" dirty="0" smtClean="0"/>
-              <a:t>過去</a:t>
-            </a:r>
-            <a:r>
-              <a:rPr lang="en-US" altLang="ja-JP" sz="1200" dirty="0" smtClean="0"/>
-              <a:t>24</a:t>
-            </a:r>
-            <a:r>
-              <a:rPr lang="ja-JP" altLang="ja-JP" sz="1200" dirty="0" smtClean="0"/>
-              <a:t>時間で評価が最も高いサーバに多く割り振る</a:t>
-            </a:r>
-            <a:r>
-              <a:rPr lang="ja-JP" altLang="en-US" sz="1200" dirty="0" smtClean="0"/>
-              <a:t>ように設計</a:t>
-            </a:r>
-            <a:r>
-              <a:rPr lang="ja-JP" altLang="ja-JP" sz="1200" dirty="0" smtClean="0"/>
-              <a:t>．</a:t>
-            </a:r>
-            <a:endParaRPr lang="en-US" altLang="ja-JP" sz="1200" dirty="0" smtClean="0"/>
-          </a:p>
-          <a:p>
-            <a:r>
-              <a:rPr lang="ja-JP" altLang="ja-JP" sz="1200" dirty="0" smtClean="0"/>
-              <a:t>現在の速度が</a:t>
-            </a:r>
-            <a:r>
-              <a:rPr lang="en-US" altLang="ja-JP" sz="1200" dirty="0" smtClean="0"/>
-              <a:t>10</a:t>
-            </a:r>
-            <a:r>
-              <a:rPr lang="ja-JP" altLang="ja-JP" sz="1200" dirty="0" smtClean="0"/>
-              <a:t>秒以上掛かる場合，計測した時点で何かしらのトラブルが生じている可能性が高い</a:t>
-            </a:r>
-            <a:r>
-              <a:rPr lang="ja-JP" altLang="en-US" sz="1200" dirty="0" smtClean="0"/>
-              <a:t>為該当サーバへの</a:t>
-            </a:r>
-            <a:r>
-              <a:rPr lang="ja-JP" altLang="ja-JP" sz="1200" dirty="0" smtClean="0"/>
-              <a:t>割り振り</a:t>
-            </a:r>
-            <a:r>
-              <a:rPr lang="ja-JP" altLang="en-US" sz="1200" dirty="0" smtClean="0"/>
-              <a:t>を行わないように作成した</a:t>
-            </a:r>
-            <a:r>
-              <a:rPr lang="ja-JP" altLang="ja-JP" sz="1200" dirty="0" smtClean="0"/>
-              <a:t>．</a:t>
-            </a:r>
-            <a:endParaRPr lang="en-US" altLang="ja-JP" sz="1200" dirty="0" smtClean="0"/>
-          </a:p>
-          <a:p>
+              <a:rPr kumimoji="1" lang="ja-JP" altLang="en-US" dirty="0" smtClean="0"/>
+              <a:t>１つめ、（</a:t>
+            </a:r>
+            <a:r>
+              <a:rPr kumimoji="1" lang="en-US" altLang="ja-JP" dirty="0" smtClean="0"/>
+              <a:t>HTTP</a:t>
+            </a:r>
+            <a:r>
+              <a:rPr kumimoji="1" lang="ja-JP" altLang="en-US" dirty="0" smtClean="0"/>
+              <a:t>セッションのハンドオーバによる</a:t>
+            </a:r>
+            <a:r>
+              <a:rPr kumimoji="1" lang="en-US" altLang="ja-JP" dirty="0" smtClean="0"/>
+              <a:t>WEB</a:t>
+            </a:r>
+            <a:r>
+              <a:rPr kumimoji="1" lang="ja-JP" altLang="en-US" dirty="0" smtClean="0"/>
+              <a:t>サーバのロードバランス）</a:t>
+            </a:r>
+          </a:p>
+          <a:p>
+            <a:r>
+              <a:rPr kumimoji="1" lang="ja-JP" altLang="en-US" dirty="0" smtClean="0"/>
+              <a:t>こちらの論文では、リバースプロキシによるロードバランス手法について書かれています。</a:t>
+            </a:r>
+          </a:p>
+          <a:p>
+            <a:endParaRPr kumimoji="1" lang="ja-JP" altLang="en-US" dirty="0" smtClean="0"/>
+          </a:p>
+          <a:p>
+            <a:r>
+              <a:rPr kumimoji="1" lang="ja-JP" altLang="en-US" dirty="0" smtClean="0"/>
+              <a:t>２つめ、（複数のロードバランサによる Ｗｅｂシステムの応答時間最適化）</a:t>
+            </a:r>
+          </a:p>
+          <a:p>
+            <a:r>
+              <a:rPr kumimoji="1" lang="ja-JP" altLang="en-US" dirty="0" smtClean="0"/>
+              <a:t>こちらは応答速度の最適化について、</a:t>
+            </a:r>
+          </a:p>
+          <a:p>
+            <a:endParaRPr kumimoji="1" lang="ja-JP" altLang="en-US" dirty="0" smtClean="0"/>
+          </a:p>
+          <a:p>
+            <a:r>
+              <a:rPr kumimoji="1" lang="ja-JP" altLang="en-US" dirty="0" smtClean="0"/>
+              <a:t>また、</a:t>
+            </a:r>
+            <a:r>
+              <a:rPr kumimoji="1" lang="en-US" altLang="ja-JP" dirty="0" smtClean="0"/>
+              <a:t>3</a:t>
+            </a:r>
+            <a:r>
+              <a:rPr kumimoji="1" lang="ja-JP" altLang="en-US" dirty="0" smtClean="0"/>
+              <a:t>つ目は（</a:t>
+            </a:r>
+            <a:r>
+              <a:rPr kumimoji="1" lang="en-US" altLang="ja-JP" dirty="0" smtClean="0"/>
+              <a:t>What do people want from a news experience</a:t>
+            </a:r>
+            <a:r>
+              <a:rPr kumimoji="1" lang="ja-JP" altLang="en-US" dirty="0" smtClean="0"/>
+              <a:t>）</a:t>
+            </a:r>
+          </a:p>
+          <a:p>
+            <a:r>
+              <a:rPr kumimoji="1" lang="ja-JP" altLang="en-US" dirty="0" smtClean="0"/>
+              <a:t>応答速度の評価手法について書かれています。</a:t>
+            </a:r>
+          </a:p>
+          <a:p>
+            <a:endParaRPr kumimoji="1" lang="ja-JP" altLang="en-US" dirty="0" smtClean="0"/>
+          </a:p>
+          <a:p>
+            <a:r>
+              <a:rPr kumimoji="1" lang="ja-JP" altLang="en-US" dirty="0" smtClean="0"/>
+              <a:t>４つめは</a:t>
+            </a:r>
+            <a:r>
+              <a:rPr kumimoji="1" lang="en-US" altLang="ja-JP" dirty="0" smtClean="0"/>
+              <a:t>WEB</a:t>
+            </a:r>
+            <a:r>
+              <a:rPr kumimoji="1" lang="ja-JP" altLang="en-US" dirty="0" smtClean="0"/>
+              <a:t>サーバ計測システムの設計・開発について書かれています。</a:t>
+            </a:r>
             <a:endParaRPr kumimoji="1" lang="ja-JP" altLang="en-US" dirty="0"/>
           </a:p>
         </p:txBody>
@@ -1261,7 +1653,7 @@
           <a:p>
             <a:fld id="{9D828324-DCC9-430F-AD2C-1DD1805E2C40}" type="slidenum">
               <a:rPr kumimoji="1" lang="ja-JP" altLang="en-US" smtClean="0"/>
-              <a:t>10</a:t>
+              <a:t>5</a:t>
             </a:fld>
             <a:endParaRPr kumimoji="1" lang="ja-JP" altLang="en-US"/>
           </a:p>
@@ -1270,7 +1662,7 @@
     </p:spTree>
     <p:extLst>
       <p:ext uri="{BB962C8B-B14F-4D97-AF65-F5344CB8AC3E}">
-        <p14:creationId xmlns:p14="http://schemas.microsoft.com/office/powerpoint/2010/main" val="3884351513"/>
+        <p14:creationId xmlns:p14="http://schemas.microsoft.com/office/powerpoint/2010/main" val="1434039659"/>
       </p:ext>
     </p:extLst>
   </p:cSld>
@@ -1324,6 +1716,187 @@
           <a:bodyPr/>
           <a:lstStyle/>
           <a:p>
+            <a:r>
+              <a:rPr lang="en-US" altLang="ja-JP" sz="1200" dirty="0" smtClean="0"/>
+              <a:t>[STEP-1]</a:t>
+            </a:r>
+            <a:r>
+              <a:rPr lang="ja-JP" altLang="ja-JP" sz="1200" dirty="0" smtClean="0"/>
+              <a:t>冗長的で性能が不均一な</a:t>
+            </a:r>
+            <a:r>
+              <a:rPr lang="en-US" altLang="ja-JP" sz="1200" dirty="0" smtClean="0"/>
+              <a:t>WEB</a:t>
+            </a:r>
+            <a:r>
+              <a:rPr lang="ja-JP" altLang="ja-JP" sz="1200" dirty="0" smtClean="0"/>
+              <a:t>サーバを用意</a:t>
+            </a:r>
+            <a:r>
+              <a:rPr lang="ja-JP" altLang="en-US" sz="1200" dirty="0" smtClean="0"/>
+              <a:t>．</a:t>
+            </a:r>
+            <a:endParaRPr lang="en-US" altLang="ja-JP" sz="1200" dirty="0" smtClean="0"/>
+          </a:p>
+          <a:p>
+            <a:r>
+              <a:rPr lang="en-US" altLang="ja-JP" sz="1200" dirty="0" smtClean="0"/>
+              <a:t>[STEP-2]</a:t>
+            </a:r>
+            <a:r>
+              <a:rPr lang="ja-JP" altLang="ja-JP" sz="1200" dirty="0" smtClean="0"/>
+              <a:t>そ</a:t>
+            </a:r>
+            <a:r>
+              <a:rPr lang="ja-JP" altLang="en-US" sz="1200" dirty="0" smtClean="0"/>
+              <a:t>れぞれのサーバの応答速度を測るため，サーバにリクエストを送って応答速度を返す「応答速度計測プログラム」を作成し利用する． </a:t>
+            </a:r>
+            <a:endParaRPr lang="en-US" altLang="ja-JP" sz="1200" dirty="0" smtClean="0"/>
+          </a:p>
+          <a:p>
+            <a:r>
+              <a:rPr lang="en-US" altLang="ja-JP" sz="1200" dirty="0" smtClean="0"/>
+              <a:t>[ STEP-3 ] STEP-2</a:t>
+            </a:r>
+            <a:r>
+              <a:rPr lang="ja-JP" altLang="ja-JP" sz="1200" dirty="0" smtClean="0"/>
+              <a:t>で計測したデータは考案した応答速度評価アルゴリズムを用いて</a:t>
+            </a:r>
+            <a:r>
+              <a:rPr lang="en-US" altLang="ja-JP" sz="1200" dirty="0" smtClean="0"/>
+              <a:t>L1</a:t>
+            </a:r>
+            <a:r>
+              <a:rPr lang="ja-JP" altLang="en-US" sz="1200" dirty="0" smtClean="0"/>
+              <a:t>～</a:t>
+            </a:r>
+            <a:r>
+              <a:rPr lang="en-US" altLang="ja-JP" sz="1200" dirty="0" smtClean="0"/>
+              <a:t>Ln</a:t>
+            </a:r>
+            <a:r>
+              <a:rPr lang="ja-JP" altLang="en-US" sz="1200" dirty="0" smtClean="0"/>
+              <a:t>の</a:t>
+            </a:r>
+            <a:r>
+              <a:rPr lang="en-US" altLang="ja-JP" sz="1200" dirty="0" smtClean="0"/>
+              <a:t>n</a:t>
+            </a:r>
+            <a:r>
+              <a:rPr lang="ja-JP" altLang="en-US" sz="1200" dirty="0" smtClean="0"/>
+              <a:t>段階で評価付ける．</a:t>
+            </a:r>
+            <a:r>
+              <a:rPr lang="ja-JP" altLang="ja-JP" sz="1200" dirty="0" smtClean="0"/>
+              <a:t>評価は主観的になりやすい為</a:t>
+            </a:r>
+            <a:r>
+              <a:rPr lang="ja-JP" altLang="en-US" sz="1200" dirty="0" smtClean="0"/>
+              <a:t>，先行研究である「</a:t>
+            </a:r>
+            <a:r>
+              <a:rPr lang="en-US" altLang="ja-JP" sz="1200" dirty="0" smtClean="0"/>
+              <a:t>Web</a:t>
+            </a:r>
+            <a:r>
+              <a:rPr lang="ja-JP" altLang="ja-JP" sz="1200" dirty="0" smtClean="0"/>
+              <a:t>サイトの反応時間の遅延と</a:t>
+            </a:r>
+            <a:r>
+              <a:rPr lang="ja-JP" altLang="en-US" sz="1200" dirty="0" smtClean="0"/>
+              <a:t>，</a:t>
+            </a:r>
+            <a:r>
+              <a:rPr lang="ja-JP" altLang="ja-JP" sz="1200" dirty="0" smtClean="0"/>
+              <a:t>それに対するユーザの反応</a:t>
+            </a:r>
+            <a:r>
+              <a:rPr lang="ja-JP" altLang="en-US" sz="1200" dirty="0" smtClean="0"/>
+              <a:t>」</a:t>
+            </a:r>
+            <a:r>
+              <a:rPr lang="en-US" altLang="ja-JP" sz="1200" dirty="0" smtClean="0">
+                <a:latin typeface="ＭＳ Ｐゴシック" panose="020B0600070205080204" pitchFamily="50" charset="-128"/>
+              </a:rPr>
+              <a:t> [Paul 2014]</a:t>
+            </a:r>
+            <a:r>
+              <a:rPr lang="ja-JP" altLang="en-US" sz="1200" dirty="0" smtClean="0"/>
+              <a:t>や「</a:t>
+            </a:r>
+            <a:r>
+              <a:rPr lang="en-US" altLang="ja-JP" sz="1200" dirty="0" smtClean="0"/>
+              <a:t>RAIL</a:t>
+            </a:r>
+            <a:r>
+              <a:rPr lang="ja-JP" altLang="en-US" sz="1200" dirty="0" smtClean="0"/>
+              <a:t>モデル」</a:t>
+            </a:r>
+            <a:r>
+              <a:rPr lang="en-US" altLang="ja-JP" sz="1200" dirty="0" smtClean="0"/>
+              <a:t>[Google 2008]</a:t>
+            </a:r>
+            <a:r>
+              <a:rPr lang="ja-JP" altLang="ja-JP" sz="1200" dirty="0" smtClean="0"/>
+              <a:t>を参考に評価</a:t>
+            </a:r>
+            <a:r>
+              <a:rPr lang="ja-JP" altLang="en-US" sz="1200" dirty="0" smtClean="0"/>
+              <a:t>を行う</a:t>
+            </a:r>
+            <a:r>
+              <a:rPr lang="en-US" altLang="ja-JP" sz="1200" dirty="0" smtClean="0"/>
+              <a:t>.</a:t>
+            </a:r>
+            <a:endParaRPr lang="ja-JP" altLang="ja-JP" sz="1200" dirty="0" smtClean="0"/>
+          </a:p>
+          <a:p>
+            <a:r>
+              <a:rPr lang="en-US" altLang="ja-JP" sz="1200" dirty="0" smtClean="0"/>
+              <a:t>[ STEP-4 ]</a:t>
+            </a:r>
+            <a:r>
+              <a:rPr lang="ja-JP" altLang="ja-JP" sz="1200" dirty="0" smtClean="0"/>
+              <a:t>評価されたデータは評価済み応答速度としてデータベースへ保管される</a:t>
+            </a:r>
+            <a:r>
+              <a:rPr lang="ja-JP" altLang="en-US" sz="1200" dirty="0" smtClean="0"/>
+              <a:t>．</a:t>
+            </a:r>
+            <a:endParaRPr lang="ja-JP" altLang="ja-JP" sz="1200" dirty="0" smtClean="0"/>
+          </a:p>
+          <a:p>
+            <a:r>
+              <a:rPr lang="en-US" altLang="ja-JP" sz="1200" dirty="0" smtClean="0"/>
+              <a:t>[ STEP-5 ]</a:t>
+            </a:r>
+            <a:r>
+              <a:rPr lang="ja-JP" altLang="ja-JP" sz="1200" dirty="0" smtClean="0"/>
+              <a:t>ロードバランサはこのデータベースへアクセスする</a:t>
+            </a:r>
+            <a:r>
+              <a:rPr lang="ja-JP" altLang="en-US" sz="1200" dirty="0" smtClean="0"/>
+              <a:t>．</a:t>
+            </a:r>
+            <a:r>
+              <a:rPr lang="ja-JP" altLang="ja-JP" sz="1200" dirty="0" smtClean="0"/>
+              <a:t>サーバの状態に応じて割り振り方法を動的に変化させることが可能になる</a:t>
+            </a:r>
+            <a:r>
+              <a:rPr lang="ja-JP" altLang="en-US" sz="1200" dirty="0" smtClean="0"/>
+              <a:t>．</a:t>
+            </a:r>
+            <a:r>
+              <a:rPr lang="ja-JP" altLang="ja-JP" sz="1200" dirty="0" smtClean="0"/>
+              <a:t>応答速度が最も早いサーバへの接続が優先される</a:t>
+            </a:r>
+            <a:r>
+              <a:rPr lang="ja-JP" altLang="en-US" sz="1200" dirty="0" smtClean="0"/>
+              <a:t>．</a:t>
+            </a:r>
+            <a:endParaRPr lang="ja-JP" altLang="ja-JP" sz="1200" dirty="0" smtClean="0"/>
+          </a:p>
+          <a:p>
             <a:endParaRPr kumimoji="1" lang="ja-JP" altLang="en-US" dirty="0"/>
           </a:p>
         </p:txBody>
@@ -1345,7 +1918,7 @@
           <a:p>
             <a:fld id="{9D828324-DCC9-430F-AD2C-1DD1805E2C40}" type="slidenum">
               <a:rPr kumimoji="1" lang="ja-JP" altLang="en-US" smtClean="0"/>
-              <a:t>15</a:t>
+              <a:t>9</a:t>
             </a:fld>
             <a:endParaRPr kumimoji="1" lang="ja-JP" altLang="en-US"/>
           </a:p>
@@ -1354,7 +1927,7 @@
     </p:spTree>
     <p:extLst>
       <p:ext uri="{BB962C8B-B14F-4D97-AF65-F5344CB8AC3E}">
-        <p14:creationId xmlns:p14="http://schemas.microsoft.com/office/powerpoint/2010/main" val="1508117209"/>
+        <p14:creationId xmlns:p14="http://schemas.microsoft.com/office/powerpoint/2010/main" val="3429871460"/>
       </p:ext>
     </p:extLst>
   </p:cSld>
@@ -1408,190 +1981,69 @@
           <a:bodyPr/>
           <a:lstStyle/>
           <a:p>
-            <a:pPr marL="0" marR="0" lvl="0" indent="0" algn="l" defTabSz="914400" rtl="0" eaLnBrk="1" fontAlgn="auto" latinLnBrk="0" hangingPunct="1">
-              <a:lnSpc>
-                <a:spcPct val="100000"/>
-              </a:lnSpc>
-              <a:spcBef>
-                <a:spcPts val="0"/>
-              </a:spcBef>
-              <a:spcAft>
-                <a:spcPts val="0"/>
-              </a:spcAft>
-              <a:buClrTx/>
-              <a:buSzTx/>
-              <a:buFontTx/>
-              <a:buNone/>
-              <a:tabLst/>
-              <a:defRPr/>
-            </a:pPr>
-            <a:r>
-              <a:rPr kumimoji="1" lang="ja-JP" altLang="ja-JP" sz="1200" kern="1200" dirty="0" smtClean="0">
-                <a:solidFill>
-                  <a:schemeClr val="tx1"/>
-                </a:solidFill>
-                <a:effectLst/>
-                <a:latin typeface="+mn-lt"/>
-                <a:ea typeface="+mn-ea"/>
-                <a:cs typeface="+mn-cs"/>
-              </a:rPr>
-              <a:t>実験結果では，異種環境において一般的な割り振り方式であるラウンドロビンよりも本提案システムを利用する方が応答速度に関して速いことが確認できた．</a:t>
-            </a:r>
-            <a:endParaRPr kumimoji="1" lang="en-US" altLang="ja-JP" sz="1200" kern="1200" dirty="0" smtClean="0">
-              <a:solidFill>
-                <a:schemeClr val="tx1"/>
-              </a:solidFill>
-              <a:effectLst/>
-              <a:latin typeface="+mn-lt"/>
-              <a:ea typeface="+mn-ea"/>
-              <a:cs typeface="+mn-cs"/>
-            </a:endParaRPr>
-          </a:p>
-          <a:p>
-            <a:pPr marL="0" marR="0" lvl="0" indent="0" algn="l" defTabSz="914400" rtl="0" eaLnBrk="1" fontAlgn="auto" latinLnBrk="0" hangingPunct="1">
-              <a:lnSpc>
-                <a:spcPct val="100000"/>
-              </a:lnSpc>
-              <a:spcBef>
-                <a:spcPts val="0"/>
-              </a:spcBef>
-              <a:spcAft>
-                <a:spcPts val="0"/>
-              </a:spcAft>
-              <a:buClrTx/>
-              <a:buSzTx/>
-              <a:buFontTx/>
-              <a:buNone/>
-              <a:tabLst/>
-              <a:defRPr/>
-            </a:pPr>
-            <a:r>
-              <a:rPr kumimoji="1" lang="ja-JP" altLang="ja-JP" sz="1200" kern="1200" dirty="0" smtClean="0">
-                <a:solidFill>
-                  <a:schemeClr val="tx1"/>
-                </a:solidFill>
-                <a:effectLst/>
-                <a:latin typeface="+mn-lt"/>
-                <a:ea typeface="+mn-ea"/>
-                <a:cs typeface="+mn-cs"/>
-              </a:rPr>
-              <a:t>このことから，</a:t>
-            </a:r>
-            <a:r>
-              <a:rPr kumimoji="1" lang="ja-JP" altLang="en-US" sz="1200" kern="1200" dirty="0" smtClean="0">
-                <a:solidFill>
-                  <a:schemeClr val="tx1"/>
-                </a:solidFill>
-                <a:effectLst/>
-                <a:latin typeface="+mn-lt"/>
-                <a:ea typeface="+mn-ea"/>
-                <a:cs typeface="+mn-cs"/>
-              </a:rPr>
-              <a:t>ラズベリーパイという安価な環境でも、</a:t>
-            </a:r>
-            <a:r>
-              <a:rPr kumimoji="1" lang="ja-JP" altLang="ja-JP" sz="1200" kern="1200" dirty="0" smtClean="0">
-                <a:solidFill>
-                  <a:schemeClr val="tx1"/>
-                </a:solidFill>
-                <a:effectLst/>
-                <a:latin typeface="+mn-lt"/>
-                <a:ea typeface="+mn-ea"/>
-                <a:cs typeface="+mn-cs"/>
-              </a:rPr>
-              <a:t>実験目的である「</a:t>
-            </a:r>
-            <a:r>
-              <a:rPr kumimoji="1" lang="en-US" altLang="ja-JP" sz="1200" kern="1200" dirty="0" smtClean="0">
-                <a:solidFill>
-                  <a:schemeClr val="tx1"/>
-                </a:solidFill>
-                <a:effectLst/>
-                <a:latin typeface="+mn-lt"/>
-                <a:ea typeface="+mn-ea"/>
-                <a:cs typeface="+mn-cs"/>
-              </a:rPr>
-              <a:t>Web</a:t>
-            </a:r>
-            <a:r>
-              <a:rPr kumimoji="1" lang="ja-JP" altLang="ja-JP" sz="1200" kern="1200" dirty="0" smtClean="0">
-                <a:solidFill>
-                  <a:schemeClr val="tx1"/>
-                </a:solidFill>
-                <a:effectLst/>
-                <a:latin typeface="+mn-lt"/>
-                <a:ea typeface="+mn-ea"/>
-                <a:cs typeface="+mn-cs"/>
-              </a:rPr>
-              <a:t>サーバの応答速度を考慮したロードバランサの実現」と「ロードバランサと</a:t>
-            </a:r>
-            <a:r>
-              <a:rPr kumimoji="1" lang="en-US" altLang="ja-JP" sz="1200" kern="1200" dirty="0" smtClean="0">
-                <a:solidFill>
-                  <a:schemeClr val="tx1"/>
-                </a:solidFill>
-                <a:effectLst/>
-                <a:latin typeface="+mn-lt"/>
-                <a:ea typeface="+mn-ea"/>
-                <a:cs typeface="+mn-cs"/>
-              </a:rPr>
-              <a:t>Web</a:t>
-            </a:r>
-            <a:r>
-              <a:rPr kumimoji="1" lang="ja-JP" altLang="ja-JP" sz="1200" kern="1200" dirty="0" smtClean="0">
-                <a:solidFill>
-                  <a:schemeClr val="tx1"/>
-                </a:solidFill>
-                <a:effectLst/>
-                <a:latin typeface="+mn-lt"/>
-                <a:ea typeface="+mn-ea"/>
-                <a:cs typeface="+mn-cs"/>
-              </a:rPr>
-              <a:t>サーバのボトルネック削減」を実現できており，</a:t>
-            </a:r>
-            <a:endParaRPr kumimoji="1" lang="en-US" altLang="ja-JP" sz="1200" kern="1200" dirty="0" smtClean="0">
-              <a:solidFill>
-                <a:schemeClr val="tx1"/>
-              </a:solidFill>
-              <a:effectLst/>
-              <a:latin typeface="+mn-lt"/>
-              <a:ea typeface="+mn-ea"/>
-              <a:cs typeface="+mn-cs"/>
-            </a:endParaRPr>
-          </a:p>
-          <a:p>
-            <a:pPr marL="0" marR="0" lvl="0" indent="0" algn="l" defTabSz="914400" rtl="0" eaLnBrk="1" fontAlgn="auto" latinLnBrk="0" hangingPunct="1">
-              <a:lnSpc>
-                <a:spcPct val="100000"/>
-              </a:lnSpc>
-              <a:spcBef>
-                <a:spcPts val="0"/>
-              </a:spcBef>
-              <a:spcAft>
-                <a:spcPts val="0"/>
-              </a:spcAft>
-              <a:buClrTx/>
-              <a:buSzTx/>
-              <a:buFontTx/>
-              <a:buNone/>
-              <a:tabLst/>
-              <a:defRPr/>
-            </a:pPr>
-            <a:r>
-              <a:rPr kumimoji="1" lang="ja-JP" altLang="ja-JP" sz="1200" kern="1200" dirty="0" smtClean="0">
-                <a:solidFill>
-                  <a:schemeClr val="tx1"/>
-                </a:solidFill>
-                <a:effectLst/>
-                <a:latin typeface="+mn-lt"/>
-                <a:ea typeface="+mn-ea"/>
-                <a:cs typeface="+mn-cs"/>
-              </a:rPr>
-              <a:t>本システムの有用性を証明できたと考える．</a:t>
-            </a:r>
-            <a:endParaRPr lang="ja-JP" altLang="ja-JP" dirty="0" smtClean="0">
-              <a:effectLst/>
-            </a:endParaRPr>
+            <a:r>
+              <a:rPr lang="ja-JP" altLang="ja-JP" sz="1200" dirty="0" smtClean="0"/>
+              <a:t>提案システムの</a:t>
+            </a:r>
+            <a:r>
+              <a:rPr lang="ja-JP" altLang="en-US" sz="1200" dirty="0" smtClean="0"/>
+              <a:t>プロトタイプでは</a:t>
+            </a:r>
+            <a:r>
+              <a:rPr lang="ja-JP" altLang="ja-JP" sz="1200" dirty="0" smtClean="0"/>
+              <a:t>過去</a:t>
+            </a:r>
+            <a:r>
+              <a:rPr lang="en-US" altLang="ja-JP" sz="1200" dirty="0" smtClean="0"/>
+              <a:t>24</a:t>
+            </a:r>
+            <a:r>
+              <a:rPr lang="ja-JP" altLang="ja-JP" sz="1200" dirty="0" smtClean="0"/>
+              <a:t>時間で評価が最も高いサーバに多く割り振る</a:t>
+            </a:r>
+            <a:r>
+              <a:rPr lang="ja-JP" altLang="en-US" sz="1200" dirty="0" smtClean="0"/>
+              <a:t>ように設計</a:t>
+            </a:r>
+            <a:r>
+              <a:rPr lang="ja-JP" altLang="ja-JP" sz="1200" dirty="0" smtClean="0"/>
+              <a:t>．</a:t>
+            </a:r>
+            <a:endParaRPr lang="en-US" altLang="ja-JP" sz="1200" dirty="0" smtClean="0"/>
+          </a:p>
+          <a:p>
+            <a:r>
+              <a:rPr lang="ja-JP" altLang="ja-JP" sz="1200" dirty="0" smtClean="0"/>
+              <a:t>現在の速度が</a:t>
+            </a:r>
+            <a:r>
+              <a:rPr lang="en-US" altLang="ja-JP" sz="1200" dirty="0" smtClean="0"/>
+              <a:t>10</a:t>
+            </a:r>
+            <a:r>
+              <a:rPr lang="ja-JP" altLang="ja-JP" sz="1200" dirty="0" smtClean="0"/>
+              <a:t>秒以上掛かる場合，計測した時点で何かしらのトラブルが生じている可能性が高い</a:t>
+            </a:r>
+            <a:r>
+              <a:rPr lang="ja-JP" altLang="en-US" sz="1200" dirty="0" smtClean="0"/>
+              <a:t>為該当サーバへの</a:t>
+            </a:r>
+            <a:r>
+              <a:rPr lang="ja-JP" altLang="ja-JP" sz="1200" dirty="0" smtClean="0"/>
+              <a:t>割り振り</a:t>
+            </a:r>
+            <a:r>
+              <a:rPr lang="ja-JP" altLang="en-US" sz="1200" dirty="0" smtClean="0"/>
+              <a:t>を行わないように作成した</a:t>
+            </a:r>
+            <a:r>
+              <a:rPr lang="ja-JP" altLang="ja-JP" sz="1200" dirty="0" smtClean="0"/>
+              <a:t>．</a:t>
+            </a:r>
+            <a:endParaRPr lang="en-US" altLang="ja-JP" sz="1200" dirty="0" smtClean="0"/>
+          </a:p>
+          <a:p>
+            <a:endParaRPr kumimoji="1" lang="ja-JP" altLang="en-US" dirty="0"/>
           </a:p>
         </p:txBody>
       </p:sp>
@@ -1612,7 +2064,7 @@
           <a:p>
             <a:fld id="{9D828324-DCC9-430F-AD2C-1DD1805E2C40}" type="slidenum">
               <a:rPr kumimoji="1" lang="ja-JP" altLang="en-US" smtClean="0"/>
-              <a:t>16</a:t>
+              <a:t>10</a:t>
             </a:fld>
             <a:endParaRPr kumimoji="1" lang="ja-JP" altLang="en-US"/>
           </a:p>
@@ -1621,7 +2073,7 @@
     </p:spTree>
     <p:extLst>
       <p:ext uri="{BB962C8B-B14F-4D97-AF65-F5344CB8AC3E}">
-        <p14:creationId xmlns:p14="http://schemas.microsoft.com/office/powerpoint/2010/main" val="584063967"/>
+        <p14:creationId xmlns:p14="http://schemas.microsoft.com/office/powerpoint/2010/main" val="3884351513"/>
       </p:ext>
     </p:extLst>
   </p:cSld>
@@ -1675,162 +2127,7 @@
           <a:bodyPr/>
           <a:lstStyle/>
           <a:p>
-            <a:pPr marL="0" marR="0" lvl="0" indent="0" algn="l" defTabSz="914400" rtl="0" eaLnBrk="1" fontAlgn="auto" latinLnBrk="0" hangingPunct="1">
-              <a:lnSpc>
-                <a:spcPct val="100000"/>
-              </a:lnSpc>
-              <a:spcBef>
-                <a:spcPts val="0"/>
-              </a:spcBef>
-              <a:spcAft>
-                <a:spcPts val="0"/>
-              </a:spcAft>
-              <a:buClrTx/>
-              <a:buSzTx/>
-              <a:buFontTx/>
-              <a:buNone/>
-              <a:tabLst/>
-              <a:defRPr/>
-            </a:pPr>
-            <a:r>
-              <a:rPr kumimoji="1" lang="en-US" altLang="ja-JP" sz="1200" kern="1200" dirty="0" smtClean="0">
-                <a:solidFill>
-                  <a:schemeClr val="tx1"/>
-                </a:solidFill>
-                <a:latin typeface="+mn-lt"/>
-                <a:ea typeface="+mn-ea"/>
-                <a:cs typeface="+mn-cs"/>
-              </a:rPr>
-              <a:t>SEO</a:t>
-            </a:r>
-          </a:p>
-          <a:p>
-            <a:pPr marL="0" marR="0" lvl="0" indent="0" algn="l" defTabSz="914400" rtl="0" eaLnBrk="1" fontAlgn="auto" latinLnBrk="0" hangingPunct="1">
-              <a:lnSpc>
-                <a:spcPct val="100000"/>
-              </a:lnSpc>
-              <a:spcBef>
-                <a:spcPts val="0"/>
-              </a:spcBef>
-              <a:spcAft>
-                <a:spcPts val="0"/>
-              </a:spcAft>
-              <a:buClrTx/>
-              <a:buSzTx/>
-              <a:buFontTx/>
-              <a:buNone/>
-              <a:tabLst/>
-              <a:defRPr/>
-            </a:pPr>
-            <a:r>
-              <a:rPr kumimoji="1" lang="en-US" altLang="ja-JP" sz="1200" kern="1200" dirty="0" smtClean="0">
-                <a:solidFill>
-                  <a:schemeClr val="tx1"/>
-                </a:solidFill>
-                <a:latin typeface="+mn-lt"/>
-                <a:ea typeface="+mn-ea"/>
-                <a:cs typeface="+mn-cs"/>
-                <a:hlinkClick r:id="rId3"/>
-              </a:rPr>
-              <a:t>https://www.thinkwithgoogle.com/marketing-strategies/app-and-mobile/mobile-page-speed-new-industry-benchmarks/</a:t>
-            </a:r>
-            <a:endParaRPr kumimoji="1" lang="en-US" altLang="ja-JP" sz="1200" kern="1200" dirty="0" smtClean="0">
-              <a:solidFill>
-                <a:schemeClr val="tx1"/>
-              </a:solidFill>
-              <a:latin typeface="+mn-lt"/>
-              <a:ea typeface="+mn-ea"/>
-              <a:cs typeface="+mn-cs"/>
-            </a:endParaRPr>
-          </a:p>
-          <a:p>
-            <a:pPr marL="0" marR="0" lvl="0" indent="0" algn="l" defTabSz="914400" rtl="0" eaLnBrk="1" fontAlgn="auto" latinLnBrk="0" hangingPunct="1">
-              <a:lnSpc>
-                <a:spcPct val="100000"/>
-              </a:lnSpc>
-              <a:spcBef>
-                <a:spcPts val="0"/>
-              </a:spcBef>
-              <a:spcAft>
-                <a:spcPts val="0"/>
-              </a:spcAft>
-              <a:buClrTx/>
-              <a:buSzTx/>
-              <a:buFontTx/>
-              <a:buNone/>
-              <a:tabLst/>
-              <a:defRPr/>
-            </a:pPr>
-            <a:r>
-              <a:rPr kumimoji="1" lang="en-US" altLang="ja-JP" sz="1200" kern="1200" dirty="0" smtClean="0">
-                <a:solidFill>
-                  <a:schemeClr val="tx1"/>
-                </a:solidFill>
-                <a:latin typeface="+mn-lt"/>
-                <a:ea typeface="+mn-ea"/>
-                <a:cs typeface="+mn-cs"/>
-              </a:rPr>
-              <a:t>RAIL</a:t>
-            </a:r>
-            <a:r>
-              <a:rPr kumimoji="1" lang="ja-JP" altLang="en-US" sz="1200" kern="1200" dirty="0" smtClean="0">
-                <a:solidFill>
-                  <a:schemeClr val="tx1"/>
-                </a:solidFill>
-                <a:latin typeface="+mn-lt"/>
-                <a:ea typeface="+mn-ea"/>
-                <a:cs typeface="+mn-cs"/>
-              </a:rPr>
-              <a:t>モデルでパフォーマンスを測定する</a:t>
-            </a:r>
-            <a:endParaRPr kumimoji="1" lang="en-US" altLang="ja-JP" sz="1200" kern="1200" dirty="0" smtClean="0">
-              <a:solidFill>
-                <a:schemeClr val="tx1"/>
-              </a:solidFill>
-              <a:latin typeface="+mn-lt"/>
-              <a:ea typeface="+mn-ea"/>
-              <a:cs typeface="+mn-cs"/>
-            </a:endParaRPr>
-          </a:p>
-          <a:p>
-            <a:pPr marL="0" marR="0" lvl="0" indent="0" algn="l" defTabSz="914400" rtl="0" eaLnBrk="1" fontAlgn="auto" latinLnBrk="0" hangingPunct="1">
-              <a:lnSpc>
-                <a:spcPct val="100000"/>
-              </a:lnSpc>
-              <a:spcBef>
-                <a:spcPts val="0"/>
-              </a:spcBef>
-              <a:spcAft>
-                <a:spcPts val="0"/>
-              </a:spcAft>
-              <a:buClrTx/>
-              <a:buSzTx/>
-              <a:buFontTx/>
-              <a:buNone/>
-              <a:tabLst/>
-              <a:defRPr/>
-            </a:pPr>
-            <a:r>
-              <a:rPr kumimoji="1" lang="en-US" altLang="ja-JP" sz="1200" kern="1200" dirty="0" smtClean="0">
-                <a:solidFill>
-                  <a:schemeClr val="tx1"/>
-                </a:solidFill>
-                <a:latin typeface="+mn-lt"/>
-                <a:ea typeface="+mn-ea"/>
-                <a:cs typeface="+mn-cs"/>
-              </a:rPr>
-              <a:t>https://web.dev/rail/</a:t>
-            </a:r>
-          </a:p>
-          <a:p>
-            <a:endParaRPr kumimoji="1" lang="ja-JP" altLang="en-US" sz="1200" kern="1200" dirty="0">
-              <a:solidFill>
-                <a:schemeClr val="tx1"/>
-              </a:solidFill>
-              <a:latin typeface="+mn-lt"/>
-              <a:ea typeface="+mn-ea"/>
-              <a:cs typeface="+mn-cs"/>
-            </a:endParaRPr>
+            <a:endParaRPr kumimoji="1" lang="ja-JP" altLang="en-US" dirty="0"/>
           </a:p>
         </p:txBody>
       </p:sp>
@@ -1851,7 +2148,7 @@
           <a:p>
             <a:fld id="{9D828324-DCC9-430F-AD2C-1DD1805E2C40}" type="slidenum">
               <a:rPr kumimoji="1" lang="ja-JP" altLang="en-US" smtClean="0"/>
-              <a:t>18</a:t>
+              <a:t>15</a:t>
             </a:fld>
             <a:endParaRPr kumimoji="1" lang="ja-JP" altLang="en-US"/>
           </a:p>
@@ -1860,7 +2157,7 @@
     </p:spTree>
     <p:extLst>
       <p:ext uri="{BB962C8B-B14F-4D97-AF65-F5344CB8AC3E}">
-        <p14:creationId xmlns:p14="http://schemas.microsoft.com/office/powerpoint/2010/main" val="4139353277"/>
+        <p14:creationId xmlns:p14="http://schemas.microsoft.com/office/powerpoint/2010/main" val="1508117209"/>
       </p:ext>
     </p:extLst>
   </p:cSld>
@@ -1932,16 +2229,26 @@
               <a:defRPr/>
             </a:pPr>
             <a:r>
-              <a:rPr kumimoji="1" lang="en-US" altLang="ja-JP" sz="1200" kern="1200" dirty="0" smtClean="0">
+              <a:rPr kumimoji="1" lang="ja-JP" altLang="ja-JP" sz="1200" kern="1200" dirty="0" smtClean="0">
                 <a:solidFill>
                   <a:schemeClr val="tx1"/>
                 </a:solidFill>
+                <a:effectLst/>
                 <a:latin typeface="+mn-lt"/>
                 <a:ea typeface="+mn-ea"/>
                 <a:cs typeface="+mn-cs"/>
               </a:rPr>
-              <a:t>SEO</a:t>
-            </a:r>
+              <a:t>実験結果では，異種環境において一般的な割り振り方式であるラウンドロビンよりも本提案システムを利用する方が応答速度に関して速いことが確認できた．</a:t>
+            </a:r>
+            <a:endParaRPr kumimoji="1" lang="en-US" altLang="ja-JP" sz="1200" kern="1200" dirty="0" smtClean="0">
+              <a:solidFill>
+                <a:schemeClr val="tx1"/>
+              </a:solidFill>
+              <a:effectLst/>
+              <a:latin typeface="+mn-lt"/>
+              <a:ea typeface="+mn-ea"/>
+              <a:cs typeface="+mn-cs"/>
+            </a:endParaRPr>
           </a:p>
           <a:p>
             <a:pPr marL="0" marR="0" lvl="0" indent="0" algn="l" defTabSz="914400" rtl="0" eaLnBrk="1" fontAlgn="auto" latinLnBrk="0" hangingPunct="1">
@@ -1962,21 +2269,94 @@
               <a:defRPr/>
             </a:pPr>
             <a:r>
+              <a:rPr kumimoji="1" lang="ja-JP" altLang="ja-JP" sz="1200" kern="1200" dirty="0" smtClean="0">
+                <a:solidFill>
+                  <a:schemeClr val="tx1"/>
+                </a:solidFill>
+                <a:effectLst/>
+                <a:latin typeface="+mn-lt"/>
+                <a:ea typeface="+mn-ea"/>
+                <a:cs typeface="+mn-cs"/>
+              </a:rPr>
+              <a:t>このことから，</a:t>
+            </a:r>
+            <a:r>
+              <a:rPr kumimoji="1" lang="ja-JP" altLang="en-US" sz="1200" kern="1200" dirty="0" smtClean="0">
+                <a:solidFill>
+                  <a:schemeClr val="tx1"/>
+                </a:solidFill>
+                <a:effectLst/>
+                <a:latin typeface="+mn-lt"/>
+                <a:ea typeface="+mn-ea"/>
+                <a:cs typeface="+mn-cs"/>
+              </a:rPr>
+              <a:t>ラズベリーパイという安価な環境でも、</a:t>
+            </a:r>
+            <a:r>
+              <a:rPr kumimoji="1" lang="ja-JP" altLang="ja-JP" sz="1200" kern="1200" dirty="0" smtClean="0">
+                <a:solidFill>
+                  <a:schemeClr val="tx1"/>
+                </a:solidFill>
+                <a:effectLst/>
+                <a:latin typeface="+mn-lt"/>
+                <a:ea typeface="+mn-ea"/>
+                <a:cs typeface="+mn-cs"/>
+              </a:rPr>
+              <a:t>実験目的である「</a:t>
+            </a:r>
+            <a:r>
               <a:rPr kumimoji="1" lang="en-US" altLang="ja-JP" sz="1200" kern="1200" dirty="0" smtClean="0">
                 <a:solidFill>
                   <a:schemeClr val="tx1"/>
                 </a:solidFill>
+                <a:effectLst/>
                 <a:latin typeface="+mn-lt"/>
                 <a:ea typeface="+mn-ea"/>
                 <a:cs typeface="+mn-cs"/>
-                <a:hlinkClick r:id="rId3"/>
               </a:rPr>
-              <a:t>https://www.thinkwithgoogle.com/marketing-strategies/app-and-mobile/mobile-page-speed-new-industry-benchmarks/</a:t>
+              <a:t>Web</a:t>
+            </a:r>
+            <a:r>
+              <a:rPr kumimoji="1" lang="ja-JP" altLang="ja-JP" sz="1200" kern="1200" dirty="0" smtClean="0">
+                <a:solidFill>
+                  <a:schemeClr val="tx1"/>
+                </a:solidFill>
+                <a:effectLst/>
+                <a:latin typeface="+mn-lt"/>
+                <a:ea typeface="+mn-ea"/>
+                <a:cs typeface="+mn-cs"/>
+              </a:rPr>
+              <a:t>サーバの応答速度を考慮したロードバランサの実現」と「ロードバランサと</a:t>
+            </a:r>
+            <a:r>
+              <a:rPr kumimoji="1" lang="en-US" altLang="ja-JP" sz="1200" kern="1200" dirty="0" smtClean="0">
+                <a:solidFill>
+                  <a:schemeClr val="tx1"/>
+                </a:solidFill>
+                <a:effectLst/>
+                <a:latin typeface="+mn-lt"/>
+                <a:ea typeface="+mn-ea"/>
+                <a:cs typeface="+mn-cs"/>
+              </a:rPr>
+              <a:t>Web</a:t>
+            </a:r>
+            <a:r>
+              <a:rPr kumimoji="1" lang="ja-JP" altLang="ja-JP" sz="1200" kern="1200" dirty="0" smtClean="0">
+                <a:solidFill>
+                  <a:schemeClr val="tx1"/>
+                </a:solidFill>
+                <a:effectLst/>
+                <a:latin typeface="+mn-lt"/>
+                <a:ea typeface="+mn-ea"/>
+                <a:cs typeface="+mn-cs"/>
+              </a:rPr>
+              <a:t>サーバのボトルネック削減」を実現できており，</a:t>
             </a:r>
             <a:endParaRPr kumimoji="1" lang="en-US" altLang="ja-JP" sz="1200" kern="1200" dirty="0" smtClean="0">
               <a:solidFill>
                 <a:schemeClr val="tx1"/>
               </a:solidFill>
+              <a:effectLst/>
               <a:latin typeface="+mn-lt"/>
               <a:ea typeface="+mn-ea"/>
               <a:cs typeface="+mn-cs"/>
@@ -2001,74 +2381,19 @@
               <a:defRPr/>
             </a:pPr>
             <a:r>
-              <a:rPr kumimoji="1" lang="en-US" altLang="ja-JP" sz="1200" kern="1200" dirty="0" smtClean="0">
+              <a:rPr kumimoji="1" lang="ja-JP" altLang="ja-JP" sz="1200" kern="1200" dirty="0" smtClean="0">
                 <a:solidFill>
                   <a:schemeClr val="tx1"/>
                 </a:solidFill>
+                <a:effectLst/>
                 <a:latin typeface="+mn-lt"/>
                 <a:ea typeface="+mn-ea"/>
                 <a:cs typeface="+mn-cs"/>
               </a:rPr>
-              <a:t>RAIL</a:t>
-            </a:r>
-            <a:r>
-              <a:rPr kumimoji="1" lang="ja-JP" altLang="en-US" sz="1200" kern="1200" dirty="0" smtClean="0">
-                <a:solidFill>
-                  <a:schemeClr val="tx1"/>
-                </a:solidFill>
-                <a:latin typeface="+mn-lt"/>
-                <a:ea typeface="+mn-ea"/>
-                <a:cs typeface="+mn-cs"/>
-              </a:rPr>
-              <a:t>モデルでパフォーマンスを測定する</a:t>
-            </a:r>
-            <a:endParaRPr kumimoji="1" lang="en-US" altLang="ja-JP" sz="1200" kern="1200" dirty="0" smtClean="0">
-              <a:solidFill>
-                <a:schemeClr val="tx1"/>
-              </a:solidFill>
-              <a:latin typeface="+mn-lt"/>
-              <a:ea typeface="+mn-ea"/>
-              <a:cs typeface="+mn-cs"/>
-            </a:endParaRPr>
-          </a:p>
-          <a:p>
-            <a:pPr marL="0" marR="0" lvl="0" indent="0" algn="l" defTabSz="914400" rtl="0" eaLnBrk="1" fontAlgn="auto" latinLnBrk="0" hangingPunct="1">
-              <a:lnSpc>
-                <a:spcPct val="100000"/>
-              </a:lnSpc>
-              <a:spcBef>
-                <a:spcPts val="0"/>
-              </a:spcBef>
-              <a:spcAft>
-                <a:spcPts val="0"/>
-              </a:spcAft>
-              <a:buClrTx/>
-              <a:buSzTx/>
-              <a:buFontTx/>
-              <a:buNone/>
-              <a:tabLst/>
-              <a:defRPr/>
-            </a:pPr>
-            <a:r>
-              <a:rPr kumimoji="1" lang="en-US" altLang="ja-JP" sz="1200" kern="1200" dirty="0" smtClean="0">
-                <a:solidFill>
-                  <a:schemeClr val="tx1"/>
-                </a:solidFill>
-                <a:latin typeface="+mn-lt"/>
-                <a:ea typeface="+mn-ea"/>
-                <a:cs typeface="+mn-cs"/>
-              </a:rPr>
-              <a:t>https://web.dev/rail/</a:t>
-            </a:r>
-          </a:p>
-          <a:p>
-            <a:endParaRPr kumimoji="1" lang="ja-JP" altLang="en-US" sz="1200" kern="1200" dirty="0">
-              <a:solidFill>
-                <a:schemeClr val="tx1"/>
-              </a:solidFill>
-              <a:latin typeface="+mn-lt"/>
-              <a:ea typeface="+mn-ea"/>
-              <a:cs typeface="+mn-cs"/>
+              <a:t>本システムの有用性を証明できたと考える．</a:t>
+            </a:r>
+            <a:endParaRPr lang="ja-JP" altLang="ja-JP" dirty="0" smtClean="0">
+              <a:effectLst/>
             </a:endParaRPr>
           </a:p>
         </p:txBody>
@@ -2090,7 +2415,7 @@
           <a:p>
             <a:fld id="{9D828324-DCC9-430F-AD2C-1DD1805E2C40}" type="slidenum">
               <a:rPr kumimoji="1" lang="ja-JP" altLang="en-US" smtClean="0"/>
-              <a:t>19</a:t>
+              <a:t>16</a:t>
             </a:fld>
             <a:endParaRPr kumimoji="1" lang="ja-JP" altLang="en-US"/>
           </a:p>
@@ -2099,7 +2424,7 @@
     </p:spTree>
     <p:extLst>
       <p:ext uri="{BB962C8B-B14F-4D97-AF65-F5344CB8AC3E}">
-        <p14:creationId xmlns:p14="http://schemas.microsoft.com/office/powerpoint/2010/main" val="186295231"/>
+        <p14:creationId xmlns:p14="http://schemas.microsoft.com/office/powerpoint/2010/main" val="584063967"/>
       </p:ext>
     </p:extLst>
   </p:cSld>
@@ -2329,7 +2654,7 @@
           <a:p>
             <a:fld id="{9D828324-DCC9-430F-AD2C-1DD1805E2C40}" type="slidenum">
               <a:rPr kumimoji="1" lang="ja-JP" altLang="en-US" smtClean="0"/>
-              <a:t>20</a:t>
+              <a:t>18</a:t>
             </a:fld>
             <a:endParaRPr kumimoji="1" lang="ja-JP" altLang="en-US"/>
           </a:p>
@@ -2338,7 +2663,7 @@
     </p:spTree>
     <p:extLst>
       <p:ext uri="{BB962C8B-B14F-4D97-AF65-F5344CB8AC3E}">
-        <p14:creationId xmlns:p14="http://schemas.microsoft.com/office/powerpoint/2010/main" val="2788763254"/>
+        <p14:creationId xmlns:p14="http://schemas.microsoft.com/office/powerpoint/2010/main" val="4139353277"/>
       </p:ext>
     </p:extLst>
   </p:cSld>
@@ -2479,7 +2804,7 @@
           <a:p>
             <a:fld id="{ED609840-96BF-4512-A2C1-C87E0BBF3D2F}" type="datetime1">
               <a:rPr kumimoji="1" lang="ja-JP" altLang="en-US" smtClean="0"/>
-              <a:t>2022/1/14</a:t>
+              <a:t>2022/1/15</a:t>
             </a:fld>
             <a:endParaRPr kumimoji="1" lang="ja-JP" altLang="en-US"/>
           </a:p>
@@ -2682,7 +3007,7 @@
           <a:p>
             <a:fld id="{F97B6116-28DE-44C1-8891-65688903BD50}" type="datetime1">
               <a:rPr kumimoji="1" lang="ja-JP" altLang="en-US" smtClean="0"/>
-              <a:t>2022/1/14</a:t>
+              <a:t>2022/1/15</a:t>
             </a:fld>
             <a:endParaRPr kumimoji="1" lang="ja-JP" altLang="en-US"/>
           </a:p>
@@ -2895,7 +3220,7 @@
           <a:p>
             <a:fld id="{EDE04BF4-1FC0-40EE-A15F-5986BB2387E9}" type="datetime1">
               <a:rPr kumimoji="1" lang="ja-JP" altLang="en-US" smtClean="0"/>
-              <a:t>2022/1/14</a:t>
+              <a:t>2022/1/15</a:t>
             </a:fld>
             <a:endParaRPr kumimoji="1" lang="ja-JP" altLang="en-US"/>
           </a:p>
@@ -3098,7 +3423,7 @@
           <a:p>
             <a:fld id="{AFE4124D-C094-469A-99BC-7EA66CDB293F}" type="datetime1">
               <a:rPr kumimoji="1" lang="ja-JP" altLang="en-US" smtClean="0"/>
-              <a:t>2022/1/14</a:t>
+              <a:t>2022/1/15</a:t>
             </a:fld>
             <a:endParaRPr kumimoji="1" lang="ja-JP" altLang="en-US"/>
           </a:p>
@@ -3347,7 +3672,7 @@
           <a:p>
             <a:fld id="{F808FAA8-DC38-46BC-9A48-0414366DDF43}" type="datetime1">
               <a:rPr kumimoji="1" lang="ja-JP" altLang="en-US" smtClean="0"/>
-              <a:t>2022/1/14</a:t>
+              <a:t>2022/1/15</a:t>
             </a:fld>
             <a:endParaRPr kumimoji="1" lang="ja-JP" altLang="en-US"/>
           </a:p>
@@ -3644,7 +3969,7 @@
           <a:p>
             <a:fld id="{43B61DD3-8484-4FD8-9D55-71FA047E405C}" type="datetime1">
               <a:rPr kumimoji="1" lang="ja-JP" altLang="en-US" smtClean="0"/>
-              <a:t>2022/1/14</a:t>
+              <a:t>2022/1/15</a:t>
             </a:fld>
             <a:endParaRPr kumimoji="1" lang="ja-JP" altLang="en-US"/>
           </a:p>
@@ -4076,7 +4401,7 @@
           <a:p>
             <a:fld id="{61FE3252-B303-4BFD-B995-E88780D087A2}" type="datetime1">
               <a:rPr kumimoji="1" lang="ja-JP" altLang="en-US" smtClean="0"/>
-              <a:t>2022/1/14</a:t>
+              <a:t>2022/1/15</a:t>
             </a:fld>
             <a:endParaRPr kumimoji="1" lang="ja-JP" altLang="en-US"/>
           </a:p>
@@ -4195,7 +4520,7 @@
           <a:p>
             <a:fld id="{83973884-A525-473B-9B85-E710649C3EE9}" type="datetime1">
               <a:rPr kumimoji="1" lang="ja-JP" altLang="en-US" smtClean="0"/>
-              <a:t>2022/1/14</a:t>
+              <a:t>2022/1/15</a:t>
             </a:fld>
             <a:endParaRPr kumimoji="1" lang="ja-JP" altLang="en-US"/>
           </a:p>
@@ -4291,7 +4616,7 @@
           <a:p>
             <a:fld id="{630B9591-4670-4AF8-B7B7-F5F2443A761A}" type="datetime1">
               <a:rPr kumimoji="1" lang="ja-JP" altLang="en-US" smtClean="0"/>
-              <a:t>2022/1/14</a:t>
+              <a:t>2022/1/15</a:t>
             </a:fld>
             <a:endParaRPr kumimoji="1" lang="ja-JP" altLang="en-US"/>
           </a:p>
@@ -4601,7 +4926,7 @@
           <a:p>
             <a:fld id="{434F6BA0-5DA2-4153-9B76-E2457FA21F47}" type="datetime1">
               <a:rPr kumimoji="1" lang="ja-JP" altLang="en-US" smtClean="0"/>
-              <a:t>2022/1/14</a:t>
+              <a:t>2022/1/15</a:t>
             </a:fld>
             <a:endParaRPr kumimoji="1" lang="ja-JP" altLang="en-US"/>
           </a:p>
@@ -4859,7 +5184,7 @@
           <a:p>
             <a:fld id="{590B58CC-0A81-4826-A84E-1F1030B25368}" type="datetime1">
               <a:rPr kumimoji="1" lang="ja-JP" altLang="en-US" smtClean="0"/>
-              <a:t>2022/1/14</a:t>
+              <a:t>2022/1/15</a:t>
             </a:fld>
             <a:endParaRPr kumimoji="1" lang="ja-JP" altLang="en-US"/>
           </a:p>
@@ -5105,7 +5430,7 @@
           <a:p>
             <a:fld id="{77253A0B-EAD4-46D7-BD2F-C5BFFB89C890}" type="datetime1">
               <a:rPr kumimoji="1" lang="ja-JP" altLang="en-US" smtClean="0"/>
-              <a:t>2022/1/14</a:t>
+              <a:t>2022/1/15</a:t>
             </a:fld>
             <a:endParaRPr kumimoji="1" lang="ja-JP" altLang="en-US"/>
           </a:p>
@@ -5753,11 +6078,7 @@
           <a:p>
             <a:r>
               <a:rPr lang="ja-JP" altLang="ja-JP" sz="3200" dirty="0" smtClean="0"/>
-              <a:t>現在</a:t>
-            </a:r>
-            <a:r>
-              <a:rPr lang="ja-JP" altLang="ja-JP" sz="3200" dirty="0" smtClean="0"/>
-              <a:t>の</a:t>
+              <a:t>現在の</a:t>
             </a:r>
             <a:r>
               <a:rPr lang="ja-JP" altLang="en-US" sz="3200" dirty="0" smtClean="0"/>
@@ -5976,11 +6297,7 @@
             </a:r>
             <a:r>
               <a:rPr lang="ja-JP" altLang="en-US" sz="3200" dirty="0" smtClean="0"/>
-              <a:t>速度に基づいた</a:t>
-            </a:r>
-            <a:r>
-              <a:rPr lang="ja-JP" altLang="en-US" sz="3200" dirty="0" smtClean="0"/>
-              <a:t>割り振り</a:t>
+              <a:t>速度に基づいた割り振り</a:t>
             </a:r>
             <a:r>
               <a:rPr lang="en-US" altLang="ja-JP" sz="3200" dirty="0" smtClean="0"/>
@@ -6104,15 +6421,7 @@
             </a:r>
             <a:r>
               <a:rPr lang="ja-JP" altLang="ja-JP" sz="3200" dirty="0" smtClean="0"/>
-              <a:t>，負荷</a:t>
-            </a:r>
-            <a:r>
-              <a:rPr lang="ja-JP" altLang="ja-JP" sz="3200" dirty="0" smtClean="0"/>
-              <a:t>分散の重みを動的に</a:t>
-            </a:r>
-            <a:r>
-              <a:rPr lang="ja-JP" altLang="ja-JP" sz="3200" dirty="0" smtClean="0"/>
-              <a:t>ロードバランサ</a:t>
+              <a:t>，負荷分散の重みを動的にロードバランサ</a:t>
             </a:r>
             <a:r>
               <a:rPr lang="ja-JP" altLang="en-US" sz="3200" dirty="0" smtClean="0"/>
@@ -6919,13 +7228,7 @@
               <a:rPr lang="ja-JP" altLang="en-US" dirty="0" smtClean="0">
                 <a:latin typeface="ＭＳ Ｐゴシック" panose="020B0600070205080204" pitchFamily="50" charset="-128"/>
               </a:rPr>
-              <a:t>実験</a:t>
-            </a:r>
-            <a:r>
-              <a:rPr lang="ja-JP" altLang="en-US" dirty="0" smtClean="0">
-                <a:latin typeface="ＭＳ Ｐゴシック" panose="020B0600070205080204" pitchFamily="50" charset="-128"/>
-              </a:rPr>
-              <a:t>で使用するハードウェアは全て</a:t>
+              <a:t>実験で使用するハードウェアは全て</a:t>
             </a:r>
             <a:r>
               <a:rPr lang="en-US" altLang="ja-JP" dirty="0"/>
@@ -8338,11 +8641,7 @@
           <a:p>
             <a:r>
               <a:rPr lang="ja-JP" altLang="en-US" dirty="0" smtClean="0"/>
-              <a:t>異種のサーバ環境でのロードバランスを再現</a:t>
-            </a:r>
-            <a:r>
-              <a:rPr lang="ja-JP" altLang="en-US" dirty="0" smtClean="0"/>
-              <a:t>するため，</a:t>
+              <a:t>異種のサーバ環境でのロードバランスを再現するため，</a:t>
             </a:r>
             <a:r>
               <a:rPr lang="en-US" altLang="ja-JP" dirty="0" smtClean="0"/>
@@ -8369,15 +8668,7 @@
             </a:r>
             <a:r>
               <a:rPr lang="ja-JP" altLang="en-US" dirty="0" smtClean="0"/>
-              <a:t>のリソースに</a:t>
-            </a:r>
-            <a:r>
-              <a:rPr lang="ja-JP" altLang="en-US" dirty="0" smtClean="0"/>
-              <a:t>制限</a:t>
-            </a:r>
-            <a:r>
-              <a:rPr lang="ja-JP" altLang="en-US" dirty="0" smtClean="0"/>
-              <a:t>を設ける．</a:t>
+              <a:t>のリソースに制限を設ける．</a:t>
             </a:r>
             <a:endParaRPr lang="en-US" altLang="ja-JP" sz="2400" dirty="0" smtClean="0"/>
           </a:p>
@@ -9365,7 +9656,23 @@
             </a:r>
             <a:r>
               <a:rPr lang="ja-JP" altLang="ja-JP" b="1" u="sng" dirty="0"/>
-              <a:t>時間の遅延と、それに対するユーザの反応</a:t>
+              <a:t>時間の遅延</a:t>
+            </a:r>
+            <a:r>
+              <a:rPr lang="ja-JP" altLang="ja-JP" b="1" u="sng" dirty="0" smtClean="0"/>
+              <a:t>と</a:t>
+            </a:r>
+            <a:r>
+              <a:rPr lang="ja-JP" altLang="en-US" b="1" u="sng" dirty="0" smtClean="0"/>
+              <a:t>，</a:t>
+            </a:r>
+            <a:r>
+              <a:rPr lang="ja-JP" altLang="ja-JP" b="1" u="sng" dirty="0" smtClean="0"/>
+              <a:t>それ</a:t>
+            </a:r>
+            <a:r>
+              <a:rPr lang="ja-JP" altLang="ja-JP" b="1" u="sng" dirty="0"/>
+              <a:t>に対するユーザの反応</a:t>
             </a:r>
             <a:endParaRPr lang="en-US" altLang="ja-JP" b="1" u="sng" dirty="0" smtClean="0">
               <a:latin typeface="ＭＳ Ｐゴシック" panose="020B0600070205080204" pitchFamily="50" charset="-128"/>
@@ -9432,22 +9739,18 @@
             </a:r>
             <a:r>
               <a:rPr lang="ja-JP" altLang="en-US" b="1" u="sng" dirty="0" smtClean="0"/>
-              <a:t>パフォーマンス</a:t>
-            </a:r>
-            <a:r>
-              <a:rPr lang="ja-JP" altLang="en-US" u="sng" dirty="0" smtClean="0"/>
-              <a:t>の計測・最適化</a:t>
-            </a:r>
-            <a:r>
-              <a:rPr lang="en-US" altLang="ja-JP" u="sng" dirty="0" smtClean="0"/>
+              <a:t>パフォーマンスの計測・最適化</a:t>
+            </a:r>
+            <a:r>
+              <a:rPr lang="en-US" altLang="ja-JP" b="1" u="sng" dirty="0" smtClean="0"/>
               <a:t>(RAIL</a:t>
             </a:r>
             <a:r>
-              <a:rPr lang="ja-JP" altLang="en-US" u="sng" dirty="0" smtClean="0"/>
+              <a:rPr lang="ja-JP" altLang="en-US" b="1" u="sng" dirty="0" smtClean="0"/>
               <a:t>モデル</a:t>
             </a:r>
             <a:r>
-              <a:rPr lang="en-US" altLang="ja-JP" u="sng" dirty="0" smtClean="0"/>
+              <a:rPr lang="en-US" altLang="ja-JP" b="1" u="sng" dirty="0" smtClean="0"/>
               <a:t>)</a:t>
             </a:r>
           </a:p>
@@ -9550,7 +9853,7 @@
         </p:nvSpPr>
         <p:spPr>
           <a:xfrm>
-            <a:off x="420158" y="1411612"/>
+            <a:off x="438446" y="1603000"/>
             <a:ext cx="8303683" cy="4904300"/>
           </a:xfrm>
         </p:spPr>
@@ -9561,133 +9864,108 @@
           <a:lstStyle/>
           <a:p>
             <a:r>
-              <a:rPr lang="ja-JP" altLang="ja-JP" sz="2900" dirty="0"/>
+              <a:rPr lang="ja-JP" altLang="ja-JP" sz="3200" dirty="0"/>
               <a:t>大企業だけでなく中小企業や個人のサイト</a:t>
             </a:r>
             <a:r>
-              <a:rPr lang="ja-JP" altLang="ja-JP" sz="2900" dirty="0" smtClean="0"/>
-              <a:t>でも</a:t>
-            </a:r>
-            <a:r>
-              <a:rPr lang="en-US" altLang="ja-JP" sz="2900" dirty="0" smtClean="0"/>
+              <a:rPr lang="ja-JP" altLang="ja-JP" sz="3200" dirty="0" smtClean="0"/>
+              <a:t>でもサービス</a:t>
+            </a:r>
+            <a:r>
+              <a:rPr lang="ja-JP" altLang="ja-JP" sz="3200" dirty="0"/>
+              <a:t>が拡大するに</a:t>
+            </a:r>
+            <a:r>
+              <a:rPr lang="ja-JP" altLang="ja-JP" sz="3200" dirty="0" smtClean="0"/>
+              <a:t>つれて</a:t>
+            </a:r>
+            <a:r>
+              <a:rPr lang="ja-JP" altLang="en-US" sz="3200" dirty="0" smtClean="0"/>
+              <a:t>「</a:t>
+            </a:r>
+            <a:r>
+              <a:rPr lang="ja-JP" altLang="ja-JP" sz="3200" dirty="0" smtClean="0"/>
+              <a:t>サーバロードバランシング</a:t>
+            </a:r>
+            <a:r>
+              <a:rPr lang="ja-JP" altLang="en-US" sz="3200" dirty="0" smtClean="0"/>
+              <a:t>」</a:t>
+            </a:r>
+            <a:r>
+              <a:rPr lang="ja-JP" altLang="ja-JP" sz="3200" dirty="0" smtClean="0"/>
+              <a:t>は</a:t>
+            </a:r>
+            <a:r>
+              <a:rPr lang="ja-JP" altLang="ja-JP" sz="3200" dirty="0"/>
+              <a:t>重要視される</a:t>
+            </a:r>
+            <a:r>
+              <a:rPr lang="ja-JP" altLang="ja-JP" sz="3200" dirty="0" smtClean="0"/>
+              <a:t>．</a:t>
+            </a:r>
+            <a:r>
+              <a:rPr lang="en-US" altLang="ja-JP" sz="3200" dirty="0"/>
               <a:t/>
             </a:r>
             <a:br>
-              <a:rPr lang="en-US" altLang="ja-JP" sz="2900" dirty="0" smtClean="0"/>
+              <a:rPr lang="en-US" altLang="ja-JP" sz="3200" dirty="0"/>
             </a:br>
-            <a:r>
-              <a:rPr lang="ja-JP" altLang="ja-JP" sz="2900" dirty="0" smtClean="0"/>
-              <a:t>サービス</a:t>
-            </a:r>
-            <a:r>
-              <a:rPr lang="ja-JP" altLang="ja-JP" sz="2900" dirty="0"/>
-              <a:t>が拡大するに</a:t>
-            </a:r>
-            <a:r>
-              <a:rPr lang="ja-JP" altLang="ja-JP" sz="2900" dirty="0" smtClean="0"/>
-              <a:t>つれて</a:t>
-            </a:r>
-            <a:r>
-              <a:rPr lang="ja-JP" altLang="en-US" sz="2900" dirty="0" smtClean="0"/>
-              <a:t>「</a:t>
-            </a:r>
-            <a:r>
-              <a:rPr lang="ja-JP" altLang="ja-JP" sz="2900" dirty="0" smtClean="0"/>
-              <a:t>サーバロードバランシング</a:t>
-            </a:r>
-            <a:r>
-              <a:rPr lang="ja-JP" altLang="en-US" sz="2900" dirty="0" smtClean="0"/>
-              <a:t>」</a:t>
-            </a:r>
-            <a:r>
-              <a:rPr lang="ja-JP" altLang="ja-JP" sz="2900" dirty="0" smtClean="0"/>
-              <a:t>は</a:t>
-            </a:r>
-            <a:r>
-              <a:rPr lang="ja-JP" altLang="ja-JP" sz="2900" dirty="0"/>
-              <a:t>重要視される</a:t>
-            </a:r>
-            <a:r>
-              <a:rPr lang="ja-JP" altLang="ja-JP" sz="2900" dirty="0" smtClean="0"/>
+            <a:endParaRPr lang="en-US" altLang="ja-JP" sz="3200" dirty="0" smtClean="0"/>
+          </a:p>
+          <a:p>
+            <a:r>
+              <a:rPr lang="en-US" altLang="ja-JP" sz="3200" dirty="0" smtClean="0"/>
+              <a:t>SEO(Search </a:t>
+            </a:r>
+            <a:r>
+              <a:rPr lang="en-US" altLang="ja-JP" sz="3200" dirty="0"/>
+              <a:t>Engine Optimization)</a:t>
+            </a:r>
+            <a:r>
+              <a:rPr lang="ja-JP" altLang="ja-JP" sz="3200" dirty="0" smtClean="0"/>
+              <a:t>の</a:t>
+            </a:r>
+            <a:r>
+              <a:rPr lang="ja-JP" altLang="ja-JP" sz="3200" dirty="0"/>
+              <a:t>観点から</a:t>
+            </a:r>
+            <a:r>
+              <a:rPr lang="ja-JP" altLang="ja-JP" sz="3200" dirty="0" smtClean="0"/>
+              <a:t>，競合サイトと比較し自身のサイトの表示</a:t>
+            </a:r>
+            <a:r>
+              <a:rPr lang="ja-JP" altLang="ja-JP" sz="3200" dirty="0"/>
+              <a:t>速度が遅いとランキング評価で不利になるとされて</a:t>
+            </a:r>
+            <a:r>
+              <a:rPr lang="ja-JP" altLang="ja-JP" sz="3200" dirty="0" smtClean="0"/>
+              <a:t>いる</a:t>
+            </a:r>
+            <a:r>
+              <a:rPr lang="en-US" altLang="ja-JP" sz="3200" dirty="0"/>
+              <a:t>[Daniel </a:t>
+            </a:r>
+            <a:r>
+              <a:rPr lang="en-US" altLang="ja-JP" sz="3200" dirty="0" smtClean="0"/>
+              <a:t>2017]</a:t>
+            </a:r>
+            <a:r>
+              <a:rPr lang="ja-JP" altLang="en-US" sz="3200" dirty="0"/>
+              <a:t>ため</a:t>
+            </a:r>
+            <a:r>
+              <a:rPr lang="ja-JP" altLang="ja-JP" sz="3200" dirty="0" smtClean="0"/>
+              <a:t>，</a:t>
+            </a:r>
+            <a:r>
+              <a:rPr lang="ja-JP" altLang="ja-JP" sz="3200" dirty="0"/>
+              <a:t>負荷分散時にも応答速度に配慮する必要がある</a:t>
+            </a:r>
+            <a:r>
+              <a:rPr lang="ja-JP" altLang="ja-JP" sz="3200" dirty="0" smtClean="0"/>
               <a:t>．</a:t>
             </a:r>
-            <a:endParaRPr lang="en-US" altLang="ja-JP" sz="2900" dirty="0" smtClean="0"/>
-          </a:p>
-          <a:p>
-            <a:r>
-              <a:rPr lang="en-US" altLang="ja-JP" sz="2900" dirty="0" smtClean="0"/>
-              <a:t>SEO(Search </a:t>
-            </a:r>
-            <a:r>
-              <a:rPr lang="en-US" altLang="ja-JP" sz="2900" dirty="0"/>
-              <a:t>Engine Optimization)</a:t>
-            </a:r>
-            <a:r>
-              <a:rPr lang="ja-JP" altLang="ja-JP" sz="2900" dirty="0" smtClean="0"/>
-              <a:t>の</a:t>
-            </a:r>
-            <a:r>
-              <a:rPr lang="ja-JP" altLang="ja-JP" sz="2900" dirty="0"/>
-              <a:t>観点から，競合サイトと比較し自身のサイトの表示速度が遅いとランキング評価で不利になるとされて</a:t>
-            </a:r>
-            <a:r>
-              <a:rPr lang="ja-JP" altLang="ja-JP" sz="2900" dirty="0" smtClean="0"/>
-              <a:t>いる</a:t>
-            </a:r>
-            <a:r>
-              <a:rPr lang="en-US" altLang="ja-JP" sz="2900" dirty="0"/>
-              <a:t>[Daniel </a:t>
-            </a:r>
-            <a:r>
-              <a:rPr lang="en-US" altLang="ja-JP" sz="2900" dirty="0" smtClean="0"/>
-              <a:t>2017]</a:t>
-            </a:r>
-            <a:r>
-              <a:rPr lang="ja-JP" altLang="en-US" sz="2900" dirty="0"/>
-              <a:t>ため</a:t>
-            </a:r>
-            <a:r>
-              <a:rPr lang="ja-JP" altLang="ja-JP" sz="2900" dirty="0" smtClean="0"/>
-              <a:t>，</a:t>
-            </a:r>
-            <a:r>
-              <a:rPr lang="ja-JP" altLang="ja-JP" sz="2900" dirty="0"/>
-              <a:t>負荷分散時にも応答速度に配慮する必要がある</a:t>
-            </a:r>
-            <a:r>
-              <a:rPr lang="ja-JP" altLang="ja-JP" sz="2900" dirty="0" smtClean="0"/>
-              <a:t>．</a:t>
-            </a:r>
-            <a:endParaRPr lang="en-US" altLang="ja-JP" sz="2900" dirty="0" smtClean="0"/>
-          </a:p>
-          <a:p>
-            <a:r>
-              <a:rPr lang="ja-JP" altLang="ja-JP" sz="2900" dirty="0" smtClean="0"/>
-              <a:t>リプレイスによって導入された新しい</a:t>
-            </a:r>
-            <a:r>
-              <a:rPr lang="ja-JP" altLang="ja-JP" sz="2900" dirty="0"/>
-              <a:t>サーバと旧式のサーバを混合して負荷分散に利用されること</a:t>
-            </a:r>
-            <a:r>
-              <a:rPr lang="ja-JP" altLang="ja-JP" sz="2900" dirty="0" smtClean="0"/>
-              <a:t>も</a:t>
-            </a:r>
-            <a:r>
-              <a:rPr lang="en-US" altLang="ja-JP" sz="2900" dirty="0"/>
-              <a:t/>
-            </a:r>
-            <a:br>
-              <a:rPr lang="en-US" altLang="ja-JP" sz="2900" dirty="0"/>
-            </a:br>
-            <a:r>
-              <a:rPr lang="ja-JP" altLang="ja-JP" sz="2900" dirty="0" smtClean="0"/>
-              <a:t>個人</a:t>
-            </a:r>
-            <a:r>
-              <a:rPr lang="ja-JP" altLang="ja-JP" sz="2900" dirty="0"/>
-              <a:t>や中小企業を中心に見受けられる．</a:t>
-            </a:r>
+            <a:endParaRPr lang="en-US" altLang="ja-JP" sz="3200" dirty="0" smtClean="0"/>
           </a:p>
         </p:txBody>
       </p:sp>
@@ -9999,45 +10277,18 @@
       </p:grpSpPr>
       <p:sp>
         <p:nvSpPr>
-          <p:cNvPr id="2" name="タイトル 1"/>
-          <p:cNvSpPr>
-            <a:spLocks noGrp="1"/>
-          </p:cNvSpPr>
-          <p:nvPr>
-            <p:ph type="title"/>
+          <p:cNvPr id="3" name="コンテンツ プレースホルダー 2"/>
+          <p:cNvSpPr>
+            <a:spLocks noGrp="1"/>
+          </p:cNvSpPr>
+          <p:nvPr>
+            <p:ph idx="1"/>
           </p:nvPr>
         </p:nvSpPr>
         <p:spPr>
           <a:xfrm>
-            <a:off x="628650" y="136099"/>
-            <a:ext cx="7886700" cy="1325563"/>
-          </a:xfrm>
-        </p:spPr>
-        <p:txBody>
-          <a:bodyPr/>
-          <a:lstStyle/>
-          <a:p>
-            <a:r>
-              <a:rPr kumimoji="1" lang="ja-JP" altLang="en-US" dirty="0"/>
-              <a:t>関連研究</a:t>
-            </a:r>
-          </a:p>
-        </p:txBody>
-      </p:sp>
-      <p:sp>
-        <p:nvSpPr>
-          <p:cNvPr id="3" name="コンテンツ プレースホルダー 2"/>
-          <p:cNvSpPr>
-            <a:spLocks noGrp="1"/>
-          </p:cNvSpPr>
-          <p:nvPr>
-            <p:ph idx="1"/>
-          </p:nvPr>
-        </p:nvSpPr>
-        <p:spPr>
-          <a:xfrm>
-            <a:off x="628650" y="1157451"/>
-            <a:ext cx="8166434" cy="5503111"/>
+            <a:off x="429302" y="1558231"/>
+            <a:ext cx="8303683" cy="4904300"/>
           </a:xfrm>
         </p:spPr>
         <p:txBody>
@@ -10046,500 +10297,22 @@
           </a:bodyPr>
           <a:lstStyle/>
           <a:p>
-            <a:pPr marL="0" indent="0">
-              <a:buNone/>
-            </a:pPr>
-            <a:r>
-              <a:rPr lang="ja-JP" altLang="en-US" sz="2400" b="1" u="sng" dirty="0">
-                <a:latin typeface="ＭＳ Ｐゴシック" panose="020B0600070205080204" pitchFamily="50" charset="-128"/>
-              </a:rPr>
-              <a:t>リバースプロキシによるロードバランシング手法</a:t>
-            </a:r>
-            <a:endParaRPr lang="en-US" altLang="ja-JP" sz="2400" b="1" u="sng" dirty="0">
-              <a:latin typeface="ＭＳ Ｐゴシック" panose="020B0600070205080204" pitchFamily="50" charset="-128"/>
-            </a:endParaRPr>
-          </a:p>
-          <a:p>
-            <a:pPr marL="0" indent="0">
-              <a:lnSpc>
-                <a:spcPct val="100000"/>
-              </a:lnSpc>
-              <a:buNone/>
-            </a:pPr>
-            <a:r>
-              <a:rPr lang="en-US" altLang="ja-JP" sz="2000" dirty="0" smtClean="0">
-                <a:latin typeface="ＭＳ Ｐゴシック" panose="020B0600070205080204" pitchFamily="50" charset="-128"/>
-              </a:rPr>
-              <a:t>[</a:t>
-            </a:r>
-            <a:r>
-              <a:rPr lang="en-US" altLang="ja-JP" sz="2000" dirty="0" err="1">
-                <a:latin typeface="ＭＳ Ｐゴシック" panose="020B0600070205080204" pitchFamily="50" charset="-128"/>
-              </a:rPr>
-              <a:t>T</a:t>
-            </a:r>
-            <a:r>
-              <a:rPr lang="en-US" altLang="ja-JP" sz="2000" dirty="0" err="1" smtClean="0">
-                <a:latin typeface="ＭＳ Ｐゴシック" panose="020B0600070205080204" pitchFamily="50" charset="-128"/>
-              </a:rPr>
-              <a:t>suchi</a:t>
-            </a:r>
-            <a:r>
-              <a:rPr lang="en-US" altLang="ja-JP" sz="2000" dirty="0" smtClean="0">
-                <a:latin typeface="ＭＳ Ｐゴシック" panose="020B0600070205080204" pitchFamily="50" charset="-128"/>
-              </a:rPr>
-              <a:t> </a:t>
-            </a:r>
-            <a:r>
-              <a:rPr lang="en-US" altLang="ja-JP" sz="2000" dirty="0">
-                <a:latin typeface="ＭＳ Ｐゴシック" panose="020B0600070205080204" pitchFamily="50" charset="-128"/>
-              </a:rPr>
-              <a:t>2008]</a:t>
-            </a:r>
-            <a:r>
-              <a:rPr lang="ja-JP" altLang="en-US" sz="2000" dirty="0">
-                <a:latin typeface="ＭＳ Ｐゴシック" panose="020B0600070205080204" pitchFamily="50" charset="-128"/>
-              </a:rPr>
-              <a:t>土居幸一郎</a:t>
-            </a:r>
-            <a:r>
-              <a:rPr lang="en-US" altLang="ja-JP" sz="2000" dirty="0">
-                <a:latin typeface="ＭＳ Ｐゴシック" panose="020B0600070205080204" pitchFamily="50" charset="-128"/>
-              </a:rPr>
-              <a:t>,</a:t>
-            </a:r>
-            <a:r>
-              <a:rPr lang="ja-JP" altLang="en-US" sz="2000" dirty="0">
-                <a:latin typeface="ＭＳ Ｐゴシック" panose="020B0600070205080204" pitchFamily="50" charset="-128"/>
-              </a:rPr>
-              <a:t>後藤滋樹</a:t>
-            </a:r>
-            <a:r>
-              <a:rPr lang="en-US" altLang="ja-JP" sz="2000" dirty="0">
-                <a:latin typeface="ＭＳ Ｐゴシック" panose="020B0600070205080204" pitchFamily="50" charset="-128"/>
-              </a:rPr>
-              <a:t>HTTP</a:t>
-            </a:r>
-            <a:r>
-              <a:rPr lang="ja-JP" altLang="en-US" sz="2000" dirty="0">
-                <a:latin typeface="ＭＳ Ｐゴシック" panose="020B0600070205080204" pitchFamily="50" charset="-128"/>
-              </a:rPr>
-              <a:t>セッションのハンドオーバによる</a:t>
-            </a:r>
-            <a:r>
-              <a:rPr lang="en-US" altLang="ja-JP" sz="2000" dirty="0">
-                <a:latin typeface="ＭＳ Ｐゴシック" panose="020B0600070205080204" pitchFamily="50" charset="-128"/>
-              </a:rPr>
-              <a:t>WEB</a:t>
-            </a:r>
-            <a:r>
-              <a:rPr lang="ja-JP" altLang="en-US" sz="2000" dirty="0">
-                <a:latin typeface="ＭＳ Ｐゴシック" panose="020B0600070205080204" pitchFamily="50" charset="-128"/>
-              </a:rPr>
-              <a:t>サーバのロードバランス </a:t>
-            </a:r>
-            <a:r>
-              <a:rPr lang="en-US" altLang="ja-JP" sz="2000" dirty="0">
-                <a:latin typeface="ＭＳ Ｐゴシック" panose="020B0600070205080204" pitchFamily="50" charset="-128"/>
-              </a:rPr>
-              <a:t>(</a:t>
-            </a:r>
-            <a:r>
-              <a:rPr lang="ja-JP" altLang="en-US" sz="2000" dirty="0">
-                <a:latin typeface="ＭＳ Ｐゴシック" panose="020B0600070205080204" pitchFamily="50" charset="-128"/>
-              </a:rPr>
-              <a:t>分散システム</a:t>
-            </a:r>
-            <a:r>
-              <a:rPr lang="en-US" altLang="ja-JP" sz="2000" dirty="0">
-                <a:latin typeface="ＭＳ Ｐゴシック" panose="020B0600070205080204" pitchFamily="50" charset="-128"/>
-              </a:rPr>
-              <a:t>/</a:t>
-            </a:r>
-            <a:r>
-              <a:rPr lang="ja-JP" altLang="en-US" sz="2000" dirty="0">
-                <a:latin typeface="ＭＳ Ｐゴシック" panose="020B0600070205080204" pitchFamily="50" charset="-128"/>
-              </a:rPr>
-              <a:t>インターネット運用技術・高品質インターネット</a:t>
-            </a:r>
-            <a:r>
-              <a:rPr lang="en-US" altLang="ja-JP" sz="2000" dirty="0">
-                <a:latin typeface="ＭＳ Ｐゴシック" panose="020B0600070205080204" pitchFamily="50" charset="-128"/>
-              </a:rPr>
-              <a:t>)</a:t>
-            </a:r>
-            <a:r>
-              <a:rPr lang="ja-JP" altLang="en-US" sz="2000" dirty="0">
-                <a:latin typeface="ＭＳ Ｐゴシック" panose="020B0600070205080204" pitchFamily="50" charset="-128"/>
-              </a:rPr>
-              <a:t>掲載誌 情報処理学会研究報告 </a:t>
-            </a:r>
-            <a:r>
-              <a:rPr lang="en-US" altLang="ja-JP" sz="2000" dirty="0">
-                <a:latin typeface="ＭＳ Ｐゴシック" panose="020B0600070205080204" pitchFamily="50" charset="-128"/>
-              </a:rPr>
-              <a:t>= IPSJ SIG technical reports </a:t>
-            </a:r>
-            <a:r>
-              <a:rPr lang="en-US" altLang="ja-JP" sz="2000" dirty="0" smtClean="0">
-                <a:latin typeface="ＭＳ Ｐゴシック" panose="020B0600070205080204" pitchFamily="50" charset="-128"/>
-              </a:rPr>
-              <a:t>p.25-29(2008-3-6)</a:t>
-            </a:r>
-            <a:endParaRPr lang="en-US" altLang="ja-JP" sz="2000" dirty="0">
-              <a:latin typeface="ＭＳ Ｐゴシック" panose="020B0600070205080204" pitchFamily="50" charset="-128"/>
-            </a:endParaRPr>
-          </a:p>
-          <a:p>
-            <a:pPr marL="0" indent="0">
-              <a:lnSpc>
-                <a:spcPct val="100000"/>
-              </a:lnSpc>
-              <a:buNone/>
-            </a:pPr>
-            <a:r>
-              <a:rPr lang="ja-JP" altLang="en-US" sz="2400" b="1" u="sng" dirty="0" smtClean="0">
-                <a:latin typeface="ＭＳ Ｐゴシック" panose="020B0600070205080204" pitchFamily="50" charset="-128"/>
-              </a:rPr>
-              <a:t>応答速度の最適化・評価手法</a:t>
-            </a:r>
-            <a:endParaRPr lang="en-US" altLang="ja-JP" sz="2400" b="1" u="sng" dirty="0">
-              <a:latin typeface="ＭＳ Ｐゴシック" panose="020B0600070205080204" pitchFamily="50" charset="-128"/>
-            </a:endParaRPr>
-          </a:p>
-          <a:p>
-            <a:pPr marL="0" indent="0">
-              <a:lnSpc>
-                <a:spcPct val="100000"/>
-              </a:lnSpc>
-              <a:buNone/>
-            </a:pPr>
-            <a:r>
-              <a:rPr lang="en-US" altLang="ja-JP" sz="2000" dirty="0" smtClean="0">
-                <a:latin typeface="ＭＳ Ｐゴシック" panose="020B0600070205080204" pitchFamily="50" charset="-128"/>
-              </a:rPr>
-              <a:t>[</a:t>
-            </a:r>
-            <a:r>
-              <a:rPr lang="en-US" altLang="ja-JP" sz="2000" dirty="0" err="1">
-                <a:latin typeface="ＭＳ Ｐゴシック" panose="020B0600070205080204" pitchFamily="50" charset="-128"/>
-              </a:rPr>
-              <a:t>K</a:t>
-            </a:r>
-            <a:r>
-              <a:rPr lang="en-US" altLang="ja-JP" sz="2000" dirty="0" err="1" smtClean="0">
-                <a:latin typeface="ＭＳ Ｐゴシック" panose="020B0600070205080204" pitchFamily="50" charset="-128"/>
-              </a:rPr>
-              <a:t>ono</a:t>
-            </a:r>
-            <a:r>
-              <a:rPr lang="en-US" altLang="ja-JP" sz="2000" dirty="0" smtClean="0">
-                <a:latin typeface="ＭＳ Ｐゴシック" panose="020B0600070205080204" pitchFamily="50" charset="-128"/>
-              </a:rPr>
-              <a:t> 2007]</a:t>
-            </a:r>
-            <a:r>
-              <a:rPr lang="ja-JP" altLang="en-US" sz="2000" dirty="0" smtClean="0">
-                <a:latin typeface="ＭＳ Ｐゴシック" panose="020B0600070205080204" pitchFamily="50" charset="-128"/>
-              </a:rPr>
-              <a:t>複数</a:t>
-            </a:r>
-            <a:r>
-              <a:rPr lang="ja-JP" altLang="en-US" sz="2000" dirty="0">
-                <a:latin typeface="ＭＳ Ｐゴシック" panose="020B0600070205080204" pitchFamily="50" charset="-128"/>
-              </a:rPr>
-              <a:t>のロードバランサによる Ｗｅｂシステムの応答時間</a:t>
-            </a:r>
-            <a:r>
-              <a:rPr lang="ja-JP" altLang="en-US" sz="2000" dirty="0" smtClean="0">
-                <a:latin typeface="ＭＳ Ｐゴシック" panose="020B0600070205080204" pitchFamily="50" charset="-128"/>
-              </a:rPr>
-              <a:t>最適化河野 知行</a:t>
-            </a:r>
-            <a:r>
-              <a:rPr lang="en-US" altLang="ja-JP" sz="2000" dirty="0" smtClean="0">
-                <a:latin typeface="ＭＳ Ｐゴシック" panose="020B0600070205080204" pitchFamily="50" charset="-128"/>
-              </a:rPr>
-              <a:t>Tomoyuki KAWANO</a:t>
-            </a:r>
-            <a:r>
-              <a:rPr lang="ja-JP" altLang="en-US" sz="2000" dirty="0" smtClean="0">
-                <a:latin typeface="ＭＳ Ｐゴシック" panose="020B0600070205080204" pitchFamily="50" charset="-128"/>
-              </a:rPr>
-              <a:t>情報</a:t>
-            </a:r>
-            <a:r>
-              <a:rPr lang="ja-JP" altLang="en-US" sz="2000" dirty="0">
-                <a:latin typeface="ＭＳ Ｐゴシック" panose="020B0600070205080204" pitchFamily="50" charset="-128"/>
-              </a:rPr>
-              <a:t>処理学会研究報告システム評価（</a:t>
-            </a:r>
-            <a:r>
-              <a:rPr lang="en-US" altLang="ja-JP" sz="2000" dirty="0">
-                <a:latin typeface="ＭＳ Ｐゴシック" panose="020B0600070205080204" pitchFamily="50" charset="-128"/>
-              </a:rPr>
-              <a:t>EVA</a:t>
-            </a:r>
-            <a:r>
-              <a:rPr lang="ja-JP" altLang="en-US" sz="2000" dirty="0">
-                <a:latin typeface="ＭＳ Ｐゴシック" panose="020B0600070205080204" pitchFamily="50" charset="-128"/>
-              </a:rPr>
-              <a:t>）</a:t>
-            </a:r>
-            <a:r>
-              <a:rPr lang="en-US" altLang="ja-JP" sz="2000" dirty="0">
-                <a:latin typeface="ＭＳ Ｐゴシック" panose="020B0600070205080204" pitchFamily="50" charset="-128"/>
-              </a:rPr>
-              <a:t>,2007(63(2007-EVA-021</a:t>
-            </a:r>
-            <a:r>
-              <a:rPr lang="en-US" altLang="ja-JP" sz="2000" dirty="0" smtClean="0">
-                <a:latin typeface="ＭＳ Ｐゴシック" panose="020B0600070205080204" pitchFamily="50" charset="-128"/>
-              </a:rPr>
-              <a:t>)),p.27-34 </a:t>
-            </a:r>
-            <a:r>
-              <a:rPr lang="en-US" altLang="ja-JP" sz="2000" dirty="0">
-                <a:latin typeface="ＭＳ Ｐゴシック" panose="020B0600070205080204" pitchFamily="50" charset="-128"/>
-              </a:rPr>
-              <a:t>(2007-06-22</a:t>
-            </a:r>
-            <a:r>
-              <a:rPr lang="en-US" altLang="ja-JP" sz="2000" dirty="0" smtClean="0">
-                <a:latin typeface="ＭＳ Ｐゴシック" panose="020B0600070205080204" pitchFamily="50" charset="-128"/>
-              </a:rPr>
-              <a:t>)</a:t>
-            </a:r>
-          </a:p>
-          <a:p>
-            <a:pPr marL="0" indent="0">
-              <a:lnSpc>
-                <a:spcPct val="100000"/>
-              </a:lnSpc>
-              <a:buNone/>
-            </a:pPr>
-            <a:r>
-              <a:rPr lang="en-US" altLang="ja-JP" sz="2000" dirty="0" smtClean="0">
-                <a:latin typeface="ＭＳ Ｐゴシック" panose="020B0600070205080204" pitchFamily="50" charset="-128"/>
-              </a:rPr>
-              <a:t>[Paul 2014]</a:t>
-            </a:r>
-            <a:r>
-              <a:rPr lang="ja-JP" altLang="en-US" sz="2000" dirty="0" smtClean="0">
-                <a:latin typeface="ＭＳ Ｐゴシック" panose="020B0600070205080204" pitchFamily="50" charset="-128"/>
-              </a:rPr>
-              <a:t>反応</a:t>
-            </a:r>
-            <a:r>
-              <a:rPr lang="ja-JP" altLang="en-US" sz="2000" dirty="0">
-                <a:latin typeface="ＭＳ Ｐゴシック" panose="020B0600070205080204" pitchFamily="50" charset="-128"/>
-              </a:rPr>
-              <a:t>時間の遅延</a:t>
-            </a:r>
-            <a:r>
-              <a:rPr lang="ja-JP" altLang="en-US" sz="2000" dirty="0" smtClean="0">
-                <a:latin typeface="ＭＳ Ｐゴシック" panose="020B0600070205080204" pitchFamily="50" charset="-128"/>
-              </a:rPr>
-              <a:t>とそれ</a:t>
-            </a:r>
-            <a:r>
-              <a:rPr lang="ja-JP" altLang="en-US" sz="2000" dirty="0">
-                <a:latin typeface="ＭＳ Ｐゴシック" panose="020B0600070205080204" pitchFamily="50" charset="-128"/>
-              </a:rPr>
-              <a:t>に対するユーザの</a:t>
-            </a:r>
-            <a:r>
-              <a:rPr lang="ja-JP" altLang="en-US" sz="2000" dirty="0" smtClean="0">
-                <a:latin typeface="ＭＳ Ｐゴシック" panose="020B0600070205080204" pitchFamily="50" charset="-128"/>
-              </a:rPr>
-              <a:t>反応</a:t>
-            </a:r>
-            <a:r>
-              <a:rPr lang="en-US" altLang="ja-JP" sz="2000" dirty="0">
-                <a:latin typeface="ＭＳ Ｐゴシック" panose="020B0600070205080204" pitchFamily="50" charset="-128"/>
-              </a:rPr>
-              <a:t/>
-            </a:r>
-            <a:br>
-              <a:rPr lang="en-US" altLang="ja-JP" sz="2000" dirty="0">
-                <a:latin typeface="ＭＳ Ｐゴシック" panose="020B0600070205080204" pitchFamily="50" charset="-128"/>
-              </a:rPr>
-            </a:br>
-            <a:r>
-              <a:rPr lang="en-US" altLang="ja-JP" sz="2000" dirty="0" smtClean="0">
-                <a:latin typeface="ＭＳ Ｐゴシック" panose="020B0600070205080204" pitchFamily="50" charset="-128"/>
-              </a:rPr>
-              <a:t>Paul </a:t>
-            </a:r>
-            <a:r>
-              <a:rPr lang="en-US" altLang="ja-JP" sz="2000" dirty="0" err="1" smtClean="0">
-                <a:latin typeface="ＭＳ Ｐゴシック" panose="020B0600070205080204" pitchFamily="50" charset="-128"/>
-              </a:rPr>
-              <a:t>Kinlan</a:t>
-            </a:r>
-            <a:r>
-              <a:rPr lang="en-US" altLang="ja-JP" sz="2000" dirty="0" smtClean="0">
-                <a:latin typeface="ＭＳ Ｐゴシック" panose="020B0600070205080204" pitchFamily="50" charset="-128"/>
-              </a:rPr>
-              <a:t>. What </a:t>
-            </a:r>
-            <a:r>
-              <a:rPr lang="en-US" altLang="ja-JP" sz="2000" dirty="0">
-                <a:latin typeface="ＭＳ Ｐゴシック" panose="020B0600070205080204" pitchFamily="50" charset="-128"/>
-              </a:rPr>
-              <a:t>do people want from a news </a:t>
-            </a:r>
-            <a:r>
-              <a:rPr lang="en-US" altLang="ja-JP" sz="2000" dirty="0" smtClean="0">
-                <a:latin typeface="ＭＳ Ｐゴシック" panose="020B0600070205080204" pitchFamily="50" charset="-128"/>
-              </a:rPr>
-              <a:t>experience </a:t>
-            </a:r>
-            <a:r>
-              <a:rPr lang="en-US" altLang="ja-JP" sz="2000" dirty="0">
-                <a:latin typeface="ＭＳ Ｐゴシック" panose="020B0600070205080204" pitchFamily="50" charset="-128"/>
-              </a:rPr>
-              <a:t>(2014-12-8</a:t>
-            </a:r>
-            <a:r>
-              <a:rPr lang="en-US" altLang="ja-JP" sz="2000" dirty="0" smtClean="0">
-                <a:latin typeface="ＭＳ Ｐゴシック" panose="020B0600070205080204" pitchFamily="50" charset="-128"/>
-              </a:rPr>
-              <a:t>)</a:t>
-            </a:r>
-            <a:endParaRPr lang="en-US" altLang="ja-JP" sz="2400" u="sng" dirty="0" smtClean="0">
-              <a:latin typeface="ＭＳ Ｐゴシック" panose="020B0600070205080204" pitchFamily="50" charset="-128"/>
-            </a:endParaRPr>
-          </a:p>
-          <a:p>
-            <a:pPr marL="0" indent="0">
-              <a:lnSpc>
-                <a:spcPct val="100000"/>
-              </a:lnSpc>
-              <a:buNone/>
-            </a:pPr>
-            <a:r>
-              <a:rPr lang="en-US" altLang="ja-JP" sz="2400" b="1" u="sng" dirty="0" smtClean="0">
-                <a:latin typeface="ＭＳ Ｐゴシック" panose="020B0600070205080204" pitchFamily="50" charset="-128"/>
-              </a:rPr>
-              <a:t>WEB</a:t>
-            </a:r>
-            <a:r>
-              <a:rPr lang="ja-JP" altLang="en-US" sz="2400" b="1" u="sng" dirty="0" smtClean="0">
-                <a:latin typeface="ＭＳ Ｐゴシック" panose="020B0600070205080204" pitchFamily="50" charset="-128"/>
-              </a:rPr>
-              <a:t>サーバ計測システム</a:t>
-            </a:r>
-            <a:r>
-              <a:rPr lang="ja-JP" altLang="en-US" sz="2400" b="1" u="sng" dirty="0">
-                <a:latin typeface="ＭＳ Ｐゴシック" panose="020B0600070205080204" pitchFamily="50" charset="-128"/>
-              </a:rPr>
-              <a:t>の設計・開発</a:t>
-            </a:r>
-            <a:endParaRPr lang="en-US" altLang="ja-JP" sz="2400" b="1" u="sng" dirty="0">
-              <a:latin typeface="ＭＳ Ｐゴシック" panose="020B0600070205080204" pitchFamily="50" charset="-128"/>
-            </a:endParaRPr>
-          </a:p>
-          <a:p>
-            <a:pPr marL="0" indent="0">
-              <a:buNone/>
-            </a:pPr>
-            <a:r>
-              <a:rPr lang="en-US" altLang="ja-JP" sz="2000" dirty="0" smtClean="0">
-                <a:latin typeface="ＭＳ Ｐゴシック" panose="020B0600070205080204" pitchFamily="50" charset="-128"/>
-              </a:rPr>
-              <a:t>[</a:t>
-            </a:r>
-            <a:r>
-              <a:rPr lang="en-US" altLang="ja-JP" sz="2000" dirty="0" err="1">
-                <a:latin typeface="ＭＳ Ｐゴシック" panose="020B0600070205080204" pitchFamily="50" charset="-128"/>
-              </a:rPr>
-              <a:t>H</a:t>
-            </a:r>
-            <a:r>
-              <a:rPr lang="en-US" altLang="ja-JP" sz="2000" dirty="0" err="1" smtClean="0">
-                <a:latin typeface="ＭＳ Ｐゴシック" panose="020B0600070205080204" pitchFamily="50" charset="-128"/>
-              </a:rPr>
-              <a:t>oriuchi</a:t>
-            </a:r>
-            <a:r>
-              <a:rPr lang="en-US" altLang="ja-JP" sz="2000" dirty="0" smtClean="0">
-                <a:latin typeface="ＭＳ Ｐゴシック" panose="020B0600070205080204" pitchFamily="50" charset="-128"/>
-              </a:rPr>
-              <a:t> 2014]</a:t>
-            </a:r>
-            <a:r>
-              <a:rPr lang="ja-JP" altLang="en-US" sz="2000" dirty="0">
-                <a:latin typeface="ＭＳ Ｐゴシック" panose="020B0600070205080204" pitchFamily="50" charset="-128"/>
-              </a:rPr>
-              <a:t>クラウドに適した</a:t>
-            </a:r>
-            <a:r>
-              <a:rPr lang="en-US" altLang="ja-JP" sz="2000" dirty="0">
-                <a:latin typeface="ＭＳ Ｐゴシック" panose="020B0600070205080204" pitchFamily="50" charset="-128"/>
-              </a:rPr>
-              <a:t>Web</a:t>
-            </a:r>
-            <a:r>
-              <a:rPr lang="ja-JP" altLang="en-US" sz="2000" dirty="0">
-                <a:latin typeface="ＭＳ Ｐゴシック" panose="020B0600070205080204" pitchFamily="50" charset="-128"/>
-              </a:rPr>
-              <a:t>システムの負荷監視機能の改善に</a:t>
-            </a:r>
-            <a:r>
-              <a:rPr lang="ja-JP" altLang="en-US" sz="2000" dirty="0" smtClean="0">
-                <a:latin typeface="ＭＳ Ｐゴシック" panose="020B0600070205080204" pitchFamily="50" charset="-128"/>
-              </a:rPr>
-              <a:t>ついて堀内晨彦 </a:t>
-            </a:r>
-            <a:r>
-              <a:rPr lang="en-US" altLang="ja-JP" sz="2000" dirty="0">
-                <a:latin typeface="ＭＳ Ｐゴシック" panose="020B0600070205080204" pitchFamily="50" charset="-128"/>
-              </a:rPr>
-              <a:t>, </a:t>
-            </a:r>
-            <a:r>
-              <a:rPr lang="ja-JP" altLang="en-US" sz="2000" dirty="0" smtClean="0">
-                <a:latin typeface="ＭＳ Ｐゴシック" panose="020B0600070205080204" pitchFamily="50" charset="-128"/>
-              </a:rPr>
-              <a:t>最所圭三第</a:t>
-            </a:r>
-            <a:r>
-              <a:rPr lang="en-US" altLang="ja-JP" sz="2000" dirty="0" smtClean="0">
-                <a:latin typeface="ＭＳ Ｐゴシック" panose="020B0600070205080204" pitchFamily="50" charset="-128"/>
-              </a:rPr>
-              <a:t>76</a:t>
-            </a:r>
-            <a:r>
-              <a:rPr lang="ja-JP" altLang="en-US" sz="2000" dirty="0">
-                <a:latin typeface="ＭＳ Ｐゴシック" panose="020B0600070205080204" pitchFamily="50" charset="-128"/>
-              </a:rPr>
-              <a:t>回全国大会講演論文集</a:t>
-            </a:r>
-            <a:r>
-              <a:rPr lang="en-US" altLang="ja-JP" sz="2000" dirty="0">
-                <a:latin typeface="ＭＳ Ｐゴシック" panose="020B0600070205080204" pitchFamily="50" charset="-128"/>
-              </a:rPr>
-              <a:t>,2014(1</a:t>
-            </a:r>
-            <a:r>
-              <a:rPr lang="en-US" altLang="ja-JP" sz="2000" dirty="0" smtClean="0">
-                <a:latin typeface="ＭＳ Ｐゴシック" panose="020B0600070205080204" pitchFamily="50" charset="-128"/>
-              </a:rPr>
-              <a:t>),p437-438 </a:t>
-            </a:r>
-            <a:r>
-              <a:rPr lang="en-US" altLang="ja-JP" sz="2000" dirty="0">
-                <a:latin typeface="ＭＳ Ｐゴシック" panose="020B0600070205080204" pitchFamily="50" charset="-128"/>
-              </a:rPr>
-              <a:t>(2014-03-11</a:t>
-            </a:r>
-            <a:r>
-              <a:rPr lang="en-US" altLang="ja-JP" sz="2000" dirty="0" smtClean="0">
-                <a:latin typeface="ＭＳ Ｐゴシック" panose="020B0600070205080204" pitchFamily="50" charset="-128"/>
-              </a:rPr>
-              <a:t>)</a:t>
-            </a:r>
+            <a:r>
+              <a:rPr lang="ja-JP" altLang="ja-JP" sz="3600" dirty="0"/>
+              <a:t>リプレイスによって導入された新しいサーバと旧式のサーバを混合して負荷分散に利用されること</a:t>
+            </a:r>
+            <a:r>
+              <a:rPr lang="ja-JP" altLang="ja-JP" sz="3600" dirty="0" smtClean="0"/>
+              <a:t>も個人</a:t>
+            </a:r>
+            <a:r>
+              <a:rPr lang="ja-JP" altLang="ja-JP" sz="3600" dirty="0"/>
+              <a:t>や中小企業を中心に見受けられる．</a:t>
+            </a:r>
+            <a:endParaRPr lang="ja-JP" altLang="ja-JP" sz="3600" dirty="0"/>
+          </a:p>
+          <a:p>
+            <a:endParaRPr lang="en-US" altLang="ja-JP" sz="4000" dirty="0" smtClean="0"/>
           </a:p>
         </p:txBody>
       </p:sp>
@@ -10553,7 +10326,12 @@
             <p:ph type="sldNum" sz="quarter" idx="12"/>
           </p:nvPr>
         </p:nvSpPr>
-        <p:spPr/>
+        <p:spPr>
+          <a:xfrm>
+            <a:off x="6466042" y="6097406"/>
+            <a:ext cx="2057400" cy="365125"/>
+          </a:xfrm>
+        </p:spPr>
         <p:txBody>
           <a:bodyPr/>
           <a:lstStyle/>
@@ -10562,20 +10340,56 @@
               <a:rPr kumimoji="1" lang="ja-JP" altLang="en-US" smtClean="0"/>
               <a:t>3</a:t>
             </a:fld>
-            <a:endParaRPr kumimoji="1" lang="ja-JP" altLang="en-US"/>
+            <a:endParaRPr kumimoji="1" lang="ja-JP" altLang="en-US" dirty="0"/>
+          </a:p>
+        </p:txBody>
+      </p:sp>
+      <p:sp>
+        <p:nvSpPr>
+          <p:cNvPr id="8" name="タイトル 7"/>
+          <p:cNvSpPr>
+            <a:spLocks noGrp="1"/>
+          </p:cNvSpPr>
+          <p:nvPr>
+            <p:ph type="title"/>
+          </p:nvPr>
+        </p:nvSpPr>
+        <p:spPr>
+          <a:xfrm>
+            <a:off x="555498" y="273686"/>
+            <a:ext cx="7886700" cy="1325563"/>
+          </a:xfrm>
+        </p:spPr>
+        <p:txBody>
+          <a:bodyPr/>
+          <a:lstStyle/>
+          <a:p>
+            <a:r>
+              <a:rPr kumimoji="1" lang="ja-JP" altLang="en-US" dirty="0" smtClean="0"/>
+              <a:t>研究背景</a:t>
+            </a:r>
+            <a:endParaRPr kumimoji="1" lang="ja-JP" altLang="en-US" dirty="0"/>
           </a:p>
         </p:txBody>
       </p:sp>
     </p:spTree>
     <p:extLst>
       <p:ext uri="{BB962C8B-B14F-4D97-AF65-F5344CB8AC3E}">
-        <p14:creationId xmlns:p14="http://schemas.microsoft.com/office/powerpoint/2010/main" val="2794857047"/>
+        <p14:creationId xmlns:p14="http://schemas.microsoft.com/office/powerpoint/2010/main" val="1641013163"/>
       </p:ext>
     </p:extLst>
   </p:cSld>
   <p:clrMapOvr>
     <a:masterClrMapping/>
   </p:clrMapOvr>
+  <mc:AlternateContent xmlns:mc="http://schemas.openxmlformats.org/markup-compatibility/2006" xmlns:p14="http://schemas.microsoft.com/office/powerpoint/2010/main">
+    <mc:Choice Requires="p14">
+      <p:transition spd="slow" p14:dur="2000" advTm="3542"/>
+    </mc:Choice>
+    <mc:Fallback xmlns="">
+      <p:transition spd="slow" advTm="3542"/>
+    </mc:Fallback>
+  </mc:AlternateContent>
   <p:timing>
     <p:tnLst>
       <p:par>
@@ -10605,28 +10419,6 @@
       </p:grpSpPr>
       <p:sp>
         <p:nvSpPr>
-          <p:cNvPr id="2" name="タイトル 1"/>
-          <p:cNvSpPr>
-            <a:spLocks noGrp="1"/>
-          </p:cNvSpPr>
-          <p:nvPr>
-            <p:ph type="title"/>
-          </p:nvPr>
-        </p:nvSpPr>
-        <p:spPr/>
-        <p:txBody>
-          <a:bodyPr/>
-          <a:lstStyle/>
-          <a:p>
-            <a:r>
-              <a:rPr kumimoji="1" lang="ja-JP" altLang="en-US" dirty="0"/>
-              <a:t>研究課題</a:t>
-            </a:r>
-          </a:p>
-        </p:txBody>
-      </p:sp>
-      <p:sp>
-        <p:nvSpPr>
           <p:cNvPr id="3" name="コンテンツ プレースホルダー 2"/>
           <p:cNvSpPr>
             <a:spLocks noGrp="1"/>
@@ -10637,132 +10429,277 @@
         </p:nvSpPr>
         <p:spPr>
           <a:xfrm>
-            <a:off x="532986" y="1740384"/>
-            <a:ext cx="8078028" cy="4351338"/>
+            <a:off x="628650" y="1568931"/>
+            <a:ext cx="8166434" cy="4685565"/>
           </a:xfrm>
         </p:spPr>
         <p:txBody>
           <a:bodyPr>
-            <a:normAutofit fontScale="92500" lnSpcReduction="20000"/>
+            <a:noAutofit/>
           </a:bodyPr>
           <a:lstStyle/>
           <a:p>
-            <a:pPr algn="just">
+            <a:pPr marL="0" indent="0">
+              <a:buNone/>
+            </a:pPr>
+            <a:r>
+              <a:rPr lang="ja-JP" altLang="en-US" b="1" u="sng" dirty="0">
+                <a:latin typeface="ＭＳ Ｐゴシック" panose="020B0600070205080204" pitchFamily="50" charset="-128"/>
+              </a:rPr>
+              <a:t>リバースプロキシによるロードバランシング手法</a:t>
+            </a:r>
+            <a:endParaRPr lang="en-US" altLang="ja-JP" b="1" u="sng" dirty="0">
+              <a:latin typeface="ＭＳ Ｐゴシック" panose="020B0600070205080204" pitchFamily="50" charset="-128"/>
+            </a:endParaRPr>
+          </a:p>
+          <a:p>
+            <a:pPr marL="0" indent="0">
               <a:lnSpc>
-                <a:spcPct val="120000"/>
+                <a:spcPct val="100000"/>
               </a:lnSpc>
+              <a:buNone/>
             </a:pPr>
             <a:r>
-              <a:rPr lang="ja-JP" altLang="en-US" dirty="0"/>
-              <a:t>既存技術では</a:t>
-            </a:r>
-            <a:r>
-              <a:rPr lang="ja-JP" altLang="en-US" dirty="0" smtClean="0"/>
-              <a:t>，導入</a:t>
-            </a:r>
-            <a:r>
-              <a:rPr lang="ja-JP" altLang="en-US" dirty="0"/>
-              <a:t>の</a:t>
-            </a:r>
-            <a:r>
-              <a:rPr lang="ja-JP" altLang="en-US" dirty="0" smtClean="0"/>
-              <a:t>しやすさ、コストの安さから異種</a:t>
-            </a:r>
-            <a:r>
-              <a:rPr lang="ja-JP" altLang="en-US" dirty="0"/>
-              <a:t>環境において</a:t>
-            </a:r>
-            <a:r>
-              <a:rPr lang="ja-JP" altLang="en-US" dirty="0" smtClean="0"/>
-              <a:t>も</a:t>
-            </a:r>
-            <a:r>
-              <a:rPr lang="ja-JP" altLang="en-US" dirty="0"/>
-              <a:t>均等</a:t>
-            </a:r>
-            <a:r>
-              <a:rPr lang="ja-JP" altLang="en-US" dirty="0" smtClean="0"/>
-              <a:t>に割り振る</a:t>
-            </a:r>
-            <a:r>
-              <a:rPr lang="ja-JP" altLang="en-US" dirty="0"/>
-              <a:t>「ラウンドロビン」方式が頻繁に利用</a:t>
-            </a:r>
-            <a:r>
-              <a:rPr lang="ja-JP" altLang="en-US" dirty="0" smtClean="0"/>
-              <a:t>されている．</a:t>
-            </a:r>
-            <a:endParaRPr lang="ja-JP" altLang="en-US" dirty="0"/>
-          </a:p>
-          <a:p>
-            <a:pPr algn="just">
+              <a:rPr lang="en-US" altLang="ja-JP" sz="2400" dirty="0" smtClean="0">
+                <a:latin typeface="ＭＳ Ｐゴシック" panose="020B0600070205080204" pitchFamily="50" charset="-128"/>
+              </a:rPr>
+              <a:t>[</a:t>
+            </a:r>
+            <a:r>
+              <a:rPr lang="en-US" altLang="ja-JP" sz="2400" dirty="0" err="1">
+                <a:latin typeface="ＭＳ Ｐゴシック" panose="020B0600070205080204" pitchFamily="50" charset="-128"/>
+              </a:rPr>
+              <a:t>T</a:t>
+            </a:r>
+            <a:r>
+              <a:rPr lang="en-US" altLang="ja-JP" sz="2400" dirty="0" err="1" smtClean="0">
+                <a:latin typeface="ＭＳ Ｐゴシック" panose="020B0600070205080204" pitchFamily="50" charset="-128"/>
+              </a:rPr>
+              <a:t>suchi</a:t>
+            </a:r>
+            <a:r>
+              <a:rPr lang="en-US" altLang="ja-JP" sz="2400" dirty="0" smtClean="0">
+                <a:latin typeface="ＭＳ Ｐゴシック" panose="020B0600070205080204" pitchFamily="50" charset="-128"/>
+              </a:rPr>
+              <a:t> </a:t>
+            </a:r>
+            <a:r>
+              <a:rPr lang="en-US" altLang="ja-JP" sz="2400" dirty="0">
+                <a:latin typeface="ＭＳ Ｐゴシック" panose="020B0600070205080204" pitchFamily="50" charset="-128"/>
+              </a:rPr>
+              <a:t>2008]</a:t>
+            </a:r>
+            <a:r>
+              <a:rPr lang="ja-JP" altLang="en-US" sz="2400" dirty="0">
+                <a:latin typeface="ＭＳ Ｐゴシック" panose="020B0600070205080204" pitchFamily="50" charset="-128"/>
+              </a:rPr>
+              <a:t>土居幸一郎</a:t>
+            </a:r>
+            <a:r>
+              <a:rPr lang="en-US" altLang="ja-JP" sz="2400" dirty="0">
+                <a:latin typeface="ＭＳ Ｐゴシック" panose="020B0600070205080204" pitchFamily="50" charset="-128"/>
+              </a:rPr>
+              <a:t>,</a:t>
+            </a:r>
+            <a:r>
+              <a:rPr lang="ja-JP" altLang="en-US" sz="2400" dirty="0">
+                <a:latin typeface="ＭＳ Ｐゴシック" panose="020B0600070205080204" pitchFamily="50" charset="-128"/>
+              </a:rPr>
+              <a:t>後藤滋樹</a:t>
+            </a:r>
+            <a:r>
+              <a:rPr lang="en-US" altLang="ja-JP" sz="2400" dirty="0">
+                <a:latin typeface="ＭＳ Ｐゴシック" panose="020B0600070205080204" pitchFamily="50" charset="-128"/>
+              </a:rPr>
+              <a:t>HTTP</a:t>
+            </a:r>
+            <a:r>
+              <a:rPr lang="ja-JP" altLang="en-US" sz="2400" dirty="0">
+                <a:latin typeface="ＭＳ Ｐゴシック" panose="020B0600070205080204" pitchFamily="50" charset="-128"/>
+              </a:rPr>
+              <a:t>セッションのハンドオーバによる</a:t>
+            </a:r>
+            <a:r>
+              <a:rPr lang="en-US" altLang="ja-JP" sz="2400" dirty="0">
+                <a:latin typeface="ＭＳ Ｐゴシック" panose="020B0600070205080204" pitchFamily="50" charset="-128"/>
+              </a:rPr>
+              <a:t>WEB</a:t>
+            </a:r>
+            <a:r>
+              <a:rPr lang="ja-JP" altLang="en-US" sz="2400" dirty="0">
+                <a:latin typeface="ＭＳ Ｐゴシック" panose="020B0600070205080204" pitchFamily="50" charset="-128"/>
+              </a:rPr>
+              <a:t>サーバのロードバランス </a:t>
+            </a:r>
+            <a:r>
+              <a:rPr lang="en-US" altLang="ja-JP" sz="2400" dirty="0">
+                <a:latin typeface="ＭＳ Ｐゴシック" panose="020B0600070205080204" pitchFamily="50" charset="-128"/>
+              </a:rPr>
+              <a:t>(</a:t>
+            </a:r>
+            <a:r>
+              <a:rPr lang="ja-JP" altLang="en-US" sz="2400" dirty="0">
+                <a:latin typeface="ＭＳ Ｐゴシック" panose="020B0600070205080204" pitchFamily="50" charset="-128"/>
+              </a:rPr>
+              <a:t>分散システム</a:t>
+            </a:r>
+            <a:r>
+              <a:rPr lang="en-US" altLang="ja-JP" sz="2400" dirty="0">
+                <a:latin typeface="ＭＳ Ｐゴシック" panose="020B0600070205080204" pitchFamily="50" charset="-128"/>
+              </a:rPr>
+              <a:t>/</a:t>
+            </a:r>
+            <a:r>
+              <a:rPr lang="ja-JP" altLang="en-US" sz="2400" dirty="0">
+                <a:latin typeface="ＭＳ Ｐゴシック" panose="020B0600070205080204" pitchFamily="50" charset="-128"/>
+              </a:rPr>
+              <a:t>インターネット運用技術・高品質インターネット</a:t>
+            </a:r>
+            <a:r>
+              <a:rPr lang="en-US" altLang="ja-JP" sz="2400" dirty="0">
+                <a:latin typeface="ＭＳ Ｐゴシック" panose="020B0600070205080204" pitchFamily="50" charset="-128"/>
+              </a:rPr>
+              <a:t>)</a:t>
+            </a:r>
+            <a:r>
+              <a:rPr lang="ja-JP" altLang="en-US" sz="2400" dirty="0">
+                <a:latin typeface="ＭＳ Ｐゴシック" panose="020B0600070205080204" pitchFamily="50" charset="-128"/>
+              </a:rPr>
+              <a:t>掲載誌 情報処理学会研究報告 </a:t>
+            </a:r>
+            <a:r>
+              <a:rPr lang="en-US" altLang="ja-JP" sz="2400" dirty="0">
+                <a:latin typeface="ＭＳ Ｐゴシック" panose="020B0600070205080204" pitchFamily="50" charset="-128"/>
+              </a:rPr>
+              <a:t>= IPSJ SIG technical reports </a:t>
+            </a:r>
+            <a:r>
+              <a:rPr lang="en-US" altLang="ja-JP" sz="2400" dirty="0" smtClean="0">
+                <a:latin typeface="ＭＳ Ｐゴシック" panose="020B0600070205080204" pitchFamily="50" charset="-128"/>
+              </a:rPr>
+              <a:t>p.25-29(2008-3-6</a:t>
+            </a:r>
+            <a:r>
+              <a:rPr lang="en-US" altLang="ja-JP" sz="2400" dirty="0" smtClean="0">
+                <a:latin typeface="ＭＳ Ｐゴシック" panose="020B0600070205080204" pitchFamily="50" charset="-128"/>
+              </a:rPr>
+              <a:t>)</a:t>
+            </a:r>
+          </a:p>
+          <a:p>
+            <a:pPr marL="0" indent="0">
               <a:lnSpc>
-                <a:spcPct val="120000"/>
+                <a:spcPct val="100000"/>
               </a:lnSpc>
+              <a:buNone/>
             </a:pPr>
-            <a:r>
-              <a:rPr lang="ja-JP" altLang="en-US" dirty="0"/>
-              <a:t>サーバ間の性能や通信装置の性能にバラつきがある場合，応答速度が一定とは限らない．単純に空いているサーバへ割り振るだけではなく</a:t>
-            </a:r>
-            <a:r>
-              <a:rPr lang="ja-JP" altLang="en-US" dirty="0" smtClean="0"/>
-              <a:t>，応答</a:t>
-            </a:r>
-            <a:r>
-              <a:rPr lang="ja-JP" altLang="en-US" dirty="0"/>
-              <a:t>速度も加味してロードバランスを行う必要がある</a:t>
-            </a:r>
-            <a:r>
-              <a:rPr lang="ja-JP" altLang="en-US" dirty="0" smtClean="0"/>
-              <a:t>．</a:t>
-            </a:r>
-            <a:endParaRPr lang="en-US" altLang="ja-JP" dirty="0" smtClean="0"/>
-          </a:p>
-          <a:p>
-            <a:pPr algn="just">
+            <a:endParaRPr lang="en-US" altLang="ja-JP" sz="2400" dirty="0">
+              <a:latin typeface="ＭＳ Ｐゴシック" panose="020B0600070205080204" pitchFamily="50" charset="-128"/>
+            </a:endParaRPr>
+          </a:p>
+          <a:p>
+            <a:pPr marL="0" indent="0">
               <a:lnSpc>
-                <a:spcPct val="120000"/>
+                <a:spcPct val="100000"/>
               </a:lnSpc>
+              <a:buNone/>
             </a:pPr>
             <a:r>
-              <a:rPr lang="ja-JP" altLang="ja-JP" dirty="0"/>
-              <a:t>ロードバランサの導入コストを抑えるために，安価で現行システムに導入でき，</a:t>
-            </a:r>
-            <a:r>
-              <a:rPr lang="en-US" altLang="ja-JP" dirty="0"/>
+              <a:rPr lang="en-US" altLang="ja-JP" b="1" u="sng" dirty="0">
+                <a:latin typeface="ＭＳ Ｐゴシック" panose="020B0600070205080204" pitchFamily="50" charset="-128"/>
+              </a:rPr>
+              <a:t>WEB</a:t>
+            </a:r>
+            <a:r>
+              <a:rPr lang="ja-JP" altLang="en-US" b="1" u="sng" dirty="0">
+                <a:latin typeface="ＭＳ Ｐゴシック" panose="020B0600070205080204" pitchFamily="50" charset="-128"/>
+              </a:rPr>
+              <a:t>サーバ計測システムの設計・開発</a:t>
+            </a:r>
+            <a:endParaRPr lang="en-US" altLang="ja-JP" b="1" u="sng" dirty="0">
+              <a:latin typeface="ＭＳ Ｐゴシック" panose="020B0600070205080204" pitchFamily="50" charset="-128"/>
+            </a:endParaRPr>
+          </a:p>
+          <a:p>
+            <a:pPr marL="0" indent="0">
+              <a:buNone/>
+            </a:pPr>
+            <a:r>
+              <a:rPr lang="en-US" altLang="ja-JP" sz="2400" dirty="0">
+                <a:latin typeface="ＭＳ Ｐゴシック" panose="020B0600070205080204" pitchFamily="50" charset="-128"/>
+              </a:rPr>
+              <a:t>[</a:t>
+            </a:r>
+            <a:r>
+              <a:rPr lang="en-US" altLang="ja-JP" sz="2400" dirty="0" err="1">
+                <a:latin typeface="ＭＳ Ｐゴシック" panose="020B0600070205080204" pitchFamily="50" charset="-128"/>
+              </a:rPr>
+              <a:t>Horiuchi</a:t>
+            </a:r>
+            <a:r>
+              <a:rPr lang="en-US" altLang="ja-JP" sz="2400" dirty="0">
+                <a:latin typeface="ＭＳ Ｐゴシック" panose="020B0600070205080204" pitchFamily="50" charset="-128"/>
+              </a:rPr>
+              <a:t> 2014]</a:t>
+            </a:r>
+            <a:r>
+              <a:rPr lang="ja-JP" altLang="en-US" sz="2400" dirty="0">
+                <a:latin typeface="ＭＳ Ｐゴシック" panose="020B0600070205080204" pitchFamily="50" charset="-128"/>
+              </a:rPr>
+              <a:t>クラウドに適した</a:t>
+            </a:r>
+            <a:r>
+              <a:rPr lang="en-US" altLang="ja-JP" sz="2400" dirty="0">
+                <a:latin typeface="ＭＳ Ｐゴシック" panose="020B0600070205080204" pitchFamily="50" charset="-128"/>
+              </a:rPr>
               <a:t>Web</a:t>
             </a:r>
             <a:r>
-              <a:rPr lang="ja-JP" altLang="ja-JP" dirty="0"/>
-              <a:t>の負荷分散に詳しくないユーザでも導入できる実装方法が求められる．</a:t>
-            </a:r>
-          </a:p>
-          <a:p>
-            <a:pPr algn="just">
+              <a:rPr lang="ja-JP" altLang="en-US" sz="2400" dirty="0">
+                <a:latin typeface="ＭＳ Ｐゴシック" panose="020B0600070205080204" pitchFamily="50" charset="-128"/>
+              </a:rPr>
+              <a:t>システムの負荷監視機能の改善について堀内晨彦 </a:t>
+            </a:r>
+            <a:r>
+              <a:rPr lang="en-US" altLang="ja-JP" sz="2400" dirty="0">
+                <a:latin typeface="ＭＳ Ｐゴシック" panose="020B0600070205080204" pitchFamily="50" charset="-128"/>
+              </a:rPr>
+              <a:t>, </a:t>
+            </a:r>
+            <a:r>
+              <a:rPr lang="ja-JP" altLang="en-US" sz="2400" dirty="0">
+                <a:latin typeface="ＭＳ Ｐゴシック" panose="020B0600070205080204" pitchFamily="50" charset="-128"/>
+              </a:rPr>
+              <a:t>最所圭三第</a:t>
+            </a:r>
+            <a:r>
+              <a:rPr lang="en-US" altLang="ja-JP" sz="2400" dirty="0">
+                <a:latin typeface="ＭＳ Ｐゴシック" panose="020B0600070205080204" pitchFamily="50" charset="-128"/>
+              </a:rPr>
+              <a:t>76</a:t>
+            </a:r>
+            <a:r>
+              <a:rPr lang="ja-JP" altLang="en-US" sz="2400" dirty="0">
+                <a:latin typeface="ＭＳ Ｐゴシック" panose="020B0600070205080204" pitchFamily="50" charset="-128"/>
+              </a:rPr>
+              <a:t>回全国大会講演論文集</a:t>
+            </a:r>
+            <a:r>
+              <a:rPr lang="en-US" altLang="ja-JP" sz="2400" dirty="0">
+                <a:latin typeface="ＭＳ Ｐゴシック" panose="020B0600070205080204" pitchFamily="50" charset="-128"/>
+              </a:rPr>
+              <a:t>,2014(1),p437-438 (2014-03-11)</a:t>
+            </a:r>
+          </a:p>
+          <a:p>
+            <a:pPr marL="0" indent="0">
               <a:lnSpc>
-                <a:spcPct val="120000"/>
+                <a:spcPct val="100000"/>
               </a:lnSpc>
+              <a:buNone/>
             </a:pPr>
-            <a:endParaRPr lang="en-US" altLang="ja-JP" dirty="0" smtClean="0"/>
-          </a:p>
-          <a:p>
-            <a:pPr algn="just">
-              <a:lnSpc>
-                <a:spcPct val="120000"/>
-              </a:lnSpc>
-            </a:pPr>
-            <a:endParaRPr lang="en-US" altLang="ja-JP" dirty="0" smtClean="0"/>
-          </a:p>
-          <a:p>
-            <a:pPr algn="just">
-              <a:lnSpc>
-                <a:spcPct val="120000"/>
-              </a:lnSpc>
-            </a:pPr>
-            <a:endParaRPr lang="en-US" altLang="ja-JP" dirty="0" smtClean="0">
-              <a:solidFill>
-                <a:srgbClr val="FF0000"/>
-              </a:solidFill>
+            <a:endParaRPr lang="en-US" altLang="ja-JP" sz="2400" dirty="0">
+              <a:latin typeface="ＭＳ Ｐゴシック" panose="020B0600070205080204" pitchFamily="50" charset="-128"/>
             </a:endParaRPr>
           </a:p>
         </p:txBody>
@@ -10790,10 +10727,33 @@
           </a:p>
         </p:txBody>
       </p:sp>
+      <p:sp>
+        <p:nvSpPr>
+          <p:cNvPr id="5" name="タイトル 4"/>
+          <p:cNvSpPr>
+            <a:spLocks noGrp="1"/>
+          </p:cNvSpPr>
+          <p:nvPr>
+            <p:ph type="title"/>
+          </p:nvPr>
+        </p:nvSpPr>
+        <p:spPr/>
+        <p:txBody>
+          <a:bodyPr/>
+          <a:lstStyle/>
+          <a:p>
+            <a:r>
+              <a:rPr kumimoji="1" lang="ja-JP" altLang="en-US" dirty="0" smtClean="0"/>
+              <a:t>関連研究</a:t>
+            </a:r>
+            <a:endParaRPr kumimoji="1" lang="ja-JP" altLang="en-US" dirty="0"/>
+          </a:p>
+        </p:txBody>
+      </p:sp>
     </p:spTree>
     <p:extLst>
       <p:ext uri="{BB962C8B-B14F-4D97-AF65-F5344CB8AC3E}">
-        <p14:creationId xmlns:p14="http://schemas.microsoft.com/office/powerpoint/2010/main" val="3347172904"/>
+        <p14:creationId xmlns:p14="http://schemas.microsoft.com/office/powerpoint/2010/main" val="2794857047"/>
       </p:ext>
     </p:extLst>
   </p:cSld>
@@ -10829,28 +10789,6 @@
       </p:grpSpPr>
       <p:sp>
         <p:nvSpPr>
-          <p:cNvPr id="2" name="タイトル 1"/>
-          <p:cNvSpPr>
-            <a:spLocks noGrp="1"/>
-          </p:cNvSpPr>
-          <p:nvPr>
-            <p:ph type="title"/>
-          </p:nvPr>
-        </p:nvSpPr>
-        <p:spPr/>
-        <p:txBody>
-          <a:bodyPr/>
-          <a:lstStyle/>
-          <a:p>
-            <a:r>
-              <a:rPr kumimoji="1" lang="ja-JP" altLang="en-US" dirty="0"/>
-              <a:t>研究目的</a:t>
-            </a:r>
-          </a:p>
-        </p:txBody>
-      </p:sp>
-      <p:sp>
-        <p:nvSpPr>
           <p:cNvPr id="3" name="コンテンツ プレースホルダー 2"/>
           <p:cNvSpPr>
             <a:spLocks noGrp="1"/>
@@ -10861,8 +10799,8 @@
         </p:nvSpPr>
         <p:spPr>
           <a:xfrm>
-            <a:off x="628650" y="1582548"/>
-            <a:ext cx="8067294" cy="4845684"/>
+            <a:off x="628650" y="1569040"/>
+            <a:ext cx="8166434" cy="4969873"/>
           </a:xfrm>
         </p:spPr>
         <p:txBody>
@@ -10871,90 +10809,172 @@
           </a:bodyPr>
           <a:lstStyle/>
           <a:p>
-            <a:r>
-              <a:rPr lang="ja-JP" altLang="en-US" sz="2900" dirty="0" smtClean="0"/>
-              <a:t>応答速度によってサーバの割り振り先を決めるアルゴリズムの提案．</a:t>
-            </a:r>
-            <a:endParaRPr lang="en-US" altLang="ja-JP" sz="2900" dirty="0" smtClean="0"/>
-          </a:p>
-          <a:p>
-            <a:r>
-              <a:rPr lang="ja-JP" altLang="en-US" sz="2900" dirty="0" smtClean="0"/>
-              <a:t>サーバを監視し評価するシステムの設計と開発．</a:t>
-            </a:r>
-            <a:endParaRPr lang="en-US" altLang="ja-JP" sz="2900" dirty="0" smtClean="0"/>
-          </a:p>
-          <a:p>
-            <a:r>
-              <a:rPr lang="ja-JP" altLang="en-US" sz="2900" dirty="0" smtClean="0"/>
-              <a:t>応答速度を考慮したロードバランサの設計と開発．</a:t>
-            </a:r>
-            <a:r>
-              <a:rPr lang="en-US" altLang="ja-JP" sz="2900" dirty="0" smtClean="0"/>
+            <a:pPr marL="0" indent="0">
+              <a:lnSpc>
+                <a:spcPct val="100000"/>
+              </a:lnSpc>
+              <a:buNone/>
+            </a:pPr>
+            <a:r>
+              <a:rPr lang="ja-JP" altLang="en-US" b="1" u="sng" dirty="0" smtClean="0">
+                <a:latin typeface="ＭＳ Ｐゴシック" panose="020B0600070205080204" pitchFamily="50" charset="-128"/>
+              </a:rPr>
+              <a:t>応答速度の最適化</a:t>
+            </a:r>
+            <a:endParaRPr lang="en-US" altLang="ja-JP" b="1" u="sng" dirty="0" smtClean="0">
+              <a:latin typeface="ＭＳ Ｐゴシック" panose="020B0600070205080204" pitchFamily="50" charset="-128"/>
+            </a:endParaRPr>
+          </a:p>
+          <a:p>
+            <a:pPr marL="0" indent="0">
+              <a:lnSpc>
+                <a:spcPct val="100000"/>
+              </a:lnSpc>
+              <a:buNone/>
+            </a:pPr>
+            <a:r>
+              <a:rPr lang="en-US" altLang="ja-JP" sz="2400" dirty="0" smtClean="0">
+                <a:latin typeface="ＭＳ Ｐゴシック" panose="020B0600070205080204" pitchFamily="50" charset="-128"/>
+              </a:rPr>
+              <a:t>[</a:t>
+            </a:r>
+            <a:r>
+              <a:rPr lang="en-US" altLang="ja-JP" sz="2400" dirty="0" err="1" smtClean="0">
+                <a:latin typeface="ＭＳ Ｐゴシック" panose="020B0600070205080204" pitchFamily="50" charset="-128"/>
+              </a:rPr>
+              <a:t>Kono</a:t>
+            </a:r>
+            <a:r>
+              <a:rPr lang="en-US" altLang="ja-JP" sz="2400" dirty="0" smtClean="0">
+                <a:latin typeface="ＭＳ Ｐゴシック" panose="020B0600070205080204" pitchFamily="50" charset="-128"/>
+              </a:rPr>
+              <a:t> 2007]</a:t>
+            </a:r>
+            <a:r>
+              <a:rPr lang="ja-JP" altLang="en-US" sz="2400" dirty="0" smtClean="0">
+                <a:latin typeface="ＭＳ Ｐゴシック" panose="020B0600070205080204" pitchFamily="50" charset="-128"/>
+              </a:rPr>
+              <a:t>複数のロードバランサによる Ｗｅｂシステムの応答時間最適化河野 知行</a:t>
+            </a:r>
+            <a:r>
+              <a:rPr lang="en-US" altLang="ja-JP" sz="2400" dirty="0" smtClean="0">
+                <a:latin typeface="ＭＳ Ｐゴシック" panose="020B0600070205080204" pitchFamily="50" charset="-128"/>
+              </a:rPr>
+              <a:t>Tomoyuki KAWANO</a:t>
+            </a:r>
+            <a:r>
+              <a:rPr lang="ja-JP" altLang="en-US" sz="2400" dirty="0" smtClean="0">
+                <a:latin typeface="ＭＳ Ｐゴシック" panose="020B0600070205080204" pitchFamily="50" charset="-128"/>
+              </a:rPr>
+              <a:t>情報処理学会研究報告システム評価（</a:t>
+            </a:r>
+            <a:r>
+              <a:rPr lang="en-US" altLang="ja-JP" sz="2400" dirty="0" smtClean="0">
+                <a:latin typeface="ＭＳ Ｐゴシック" panose="020B0600070205080204" pitchFamily="50" charset="-128"/>
+              </a:rPr>
+              <a:t>EVA</a:t>
+            </a:r>
+            <a:r>
+              <a:rPr lang="ja-JP" altLang="en-US" sz="2400" dirty="0" smtClean="0">
+                <a:latin typeface="ＭＳ Ｐゴシック" panose="020B0600070205080204" pitchFamily="50" charset="-128"/>
+              </a:rPr>
+              <a:t>）</a:t>
+            </a:r>
+            <a:r>
+              <a:rPr lang="en-US" altLang="ja-JP" sz="2400" dirty="0" smtClean="0">
+                <a:latin typeface="ＭＳ Ｐゴシック" panose="020B0600070205080204" pitchFamily="50" charset="-128"/>
+              </a:rPr>
+              <a:t>,2007(63(2007-EVA-021)),p.27-34 (2007-06-22)</a:t>
+            </a:r>
+            <a:br>
+              <a:rPr lang="en-US" altLang="ja-JP" sz="2400" dirty="0" smtClean="0">
+                <a:latin typeface="ＭＳ Ｐゴシック" panose="020B0600070205080204" pitchFamily="50" charset="-128"/>
+              </a:rPr>
+            </a:br>
+            <a:endParaRPr lang="en-US" altLang="ja-JP" sz="2400" dirty="0" smtClean="0">
+              <a:latin typeface="ＭＳ Ｐゴシック" panose="020B0600070205080204" pitchFamily="50" charset="-128"/>
+            </a:endParaRPr>
+          </a:p>
+          <a:p>
+            <a:pPr marL="0" indent="0">
+              <a:lnSpc>
+                <a:spcPct val="100000"/>
+              </a:lnSpc>
+              <a:buNone/>
+            </a:pPr>
+            <a:r>
+              <a:rPr lang="ja-JP" altLang="en-US" b="1" u="sng" dirty="0">
+                <a:latin typeface="ＭＳ Ｐゴシック" panose="020B0600070205080204" pitchFamily="50" charset="-128"/>
+              </a:rPr>
+              <a:t>応答速度</a:t>
+            </a:r>
+            <a:r>
+              <a:rPr lang="ja-JP" altLang="en-US" b="1" u="sng" dirty="0" smtClean="0">
+                <a:latin typeface="ＭＳ Ｐゴシック" panose="020B0600070205080204" pitchFamily="50" charset="-128"/>
+              </a:rPr>
+              <a:t>の</a:t>
+            </a:r>
+            <a:r>
+              <a:rPr lang="ja-JP" altLang="en-US" b="1" u="sng" dirty="0">
+                <a:latin typeface="ＭＳ Ｐゴシック" panose="020B0600070205080204" pitchFamily="50" charset="-128"/>
+              </a:rPr>
+              <a:t>評価</a:t>
+            </a:r>
+            <a:endParaRPr lang="en-US" altLang="ja-JP" dirty="0" smtClean="0">
+              <a:latin typeface="ＭＳ Ｐゴシック" panose="020B0600070205080204" pitchFamily="50" charset="-128"/>
+            </a:endParaRPr>
+          </a:p>
+          <a:p>
+            <a:pPr marL="0" indent="0">
+              <a:lnSpc>
+                <a:spcPct val="100000"/>
+              </a:lnSpc>
+              <a:buNone/>
+            </a:pPr>
+            <a:r>
+              <a:rPr lang="en-US" altLang="ja-JP" sz="2400" dirty="0" smtClean="0">
+                <a:latin typeface="ＭＳ Ｐゴシック" panose="020B0600070205080204" pitchFamily="50" charset="-128"/>
+              </a:rPr>
+              <a:t>[Paul 2014]</a:t>
+            </a:r>
+            <a:r>
+              <a:rPr lang="ja-JP" altLang="en-US" sz="2400" dirty="0" smtClean="0">
+                <a:latin typeface="ＭＳ Ｐゴシック" panose="020B0600070205080204" pitchFamily="50" charset="-128"/>
+              </a:rPr>
+              <a:t>反応時間の遅延とそれに対するユーザの反応</a:t>
+            </a:r>
+            <a:r>
+              <a:rPr lang="en-US" altLang="ja-JP" sz="2400" dirty="0" smtClean="0">
+                <a:latin typeface="ＭＳ Ｐゴシック" panose="020B0600070205080204" pitchFamily="50" charset="-128"/>
+              </a:rPr>
               <a:t/>
             </a:r>
             <a:br>
-              <a:rPr lang="en-US" altLang="ja-JP" sz="2900" dirty="0" smtClean="0"/>
+              <a:rPr lang="en-US" altLang="ja-JP" sz="2400" dirty="0" smtClean="0">
+                <a:latin typeface="ＭＳ Ｐゴシック" panose="020B0600070205080204" pitchFamily="50" charset="-128"/>
+              </a:rPr>
             </a:br>
             <a:r>
-              <a:rPr lang="ja-JP" altLang="en-US" sz="2900" dirty="0" smtClean="0"/>
-              <a:t>→</a:t>
-            </a:r>
-            <a:r>
-              <a:rPr lang="ja-JP" altLang="ja-JP" sz="2900" dirty="0" smtClean="0"/>
-              <a:t>安価で導入</a:t>
-            </a:r>
-            <a:r>
-              <a:rPr lang="ja-JP" altLang="en-US" sz="2900" dirty="0" smtClean="0"/>
-              <a:t>しやすい</a:t>
-            </a:r>
-            <a:r>
-              <a:rPr lang="ja-JP" altLang="ja-JP" sz="2900" dirty="0" smtClean="0"/>
-              <a:t>システ</a:t>
-            </a:r>
-            <a:r>
-              <a:rPr lang="ja-JP" altLang="en-US" sz="2900" dirty="0" smtClean="0"/>
-              <a:t>ムを作ることで</a:t>
-            </a:r>
-            <a:r>
-              <a:rPr lang="ja-JP" altLang="ja-JP" sz="2900" dirty="0" smtClean="0"/>
-              <a:t>課題の解決</a:t>
-            </a:r>
-            <a:r>
-              <a:rPr lang="ja-JP" altLang="en-US" sz="2900" dirty="0" smtClean="0"/>
-              <a:t>にアプローチする．</a:t>
-            </a:r>
-            <a:endParaRPr lang="en-US" altLang="ja-JP" sz="2900" dirty="0" smtClean="0"/>
-          </a:p>
-          <a:p>
-            <a:r>
-              <a:rPr lang="ja-JP" altLang="ja-JP" dirty="0"/>
-              <a:t>ロードバランサと</a:t>
-            </a:r>
-            <a:r>
-              <a:rPr lang="en-US" altLang="ja-JP" dirty="0"/>
-              <a:t>Web</a:t>
-            </a:r>
-            <a:r>
-              <a:rPr lang="ja-JP" altLang="ja-JP" dirty="0"/>
-              <a:t>サーバのボトルネック削減</a:t>
-            </a:r>
-            <a:endParaRPr lang="en-US" altLang="ja-JP" sz="2900" dirty="0" smtClean="0"/>
-          </a:p>
-          <a:p>
-            <a:r>
-              <a:rPr lang="ja-JP" altLang="en-US" sz="2900" dirty="0" smtClean="0"/>
-              <a:t>実験</a:t>
-            </a:r>
-            <a:r>
-              <a:rPr lang="ja-JP" altLang="en-US" sz="2900" dirty="0"/>
-              <a:t>による実現可能性の</a:t>
-            </a:r>
-            <a:r>
-              <a:rPr lang="ja-JP" altLang="en-US" sz="2900" dirty="0" smtClean="0"/>
-              <a:t>評価</a:t>
-            </a:r>
-            <a:endParaRPr lang="ja-JP" altLang="en-US" sz="2900" dirty="0"/>
+              <a:rPr lang="en-US" altLang="ja-JP" sz="2400" dirty="0" smtClean="0">
+                <a:latin typeface="ＭＳ Ｐゴシック" panose="020B0600070205080204" pitchFamily="50" charset="-128"/>
+              </a:rPr>
+              <a:t>Paul </a:t>
+            </a:r>
+            <a:r>
+              <a:rPr lang="en-US" altLang="ja-JP" sz="2400" dirty="0" err="1" smtClean="0">
+                <a:latin typeface="ＭＳ Ｐゴシック" panose="020B0600070205080204" pitchFamily="50" charset="-128"/>
+              </a:rPr>
+              <a:t>Kinlan</a:t>
+            </a:r>
+            <a:r>
+              <a:rPr lang="en-US" altLang="ja-JP" sz="2400" dirty="0" smtClean="0">
+                <a:latin typeface="ＭＳ Ｐゴシック" panose="020B0600070205080204" pitchFamily="50" charset="-128"/>
+              </a:rPr>
+              <a:t>. What do people want from a news experience (2014-12-8)</a:t>
+            </a:r>
+            <a:endParaRPr lang="en-US" altLang="ja-JP" u="sng" dirty="0" smtClean="0">
+              <a:latin typeface="ＭＳ Ｐゴシック" panose="020B0600070205080204" pitchFamily="50" charset="-128"/>
+            </a:endParaRPr>
           </a:p>
         </p:txBody>
       </p:sp>
@@ -10981,10 +11001,33 @@
           </a:p>
         </p:txBody>
       </p:sp>
+      <p:sp>
+        <p:nvSpPr>
+          <p:cNvPr id="5" name="タイトル 4"/>
+          <p:cNvSpPr>
+            <a:spLocks noGrp="1"/>
+          </p:cNvSpPr>
+          <p:nvPr>
+            <p:ph type="title"/>
+          </p:nvPr>
+        </p:nvSpPr>
+        <p:spPr/>
+        <p:txBody>
+          <a:bodyPr/>
+          <a:lstStyle/>
+          <a:p>
+            <a:r>
+              <a:rPr lang="ja-JP" altLang="en-US" dirty="0" smtClean="0"/>
+              <a:t>関連研究</a:t>
+            </a:r>
+            <a:endParaRPr kumimoji="1" lang="ja-JP" altLang="en-US" dirty="0"/>
+          </a:p>
+        </p:txBody>
+      </p:sp>
     </p:spTree>
     <p:extLst>
       <p:ext uri="{BB962C8B-B14F-4D97-AF65-F5344CB8AC3E}">
-        <p14:creationId xmlns:p14="http://schemas.microsoft.com/office/powerpoint/2010/main" val="33680443"/>
+        <p14:creationId xmlns:p14="http://schemas.microsoft.com/office/powerpoint/2010/main" val="1372800676"/>
       </p:ext>
     </p:extLst>
   </p:cSld>
@@ -11028,20 +11071,122 @@
             <p:ph type="title"/>
           </p:nvPr>
         </p:nvSpPr>
+        <p:spPr/>
+        <p:txBody>
+          <a:bodyPr/>
+          <a:lstStyle/>
+          <a:p>
+            <a:r>
+              <a:rPr kumimoji="1" lang="ja-JP" altLang="en-US" dirty="0"/>
+              <a:t>研究課題</a:t>
+            </a:r>
+          </a:p>
+        </p:txBody>
+      </p:sp>
+      <p:sp>
+        <p:nvSpPr>
+          <p:cNvPr id="3" name="コンテンツ プレースホルダー 2"/>
+          <p:cNvSpPr>
+            <a:spLocks noGrp="1"/>
+          </p:cNvSpPr>
+          <p:nvPr>
+            <p:ph idx="1"/>
+          </p:nvPr>
+        </p:nvSpPr>
         <p:spPr>
           <a:xfrm>
-            <a:off x="366783" y="0"/>
-            <a:ext cx="7886700" cy="1325563"/>
+            <a:off x="532986" y="1740384"/>
+            <a:ext cx="8078028" cy="4351338"/>
           </a:xfrm>
         </p:spPr>
         <p:txBody>
-          <a:bodyPr/>
-          <a:lstStyle/>
-          <a:p>
-            <a:r>
-              <a:rPr kumimoji="1" lang="ja-JP" altLang="en-US" dirty="0"/>
-              <a:t>提案方式図</a:t>
-            </a:r>
+          <a:bodyPr>
+            <a:normAutofit fontScale="92500" lnSpcReduction="10000"/>
+          </a:bodyPr>
+          <a:lstStyle/>
+          <a:p>
+            <a:pPr algn="just">
+              <a:lnSpc>
+                <a:spcPct val="120000"/>
+              </a:lnSpc>
+            </a:pPr>
+            <a:r>
+              <a:rPr lang="ja-JP" altLang="en-US" sz="3200" dirty="0"/>
+              <a:t>既存技術では</a:t>
+            </a:r>
+            <a:r>
+              <a:rPr lang="ja-JP" altLang="en-US" sz="3200" dirty="0" smtClean="0"/>
+              <a:t>，導入</a:t>
+            </a:r>
+            <a:r>
+              <a:rPr lang="ja-JP" altLang="en-US" sz="3200" dirty="0"/>
+              <a:t>の</a:t>
+            </a:r>
+            <a:r>
+              <a:rPr lang="ja-JP" altLang="en-US" sz="3200" dirty="0" smtClean="0"/>
+              <a:t>しやすさ、コストの安さから異種</a:t>
+            </a:r>
+            <a:r>
+              <a:rPr lang="ja-JP" altLang="en-US" sz="3200" dirty="0"/>
+              <a:t>環境において</a:t>
+            </a:r>
+            <a:r>
+              <a:rPr lang="ja-JP" altLang="en-US" sz="3200" dirty="0" smtClean="0"/>
+              <a:t>も</a:t>
+            </a:r>
+            <a:r>
+              <a:rPr lang="ja-JP" altLang="en-US" sz="3200" dirty="0"/>
+              <a:t>均等</a:t>
+            </a:r>
+            <a:r>
+              <a:rPr lang="ja-JP" altLang="en-US" sz="3200" dirty="0" smtClean="0"/>
+              <a:t>に割り振る</a:t>
+            </a:r>
+            <a:r>
+              <a:rPr lang="ja-JP" altLang="en-US" sz="3200" dirty="0"/>
+              <a:t>「ラウンドロビン」方式が頻繁に利用</a:t>
+            </a:r>
+            <a:r>
+              <a:rPr lang="ja-JP" altLang="en-US" sz="3200" dirty="0" smtClean="0"/>
+              <a:t>されている</a:t>
+            </a:r>
+            <a:r>
+              <a:rPr lang="ja-JP" altLang="en-US" sz="3200" dirty="0" smtClean="0"/>
+              <a:t>．</a:t>
+            </a:r>
+            <a:endParaRPr lang="en-US" altLang="ja-JP" sz="3200" dirty="0" smtClean="0"/>
+          </a:p>
+          <a:p>
+            <a:pPr algn="just">
+              <a:lnSpc>
+                <a:spcPct val="120000"/>
+              </a:lnSpc>
+            </a:pPr>
+            <a:r>
+              <a:rPr lang="ja-JP" altLang="en-US" sz="3200" dirty="0"/>
+              <a:t>サーバ間の性能や通信装置の性能にバラつきがある場合，応答速度が一定とは限らない．単純に空いているサーバへ割り振るだけではなく，応答速度も加味してロードバランスを行う必要がある．</a:t>
+            </a:r>
+            <a:endParaRPr lang="en-US" altLang="ja-JP" sz="3200" dirty="0"/>
+          </a:p>
+          <a:p>
+            <a:pPr algn="just">
+              <a:lnSpc>
+                <a:spcPct val="120000"/>
+              </a:lnSpc>
+            </a:pPr>
+            <a:endParaRPr lang="ja-JP" altLang="en-US" sz="3200" dirty="0"/>
+          </a:p>
+          <a:p>
+            <a:pPr algn="just">
+              <a:lnSpc>
+                <a:spcPct val="120000"/>
+              </a:lnSpc>
+            </a:pPr>
+            <a:endParaRPr lang="en-US" altLang="ja-JP" dirty="0" smtClean="0">
+              <a:solidFill>
+                <a:srgbClr val="FF0000"/>
+              </a:solidFill>
+            </a:endParaRPr>
           </a:p>
         </p:txBody>
       </p:sp>
@@ -11068,34 +11213,10 @@
           </a:p>
         </p:txBody>
       </p:sp>
-      <p:pic>
-        <p:nvPicPr>
-          <p:cNvPr id="3" name="図 2"/>
-          <p:cNvPicPr>
-            <a:picLocks noChangeAspect="1"/>
-          </p:cNvPicPr>
-          <p:nvPr/>
-        </p:nvPicPr>
-        <p:blipFill>
-          <a:blip r:embed="rId3"/>
-          <a:stretch>
-            <a:fillRect/>
-          </a:stretch>
-        </p:blipFill>
-        <p:spPr>
-          <a:xfrm>
-            <a:off x="603257" y="1103779"/>
-            <a:ext cx="8056111" cy="5474356"/>
-          </a:xfrm>
-          <a:prstGeom prst="rect">
-            <a:avLst/>
-          </a:prstGeom>
-        </p:spPr>
-      </p:pic>
     </p:spTree>
     <p:extLst>
       <p:ext uri="{BB962C8B-B14F-4D97-AF65-F5344CB8AC3E}">
-        <p14:creationId xmlns:p14="http://schemas.microsoft.com/office/powerpoint/2010/main" val="3726678057"/>
+        <p14:creationId xmlns:p14="http://schemas.microsoft.com/office/powerpoint/2010/main" val="3347172904"/>
       </p:ext>
     </p:extLst>
   </p:cSld>
@@ -11131,52 +11252,18 @@
       </p:grpSpPr>
       <p:sp>
         <p:nvSpPr>
-          <p:cNvPr id="2" name="タイトル 1"/>
-          <p:cNvSpPr>
-            <a:spLocks noGrp="1"/>
-          </p:cNvSpPr>
-          <p:nvPr>
-            <p:ph type="title"/>
+          <p:cNvPr id="3" name="コンテンツ プレースホルダー 2"/>
+          <p:cNvSpPr>
+            <a:spLocks noGrp="1"/>
+          </p:cNvSpPr>
+          <p:nvPr>
+            <p:ph idx="1"/>
           </p:nvPr>
         </p:nvSpPr>
         <p:spPr>
           <a:xfrm>
-            <a:off x="628650" y="365126"/>
-            <a:ext cx="7886700" cy="1325563"/>
-          </a:xfrm>
-        </p:spPr>
-        <p:txBody>
-          <a:bodyPr>
-            <a:normAutofit/>
-          </a:bodyPr>
-          <a:lstStyle/>
-          <a:p>
-            <a:r>
-              <a:rPr kumimoji="1" lang="en-US" altLang="ja-JP" dirty="0" smtClean="0"/>
-              <a:t>[step:2]</a:t>
-            </a:r>
-            <a:r>
-              <a:rPr kumimoji="1" lang="ja-JP" altLang="en-US" dirty="0" smtClean="0"/>
-              <a:t>応答速度計測システム</a:t>
-            </a:r>
-            <a:endParaRPr kumimoji="1" lang="ja-JP" altLang="en-US" sz="5400" dirty="0"/>
-          </a:p>
-        </p:txBody>
-      </p:sp>
-      <p:sp>
-        <p:nvSpPr>
-          <p:cNvPr id="3" name="コンテンツ プレースホルダー 2"/>
-          <p:cNvSpPr>
-            <a:spLocks noGrp="1"/>
-          </p:cNvSpPr>
-          <p:nvPr>
-            <p:ph idx="1"/>
-          </p:nvPr>
-        </p:nvSpPr>
-        <p:spPr>
-          <a:xfrm>
-            <a:off x="628650" y="1825624"/>
-            <a:ext cx="7886700" cy="3221864"/>
+            <a:off x="532986" y="1740384"/>
+            <a:ext cx="8078028" cy="4351338"/>
           </a:xfrm>
         </p:spPr>
         <p:txBody>
@@ -11185,46 +11272,44 @@
           </a:bodyPr>
           <a:lstStyle/>
           <a:p>
-            <a:r>
-              <a:rPr lang="ja-JP" altLang="en-US" sz="3200" dirty="0"/>
-              <a:t>計測機から各サーバにリクエストを送って要求が返って来るまでの時間を応答速度</a:t>
-            </a:r>
-            <a:r>
-              <a:rPr lang="ja-JP" altLang="en-US" sz="3200" dirty="0" smtClean="0"/>
-              <a:t>とする．</a:t>
+            <a:pPr algn="just">
+              <a:lnSpc>
+                <a:spcPct val="120000"/>
+              </a:lnSpc>
+            </a:pPr>
+            <a:r>
+              <a:rPr lang="ja-JP" altLang="ja-JP" sz="3200" dirty="0" smtClean="0"/>
+              <a:t>ロードバランサ</a:t>
+            </a:r>
+            <a:r>
+              <a:rPr lang="ja-JP" altLang="ja-JP" sz="3200" dirty="0"/>
+              <a:t>の導入コストを抑えるために，安価で現行システムに導入でき，</a:t>
+            </a:r>
+            <a:r>
+              <a:rPr lang="en-US" altLang="ja-JP" sz="3200" dirty="0"/>
+              <a:t>Web</a:t>
+            </a:r>
+            <a:r>
+              <a:rPr lang="ja-JP" altLang="ja-JP" sz="3200" dirty="0"/>
+              <a:t>の負荷分散に詳しくないユーザでも導入できる実装方法が求められる</a:t>
+            </a:r>
+            <a:r>
+              <a:rPr lang="ja-JP" altLang="ja-JP" sz="3200" dirty="0" smtClean="0"/>
+              <a:t>．</a:t>
             </a:r>
             <a:endParaRPr lang="en-US" altLang="ja-JP" sz="3200" dirty="0" smtClean="0"/>
           </a:p>
           <a:p>
-            <a:r>
-              <a:rPr lang="ja-JP" altLang="en-US" sz="3200" dirty="0" smtClean="0"/>
-              <a:t>この処理を</a:t>
-            </a:r>
-            <a:r>
-              <a:rPr lang="en-US" altLang="ja-JP" sz="3200" dirty="0" smtClean="0"/>
-              <a:t>n</a:t>
-            </a:r>
-            <a:r>
-              <a:rPr lang="ja-JP" altLang="en-US" sz="3200" dirty="0"/>
-              <a:t>分に</a:t>
-            </a:r>
-            <a:r>
-              <a:rPr lang="en-US" altLang="ja-JP" sz="3200" dirty="0"/>
-              <a:t>1</a:t>
-            </a:r>
-            <a:r>
-              <a:rPr lang="ja-JP" altLang="en-US" sz="3200" dirty="0"/>
-              <a:t>回</a:t>
-            </a:r>
-            <a:r>
-              <a:rPr lang="ja-JP" altLang="en-US" sz="3200" dirty="0" smtClean="0"/>
-              <a:t>繰り返し得た情報</a:t>
-            </a:r>
-            <a:r>
-              <a:rPr lang="ja-JP" altLang="en-US" sz="3200" dirty="0"/>
-              <a:t>をテーブルへ保管し過去の応答速度のデータを抽出する際に利用する．</a:t>
-            </a:r>
-            <a:endParaRPr lang="ja-JP" altLang="ja-JP" sz="3200" dirty="0"/>
+            <a:pPr algn="just">
+              <a:lnSpc>
+                <a:spcPct val="120000"/>
+              </a:lnSpc>
+            </a:pPr>
+            <a:endParaRPr lang="en-US" altLang="ja-JP" sz="2900" dirty="0" smtClean="0">
+              <a:solidFill>
+                <a:srgbClr val="FF0000"/>
+              </a:solidFill>
+            </a:endParaRPr>
           </a:p>
         </p:txBody>
       </p:sp>
@@ -11244,18 +11329,40 @@
           <a:lstStyle/>
           <a:p>
             <a:fld id="{B4451160-128F-4DAD-AE29-4A8CC0E7B9E9}" type="slidenum">
-              <a:rPr lang="ja-JP" altLang="en-US" smtClean="0"/>
-              <a:pPr/>
+              <a:rPr kumimoji="1" lang="ja-JP" altLang="en-US" smtClean="0"/>
               <a:t>7</a:t>
             </a:fld>
-            <a:endParaRPr lang="ja-JP" altLang="en-US" dirty="0"/>
+            <a:endParaRPr kumimoji="1" lang="ja-JP" altLang="en-US"/>
+          </a:p>
+        </p:txBody>
+      </p:sp>
+      <p:sp>
+        <p:nvSpPr>
+          <p:cNvPr id="5" name="タイトル 4"/>
+          <p:cNvSpPr>
+            <a:spLocks noGrp="1"/>
+          </p:cNvSpPr>
+          <p:nvPr>
+            <p:ph type="title"/>
+          </p:nvPr>
+        </p:nvSpPr>
+        <p:spPr/>
+        <p:txBody>
+          <a:bodyPr/>
+          <a:lstStyle/>
+          <a:p>
+            <a:r>
+              <a:rPr kumimoji="1" lang="ja-JP" altLang="en-US" dirty="0" smtClean="0"/>
+              <a:t>研究課題</a:t>
+            </a:r>
+            <a:endParaRPr kumimoji="1" lang="ja-JP" altLang="en-US" dirty="0"/>
           </a:p>
         </p:txBody>
       </p:sp>
     </p:spTree>
     <p:extLst>
       <p:ext uri="{BB962C8B-B14F-4D97-AF65-F5344CB8AC3E}">
-        <p14:creationId xmlns:p14="http://schemas.microsoft.com/office/powerpoint/2010/main" val="1921627536"/>
+        <p14:creationId xmlns:p14="http://schemas.microsoft.com/office/powerpoint/2010/main" val="1055307171"/>
       </p:ext>
     </p:extLst>
   </p:cSld>
@@ -11299,271 +11406,154 @@
             <p:ph type="title"/>
           </p:nvPr>
         </p:nvSpPr>
+        <p:spPr/>
+        <p:txBody>
+          <a:bodyPr/>
+          <a:lstStyle/>
+          <a:p>
+            <a:r>
+              <a:rPr kumimoji="1" lang="ja-JP" altLang="en-US" dirty="0"/>
+              <a:t>研究目的</a:t>
+            </a:r>
+          </a:p>
+        </p:txBody>
+      </p:sp>
+      <p:sp>
+        <p:nvSpPr>
+          <p:cNvPr id="3" name="コンテンツ プレースホルダー 2"/>
+          <p:cNvSpPr>
+            <a:spLocks noGrp="1"/>
+          </p:cNvSpPr>
+          <p:nvPr>
+            <p:ph idx="1"/>
+          </p:nvPr>
+        </p:nvSpPr>
         <p:spPr>
           <a:xfrm>
-            <a:off x="628650" y="365126"/>
-            <a:ext cx="7886700" cy="1325563"/>
+            <a:off x="500634" y="1600678"/>
+            <a:ext cx="8442198" cy="4845684"/>
           </a:xfrm>
         </p:spPr>
         <p:txBody>
           <a:bodyPr>
-            <a:normAutofit/>
+            <a:noAutofit/>
           </a:bodyPr>
           <a:lstStyle/>
           <a:p>
             <a:r>
-              <a:rPr kumimoji="1" lang="en-US" altLang="ja-JP" dirty="0" smtClean="0"/>
-              <a:t>[step:3]</a:t>
-            </a:r>
-            <a:r>
-              <a:rPr kumimoji="1" lang="ja-JP" altLang="en-US" dirty="0" smtClean="0"/>
-              <a:t>評価付けシステム</a:t>
-            </a:r>
-            <a:endParaRPr kumimoji="1" lang="ja-JP" altLang="en-US" sz="5400" dirty="0"/>
-          </a:p>
-        </p:txBody>
-      </p:sp>
-      <mc:AlternateContent xmlns:mc="http://schemas.openxmlformats.org/markup-compatibility/2006" xmlns:a14="http://schemas.microsoft.com/office/drawing/2010/main">
-        <mc:Choice Requires="a14">
-          <p:sp>
-            <p:nvSpPr>
-              <p:cNvPr id="3" name="コンテンツ プレースホルダー 2"/>
-              <p:cNvSpPr>
-                <a:spLocks noGrp="1"/>
-              </p:cNvSpPr>
-              <p:nvPr>
-                <p:ph idx="1"/>
-              </p:nvPr>
-            </p:nvSpPr>
-            <p:spPr>
-              <a:xfrm>
-                <a:off x="628650" y="1825625"/>
-                <a:ext cx="7886700" cy="3066886"/>
-              </a:xfrm>
-            </p:spPr>
-            <p:txBody>
-              <a:bodyPr>
-                <a:normAutofit/>
-              </a:bodyPr>
-              <a:lstStyle/>
-              <a:p>
-                <a:r>
-                  <a:rPr lang="ja-JP" altLang="ja-JP" dirty="0"/>
-                  <a:t>実行手順の</a:t>
-                </a:r>
-                <a:r>
-                  <a:rPr lang="en-US" altLang="ja-JP" dirty="0"/>
-                  <a:t>STEP-3</a:t>
-                </a:r>
-                <a:r>
-                  <a:rPr lang="ja-JP" altLang="ja-JP" dirty="0" smtClean="0"/>
-                  <a:t>では</a:t>
-                </a:r>
-                <a:r>
-                  <a:rPr lang="en-US" altLang="ja-JP" dirty="0"/>
-                  <a:t>L</a:t>
-                </a:r>
-                <a:r>
-                  <a:rPr lang="en-US" altLang="ja-JP" baseline="-25000" dirty="0"/>
-                  <a:t>1</a:t>
-                </a:r>
-                <a:r>
-                  <a:rPr lang="ja-JP" altLang="ja-JP" dirty="0"/>
-                  <a:t>～</a:t>
-                </a:r>
-                <a:r>
-                  <a:rPr lang="en-US" altLang="ja-JP" dirty="0"/>
-                  <a:t>L</a:t>
-                </a:r>
-                <a:r>
-                  <a:rPr lang="en-US" altLang="ja-JP" baseline="-25000" dirty="0"/>
-                  <a:t>n</a:t>
-                </a:r>
-                <a:r>
-                  <a:rPr lang="ja-JP" altLang="ja-JP" dirty="0"/>
-                  <a:t>の</a:t>
-                </a:r>
-                <a:r>
-                  <a:rPr lang="en-US" altLang="ja-JP" dirty="0"/>
-                  <a:t>n</a:t>
-                </a:r>
-                <a:r>
-                  <a:rPr lang="ja-JP" altLang="ja-JP" dirty="0"/>
-                  <a:t>段階で評価</a:t>
-                </a:r>
-                <a:r>
-                  <a:rPr lang="ja-JP" altLang="en-US" dirty="0"/>
-                  <a:t>を</a:t>
-                </a:r>
-                <a:r>
-                  <a:rPr lang="ja-JP" altLang="en-US" dirty="0" smtClean="0"/>
-                  <a:t>行う</a:t>
-                </a:r>
-                <a:r>
-                  <a:rPr lang="en-US" altLang="ja-JP" dirty="0" smtClean="0"/>
-                  <a:t>. </a:t>
-                </a:r>
-                <a:r>
-                  <a:rPr lang="ja-JP" altLang="en-US" dirty="0" smtClean="0"/>
-                  <a:t>評価付けに使う数式は下記に示す．</a:t>
-                </a:r>
-                <a:r>
-                  <a:rPr lang="en-US" altLang="ja-JP" dirty="0" smtClean="0"/>
-                  <a:t/>
-                </a:r>
-                <a:br>
-                  <a:rPr lang="en-US" altLang="ja-JP" dirty="0" smtClean="0"/>
-                </a:br>
-                <a:endParaRPr lang="en-US" altLang="ja-JP" dirty="0"/>
-              </a:p>
-              <a:p>
-                <a:r>
-                  <a:rPr lang="en-US" altLang="ja-JP" dirty="0" smtClean="0"/>
-                  <a:t>L</a:t>
-                </a:r>
-                <a:r>
-                  <a:rPr lang="ja-JP" altLang="ja-JP" dirty="0" smtClean="0"/>
-                  <a:t>は</a:t>
-                </a:r>
-                <a:r>
-                  <a:rPr lang="ja-JP" altLang="en-US" dirty="0" smtClean="0"/>
-                  <a:t>サーバ</a:t>
-                </a:r>
-                <a:r>
-                  <a:rPr lang="ja-JP" altLang="ja-JP" dirty="0" smtClean="0"/>
-                  <a:t>評価値，</a:t>
-                </a:r>
-                <a14:m>
-                  <m:oMath xmlns:m="http://schemas.openxmlformats.org/officeDocument/2006/math">
-                    <m:r>
-                      <m:rPr>
-                        <m:sty m:val="p"/>
-                      </m:rPr>
-                      <a:rPr lang="en-US" altLang="ja-JP" i="1" dirty="0">
-                        <a:latin typeface="Cambria Math" panose="02040503050406030204" pitchFamily="18" charset="0"/>
-                      </a:rPr>
-                      <m:t>Ave</m:t>
-                    </m:r>
-                  </m:oMath>
-                </a14:m>
-                <a:r>
-                  <a:rPr lang="en-US" altLang="ja-JP" dirty="0" smtClean="0"/>
-                  <a:t> </a:t>
-                </a:r>
-                <a:r>
-                  <a:rPr lang="ja-JP" altLang="ja-JP" dirty="0"/>
-                  <a:t>は</a:t>
-                </a:r>
-                <a:r>
-                  <a:rPr lang="ja-JP" altLang="ja-JP" dirty="0" smtClean="0"/>
-                  <a:t>過去の</a:t>
-                </a:r>
-                <a:r>
-                  <a:rPr lang="ja-JP" altLang="ja-JP" dirty="0"/>
-                  <a:t>平均速度，</a:t>
-                </a:r>
-                <a14:m>
-                  <m:oMath xmlns:m="http://schemas.openxmlformats.org/officeDocument/2006/math">
-                    <m:r>
-                      <m:rPr>
-                        <m:sty m:val="p"/>
-                      </m:rPr>
-                      <a:rPr lang="en-US" altLang="ja-JP">
-                        <a:latin typeface="Cambria Math" panose="02040503050406030204" pitchFamily="18" charset="0"/>
-                      </a:rPr>
-                      <m:t>T</m:t>
-                    </m:r>
-                  </m:oMath>
-                </a14:m>
-                <a:r>
-                  <a:rPr lang="ja-JP" altLang="ja-JP" dirty="0" smtClean="0"/>
-                  <a:t>は</a:t>
-                </a:r>
-                <a:r>
-                  <a:rPr lang="en-US" altLang="ja-JP" dirty="0" smtClean="0">
-                    <a:latin typeface="ＭＳ Ｐゴシック" panose="020B0600070205080204" pitchFamily="50" charset="-128"/>
-                  </a:rPr>
-                  <a:t>[</a:t>
-                </a:r>
-                <a:r>
-                  <a:rPr lang="en-US" altLang="ja-JP" dirty="0">
-                    <a:latin typeface="ＭＳ Ｐゴシック" panose="020B0600070205080204" pitchFamily="50" charset="-128"/>
-                  </a:rPr>
-                  <a:t>Paul 2014</a:t>
-                </a:r>
-                <a:r>
-                  <a:rPr lang="en-US" altLang="ja-JP" dirty="0" smtClean="0">
-                    <a:latin typeface="ＭＳ Ｐゴシック" panose="020B0600070205080204" pitchFamily="50" charset="-128"/>
-                  </a:rPr>
-                  <a:t>]</a:t>
-                </a:r>
-                <a:r>
-                  <a:rPr lang="ja-JP" altLang="en-US" dirty="0" smtClean="0"/>
-                  <a:t>や</a:t>
-                </a:r>
-                <a:r>
-                  <a:rPr lang="en-US" altLang="ja-JP" dirty="0" smtClean="0"/>
-                  <a:t>[Google 2008]</a:t>
-                </a:r>
-                <a:r>
-                  <a:rPr lang="ja-JP" altLang="en-US" dirty="0" smtClean="0"/>
-                  <a:t>を参考にした</a:t>
-                </a:r>
-                <a:r>
-                  <a:rPr lang="ja-JP" altLang="ja-JP" dirty="0" smtClean="0"/>
-                  <a:t>応答</a:t>
-                </a:r>
-                <a:r>
-                  <a:rPr lang="ja-JP" altLang="ja-JP" dirty="0"/>
-                  <a:t>速度の範囲を示す</a:t>
-                </a:r>
-                <a:r>
-                  <a:rPr lang="ja-JP" altLang="ja-JP" dirty="0" smtClean="0"/>
-                  <a:t>．</a:t>
-                </a:r>
-                <a:endParaRPr lang="ja-JP" altLang="ja-JP" dirty="0"/>
-              </a:p>
-            </p:txBody>
-          </p:sp>
-        </mc:Choice>
-        <mc:Fallback xmlns="">
-          <p:sp>
-            <p:nvSpPr>
-              <p:cNvPr id="3" name="コンテンツ プレースホルダー 2"/>
-              <p:cNvSpPr>
-                <a:spLocks noGrp="1" noRot="1" noChangeAspect="1" noMove="1" noResize="1" noEditPoints="1" noAdjustHandles="1" noChangeArrowheads="1" noChangeShapeType="1" noTextEdit="1"/>
-              </p:cNvSpPr>
-              <p:nvPr>
-                <p:ph idx="1"/>
-              </p:nvPr>
-            </p:nvSpPr>
-            <p:spPr>
-              <a:xfrm>
-                <a:off x="628650" y="1825625"/>
-                <a:ext cx="7886700" cy="3066886"/>
-              </a:xfrm>
-              <a:blipFill>
-                <a:blip r:embed="rId2"/>
-                <a:stretch>
-                  <a:fillRect l="-1391" t="-4167"/>
-                </a:stretch>
-              </a:blipFill>
-            </p:spPr>
-            <p:txBody>
-              <a:bodyPr/>
-              <a:lstStyle/>
-              <a:p>
-                <a:r>
-                  <a:rPr lang="ja-JP" altLang="en-US">
-                    <a:noFill/>
-                  </a:rPr>
-                  <a:t> </a:t>
-                </a:r>
-              </a:p>
-            </p:txBody>
-          </p:sp>
-        </mc:Fallback>
-      </mc:AlternateContent>
+              <a:rPr lang="ja-JP" altLang="en-US" sz="3000" dirty="0" smtClean="0"/>
+              <a:t>応答速度によってサーバの割り振り先を</a:t>
+            </a:r>
+            <a:r>
+              <a:rPr lang="ja-JP" altLang="en-US" sz="3000" dirty="0" smtClean="0"/>
+              <a:t>決める</a:t>
+            </a:r>
+            <a:r>
+              <a:rPr lang="en-US" altLang="ja-JP" sz="3000" dirty="0"/>
+              <a:t/>
+            </a:r>
+            <a:br>
+              <a:rPr lang="en-US" altLang="ja-JP" sz="3000" dirty="0"/>
+            </a:br>
+            <a:r>
+              <a:rPr lang="ja-JP" altLang="en-US" sz="3000" dirty="0" smtClean="0"/>
+              <a:t>アルゴリズム</a:t>
+            </a:r>
+            <a:r>
+              <a:rPr lang="ja-JP" altLang="en-US" sz="3000" dirty="0" smtClean="0"/>
+              <a:t>の提案．</a:t>
+            </a:r>
+            <a:endParaRPr lang="en-US" altLang="ja-JP" sz="3000" dirty="0" smtClean="0"/>
+          </a:p>
+          <a:p>
+            <a:r>
+              <a:rPr lang="ja-JP" altLang="en-US" sz="3000" dirty="0" smtClean="0"/>
+              <a:t>サーバを監視し評価するシステムの設計と開発．</a:t>
+            </a:r>
+            <a:endParaRPr lang="en-US" altLang="ja-JP" sz="3000" dirty="0" smtClean="0"/>
+          </a:p>
+          <a:p>
+            <a:r>
+              <a:rPr lang="ja-JP" altLang="en-US" sz="3000" dirty="0" smtClean="0"/>
+              <a:t>応答速度を考慮したロードバランサの設計と開発．</a:t>
+            </a:r>
+            <a:r>
+              <a:rPr lang="en-US" altLang="ja-JP" sz="3000" dirty="0" smtClean="0"/>
+              <a:t/>
+            </a:r>
+            <a:br>
+              <a:rPr lang="en-US" altLang="ja-JP" sz="3000" dirty="0" smtClean="0"/>
+            </a:br>
+            <a:r>
+              <a:rPr lang="ja-JP" altLang="en-US" sz="3000" dirty="0" smtClean="0"/>
+              <a:t>→</a:t>
+            </a:r>
+            <a:r>
+              <a:rPr lang="ja-JP" altLang="ja-JP" sz="3000" dirty="0" smtClean="0"/>
+              <a:t>安価で導入</a:t>
+            </a:r>
+            <a:r>
+              <a:rPr lang="ja-JP" altLang="en-US" sz="3000" dirty="0" smtClean="0"/>
+              <a:t>しやすい</a:t>
+            </a:r>
+            <a:r>
+              <a:rPr lang="ja-JP" altLang="ja-JP" sz="3000" dirty="0" smtClean="0"/>
+              <a:t>システ</a:t>
+            </a:r>
+            <a:r>
+              <a:rPr lang="ja-JP" altLang="en-US" sz="3000" dirty="0" smtClean="0"/>
+              <a:t>ムを作ることで</a:t>
+            </a:r>
+            <a:r>
+              <a:rPr lang="ja-JP" altLang="ja-JP" sz="3000" dirty="0" smtClean="0"/>
+              <a:t>課題の解決</a:t>
+            </a:r>
+            <a:r>
+              <a:rPr lang="ja-JP" altLang="en-US" sz="3000" dirty="0" smtClean="0"/>
+              <a:t>にアプローチする．</a:t>
+            </a:r>
+            <a:endParaRPr lang="en-US" altLang="ja-JP" sz="3000" dirty="0" smtClean="0"/>
+          </a:p>
+          <a:p>
+            <a:r>
+              <a:rPr lang="ja-JP" altLang="ja-JP" sz="3000" dirty="0"/>
+              <a:t>ロードバランサと</a:t>
+            </a:r>
+            <a:r>
+              <a:rPr lang="en-US" altLang="ja-JP" sz="3000" dirty="0"/>
+              <a:t>Web</a:t>
+            </a:r>
+            <a:r>
+              <a:rPr lang="ja-JP" altLang="ja-JP" sz="3000" dirty="0"/>
+              <a:t>サーバのボトルネック</a:t>
+            </a:r>
+            <a:r>
+              <a:rPr lang="ja-JP" altLang="ja-JP" sz="3000" dirty="0" smtClean="0"/>
+              <a:t>削減</a:t>
+            </a:r>
+            <a:r>
+              <a:rPr lang="ja-JP" altLang="en-US" sz="3000" dirty="0"/>
+              <a:t>．</a:t>
+            </a:r>
+            <a:endParaRPr lang="en-US" altLang="ja-JP" sz="3000" dirty="0" smtClean="0"/>
+          </a:p>
+          <a:p>
+            <a:r>
+              <a:rPr lang="ja-JP" altLang="en-US" sz="3000" dirty="0" smtClean="0"/>
+              <a:t>実験</a:t>
+            </a:r>
+            <a:r>
+              <a:rPr lang="ja-JP" altLang="en-US" sz="3000" dirty="0"/>
+              <a:t>による実現可能性の</a:t>
+            </a:r>
+            <a:r>
+              <a:rPr lang="ja-JP" altLang="en-US" sz="3000" dirty="0"/>
+              <a:t>評価．</a:t>
+            </a:r>
+            <a:endParaRPr lang="ja-JP" altLang="en-US" sz="3000" dirty="0"/>
+          </a:p>
+        </p:txBody>
+      </p:sp>
       <p:sp>
         <p:nvSpPr>
           <p:cNvPr id="4" name="スライド番号プレースホルダー 3"/>
@@ -11580,41 +11570,17 @@
           <a:lstStyle/>
           <a:p>
             <a:fld id="{B4451160-128F-4DAD-AE29-4A8CC0E7B9E9}" type="slidenum">
-              <a:rPr lang="ja-JP" altLang="en-US" smtClean="0"/>
-              <a:pPr/>
+              <a:rPr kumimoji="1" lang="ja-JP" altLang="en-US" smtClean="0"/>
               <a:t>8</a:t>
             </a:fld>
-            <a:endParaRPr lang="ja-JP" altLang="en-US" dirty="0"/>
-          </a:p>
-        </p:txBody>
-      </p:sp>
-      <p:pic>
-        <p:nvPicPr>
-          <p:cNvPr id="7" name="図 6"/>
-          <p:cNvPicPr>
-            <a:picLocks noChangeAspect="1"/>
-          </p:cNvPicPr>
-          <p:nvPr/>
-        </p:nvPicPr>
-        <p:blipFill rotWithShape="1">
-          <a:blip r:embed="rId3"/>
-          <a:srcRect l="30907" r="30967"/>
-          <a:stretch/>
-        </p:blipFill>
-        <p:spPr>
-          <a:xfrm>
-            <a:off x="1076188" y="4710137"/>
-            <a:ext cx="6851660" cy="1390652"/>
-          </a:xfrm>
-          <a:prstGeom prst="rect">
-            <a:avLst/>
-          </a:prstGeom>
-        </p:spPr>
-      </p:pic>
+            <a:endParaRPr kumimoji="1" lang="ja-JP" altLang="en-US"/>
+          </a:p>
+        </p:txBody>
+      </p:sp>
     </p:spTree>
     <p:extLst>
       <p:ext uri="{BB962C8B-B14F-4D97-AF65-F5344CB8AC3E}">
-        <p14:creationId xmlns:p14="http://schemas.microsoft.com/office/powerpoint/2010/main" val="1894095222"/>
+        <p14:creationId xmlns:p14="http://schemas.microsoft.com/office/powerpoint/2010/main" val="33680443"/>
       </p:ext>
     </p:extLst>
   </p:cSld>
@@ -11660,387 +11626,21 @@
         </p:nvSpPr>
         <p:spPr>
           <a:xfrm>
-            <a:off x="628650" y="365126"/>
-            <a:ext cx="8067294" cy="1325563"/>
+            <a:off x="366783" y="0"/>
+            <a:ext cx="7886700" cy="1325563"/>
           </a:xfrm>
         </p:spPr>
         <p:txBody>
-          <a:bodyPr>
-            <a:normAutofit/>
-          </a:bodyPr>
-          <a:lstStyle/>
-          <a:p>
-            <a:r>
-              <a:rPr lang="en-US" altLang="ja-JP" dirty="0"/>
-              <a:t>[</a:t>
-            </a:r>
-            <a:r>
-              <a:rPr lang="en-US" altLang="ja-JP" dirty="0" smtClean="0"/>
-              <a:t>step:4,5]</a:t>
-            </a:r>
-            <a:r>
-              <a:rPr kumimoji="1" lang="ja-JP" altLang="en-US" dirty="0" smtClean="0"/>
-              <a:t>重みづけと割り振り方法</a:t>
-            </a:r>
-            <a:endParaRPr kumimoji="1" lang="ja-JP" altLang="en-US" sz="5400" dirty="0"/>
-          </a:p>
-        </p:txBody>
-      </p:sp>
-      <mc:AlternateContent xmlns:mc="http://schemas.openxmlformats.org/markup-compatibility/2006" xmlns:a14="http://schemas.microsoft.com/office/drawing/2010/main">
-        <mc:Choice Requires="a14">
-          <p:sp>
-            <p:nvSpPr>
-              <p:cNvPr id="3" name="コンテンツ プレースホルダー 2"/>
-              <p:cNvSpPr>
-                <a:spLocks noGrp="1"/>
-              </p:cNvSpPr>
-              <p:nvPr>
-                <p:ph idx="1"/>
-              </p:nvPr>
-            </p:nvSpPr>
-            <p:spPr>
-              <a:xfrm>
-                <a:off x="628650" y="1825625"/>
-                <a:ext cx="7886700" cy="4648327"/>
-              </a:xfrm>
-            </p:spPr>
-            <p:txBody>
-              <a:bodyPr>
-                <a:normAutofit/>
-              </a:bodyPr>
-              <a:lstStyle/>
-              <a:p>
-                <a:r>
-                  <a:rPr lang="ja-JP" altLang="ja-JP" dirty="0"/>
-                  <a:t>重みづけと割り振り頻度は下記の数式で示す．</a:t>
-                </a:r>
-                <a14:m>
-                  <m:oMath xmlns:m="http://schemas.openxmlformats.org/officeDocument/2006/math">
-                    <m:sSub>
-                      <m:sSubPr>
-                        <m:ctrlPr>
-                          <a:rPr lang="ja-JP" altLang="ja-JP" i="1">
-                            <a:latin typeface="Cambria Math" panose="02040503050406030204" pitchFamily="18" charset="0"/>
-                          </a:rPr>
-                        </m:ctrlPr>
-                      </m:sSubPr>
-                      <m:e>
-                        <m:r>
-                          <a:rPr lang="en-US" altLang="ja-JP" i="1">
-                            <a:latin typeface="Cambria Math" panose="02040503050406030204" pitchFamily="18" charset="0"/>
-                          </a:rPr>
-                          <m:t>𝐹</m:t>
-                        </m:r>
-                      </m:e>
-                      <m:sub>
-                        <m:sSub>
-                          <m:sSubPr>
-                            <m:ctrlPr>
-                              <a:rPr lang="ja-JP" altLang="ja-JP" i="1">
-                                <a:latin typeface="Cambria Math" panose="02040503050406030204" pitchFamily="18" charset="0"/>
-                              </a:rPr>
-                            </m:ctrlPr>
-                          </m:sSubPr>
-                          <m:e>
-                            <m:r>
-                              <a:rPr lang="en-US" altLang="ja-JP" i="1">
-                                <a:latin typeface="Cambria Math" panose="02040503050406030204" pitchFamily="18" charset="0"/>
-                              </a:rPr>
-                              <m:t>𝐿𝐵</m:t>
-                            </m:r>
-                          </m:e>
-                          <m:sub>
-                            <m:r>
-                              <a:rPr lang="en-US" altLang="ja-JP" i="1">
-                                <a:latin typeface="Cambria Math" panose="02040503050406030204" pitchFamily="18" charset="0"/>
-                              </a:rPr>
-                              <m:t>𝑥</m:t>
-                            </m:r>
-                          </m:sub>
-                        </m:sSub>
-                      </m:sub>
-                    </m:sSub>
-                  </m:oMath>
-                </a14:m>
-                <a:r>
-                  <a:rPr lang="ja-JP" altLang="ja-JP" dirty="0"/>
-                  <a:t>はロードバランサ</a:t>
-                </a:r>
-                <a14:m>
-                  <m:oMath xmlns:m="http://schemas.openxmlformats.org/officeDocument/2006/math">
-                    <m:r>
-                      <m:rPr>
-                        <m:sty m:val="p"/>
-                      </m:rPr>
-                      <a:rPr lang="en-US" altLang="ja-JP">
-                        <a:latin typeface="Cambria Math" panose="02040503050406030204" pitchFamily="18" charset="0"/>
-                      </a:rPr>
-                      <m:t>x</m:t>
-                    </m:r>
-                  </m:oMath>
-                </a14:m>
-                <a:r>
-                  <a:rPr lang="ja-JP" altLang="ja-JP" dirty="0"/>
-                  <a:t>の割り振り頻度，Ｗは</a:t>
-                </a:r>
-                <a:r>
-                  <a:rPr lang="ja-JP" altLang="ja-JP" dirty="0" smtClean="0"/>
-                  <a:t>重み</a:t>
-                </a:r>
-                <a:r>
-                  <a:rPr lang="ja-JP" altLang="en-US" dirty="0" smtClean="0"/>
-                  <a:t>の</a:t>
-                </a:r>
-                <a:r>
-                  <a:rPr lang="ja-JP" altLang="ja-JP" dirty="0" smtClean="0"/>
-                  <a:t>値</a:t>
-                </a:r>
-                <a:r>
-                  <a:rPr lang="ja-JP" altLang="ja-JP" dirty="0"/>
-                  <a:t>，</a:t>
-                </a:r>
-                <a:r>
-                  <a:rPr lang="en-US" altLang="ja-JP" dirty="0"/>
-                  <a:t>n</a:t>
-                </a:r>
-                <a:r>
-                  <a:rPr lang="ja-JP" altLang="ja-JP" dirty="0"/>
-                  <a:t>はサーバ数，Ｌ</a:t>
-                </a:r>
-                <a:r>
-                  <a:rPr lang="ja-JP" altLang="ja-JP" dirty="0" smtClean="0"/>
-                  <a:t>はサーバ</a:t>
-                </a:r>
-                <a:r>
-                  <a:rPr lang="ja-JP" altLang="ja-JP" dirty="0"/>
-                  <a:t>評価値</a:t>
-                </a:r>
-                <a:r>
-                  <a:rPr lang="ja-JP" altLang="ja-JP" dirty="0" smtClean="0"/>
-                  <a:t>，</a:t>
-                </a:r>
-                <a14:m>
-                  <m:oMath xmlns:m="http://schemas.openxmlformats.org/officeDocument/2006/math">
-                    <m:r>
-                      <a:rPr lang="ja-JP" altLang="ja-JP" i="1">
-                        <a:latin typeface="Cambria Math" panose="02040503050406030204" pitchFamily="18" charset="0"/>
-                      </a:rPr>
-                      <m:t> </m:t>
-                    </m:r>
-                    <m:sSub>
-                      <m:sSubPr>
-                        <m:ctrlPr>
-                          <a:rPr lang="ja-JP" altLang="ja-JP" i="1" smtClean="0">
-                            <a:latin typeface="Cambria Math" panose="02040503050406030204" pitchFamily="18" charset="0"/>
-                          </a:rPr>
-                        </m:ctrlPr>
-                      </m:sSubPr>
-                      <m:e>
-                        <m:r>
-                          <a:rPr lang="en-US" altLang="ja-JP" i="1">
-                            <a:latin typeface="Cambria Math" panose="02040503050406030204" pitchFamily="18" charset="0"/>
-                          </a:rPr>
-                          <m:t>𝑊</m:t>
-                        </m:r>
-                      </m:e>
-                      <m:sub>
-                        <m:sSub>
-                          <m:sSubPr>
-                            <m:ctrlPr>
-                              <a:rPr lang="ja-JP" altLang="ja-JP" i="1">
-                                <a:latin typeface="Cambria Math" panose="02040503050406030204" pitchFamily="18" charset="0"/>
-                              </a:rPr>
-                            </m:ctrlPr>
-                          </m:sSubPr>
-                          <m:e>
-                            <m:r>
-                              <a:rPr lang="en-US" altLang="ja-JP" i="1">
-                                <a:latin typeface="Cambria Math" panose="02040503050406030204" pitchFamily="18" charset="0"/>
-                              </a:rPr>
-                              <m:t>𝐿𝐵</m:t>
-                            </m:r>
-                          </m:e>
-                          <m:sub>
-                            <m:r>
-                              <a:rPr lang="en-US" altLang="ja-JP" i="1">
-                                <a:latin typeface="Cambria Math" panose="02040503050406030204" pitchFamily="18" charset="0"/>
-                              </a:rPr>
-                              <m:t>𝑚𝑎𝑥</m:t>
-                            </m:r>
-                          </m:sub>
-                        </m:sSub>
-                      </m:sub>
-                    </m:sSub>
-                  </m:oMath>
-                </a14:m>
-                <a:r>
-                  <a:rPr lang="ja-JP" altLang="ja-JP" dirty="0"/>
-                  <a:t>は最高評価を受けた</a:t>
-                </a:r>
-                <a:r>
-                  <a:rPr lang="ja-JP" altLang="ja-JP" dirty="0" smtClean="0"/>
-                  <a:t>サーバ</a:t>
-                </a:r>
-                <a:r>
-                  <a:rPr lang="ja-JP" altLang="en-US" dirty="0" smtClean="0"/>
-                  <a:t>の重み</a:t>
-                </a:r>
-                <a:r>
-                  <a:rPr lang="ja-JP" altLang="ja-JP" dirty="0" smtClean="0"/>
-                  <a:t>で</a:t>
-                </a:r>
-                <a:r>
-                  <a:rPr lang="ja-JP" altLang="ja-JP" dirty="0"/>
-                  <a:t>ある</a:t>
-                </a:r>
-                <a:r>
-                  <a:rPr lang="ja-JP" altLang="ja-JP" dirty="0" smtClean="0"/>
-                  <a:t>．この</a:t>
-                </a:r>
-                <a:r>
-                  <a:rPr lang="ja-JP" altLang="ja-JP" dirty="0"/>
-                  <a:t>とき</a:t>
-                </a:r>
-                <a:r>
-                  <a:rPr lang="ja-JP" altLang="en-US" dirty="0" smtClean="0"/>
-                  <a:t>，</a:t>
-                </a:r>
-                <a14:m>
-                  <m:oMath xmlns:m="http://schemas.openxmlformats.org/officeDocument/2006/math">
-                    <m:sSub>
-                      <m:sSubPr>
-                        <m:ctrlPr>
-                          <a:rPr lang="ja-JP" altLang="ja-JP" i="1">
-                            <a:latin typeface="Cambria Math" panose="02040503050406030204" pitchFamily="18" charset="0"/>
-                          </a:rPr>
-                        </m:ctrlPr>
-                      </m:sSubPr>
-                      <m:e>
-                        <m:r>
-                          <a:rPr lang="en-US" altLang="ja-JP" i="1">
-                            <a:latin typeface="Cambria Math" panose="02040503050406030204" pitchFamily="18" charset="0"/>
-                          </a:rPr>
-                          <m:t>𝑊</m:t>
-                        </m:r>
-                      </m:e>
-                      <m:sub>
-                        <m:sSub>
-                          <m:sSubPr>
-                            <m:ctrlPr>
-                              <a:rPr lang="ja-JP" altLang="ja-JP" i="1">
-                                <a:latin typeface="Cambria Math" panose="02040503050406030204" pitchFamily="18" charset="0"/>
-                              </a:rPr>
-                            </m:ctrlPr>
-                          </m:sSubPr>
-                          <m:e>
-                            <m:r>
-                              <a:rPr lang="en-US" altLang="ja-JP" i="1">
-                                <a:latin typeface="Cambria Math" panose="02040503050406030204" pitchFamily="18" charset="0"/>
-                              </a:rPr>
-                              <m:t>𝐿𝐵</m:t>
-                            </m:r>
-                          </m:e>
-                          <m:sub>
-                            <m:r>
-                              <a:rPr lang="en-US" altLang="ja-JP" i="1">
-                                <a:latin typeface="Cambria Math" panose="02040503050406030204" pitchFamily="18" charset="0"/>
-                              </a:rPr>
-                              <m:t>𝑚𝑎𝑥</m:t>
-                            </m:r>
-                          </m:sub>
-                        </m:sSub>
-                      </m:sub>
-                    </m:sSub>
-                  </m:oMath>
-                </a14:m>
-                <a:r>
-                  <a:rPr lang="ja-JP" altLang="ja-JP" dirty="0"/>
-                  <a:t>は他の</a:t>
-                </a:r>
-                <a14:m>
-                  <m:oMath xmlns:m="http://schemas.openxmlformats.org/officeDocument/2006/math">
-                    <m:sSub>
-                      <m:sSubPr>
-                        <m:ctrlPr>
-                          <a:rPr lang="ja-JP" altLang="ja-JP" i="1">
-                            <a:latin typeface="Cambria Math" panose="02040503050406030204" pitchFamily="18" charset="0"/>
-                          </a:rPr>
-                        </m:ctrlPr>
-                      </m:sSubPr>
-                      <m:e>
-                        <m:r>
-                          <a:rPr lang="en-US" altLang="ja-JP" i="1">
-                            <a:latin typeface="Cambria Math" panose="02040503050406030204" pitchFamily="18" charset="0"/>
-                          </a:rPr>
-                          <m:t>𝑊</m:t>
-                        </m:r>
-                      </m:e>
-                      <m:sub>
-                        <m:r>
-                          <a:rPr lang="en-US" altLang="ja-JP" i="1">
-                            <a:latin typeface="Cambria Math" panose="02040503050406030204" pitchFamily="18" charset="0"/>
-                          </a:rPr>
-                          <m:t>𝐿𝐵</m:t>
-                        </m:r>
-                      </m:sub>
-                    </m:sSub>
-                  </m:oMath>
-                </a14:m>
-                <a:r>
-                  <a:rPr lang="ja-JP" altLang="ja-JP" dirty="0" smtClean="0"/>
-                  <a:t>より値</a:t>
-                </a:r>
-                <a:r>
-                  <a:rPr lang="ja-JP" altLang="ja-JP" dirty="0"/>
-                  <a:t>が大きくなり，優先して接続される</a:t>
-                </a:r>
-                <a:r>
-                  <a:rPr lang="ja-JP" altLang="ja-JP" dirty="0" smtClean="0"/>
-                  <a:t>．</a:t>
-                </a:r>
-                <a:endParaRPr lang="en-US" altLang="ja-JP" dirty="0" smtClean="0"/>
-              </a:p>
-            </p:txBody>
-          </p:sp>
-        </mc:Choice>
-        <mc:Fallback xmlns="">
-          <p:sp>
-            <p:nvSpPr>
-              <p:cNvPr id="3" name="コンテンツ プレースホルダー 2"/>
-              <p:cNvSpPr>
-                <a:spLocks noGrp="1" noRot="1" noChangeAspect="1" noMove="1" noResize="1" noEditPoints="1" noAdjustHandles="1" noChangeArrowheads="1" noChangeShapeType="1" noTextEdit="1"/>
-              </p:cNvSpPr>
-              <p:nvPr>
-                <p:ph idx="1"/>
-              </p:nvPr>
-            </p:nvSpPr>
-            <p:spPr>
-              <a:xfrm>
-                <a:off x="628650" y="1825625"/>
-                <a:ext cx="7886700" cy="4648327"/>
-              </a:xfrm>
-              <a:blipFill>
-                <a:blip r:embed="rId2"/>
-                <a:stretch>
-                  <a:fillRect l="-1391" t="-2228"/>
-                </a:stretch>
-              </a:blipFill>
-            </p:spPr>
-            <p:txBody>
-              <a:bodyPr/>
-              <a:lstStyle/>
-              <a:p>
-                <a:r>
-                  <a:rPr lang="ja-JP" altLang="en-US">
-                    <a:noFill/>
-                  </a:rPr>
-                  <a:t> </a:t>
-                </a:r>
-              </a:p>
-            </p:txBody>
-          </p:sp>
-        </mc:Fallback>
-      </mc:AlternateContent>
+          <a:bodyPr/>
+          <a:lstStyle/>
+          <a:p>
+            <a:r>
+              <a:rPr kumimoji="1" lang="ja-JP" altLang="en-US" dirty="0"/>
+              <a:t>提案方式図</a:t>
+            </a:r>
+          </a:p>
+        </p:txBody>
+      </p:sp>
       <p:sp>
         <p:nvSpPr>
           <p:cNvPr id="4" name="スライド番号プレースホルダー 3"/>
@@ -12057,17 +11657,16 @@
           <a:lstStyle/>
           <a:p>
             <a:fld id="{B4451160-128F-4DAD-AE29-4A8CC0E7B9E9}" type="slidenum">
-              <a:rPr lang="ja-JP" altLang="en-US" smtClean="0"/>
-              <a:pPr/>
+              <a:rPr kumimoji="1" lang="ja-JP" altLang="en-US" smtClean="0"/>
               <a:t>9</a:t>
             </a:fld>
-            <a:endParaRPr lang="ja-JP" altLang="en-US" dirty="0"/>
+            <a:endParaRPr kumimoji="1" lang="ja-JP" altLang="en-US"/>
           </a:p>
         </p:txBody>
       </p:sp>
       <p:pic>
         <p:nvPicPr>
-          <p:cNvPr id="6" name="図 5"/>
+          <p:cNvPr id="3" name="図 2"/>
           <p:cNvPicPr>
             <a:picLocks noChangeAspect="1"/>
           </p:cNvPicPr>
@@ -12081,32 +11680,8 @@
         </p:blipFill>
         <p:spPr>
           <a:xfrm>
-            <a:off x="130467" y="5287440"/>
-            <a:ext cx="8384883" cy="971485"/>
-          </a:xfrm>
-          <a:prstGeom prst="rect">
-            <a:avLst/>
-          </a:prstGeom>
-        </p:spPr>
-      </p:pic>
-      <p:pic>
-        <p:nvPicPr>
-          <p:cNvPr id="10" name="図 9"/>
-          <p:cNvPicPr>
-            <a:picLocks noChangeAspect="1"/>
-          </p:cNvPicPr>
-          <p:nvPr/>
-        </p:nvPicPr>
-        <p:blipFill>
-          <a:blip r:embed="rId4"/>
-          <a:stretch>
-            <a:fillRect/>
-          </a:stretch>
-        </p:blipFill>
-        <p:spPr>
-          <a:xfrm>
-            <a:off x="-218187" y="4478336"/>
-            <a:ext cx="9433109" cy="729967"/>
+            <a:off x="603257" y="1103779"/>
+            <a:ext cx="8056111" cy="5474356"/>
           </a:xfrm>
           <a:prstGeom prst="rect">
             <a:avLst/>
@@ -12116,7 +11691,7 @@
     </p:spTree>
     <p:extLst>
       <p:ext uri="{BB962C8B-B14F-4D97-AF65-F5344CB8AC3E}">
-        <p14:creationId xmlns:p14="http://schemas.microsoft.com/office/powerpoint/2010/main" val="1681385196"/>
+        <p14:creationId xmlns:p14="http://schemas.microsoft.com/office/powerpoint/2010/main" val="3726678057"/>
       </p:ext>
     </p:extLst>
   </p:cSld>

--- a/発表用/1821086_卒業研究発表会.pptx
+++ b/発表用/1821086_卒業研究発表会.pptx
@@ -134,6 +134,18 @@
 </p:presentation>
 </file>
 
+<file path=ppt/commentAuthors.xml><?xml version="1.0" encoding="utf-8"?>
+<p:cmAuthorLst xmlns:a="http://schemas.openxmlformats.org/drawingml/2006/main" xmlns:r="http://schemas.openxmlformats.org/officeDocument/2006/relationships" xmlns:p="http://schemas.openxmlformats.org/presentationml/2006/main">
+  <p:cmAuthor id="1" name="松尾 祐介" initials="松尾" lastIdx="1" clrIdx="0">
+    <p:extLst>
+      <p:ext uri="{19B8F6BF-5375-455C-9EA6-DF929625EA0E}">
+        <p15:presenceInfo xmlns:p15="http://schemas.microsoft.com/office/powerpoint/2012/main" userId="01c85b0ad0ceeed5" providerId="Windows Live"/>
+      </p:ext>
+    </p:extLst>
+  </p:cmAuthor>
+</p:cmAuthorLst>
+</file>
+
 <file path=ppt/changesInfos/changesInfo1.xml><?xml version="1.0" encoding="utf-8"?>
 <pc:chgInfo xmlns:a="http://schemas.openxmlformats.org/drawingml/2006/main" xmlns:r="http://schemas.openxmlformats.org/officeDocument/2006/relationships" xmlns:ac="http://schemas.microsoft.com/office/drawing/2013/main/command" xmlns:pc="http://schemas.microsoft.com/office/powerpoint/2013/main/command">
   <pc:docChgLst>
@@ -163,6 +175,20 @@
 </pc:chgInfo>
 </file>
 
+<file path=ppt/comments/comment1.xml><?xml version="1.0" encoding="utf-8"?>
+<p:cmLst xmlns:a="http://schemas.openxmlformats.org/drawingml/2006/main" xmlns:r="http://schemas.openxmlformats.org/officeDocument/2006/relationships" xmlns:p="http://schemas.openxmlformats.org/presentationml/2006/main">
+  <p:cm authorId="1" dt="2022-01-16T09:03:48.914" idx="1">
+    <p:pos x="10" y="10"/>
+    <p:text>図を使って説明した方が分かりやすいからあえて文字スライドを消して、口頭説明をする。</p:text>
+    <p:extLst>
+      <p:ext uri="{C676402C-5697-4E1C-873F-D02D1690AC5C}">
+        <p15:threadingInfo xmlns:p15="http://schemas.microsoft.com/office/powerpoint/2012/main" timeZoneBias="-540"/>
+      </p:ext>
+    </p:extLst>
+  </p:cm>
+</p:cmLst>
+</file>
+
 <file path=ppt/notesMasters/notesMaster1.xml><?xml version="1.0" encoding="utf-8"?>
 <p:notesMaster xmlns:a="http://schemas.openxmlformats.org/drawingml/2006/main" xmlns:r="http://schemas.openxmlformats.org/officeDocument/2006/relationships" xmlns:p="http://schemas.openxmlformats.org/presentationml/2006/main">
   <p:cSld>
@@ -245,7 +271,7 @@
           <a:p>
             <a:fld id="{27571B5F-C8EC-4379-AD76-80FD414F3861}" type="datetimeFigureOut">
               <a:rPr kumimoji="1" lang="ja-JP" altLang="en-US" smtClean="0"/>
-              <a:t>2022/1/15</a:t>
+              <a:t>2022/1/16</a:t>
             </a:fld>
             <a:endParaRPr kumimoji="1" lang="ja-JP" altLang="en-US"/>
           </a:p>
@@ -1981,69 +2007,7 @@
           <a:bodyPr/>
           <a:lstStyle/>
           <a:p>
-            <a:r>
-              <a:rPr lang="ja-JP" altLang="ja-JP" sz="1200" dirty="0" smtClean="0"/>
-              <a:t>提案システムの</a:t>
-            </a:r>
-            <a:r>
-              <a:rPr lang="ja-JP" altLang="en-US" sz="1200" dirty="0" smtClean="0"/>
-              <a:t>プロトタイプでは</a:t>
-            </a:r>
-            <a:r>
-              <a:rPr lang="ja-JP" altLang="ja-JP" sz="1200" dirty="0" smtClean="0"/>
-              <a:t>過去</a:t>
-            </a:r>
-            <a:r>
-              <a:rPr lang="en-US" altLang="ja-JP" sz="1200" dirty="0" smtClean="0"/>
-              <a:t>24</a:t>
-            </a:r>
-            <a:r>
-              <a:rPr lang="ja-JP" altLang="ja-JP" sz="1200" dirty="0" smtClean="0"/>
-              <a:t>時間で評価が最も高いサーバに多く割り振る</a:t>
-            </a:r>
-            <a:r>
-              <a:rPr lang="ja-JP" altLang="en-US" sz="1200" dirty="0" smtClean="0"/>
-              <a:t>ように設計</a:t>
-            </a:r>
-            <a:r>
-              <a:rPr lang="ja-JP" altLang="ja-JP" sz="1200" dirty="0" smtClean="0"/>
-              <a:t>．</a:t>
-            </a:r>
             <a:endParaRPr lang="en-US" altLang="ja-JP" sz="1200" dirty="0" smtClean="0"/>
-          </a:p>
-          <a:p>
-            <a:r>
-              <a:rPr lang="ja-JP" altLang="ja-JP" sz="1200" dirty="0" smtClean="0"/>
-              <a:t>現在の速度が</a:t>
-            </a:r>
-            <a:r>
-              <a:rPr lang="en-US" altLang="ja-JP" sz="1200" dirty="0" smtClean="0"/>
-              <a:t>10</a:t>
-            </a:r>
-            <a:r>
-              <a:rPr lang="ja-JP" altLang="ja-JP" sz="1200" dirty="0" smtClean="0"/>
-              <a:t>秒以上掛かる場合，計測した時点で何かしらのトラブルが生じている可能性が高い</a:t>
-            </a:r>
-            <a:r>
-              <a:rPr lang="ja-JP" altLang="en-US" sz="1200" dirty="0" smtClean="0"/>
-              <a:t>為該当サーバへの</a:t>
-            </a:r>
-            <a:r>
-              <a:rPr lang="ja-JP" altLang="ja-JP" sz="1200" dirty="0" smtClean="0"/>
-              <a:t>割り振り</a:t>
-            </a:r>
-            <a:r>
-              <a:rPr lang="ja-JP" altLang="en-US" sz="1200" dirty="0" smtClean="0"/>
-              <a:t>を行わないように作成した</a:t>
-            </a:r>
-            <a:r>
-              <a:rPr lang="ja-JP" altLang="ja-JP" sz="1200" dirty="0" smtClean="0"/>
-              <a:t>．</a:t>
-            </a:r>
-            <a:endParaRPr lang="en-US" altLang="ja-JP" sz="1200" dirty="0" smtClean="0"/>
-          </a:p>
-          <a:p>
-            <a:endParaRPr kumimoji="1" lang="ja-JP" altLang="en-US" dirty="0"/>
           </a:p>
         </p:txBody>
       </p:sp>
@@ -2229,6 +2193,64 @@
               <a:defRPr/>
             </a:pPr>
             <a:r>
+              <a:rPr lang="ja-JP" altLang="en-US" dirty="0" smtClean="0">
+                <a:effectLst/>
+              </a:rPr>
+              <a:t>実験結果です。ラウンドロビンの応答速度は、</a:t>
+            </a:r>
+            <a:r>
+              <a:rPr lang="en-US" altLang="ja-JP" dirty="0" smtClean="0">
+                <a:effectLst/>
+              </a:rPr>
+              <a:t>0.4</a:t>
+            </a:r>
+            <a:r>
+              <a:rPr lang="ja-JP" altLang="en-US" dirty="0" smtClean="0">
+                <a:effectLst/>
+              </a:rPr>
+              <a:t>秒なのに対して、プロトタイプは</a:t>
+            </a:r>
+            <a:r>
+              <a:rPr lang="en-US" altLang="ja-JP" dirty="0" smtClean="0">
+                <a:effectLst/>
+              </a:rPr>
+              <a:t>0.15</a:t>
+            </a:r>
+            <a:r>
+              <a:rPr lang="ja-JP" altLang="en-US" dirty="0" smtClean="0">
+                <a:effectLst/>
+              </a:rPr>
+              <a:t>秒でした。</a:t>
+            </a:r>
+            <a:r>
+              <a:rPr lang="en-US" altLang="ja-JP" dirty="0" smtClean="0">
+                <a:effectLst/>
+              </a:rPr>
+              <a:t/>
+            </a:r>
+            <a:br>
+              <a:rPr lang="en-US" altLang="ja-JP" dirty="0" smtClean="0">
+                <a:effectLst/>
+              </a:rPr>
+            </a:br>
+            <a:r>
+              <a:rPr lang="ja-JP" altLang="en-US" dirty="0" smtClean="0">
+                <a:effectLst/>
+              </a:rPr>
+              <a:t>これは、応答速度が遅いサーバにつなぐ頻度を減らすことが出来たからです。</a:t>
+            </a:r>
+            <a:r>
+              <a:rPr lang="en-US" altLang="ja-JP" dirty="0" smtClean="0">
+                <a:effectLst/>
+              </a:rPr>
+              <a:t/>
+            </a:r>
+            <a:br>
+              <a:rPr lang="en-US" altLang="ja-JP" dirty="0" smtClean="0">
+                <a:effectLst/>
+              </a:rPr>
+            </a:br>
+            <a:r>
               <a:rPr kumimoji="1" lang="ja-JP" altLang="ja-JP" sz="1200" kern="1200" dirty="0" smtClean="0">
                 <a:solidFill>
                   <a:schemeClr val="tx1"/>
@@ -2238,159 +2260,7 @@
                 <a:ea typeface="+mn-ea"/>
                 <a:cs typeface="+mn-cs"/>
               </a:rPr>
-              <a:t>実験結果では，異種環境において一般的な割り振り方式であるラウンドロビンよりも本提案システムを利用する方が応答速度に関して速いことが確認できた．</a:t>
-            </a:r>
-            <a:endParaRPr kumimoji="1" lang="en-US" altLang="ja-JP" sz="1200" kern="1200" dirty="0" smtClean="0">
-              <a:solidFill>
-                <a:schemeClr val="tx1"/>
-              </a:solidFill>
-              <a:effectLst/>
-              <a:latin typeface="+mn-lt"/>
-              <a:ea typeface="+mn-ea"/>
-              <a:cs typeface="+mn-cs"/>
-            </a:endParaRPr>
-          </a:p>
-          <a:p>
-            <a:pPr marL="0" marR="0" lvl="0" indent="0" algn="l" defTabSz="914400" rtl="0" eaLnBrk="1" fontAlgn="auto" latinLnBrk="0" hangingPunct="1">
-              <a:lnSpc>
-                <a:spcPct val="100000"/>
-              </a:lnSpc>
-              <a:spcBef>
-                <a:spcPts val="0"/>
-              </a:spcBef>
-              <a:spcAft>
-                <a:spcPts val="0"/>
-              </a:spcAft>
-              <a:buClrTx/>
-              <a:buSzTx/>
-              <a:buFontTx/>
-              <a:buNone/>
-              <a:tabLst/>
-              <a:defRPr/>
-            </a:pPr>
-            <a:r>
-              <a:rPr kumimoji="1" lang="ja-JP" altLang="ja-JP" sz="1200" kern="1200" dirty="0" smtClean="0">
-                <a:solidFill>
-                  <a:schemeClr val="tx1"/>
-                </a:solidFill>
-                <a:effectLst/>
-                <a:latin typeface="+mn-lt"/>
-                <a:ea typeface="+mn-ea"/>
-                <a:cs typeface="+mn-cs"/>
-              </a:rPr>
-              <a:t>このことから，</a:t>
-            </a:r>
-            <a:r>
-              <a:rPr kumimoji="1" lang="ja-JP" altLang="en-US" sz="1200" kern="1200" dirty="0" smtClean="0">
-                <a:solidFill>
-                  <a:schemeClr val="tx1"/>
-                </a:solidFill>
-                <a:effectLst/>
-                <a:latin typeface="+mn-lt"/>
-                <a:ea typeface="+mn-ea"/>
-                <a:cs typeface="+mn-cs"/>
-              </a:rPr>
-              <a:t>ラズベリーパイという安価な環境でも、</a:t>
-            </a:r>
-            <a:r>
-              <a:rPr kumimoji="1" lang="ja-JP" altLang="ja-JP" sz="1200" kern="1200" dirty="0" smtClean="0">
-                <a:solidFill>
-                  <a:schemeClr val="tx1"/>
-                </a:solidFill>
-                <a:effectLst/>
-                <a:latin typeface="+mn-lt"/>
-                <a:ea typeface="+mn-ea"/>
-                <a:cs typeface="+mn-cs"/>
-              </a:rPr>
-              <a:t>実験目的である「</a:t>
-            </a:r>
-            <a:r>
-              <a:rPr kumimoji="1" lang="en-US" altLang="ja-JP" sz="1200" kern="1200" dirty="0" smtClean="0">
-                <a:solidFill>
-                  <a:schemeClr val="tx1"/>
-                </a:solidFill>
-                <a:effectLst/>
-                <a:latin typeface="+mn-lt"/>
-                <a:ea typeface="+mn-ea"/>
-                <a:cs typeface="+mn-cs"/>
-              </a:rPr>
-              <a:t>Web</a:t>
-            </a:r>
-            <a:r>
-              <a:rPr kumimoji="1" lang="ja-JP" altLang="ja-JP" sz="1200" kern="1200" dirty="0" smtClean="0">
-                <a:solidFill>
-                  <a:schemeClr val="tx1"/>
-                </a:solidFill>
-                <a:effectLst/>
-                <a:latin typeface="+mn-lt"/>
-                <a:ea typeface="+mn-ea"/>
-                <a:cs typeface="+mn-cs"/>
-              </a:rPr>
-              <a:t>サーバの応答速度を考慮したロードバランサの実現」と「ロードバランサと</a:t>
-            </a:r>
-            <a:r>
-              <a:rPr kumimoji="1" lang="en-US" altLang="ja-JP" sz="1200" kern="1200" dirty="0" smtClean="0">
-                <a:solidFill>
-                  <a:schemeClr val="tx1"/>
-                </a:solidFill>
-                <a:effectLst/>
-                <a:latin typeface="+mn-lt"/>
-                <a:ea typeface="+mn-ea"/>
-                <a:cs typeface="+mn-cs"/>
-              </a:rPr>
-              <a:t>Web</a:t>
-            </a:r>
-            <a:r>
-              <a:rPr kumimoji="1" lang="ja-JP" altLang="ja-JP" sz="1200" kern="1200" dirty="0" smtClean="0">
-                <a:solidFill>
-                  <a:schemeClr val="tx1"/>
-                </a:solidFill>
-                <a:effectLst/>
-                <a:latin typeface="+mn-lt"/>
-                <a:ea typeface="+mn-ea"/>
-                <a:cs typeface="+mn-cs"/>
-              </a:rPr>
-              <a:t>サーバのボトルネック削減」を実現できており，</a:t>
-            </a:r>
-            <a:endParaRPr kumimoji="1" lang="en-US" altLang="ja-JP" sz="1200" kern="1200" dirty="0" smtClean="0">
-              <a:solidFill>
-                <a:schemeClr val="tx1"/>
-              </a:solidFill>
-              <a:effectLst/>
-              <a:latin typeface="+mn-lt"/>
-              <a:ea typeface="+mn-ea"/>
-              <a:cs typeface="+mn-cs"/>
-            </a:endParaRPr>
-          </a:p>
-          <a:p>
-            <a:pPr marL="0" marR="0" lvl="0" indent="0" algn="l" defTabSz="914400" rtl="0" eaLnBrk="1" fontAlgn="auto" latinLnBrk="0" hangingPunct="1">
-              <a:lnSpc>
-                <a:spcPct val="100000"/>
-              </a:lnSpc>
-              <a:spcBef>
-                <a:spcPts val="0"/>
-              </a:spcBef>
-              <a:spcAft>
-                <a:spcPts val="0"/>
-              </a:spcAft>
-              <a:buClrTx/>
-              <a:buSzTx/>
-              <a:buFontTx/>
-              <a:buNone/>
-              <a:tabLst/>
-              <a:defRPr/>
-            </a:pPr>
-            <a:r>
-              <a:rPr kumimoji="1" lang="ja-JP" altLang="ja-JP" sz="1200" kern="1200" dirty="0" smtClean="0">
-                <a:solidFill>
-                  <a:schemeClr val="tx1"/>
-                </a:solidFill>
-                <a:effectLst/>
-                <a:latin typeface="+mn-lt"/>
-                <a:ea typeface="+mn-ea"/>
-                <a:cs typeface="+mn-cs"/>
-              </a:rPr>
-              <a:t>本システムの有用性を証明できたと考える．</a:t>
+              <a:t>実験結果より，異種環境において，提案システムを利用すると応答速度が向上することが確認できた．</a:t>
             </a:r>
             <a:endParaRPr lang="ja-JP" altLang="ja-JP" dirty="0" smtClean="0">
               <a:effectLst/>
@@ -2804,7 +2674,7 @@
           <a:p>
             <a:fld id="{ED609840-96BF-4512-A2C1-C87E0BBF3D2F}" type="datetime1">
               <a:rPr kumimoji="1" lang="ja-JP" altLang="en-US" smtClean="0"/>
-              <a:t>2022/1/15</a:t>
+              <a:t>2022/1/16</a:t>
             </a:fld>
             <a:endParaRPr kumimoji="1" lang="ja-JP" altLang="en-US"/>
           </a:p>
@@ -3007,7 +2877,7 @@
           <a:p>
             <a:fld id="{F97B6116-28DE-44C1-8891-65688903BD50}" type="datetime1">
               <a:rPr kumimoji="1" lang="ja-JP" altLang="en-US" smtClean="0"/>
-              <a:t>2022/1/15</a:t>
+              <a:t>2022/1/16</a:t>
             </a:fld>
             <a:endParaRPr kumimoji="1" lang="ja-JP" altLang="en-US"/>
           </a:p>
@@ -3220,7 +3090,7 @@
           <a:p>
             <a:fld id="{EDE04BF4-1FC0-40EE-A15F-5986BB2387E9}" type="datetime1">
               <a:rPr kumimoji="1" lang="ja-JP" altLang="en-US" smtClean="0"/>
-              <a:t>2022/1/15</a:t>
+              <a:t>2022/1/16</a:t>
             </a:fld>
             <a:endParaRPr kumimoji="1" lang="ja-JP" altLang="en-US"/>
           </a:p>
@@ -3423,7 +3293,7 @@
           <a:p>
             <a:fld id="{AFE4124D-C094-469A-99BC-7EA66CDB293F}" type="datetime1">
               <a:rPr kumimoji="1" lang="ja-JP" altLang="en-US" smtClean="0"/>
-              <a:t>2022/1/15</a:t>
+              <a:t>2022/1/16</a:t>
             </a:fld>
             <a:endParaRPr kumimoji="1" lang="ja-JP" altLang="en-US"/>
           </a:p>
@@ -3672,7 +3542,7 @@
           <a:p>
             <a:fld id="{F808FAA8-DC38-46BC-9A48-0414366DDF43}" type="datetime1">
               <a:rPr kumimoji="1" lang="ja-JP" altLang="en-US" smtClean="0"/>
-              <a:t>2022/1/15</a:t>
+              <a:t>2022/1/16</a:t>
             </a:fld>
             <a:endParaRPr kumimoji="1" lang="ja-JP" altLang="en-US"/>
           </a:p>
@@ -3969,7 +3839,7 @@
           <a:p>
             <a:fld id="{43B61DD3-8484-4FD8-9D55-71FA047E405C}" type="datetime1">
               <a:rPr kumimoji="1" lang="ja-JP" altLang="en-US" smtClean="0"/>
-              <a:t>2022/1/15</a:t>
+              <a:t>2022/1/16</a:t>
             </a:fld>
             <a:endParaRPr kumimoji="1" lang="ja-JP" altLang="en-US"/>
           </a:p>
@@ -4401,7 +4271,7 @@
           <a:p>
             <a:fld id="{61FE3252-B303-4BFD-B995-E88780D087A2}" type="datetime1">
               <a:rPr kumimoji="1" lang="ja-JP" altLang="en-US" smtClean="0"/>
-              <a:t>2022/1/15</a:t>
+              <a:t>2022/1/16</a:t>
             </a:fld>
             <a:endParaRPr kumimoji="1" lang="ja-JP" altLang="en-US"/>
           </a:p>
@@ -4520,7 +4390,7 @@
           <a:p>
             <a:fld id="{83973884-A525-473B-9B85-E710649C3EE9}" type="datetime1">
               <a:rPr kumimoji="1" lang="ja-JP" altLang="en-US" smtClean="0"/>
-              <a:t>2022/1/15</a:t>
+              <a:t>2022/1/16</a:t>
             </a:fld>
             <a:endParaRPr kumimoji="1" lang="ja-JP" altLang="en-US"/>
           </a:p>
@@ -4616,7 +4486,7 @@
           <a:p>
             <a:fld id="{630B9591-4670-4AF8-B7B7-F5F2443A761A}" type="datetime1">
               <a:rPr kumimoji="1" lang="ja-JP" altLang="en-US" smtClean="0"/>
-              <a:t>2022/1/15</a:t>
+              <a:t>2022/1/16</a:t>
             </a:fld>
             <a:endParaRPr kumimoji="1" lang="ja-JP" altLang="en-US"/>
           </a:p>
@@ -4926,7 +4796,7 @@
           <a:p>
             <a:fld id="{434F6BA0-5DA2-4153-9B76-E2457FA21F47}" type="datetime1">
               <a:rPr kumimoji="1" lang="ja-JP" altLang="en-US" smtClean="0"/>
-              <a:t>2022/1/15</a:t>
+              <a:t>2022/1/16</a:t>
             </a:fld>
             <a:endParaRPr kumimoji="1" lang="ja-JP" altLang="en-US"/>
           </a:p>
@@ -5184,7 +5054,7 @@
           <a:p>
             <a:fld id="{590B58CC-0A81-4826-A84E-1F1030B25368}" type="datetime1">
               <a:rPr kumimoji="1" lang="ja-JP" altLang="en-US" smtClean="0"/>
-              <a:t>2022/1/15</a:t>
+              <a:t>2022/1/16</a:t>
             </a:fld>
             <a:endParaRPr kumimoji="1" lang="ja-JP" altLang="en-US"/>
           </a:p>
@@ -5430,7 +5300,7 @@
           <a:p>
             <a:fld id="{77253A0B-EAD4-46D7-BD2F-C5BFFB89C890}" type="datetime1">
               <a:rPr kumimoji="1" lang="ja-JP" altLang="en-US" smtClean="0"/>
-              <a:t>2022/1/15</a:t>
+              <a:t>2022/1/16</a:t>
             </a:fld>
             <a:endParaRPr kumimoji="1" lang="ja-JP" altLang="en-US"/>
           </a:p>
@@ -9263,7 +9133,11 @@
           <a:p>
             <a:r>
               <a:rPr kumimoji="1" lang="ja-JP" altLang="en-US" dirty="0" smtClean="0"/>
-              <a:t>今後の展望</a:t>
+              <a:t>まとめ・今後</a:t>
+            </a:r>
+            <a:r>
+              <a:rPr kumimoji="1" lang="ja-JP" altLang="en-US" dirty="0" smtClean="0"/>
+              <a:t>の展望</a:t>
             </a:r>
             <a:endParaRPr kumimoji="1" lang="ja-JP" altLang="en-US" dirty="0"/>
           </a:p>
@@ -9279,7 +9153,12 @@
             <p:ph idx="1"/>
           </p:nvPr>
         </p:nvSpPr>
-        <p:spPr/>
+        <p:spPr>
+          <a:xfrm>
+            <a:off x="628650" y="1563624"/>
+            <a:ext cx="7886700" cy="4613339"/>
+          </a:xfrm>
+        </p:spPr>
         <p:txBody>
           <a:bodyPr>
             <a:normAutofit lnSpcReduction="10000"/>
@@ -9287,16 +9166,31 @@
           <a:lstStyle/>
           <a:p>
             <a:r>
+              <a:rPr lang="ja-JP" altLang="en-US" dirty="0" smtClean="0"/>
+              <a:t>実験結果より提案システムの実現可能性が確認できた．</a:t>
+            </a:r>
+            <a:endParaRPr lang="en-US" altLang="ja-JP" dirty="0" smtClean="0"/>
+          </a:p>
+          <a:p>
+            <a:r>
+              <a:rPr lang="ja-JP" altLang="ja-JP" dirty="0" smtClean="0"/>
+              <a:t>本提案</a:t>
+            </a:r>
+            <a:r>
               <a:rPr lang="ja-JP" altLang="ja-JP" dirty="0"/>
-              <a:t>本提案システム</a:t>
+              <a:t>システム</a:t>
             </a:r>
             <a:r>
               <a:rPr lang="ja-JP" altLang="ja-JP" dirty="0" smtClean="0"/>
               <a:t>は</a:t>
             </a:r>
             <a:r>
-              <a:rPr lang="en-US" altLang="ja-JP" dirty="0" err="1"/>
-              <a:t>nginx</a:t>
+              <a:rPr lang="en-US" altLang="ja-JP" dirty="0"/>
+              <a:t>N</a:t>
+            </a:r>
+            <a:r>
+              <a:rPr lang="en-US" altLang="ja-JP" dirty="0" smtClean="0"/>
+              <a:t>ginx</a:t>
             </a:r>
             <a:r>
               <a:rPr lang="ja-JP" altLang="en-US" dirty="0"/>
@@ -9323,16 +9217,17 @@
             </a:r>
             <a:r>
               <a:rPr lang="ja-JP" altLang="ja-JP" dirty="0"/>
-              <a:t>こうした設定を自動で適応処理することが出来れば，個人でも気軽に安価な負荷分散が出来ると考える．提案システムの更なる改善と構築が望まれる． </a:t>
-            </a:r>
-          </a:p>
-          <a:p>
-            <a:r>
-              <a:rPr lang="ja-JP" altLang="ja-JP" dirty="0"/>
-              <a:t>電気やガス水道などと同じく</a:t>
-            </a:r>
-            <a:r>
-              <a:rPr lang="en-US" altLang="ja-JP" dirty="0"/>
+              <a:t>こうした設定を自動で適応処理することが出来れば，個人でも気軽に安価な負荷分散が出来ると考える</a:t>
+            </a:r>
+            <a:r>
+              <a:rPr lang="ja-JP" altLang="ja-JP" dirty="0" smtClean="0"/>
+              <a:t>．</a:t>
+            </a:r>
+            <a:endParaRPr lang="ja-JP" altLang="ja-JP" dirty="0"/>
+          </a:p>
+          <a:p>
+            <a:r>
+              <a:rPr lang="en-US" altLang="ja-JP" dirty="0" smtClean="0"/>
               <a:t>Web</a:t>
             </a:r>
             <a:r>
@@ -9341,22 +9236,30 @@
             </a:r>
             <a:r>
               <a:rPr lang="ja-JP" altLang="ja-JP" dirty="0" smtClean="0"/>
-              <a:t>本システム</a:t>
-            </a:r>
-            <a:r>
-              <a:rPr lang="ja-JP" altLang="en-US" dirty="0"/>
+              <a:t>本</a:t>
+            </a:r>
+            <a:r>
+              <a:rPr lang="ja-JP" altLang="en-US" dirty="0" smtClean="0"/>
+              <a:t>提案</a:t>
+            </a:r>
+            <a:r>
+              <a:rPr lang="ja-JP" altLang="ja-JP" dirty="0" smtClean="0"/>
+              <a:t>システム</a:t>
+            </a:r>
+            <a:r>
+              <a:rPr lang="ja-JP" altLang="en-US" dirty="0" smtClean="0"/>
               <a:t>が</a:t>
             </a:r>
             <a:r>
               <a:rPr lang="ja-JP" altLang="ja-JP" dirty="0" smtClean="0"/>
-              <a:t>安価</a:t>
-            </a:r>
-            <a:r>
-              <a:rPr lang="ja-JP" altLang="ja-JP" dirty="0"/>
-              <a:t>な導入コストで，負荷に強く表示速度が速い</a:t>
-            </a:r>
-            <a:r>
-              <a:rPr lang="en-US" altLang="ja-JP" dirty="0"/>
+              <a:t>，</a:t>
+            </a:r>
+            <a:r>
+              <a:rPr lang="ja-JP" altLang="en-US" dirty="0" smtClean="0"/>
+              <a:t>安価で，負荷に強く，応答速度が速い</a:t>
+            </a:r>
+            <a:r>
+              <a:rPr lang="en-US" altLang="ja-JP" dirty="0" smtClean="0"/>
               <a:t>Web</a:t>
             </a:r>
             <a:r>
@@ -10309,7 +10212,6 @@
               <a:rPr lang="ja-JP" altLang="ja-JP" sz="3600" dirty="0"/>
               <a:t>や中小企業を中心に見受けられる．</a:t>
             </a:r>
-            <a:endParaRPr lang="ja-JP" altLang="ja-JP" sz="3600" dirty="0"/>
           </a:p>
           <a:p>
             <a:endParaRPr lang="en-US" altLang="ja-JP" sz="4000" dirty="0" smtClean="0"/>
@@ -10577,13 +10479,7 @@
               <a:rPr lang="en-US" altLang="ja-JP" sz="2400" dirty="0" smtClean="0">
                 <a:latin typeface="ＭＳ Ｐゴシック" panose="020B0600070205080204" pitchFamily="50" charset="-128"/>
               </a:rPr>
-              <a:t>p.25-29(2008-3-6</a:t>
-            </a:r>
-            <a:r>
-              <a:rPr lang="en-US" altLang="ja-JP" sz="2400" dirty="0" smtClean="0">
-                <a:latin typeface="ＭＳ Ｐゴシック" panose="020B0600070205080204" pitchFamily="50" charset="-128"/>
-              </a:rPr>
-              <a:t>)</a:t>
+              <a:t>p.25-29(2008-3-6)</a:t>
             </a:r>
           </a:p>
           <a:p>
@@ -11124,7 +11020,11 @@
             </a:r>
             <a:r>
               <a:rPr lang="ja-JP" altLang="en-US" sz="3200" dirty="0" smtClean="0"/>
-              <a:t>しやすさ、コストの安さから異種</a:t>
+              <a:t>しやすさ，コスト</a:t>
+            </a:r>
+            <a:r>
+              <a:rPr lang="ja-JP" altLang="en-US" sz="3200" dirty="0" smtClean="0"/>
+              <a:t>の安さから異種</a:t>
             </a:r>
             <a:r>
               <a:rPr lang="ja-JP" altLang="en-US" sz="3200" dirty="0"/>
@@ -11148,11 +11048,7 @@
             </a:r>
             <a:r>
               <a:rPr lang="ja-JP" altLang="en-US" sz="3200" dirty="0" smtClean="0"/>
-              <a:t>されている</a:t>
-            </a:r>
-            <a:r>
-              <a:rPr lang="ja-JP" altLang="en-US" sz="3200" dirty="0" smtClean="0"/>
-              <a:t>．</a:t>
+              <a:t>されている．</a:t>
             </a:r>
             <a:endParaRPr lang="en-US" altLang="ja-JP" sz="3200" dirty="0" smtClean="0"/>
           </a:p>
@@ -11283,21 +11179,25 @@
             </a:r>
             <a:r>
               <a:rPr lang="ja-JP" altLang="ja-JP" sz="3200" dirty="0"/>
-              <a:t>の導入コストを抑えるために，安価で現行システムに導入でき，</a:t>
-            </a:r>
-            <a:r>
-              <a:rPr lang="en-US" altLang="ja-JP" sz="3200" dirty="0"/>
+              <a:t>の導入コストを抑えるために，</a:t>
+            </a:r>
+            <a:r>
+              <a:rPr lang="ja-JP" altLang="ja-JP" sz="3200" u="sng" dirty="0"/>
+              <a:t>安価で現行システムに導入でき，</a:t>
+            </a:r>
+            <a:r>
+              <a:rPr lang="en-US" altLang="ja-JP" sz="3200" u="sng" dirty="0"/>
               <a:t>Web</a:t>
             </a:r>
             <a:r>
-              <a:rPr lang="ja-JP" altLang="ja-JP" sz="3200" dirty="0"/>
+              <a:rPr lang="ja-JP" altLang="ja-JP" sz="3200" u="sng" dirty="0"/>
               <a:t>の負荷分散に詳しくないユーザでも導入できる実装方法が求められる</a:t>
             </a:r>
             <a:r>
-              <a:rPr lang="ja-JP" altLang="ja-JP" sz="3200" dirty="0" smtClean="0"/>
+              <a:rPr lang="ja-JP" altLang="ja-JP" sz="3200" u="sng" dirty="0" smtClean="0"/>
               <a:t>．</a:t>
             </a:r>
-            <a:endParaRPr lang="en-US" altLang="ja-JP" sz="3200" dirty="0" smtClean="0"/>
+            <a:endParaRPr lang="en-US" altLang="ja-JP" sz="3200" u="sng" dirty="0" smtClean="0"/>
           </a:p>
           <a:p>
             <a:pPr algn="just">
@@ -11430,8 +11330,8 @@
         </p:nvSpPr>
         <p:spPr>
           <a:xfrm>
-            <a:off x="500634" y="1600678"/>
-            <a:ext cx="8442198" cy="4845684"/>
+            <a:off x="384048" y="1600678"/>
+            <a:ext cx="8558784" cy="4845684"/>
           </a:xfrm>
         </p:spPr>
         <p:txBody>
@@ -11441,116 +11341,74 @@
           <a:lstStyle/>
           <a:p>
             <a:r>
-              <a:rPr lang="ja-JP" altLang="en-US" sz="3000" dirty="0" smtClean="0"/>
-              <a:t>応答速度によってサーバの割り振り先を</a:t>
-            </a:r>
-            <a:r>
-              <a:rPr lang="ja-JP" altLang="en-US" sz="3000" dirty="0" smtClean="0"/>
-              <a:t>決める</a:t>
-            </a:r>
-            <a:r>
-              <a:rPr lang="en-US" altLang="ja-JP" sz="3000" dirty="0"/>
+              <a:rPr lang="ja-JP" altLang="en-US" sz="3200" dirty="0"/>
+              <a:t>応答速度によってサーバの割り振り先を決めるアルゴリズムの提案．</a:t>
+            </a:r>
+            <a:endParaRPr lang="en-US" altLang="ja-JP" sz="3200" dirty="0"/>
+          </a:p>
+          <a:p>
+            <a:r>
+              <a:rPr lang="ja-JP" altLang="en-US" sz="3200" dirty="0"/>
+              <a:t>サーバを監視し評価するシステムの設計と開発．</a:t>
+            </a:r>
+            <a:endParaRPr lang="en-US" altLang="ja-JP" sz="3200" dirty="0"/>
+          </a:p>
+          <a:p>
+            <a:r>
+              <a:rPr lang="ja-JP" altLang="en-US" sz="3200" dirty="0"/>
+              <a:t>異種環境を想定した，応答速度に基づく動的割り振りを行うロードバランサの設計と開発．</a:t>
+            </a:r>
+            <a:r>
+              <a:rPr lang="en-US" altLang="ja-JP" sz="3200" dirty="0"/>
               <a:t/>
             </a:r>
             <a:br>
-              <a:rPr lang="en-US" altLang="ja-JP" sz="3000" dirty="0"/>
+              <a:rPr lang="en-US" altLang="ja-JP" sz="3200" dirty="0"/>
             </a:br>
             <a:r>
-              <a:rPr lang="ja-JP" altLang="en-US" sz="3000" dirty="0" smtClean="0"/>
-              <a:t>アルゴリズム</a:t>
-            </a:r>
-            <a:r>
-              <a:rPr lang="ja-JP" altLang="en-US" sz="3000" dirty="0" smtClean="0"/>
-              <a:t>の提案．</a:t>
-            </a:r>
-            <a:endParaRPr lang="en-US" altLang="ja-JP" sz="3000" dirty="0" smtClean="0"/>
-          </a:p>
-          <a:p>
-            <a:r>
-              <a:rPr lang="ja-JP" altLang="en-US" sz="3000" dirty="0" smtClean="0"/>
-              <a:t>サーバを監視し評価するシステムの設計と開発．</a:t>
-            </a:r>
-            <a:endParaRPr lang="en-US" altLang="ja-JP" sz="3000" dirty="0" smtClean="0"/>
-          </a:p>
-          <a:p>
-            <a:r>
-              <a:rPr lang="ja-JP" altLang="en-US" sz="3000" dirty="0" smtClean="0"/>
-              <a:t>応答速度を考慮したロードバランサの設計と開発．</a:t>
-            </a:r>
-            <a:r>
-              <a:rPr lang="en-US" altLang="ja-JP" sz="3000" dirty="0" smtClean="0"/>
-              <a:t/>
-            </a:r>
-            <a:br>
-              <a:rPr lang="en-US" altLang="ja-JP" sz="3000" dirty="0" smtClean="0"/>
-            </a:br>
-            <a:r>
-              <a:rPr lang="ja-JP" altLang="en-US" sz="3000" dirty="0" smtClean="0"/>
+              <a:rPr lang="ja-JP" altLang="en-US" sz="3200" dirty="0"/>
               <a:t>→</a:t>
             </a:r>
             <a:r>
-              <a:rPr lang="ja-JP" altLang="ja-JP" sz="3000" dirty="0" smtClean="0"/>
+              <a:rPr lang="ja-JP" altLang="ja-JP" sz="3200" dirty="0"/>
               <a:t>安価で導入</a:t>
             </a:r>
             <a:r>
-              <a:rPr lang="ja-JP" altLang="en-US" sz="3000" dirty="0" smtClean="0"/>
+              <a:rPr lang="ja-JP" altLang="en-US" sz="3200" dirty="0"/>
               <a:t>しやすい</a:t>
             </a:r>
             <a:r>
-              <a:rPr lang="ja-JP" altLang="ja-JP" sz="3000" dirty="0" smtClean="0"/>
+              <a:rPr lang="ja-JP" altLang="ja-JP" sz="3200" dirty="0" smtClean="0"/>
               <a:t>システ</a:t>
             </a:r>
             <a:r>
-              <a:rPr lang="ja-JP" altLang="en-US" sz="3000" dirty="0" smtClean="0"/>
-              <a:t>ムを作ることで</a:t>
-            </a:r>
-            <a:r>
-              <a:rPr lang="ja-JP" altLang="ja-JP" sz="3000" dirty="0" smtClean="0"/>
-              <a:t>課題の解決</a:t>
-            </a:r>
-            <a:r>
-              <a:rPr lang="ja-JP" altLang="en-US" sz="3000" dirty="0" smtClean="0"/>
-              <a:t>にアプローチする．</a:t>
-            </a:r>
-            <a:endParaRPr lang="en-US" altLang="ja-JP" sz="3000" dirty="0" smtClean="0"/>
-          </a:p>
-          <a:p>
-            <a:r>
-              <a:rPr lang="ja-JP" altLang="ja-JP" sz="3000" dirty="0"/>
-              <a:t>ロードバランサと</a:t>
-            </a:r>
-            <a:r>
-              <a:rPr lang="en-US" altLang="ja-JP" sz="3000" dirty="0"/>
-              <a:t>Web</a:t>
-            </a:r>
-            <a:r>
-              <a:rPr lang="ja-JP" altLang="ja-JP" sz="3000" dirty="0"/>
-              <a:t>サーバのボトルネック</a:t>
-            </a:r>
-            <a:r>
-              <a:rPr lang="ja-JP" altLang="ja-JP" sz="3000" dirty="0" smtClean="0"/>
-              <a:t>削減</a:t>
-            </a:r>
-            <a:r>
-              <a:rPr lang="ja-JP" altLang="en-US" sz="3000" dirty="0"/>
-              <a:t>．</a:t>
-            </a:r>
-            <a:endParaRPr lang="en-US" altLang="ja-JP" sz="3000" dirty="0" smtClean="0"/>
-          </a:p>
-          <a:p>
-            <a:r>
-              <a:rPr lang="ja-JP" altLang="en-US" sz="3000" dirty="0" smtClean="0"/>
-              <a:t>実験</a:t>
-            </a:r>
-            <a:r>
-              <a:rPr lang="ja-JP" altLang="en-US" sz="3000" dirty="0"/>
-              <a:t>による実現可能性の</a:t>
-            </a:r>
-            <a:r>
-              <a:rPr lang="ja-JP" altLang="en-US" sz="3000" dirty="0"/>
-              <a:t>評価．</a:t>
-            </a:r>
-            <a:endParaRPr lang="ja-JP" altLang="en-US" sz="3000" dirty="0"/>
+              <a:rPr lang="ja-JP" altLang="en-US" sz="3200" dirty="0" smtClean="0"/>
+              <a:t>ムで</a:t>
+            </a:r>
+            <a:r>
+              <a:rPr lang="ja-JP" altLang="ja-JP" sz="3200" dirty="0" smtClean="0"/>
+              <a:t>課題</a:t>
+            </a:r>
+            <a:r>
+              <a:rPr lang="ja-JP" altLang="ja-JP" sz="3200" dirty="0"/>
+              <a:t>の</a:t>
+            </a:r>
+            <a:r>
+              <a:rPr lang="ja-JP" altLang="ja-JP" sz="3200" dirty="0" smtClean="0"/>
+              <a:t>解決</a:t>
+            </a:r>
+            <a:r>
+              <a:rPr lang="ja-JP" altLang="en-US" sz="3200" dirty="0" smtClean="0"/>
+              <a:t>を目指す．</a:t>
+            </a:r>
+            <a:endParaRPr lang="ja-JP" altLang="en-US" sz="3200" dirty="0"/>
+          </a:p>
+          <a:p>
+            <a:r>
+              <a:rPr lang="ja-JP" altLang="en-US" sz="3200" dirty="0"/>
+              <a:t>実験による実現可能性の評価</a:t>
+            </a:r>
+            <a:endParaRPr lang="ja-JP" altLang="en-US" sz="3200" dirty="0"/>
           </a:p>
         </p:txBody>
       </p:sp>
@@ -11636,8 +11494,13 @@
           <a:p>
             <a:r>
               <a:rPr kumimoji="1" lang="ja-JP" altLang="en-US" dirty="0"/>
-              <a:t>提案方式図</a:t>
-            </a:r>
+              <a:t>提案</a:t>
+            </a:r>
+            <a:r>
+              <a:rPr kumimoji="1" lang="ja-JP" altLang="en-US" dirty="0" smtClean="0"/>
+              <a:t>方式</a:t>
+            </a:r>
+            <a:endParaRPr kumimoji="1" lang="ja-JP" altLang="en-US" dirty="0"/>
           </a:p>
         </p:txBody>
       </p:sp>

--- a/発表用/1821086_卒業研究発表会.pptx
+++ b/発表用/1821086_卒業研究発表会.pptx
@@ -5,7 +5,7 @@
     <p:sldMasterId id="2147483660" r:id="rId1"/>
   </p:sldMasterIdLst>
   <p:notesMasterIdLst>
-    <p:notesMasterId r:id="rId22"/>
+    <p:notesMasterId r:id="rId23"/>
   </p:notesMasterIdLst>
   <p:sldIdLst>
     <p:sldId id="291" r:id="rId2"/>
@@ -17,17 +17,18 @@
     <p:sldId id="336" r:id="rId8"/>
     <p:sldId id="260" r:id="rId9"/>
     <p:sldId id="263" r:id="rId10"/>
-    <p:sldId id="318" r:id="rId11"/>
-    <p:sldId id="330" r:id="rId12"/>
-    <p:sldId id="289" r:id="rId13"/>
-    <p:sldId id="286" r:id="rId14"/>
-    <p:sldId id="287" r:id="rId15"/>
-    <p:sldId id="294" r:id="rId16"/>
-    <p:sldId id="331" r:id="rId17"/>
-    <p:sldId id="315" r:id="rId18"/>
-    <p:sldId id="301" r:id="rId19"/>
-    <p:sldId id="333" r:id="rId20"/>
-    <p:sldId id="332" r:id="rId21"/>
+    <p:sldId id="337" r:id="rId11"/>
+    <p:sldId id="318" r:id="rId12"/>
+    <p:sldId id="330" r:id="rId13"/>
+    <p:sldId id="289" r:id="rId14"/>
+    <p:sldId id="286" r:id="rId15"/>
+    <p:sldId id="287" r:id="rId16"/>
+    <p:sldId id="294" r:id="rId17"/>
+    <p:sldId id="331" r:id="rId18"/>
+    <p:sldId id="315" r:id="rId19"/>
+    <p:sldId id="301" r:id="rId20"/>
+    <p:sldId id="333" r:id="rId21"/>
+    <p:sldId id="332" r:id="rId22"/>
   </p:sldIdLst>
   <p:sldSz cx="9144000" cy="6858000" type="screen4x3"/>
   <p:notesSz cx="6735763" cy="9866313"/>
@@ -942,7 +943,7 @@
           <a:p>
             <a:fld id="{9D828324-DCC9-430F-AD2C-1DD1805E2C40}" type="slidenum">
               <a:rPr kumimoji="1" lang="ja-JP" altLang="en-US" smtClean="0"/>
-              <a:t>19</a:t>
+              <a:t>20</a:t>
             </a:fld>
             <a:endParaRPr kumimoji="1" lang="ja-JP" altLang="en-US"/>
           </a:p>
@@ -1181,7 +1182,7 @@
           <a:p>
             <a:fld id="{9D828324-DCC9-430F-AD2C-1DD1805E2C40}" type="slidenum">
               <a:rPr kumimoji="1" lang="ja-JP" altLang="en-US" smtClean="0"/>
-              <a:t>20</a:t>
+              <a:t>21</a:t>
             </a:fld>
             <a:endParaRPr kumimoji="1" lang="ja-JP" altLang="en-US"/>
           </a:p>
@@ -2028,7 +2029,7 @@
           <a:p>
             <a:fld id="{9D828324-DCC9-430F-AD2C-1DD1805E2C40}" type="slidenum">
               <a:rPr kumimoji="1" lang="ja-JP" altLang="en-US" smtClean="0"/>
-              <a:t>10</a:t>
+              <a:t>11</a:t>
             </a:fld>
             <a:endParaRPr kumimoji="1" lang="ja-JP" altLang="en-US"/>
           </a:p>
@@ -2112,7 +2113,7 @@
           <a:p>
             <a:fld id="{9D828324-DCC9-430F-AD2C-1DD1805E2C40}" type="slidenum">
               <a:rPr kumimoji="1" lang="ja-JP" altLang="en-US" smtClean="0"/>
-              <a:t>15</a:t>
+              <a:t>16</a:t>
             </a:fld>
             <a:endParaRPr kumimoji="1" lang="ja-JP" altLang="en-US"/>
           </a:p>
@@ -2285,7 +2286,7 @@
           <a:p>
             <a:fld id="{9D828324-DCC9-430F-AD2C-1DD1805E2C40}" type="slidenum">
               <a:rPr kumimoji="1" lang="ja-JP" altLang="en-US" smtClean="0"/>
-              <a:t>16</a:t>
+              <a:t>17</a:t>
             </a:fld>
             <a:endParaRPr kumimoji="1" lang="ja-JP" altLang="en-US"/>
           </a:p>
@@ -2524,7 +2525,7 @@
           <a:p>
             <a:fld id="{9D828324-DCC9-430F-AD2C-1DD1805E2C40}" type="slidenum">
               <a:rPr kumimoji="1" lang="ja-JP" altLang="en-US" smtClean="0"/>
-              <a:t>18</a:t>
+              <a:t>19</a:t>
             </a:fld>
             <a:endParaRPr kumimoji="1" lang="ja-JP" altLang="en-US"/>
           </a:p>
@@ -5867,23 +5868,14 @@
             <p:ph type="title"/>
           </p:nvPr>
         </p:nvSpPr>
-        <p:spPr>
-          <a:xfrm>
-            <a:off x="628650" y="273686"/>
-            <a:ext cx="7886700" cy="1325563"/>
-          </a:xfrm>
-        </p:spPr>
+        <p:spPr/>
         <p:txBody>
           <a:bodyPr/>
           <a:lstStyle/>
           <a:p>
             <a:r>
-              <a:rPr lang="ja-JP" altLang="en-US" dirty="0" smtClean="0"/>
-              <a:t>実装した</a:t>
-            </a:r>
-            <a:r>
               <a:rPr kumimoji="1" lang="ja-JP" altLang="en-US" dirty="0" smtClean="0"/>
-              <a:t>割り振り方法</a:t>
+              <a:t>応答速度に基づく段階付け</a:t>
             </a:r>
             <a:endParaRPr kumimoji="1" lang="ja-JP" altLang="en-US" dirty="0"/>
           </a:p>
@@ -5899,144 +5891,12 @@
             <p:ph idx="1"/>
           </p:nvPr>
         </p:nvSpPr>
-        <p:spPr>
-          <a:xfrm>
-            <a:off x="438340" y="1489838"/>
-            <a:ext cx="8376476" cy="4600066"/>
-          </a:xfrm>
-        </p:spPr>
-        <p:txBody>
-          <a:bodyPr>
-            <a:noAutofit/>
-          </a:bodyPr>
-          <a:lstStyle/>
-          <a:p>
-            <a:r>
-              <a:rPr lang="ja-JP" altLang="ja-JP" sz="3200" dirty="0" smtClean="0"/>
-              <a:t>過去</a:t>
-            </a:r>
-            <a:r>
-              <a:rPr lang="en-US" altLang="ja-JP" sz="3200" dirty="0"/>
-              <a:t>24</a:t>
-            </a:r>
-            <a:r>
-              <a:rPr lang="ja-JP" altLang="ja-JP" sz="3200" dirty="0"/>
-              <a:t>時間</a:t>
-            </a:r>
-            <a:r>
-              <a:rPr lang="ja-JP" altLang="ja-JP" sz="3200" dirty="0" smtClean="0"/>
-              <a:t>で評価</a:t>
-            </a:r>
-            <a:r>
-              <a:rPr lang="ja-JP" altLang="ja-JP" sz="3200" dirty="0"/>
-              <a:t>が最も高いサーバに多く</a:t>
-            </a:r>
-            <a:r>
-              <a:rPr lang="ja-JP" altLang="ja-JP" sz="3200" dirty="0" smtClean="0"/>
-              <a:t>割り振る</a:t>
-            </a:r>
-            <a:r>
-              <a:rPr lang="ja-JP" altLang="en-US" sz="3200" dirty="0" smtClean="0"/>
-              <a:t>ように設計</a:t>
-            </a:r>
-            <a:r>
-              <a:rPr lang="ja-JP" altLang="ja-JP" sz="3200" dirty="0" smtClean="0"/>
-              <a:t>．</a:t>
-            </a:r>
-            <a:endParaRPr lang="en-US" altLang="ja-JP" sz="3200" dirty="0"/>
-          </a:p>
-          <a:p>
-            <a:r>
-              <a:rPr lang="ja-JP" altLang="ja-JP" sz="3200" dirty="0" smtClean="0"/>
-              <a:t>現在の</a:t>
-            </a:r>
-            <a:r>
-              <a:rPr lang="ja-JP" altLang="en-US" sz="3200" dirty="0" smtClean="0"/>
-              <a:t>応答</a:t>
-            </a:r>
-            <a:r>
-              <a:rPr lang="ja-JP" altLang="ja-JP" sz="3200" dirty="0" smtClean="0"/>
-              <a:t>速度</a:t>
-            </a:r>
-            <a:r>
-              <a:rPr lang="ja-JP" altLang="ja-JP" sz="3200" dirty="0"/>
-              <a:t>が</a:t>
-            </a:r>
-            <a:r>
-              <a:rPr lang="en-US" altLang="ja-JP" sz="3200" dirty="0"/>
-              <a:t>10</a:t>
-            </a:r>
-            <a:r>
-              <a:rPr lang="ja-JP" altLang="ja-JP" sz="3200" dirty="0"/>
-              <a:t>秒以上</a:t>
-            </a:r>
-            <a:r>
-              <a:rPr lang="ja-JP" altLang="ja-JP" sz="3200" dirty="0" smtClean="0"/>
-              <a:t>掛かる場合，</a:t>
-            </a:r>
-            <a:r>
-              <a:rPr lang="ja-JP" altLang="en-US" sz="3200" dirty="0" smtClean="0"/>
-              <a:t>該当サーバへの</a:t>
-            </a:r>
-            <a:r>
-              <a:rPr lang="ja-JP" altLang="ja-JP" sz="3200" dirty="0" smtClean="0"/>
-              <a:t>割り振り</a:t>
-            </a:r>
-            <a:r>
-              <a:rPr lang="ja-JP" altLang="en-US" sz="3200" dirty="0" smtClean="0"/>
-              <a:t>を行わない</a:t>
-            </a:r>
-            <a:r>
-              <a:rPr lang="ja-JP" altLang="ja-JP" sz="3200" dirty="0" smtClean="0"/>
-              <a:t>．</a:t>
-            </a:r>
-            <a:endParaRPr lang="en-US" altLang="ja-JP" sz="3200" dirty="0" smtClean="0"/>
-          </a:p>
-          <a:p>
-            <a:r>
-              <a:rPr lang="en-US" altLang="ja-JP" sz="3200" dirty="0"/>
-              <a:t>Web</a:t>
-            </a:r>
-            <a:r>
-              <a:rPr lang="ja-JP" altLang="ja-JP" sz="3200" dirty="0"/>
-              <a:t>サーバで負荷分散するにはリバースプロキシが使われる</a:t>
-            </a:r>
-            <a:r>
-              <a:rPr lang="ja-JP" altLang="ja-JP" sz="3200" dirty="0" smtClean="0"/>
-              <a:t>．プロトタイプ</a:t>
-            </a:r>
-            <a:r>
-              <a:rPr lang="ja-JP" altLang="ja-JP" sz="3200" dirty="0"/>
-              <a:t>では，リバースプロキシ導入のためにオープンソースの</a:t>
-            </a:r>
-            <a:r>
-              <a:rPr lang="en-US" altLang="ja-JP" sz="3200" dirty="0"/>
-              <a:t>Web</a:t>
-            </a:r>
-            <a:r>
-              <a:rPr lang="ja-JP" altLang="ja-JP" sz="3200" dirty="0"/>
-              <a:t>サーバである</a:t>
-            </a:r>
-            <a:r>
-              <a:rPr lang="en-US" altLang="ja-JP" sz="3200" dirty="0"/>
-              <a:t>NGINX(</a:t>
-            </a:r>
-            <a:r>
-              <a:rPr lang="ja-JP" altLang="ja-JP" sz="3200" dirty="0"/>
-              <a:t>エンジンエックス</a:t>
-            </a:r>
-            <a:r>
-              <a:rPr lang="en-US" altLang="ja-JP" sz="3200" dirty="0"/>
-              <a:t>)</a:t>
-            </a:r>
-            <a:r>
-              <a:rPr lang="ja-JP" altLang="ja-JP" sz="3200" dirty="0"/>
-              <a:t>を用いた．</a:t>
-            </a:r>
-            <a:endParaRPr lang="en-US" altLang="ja-JP" sz="3200" dirty="0"/>
-          </a:p>
-          <a:p>
-            <a:endParaRPr lang="en-US" altLang="ja-JP" sz="3200" dirty="0"/>
+        <p:spPr/>
+        <p:txBody>
+          <a:bodyPr/>
+          <a:lstStyle/>
+          <a:p>
+            <a:endParaRPr kumimoji="1" lang="ja-JP" altLang="en-US"/>
           </a:p>
         </p:txBody>
       </p:sp>
@@ -6067,20 +5927,13 @@
     </p:spTree>
     <p:extLst>
       <p:ext uri="{BB962C8B-B14F-4D97-AF65-F5344CB8AC3E}">
-        <p14:creationId xmlns:p14="http://schemas.microsoft.com/office/powerpoint/2010/main" val="1895997517"/>
+        <p14:creationId xmlns:p14="http://schemas.microsoft.com/office/powerpoint/2010/main" val="1570447387"/>
       </p:ext>
     </p:extLst>
   </p:cSld>
   <p:clrMapOvr>
     <a:masterClrMapping/>
   </p:clrMapOvr>
-  <p:timing>
-    <p:tnLst>
-      <p:par>
-        <p:cTn id="1" dur="indefinite" restart="never" nodeType="tmRoot"/>
-      </p:par>
-    </p:tnLst>
-  </p:timing>
 </p:sld>
 </file>
 
@@ -6145,92 +5998,43 @@
         </p:nvSpPr>
         <p:spPr>
           <a:xfrm>
-            <a:off x="438340" y="1061022"/>
-            <a:ext cx="8267319" cy="5477891"/>
+            <a:off x="438340" y="1489838"/>
+            <a:ext cx="8376476" cy="4600066"/>
           </a:xfrm>
         </p:spPr>
         <p:txBody>
           <a:bodyPr>
-            <a:normAutofit/>
+            <a:noAutofit/>
           </a:bodyPr>
           <a:lstStyle/>
           <a:p>
-            <a:pPr marL="0" indent="0">
-              <a:buNone/>
-            </a:pPr>
-            <a:endParaRPr lang="en-US" altLang="ja-JP" sz="3200" dirty="0" smtClean="0"/>
-          </a:p>
-          <a:p>
-            <a:r>
-              <a:rPr lang="ja-JP" altLang="en-US" sz="3200" dirty="0"/>
-              <a:t>応答</a:t>
+            <a:r>
+              <a:rPr lang="ja-JP" altLang="ja-JP" sz="3200" dirty="0" smtClean="0"/>
+              <a:t>過去</a:t>
+            </a:r>
+            <a:r>
+              <a:rPr lang="en-US" altLang="ja-JP" sz="3200" dirty="0"/>
+              <a:t>24</a:t>
+            </a:r>
+            <a:r>
+              <a:rPr lang="ja-JP" altLang="ja-JP" sz="3200" dirty="0"/>
+              <a:t>時間</a:t>
+            </a:r>
+            <a:r>
+              <a:rPr lang="ja-JP" altLang="ja-JP" sz="3200" dirty="0" smtClean="0"/>
+              <a:t>で評価</a:t>
+            </a:r>
+            <a:r>
+              <a:rPr lang="ja-JP" altLang="ja-JP" sz="3200" dirty="0"/>
+              <a:t>が最も高いサーバに多く</a:t>
+            </a:r>
+            <a:r>
+              <a:rPr lang="ja-JP" altLang="ja-JP" sz="3200" dirty="0" smtClean="0"/>
+              <a:t>割り振る</a:t>
             </a:r>
             <a:r>
               <a:rPr lang="ja-JP" altLang="en-US" sz="3200" dirty="0" smtClean="0"/>
-              <a:t>速度に基づいた割り振り</a:t>
-            </a:r>
-            <a:r>
-              <a:rPr lang="en-US" altLang="ja-JP" sz="3200" dirty="0" smtClean="0"/>
-              <a:t/>
-            </a:r>
-            <a:br>
-              <a:rPr lang="en-US" altLang="ja-JP" sz="3200" dirty="0" smtClean="0"/>
-            </a:br>
-            <a:r>
-              <a:rPr lang="ja-JP" altLang="en-US" sz="3200" dirty="0" smtClean="0"/>
-              <a:t>→</a:t>
-            </a:r>
-            <a:r>
-              <a:rPr lang="en-US" altLang="ja-JP" sz="3200" dirty="0" smtClean="0"/>
-              <a:t>Nginx</a:t>
-            </a:r>
-            <a:r>
-              <a:rPr lang="ja-JP" altLang="en-US" sz="3200" dirty="0" smtClean="0"/>
-              <a:t>の設定ファイル</a:t>
-            </a:r>
-            <a:r>
-              <a:rPr lang="ja-JP" altLang="ja-JP" sz="3200" dirty="0" smtClean="0"/>
-              <a:t>の</a:t>
-            </a:r>
-            <a:r>
-              <a:rPr lang="ja-JP" altLang="ja-JP" sz="3200" dirty="0" smtClean="0">
-                <a:solidFill>
-                  <a:srgbClr val="FF0000"/>
-                </a:solidFill>
-              </a:rPr>
-              <a:t>重みを</a:t>
-            </a:r>
-            <a:r>
-              <a:rPr lang="ja-JP" altLang="ja-JP" sz="3200" dirty="0">
-                <a:solidFill>
-                  <a:srgbClr val="FF0000"/>
-                </a:solidFill>
-              </a:rPr>
-              <a:t>プログラム</a:t>
-            </a:r>
-            <a:r>
-              <a:rPr lang="ja-JP" altLang="ja-JP" sz="3200" dirty="0" smtClean="0">
-                <a:solidFill>
-                  <a:srgbClr val="FF0000"/>
-                </a:solidFill>
-              </a:rPr>
-              <a:t>によって</a:t>
-            </a:r>
-            <a:r>
-              <a:rPr lang="ja-JP" altLang="ja-JP" sz="3200" dirty="0">
-                <a:solidFill>
-                  <a:srgbClr val="FF0000"/>
-                </a:solidFill>
-              </a:rPr>
-              <a:t>書き換えることで</a:t>
-            </a:r>
-            <a:r>
-              <a:rPr lang="ja-JP" altLang="ja-JP" sz="3200" dirty="0" smtClean="0">
-                <a:solidFill>
-                  <a:srgbClr val="FF0000"/>
-                </a:solidFill>
-              </a:rPr>
-              <a:t>実現</a:t>
+              <a:t>ように設計</a:t>
             </a:r>
             <a:r>
               <a:rPr lang="ja-JP" altLang="ja-JP" sz="3200" dirty="0" smtClean="0"/>
@@ -6240,75 +6044,95 @@
           </a:p>
           <a:p>
             <a:r>
+              <a:rPr lang="ja-JP" altLang="ja-JP" sz="3200" dirty="0" smtClean="0"/>
+              <a:t>現在の</a:t>
+            </a:r>
+            <a:r>
+              <a:rPr lang="ja-JP" altLang="en-US" sz="3200" dirty="0" smtClean="0"/>
+              <a:t>応答</a:t>
+            </a:r>
+            <a:r>
+              <a:rPr lang="ja-JP" altLang="ja-JP" sz="3200" dirty="0" smtClean="0"/>
+              <a:t>速度</a:t>
+            </a:r>
+            <a:r>
+              <a:rPr lang="ja-JP" altLang="ja-JP" sz="3200" dirty="0"/>
+              <a:t>が</a:t>
+            </a:r>
+            <a:r>
               <a:rPr lang="en-US" altLang="ja-JP" sz="3200" dirty="0"/>
-              <a:t>NGINX</a:t>
+              <a:t>10</a:t>
             </a:r>
             <a:r>
               <a:rPr lang="ja-JP" altLang="ja-JP" sz="3200" dirty="0"/>
-              <a:t>の設定ファイルを動的</a:t>
+              <a:t>秒以上</a:t>
             </a:r>
             <a:r>
               <a:rPr lang="ja-JP" altLang="ja-JP" sz="3200" dirty="0" smtClean="0"/>
-              <a:t>に更新</a:t>
-            </a:r>
-            <a:r>
-              <a:rPr lang="ja-JP" altLang="ja-JP" sz="3200" dirty="0"/>
-              <a:t>し，</a:t>
-            </a:r>
-            <a:r>
-              <a:rPr lang="ja-JP" altLang="ja-JP" sz="3200" u="sng" dirty="0"/>
-              <a:t>再読み</a:t>
-            </a:r>
-            <a:r>
-              <a:rPr lang="ja-JP" altLang="ja-JP" sz="3200" dirty="0"/>
-              <a:t>込みするように</a:t>
+              <a:t>掛かる場合，</a:t>
+            </a:r>
+            <a:r>
+              <a:rPr lang="ja-JP" altLang="en-US" sz="3200" dirty="0" smtClean="0"/>
+              <a:t>該当サーバへの</a:t>
             </a:r>
             <a:r>
               <a:rPr lang="ja-JP" altLang="ja-JP" sz="3200" dirty="0" smtClean="0"/>
-              <a:t>設計</a:t>
+              <a:t>割り振り</a:t>
             </a:r>
             <a:r>
               <a:rPr lang="ja-JP" altLang="en-US" sz="3200" dirty="0" smtClean="0"/>
-              <a:t>．</a:t>
-            </a:r>
-            <a:endParaRPr lang="en-US" altLang="ja-JP" sz="3200" dirty="0"/>
-          </a:p>
-          <a:p>
-            <a:pPr marL="0" indent="0">
-              <a:buNone/>
-            </a:pPr>
-            <a:r>
-              <a:rPr lang="ja-JP" altLang="en-US" sz="3200" dirty="0" smtClean="0"/>
-              <a:t>→</a:t>
-            </a:r>
-            <a:r>
-              <a:rPr lang="ja-JP" altLang="ja-JP" sz="3200" u="sng" dirty="0" smtClean="0"/>
-              <a:t>稼働率</a:t>
-            </a:r>
-            <a:r>
-              <a:rPr lang="ja-JP" altLang="ja-JP" sz="3200" u="sng" dirty="0"/>
-              <a:t>を落とすことなく</a:t>
-            </a:r>
-            <a:r>
-              <a:rPr lang="ja-JP" altLang="ja-JP" sz="3200" dirty="0" smtClean="0"/>
-              <a:t>，負荷分散の重みを動的にロードバランサ</a:t>
-            </a:r>
-            <a:r>
-              <a:rPr lang="ja-JP" altLang="en-US" sz="3200" dirty="0" smtClean="0"/>
-              <a:t>へ</a:t>
-            </a:r>
-            <a:r>
-              <a:rPr lang="ja-JP" altLang="ja-JP" sz="3200" dirty="0" smtClean="0"/>
-              <a:t>反映</a:t>
-            </a:r>
-            <a:r>
-              <a:rPr lang="ja-JP" altLang="ja-JP" sz="3200" dirty="0"/>
-              <a:t>することができる</a:t>
+              <a:t>を行わない</a:t>
             </a:r>
             <a:r>
               <a:rPr lang="ja-JP" altLang="ja-JP" sz="3200" dirty="0" smtClean="0"/>
               <a:t>．</a:t>
             </a:r>
+            <a:endParaRPr lang="en-US" altLang="ja-JP" sz="3200" dirty="0" smtClean="0"/>
+          </a:p>
+          <a:p>
+            <a:r>
+              <a:rPr lang="en-US" altLang="ja-JP" sz="3200" dirty="0"/>
+              <a:t>Web</a:t>
+            </a:r>
+            <a:r>
+              <a:rPr lang="ja-JP" altLang="ja-JP" sz="3200" dirty="0"/>
+              <a:t>サーバで負荷分散するにはリバースプロキシが使われる</a:t>
+            </a:r>
+            <a:r>
+              <a:rPr lang="ja-JP" altLang="ja-JP" sz="3200" dirty="0" smtClean="0"/>
+              <a:t>．プロトタイプ</a:t>
+            </a:r>
+            <a:r>
+              <a:rPr lang="ja-JP" altLang="ja-JP" sz="3200" dirty="0"/>
+              <a:t>では，リバースプロキシ導入のためにオープンソースの</a:t>
+            </a:r>
+            <a:r>
+              <a:rPr lang="en-US" altLang="ja-JP" sz="3200" dirty="0"/>
+              <a:t>Web</a:t>
+            </a:r>
+            <a:r>
+              <a:rPr lang="ja-JP" altLang="ja-JP" sz="3200" dirty="0"/>
+              <a:t>サーバである</a:t>
+            </a:r>
+            <a:r>
+              <a:rPr lang="en-US" altLang="ja-JP" sz="3200" dirty="0"/>
+              <a:t>NGINX(</a:t>
+            </a:r>
+            <a:r>
+              <a:rPr lang="ja-JP" altLang="ja-JP" sz="3200" dirty="0"/>
+              <a:t>エンジンエックス</a:t>
+            </a:r>
+            <a:r>
+              <a:rPr lang="en-US" altLang="ja-JP" sz="3200" dirty="0"/>
+              <a:t>)</a:t>
+            </a:r>
+            <a:r>
+              <a:rPr lang="ja-JP" altLang="ja-JP" sz="3200" dirty="0"/>
+              <a:t>を用いた．</a:t>
+            </a:r>
+            <a:endParaRPr lang="en-US" altLang="ja-JP" sz="3200" dirty="0"/>
+          </a:p>
+          <a:p>
             <a:endParaRPr lang="en-US" altLang="ja-JP" sz="3200" dirty="0"/>
           </a:p>
         </p:txBody>
@@ -6340,7 +6164,7 @@
     </p:spTree>
     <p:extLst>
       <p:ext uri="{BB962C8B-B14F-4D97-AF65-F5344CB8AC3E}">
-        <p14:creationId xmlns:p14="http://schemas.microsoft.com/office/powerpoint/2010/main" val="2157659374"/>
+        <p14:creationId xmlns:p14="http://schemas.microsoft.com/office/powerpoint/2010/main" val="1895997517"/>
       </p:ext>
     </p:extLst>
   </p:cSld>
@@ -6384,6 +6208,280 @@
             <p:ph type="title"/>
           </p:nvPr>
         </p:nvSpPr>
+        <p:spPr>
+          <a:xfrm>
+            <a:off x="628650" y="273686"/>
+            <a:ext cx="7886700" cy="1325563"/>
+          </a:xfrm>
+        </p:spPr>
+        <p:txBody>
+          <a:bodyPr/>
+          <a:lstStyle/>
+          <a:p>
+            <a:r>
+              <a:rPr lang="ja-JP" altLang="en-US" dirty="0" smtClean="0"/>
+              <a:t>実装した</a:t>
+            </a:r>
+            <a:r>
+              <a:rPr kumimoji="1" lang="ja-JP" altLang="en-US" dirty="0" smtClean="0"/>
+              <a:t>割り振り方法</a:t>
+            </a:r>
+            <a:endParaRPr kumimoji="1" lang="ja-JP" altLang="en-US" dirty="0"/>
+          </a:p>
+        </p:txBody>
+      </p:sp>
+      <p:sp>
+        <p:nvSpPr>
+          <p:cNvPr id="3" name="コンテンツ プレースホルダー 2"/>
+          <p:cNvSpPr>
+            <a:spLocks noGrp="1"/>
+          </p:cNvSpPr>
+          <p:nvPr>
+            <p:ph idx="1"/>
+          </p:nvPr>
+        </p:nvSpPr>
+        <p:spPr>
+          <a:xfrm>
+            <a:off x="438340" y="1061022"/>
+            <a:ext cx="8267319" cy="5477891"/>
+          </a:xfrm>
+        </p:spPr>
+        <p:txBody>
+          <a:bodyPr>
+            <a:normAutofit/>
+          </a:bodyPr>
+          <a:lstStyle/>
+          <a:p>
+            <a:pPr marL="0" indent="0">
+              <a:buNone/>
+            </a:pPr>
+            <a:endParaRPr lang="en-US" altLang="ja-JP" sz="3200" dirty="0" smtClean="0"/>
+          </a:p>
+          <a:p>
+            <a:r>
+              <a:rPr lang="ja-JP" altLang="en-US" sz="3200" dirty="0"/>
+              <a:t>応答</a:t>
+            </a:r>
+            <a:r>
+              <a:rPr lang="ja-JP" altLang="en-US" sz="3200" dirty="0" smtClean="0"/>
+              <a:t>速度に基づいた</a:t>
+            </a:r>
+            <a:r>
+              <a:rPr lang="ja-JP" altLang="en-US" sz="3200" dirty="0" smtClean="0"/>
+              <a:t>割り振り</a:t>
+            </a:r>
+            <a:endParaRPr lang="en-US" altLang="ja-JP" sz="3200" dirty="0" smtClean="0"/>
+          </a:p>
+          <a:p>
+            <a:pPr marL="0" indent="0">
+              <a:buNone/>
+            </a:pPr>
+            <a:r>
+              <a:rPr lang="en-US" altLang="ja-JP" sz="3200" dirty="0" smtClean="0"/>
+              <a:t>Nginx</a:t>
+            </a:r>
+            <a:r>
+              <a:rPr lang="ja-JP" altLang="en-US" sz="3200" dirty="0" smtClean="0"/>
+              <a:t>の設定ファイル</a:t>
+            </a:r>
+            <a:r>
+              <a:rPr lang="ja-JP" altLang="ja-JP" sz="3200" dirty="0" smtClean="0"/>
+              <a:t>の</a:t>
+            </a:r>
+            <a:r>
+              <a:rPr lang="ja-JP" altLang="ja-JP" sz="3200" dirty="0" smtClean="0">
+                <a:solidFill>
+                  <a:srgbClr val="FF0000"/>
+                </a:solidFill>
+              </a:rPr>
+              <a:t>重みを</a:t>
+            </a:r>
+            <a:r>
+              <a:rPr lang="ja-JP" altLang="ja-JP" sz="3200" dirty="0">
+                <a:solidFill>
+                  <a:srgbClr val="FF0000"/>
+                </a:solidFill>
+              </a:rPr>
+              <a:t>プログラム</a:t>
+            </a:r>
+            <a:r>
+              <a:rPr lang="ja-JP" altLang="ja-JP" sz="3200" dirty="0" smtClean="0">
+                <a:solidFill>
+                  <a:srgbClr val="FF0000"/>
+                </a:solidFill>
+              </a:rPr>
+              <a:t>によって</a:t>
+            </a:r>
+            <a:r>
+              <a:rPr lang="ja-JP" altLang="ja-JP" sz="3200" dirty="0">
+                <a:solidFill>
+                  <a:srgbClr val="FF0000"/>
+                </a:solidFill>
+              </a:rPr>
+              <a:t>書き換えることで</a:t>
+            </a:r>
+            <a:r>
+              <a:rPr lang="ja-JP" altLang="ja-JP" sz="3200" dirty="0" smtClean="0">
+                <a:solidFill>
+                  <a:srgbClr val="FF0000"/>
+                </a:solidFill>
+              </a:rPr>
+              <a:t>実現</a:t>
+            </a:r>
+            <a:r>
+              <a:rPr lang="ja-JP" altLang="ja-JP" sz="3200" dirty="0" smtClean="0"/>
+              <a:t>．</a:t>
+            </a:r>
+            <a:endParaRPr lang="en-US" altLang="ja-JP" sz="3200" dirty="0" smtClean="0"/>
+          </a:p>
+          <a:p>
+            <a:pPr marL="0" indent="0">
+              <a:buNone/>
+            </a:pPr>
+            <a:endParaRPr lang="en-US" altLang="ja-JP" sz="3200" dirty="0"/>
+          </a:p>
+          <a:p>
+            <a:r>
+              <a:rPr lang="en-US" altLang="ja-JP" sz="3200" dirty="0"/>
+              <a:t>NGINX</a:t>
+            </a:r>
+            <a:r>
+              <a:rPr lang="ja-JP" altLang="ja-JP" sz="3200" dirty="0"/>
+              <a:t>の設定ファイルを動的</a:t>
+            </a:r>
+            <a:r>
+              <a:rPr lang="ja-JP" altLang="ja-JP" sz="3200" dirty="0" smtClean="0"/>
+              <a:t>に更新</a:t>
+            </a:r>
+            <a:r>
+              <a:rPr lang="ja-JP" altLang="ja-JP" sz="3200" dirty="0"/>
+              <a:t>し，</a:t>
+            </a:r>
+            <a:r>
+              <a:rPr lang="ja-JP" altLang="ja-JP" sz="3200" u="sng" dirty="0"/>
+              <a:t>再読み</a:t>
+            </a:r>
+            <a:r>
+              <a:rPr lang="ja-JP" altLang="ja-JP" sz="3200" dirty="0"/>
+              <a:t>込みするように</a:t>
+            </a:r>
+            <a:r>
+              <a:rPr lang="ja-JP" altLang="ja-JP" sz="3200" dirty="0" smtClean="0"/>
+              <a:t>設計</a:t>
+            </a:r>
+            <a:r>
+              <a:rPr lang="ja-JP" altLang="en-US" sz="3200" dirty="0" smtClean="0"/>
+              <a:t>．</a:t>
+            </a:r>
+            <a:endParaRPr lang="en-US" altLang="ja-JP" sz="3200" dirty="0"/>
+          </a:p>
+          <a:p>
+            <a:pPr marL="0" indent="0">
+              <a:buNone/>
+            </a:pPr>
+            <a:r>
+              <a:rPr lang="ja-JP" altLang="ja-JP" sz="3200" u="sng" dirty="0" smtClean="0"/>
+              <a:t>稼働率</a:t>
+            </a:r>
+            <a:r>
+              <a:rPr lang="ja-JP" altLang="ja-JP" sz="3200" u="sng" dirty="0"/>
+              <a:t>を落とすことなく</a:t>
+            </a:r>
+            <a:r>
+              <a:rPr lang="ja-JP" altLang="ja-JP" sz="3200" dirty="0" smtClean="0"/>
+              <a:t>，負荷分散の重みを動的にロードバランサ</a:t>
+            </a:r>
+            <a:r>
+              <a:rPr lang="ja-JP" altLang="en-US" sz="3200" dirty="0" smtClean="0"/>
+              <a:t>へ</a:t>
+            </a:r>
+            <a:r>
+              <a:rPr lang="ja-JP" altLang="ja-JP" sz="3200" dirty="0" smtClean="0"/>
+              <a:t>反映</a:t>
+            </a:r>
+            <a:r>
+              <a:rPr lang="ja-JP" altLang="ja-JP" sz="3200" dirty="0"/>
+              <a:t>することができる</a:t>
+            </a:r>
+            <a:r>
+              <a:rPr lang="ja-JP" altLang="ja-JP" sz="3200" dirty="0" smtClean="0"/>
+              <a:t>．</a:t>
+            </a:r>
+            <a:endParaRPr lang="en-US" altLang="ja-JP" sz="3200" dirty="0"/>
+          </a:p>
+        </p:txBody>
+      </p:sp>
+      <p:sp>
+        <p:nvSpPr>
+          <p:cNvPr id="4" name="スライド番号プレースホルダー 3"/>
+          <p:cNvSpPr>
+            <a:spLocks noGrp="1"/>
+          </p:cNvSpPr>
+          <p:nvPr>
+            <p:ph type="sldNum" sz="quarter" idx="12"/>
+          </p:nvPr>
+        </p:nvSpPr>
+        <p:spPr/>
+        <p:txBody>
+          <a:bodyPr/>
+          <a:lstStyle/>
+          <a:p>
+            <a:fld id="{B4451160-128F-4DAD-AE29-4A8CC0E7B9E9}" type="slidenum">
+              <a:rPr lang="ja-JP" altLang="en-US" smtClean="0"/>
+              <a:pPr/>
+              <a:t>12</a:t>
+            </a:fld>
+            <a:endParaRPr lang="ja-JP" altLang="en-US" dirty="0"/>
+          </a:p>
+        </p:txBody>
+      </p:sp>
+    </p:spTree>
+    <p:extLst>
+      <p:ext uri="{BB962C8B-B14F-4D97-AF65-F5344CB8AC3E}">
+        <p14:creationId xmlns:p14="http://schemas.microsoft.com/office/powerpoint/2010/main" val="2157659374"/>
+      </p:ext>
+    </p:extLst>
+  </p:cSld>
+  <p:clrMapOvr>
+    <a:masterClrMapping/>
+  </p:clrMapOvr>
+  <p:timing>
+    <p:tnLst>
+      <p:par>
+        <p:cTn id="1" dur="indefinite" restart="never" nodeType="tmRoot"/>
+      </p:par>
+    </p:tnLst>
+  </p:timing>
+</p:sld>
+</file>
+
+<file path=ppt/slides/slide13.xml><?xml version="1.0" encoding="utf-8"?>
+<p:sld xmlns:a="http://schemas.openxmlformats.org/drawingml/2006/main" xmlns:r="http://schemas.openxmlformats.org/officeDocument/2006/relationships" xmlns:p="http://schemas.openxmlformats.org/presentationml/2006/main">
+  <p:cSld>
+    <p:spTree>
+      <p:nvGrpSpPr>
+        <p:cNvPr id="1" name=""/>
+        <p:cNvGrpSpPr/>
+        <p:nvPr/>
+      </p:nvGrpSpPr>
+      <p:grpSpPr>
+        <a:xfrm>
+          <a:off x="0" y="0"/>
+          <a:ext cx="0" cy="0"/>
+          <a:chOff x="0" y="0"/>
+          <a:chExt cx="0" cy="0"/>
+        </a:xfrm>
+      </p:grpSpPr>
+      <p:sp>
+        <p:nvSpPr>
+          <p:cNvPr id="2" name="タイトル 1"/>
+          <p:cNvSpPr>
+            <a:spLocks noGrp="1"/>
+          </p:cNvSpPr>
+          <p:nvPr>
+            <p:ph type="title"/>
+          </p:nvPr>
+        </p:nvSpPr>
         <p:spPr/>
         <p:txBody>
           <a:bodyPr/>
@@ -6467,7 +6565,7 @@
             <a:fld id="{B4451160-128F-4DAD-AE29-4A8CC0E7B9E9}" type="slidenum">
               <a:rPr lang="ja-JP" altLang="en-US" smtClean="0"/>
               <a:pPr/>
-              <a:t>12</a:t>
+              <a:t>13</a:t>
             </a:fld>
             <a:endParaRPr lang="ja-JP" altLang="en-US" dirty="0"/>
           </a:p>
@@ -6782,7 +6880,7 @@
 </p:sld>
 </file>
 
-<file path=ppt/slides/slide13.xml><?xml version="1.0" encoding="utf-8"?>
+<file path=ppt/slides/slide14.xml><?xml version="1.0" encoding="utf-8"?>
 <p:sld xmlns:a="http://schemas.openxmlformats.org/drawingml/2006/main" xmlns:r="http://schemas.openxmlformats.org/officeDocument/2006/relationships" xmlns:p="http://schemas.openxmlformats.org/presentationml/2006/main">
   <p:cSld>
     <p:spTree>
@@ -6844,7 +6942,7 @@
             <a:fld id="{B4451160-128F-4DAD-AE29-4A8CC0E7B9E9}" type="slidenum">
               <a:rPr lang="ja-JP" altLang="en-US" smtClean="0"/>
               <a:pPr/>
-              <a:t>13</a:t>
+              <a:t>14</a:t>
             </a:fld>
             <a:endParaRPr lang="ja-JP" altLang="en-US" dirty="0"/>
           </a:p>
@@ -7671,7 +7769,7 @@
 </p:sld>
 </file>
 
-<file path=ppt/slides/slide14.xml><?xml version="1.0" encoding="utf-8"?>
+<file path=ppt/slides/slide15.xml><?xml version="1.0" encoding="utf-8"?>
 <p:sld xmlns:a="http://schemas.openxmlformats.org/drawingml/2006/main" xmlns:r="http://schemas.openxmlformats.org/officeDocument/2006/relationships" xmlns:p="http://schemas.openxmlformats.org/presentationml/2006/main">
   <p:cSld>
     <p:spTree>
@@ -7733,7 +7831,7 @@
             <a:fld id="{B4451160-128F-4DAD-AE29-4A8CC0E7B9E9}" type="slidenum">
               <a:rPr lang="ja-JP" altLang="en-US" smtClean="0"/>
               <a:pPr/>
-              <a:t>14</a:t>
+              <a:t>15</a:t>
             </a:fld>
             <a:endParaRPr lang="ja-JP" altLang="en-US" dirty="0"/>
           </a:p>
@@ -8610,7 +8708,7 @@
 </p:sld>
 </file>
 
-<file path=ppt/slides/slide15.xml><?xml version="1.0" encoding="utf-8"?>
+<file path=ppt/slides/slide16.xml><?xml version="1.0" encoding="utf-8"?>
 <p:sld xmlns:a="http://schemas.openxmlformats.org/drawingml/2006/main" xmlns:r="http://schemas.openxmlformats.org/officeDocument/2006/relationships" xmlns:p="http://schemas.openxmlformats.org/presentationml/2006/main">
   <p:cSld>
     <p:spTree>
@@ -8833,7 +8931,7 @@
             <a:fld id="{B4451160-128F-4DAD-AE29-4A8CC0E7B9E9}" type="slidenum">
               <a:rPr lang="ja-JP" altLang="en-US" smtClean="0"/>
               <a:pPr/>
-              <a:t>15</a:t>
+              <a:t>16</a:t>
             </a:fld>
             <a:endParaRPr lang="ja-JP" altLang="en-US" dirty="0"/>
           </a:p>
@@ -8859,7 +8957,7 @@
 </p:sld>
 </file>
 
-<file path=ppt/slides/slide16.xml><?xml version="1.0" encoding="utf-8"?>
+<file path=ppt/slides/slide17.xml><?xml version="1.0" encoding="utf-8"?>
 <p:sld xmlns:a="http://schemas.openxmlformats.org/drawingml/2006/main" xmlns:r="http://schemas.openxmlformats.org/officeDocument/2006/relationships" xmlns:p="http://schemas.openxmlformats.org/presentationml/2006/main">
   <p:cSld>
     <p:spTree>
@@ -8926,7 +9024,7 @@
             <a:fld id="{B4451160-128F-4DAD-AE29-4A8CC0E7B9E9}" type="slidenum">
               <a:rPr lang="ja-JP" altLang="en-US" smtClean="0"/>
               <a:pPr/>
-              <a:t>16</a:t>
+              <a:t>17</a:t>
             </a:fld>
             <a:endParaRPr lang="ja-JP" altLang="en-US" dirty="0"/>
           </a:p>
@@ -9099,221 +9197,6 @@
 </p:sld>
 </file>
 
-<file path=ppt/slides/slide17.xml><?xml version="1.0" encoding="utf-8"?>
-<p:sld xmlns:a="http://schemas.openxmlformats.org/drawingml/2006/main" xmlns:r="http://schemas.openxmlformats.org/officeDocument/2006/relationships" xmlns:p="http://schemas.openxmlformats.org/presentationml/2006/main">
-  <p:cSld>
-    <p:spTree>
-      <p:nvGrpSpPr>
-        <p:cNvPr id="1" name=""/>
-        <p:cNvGrpSpPr/>
-        <p:nvPr/>
-      </p:nvGrpSpPr>
-      <p:grpSpPr>
-        <a:xfrm>
-          <a:off x="0" y="0"/>
-          <a:ext cx="0" cy="0"/>
-          <a:chOff x="0" y="0"/>
-          <a:chExt cx="0" cy="0"/>
-        </a:xfrm>
-      </p:grpSpPr>
-      <p:sp>
-        <p:nvSpPr>
-          <p:cNvPr id="2" name="タイトル 1"/>
-          <p:cNvSpPr>
-            <a:spLocks noGrp="1"/>
-          </p:cNvSpPr>
-          <p:nvPr>
-            <p:ph type="title"/>
-          </p:nvPr>
-        </p:nvSpPr>
-        <p:spPr/>
-        <p:txBody>
-          <a:bodyPr/>
-          <a:lstStyle/>
-          <a:p>
-            <a:r>
-              <a:rPr kumimoji="1" lang="ja-JP" altLang="en-US" dirty="0" smtClean="0"/>
-              <a:t>まとめ・今後</a:t>
-            </a:r>
-            <a:r>
-              <a:rPr kumimoji="1" lang="ja-JP" altLang="en-US" dirty="0" smtClean="0"/>
-              <a:t>の展望</a:t>
-            </a:r>
-            <a:endParaRPr kumimoji="1" lang="ja-JP" altLang="en-US" dirty="0"/>
-          </a:p>
-        </p:txBody>
-      </p:sp>
-      <p:sp>
-        <p:nvSpPr>
-          <p:cNvPr id="3" name="コンテンツ プレースホルダー 2"/>
-          <p:cNvSpPr>
-            <a:spLocks noGrp="1"/>
-          </p:cNvSpPr>
-          <p:nvPr>
-            <p:ph idx="1"/>
-          </p:nvPr>
-        </p:nvSpPr>
-        <p:spPr>
-          <a:xfrm>
-            <a:off x="628650" y="1563624"/>
-            <a:ext cx="7886700" cy="4613339"/>
-          </a:xfrm>
-        </p:spPr>
-        <p:txBody>
-          <a:bodyPr>
-            <a:normAutofit lnSpcReduction="10000"/>
-          </a:bodyPr>
-          <a:lstStyle/>
-          <a:p>
-            <a:r>
-              <a:rPr lang="ja-JP" altLang="en-US" dirty="0" smtClean="0"/>
-              <a:t>実験結果より提案システムの実現可能性が確認できた．</a:t>
-            </a:r>
-            <a:endParaRPr lang="en-US" altLang="ja-JP" dirty="0" smtClean="0"/>
-          </a:p>
-          <a:p>
-            <a:r>
-              <a:rPr lang="ja-JP" altLang="ja-JP" dirty="0" smtClean="0"/>
-              <a:t>本提案</a:t>
-            </a:r>
-            <a:r>
-              <a:rPr lang="ja-JP" altLang="ja-JP" dirty="0"/>
-              <a:t>システム</a:t>
-            </a:r>
-            <a:r>
-              <a:rPr lang="ja-JP" altLang="ja-JP" dirty="0" smtClean="0"/>
-              <a:t>は</a:t>
-            </a:r>
-            <a:r>
-              <a:rPr lang="en-US" altLang="ja-JP" dirty="0"/>
-              <a:t>N</a:t>
-            </a:r>
-            <a:r>
-              <a:rPr lang="en-US" altLang="ja-JP" dirty="0" smtClean="0"/>
-              <a:t>ginx</a:t>
-            </a:r>
-            <a:r>
-              <a:rPr lang="ja-JP" altLang="en-US" dirty="0"/>
-              <a:t>の設定ファイルを書き換える仕組みなので再現しやすい</a:t>
-            </a:r>
-            <a:r>
-              <a:rPr lang="ja-JP" altLang="en-US" dirty="0" smtClean="0"/>
-              <a:t>．</a:t>
-            </a:r>
-            <a:endParaRPr lang="en-US" altLang="ja-JP" dirty="0"/>
-          </a:p>
-          <a:p>
-            <a:r>
-              <a:rPr lang="ja-JP" altLang="ja-JP" dirty="0" smtClean="0"/>
-              <a:t>現状</a:t>
-            </a:r>
-            <a:r>
-              <a:rPr lang="ja-JP" altLang="ja-JP" dirty="0"/>
-              <a:t>，利用する環境ごとに細かく設定を書き直す必要があり</a:t>
-            </a:r>
-            <a:r>
-              <a:rPr lang="ja-JP" altLang="ja-JP" dirty="0" smtClean="0"/>
-              <a:t>， </a:t>
-            </a:r>
-            <a:r>
-              <a:rPr lang="ja-JP" altLang="ja-JP" dirty="0"/>
-              <a:t>こうした設定を自動で適応処理することが出来れば，個人でも気軽に安価な負荷分散が出来ると考える</a:t>
-            </a:r>
-            <a:r>
-              <a:rPr lang="ja-JP" altLang="ja-JP" dirty="0" smtClean="0"/>
-              <a:t>．</a:t>
-            </a:r>
-            <a:endParaRPr lang="ja-JP" altLang="ja-JP" dirty="0"/>
-          </a:p>
-          <a:p>
-            <a:r>
-              <a:rPr lang="en-US" altLang="ja-JP" dirty="0" smtClean="0"/>
-              <a:t>Web</a:t>
-            </a:r>
-            <a:r>
-              <a:rPr lang="ja-JP" altLang="ja-JP" dirty="0"/>
-              <a:t>サイトも重要なライフラインになりつつあるので，</a:t>
-            </a:r>
-            <a:r>
-              <a:rPr lang="ja-JP" altLang="ja-JP" dirty="0" smtClean="0"/>
-              <a:t>本</a:t>
-            </a:r>
-            <a:r>
-              <a:rPr lang="ja-JP" altLang="en-US" dirty="0" smtClean="0"/>
-              <a:t>提案</a:t>
-            </a:r>
-            <a:r>
-              <a:rPr lang="ja-JP" altLang="ja-JP" dirty="0" smtClean="0"/>
-              <a:t>システム</a:t>
-            </a:r>
-            <a:r>
-              <a:rPr lang="ja-JP" altLang="en-US" dirty="0" smtClean="0"/>
-              <a:t>が</a:t>
-            </a:r>
-            <a:r>
-              <a:rPr lang="ja-JP" altLang="ja-JP" dirty="0" smtClean="0"/>
-              <a:t>，</a:t>
-            </a:r>
-            <a:r>
-              <a:rPr lang="ja-JP" altLang="en-US" dirty="0" smtClean="0"/>
-              <a:t>安価で，負荷に強く，応答速度が速い</a:t>
-            </a:r>
-            <a:r>
-              <a:rPr lang="en-US" altLang="ja-JP" dirty="0" smtClean="0"/>
-              <a:t>Web</a:t>
-            </a:r>
-            <a:r>
-              <a:rPr lang="ja-JP" altLang="ja-JP" dirty="0"/>
-              <a:t>サイト作りに貢献できることを期待している．</a:t>
-            </a:r>
-            <a:endParaRPr kumimoji="1" lang="ja-JP" altLang="en-US" dirty="0"/>
-          </a:p>
-        </p:txBody>
-      </p:sp>
-      <p:sp>
-        <p:nvSpPr>
-          <p:cNvPr id="4" name="スライド番号プレースホルダー 3"/>
-          <p:cNvSpPr>
-            <a:spLocks noGrp="1"/>
-          </p:cNvSpPr>
-          <p:nvPr>
-            <p:ph type="sldNum" sz="quarter" idx="12"/>
-          </p:nvPr>
-        </p:nvSpPr>
-        <p:spPr/>
-        <p:txBody>
-          <a:bodyPr/>
-          <a:lstStyle/>
-          <a:p>
-            <a:fld id="{B4451160-128F-4DAD-AE29-4A8CC0E7B9E9}" type="slidenum">
-              <a:rPr lang="ja-JP" altLang="en-US" smtClean="0"/>
-              <a:pPr/>
-              <a:t>17</a:t>
-            </a:fld>
-            <a:endParaRPr lang="ja-JP" altLang="en-US" dirty="0"/>
-          </a:p>
-        </p:txBody>
-      </p:sp>
-    </p:spTree>
-    <p:extLst>
-      <p:ext uri="{BB962C8B-B14F-4D97-AF65-F5344CB8AC3E}">
-        <p14:creationId xmlns:p14="http://schemas.microsoft.com/office/powerpoint/2010/main" val="3987284099"/>
-      </p:ext>
-    </p:extLst>
-  </p:cSld>
-  <p:clrMapOvr>
-    <a:masterClrMapping/>
-  </p:clrMapOvr>
-  <p:timing>
-    <p:tnLst>
-      <p:par>
-        <p:cTn id="1" dur="indefinite" restart="never" nodeType="tmRoot"/>
-      </p:par>
-    </p:tnLst>
-  </p:timing>
-</p:sld>
-</file>
-
 <file path=ppt/slides/slide18.xml><?xml version="1.0" encoding="utf-8"?>
 <p:sld xmlns:a="http://schemas.openxmlformats.org/drawingml/2006/main" xmlns:r="http://schemas.openxmlformats.org/officeDocument/2006/relationships" xmlns:p="http://schemas.openxmlformats.org/presentationml/2006/main">
   <p:cSld>
@@ -9341,19 +9224,141 @@
             <p:ph type="title"/>
           </p:nvPr>
         </p:nvSpPr>
+        <p:spPr/>
+        <p:txBody>
+          <a:bodyPr/>
+          <a:lstStyle/>
+          <a:p>
+            <a:r>
+              <a:rPr kumimoji="1" lang="ja-JP" altLang="en-US" dirty="0" smtClean="0"/>
+              <a:t>まとめ・今後の展望</a:t>
+            </a:r>
+            <a:endParaRPr kumimoji="1" lang="ja-JP" altLang="en-US" dirty="0"/>
+          </a:p>
+        </p:txBody>
+      </p:sp>
+      <p:sp>
+        <p:nvSpPr>
+          <p:cNvPr id="3" name="コンテンツ プレースホルダー 2"/>
+          <p:cNvSpPr>
+            <a:spLocks noGrp="1"/>
+          </p:cNvSpPr>
+          <p:nvPr>
+            <p:ph idx="1"/>
+          </p:nvPr>
+        </p:nvSpPr>
         <p:spPr>
           <a:xfrm>
-            <a:off x="528066" y="72518"/>
-            <a:ext cx="7886700" cy="1325563"/>
+            <a:off x="628650" y="1563624"/>
+            <a:ext cx="7886700" cy="4613339"/>
           </a:xfrm>
         </p:spPr>
         <p:txBody>
-          <a:bodyPr/>
-          <a:lstStyle/>
-          <a:p>
-            <a:r>
-              <a:rPr kumimoji="1" lang="ja-JP" altLang="en-US" dirty="0" smtClean="0"/>
-              <a:t>参考文献</a:t>
+          <a:bodyPr>
+            <a:normAutofit lnSpcReduction="10000"/>
+          </a:bodyPr>
+          <a:lstStyle/>
+          <a:p>
+            <a:r>
+              <a:rPr lang="ja-JP" altLang="en-US" dirty="0" smtClean="0"/>
+              <a:t>実験結果より提案システムの実現可能性が確認できた．</a:t>
+            </a:r>
+            <a:endParaRPr lang="en-US" altLang="ja-JP" dirty="0" smtClean="0"/>
+          </a:p>
+          <a:p>
+            <a:r>
+              <a:rPr lang="ja-JP" altLang="ja-JP" dirty="0" smtClean="0"/>
+              <a:t>本提案</a:t>
+            </a:r>
+            <a:r>
+              <a:rPr lang="ja-JP" altLang="ja-JP" dirty="0"/>
+              <a:t>システム</a:t>
+            </a:r>
+            <a:r>
+              <a:rPr lang="ja-JP" altLang="ja-JP" dirty="0" smtClean="0"/>
+              <a:t>は</a:t>
+            </a:r>
+            <a:r>
+              <a:rPr lang="en-US" altLang="ja-JP" dirty="0"/>
+              <a:t>N</a:t>
+            </a:r>
+            <a:r>
+              <a:rPr lang="en-US" altLang="ja-JP" dirty="0" smtClean="0"/>
+              <a:t>ginx</a:t>
+            </a:r>
+            <a:r>
+              <a:rPr lang="ja-JP" altLang="en-US" dirty="0"/>
+              <a:t>の設定ファイルを書き換える仕組みなので再現しやすい</a:t>
+            </a:r>
+            <a:r>
+              <a:rPr lang="ja-JP" altLang="en-US" dirty="0" smtClean="0"/>
+              <a:t>．</a:t>
+            </a:r>
+            <a:endParaRPr lang="en-US" altLang="ja-JP" dirty="0"/>
+          </a:p>
+          <a:p>
+            <a:r>
+              <a:rPr lang="ja-JP" altLang="ja-JP" dirty="0" smtClean="0"/>
+              <a:t>現状</a:t>
+            </a:r>
+            <a:r>
+              <a:rPr lang="ja-JP" altLang="ja-JP" dirty="0"/>
+              <a:t>，利用する環境ごとに細かく設定を書き直す必要があり</a:t>
+            </a:r>
+            <a:r>
+              <a:rPr lang="ja-JP" altLang="ja-JP" dirty="0" smtClean="0"/>
+              <a:t>， </a:t>
+            </a:r>
+            <a:r>
+              <a:rPr lang="ja-JP" altLang="ja-JP" dirty="0"/>
+              <a:t>こうした設定を自動で適応処理することが出来れば，個人でも気軽に安価な負荷分散が出来ると考える</a:t>
+            </a:r>
+            <a:r>
+              <a:rPr lang="ja-JP" altLang="ja-JP" dirty="0" smtClean="0"/>
+              <a:t>．</a:t>
+            </a:r>
+            <a:endParaRPr lang="ja-JP" altLang="ja-JP" dirty="0"/>
+          </a:p>
+          <a:p>
+            <a:r>
+              <a:rPr lang="en-US" altLang="ja-JP" dirty="0" smtClean="0"/>
+              <a:t>Web</a:t>
+            </a:r>
+            <a:r>
+              <a:rPr lang="ja-JP" altLang="ja-JP" dirty="0"/>
+              <a:t>サイトも重要なライフラインになりつつあるので，</a:t>
+            </a:r>
+            <a:r>
+              <a:rPr lang="ja-JP" altLang="ja-JP" dirty="0" smtClean="0"/>
+              <a:t>本</a:t>
+            </a:r>
+            <a:r>
+              <a:rPr lang="ja-JP" altLang="en-US" dirty="0" smtClean="0"/>
+              <a:t>提案</a:t>
+            </a:r>
+            <a:r>
+              <a:rPr lang="ja-JP" altLang="ja-JP" dirty="0" smtClean="0"/>
+              <a:t>システム</a:t>
+            </a:r>
+            <a:r>
+              <a:rPr lang="ja-JP" altLang="en-US" dirty="0" smtClean="0"/>
+              <a:t>が</a:t>
+            </a:r>
+            <a:r>
+              <a:rPr lang="ja-JP" altLang="ja-JP" dirty="0" smtClean="0"/>
+              <a:t>，</a:t>
+            </a:r>
+            <a:r>
+              <a:rPr lang="ja-JP" altLang="en-US" dirty="0" smtClean="0"/>
+              <a:t>安価で，負荷に強く，応答速度が速い</a:t>
+            </a:r>
+            <a:r>
+              <a:rPr lang="en-US" altLang="ja-JP" dirty="0" smtClean="0"/>
+              <a:t>Web</a:t>
+            </a:r>
+            <a:r>
+              <a:rPr lang="ja-JP" altLang="ja-JP" dirty="0"/>
+              <a:t>サイト作りに貢献できることを期待している．</a:t>
             </a:r>
             <a:endParaRPr kumimoji="1" lang="ja-JP" altLang="en-US" dirty="0"/>
           </a:p>
@@ -9383,34 +9388,10 @@
           </a:p>
         </p:txBody>
       </p:sp>
-      <p:pic>
-        <p:nvPicPr>
-          <p:cNvPr id="5" name="図 4"/>
-          <p:cNvPicPr>
-            <a:picLocks noChangeAspect="1"/>
-          </p:cNvPicPr>
-          <p:nvPr/>
-        </p:nvPicPr>
-        <p:blipFill>
-          <a:blip r:embed="rId3"/>
-          <a:stretch>
-            <a:fillRect/>
-          </a:stretch>
-        </p:blipFill>
-        <p:spPr>
-          <a:xfrm>
-            <a:off x="442912" y="1044576"/>
-            <a:ext cx="8258175" cy="5676900"/>
-          </a:xfrm>
-          <a:prstGeom prst="rect">
-            <a:avLst/>
-          </a:prstGeom>
-        </p:spPr>
-      </p:pic>
     </p:spTree>
     <p:extLst>
       <p:ext uri="{BB962C8B-B14F-4D97-AF65-F5344CB8AC3E}">
-        <p14:creationId xmlns:p14="http://schemas.microsoft.com/office/powerpoint/2010/main" val="664081202"/>
+        <p14:creationId xmlns:p14="http://schemas.microsoft.com/office/powerpoint/2010/main" val="3987284099"/>
       </p:ext>
     </p:extLst>
   </p:cSld>
@@ -9454,7 +9435,12 @@
             <p:ph type="title"/>
           </p:nvPr>
         </p:nvSpPr>
-        <p:spPr/>
+        <p:spPr>
+          <a:xfrm>
+            <a:off x="528066" y="72518"/>
+            <a:ext cx="7886700" cy="1325563"/>
+          </a:xfrm>
+        </p:spPr>
         <p:txBody>
           <a:bodyPr/>
           <a:lstStyle/>
@@ -9464,222 +9450,6 @@
               <a:t>参考文献</a:t>
             </a:r>
             <a:endParaRPr kumimoji="1" lang="ja-JP" altLang="en-US" dirty="0"/>
-          </a:p>
-        </p:txBody>
-      </p:sp>
-      <p:sp>
-        <p:nvSpPr>
-          <p:cNvPr id="3" name="コンテンツ プレースホルダー 2"/>
-          <p:cNvSpPr>
-            <a:spLocks noGrp="1"/>
-          </p:cNvSpPr>
-          <p:nvPr>
-            <p:ph idx="1"/>
-          </p:nvPr>
-        </p:nvSpPr>
-        <p:spPr>
-          <a:xfrm>
-            <a:off x="628650" y="1606168"/>
-            <a:ext cx="7886700" cy="4602607"/>
-          </a:xfrm>
-        </p:spPr>
-        <p:txBody>
-          <a:bodyPr>
-            <a:normAutofit fontScale="92500" lnSpcReduction="10000"/>
-          </a:bodyPr>
-          <a:lstStyle/>
-          <a:p>
-            <a:pPr marL="0" indent="0">
-              <a:buNone/>
-            </a:pPr>
-            <a:r>
-              <a:rPr lang="ja-JP" altLang="en-US" b="1" u="sng" dirty="0" smtClean="0"/>
-              <a:t>ページの表示速度と</a:t>
-            </a:r>
-            <a:r>
-              <a:rPr lang="en-US" altLang="ja-JP" b="1" u="sng" dirty="0" smtClean="0"/>
-              <a:t>SEO</a:t>
-            </a:r>
-            <a:r>
-              <a:rPr lang="ja-JP" altLang="en-US" b="1" u="sng" dirty="0" smtClean="0"/>
-              <a:t>の関係</a:t>
-            </a:r>
-            <a:endParaRPr lang="en-US" altLang="ja-JP" b="1" u="sng" dirty="0" smtClean="0"/>
-          </a:p>
-          <a:p>
-            <a:pPr marL="0" indent="0">
-              <a:buNone/>
-            </a:pPr>
-            <a:r>
-              <a:rPr lang="en-US" altLang="ja-JP" dirty="0" smtClean="0"/>
-              <a:t>[</a:t>
-            </a:r>
-            <a:r>
-              <a:rPr lang="en-US" altLang="ja-JP" dirty="0"/>
-              <a:t>Daniel</a:t>
-            </a:r>
-            <a:r>
-              <a:rPr lang="en-US" altLang="ja-JP" dirty="0" smtClean="0"/>
-              <a:t> 2017]Daniel An.</a:t>
-            </a:r>
-            <a:r>
-              <a:rPr lang="en-US" altLang="ja-JP" dirty="0" smtClean="0">
-                <a:latin typeface="ＭＳ Ｐゴシック" panose="020B0600070205080204" pitchFamily="50" charset="-128"/>
-              </a:rPr>
-              <a:t> </a:t>
-            </a:r>
-            <a:r>
-              <a:rPr lang="en-US" altLang="ja-JP" dirty="0"/>
-              <a:t>Find out how you stack up to new industry benchmarks for mobile page </a:t>
-            </a:r>
-            <a:r>
-              <a:rPr lang="en-US" altLang="ja-JP" dirty="0" err="1" smtClean="0"/>
-              <a:t>speed.p</a:t>
-            </a:r>
-            <a:endParaRPr lang="en-US" altLang="ja-JP" dirty="0"/>
-          </a:p>
-          <a:p>
-            <a:pPr marL="0" indent="0">
-              <a:buNone/>
-            </a:pPr>
-            <a:r>
-              <a:rPr lang="en-US" altLang="ja-JP" dirty="0" smtClean="0">
-                <a:latin typeface="ＭＳ Ｐゴシック" panose="020B0600070205080204" pitchFamily="50" charset="-128"/>
-              </a:rPr>
-              <a:t>(2017-02)</a:t>
-            </a:r>
-          </a:p>
-          <a:p>
-            <a:pPr marL="0" indent="0">
-              <a:buNone/>
-            </a:pPr>
-            <a:r>
-              <a:rPr lang="ja-JP" altLang="ja-JP" b="1" u="sng" dirty="0" smtClean="0"/>
-              <a:t>反応</a:t>
-            </a:r>
-            <a:r>
-              <a:rPr lang="ja-JP" altLang="ja-JP" b="1" u="sng" dirty="0"/>
-              <a:t>時間の遅延</a:t>
-            </a:r>
-            <a:r>
-              <a:rPr lang="ja-JP" altLang="ja-JP" b="1" u="sng" dirty="0" smtClean="0"/>
-              <a:t>と</a:t>
-            </a:r>
-            <a:r>
-              <a:rPr lang="ja-JP" altLang="en-US" b="1" u="sng" dirty="0" smtClean="0"/>
-              <a:t>，</a:t>
-            </a:r>
-            <a:r>
-              <a:rPr lang="ja-JP" altLang="ja-JP" b="1" u="sng" dirty="0" smtClean="0"/>
-              <a:t>それ</a:t>
-            </a:r>
-            <a:r>
-              <a:rPr lang="ja-JP" altLang="ja-JP" b="1" u="sng" dirty="0"/>
-              <a:t>に対するユーザの反応</a:t>
-            </a:r>
-            <a:endParaRPr lang="en-US" altLang="ja-JP" b="1" u="sng" dirty="0" smtClean="0">
-              <a:latin typeface="ＭＳ Ｐゴシック" panose="020B0600070205080204" pitchFamily="50" charset="-128"/>
-            </a:endParaRPr>
-          </a:p>
-          <a:p>
-            <a:pPr marL="0" indent="0">
-              <a:buNone/>
-            </a:pPr>
-            <a:r>
-              <a:rPr lang="en-US" altLang="ja-JP" dirty="0" smtClean="0">
-                <a:latin typeface="ＭＳ Ｐゴシック" panose="020B0600070205080204" pitchFamily="50" charset="-128"/>
-              </a:rPr>
-              <a:t>[Paul 2014] </a:t>
-            </a:r>
-            <a:r>
-              <a:rPr lang="en-US" altLang="ja-JP" dirty="0">
-                <a:latin typeface="ＭＳ Ｐゴシック" panose="020B0600070205080204" pitchFamily="50" charset="-128"/>
-              </a:rPr>
-              <a:t>Paul </a:t>
-            </a:r>
-            <a:r>
-              <a:rPr lang="en-US" altLang="ja-JP" dirty="0" err="1" smtClean="0">
-                <a:latin typeface="ＭＳ Ｐゴシック" panose="020B0600070205080204" pitchFamily="50" charset="-128"/>
-              </a:rPr>
-              <a:t>Kinlan.</a:t>
-            </a:r>
-            <a:r>
-              <a:rPr lang="en-US" altLang="ja-JP" dirty="0" err="1" smtClean="0"/>
-              <a:t>What</a:t>
-            </a:r>
-            <a:r>
-              <a:rPr lang="en-US" altLang="ja-JP" dirty="0" smtClean="0"/>
-              <a:t> </a:t>
-            </a:r>
-            <a:r>
-              <a:rPr lang="en-US" altLang="ja-JP" dirty="0"/>
-              <a:t>do people want from a news experience</a:t>
-            </a:r>
-            <a:r>
-              <a:rPr lang="en-US" altLang="ja-JP" dirty="0" smtClean="0"/>
-              <a:t>?</a:t>
-            </a:r>
-            <a:r>
-              <a:rPr lang="en-US" altLang="ja-JP" dirty="0">
-                <a:latin typeface="ＭＳ Ｐゴシック" panose="020B0600070205080204" pitchFamily="50" charset="-128"/>
-              </a:rPr>
-              <a:t> (2014-12-8</a:t>
-            </a:r>
-            <a:r>
-              <a:rPr lang="en-US" altLang="ja-JP" dirty="0" smtClean="0">
-                <a:latin typeface="ＭＳ Ｐゴシック" panose="020B0600070205080204" pitchFamily="50" charset="-128"/>
-              </a:rPr>
-              <a:t>)</a:t>
-            </a:r>
-          </a:p>
-          <a:p>
-            <a:pPr marL="0" indent="0">
-              <a:buNone/>
-            </a:pPr>
-            <a:r>
-              <a:rPr lang="en-US" altLang="ja-JP" b="1" u="sng" dirty="0"/>
-              <a:t>Web</a:t>
-            </a:r>
-            <a:r>
-              <a:rPr lang="ja-JP" altLang="en-US" b="1" u="sng" dirty="0" smtClean="0"/>
-              <a:t>パフォーマンスの計測・最適化</a:t>
-            </a:r>
-            <a:r>
-              <a:rPr lang="en-US" altLang="ja-JP" b="1" u="sng" dirty="0" smtClean="0"/>
-              <a:t>(RAIL</a:t>
-            </a:r>
-            <a:r>
-              <a:rPr lang="ja-JP" altLang="en-US" b="1" u="sng" dirty="0" smtClean="0"/>
-              <a:t>モデル</a:t>
-            </a:r>
-            <a:r>
-              <a:rPr lang="en-US" altLang="ja-JP" b="1" u="sng" dirty="0" smtClean="0"/>
-              <a:t>)</a:t>
-            </a:r>
-          </a:p>
-          <a:p>
-            <a:pPr marL="0" indent="0">
-              <a:buNone/>
-            </a:pPr>
-            <a:r>
-              <a:rPr lang="en-US" altLang="ja-JP" dirty="0" smtClean="0"/>
-              <a:t>[Google 2018]Google </a:t>
-            </a:r>
-            <a:r>
-              <a:rPr lang="en-US" altLang="ja-JP" dirty="0"/>
-              <a:t>Inc. The RAIL Performance Model. https://developers.google.com/web/ tools/chrome-</a:t>
-            </a:r>
-            <a:r>
-              <a:rPr lang="en-US" altLang="ja-JP" dirty="0" err="1"/>
-              <a:t>devtools</a:t>
-            </a:r>
-            <a:r>
-              <a:rPr lang="en-US" altLang="ja-JP" dirty="0"/>
-              <a:t>/profile/evaluate-performance/rail, 2018.</a:t>
-            </a:r>
-            <a:endParaRPr lang="ja-JP" altLang="en-US" dirty="0">
-              <a:latin typeface="ＭＳ Ｐゴシック" panose="020B0600070205080204" pitchFamily="50" charset="-128"/>
-            </a:endParaRPr>
           </a:p>
         </p:txBody>
       </p:sp>
@@ -9707,10 +9477,34 @@
           </a:p>
         </p:txBody>
       </p:sp>
+      <p:pic>
+        <p:nvPicPr>
+          <p:cNvPr id="5" name="図 4"/>
+          <p:cNvPicPr>
+            <a:picLocks noChangeAspect="1"/>
+          </p:cNvPicPr>
+          <p:nvPr/>
+        </p:nvPicPr>
+        <p:blipFill>
+          <a:blip r:embed="rId3"/>
+          <a:stretch>
+            <a:fillRect/>
+          </a:stretch>
+        </p:blipFill>
+        <p:spPr>
+          <a:xfrm>
+            <a:off x="442912" y="1044576"/>
+            <a:ext cx="8258175" cy="5676900"/>
+          </a:xfrm>
+          <a:prstGeom prst="rect">
+            <a:avLst/>
+          </a:prstGeom>
+        </p:spPr>
+      </p:pic>
     </p:spTree>
     <p:extLst>
       <p:ext uri="{BB962C8B-B14F-4D97-AF65-F5344CB8AC3E}">
-        <p14:creationId xmlns:p14="http://schemas.microsoft.com/office/powerpoint/2010/main" val="1354858444"/>
+        <p14:creationId xmlns:p14="http://schemas.microsoft.com/office/powerpoint/2010/main" val="664081202"/>
       </p:ext>
     </p:extLst>
   </p:cSld>
@@ -10014,7 +9808,7 @@
         </p:spPr>
         <p:txBody>
           <a:bodyPr>
-            <a:normAutofit/>
+            <a:normAutofit fontScale="92500" lnSpcReduction="10000"/>
           </a:bodyPr>
           <a:lstStyle/>
           <a:p>
@@ -10022,12 +9816,16 @@
               <a:buNone/>
             </a:pPr>
             <a:r>
+              <a:rPr lang="ja-JP" altLang="en-US" b="1" u="sng" dirty="0" smtClean="0"/>
+              <a:t>ページの表示速度と</a:t>
+            </a:r>
+            <a:r>
               <a:rPr lang="en-US" altLang="ja-JP" b="1" u="sng" dirty="0" smtClean="0"/>
-              <a:t>Raspberry Pi OS </a:t>
+              <a:t>SEO</a:t>
             </a:r>
             <a:r>
               <a:rPr lang="ja-JP" altLang="en-US" b="1" u="sng" dirty="0" smtClean="0"/>
-              <a:t>インストール</a:t>
+              <a:t>の関係</a:t>
             </a:r>
             <a:endParaRPr lang="en-US" altLang="ja-JP" b="1" u="sng" dirty="0" smtClean="0"/>
           </a:p>
@@ -10037,37 +9835,333 @@
             </a:pPr>
             <a:r>
               <a:rPr lang="en-US" altLang="ja-JP" dirty="0" smtClean="0"/>
-              <a:t>[Raspberry 2021] </a:t>
+              <a:t>[</a:t>
             </a:r>
             <a:r>
               <a:rPr lang="en-US" altLang="ja-JP" dirty="0"/>
-              <a:t>https://www.raspberrypi.com/software/</a:t>
-            </a:r>
-            <a:r>
-              <a:rPr lang="ja-JP" altLang="en-US" dirty="0"/>
-              <a:t>（</a:t>
+              <a:t>Daniel</a:t>
+            </a:r>
+            <a:r>
+              <a:rPr lang="en-US" altLang="ja-JP" dirty="0" smtClean="0"/>
+              <a:t> 2017]Daniel An.</a:t>
+            </a:r>
+            <a:r>
+              <a:rPr lang="en-US" altLang="ja-JP" dirty="0" smtClean="0">
+                <a:latin typeface="ＭＳ Ｐゴシック" panose="020B0600070205080204" pitchFamily="50" charset="-128"/>
+              </a:rPr>
+              <a:t> </a:t>
             </a:r>
             <a:r>
               <a:rPr lang="en-US" altLang="ja-JP" dirty="0"/>
-              <a:t>2021/11/03</a:t>
-            </a:r>
-            <a:r>
-              <a:rPr lang="ja-JP" altLang="en-US" dirty="0" smtClean="0"/>
-              <a:t>）</a:t>
-            </a:r>
-            <a:endParaRPr lang="en-US" altLang="ja-JP" dirty="0" smtClean="0"/>
+              <a:t>Find out how you stack up to new industry benchmarks for mobile page </a:t>
+            </a:r>
+            <a:r>
+              <a:rPr lang="en-US" altLang="ja-JP" dirty="0" err="1" smtClean="0"/>
+              <a:t>speed.p</a:t>
+            </a:r>
+            <a:endParaRPr lang="en-US" altLang="ja-JP" dirty="0"/>
           </a:p>
           <a:p>
             <a:pPr marL="0" indent="0">
               <a:buNone/>
             </a:pPr>
             <a:r>
+              <a:rPr lang="en-US" altLang="ja-JP" dirty="0" smtClean="0">
+                <a:latin typeface="ＭＳ Ｐゴシック" panose="020B0600070205080204" pitchFamily="50" charset="-128"/>
+              </a:rPr>
+              <a:t>(2017-02)</a:t>
+            </a:r>
+          </a:p>
+          <a:p>
+            <a:pPr marL="0" indent="0">
+              <a:buNone/>
+            </a:pPr>
+            <a:r>
+              <a:rPr lang="ja-JP" altLang="ja-JP" b="1" u="sng" dirty="0" smtClean="0"/>
+              <a:t>反応</a:t>
+            </a:r>
+            <a:r>
+              <a:rPr lang="ja-JP" altLang="ja-JP" b="1" u="sng" dirty="0"/>
+              <a:t>時間の遅延</a:t>
+            </a:r>
+            <a:r>
+              <a:rPr lang="ja-JP" altLang="ja-JP" b="1" u="sng" dirty="0" smtClean="0"/>
+              <a:t>と</a:t>
+            </a:r>
+            <a:r>
+              <a:rPr lang="ja-JP" altLang="en-US" b="1" u="sng" dirty="0" smtClean="0"/>
+              <a:t>，</a:t>
+            </a:r>
+            <a:r>
+              <a:rPr lang="ja-JP" altLang="ja-JP" b="1" u="sng" dirty="0" smtClean="0"/>
+              <a:t>それ</a:t>
+            </a:r>
+            <a:r>
+              <a:rPr lang="ja-JP" altLang="ja-JP" b="1" u="sng" dirty="0"/>
+              <a:t>に対するユーザの反応</a:t>
+            </a:r>
+            <a:endParaRPr lang="en-US" altLang="ja-JP" b="1" u="sng" dirty="0" smtClean="0">
+              <a:latin typeface="ＭＳ Ｐゴシック" panose="020B0600070205080204" pitchFamily="50" charset="-128"/>
+            </a:endParaRPr>
+          </a:p>
+          <a:p>
+            <a:pPr marL="0" indent="0">
+              <a:buNone/>
+            </a:pPr>
+            <a:r>
+              <a:rPr lang="en-US" altLang="ja-JP" dirty="0" smtClean="0">
+                <a:latin typeface="ＭＳ Ｐゴシック" panose="020B0600070205080204" pitchFamily="50" charset="-128"/>
+              </a:rPr>
+              <a:t>[Paul 2014] </a:t>
+            </a:r>
+            <a:r>
+              <a:rPr lang="en-US" altLang="ja-JP" dirty="0">
+                <a:latin typeface="ＭＳ Ｐゴシック" panose="020B0600070205080204" pitchFamily="50" charset="-128"/>
+              </a:rPr>
+              <a:t>Paul </a:t>
+            </a:r>
+            <a:r>
+              <a:rPr lang="en-US" altLang="ja-JP" dirty="0" err="1" smtClean="0">
+                <a:latin typeface="ＭＳ Ｐゴシック" panose="020B0600070205080204" pitchFamily="50" charset="-128"/>
+              </a:rPr>
+              <a:t>Kinlan.</a:t>
+            </a:r>
+            <a:r>
+              <a:rPr lang="en-US" altLang="ja-JP" dirty="0" err="1" smtClean="0"/>
+              <a:t>What</a:t>
+            </a:r>
+            <a:r>
+              <a:rPr lang="en-US" altLang="ja-JP" dirty="0" smtClean="0"/>
+              <a:t> </a:t>
+            </a:r>
+            <a:r>
+              <a:rPr lang="en-US" altLang="ja-JP" dirty="0"/>
+              <a:t>do people want from a news experience</a:t>
+            </a:r>
+            <a:r>
+              <a:rPr lang="en-US" altLang="ja-JP" dirty="0" smtClean="0"/>
+              <a:t>?</a:t>
+            </a:r>
+            <a:r>
+              <a:rPr lang="en-US" altLang="ja-JP" dirty="0">
+                <a:latin typeface="ＭＳ Ｐゴシック" panose="020B0600070205080204" pitchFamily="50" charset="-128"/>
+              </a:rPr>
+              <a:t> (2014-12-8</a:t>
+            </a:r>
+            <a:r>
+              <a:rPr lang="en-US" altLang="ja-JP" dirty="0" smtClean="0">
+                <a:latin typeface="ＭＳ Ｐゴシック" panose="020B0600070205080204" pitchFamily="50" charset="-128"/>
+              </a:rPr>
+              <a:t>)</a:t>
+            </a:r>
+          </a:p>
+          <a:p>
+            <a:pPr marL="0" indent="0">
+              <a:buNone/>
+            </a:pPr>
+            <a:r>
+              <a:rPr lang="en-US" altLang="ja-JP" b="1" u="sng" dirty="0"/>
+              <a:t>Web</a:t>
+            </a:r>
+            <a:r>
+              <a:rPr lang="ja-JP" altLang="en-US" b="1" u="sng" dirty="0" smtClean="0"/>
+              <a:t>パフォーマンスの計測・最適化</a:t>
+            </a:r>
+            <a:r>
+              <a:rPr lang="en-US" altLang="ja-JP" b="1" u="sng" dirty="0" smtClean="0"/>
+              <a:t>(RAIL</a:t>
+            </a:r>
+            <a:r>
+              <a:rPr lang="ja-JP" altLang="en-US" b="1" u="sng" dirty="0" smtClean="0"/>
+              <a:t>モデル</a:t>
+            </a:r>
+            <a:r>
+              <a:rPr lang="en-US" altLang="ja-JP" b="1" u="sng" dirty="0" smtClean="0"/>
+              <a:t>)</a:t>
+            </a:r>
+          </a:p>
+          <a:p>
+            <a:pPr marL="0" indent="0">
+              <a:buNone/>
+            </a:pPr>
+            <a:r>
+              <a:rPr lang="en-US" altLang="ja-JP" dirty="0" smtClean="0"/>
+              <a:t>[Google 2018]Google </a:t>
+            </a:r>
+            <a:r>
+              <a:rPr lang="en-US" altLang="ja-JP" dirty="0"/>
+              <a:t>Inc. The RAIL Performance Model. https://developers.google.com/web/ tools/chrome-</a:t>
+            </a:r>
+            <a:r>
+              <a:rPr lang="en-US" altLang="ja-JP" dirty="0" err="1"/>
+              <a:t>devtools</a:t>
+            </a:r>
+            <a:r>
+              <a:rPr lang="en-US" altLang="ja-JP" dirty="0"/>
+              <a:t>/profile/evaluate-performance/rail, 2018.</a:t>
+            </a:r>
+            <a:endParaRPr lang="ja-JP" altLang="en-US" dirty="0">
+              <a:latin typeface="ＭＳ Ｐゴシック" panose="020B0600070205080204" pitchFamily="50" charset="-128"/>
+            </a:endParaRPr>
+          </a:p>
+        </p:txBody>
+      </p:sp>
+      <p:sp>
+        <p:nvSpPr>
+          <p:cNvPr id="4" name="スライド番号プレースホルダー 3"/>
+          <p:cNvSpPr>
+            <a:spLocks noGrp="1"/>
+          </p:cNvSpPr>
+          <p:nvPr>
+            <p:ph type="sldNum" sz="quarter" idx="12"/>
+          </p:nvPr>
+        </p:nvSpPr>
+        <p:spPr/>
+        <p:txBody>
+          <a:bodyPr/>
+          <a:lstStyle/>
+          <a:p>
+            <a:fld id="{B4451160-128F-4DAD-AE29-4A8CC0E7B9E9}" type="slidenum">
+              <a:rPr lang="ja-JP" altLang="en-US" smtClean="0"/>
+              <a:pPr/>
+              <a:t>20</a:t>
+            </a:fld>
+            <a:endParaRPr lang="ja-JP" altLang="en-US" dirty="0"/>
+          </a:p>
+        </p:txBody>
+      </p:sp>
+    </p:spTree>
+    <p:extLst>
+      <p:ext uri="{BB962C8B-B14F-4D97-AF65-F5344CB8AC3E}">
+        <p14:creationId xmlns:p14="http://schemas.microsoft.com/office/powerpoint/2010/main" val="1354858444"/>
+      </p:ext>
+    </p:extLst>
+  </p:cSld>
+  <p:clrMapOvr>
+    <a:masterClrMapping/>
+  </p:clrMapOvr>
+  <p:timing>
+    <p:tnLst>
+      <p:par>
+        <p:cTn id="1" dur="indefinite" restart="never" nodeType="tmRoot"/>
+      </p:par>
+    </p:tnLst>
+  </p:timing>
+</p:sld>
+</file>
+
+<file path=ppt/slides/slide21.xml><?xml version="1.0" encoding="utf-8"?>
+<p:sld xmlns:a="http://schemas.openxmlformats.org/drawingml/2006/main" xmlns:r="http://schemas.openxmlformats.org/officeDocument/2006/relationships" xmlns:p="http://schemas.openxmlformats.org/presentationml/2006/main">
+  <p:cSld>
+    <p:spTree>
+      <p:nvGrpSpPr>
+        <p:cNvPr id="1" name=""/>
+        <p:cNvGrpSpPr/>
+        <p:nvPr/>
+      </p:nvGrpSpPr>
+      <p:grpSpPr>
+        <a:xfrm>
+          <a:off x="0" y="0"/>
+          <a:ext cx="0" cy="0"/>
+          <a:chOff x="0" y="0"/>
+          <a:chExt cx="0" cy="0"/>
+        </a:xfrm>
+      </p:grpSpPr>
+      <p:sp>
+        <p:nvSpPr>
+          <p:cNvPr id="2" name="タイトル 1"/>
+          <p:cNvSpPr>
+            <a:spLocks noGrp="1"/>
+          </p:cNvSpPr>
+          <p:nvPr>
+            <p:ph type="title"/>
+          </p:nvPr>
+        </p:nvSpPr>
+        <p:spPr/>
+        <p:txBody>
+          <a:bodyPr/>
+          <a:lstStyle/>
+          <a:p>
+            <a:r>
+              <a:rPr kumimoji="1" lang="ja-JP" altLang="en-US" dirty="0" smtClean="0"/>
+              <a:t>参考文献</a:t>
+            </a:r>
+            <a:endParaRPr kumimoji="1" lang="ja-JP" altLang="en-US" dirty="0"/>
+          </a:p>
+        </p:txBody>
+      </p:sp>
+      <p:sp>
+        <p:nvSpPr>
+          <p:cNvPr id="3" name="コンテンツ プレースホルダー 2"/>
+          <p:cNvSpPr>
+            <a:spLocks noGrp="1"/>
+          </p:cNvSpPr>
+          <p:nvPr>
+            <p:ph idx="1"/>
+          </p:nvPr>
+        </p:nvSpPr>
+        <p:spPr>
+          <a:xfrm>
+            <a:off x="628650" y="1606168"/>
+            <a:ext cx="7886700" cy="4602607"/>
+          </a:xfrm>
+        </p:spPr>
+        <p:txBody>
+          <a:bodyPr>
+            <a:normAutofit/>
+          </a:bodyPr>
+          <a:lstStyle/>
+          <a:p>
+            <a:pPr marL="0" indent="0">
+              <a:buNone/>
+            </a:pPr>
+            <a:r>
+              <a:rPr lang="en-US" altLang="ja-JP" b="1" u="sng" dirty="0" smtClean="0"/>
+              <a:t>Raspberry Pi OS </a:t>
+            </a:r>
+            <a:r>
+              <a:rPr lang="ja-JP" altLang="en-US" b="1" u="sng" dirty="0" smtClean="0"/>
+              <a:t>インストール</a:t>
+            </a:r>
+            <a:endParaRPr lang="en-US" altLang="ja-JP" b="1" u="sng" dirty="0" smtClean="0"/>
+          </a:p>
+          <a:p>
+            <a:pPr marL="0" indent="0">
+              <a:buNone/>
+            </a:pPr>
+            <a:r>
+              <a:rPr lang="en-US" altLang="ja-JP" dirty="0" smtClean="0"/>
+              <a:t>[Raspberry 2021] </a:t>
+            </a:r>
+            <a:r>
+              <a:rPr lang="en-US" altLang="ja-JP" dirty="0"/>
+              <a:t>https://www.raspberrypi.com/software/</a:t>
+            </a:r>
+            <a:r>
+              <a:rPr lang="ja-JP" altLang="en-US" dirty="0"/>
+              <a:t>（</a:t>
+            </a:r>
+            <a:r>
+              <a:rPr lang="en-US" altLang="ja-JP" dirty="0"/>
+              <a:t>2021/11/03</a:t>
+            </a:r>
+            <a:r>
+              <a:rPr lang="ja-JP" altLang="en-US" dirty="0" smtClean="0"/>
+              <a:t>）</a:t>
+            </a:r>
+            <a:endParaRPr lang="en-US" altLang="ja-JP" dirty="0" smtClean="0"/>
+          </a:p>
+          <a:p>
+            <a:pPr marL="0" indent="0">
+              <a:buNone/>
+            </a:pPr>
+            <a:r>
               <a:rPr lang="en-US" altLang="ja-JP" b="1" u="sng" dirty="0" smtClean="0"/>
               <a:t>Anaconda</a:t>
             </a:r>
             <a:r>
-              <a:rPr lang="ja-JP" altLang="en-US" b="1" u="sng" dirty="0" err="1" smtClean="0"/>
-              <a:t>、</a:t>
+              <a:rPr lang="ja-JP" altLang="en-US" b="1" u="sng" dirty="0" err="1"/>
+              <a:t>，</a:t>
             </a:r>
             <a:r>
               <a:rPr lang="en-US" altLang="ja-JP" b="1" u="sng" dirty="0" smtClean="0"/>
@@ -10135,7 +10229,7 @@
             <a:fld id="{B4451160-128F-4DAD-AE29-4A8CC0E7B9E9}" type="slidenum">
               <a:rPr lang="ja-JP" altLang="en-US" smtClean="0"/>
               <a:pPr/>
-              <a:t>20</a:t>
+              <a:t>21</a:t>
             </a:fld>
             <a:endParaRPr lang="ja-JP" altLang="en-US" dirty="0"/>
           </a:p>
@@ -11020,11 +11114,7 @@
             </a:r>
             <a:r>
               <a:rPr lang="ja-JP" altLang="en-US" sz="3200" dirty="0" smtClean="0"/>
-              <a:t>しやすさ，コスト</a:t>
-            </a:r>
-            <a:r>
-              <a:rPr lang="ja-JP" altLang="en-US" sz="3200" dirty="0" smtClean="0"/>
-              <a:t>の安さから異種</a:t>
+              <a:t>しやすさ，コストの安さから異種</a:t>
             </a:r>
             <a:r>
               <a:rPr lang="ja-JP" altLang="en-US" sz="3200" dirty="0"/>
@@ -11408,7 +11498,6 @@
               <a:rPr lang="ja-JP" altLang="en-US" sz="3200" dirty="0"/>
               <a:t>実験による実現可能性の評価</a:t>
             </a:r>
-            <a:endParaRPr lang="ja-JP" altLang="en-US" sz="3200" dirty="0"/>
           </a:p>
         </p:txBody>
       </p:sp>

--- a/発表用/1821086_卒業研究発表会.pptx
+++ b/発表用/1821086_卒業研究発表会.pptx
@@ -5,30 +5,28 @@
     <p:sldMasterId id="2147483660" r:id="rId1"/>
   </p:sldMasterIdLst>
   <p:notesMasterIdLst>
-    <p:notesMasterId r:id="rId23"/>
+    <p:notesMasterId r:id="rId21"/>
   </p:notesMasterIdLst>
   <p:sldIdLst>
     <p:sldId id="291" r:id="rId2"/>
     <p:sldId id="300" r:id="rId3"/>
     <p:sldId id="334" r:id="rId4"/>
-    <p:sldId id="261" r:id="rId5"/>
-    <p:sldId id="335" r:id="rId6"/>
-    <p:sldId id="258" r:id="rId7"/>
-    <p:sldId id="336" r:id="rId8"/>
-    <p:sldId id="260" r:id="rId9"/>
-    <p:sldId id="263" r:id="rId10"/>
-    <p:sldId id="337" r:id="rId11"/>
-    <p:sldId id="318" r:id="rId12"/>
-    <p:sldId id="330" r:id="rId13"/>
-    <p:sldId id="289" r:id="rId14"/>
-    <p:sldId id="286" r:id="rId15"/>
-    <p:sldId id="287" r:id="rId16"/>
+    <p:sldId id="335" r:id="rId5"/>
+    <p:sldId id="258" r:id="rId6"/>
+    <p:sldId id="336" r:id="rId7"/>
+    <p:sldId id="260" r:id="rId8"/>
+    <p:sldId id="263" r:id="rId9"/>
+    <p:sldId id="338" r:id="rId10"/>
+    <p:sldId id="318" r:id="rId11"/>
+    <p:sldId id="330" r:id="rId12"/>
+    <p:sldId id="289" r:id="rId13"/>
+    <p:sldId id="286" r:id="rId14"/>
+    <p:sldId id="339" r:id="rId15"/>
+    <p:sldId id="337" r:id="rId16"/>
     <p:sldId id="294" r:id="rId17"/>
     <p:sldId id="331" r:id="rId18"/>
     <p:sldId id="315" r:id="rId19"/>
-    <p:sldId id="301" r:id="rId20"/>
-    <p:sldId id="333" r:id="rId21"/>
-    <p:sldId id="332" r:id="rId22"/>
+    <p:sldId id="333" r:id="rId20"/>
   </p:sldIdLst>
   <p:sldSz cx="9144000" cy="6858000" type="screen4x3"/>
   <p:notesSz cx="6735763" cy="9866313"/>
@@ -272,7 +270,7 @@
           <a:p>
             <a:fld id="{27571B5F-C8EC-4379-AD76-80FD414F3861}" type="datetimeFigureOut">
               <a:rPr kumimoji="1" lang="ja-JP" altLang="en-US" smtClean="0"/>
-              <a:t>2022/1/16</a:t>
+              <a:t>2022/1/18</a:t>
             </a:fld>
             <a:endParaRPr kumimoji="1" lang="ja-JP" altLang="en-US"/>
           </a:p>
@@ -723,484 +721,6 @@
 </p:notes>
 </file>
 
-<file path=ppt/notesSlides/notesSlide10.xml><?xml version="1.0" encoding="utf-8"?>
-<p:notes xmlns:a="http://schemas.openxmlformats.org/drawingml/2006/main" xmlns:r="http://schemas.openxmlformats.org/officeDocument/2006/relationships" xmlns:p="http://schemas.openxmlformats.org/presentationml/2006/main">
-  <p:cSld>
-    <p:spTree>
-      <p:nvGrpSpPr>
-        <p:cNvPr id="1" name=""/>
-        <p:cNvGrpSpPr/>
-        <p:nvPr/>
-      </p:nvGrpSpPr>
-      <p:grpSpPr>
-        <a:xfrm>
-          <a:off x="0" y="0"/>
-          <a:ext cx="0" cy="0"/>
-          <a:chOff x="0" y="0"/>
-          <a:chExt cx="0" cy="0"/>
-        </a:xfrm>
-      </p:grpSpPr>
-      <p:sp>
-        <p:nvSpPr>
-          <p:cNvPr id="2" name="スライド イメージ プレースホルダー 1"/>
-          <p:cNvSpPr>
-            <a:spLocks noGrp="1" noRot="1" noChangeAspect="1"/>
-          </p:cNvSpPr>
-          <p:nvPr>
-            <p:ph type="sldImg"/>
-          </p:nvPr>
-        </p:nvSpPr>
-        <p:spPr/>
-      </p:sp>
-      <p:sp>
-        <p:nvSpPr>
-          <p:cNvPr id="3" name="ノート プレースホルダー 2"/>
-          <p:cNvSpPr>
-            <a:spLocks noGrp="1"/>
-          </p:cNvSpPr>
-          <p:nvPr>
-            <p:ph type="body" idx="1"/>
-          </p:nvPr>
-        </p:nvSpPr>
-        <p:spPr/>
-        <p:txBody>
-          <a:bodyPr/>
-          <a:lstStyle/>
-          <a:p>
-            <a:pPr marL="0" marR="0" lvl="0" indent="0" algn="l" defTabSz="914400" rtl="0" eaLnBrk="1" fontAlgn="auto" latinLnBrk="0" hangingPunct="1">
-              <a:lnSpc>
-                <a:spcPct val="100000"/>
-              </a:lnSpc>
-              <a:spcBef>
-                <a:spcPts val="0"/>
-              </a:spcBef>
-              <a:spcAft>
-                <a:spcPts val="0"/>
-              </a:spcAft>
-              <a:buClrTx/>
-              <a:buSzTx/>
-              <a:buFontTx/>
-              <a:buNone/>
-              <a:tabLst/>
-              <a:defRPr/>
-            </a:pPr>
-            <a:r>
-              <a:rPr kumimoji="1" lang="en-US" altLang="ja-JP" sz="1200" kern="1200" dirty="0" smtClean="0">
-                <a:solidFill>
-                  <a:schemeClr val="tx1"/>
-                </a:solidFill>
-                <a:latin typeface="+mn-lt"/>
-                <a:ea typeface="+mn-ea"/>
-                <a:cs typeface="+mn-cs"/>
-              </a:rPr>
-              <a:t>SEO</a:t>
-            </a:r>
-          </a:p>
-          <a:p>
-            <a:pPr marL="0" marR="0" lvl="0" indent="0" algn="l" defTabSz="914400" rtl="0" eaLnBrk="1" fontAlgn="auto" latinLnBrk="0" hangingPunct="1">
-              <a:lnSpc>
-                <a:spcPct val="100000"/>
-              </a:lnSpc>
-              <a:spcBef>
-                <a:spcPts val="0"/>
-              </a:spcBef>
-              <a:spcAft>
-                <a:spcPts val="0"/>
-              </a:spcAft>
-              <a:buClrTx/>
-              <a:buSzTx/>
-              <a:buFontTx/>
-              <a:buNone/>
-              <a:tabLst/>
-              <a:defRPr/>
-            </a:pPr>
-            <a:r>
-              <a:rPr kumimoji="1" lang="en-US" altLang="ja-JP" sz="1200" kern="1200" dirty="0" smtClean="0">
-                <a:solidFill>
-                  <a:schemeClr val="tx1"/>
-                </a:solidFill>
-                <a:latin typeface="+mn-lt"/>
-                <a:ea typeface="+mn-ea"/>
-                <a:cs typeface="+mn-cs"/>
-                <a:hlinkClick r:id="rId3"/>
-              </a:rPr>
-              <a:t>https://www.thinkwithgoogle.com/marketing-strategies/app-and-mobile/mobile-page-speed-new-industry-benchmarks/</a:t>
-            </a:r>
-            <a:endParaRPr kumimoji="1" lang="en-US" altLang="ja-JP" sz="1200" kern="1200" dirty="0" smtClean="0">
-              <a:solidFill>
-                <a:schemeClr val="tx1"/>
-              </a:solidFill>
-              <a:latin typeface="+mn-lt"/>
-              <a:ea typeface="+mn-ea"/>
-              <a:cs typeface="+mn-cs"/>
-            </a:endParaRPr>
-          </a:p>
-          <a:p>
-            <a:pPr marL="0" marR="0" lvl="0" indent="0" algn="l" defTabSz="914400" rtl="0" eaLnBrk="1" fontAlgn="auto" latinLnBrk="0" hangingPunct="1">
-              <a:lnSpc>
-                <a:spcPct val="100000"/>
-              </a:lnSpc>
-              <a:spcBef>
-                <a:spcPts val="0"/>
-              </a:spcBef>
-              <a:spcAft>
-                <a:spcPts val="0"/>
-              </a:spcAft>
-              <a:buClrTx/>
-              <a:buSzTx/>
-              <a:buFontTx/>
-              <a:buNone/>
-              <a:tabLst/>
-              <a:defRPr/>
-            </a:pPr>
-            <a:r>
-              <a:rPr kumimoji="1" lang="en-US" altLang="ja-JP" sz="1200" kern="1200" dirty="0" smtClean="0">
-                <a:solidFill>
-                  <a:schemeClr val="tx1"/>
-                </a:solidFill>
-                <a:latin typeface="+mn-lt"/>
-                <a:ea typeface="+mn-ea"/>
-                <a:cs typeface="+mn-cs"/>
-              </a:rPr>
-              <a:t>RAIL</a:t>
-            </a:r>
-            <a:r>
-              <a:rPr kumimoji="1" lang="ja-JP" altLang="en-US" sz="1200" kern="1200" dirty="0" smtClean="0">
-                <a:solidFill>
-                  <a:schemeClr val="tx1"/>
-                </a:solidFill>
-                <a:latin typeface="+mn-lt"/>
-                <a:ea typeface="+mn-ea"/>
-                <a:cs typeface="+mn-cs"/>
-              </a:rPr>
-              <a:t>モデルでパフォーマンスを測定する</a:t>
-            </a:r>
-            <a:endParaRPr kumimoji="1" lang="en-US" altLang="ja-JP" sz="1200" kern="1200" dirty="0" smtClean="0">
-              <a:solidFill>
-                <a:schemeClr val="tx1"/>
-              </a:solidFill>
-              <a:latin typeface="+mn-lt"/>
-              <a:ea typeface="+mn-ea"/>
-              <a:cs typeface="+mn-cs"/>
-            </a:endParaRPr>
-          </a:p>
-          <a:p>
-            <a:pPr marL="0" marR="0" lvl="0" indent="0" algn="l" defTabSz="914400" rtl="0" eaLnBrk="1" fontAlgn="auto" latinLnBrk="0" hangingPunct="1">
-              <a:lnSpc>
-                <a:spcPct val="100000"/>
-              </a:lnSpc>
-              <a:spcBef>
-                <a:spcPts val="0"/>
-              </a:spcBef>
-              <a:spcAft>
-                <a:spcPts val="0"/>
-              </a:spcAft>
-              <a:buClrTx/>
-              <a:buSzTx/>
-              <a:buFontTx/>
-              <a:buNone/>
-              <a:tabLst/>
-              <a:defRPr/>
-            </a:pPr>
-            <a:r>
-              <a:rPr kumimoji="1" lang="en-US" altLang="ja-JP" sz="1200" kern="1200" dirty="0" smtClean="0">
-                <a:solidFill>
-                  <a:schemeClr val="tx1"/>
-                </a:solidFill>
-                <a:latin typeface="+mn-lt"/>
-                <a:ea typeface="+mn-ea"/>
-                <a:cs typeface="+mn-cs"/>
-              </a:rPr>
-              <a:t>https://web.dev/rail/</a:t>
-            </a:r>
-          </a:p>
-          <a:p>
-            <a:endParaRPr kumimoji="1" lang="ja-JP" altLang="en-US" sz="1200" kern="1200" dirty="0">
-              <a:solidFill>
-                <a:schemeClr val="tx1"/>
-              </a:solidFill>
-              <a:latin typeface="+mn-lt"/>
-              <a:ea typeface="+mn-ea"/>
-              <a:cs typeface="+mn-cs"/>
-            </a:endParaRPr>
-          </a:p>
-        </p:txBody>
-      </p:sp>
-      <p:sp>
-        <p:nvSpPr>
-          <p:cNvPr id="4" name="スライド番号プレースホルダー 3"/>
-          <p:cNvSpPr>
-            <a:spLocks noGrp="1"/>
-          </p:cNvSpPr>
-          <p:nvPr>
-            <p:ph type="sldNum" sz="quarter" idx="10"/>
-          </p:nvPr>
-        </p:nvSpPr>
-        <p:spPr/>
-        <p:txBody>
-          <a:bodyPr/>
-          <a:lstStyle/>
-          <a:p>
-            <a:fld id="{9D828324-DCC9-430F-AD2C-1DD1805E2C40}" type="slidenum">
-              <a:rPr kumimoji="1" lang="ja-JP" altLang="en-US" smtClean="0"/>
-              <a:t>20</a:t>
-            </a:fld>
-            <a:endParaRPr kumimoji="1" lang="ja-JP" altLang="en-US"/>
-          </a:p>
-        </p:txBody>
-      </p:sp>
-    </p:spTree>
-    <p:extLst>
-      <p:ext uri="{BB962C8B-B14F-4D97-AF65-F5344CB8AC3E}">
-        <p14:creationId xmlns:p14="http://schemas.microsoft.com/office/powerpoint/2010/main" val="186295231"/>
-      </p:ext>
-    </p:extLst>
-  </p:cSld>
-  <p:clrMapOvr>
-    <a:masterClrMapping/>
-  </p:clrMapOvr>
-</p:notes>
-</file>
-
-<file path=ppt/notesSlides/notesSlide11.xml><?xml version="1.0" encoding="utf-8"?>
-<p:notes xmlns:a="http://schemas.openxmlformats.org/drawingml/2006/main" xmlns:r="http://schemas.openxmlformats.org/officeDocument/2006/relationships" xmlns:p="http://schemas.openxmlformats.org/presentationml/2006/main">
-  <p:cSld>
-    <p:spTree>
-      <p:nvGrpSpPr>
-        <p:cNvPr id="1" name=""/>
-        <p:cNvGrpSpPr/>
-        <p:nvPr/>
-      </p:nvGrpSpPr>
-      <p:grpSpPr>
-        <a:xfrm>
-          <a:off x="0" y="0"/>
-          <a:ext cx="0" cy="0"/>
-          <a:chOff x="0" y="0"/>
-          <a:chExt cx="0" cy="0"/>
-        </a:xfrm>
-      </p:grpSpPr>
-      <p:sp>
-        <p:nvSpPr>
-          <p:cNvPr id="2" name="スライド イメージ プレースホルダー 1"/>
-          <p:cNvSpPr>
-            <a:spLocks noGrp="1" noRot="1" noChangeAspect="1"/>
-          </p:cNvSpPr>
-          <p:nvPr>
-            <p:ph type="sldImg"/>
-          </p:nvPr>
-        </p:nvSpPr>
-        <p:spPr/>
-      </p:sp>
-      <p:sp>
-        <p:nvSpPr>
-          <p:cNvPr id="3" name="ノート プレースホルダー 2"/>
-          <p:cNvSpPr>
-            <a:spLocks noGrp="1"/>
-          </p:cNvSpPr>
-          <p:nvPr>
-            <p:ph type="body" idx="1"/>
-          </p:nvPr>
-        </p:nvSpPr>
-        <p:spPr/>
-        <p:txBody>
-          <a:bodyPr/>
-          <a:lstStyle/>
-          <a:p>
-            <a:pPr marL="0" marR="0" lvl="0" indent="0" algn="l" defTabSz="914400" rtl="0" eaLnBrk="1" fontAlgn="auto" latinLnBrk="0" hangingPunct="1">
-              <a:lnSpc>
-                <a:spcPct val="100000"/>
-              </a:lnSpc>
-              <a:spcBef>
-                <a:spcPts val="0"/>
-              </a:spcBef>
-              <a:spcAft>
-                <a:spcPts val="0"/>
-              </a:spcAft>
-              <a:buClrTx/>
-              <a:buSzTx/>
-              <a:buFontTx/>
-              <a:buNone/>
-              <a:tabLst/>
-              <a:defRPr/>
-            </a:pPr>
-            <a:r>
-              <a:rPr kumimoji="1" lang="en-US" altLang="ja-JP" sz="1200" kern="1200" dirty="0" smtClean="0">
-                <a:solidFill>
-                  <a:schemeClr val="tx1"/>
-                </a:solidFill>
-                <a:latin typeface="+mn-lt"/>
-                <a:ea typeface="+mn-ea"/>
-                <a:cs typeface="+mn-cs"/>
-              </a:rPr>
-              <a:t>SEO</a:t>
-            </a:r>
-          </a:p>
-          <a:p>
-            <a:pPr marL="0" marR="0" lvl="0" indent="0" algn="l" defTabSz="914400" rtl="0" eaLnBrk="1" fontAlgn="auto" latinLnBrk="0" hangingPunct="1">
-              <a:lnSpc>
-                <a:spcPct val="100000"/>
-              </a:lnSpc>
-              <a:spcBef>
-                <a:spcPts val="0"/>
-              </a:spcBef>
-              <a:spcAft>
-                <a:spcPts val="0"/>
-              </a:spcAft>
-              <a:buClrTx/>
-              <a:buSzTx/>
-              <a:buFontTx/>
-              <a:buNone/>
-              <a:tabLst/>
-              <a:defRPr/>
-            </a:pPr>
-            <a:r>
-              <a:rPr kumimoji="1" lang="en-US" altLang="ja-JP" sz="1200" kern="1200" dirty="0" smtClean="0">
-                <a:solidFill>
-                  <a:schemeClr val="tx1"/>
-                </a:solidFill>
-                <a:latin typeface="+mn-lt"/>
-                <a:ea typeface="+mn-ea"/>
-                <a:cs typeface="+mn-cs"/>
-                <a:hlinkClick r:id="rId3"/>
-              </a:rPr>
-              <a:t>https://www.thinkwithgoogle.com/marketing-strategies/app-and-mobile/mobile-page-speed-new-industry-benchmarks/</a:t>
-            </a:r>
-            <a:endParaRPr kumimoji="1" lang="en-US" altLang="ja-JP" sz="1200" kern="1200" dirty="0" smtClean="0">
-              <a:solidFill>
-                <a:schemeClr val="tx1"/>
-              </a:solidFill>
-              <a:latin typeface="+mn-lt"/>
-              <a:ea typeface="+mn-ea"/>
-              <a:cs typeface="+mn-cs"/>
-            </a:endParaRPr>
-          </a:p>
-          <a:p>
-            <a:pPr marL="0" marR="0" lvl="0" indent="0" algn="l" defTabSz="914400" rtl="0" eaLnBrk="1" fontAlgn="auto" latinLnBrk="0" hangingPunct="1">
-              <a:lnSpc>
-                <a:spcPct val="100000"/>
-              </a:lnSpc>
-              <a:spcBef>
-                <a:spcPts val="0"/>
-              </a:spcBef>
-              <a:spcAft>
-                <a:spcPts val="0"/>
-              </a:spcAft>
-              <a:buClrTx/>
-              <a:buSzTx/>
-              <a:buFontTx/>
-              <a:buNone/>
-              <a:tabLst/>
-              <a:defRPr/>
-            </a:pPr>
-            <a:r>
-              <a:rPr kumimoji="1" lang="en-US" altLang="ja-JP" sz="1200" kern="1200" dirty="0" smtClean="0">
-                <a:solidFill>
-                  <a:schemeClr val="tx1"/>
-                </a:solidFill>
-                <a:latin typeface="+mn-lt"/>
-                <a:ea typeface="+mn-ea"/>
-                <a:cs typeface="+mn-cs"/>
-              </a:rPr>
-              <a:t>RAIL</a:t>
-            </a:r>
-            <a:r>
-              <a:rPr kumimoji="1" lang="ja-JP" altLang="en-US" sz="1200" kern="1200" dirty="0" smtClean="0">
-                <a:solidFill>
-                  <a:schemeClr val="tx1"/>
-                </a:solidFill>
-                <a:latin typeface="+mn-lt"/>
-                <a:ea typeface="+mn-ea"/>
-                <a:cs typeface="+mn-cs"/>
-              </a:rPr>
-              <a:t>モデルでパフォーマンスを測定する</a:t>
-            </a:r>
-            <a:endParaRPr kumimoji="1" lang="en-US" altLang="ja-JP" sz="1200" kern="1200" dirty="0" smtClean="0">
-              <a:solidFill>
-                <a:schemeClr val="tx1"/>
-              </a:solidFill>
-              <a:latin typeface="+mn-lt"/>
-              <a:ea typeface="+mn-ea"/>
-              <a:cs typeface="+mn-cs"/>
-            </a:endParaRPr>
-          </a:p>
-          <a:p>
-            <a:pPr marL="0" marR="0" lvl="0" indent="0" algn="l" defTabSz="914400" rtl="0" eaLnBrk="1" fontAlgn="auto" latinLnBrk="0" hangingPunct="1">
-              <a:lnSpc>
-                <a:spcPct val="100000"/>
-              </a:lnSpc>
-              <a:spcBef>
-                <a:spcPts val="0"/>
-              </a:spcBef>
-              <a:spcAft>
-                <a:spcPts val="0"/>
-              </a:spcAft>
-              <a:buClrTx/>
-              <a:buSzTx/>
-              <a:buFontTx/>
-              <a:buNone/>
-              <a:tabLst/>
-              <a:defRPr/>
-            </a:pPr>
-            <a:r>
-              <a:rPr kumimoji="1" lang="en-US" altLang="ja-JP" sz="1200" kern="1200" dirty="0" smtClean="0">
-                <a:solidFill>
-                  <a:schemeClr val="tx1"/>
-                </a:solidFill>
-                <a:latin typeface="+mn-lt"/>
-                <a:ea typeface="+mn-ea"/>
-                <a:cs typeface="+mn-cs"/>
-              </a:rPr>
-              <a:t>https://web.dev/rail/</a:t>
-            </a:r>
-          </a:p>
-          <a:p>
-            <a:endParaRPr kumimoji="1" lang="ja-JP" altLang="en-US" sz="1200" kern="1200" dirty="0">
-              <a:solidFill>
-                <a:schemeClr val="tx1"/>
-              </a:solidFill>
-              <a:latin typeface="+mn-lt"/>
-              <a:ea typeface="+mn-ea"/>
-              <a:cs typeface="+mn-cs"/>
-            </a:endParaRPr>
-          </a:p>
-        </p:txBody>
-      </p:sp>
-      <p:sp>
-        <p:nvSpPr>
-          <p:cNvPr id="4" name="スライド番号プレースホルダー 3"/>
-          <p:cNvSpPr>
-            <a:spLocks noGrp="1"/>
-          </p:cNvSpPr>
-          <p:nvPr>
-            <p:ph type="sldNum" sz="quarter" idx="10"/>
-          </p:nvPr>
-        </p:nvSpPr>
-        <p:spPr/>
-        <p:txBody>
-          <a:bodyPr/>
-          <a:lstStyle/>
-          <a:p>
-            <a:fld id="{9D828324-DCC9-430F-AD2C-1DD1805E2C40}" type="slidenum">
-              <a:rPr kumimoji="1" lang="ja-JP" altLang="en-US" smtClean="0"/>
-              <a:t>21</a:t>
-            </a:fld>
-            <a:endParaRPr kumimoji="1" lang="ja-JP" altLang="en-US"/>
-          </a:p>
-        </p:txBody>
-      </p:sp>
-    </p:spTree>
-    <p:extLst>
-      <p:ext uri="{BB962C8B-B14F-4D97-AF65-F5344CB8AC3E}">
-        <p14:creationId xmlns:p14="http://schemas.microsoft.com/office/powerpoint/2010/main" val="2788763254"/>
-      </p:ext>
-    </p:extLst>
-  </p:cSld>
-  <p:clrMapOvr>
-    <a:masterClrMapping/>
-  </p:clrMapOvr>
-</p:notes>
-</file>
-
 <file path=ppt/notesSlides/notesSlide2.xml><?xml version="1.0" encoding="utf-8"?>
 <p:notes xmlns:a="http://schemas.openxmlformats.org/drawingml/2006/main" xmlns:r="http://schemas.openxmlformats.org/officeDocument/2006/relationships" xmlns:p="http://schemas.openxmlformats.org/presentationml/2006/main">
   <p:cSld>
@@ -1516,7 +1036,7 @@
     </p:spTree>
     <p:extLst>
       <p:ext uri="{BB962C8B-B14F-4D97-AF65-F5344CB8AC3E}">
-        <p14:creationId xmlns:p14="http://schemas.microsoft.com/office/powerpoint/2010/main" val="687012771"/>
+        <p14:creationId xmlns:p14="http://schemas.microsoft.com/office/powerpoint/2010/main" val="1434039659"/>
       </p:ext>
     </p:extLst>
   </p:cSld>
@@ -1571,94 +1091,186 @@
           <a:lstStyle/>
           <a:p>
             <a:r>
-              <a:rPr kumimoji="1" lang="ja-JP" altLang="en-US" dirty="0" smtClean="0"/>
-              <a:t>１つめ、（</a:t>
-            </a:r>
-            <a:r>
-              <a:rPr kumimoji="1" lang="en-US" altLang="ja-JP" dirty="0" smtClean="0"/>
-              <a:t>HTTP</a:t>
-            </a:r>
-            <a:r>
-              <a:rPr kumimoji="1" lang="ja-JP" altLang="en-US" dirty="0" smtClean="0"/>
-              <a:t>セッションのハンドオーバによる</a:t>
-            </a:r>
-            <a:r>
-              <a:rPr kumimoji="1" lang="en-US" altLang="ja-JP" dirty="0" smtClean="0"/>
+              <a:rPr lang="en-US" altLang="ja-JP" sz="1200" dirty="0" smtClean="0"/>
+              <a:t>[STEP-1]</a:t>
+            </a:r>
+            <a:r>
+              <a:rPr lang="ja-JP" altLang="ja-JP" sz="1200" dirty="0" smtClean="0"/>
+              <a:t>冗長的で性能が不均一な</a:t>
+            </a:r>
+            <a:r>
+              <a:rPr lang="en-US" altLang="ja-JP" sz="1200" dirty="0" smtClean="0"/>
               <a:t>WEB</a:t>
             </a:r>
             <a:r>
-              <a:rPr kumimoji="1" lang="ja-JP" altLang="en-US" dirty="0" smtClean="0"/>
-              <a:t>サーバのロードバランス）</a:t>
-            </a:r>
-          </a:p>
-          <a:p>
-            <a:r>
-              <a:rPr kumimoji="1" lang="ja-JP" altLang="en-US" dirty="0" smtClean="0"/>
-              <a:t>こちらの論文では、リバースプロキシによるロードバランス手法について書かれています。</a:t>
-            </a:r>
-          </a:p>
-          <a:p>
-            <a:endParaRPr kumimoji="1" lang="ja-JP" altLang="en-US" dirty="0" smtClean="0"/>
-          </a:p>
-          <a:p>
-            <a:r>
-              <a:rPr kumimoji="1" lang="ja-JP" altLang="en-US" dirty="0" smtClean="0"/>
-              <a:t>２つめ、（複数のロードバランサによる Ｗｅｂシステムの応答時間最適化）</a:t>
-            </a:r>
-          </a:p>
-          <a:p>
-            <a:r>
-              <a:rPr kumimoji="1" lang="ja-JP" altLang="en-US" dirty="0" smtClean="0"/>
-              <a:t>こちらは応答速度の最適化について、</a:t>
-            </a:r>
-          </a:p>
-          <a:p>
-            <a:endParaRPr kumimoji="1" lang="ja-JP" altLang="en-US" dirty="0" smtClean="0"/>
-          </a:p>
-          <a:p>
-            <a:r>
-              <a:rPr kumimoji="1" lang="ja-JP" altLang="en-US" dirty="0" smtClean="0"/>
-              <a:t>また、</a:t>
-            </a:r>
-            <a:r>
-              <a:rPr kumimoji="1" lang="en-US" altLang="ja-JP" dirty="0" smtClean="0"/>
-              <a:t>3</a:t>
-            </a:r>
-            <a:r>
-              <a:rPr kumimoji="1" lang="ja-JP" altLang="en-US" dirty="0" smtClean="0"/>
-              <a:t>つ目は（</a:t>
-            </a:r>
-            <a:r>
-              <a:rPr kumimoji="1" lang="en-US" altLang="ja-JP" dirty="0" smtClean="0"/>
-              <a:t>What do people want from a news experience</a:t>
-            </a:r>
-            <a:r>
-              <a:rPr kumimoji="1" lang="ja-JP" altLang="en-US" dirty="0" smtClean="0"/>
-              <a:t>）</a:t>
-            </a:r>
-          </a:p>
-          <a:p>
-            <a:r>
-              <a:rPr kumimoji="1" lang="ja-JP" altLang="en-US" dirty="0" smtClean="0"/>
-              <a:t>応答速度の評価手法について書かれています。</a:t>
-            </a:r>
-          </a:p>
-          <a:p>
-            <a:endParaRPr kumimoji="1" lang="ja-JP" altLang="en-US" dirty="0" smtClean="0"/>
-          </a:p>
-          <a:p>
-            <a:r>
-              <a:rPr kumimoji="1" lang="ja-JP" altLang="en-US" dirty="0" smtClean="0"/>
-              <a:t>４つめは</a:t>
-            </a:r>
-            <a:r>
-              <a:rPr kumimoji="1" lang="en-US" altLang="ja-JP" dirty="0" smtClean="0"/>
-              <a:t>WEB</a:t>
-            </a:r>
-            <a:r>
-              <a:rPr kumimoji="1" lang="ja-JP" altLang="en-US" dirty="0" smtClean="0"/>
-              <a:t>サーバ計測システムの設計・開発について書かれています。</a:t>
-            </a:r>
+              <a:rPr lang="ja-JP" altLang="ja-JP" sz="1200" dirty="0" smtClean="0"/>
+              <a:t>サーバを用意</a:t>
+            </a:r>
+            <a:r>
+              <a:rPr lang="ja-JP" altLang="en-US" sz="1200" dirty="0" smtClean="0"/>
+              <a:t>．</a:t>
+            </a:r>
+            <a:endParaRPr lang="en-US" altLang="ja-JP" sz="1200" dirty="0" smtClean="0"/>
+          </a:p>
+          <a:p>
+            <a:r>
+              <a:rPr lang="en-US" altLang="ja-JP" sz="1200" dirty="0" smtClean="0"/>
+              <a:t>[STEP-2]</a:t>
+            </a:r>
+            <a:r>
+              <a:rPr lang="ja-JP" altLang="ja-JP" sz="1200" dirty="0" smtClean="0"/>
+              <a:t>そ</a:t>
+            </a:r>
+            <a:r>
+              <a:rPr lang="ja-JP" altLang="en-US" sz="1200" dirty="0" smtClean="0"/>
+              <a:t>れぞれのサーバの応答速度を測るため，サーバにリクエストを送って応答速度を返す「応答速度計測プログラム」を作成し利用する． </a:t>
+            </a:r>
+            <a:endParaRPr lang="en-US" altLang="ja-JP" sz="1200" dirty="0" smtClean="0"/>
+          </a:p>
+          <a:p>
+            <a:r>
+              <a:rPr lang="en-US" altLang="ja-JP" sz="1200" dirty="0" smtClean="0"/>
+              <a:t>[ STEP-3 ] STEP-2</a:t>
+            </a:r>
+            <a:r>
+              <a:rPr lang="ja-JP" altLang="ja-JP" sz="1200" dirty="0" smtClean="0"/>
+              <a:t>で計測したデータは考案した応答速度評価アルゴリズムを用いて</a:t>
+            </a:r>
+            <a:r>
+              <a:rPr lang="en-US" altLang="ja-JP" sz="1200" dirty="0" smtClean="0"/>
+              <a:t>L1</a:t>
+            </a:r>
+            <a:r>
+              <a:rPr lang="ja-JP" altLang="en-US" sz="1200" dirty="0" smtClean="0"/>
+              <a:t>～</a:t>
+            </a:r>
+            <a:r>
+              <a:rPr lang="en-US" altLang="ja-JP" sz="1200" dirty="0" smtClean="0"/>
+              <a:t>Ln</a:t>
+            </a:r>
+            <a:r>
+              <a:rPr lang="ja-JP" altLang="en-US" sz="1200" dirty="0" smtClean="0"/>
+              <a:t>の</a:t>
+            </a:r>
+            <a:r>
+              <a:rPr lang="en-US" altLang="ja-JP" sz="1200" dirty="0" smtClean="0"/>
+              <a:t>n</a:t>
+            </a:r>
+            <a:r>
+              <a:rPr lang="ja-JP" altLang="en-US" sz="1200" dirty="0" smtClean="0"/>
+              <a:t>段階で評価付ける．</a:t>
+            </a:r>
+            <a:r>
+              <a:rPr lang="ja-JP" altLang="ja-JP" sz="1200" dirty="0" smtClean="0"/>
+              <a:t>評価は主観的になりやすい為</a:t>
+            </a:r>
+            <a:r>
+              <a:rPr lang="ja-JP" altLang="en-US" sz="1200" dirty="0" smtClean="0"/>
+              <a:t>，先行研究である「</a:t>
+            </a:r>
+            <a:r>
+              <a:rPr lang="en-US" altLang="ja-JP" sz="1200" dirty="0" smtClean="0"/>
+              <a:t>Web</a:t>
+            </a:r>
+            <a:r>
+              <a:rPr lang="ja-JP" altLang="ja-JP" sz="1200" dirty="0" smtClean="0"/>
+              <a:t>サイトの反応時間の遅延と</a:t>
+            </a:r>
+            <a:r>
+              <a:rPr lang="ja-JP" altLang="en-US" sz="1200" dirty="0" smtClean="0"/>
+              <a:t>，</a:t>
+            </a:r>
+            <a:r>
+              <a:rPr lang="ja-JP" altLang="ja-JP" sz="1200" dirty="0" smtClean="0"/>
+              <a:t>それに対するユーザの反応</a:t>
+            </a:r>
+            <a:r>
+              <a:rPr lang="ja-JP" altLang="en-US" sz="1200" dirty="0" smtClean="0"/>
+              <a:t>」</a:t>
+            </a:r>
+            <a:r>
+              <a:rPr lang="en-US" altLang="ja-JP" sz="1200" dirty="0" smtClean="0">
+                <a:latin typeface="ＭＳ Ｐゴシック" panose="020B0600070205080204" pitchFamily="50" charset="-128"/>
+              </a:rPr>
+              <a:t> [Paul 2014]</a:t>
+            </a:r>
+            <a:r>
+              <a:rPr lang="ja-JP" altLang="en-US" sz="1200" dirty="0" smtClean="0"/>
+              <a:t>や「</a:t>
+            </a:r>
+            <a:r>
+              <a:rPr lang="en-US" altLang="ja-JP" sz="1200" dirty="0" smtClean="0"/>
+              <a:t>RAIL</a:t>
+            </a:r>
+            <a:r>
+              <a:rPr lang="ja-JP" altLang="en-US" sz="1200" dirty="0" smtClean="0"/>
+              <a:t>モデル」</a:t>
+            </a:r>
+            <a:r>
+              <a:rPr lang="en-US" altLang="ja-JP" sz="1200" dirty="0" smtClean="0"/>
+              <a:t>[Google 2008]</a:t>
+            </a:r>
+            <a:r>
+              <a:rPr lang="ja-JP" altLang="ja-JP" sz="1200" dirty="0" smtClean="0"/>
+              <a:t>を参考に評価</a:t>
+            </a:r>
+            <a:r>
+              <a:rPr lang="ja-JP" altLang="en-US" sz="1200" dirty="0" smtClean="0"/>
+              <a:t>を行う</a:t>
+            </a:r>
+            <a:r>
+              <a:rPr lang="en-US" altLang="ja-JP" sz="1200" dirty="0" smtClean="0"/>
+              <a:t>.</a:t>
+            </a:r>
+            <a:endParaRPr lang="ja-JP" altLang="ja-JP" sz="1200" dirty="0" smtClean="0"/>
+          </a:p>
+          <a:p>
+            <a:r>
+              <a:rPr lang="en-US" altLang="ja-JP" sz="1200" dirty="0" smtClean="0"/>
+              <a:t>[ STEP-4 ]</a:t>
+            </a:r>
+            <a:r>
+              <a:rPr lang="ja-JP" altLang="ja-JP" sz="1200" dirty="0" smtClean="0"/>
+              <a:t>評価されたデータは評価済み応答速度としてデータベースへ保管される</a:t>
+            </a:r>
+            <a:r>
+              <a:rPr lang="ja-JP" altLang="en-US" sz="1200" dirty="0" smtClean="0"/>
+              <a:t>．</a:t>
+            </a:r>
+            <a:endParaRPr lang="ja-JP" altLang="ja-JP" sz="1200" dirty="0" smtClean="0"/>
+          </a:p>
+          <a:p>
+            <a:r>
+              <a:rPr lang="en-US" altLang="ja-JP" sz="1200" dirty="0" smtClean="0"/>
+              <a:t>[ STEP-5 ]</a:t>
+            </a:r>
+            <a:r>
+              <a:rPr lang="ja-JP" altLang="ja-JP" sz="1200" dirty="0" smtClean="0"/>
+              <a:t>ロードバランサはこのデータベースへアクセスする</a:t>
+            </a:r>
+            <a:r>
+              <a:rPr lang="ja-JP" altLang="en-US" sz="1200" dirty="0" smtClean="0"/>
+              <a:t>．</a:t>
+            </a:r>
+            <a:r>
+              <a:rPr lang="ja-JP" altLang="ja-JP" sz="1200" dirty="0" smtClean="0"/>
+              <a:t>サーバの状態に応じて割り振り方法を動的に変化させることが可能になる</a:t>
+            </a:r>
+            <a:r>
+              <a:rPr lang="ja-JP" altLang="en-US" sz="1200" dirty="0" smtClean="0"/>
+              <a:t>．</a:t>
+            </a:r>
+            <a:r>
+              <a:rPr lang="ja-JP" altLang="ja-JP" sz="1200" dirty="0" smtClean="0"/>
+              <a:t>応答速度が最も早いサーバへの接続が優先される</a:t>
+            </a:r>
+            <a:r>
+              <a:rPr lang="ja-JP" altLang="en-US" sz="1200" dirty="0" smtClean="0"/>
+              <a:t>．</a:t>
+            </a:r>
+            <a:endParaRPr lang="ja-JP" altLang="ja-JP" sz="1200" dirty="0" smtClean="0"/>
+          </a:p>
+          <a:p>
             <a:endParaRPr kumimoji="1" lang="ja-JP" altLang="en-US" dirty="0"/>
           </a:p>
         </p:txBody>
@@ -1680,7 +1292,7 @@
           <a:p>
             <a:fld id="{9D828324-DCC9-430F-AD2C-1DD1805E2C40}" type="slidenum">
               <a:rPr kumimoji="1" lang="ja-JP" altLang="en-US" smtClean="0"/>
-              <a:t>5</a:t>
+              <a:t>8</a:t>
             </a:fld>
             <a:endParaRPr kumimoji="1" lang="ja-JP" altLang="en-US"/>
           </a:p>
@@ -1689,7 +1301,7 @@
     </p:spTree>
     <p:extLst>
       <p:ext uri="{BB962C8B-B14F-4D97-AF65-F5344CB8AC3E}">
-        <p14:creationId xmlns:p14="http://schemas.microsoft.com/office/powerpoint/2010/main" val="1434039659"/>
+        <p14:creationId xmlns:p14="http://schemas.microsoft.com/office/powerpoint/2010/main" val="3429871460"/>
       </p:ext>
     </p:extLst>
   </p:cSld>
@@ -1743,188 +1355,7 @@
           <a:bodyPr/>
           <a:lstStyle/>
           <a:p>
-            <a:r>
-              <a:rPr lang="en-US" altLang="ja-JP" sz="1200" dirty="0" smtClean="0"/>
-              <a:t>[STEP-1]</a:t>
-            </a:r>
-            <a:r>
-              <a:rPr lang="ja-JP" altLang="ja-JP" sz="1200" dirty="0" smtClean="0"/>
-              <a:t>冗長的で性能が不均一な</a:t>
-            </a:r>
-            <a:r>
-              <a:rPr lang="en-US" altLang="ja-JP" sz="1200" dirty="0" smtClean="0"/>
-              <a:t>WEB</a:t>
-            </a:r>
-            <a:r>
-              <a:rPr lang="ja-JP" altLang="ja-JP" sz="1200" dirty="0" smtClean="0"/>
-              <a:t>サーバを用意</a:t>
-            </a:r>
-            <a:r>
-              <a:rPr lang="ja-JP" altLang="en-US" sz="1200" dirty="0" smtClean="0"/>
-              <a:t>．</a:t>
-            </a:r>
             <a:endParaRPr lang="en-US" altLang="ja-JP" sz="1200" dirty="0" smtClean="0"/>
-          </a:p>
-          <a:p>
-            <a:r>
-              <a:rPr lang="en-US" altLang="ja-JP" sz="1200" dirty="0" smtClean="0"/>
-              <a:t>[STEP-2]</a:t>
-            </a:r>
-            <a:r>
-              <a:rPr lang="ja-JP" altLang="ja-JP" sz="1200" dirty="0" smtClean="0"/>
-              <a:t>そ</a:t>
-            </a:r>
-            <a:r>
-              <a:rPr lang="ja-JP" altLang="en-US" sz="1200" dirty="0" smtClean="0"/>
-              <a:t>れぞれのサーバの応答速度を測るため，サーバにリクエストを送って応答速度を返す「応答速度計測プログラム」を作成し利用する． </a:t>
-            </a:r>
-            <a:endParaRPr lang="en-US" altLang="ja-JP" sz="1200" dirty="0" smtClean="0"/>
-          </a:p>
-          <a:p>
-            <a:r>
-              <a:rPr lang="en-US" altLang="ja-JP" sz="1200" dirty="0" smtClean="0"/>
-              <a:t>[ STEP-3 ] STEP-2</a:t>
-            </a:r>
-            <a:r>
-              <a:rPr lang="ja-JP" altLang="ja-JP" sz="1200" dirty="0" smtClean="0"/>
-              <a:t>で計測したデータは考案した応答速度評価アルゴリズムを用いて</a:t>
-            </a:r>
-            <a:r>
-              <a:rPr lang="en-US" altLang="ja-JP" sz="1200" dirty="0" smtClean="0"/>
-              <a:t>L1</a:t>
-            </a:r>
-            <a:r>
-              <a:rPr lang="ja-JP" altLang="en-US" sz="1200" dirty="0" smtClean="0"/>
-              <a:t>～</a:t>
-            </a:r>
-            <a:r>
-              <a:rPr lang="en-US" altLang="ja-JP" sz="1200" dirty="0" smtClean="0"/>
-              <a:t>Ln</a:t>
-            </a:r>
-            <a:r>
-              <a:rPr lang="ja-JP" altLang="en-US" sz="1200" dirty="0" smtClean="0"/>
-              <a:t>の</a:t>
-            </a:r>
-            <a:r>
-              <a:rPr lang="en-US" altLang="ja-JP" sz="1200" dirty="0" smtClean="0"/>
-              <a:t>n</a:t>
-            </a:r>
-            <a:r>
-              <a:rPr lang="ja-JP" altLang="en-US" sz="1200" dirty="0" smtClean="0"/>
-              <a:t>段階で評価付ける．</a:t>
-            </a:r>
-            <a:r>
-              <a:rPr lang="ja-JP" altLang="ja-JP" sz="1200" dirty="0" smtClean="0"/>
-              <a:t>評価は主観的になりやすい為</a:t>
-            </a:r>
-            <a:r>
-              <a:rPr lang="ja-JP" altLang="en-US" sz="1200" dirty="0" smtClean="0"/>
-              <a:t>，先行研究である「</a:t>
-            </a:r>
-            <a:r>
-              <a:rPr lang="en-US" altLang="ja-JP" sz="1200" dirty="0" smtClean="0"/>
-              <a:t>Web</a:t>
-            </a:r>
-            <a:r>
-              <a:rPr lang="ja-JP" altLang="ja-JP" sz="1200" dirty="0" smtClean="0"/>
-              <a:t>サイトの反応時間の遅延と</a:t>
-            </a:r>
-            <a:r>
-              <a:rPr lang="ja-JP" altLang="en-US" sz="1200" dirty="0" smtClean="0"/>
-              <a:t>，</a:t>
-            </a:r>
-            <a:r>
-              <a:rPr lang="ja-JP" altLang="ja-JP" sz="1200" dirty="0" smtClean="0"/>
-              <a:t>それに対するユーザの反応</a:t>
-            </a:r>
-            <a:r>
-              <a:rPr lang="ja-JP" altLang="en-US" sz="1200" dirty="0" smtClean="0"/>
-              <a:t>」</a:t>
-            </a:r>
-            <a:r>
-              <a:rPr lang="en-US" altLang="ja-JP" sz="1200" dirty="0" smtClean="0">
-                <a:latin typeface="ＭＳ Ｐゴシック" panose="020B0600070205080204" pitchFamily="50" charset="-128"/>
-              </a:rPr>
-              <a:t> [Paul 2014]</a:t>
-            </a:r>
-            <a:r>
-              <a:rPr lang="ja-JP" altLang="en-US" sz="1200" dirty="0" smtClean="0"/>
-              <a:t>や「</a:t>
-            </a:r>
-            <a:r>
-              <a:rPr lang="en-US" altLang="ja-JP" sz="1200" dirty="0" smtClean="0"/>
-              <a:t>RAIL</a:t>
-            </a:r>
-            <a:r>
-              <a:rPr lang="ja-JP" altLang="en-US" sz="1200" dirty="0" smtClean="0"/>
-              <a:t>モデル」</a:t>
-            </a:r>
-            <a:r>
-              <a:rPr lang="en-US" altLang="ja-JP" sz="1200" dirty="0" smtClean="0"/>
-              <a:t>[Google 2008]</a:t>
-            </a:r>
-            <a:r>
-              <a:rPr lang="ja-JP" altLang="ja-JP" sz="1200" dirty="0" smtClean="0"/>
-              <a:t>を参考に評価</a:t>
-            </a:r>
-            <a:r>
-              <a:rPr lang="ja-JP" altLang="en-US" sz="1200" dirty="0" smtClean="0"/>
-              <a:t>を行う</a:t>
-            </a:r>
-            <a:r>
-              <a:rPr lang="en-US" altLang="ja-JP" sz="1200" dirty="0" smtClean="0"/>
-              <a:t>.</a:t>
-            </a:r>
-            <a:endParaRPr lang="ja-JP" altLang="ja-JP" sz="1200" dirty="0" smtClean="0"/>
-          </a:p>
-          <a:p>
-            <a:r>
-              <a:rPr lang="en-US" altLang="ja-JP" sz="1200" dirty="0" smtClean="0"/>
-              <a:t>[ STEP-4 ]</a:t>
-            </a:r>
-            <a:r>
-              <a:rPr lang="ja-JP" altLang="ja-JP" sz="1200" dirty="0" smtClean="0"/>
-              <a:t>評価されたデータは評価済み応答速度としてデータベースへ保管される</a:t>
-            </a:r>
-            <a:r>
-              <a:rPr lang="ja-JP" altLang="en-US" sz="1200" dirty="0" smtClean="0"/>
-              <a:t>．</a:t>
-            </a:r>
-            <a:endParaRPr lang="ja-JP" altLang="ja-JP" sz="1200" dirty="0" smtClean="0"/>
-          </a:p>
-          <a:p>
-            <a:r>
-              <a:rPr lang="en-US" altLang="ja-JP" sz="1200" dirty="0" smtClean="0"/>
-              <a:t>[ STEP-5 ]</a:t>
-            </a:r>
-            <a:r>
-              <a:rPr lang="ja-JP" altLang="ja-JP" sz="1200" dirty="0" smtClean="0"/>
-              <a:t>ロードバランサはこのデータベースへアクセスする</a:t>
-            </a:r>
-            <a:r>
-              <a:rPr lang="ja-JP" altLang="en-US" sz="1200" dirty="0" smtClean="0"/>
-              <a:t>．</a:t>
-            </a:r>
-            <a:r>
-              <a:rPr lang="ja-JP" altLang="ja-JP" sz="1200" dirty="0" smtClean="0"/>
-              <a:t>サーバの状態に応じて割り振り方法を動的に変化させることが可能になる</a:t>
-            </a:r>
-            <a:r>
-              <a:rPr lang="ja-JP" altLang="en-US" sz="1200" dirty="0" smtClean="0"/>
-              <a:t>．</a:t>
-            </a:r>
-            <a:r>
-              <a:rPr lang="ja-JP" altLang="ja-JP" sz="1200" dirty="0" smtClean="0"/>
-              <a:t>応答速度が最も早いサーバへの接続が優先される</a:t>
-            </a:r>
-            <a:r>
-              <a:rPr lang="ja-JP" altLang="en-US" sz="1200" dirty="0" smtClean="0"/>
-              <a:t>．</a:t>
-            </a:r>
-            <a:endParaRPr lang="ja-JP" altLang="ja-JP" sz="1200" dirty="0" smtClean="0"/>
-          </a:p>
-          <a:p>
-            <a:endParaRPr kumimoji="1" lang="ja-JP" altLang="en-US" dirty="0"/>
           </a:p>
         </p:txBody>
       </p:sp>
@@ -1945,7 +1376,7 @@
           <a:p>
             <a:fld id="{9D828324-DCC9-430F-AD2C-1DD1805E2C40}" type="slidenum">
               <a:rPr kumimoji="1" lang="ja-JP" altLang="en-US" smtClean="0"/>
-              <a:t>9</a:t>
+              <a:t>10</a:t>
             </a:fld>
             <a:endParaRPr kumimoji="1" lang="ja-JP" altLang="en-US"/>
           </a:p>
@@ -1954,7 +1385,7 @@
     </p:spTree>
     <p:extLst>
       <p:ext uri="{BB962C8B-B14F-4D97-AF65-F5344CB8AC3E}">
-        <p14:creationId xmlns:p14="http://schemas.microsoft.com/office/powerpoint/2010/main" val="3429871460"/>
+        <p14:creationId xmlns:p14="http://schemas.microsoft.com/office/powerpoint/2010/main" val="3884351513"/>
       </p:ext>
     </p:extLst>
   </p:cSld>
@@ -2008,7 +1439,7 @@
           <a:bodyPr/>
           <a:lstStyle/>
           <a:p>
-            <a:endParaRPr lang="en-US" altLang="ja-JP" sz="1200" dirty="0" smtClean="0"/>
+            <a:endParaRPr kumimoji="1" lang="ja-JP" altLang="en-US" dirty="0"/>
           </a:p>
         </p:txBody>
       </p:sp>
@@ -2029,7 +1460,7 @@
           <a:p>
             <a:fld id="{9D828324-DCC9-430F-AD2C-1DD1805E2C40}" type="slidenum">
               <a:rPr kumimoji="1" lang="ja-JP" altLang="en-US" smtClean="0"/>
-              <a:t>11</a:t>
+              <a:t>16</a:t>
             </a:fld>
             <a:endParaRPr kumimoji="1" lang="ja-JP" altLang="en-US"/>
           </a:p>
@@ -2038,7 +1469,7 @@
     </p:spTree>
     <p:extLst>
       <p:ext uri="{BB962C8B-B14F-4D97-AF65-F5344CB8AC3E}">
-        <p14:creationId xmlns:p14="http://schemas.microsoft.com/office/powerpoint/2010/main" val="3884351513"/>
+        <p14:creationId xmlns:p14="http://schemas.microsoft.com/office/powerpoint/2010/main" val="1508117209"/>
       </p:ext>
     </p:extLst>
   </p:cSld>
@@ -2092,7 +1523,96 @@
           <a:bodyPr/>
           <a:lstStyle/>
           <a:p>
-            <a:endParaRPr kumimoji="1" lang="ja-JP" altLang="en-US" dirty="0"/>
+            <a:pPr marL="0" marR="0" lvl="0" indent="0" algn="l" defTabSz="914400" rtl="0" eaLnBrk="1" fontAlgn="auto" latinLnBrk="0" hangingPunct="1">
+              <a:lnSpc>
+                <a:spcPct val="100000"/>
+              </a:lnSpc>
+              <a:spcBef>
+                <a:spcPts val="0"/>
+              </a:spcBef>
+              <a:spcAft>
+                <a:spcPts val="0"/>
+              </a:spcAft>
+              <a:buClrTx/>
+              <a:buSzTx/>
+              <a:buFontTx/>
+              <a:buNone/>
+              <a:tabLst/>
+              <a:defRPr/>
+            </a:pPr>
+            <a:r>
+              <a:rPr lang="ja-JP" altLang="en-US" dirty="0" smtClean="0">
+                <a:effectLst/>
+              </a:rPr>
+              <a:t>実験結果です。ラウンドロビンの応答速度は、</a:t>
+            </a:r>
+            <a:r>
+              <a:rPr lang="en-US" altLang="ja-JP" dirty="0" smtClean="0">
+                <a:effectLst/>
+              </a:rPr>
+              <a:t>0.4</a:t>
+            </a:r>
+            <a:r>
+              <a:rPr lang="ja-JP" altLang="en-US" dirty="0" smtClean="0">
+                <a:effectLst/>
+              </a:rPr>
+              <a:t>秒なのに対して、プロトタイプは</a:t>
+            </a:r>
+            <a:r>
+              <a:rPr lang="en-US" altLang="ja-JP" dirty="0" smtClean="0">
+                <a:effectLst/>
+              </a:rPr>
+              <a:t>0.15</a:t>
+            </a:r>
+            <a:r>
+              <a:rPr lang="ja-JP" altLang="en-US" dirty="0" smtClean="0">
+                <a:effectLst/>
+              </a:rPr>
+              <a:t>秒でした。</a:t>
+            </a:r>
+            <a:r>
+              <a:rPr lang="en-US" altLang="ja-JP" dirty="0" smtClean="0">
+                <a:effectLst/>
+              </a:rPr>
+              <a:t/>
+            </a:r>
+            <a:br>
+              <a:rPr lang="en-US" altLang="ja-JP" dirty="0" smtClean="0">
+                <a:effectLst/>
+              </a:rPr>
+            </a:br>
+            <a:r>
+              <a:rPr lang="ja-JP" altLang="en-US" dirty="0" smtClean="0">
+                <a:effectLst/>
+              </a:rPr>
+              <a:t>これは、応答速度が遅いサーバにつなぐ頻度を減らすことが出来たからです。</a:t>
+            </a:r>
+            <a:r>
+              <a:rPr lang="en-US" altLang="ja-JP" dirty="0" smtClean="0">
+                <a:effectLst/>
+              </a:rPr>
+              <a:t/>
+            </a:r>
+            <a:br>
+              <a:rPr lang="en-US" altLang="ja-JP" dirty="0" smtClean="0">
+                <a:effectLst/>
+              </a:rPr>
+            </a:br>
+            <a:r>
+              <a:rPr kumimoji="1" lang="ja-JP" altLang="ja-JP" sz="1200" kern="1200" dirty="0" smtClean="0">
+                <a:solidFill>
+                  <a:schemeClr val="tx1"/>
+                </a:solidFill>
+                <a:effectLst/>
+                <a:latin typeface="+mn-lt"/>
+                <a:ea typeface="+mn-ea"/>
+                <a:cs typeface="+mn-cs"/>
+              </a:rPr>
+              <a:t>実験結果より，異種環境において，提案システムを利用すると応答速度が向上することが確認できた．</a:t>
+            </a:r>
+            <a:endParaRPr lang="ja-JP" altLang="ja-JP" dirty="0" smtClean="0">
+              <a:effectLst/>
+            </a:endParaRPr>
           </a:p>
         </p:txBody>
       </p:sp>
@@ -2113,7 +1633,7 @@
           <a:p>
             <a:fld id="{9D828324-DCC9-430F-AD2C-1DD1805E2C40}" type="slidenum">
               <a:rPr kumimoji="1" lang="ja-JP" altLang="en-US" smtClean="0"/>
-              <a:t>16</a:t>
+              <a:t>17</a:t>
             </a:fld>
             <a:endParaRPr kumimoji="1" lang="ja-JP" altLang="en-US"/>
           </a:p>
@@ -2122,7 +1642,7 @@
     </p:spTree>
     <p:extLst>
       <p:ext uri="{BB962C8B-B14F-4D97-AF65-F5344CB8AC3E}">
-        <p14:creationId xmlns:p14="http://schemas.microsoft.com/office/powerpoint/2010/main" val="1508117209"/>
+        <p14:creationId xmlns:p14="http://schemas.microsoft.com/office/powerpoint/2010/main" val="584063967"/>
       </p:ext>
     </p:extLst>
   </p:cSld>
@@ -2194,160 +1714,17 @@
               <a:defRPr/>
             </a:pPr>
             <a:r>
-              <a:rPr lang="ja-JP" altLang="en-US" dirty="0" smtClean="0">
-                <a:effectLst/>
-              </a:rPr>
-              <a:t>実験結果です。ラウンドロビンの応答速度は、</a:t>
-            </a:r>
-            <a:r>
-              <a:rPr lang="en-US" altLang="ja-JP" dirty="0" smtClean="0">
-                <a:effectLst/>
-              </a:rPr>
-              <a:t>0.4</a:t>
-            </a:r>
-            <a:r>
-              <a:rPr lang="ja-JP" altLang="en-US" dirty="0" smtClean="0">
-                <a:effectLst/>
-              </a:rPr>
-              <a:t>秒なのに対して、プロトタイプは</a:t>
-            </a:r>
-            <a:r>
-              <a:rPr lang="en-US" altLang="ja-JP" dirty="0" smtClean="0">
-                <a:effectLst/>
-              </a:rPr>
-              <a:t>0.15</a:t>
-            </a:r>
-            <a:r>
-              <a:rPr lang="ja-JP" altLang="en-US" dirty="0" smtClean="0">
-                <a:effectLst/>
-              </a:rPr>
-              <a:t>秒でした。</a:t>
-            </a:r>
-            <a:r>
-              <a:rPr lang="en-US" altLang="ja-JP" dirty="0" smtClean="0">
-                <a:effectLst/>
-              </a:rPr>
-              <a:t/>
-            </a:r>
-            <a:br>
-              <a:rPr lang="en-US" altLang="ja-JP" dirty="0" smtClean="0">
-                <a:effectLst/>
-              </a:rPr>
-            </a:br>
-            <a:r>
-              <a:rPr lang="ja-JP" altLang="en-US" dirty="0" smtClean="0">
-                <a:effectLst/>
-              </a:rPr>
-              <a:t>これは、応答速度が遅いサーバにつなぐ頻度を減らすことが出来たからです。</a:t>
-            </a:r>
-            <a:r>
-              <a:rPr lang="en-US" altLang="ja-JP" dirty="0" smtClean="0">
-                <a:effectLst/>
-              </a:rPr>
-              <a:t/>
-            </a:r>
-            <a:br>
-              <a:rPr lang="en-US" altLang="ja-JP" dirty="0" smtClean="0">
-                <a:effectLst/>
-              </a:rPr>
-            </a:br>
-            <a:r>
-              <a:rPr kumimoji="1" lang="ja-JP" altLang="ja-JP" sz="1200" kern="1200" dirty="0" smtClean="0">
+              <a:rPr kumimoji="1" lang="en-US" altLang="ja-JP" sz="1200" kern="1200" dirty="0" smtClean="0">
                 <a:solidFill>
                   <a:schemeClr val="tx1"/>
                 </a:solidFill>
-                <a:effectLst/>
                 <a:latin typeface="+mn-lt"/>
                 <a:ea typeface="+mn-ea"/>
                 <a:cs typeface="+mn-cs"/>
               </a:rPr>
-              <a:t>実験結果より，異種環境において，提案システムを利用すると応答速度が向上することが確認できた．</a:t>
-            </a:r>
-            <a:endParaRPr lang="ja-JP" altLang="ja-JP" dirty="0" smtClean="0">
-              <a:effectLst/>
-            </a:endParaRPr>
-          </a:p>
-        </p:txBody>
-      </p:sp>
-      <p:sp>
-        <p:nvSpPr>
-          <p:cNvPr id="4" name="スライド番号プレースホルダー 3"/>
-          <p:cNvSpPr>
-            <a:spLocks noGrp="1"/>
-          </p:cNvSpPr>
-          <p:nvPr>
-            <p:ph type="sldNum" sz="quarter" idx="10"/>
-          </p:nvPr>
-        </p:nvSpPr>
-        <p:spPr/>
-        <p:txBody>
-          <a:bodyPr/>
-          <a:lstStyle/>
-          <a:p>
-            <a:fld id="{9D828324-DCC9-430F-AD2C-1DD1805E2C40}" type="slidenum">
-              <a:rPr kumimoji="1" lang="ja-JP" altLang="en-US" smtClean="0"/>
-              <a:t>17</a:t>
-            </a:fld>
-            <a:endParaRPr kumimoji="1" lang="ja-JP" altLang="en-US"/>
-          </a:p>
-        </p:txBody>
-      </p:sp>
-    </p:spTree>
-    <p:extLst>
-      <p:ext uri="{BB962C8B-B14F-4D97-AF65-F5344CB8AC3E}">
-        <p14:creationId xmlns:p14="http://schemas.microsoft.com/office/powerpoint/2010/main" val="584063967"/>
-      </p:ext>
-    </p:extLst>
-  </p:cSld>
-  <p:clrMapOvr>
-    <a:masterClrMapping/>
-  </p:clrMapOvr>
-</p:notes>
-</file>
-
-<file path=ppt/notesSlides/notesSlide9.xml><?xml version="1.0" encoding="utf-8"?>
-<p:notes xmlns:a="http://schemas.openxmlformats.org/drawingml/2006/main" xmlns:r="http://schemas.openxmlformats.org/officeDocument/2006/relationships" xmlns:p="http://schemas.openxmlformats.org/presentationml/2006/main">
-  <p:cSld>
-    <p:spTree>
-      <p:nvGrpSpPr>
-        <p:cNvPr id="1" name=""/>
-        <p:cNvGrpSpPr/>
-        <p:nvPr/>
-      </p:nvGrpSpPr>
-      <p:grpSpPr>
-        <a:xfrm>
-          <a:off x="0" y="0"/>
-          <a:ext cx="0" cy="0"/>
-          <a:chOff x="0" y="0"/>
-          <a:chExt cx="0" cy="0"/>
-        </a:xfrm>
-      </p:grpSpPr>
-      <p:sp>
-        <p:nvSpPr>
-          <p:cNvPr id="2" name="スライド イメージ プレースホルダー 1"/>
-          <p:cNvSpPr>
-            <a:spLocks noGrp="1" noRot="1" noChangeAspect="1"/>
-          </p:cNvSpPr>
-          <p:nvPr>
-            <p:ph type="sldImg"/>
-          </p:nvPr>
-        </p:nvSpPr>
-        <p:spPr/>
-      </p:sp>
-      <p:sp>
-        <p:nvSpPr>
-          <p:cNvPr id="3" name="ノート プレースホルダー 2"/>
-          <p:cNvSpPr>
-            <a:spLocks noGrp="1"/>
-          </p:cNvSpPr>
-          <p:nvPr>
-            <p:ph type="body" idx="1"/>
-          </p:nvPr>
-        </p:nvSpPr>
-        <p:spPr/>
-        <p:txBody>
-          <a:bodyPr/>
-          <a:lstStyle/>
+              <a:t>SEO</a:t>
+            </a:r>
+          </a:p>
           <a:p>
             <a:pPr marL="0" marR="0" lvl="0" indent="0" algn="l" defTabSz="914400" rtl="0" eaLnBrk="1" fontAlgn="auto" latinLnBrk="0" hangingPunct="1">
               <a:lnSpc>
@@ -2374,9 +1751,18 @@
                 <a:latin typeface="+mn-lt"/>
                 <a:ea typeface="+mn-ea"/>
                 <a:cs typeface="+mn-cs"/>
+                <a:hlinkClick r:id="rId3"/>
               </a:rPr>
-              <a:t>SEO</a:t>
-            </a:r>
+              <a:t>https://www.thinkwithgoogle.com/marketing-strategies/app-and-mobile/mobile-page-speed-new-industry-benchmarks/</a:t>
+            </a:r>
+            <a:endParaRPr kumimoji="1" lang="en-US" altLang="ja-JP" sz="1200" kern="1200" dirty="0" smtClean="0">
+              <a:solidFill>
+                <a:schemeClr val="tx1"/>
+              </a:solidFill>
+              <a:latin typeface="+mn-lt"/>
+              <a:ea typeface="+mn-ea"/>
+              <a:cs typeface="+mn-cs"/>
+            </a:endParaRPr>
           </a:p>
           <a:p>
             <a:pPr marL="0" marR="0" lvl="0" indent="0" algn="l" defTabSz="914400" rtl="0" eaLnBrk="1" fontAlgn="auto" latinLnBrk="0" hangingPunct="1">
@@ -2404,9 +1790,19 @@
                 <a:latin typeface="+mn-lt"/>
                 <a:ea typeface="+mn-ea"/>
                 <a:cs typeface="+mn-cs"/>
-                <a:hlinkClick r:id="rId3"/>
               </a:rPr>
-              <a:t>https://www.thinkwithgoogle.com/marketing-strategies/app-and-mobile/mobile-page-speed-new-industry-benchmarks/</a:t>
+              <a:t>RAIL</a:t>
+            </a:r>
+            <a:r>
+              <a:rPr kumimoji="1" lang="ja-JP" altLang="en-US" sz="1200" kern="1200" dirty="0" smtClean="0">
+                <a:solidFill>
+                  <a:schemeClr val="tx1"/>
+                </a:solidFill>
+                <a:latin typeface="+mn-lt"/>
+                <a:ea typeface="+mn-ea"/>
+                <a:cs typeface="+mn-cs"/>
+              </a:rPr>
+              <a:t>モデルでパフォーマンスを測定する</a:t>
             </a:r>
             <a:endParaRPr kumimoji="1" lang="en-US" altLang="ja-JP" sz="1200" kern="1200" dirty="0" smtClean="0">
               <a:solidFill>
@@ -2444,55 +1840,6 @@
                 <a:ea typeface="+mn-ea"/>
                 <a:cs typeface="+mn-cs"/>
               </a:rPr>
-              <a:t>RAIL</a:t>
-            </a:r>
-            <a:r>
-              <a:rPr kumimoji="1" lang="ja-JP" altLang="en-US" sz="1200" kern="1200" dirty="0" smtClean="0">
-                <a:solidFill>
-                  <a:schemeClr val="tx1"/>
-                </a:solidFill>
-                <a:latin typeface="+mn-lt"/>
-                <a:ea typeface="+mn-ea"/>
-                <a:cs typeface="+mn-cs"/>
-              </a:rPr>
-              <a:t>モデルでパフォーマンスを測定する</a:t>
-            </a:r>
-            <a:endParaRPr kumimoji="1" lang="en-US" altLang="ja-JP" sz="1200" kern="1200" dirty="0" smtClean="0">
-              <a:solidFill>
-                <a:schemeClr val="tx1"/>
-              </a:solidFill>
-              <a:latin typeface="+mn-lt"/>
-              <a:ea typeface="+mn-ea"/>
-              <a:cs typeface="+mn-cs"/>
-            </a:endParaRPr>
-          </a:p>
-          <a:p>
-            <a:pPr marL="0" marR="0" lvl="0" indent="0" algn="l" defTabSz="914400" rtl="0" eaLnBrk="1" fontAlgn="auto" latinLnBrk="0" hangingPunct="1">
-              <a:lnSpc>
-                <a:spcPct val="100000"/>
-              </a:lnSpc>
-              <a:spcBef>
-                <a:spcPts val="0"/>
-              </a:spcBef>
-              <a:spcAft>
-                <a:spcPts val="0"/>
-              </a:spcAft>
-              <a:buClrTx/>
-              <a:buSzTx/>
-              <a:buFontTx/>
-              <a:buNone/>
-              <a:tabLst/>
-              <a:defRPr/>
-            </a:pPr>
-            <a:r>
-              <a:rPr kumimoji="1" lang="en-US" altLang="ja-JP" sz="1200" kern="1200" dirty="0" smtClean="0">
-                <a:solidFill>
-                  <a:schemeClr val="tx1"/>
-                </a:solidFill>
-                <a:latin typeface="+mn-lt"/>
-                <a:ea typeface="+mn-ea"/>
-                <a:cs typeface="+mn-cs"/>
-              </a:rPr>
               <a:t>https://web.dev/rail/</a:t>
             </a:r>
           </a:p>
@@ -2534,7 +1881,7 @@
     </p:spTree>
     <p:extLst>
       <p:ext uri="{BB962C8B-B14F-4D97-AF65-F5344CB8AC3E}">
-        <p14:creationId xmlns:p14="http://schemas.microsoft.com/office/powerpoint/2010/main" val="4139353277"/>
+        <p14:creationId xmlns:p14="http://schemas.microsoft.com/office/powerpoint/2010/main" val="186295231"/>
       </p:ext>
     </p:extLst>
   </p:cSld>
@@ -2675,7 +2022,7 @@
           <a:p>
             <a:fld id="{ED609840-96BF-4512-A2C1-C87E0BBF3D2F}" type="datetime1">
               <a:rPr kumimoji="1" lang="ja-JP" altLang="en-US" smtClean="0"/>
-              <a:t>2022/1/16</a:t>
+              <a:t>2022/1/18</a:t>
             </a:fld>
             <a:endParaRPr kumimoji="1" lang="ja-JP" altLang="en-US"/>
           </a:p>
@@ -2878,7 +2225,7 @@
           <a:p>
             <a:fld id="{F97B6116-28DE-44C1-8891-65688903BD50}" type="datetime1">
               <a:rPr kumimoji="1" lang="ja-JP" altLang="en-US" smtClean="0"/>
-              <a:t>2022/1/16</a:t>
+              <a:t>2022/1/18</a:t>
             </a:fld>
             <a:endParaRPr kumimoji="1" lang="ja-JP" altLang="en-US"/>
           </a:p>
@@ -3091,7 +2438,7 @@
           <a:p>
             <a:fld id="{EDE04BF4-1FC0-40EE-A15F-5986BB2387E9}" type="datetime1">
               <a:rPr kumimoji="1" lang="ja-JP" altLang="en-US" smtClean="0"/>
-              <a:t>2022/1/16</a:t>
+              <a:t>2022/1/18</a:t>
             </a:fld>
             <a:endParaRPr kumimoji="1" lang="ja-JP" altLang="en-US"/>
           </a:p>
@@ -3294,7 +2641,7 @@
           <a:p>
             <a:fld id="{AFE4124D-C094-469A-99BC-7EA66CDB293F}" type="datetime1">
               <a:rPr kumimoji="1" lang="ja-JP" altLang="en-US" smtClean="0"/>
-              <a:t>2022/1/16</a:t>
+              <a:t>2022/1/18</a:t>
             </a:fld>
             <a:endParaRPr kumimoji="1" lang="ja-JP" altLang="en-US"/>
           </a:p>
@@ -3543,7 +2890,7 @@
           <a:p>
             <a:fld id="{F808FAA8-DC38-46BC-9A48-0414366DDF43}" type="datetime1">
               <a:rPr kumimoji="1" lang="ja-JP" altLang="en-US" smtClean="0"/>
-              <a:t>2022/1/16</a:t>
+              <a:t>2022/1/18</a:t>
             </a:fld>
             <a:endParaRPr kumimoji="1" lang="ja-JP" altLang="en-US"/>
           </a:p>
@@ -3840,7 +3187,7 @@
           <a:p>
             <a:fld id="{43B61DD3-8484-4FD8-9D55-71FA047E405C}" type="datetime1">
               <a:rPr kumimoji="1" lang="ja-JP" altLang="en-US" smtClean="0"/>
-              <a:t>2022/1/16</a:t>
+              <a:t>2022/1/18</a:t>
             </a:fld>
             <a:endParaRPr kumimoji="1" lang="ja-JP" altLang="en-US"/>
           </a:p>
@@ -4272,7 +3619,7 @@
           <a:p>
             <a:fld id="{61FE3252-B303-4BFD-B995-E88780D087A2}" type="datetime1">
               <a:rPr kumimoji="1" lang="ja-JP" altLang="en-US" smtClean="0"/>
-              <a:t>2022/1/16</a:t>
+              <a:t>2022/1/18</a:t>
             </a:fld>
             <a:endParaRPr kumimoji="1" lang="ja-JP" altLang="en-US"/>
           </a:p>
@@ -4391,7 +3738,7 @@
           <a:p>
             <a:fld id="{83973884-A525-473B-9B85-E710649C3EE9}" type="datetime1">
               <a:rPr kumimoji="1" lang="ja-JP" altLang="en-US" smtClean="0"/>
-              <a:t>2022/1/16</a:t>
+              <a:t>2022/1/18</a:t>
             </a:fld>
             <a:endParaRPr kumimoji="1" lang="ja-JP" altLang="en-US"/>
           </a:p>
@@ -4487,7 +3834,7 @@
           <a:p>
             <a:fld id="{630B9591-4670-4AF8-B7B7-F5F2443A761A}" type="datetime1">
               <a:rPr kumimoji="1" lang="ja-JP" altLang="en-US" smtClean="0"/>
-              <a:t>2022/1/16</a:t>
+              <a:t>2022/1/18</a:t>
             </a:fld>
             <a:endParaRPr kumimoji="1" lang="ja-JP" altLang="en-US"/>
           </a:p>
@@ -4797,7 +4144,7 @@
           <a:p>
             <a:fld id="{434F6BA0-5DA2-4153-9B76-E2457FA21F47}" type="datetime1">
               <a:rPr kumimoji="1" lang="ja-JP" altLang="en-US" smtClean="0"/>
-              <a:t>2022/1/16</a:t>
+              <a:t>2022/1/18</a:t>
             </a:fld>
             <a:endParaRPr kumimoji="1" lang="ja-JP" altLang="en-US"/>
           </a:p>
@@ -5055,7 +4402,7 @@
           <a:p>
             <a:fld id="{590B58CC-0A81-4826-A84E-1F1030B25368}" type="datetime1">
               <a:rPr kumimoji="1" lang="ja-JP" altLang="en-US" smtClean="0"/>
-              <a:t>2022/1/16</a:t>
+              <a:t>2022/1/18</a:t>
             </a:fld>
             <a:endParaRPr kumimoji="1" lang="ja-JP" altLang="en-US"/>
           </a:p>
@@ -5301,7 +4648,7 @@
           <a:p>
             <a:fld id="{77253A0B-EAD4-46D7-BD2F-C5BFFB89C890}" type="datetime1">
               <a:rPr kumimoji="1" lang="ja-JP" altLang="en-US" smtClean="0"/>
-              <a:t>2022/1/16</a:t>
+              <a:t>2022/1/18</a:t>
             </a:fld>
             <a:endParaRPr kumimoji="1" lang="ja-JP" altLang="en-US"/>
           </a:p>
@@ -5868,14 +5215,23 @@
             <p:ph type="title"/>
           </p:nvPr>
         </p:nvSpPr>
-        <p:spPr/>
+        <p:spPr>
+          <a:xfrm>
+            <a:off x="628650" y="273686"/>
+            <a:ext cx="7886700" cy="1325563"/>
+          </a:xfrm>
+        </p:spPr>
         <p:txBody>
           <a:bodyPr/>
           <a:lstStyle/>
           <a:p>
             <a:r>
+              <a:rPr lang="ja-JP" altLang="en-US" dirty="0" smtClean="0"/>
+              <a:t>実装した</a:t>
+            </a:r>
+            <a:r>
               <a:rPr kumimoji="1" lang="ja-JP" altLang="en-US" dirty="0" smtClean="0"/>
-              <a:t>応答速度に基づく段階付け</a:t>
+              <a:t>割り振り方法</a:t>
             </a:r>
             <a:endParaRPr kumimoji="1" lang="ja-JP" altLang="en-US" dirty="0"/>
           </a:p>
@@ -5891,12 +5247,150 @@
             <p:ph idx="1"/>
           </p:nvPr>
         </p:nvSpPr>
-        <p:spPr/>
-        <p:txBody>
-          <a:bodyPr/>
+        <p:spPr>
+          <a:xfrm>
+            <a:off x="438340" y="1124712"/>
+            <a:ext cx="8376476" cy="4965192"/>
+          </a:xfrm>
+        </p:spPr>
+        <p:txBody>
+          <a:bodyPr>
+            <a:noAutofit/>
+          </a:bodyPr>
           <a:lstStyle/>
           <a:p>
-            <a:endParaRPr kumimoji="1" lang="ja-JP" altLang="en-US"/>
+            <a:pPr marL="0" indent="0">
+              <a:buNone/>
+            </a:pPr>
+            <a:endParaRPr lang="en-US" altLang="ja-JP" sz="3200" dirty="0" smtClean="0"/>
+          </a:p>
+          <a:p>
+            <a:r>
+              <a:rPr lang="ja-JP" altLang="ja-JP" sz="3200" dirty="0" smtClean="0"/>
+              <a:t>過去</a:t>
+            </a:r>
+            <a:r>
+              <a:rPr lang="en-US" altLang="ja-JP" sz="3200" dirty="0"/>
+              <a:t>24</a:t>
+            </a:r>
+            <a:r>
+              <a:rPr lang="ja-JP" altLang="ja-JP" sz="3200" dirty="0"/>
+              <a:t>時間</a:t>
+            </a:r>
+            <a:r>
+              <a:rPr lang="ja-JP" altLang="ja-JP" sz="3200" dirty="0" smtClean="0"/>
+              <a:t>で評価</a:t>
+            </a:r>
+            <a:r>
+              <a:rPr lang="ja-JP" altLang="ja-JP" sz="3200" dirty="0"/>
+              <a:t>が最も高いサーバに多く</a:t>
+            </a:r>
+            <a:r>
+              <a:rPr lang="ja-JP" altLang="ja-JP" sz="3200" dirty="0" smtClean="0"/>
+              <a:t>割り振る</a:t>
+            </a:r>
+            <a:r>
+              <a:rPr lang="ja-JP" altLang="en-US" sz="3200" dirty="0" smtClean="0"/>
+              <a:t>ように設計</a:t>
+            </a:r>
+            <a:r>
+              <a:rPr lang="ja-JP" altLang="ja-JP" sz="3200" dirty="0" smtClean="0"/>
+              <a:t>．</a:t>
+            </a:r>
+            <a:endParaRPr lang="en-US" altLang="ja-JP" sz="3200" dirty="0"/>
+          </a:p>
+          <a:p>
+            <a:r>
+              <a:rPr lang="ja-JP" altLang="ja-JP" sz="3200" dirty="0" smtClean="0"/>
+              <a:t>現在の</a:t>
+            </a:r>
+            <a:r>
+              <a:rPr lang="ja-JP" altLang="en-US" sz="3200" dirty="0" smtClean="0"/>
+              <a:t>応答</a:t>
+            </a:r>
+            <a:r>
+              <a:rPr lang="ja-JP" altLang="ja-JP" sz="3200" dirty="0" smtClean="0"/>
+              <a:t>速度</a:t>
+            </a:r>
+            <a:r>
+              <a:rPr lang="ja-JP" altLang="ja-JP" sz="3200" dirty="0"/>
+              <a:t>が</a:t>
+            </a:r>
+            <a:r>
+              <a:rPr lang="en-US" altLang="ja-JP" sz="3200" dirty="0"/>
+              <a:t>10</a:t>
+            </a:r>
+            <a:r>
+              <a:rPr lang="ja-JP" altLang="ja-JP" sz="3200" dirty="0"/>
+              <a:t>秒以上</a:t>
+            </a:r>
+            <a:r>
+              <a:rPr lang="ja-JP" altLang="ja-JP" sz="3200" dirty="0" smtClean="0"/>
+              <a:t>掛かる場合，</a:t>
+            </a:r>
+            <a:r>
+              <a:rPr lang="ja-JP" altLang="en-US" sz="3200" dirty="0" smtClean="0"/>
+              <a:t>該当サーバへの</a:t>
+            </a:r>
+            <a:r>
+              <a:rPr lang="ja-JP" altLang="ja-JP" sz="3200" dirty="0" smtClean="0"/>
+              <a:t>割り振り</a:t>
+            </a:r>
+            <a:r>
+              <a:rPr lang="ja-JP" altLang="en-US" sz="3200" dirty="0" smtClean="0"/>
+              <a:t>を行わない</a:t>
+            </a:r>
+            <a:r>
+              <a:rPr lang="ja-JP" altLang="ja-JP" sz="3200" dirty="0" smtClean="0"/>
+              <a:t>．</a:t>
+            </a:r>
+            <a:endParaRPr lang="en-US" altLang="ja-JP" sz="3200" dirty="0" smtClean="0"/>
+          </a:p>
+          <a:p>
+            <a:r>
+              <a:rPr lang="en-US" altLang="ja-JP" sz="3200" dirty="0"/>
+              <a:t>Web</a:t>
+            </a:r>
+            <a:r>
+              <a:rPr lang="ja-JP" altLang="ja-JP" sz="3200" dirty="0"/>
+              <a:t>サーバで負荷分散するにはリバースプロキシが使われる</a:t>
+            </a:r>
+            <a:r>
+              <a:rPr lang="ja-JP" altLang="ja-JP" sz="3200" dirty="0" smtClean="0"/>
+              <a:t>．プロトタイプ</a:t>
+            </a:r>
+            <a:r>
+              <a:rPr lang="ja-JP" altLang="ja-JP" sz="3200" dirty="0"/>
+              <a:t>では，リバースプロキシ導入のためにオープンソースの</a:t>
+            </a:r>
+            <a:r>
+              <a:rPr lang="en-US" altLang="ja-JP" sz="3200" dirty="0"/>
+              <a:t>Web</a:t>
+            </a:r>
+            <a:r>
+              <a:rPr lang="ja-JP" altLang="ja-JP" sz="3200" dirty="0"/>
+              <a:t>サーバである</a:t>
+            </a:r>
+            <a:r>
+              <a:rPr lang="en-US" altLang="ja-JP" sz="3200" dirty="0"/>
+              <a:t>NGINX(</a:t>
+            </a:r>
+            <a:r>
+              <a:rPr lang="ja-JP" altLang="ja-JP" sz="3200" dirty="0"/>
+              <a:t>エンジンエックス</a:t>
+            </a:r>
+            <a:r>
+              <a:rPr lang="en-US" altLang="ja-JP" sz="3200" dirty="0"/>
+              <a:t>)</a:t>
+            </a:r>
+            <a:r>
+              <a:rPr lang="ja-JP" altLang="ja-JP" sz="3200" dirty="0"/>
+              <a:t>を用いた．</a:t>
+            </a:r>
+            <a:endParaRPr lang="en-US" altLang="ja-JP" sz="3200" dirty="0"/>
+          </a:p>
+          <a:p>
+            <a:endParaRPr lang="en-US" altLang="ja-JP" sz="3200" dirty="0"/>
           </a:p>
         </p:txBody>
       </p:sp>
@@ -5927,13 +5421,20 @@
     </p:spTree>
     <p:extLst>
       <p:ext uri="{BB962C8B-B14F-4D97-AF65-F5344CB8AC3E}">
-        <p14:creationId xmlns:p14="http://schemas.microsoft.com/office/powerpoint/2010/main" val="1570447387"/>
+        <p14:creationId xmlns:p14="http://schemas.microsoft.com/office/powerpoint/2010/main" val="1895997517"/>
       </p:ext>
     </p:extLst>
   </p:cSld>
   <p:clrMapOvr>
     <a:masterClrMapping/>
   </p:clrMapOvr>
+  <p:timing>
+    <p:tnLst>
+      <p:par>
+        <p:cTn id="1" dur="indefinite" restart="never" nodeType="tmRoot"/>
+      </p:par>
+    </p:tnLst>
+  </p:timing>
 </p:sld>
 </file>
 
@@ -5998,141 +5499,162 @@
         </p:nvSpPr>
         <p:spPr>
           <a:xfrm>
-            <a:off x="438340" y="1489838"/>
-            <a:ext cx="8376476" cy="4600066"/>
+            <a:off x="438340" y="1061022"/>
+            <a:ext cx="8267319" cy="5477891"/>
           </a:xfrm>
         </p:spPr>
         <p:txBody>
           <a:bodyPr>
-            <a:noAutofit/>
+            <a:normAutofit/>
           </a:bodyPr>
           <a:lstStyle/>
           <a:p>
+            <a:pPr marL="0" indent="0">
+              <a:buNone/>
+            </a:pPr>
+            <a:endParaRPr lang="en-US" altLang="ja-JP" sz="3200" dirty="0" smtClean="0"/>
+          </a:p>
+          <a:p>
+            <a:r>
+              <a:rPr lang="ja-JP" altLang="en-US" sz="3200" dirty="0"/>
+              <a:t>応答</a:t>
+            </a:r>
+            <a:r>
+              <a:rPr lang="ja-JP" altLang="en-US" sz="3200" dirty="0" smtClean="0"/>
+              <a:t>速度に基づいた割り振り</a:t>
+            </a:r>
+            <a:r>
+              <a:rPr lang="en-US" altLang="ja-JP" sz="3200" dirty="0"/>
+              <a:t/>
+            </a:r>
+            <a:br>
+              <a:rPr lang="en-US" altLang="ja-JP" sz="3200" dirty="0"/>
+            </a:br>
+            <a:r>
+              <a:rPr lang="en-US" altLang="ja-JP" sz="3200" dirty="0" smtClean="0"/>
+              <a:t>Nginx</a:t>
+            </a:r>
+            <a:r>
+              <a:rPr lang="ja-JP" altLang="en-US" sz="3200" dirty="0" smtClean="0"/>
+              <a:t>の設定ファイル</a:t>
+            </a:r>
             <a:r>
               <a:rPr lang="ja-JP" altLang="ja-JP" sz="3200" dirty="0" smtClean="0"/>
-              <a:t>過去</a:t>
-            </a:r>
-            <a:r>
-              <a:rPr lang="en-US" altLang="ja-JP" sz="3200" dirty="0"/>
-              <a:t>24</a:t>
-            </a:r>
-            <a:r>
-              <a:rPr lang="ja-JP" altLang="ja-JP" sz="3200" dirty="0"/>
-              <a:t>時間</a:t>
-            </a:r>
-            <a:r>
-              <a:rPr lang="ja-JP" altLang="ja-JP" sz="3200" dirty="0" smtClean="0"/>
-              <a:t>で評価</a:t>
-            </a:r>
-            <a:r>
-              <a:rPr lang="ja-JP" altLang="ja-JP" sz="3200" dirty="0"/>
-              <a:t>が最も高いサーバに多く</a:t>
-            </a:r>
-            <a:r>
-              <a:rPr lang="ja-JP" altLang="ja-JP" sz="3200" dirty="0" smtClean="0"/>
-              <a:t>割り振る</a:t>
-            </a:r>
-            <a:r>
-              <a:rPr lang="ja-JP" altLang="en-US" sz="3200" dirty="0" smtClean="0"/>
-              <a:t>ように設計</a:t>
+              <a:t>の</a:t>
+            </a:r>
+            <a:r>
+              <a:rPr lang="ja-JP" altLang="ja-JP" sz="3200" dirty="0" smtClean="0">
+                <a:solidFill>
+                  <a:srgbClr val="FF0000"/>
+                </a:solidFill>
+              </a:rPr>
+              <a:t>重みを</a:t>
+            </a:r>
+            <a:r>
+              <a:rPr lang="ja-JP" altLang="ja-JP" sz="3200" dirty="0">
+                <a:solidFill>
+                  <a:srgbClr val="FF0000"/>
+                </a:solidFill>
+              </a:rPr>
+              <a:t>プログラム</a:t>
+            </a:r>
+            <a:r>
+              <a:rPr lang="ja-JP" altLang="ja-JP" sz="3200" dirty="0" smtClean="0">
+                <a:solidFill>
+                  <a:srgbClr val="FF0000"/>
+                </a:solidFill>
+              </a:rPr>
+              <a:t>によって</a:t>
+            </a:r>
+            <a:r>
+              <a:rPr lang="ja-JP" altLang="ja-JP" sz="3200" dirty="0">
+                <a:solidFill>
+                  <a:srgbClr val="FF0000"/>
+                </a:solidFill>
+              </a:rPr>
+              <a:t>書き換えることで</a:t>
+            </a:r>
+            <a:r>
+              <a:rPr lang="ja-JP" altLang="ja-JP" sz="3200" dirty="0" smtClean="0">
+                <a:solidFill>
+                  <a:srgbClr val="FF0000"/>
+                </a:solidFill>
+              </a:rPr>
+              <a:t>実現</a:t>
             </a:r>
             <a:r>
               <a:rPr lang="ja-JP" altLang="ja-JP" sz="3200" dirty="0" smtClean="0"/>
               <a:t>．</a:t>
             </a:r>
+            <a:endParaRPr lang="en-US" altLang="ja-JP" sz="3200" dirty="0" smtClean="0"/>
+          </a:p>
+          <a:p>
+            <a:pPr marL="0" indent="0">
+              <a:buNone/>
+            </a:pPr>
             <a:endParaRPr lang="en-US" altLang="ja-JP" sz="3200" dirty="0"/>
           </a:p>
           <a:p>
             <a:r>
+              <a:rPr lang="en-US" altLang="ja-JP" sz="3200" dirty="0"/>
+              <a:t>NGINX</a:t>
+            </a:r>
+            <a:r>
+              <a:rPr lang="ja-JP" altLang="ja-JP" sz="3200" dirty="0"/>
+              <a:t>の設定ファイルを動的</a:t>
+            </a:r>
+            <a:r>
               <a:rPr lang="ja-JP" altLang="ja-JP" sz="3200" dirty="0" smtClean="0"/>
-              <a:t>現在の</a:t>
+              <a:t>に更新</a:t>
+            </a:r>
+            <a:r>
+              <a:rPr lang="ja-JP" altLang="ja-JP" sz="3200" dirty="0"/>
+              <a:t>し，</a:t>
+            </a:r>
+            <a:r>
+              <a:rPr lang="ja-JP" altLang="ja-JP" sz="3200" u="sng" dirty="0"/>
+              <a:t>再読み</a:t>
+            </a:r>
+            <a:r>
+              <a:rPr lang="ja-JP" altLang="ja-JP" sz="3200" dirty="0"/>
+              <a:t>込みするように</a:t>
+            </a:r>
+            <a:r>
+              <a:rPr lang="ja-JP" altLang="ja-JP" sz="3200" dirty="0" smtClean="0"/>
+              <a:t>設計</a:t>
             </a:r>
             <a:r>
               <a:rPr lang="ja-JP" altLang="en-US" sz="3200" dirty="0" smtClean="0"/>
-              <a:t>応答</a:t>
+              <a:t>．</a:t>
+            </a:r>
+            <a:r>
+              <a:rPr lang="ja-JP" altLang="ja-JP" sz="3200" u="sng" dirty="0" smtClean="0"/>
+              <a:t>稼働率</a:t>
+            </a:r>
+            <a:r>
+              <a:rPr lang="ja-JP" altLang="ja-JP" sz="3200" u="sng" dirty="0"/>
+              <a:t>を落とすことなく</a:t>
             </a:r>
             <a:r>
               <a:rPr lang="ja-JP" altLang="ja-JP" sz="3200" dirty="0" smtClean="0"/>
-              <a:t>速度</a:t>
+              <a:t>，負荷分散の重みを動的にロードバランサ</a:t>
+            </a:r>
+            <a:r>
+              <a:rPr lang="ja-JP" altLang="en-US" sz="3200" dirty="0" smtClean="0"/>
+              <a:t>へ</a:t>
+            </a:r>
+            <a:r>
+              <a:rPr lang="ja-JP" altLang="ja-JP" sz="3200" dirty="0" smtClean="0"/>
+              <a:t>反映</a:t>
             </a:r>
             <a:r>
               <a:rPr lang="ja-JP" altLang="ja-JP" sz="3200" dirty="0"/>
-              <a:t>が</a:t>
-            </a:r>
-            <a:r>
-              <a:rPr lang="en-US" altLang="ja-JP" sz="3200" dirty="0"/>
-              <a:t>10</a:t>
-            </a:r>
-            <a:r>
-              <a:rPr lang="ja-JP" altLang="ja-JP" sz="3200" dirty="0"/>
-              <a:t>秒以上</a:t>
-            </a:r>
-            <a:r>
-              <a:rPr lang="ja-JP" altLang="ja-JP" sz="3200" dirty="0" smtClean="0"/>
-              <a:t>掛かる場合，</a:t>
-            </a:r>
-            <a:r>
-              <a:rPr lang="ja-JP" altLang="en-US" sz="3200" dirty="0" smtClean="0"/>
-              <a:t>該当サーバへの</a:t>
-            </a:r>
-            <a:r>
-              <a:rPr lang="ja-JP" altLang="ja-JP" sz="3200" dirty="0" smtClean="0"/>
-              <a:t>割り振り</a:t>
-            </a:r>
-            <a:r>
-              <a:rPr lang="ja-JP" altLang="en-US" sz="3200" dirty="0" smtClean="0"/>
-              <a:t>を行わない</a:t>
+              <a:t>することができる</a:t>
             </a:r>
             <a:r>
               <a:rPr lang="ja-JP" altLang="ja-JP" sz="3200" dirty="0" smtClean="0"/>
               <a:t>．</a:t>
             </a:r>
-            <a:endParaRPr lang="en-US" altLang="ja-JP" sz="3200" dirty="0" smtClean="0"/>
-          </a:p>
-          <a:p>
-            <a:r>
-              <a:rPr lang="en-US" altLang="ja-JP" sz="3200" dirty="0"/>
-              <a:t>Web</a:t>
-            </a:r>
-            <a:r>
-              <a:rPr lang="ja-JP" altLang="ja-JP" sz="3200" dirty="0"/>
-              <a:t>サーバで負荷分散するにはリバースプロキシが使われる</a:t>
-            </a:r>
-            <a:r>
-              <a:rPr lang="ja-JP" altLang="ja-JP" sz="3200" dirty="0" smtClean="0"/>
-              <a:t>．プロトタイプ</a:t>
-            </a:r>
-            <a:r>
-              <a:rPr lang="ja-JP" altLang="ja-JP" sz="3200" dirty="0"/>
-              <a:t>では，リバースプロキシ導入のためにオープンソースの</a:t>
-            </a:r>
-            <a:r>
-              <a:rPr lang="en-US" altLang="ja-JP" sz="3200" dirty="0"/>
-              <a:t>Web</a:t>
-            </a:r>
-            <a:r>
-              <a:rPr lang="ja-JP" altLang="ja-JP" sz="3200" dirty="0"/>
-              <a:t>サーバである</a:t>
-            </a:r>
-            <a:r>
-              <a:rPr lang="en-US" altLang="ja-JP" sz="3200" dirty="0"/>
-              <a:t>NGINX(</a:t>
-            </a:r>
-            <a:r>
-              <a:rPr lang="ja-JP" altLang="ja-JP" sz="3200" dirty="0"/>
-              <a:t>エンジンエックス</a:t>
-            </a:r>
-            <a:r>
-              <a:rPr lang="en-US" altLang="ja-JP" sz="3200" dirty="0"/>
-              <a:t>)</a:t>
-            </a:r>
-            <a:r>
-              <a:rPr lang="ja-JP" altLang="ja-JP" sz="3200" dirty="0"/>
-              <a:t>を用いた．</a:t>
-            </a:r>
-            <a:endParaRPr lang="en-US" altLang="ja-JP" sz="3200" dirty="0"/>
-          </a:p>
-          <a:p>
             <a:endParaRPr lang="en-US" altLang="ja-JP" sz="3200" dirty="0"/>
           </a:p>
         </p:txBody>
@@ -6164,7 +5686,7 @@
     </p:spTree>
     <p:extLst>
       <p:ext uri="{BB962C8B-B14F-4D97-AF65-F5344CB8AC3E}">
-        <p14:creationId xmlns:p14="http://schemas.microsoft.com/office/powerpoint/2010/main" val="1895997517"/>
+        <p14:creationId xmlns:p14="http://schemas.microsoft.com/office/powerpoint/2010/main" val="2157659374"/>
       </p:ext>
     </p:extLst>
   </p:cSld>
@@ -6208,280 +5730,6 @@
             <p:ph type="title"/>
           </p:nvPr>
         </p:nvSpPr>
-        <p:spPr>
-          <a:xfrm>
-            <a:off x="628650" y="273686"/>
-            <a:ext cx="7886700" cy="1325563"/>
-          </a:xfrm>
-        </p:spPr>
-        <p:txBody>
-          <a:bodyPr/>
-          <a:lstStyle/>
-          <a:p>
-            <a:r>
-              <a:rPr lang="ja-JP" altLang="en-US" dirty="0" smtClean="0"/>
-              <a:t>実装した</a:t>
-            </a:r>
-            <a:r>
-              <a:rPr kumimoji="1" lang="ja-JP" altLang="en-US" dirty="0" smtClean="0"/>
-              <a:t>割り振り方法</a:t>
-            </a:r>
-            <a:endParaRPr kumimoji="1" lang="ja-JP" altLang="en-US" dirty="0"/>
-          </a:p>
-        </p:txBody>
-      </p:sp>
-      <p:sp>
-        <p:nvSpPr>
-          <p:cNvPr id="3" name="コンテンツ プレースホルダー 2"/>
-          <p:cNvSpPr>
-            <a:spLocks noGrp="1"/>
-          </p:cNvSpPr>
-          <p:nvPr>
-            <p:ph idx="1"/>
-          </p:nvPr>
-        </p:nvSpPr>
-        <p:spPr>
-          <a:xfrm>
-            <a:off x="438340" y="1061022"/>
-            <a:ext cx="8267319" cy="5477891"/>
-          </a:xfrm>
-        </p:spPr>
-        <p:txBody>
-          <a:bodyPr>
-            <a:normAutofit/>
-          </a:bodyPr>
-          <a:lstStyle/>
-          <a:p>
-            <a:pPr marL="0" indent="0">
-              <a:buNone/>
-            </a:pPr>
-            <a:endParaRPr lang="en-US" altLang="ja-JP" sz="3200" dirty="0" smtClean="0"/>
-          </a:p>
-          <a:p>
-            <a:r>
-              <a:rPr lang="ja-JP" altLang="en-US" sz="3200" dirty="0"/>
-              <a:t>応答</a:t>
-            </a:r>
-            <a:r>
-              <a:rPr lang="ja-JP" altLang="en-US" sz="3200" dirty="0" smtClean="0"/>
-              <a:t>速度に基づいた</a:t>
-            </a:r>
-            <a:r>
-              <a:rPr lang="ja-JP" altLang="en-US" sz="3200" dirty="0" smtClean="0"/>
-              <a:t>割り振り</a:t>
-            </a:r>
-            <a:endParaRPr lang="en-US" altLang="ja-JP" sz="3200" dirty="0" smtClean="0"/>
-          </a:p>
-          <a:p>
-            <a:pPr marL="0" indent="0">
-              <a:buNone/>
-            </a:pPr>
-            <a:r>
-              <a:rPr lang="en-US" altLang="ja-JP" sz="3200" dirty="0" smtClean="0"/>
-              <a:t>Nginx</a:t>
-            </a:r>
-            <a:r>
-              <a:rPr lang="ja-JP" altLang="en-US" sz="3200" dirty="0" smtClean="0"/>
-              <a:t>の設定ファイル</a:t>
-            </a:r>
-            <a:r>
-              <a:rPr lang="ja-JP" altLang="ja-JP" sz="3200" dirty="0" smtClean="0"/>
-              <a:t>の</a:t>
-            </a:r>
-            <a:r>
-              <a:rPr lang="ja-JP" altLang="ja-JP" sz="3200" dirty="0" smtClean="0">
-                <a:solidFill>
-                  <a:srgbClr val="FF0000"/>
-                </a:solidFill>
-              </a:rPr>
-              <a:t>重みを</a:t>
-            </a:r>
-            <a:r>
-              <a:rPr lang="ja-JP" altLang="ja-JP" sz="3200" dirty="0">
-                <a:solidFill>
-                  <a:srgbClr val="FF0000"/>
-                </a:solidFill>
-              </a:rPr>
-              <a:t>プログラム</a:t>
-            </a:r>
-            <a:r>
-              <a:rPr lang="ja-JP" altLang="ja-JP" sz="3200" dirty="0" smtClean="0">
-                <a:solidFill>
-                  <a:srgbClr val="FF0000"/>
-                </a:solidFill>
-              </a:rPr>
-              <a:t>によって</a:t>
-            </a:r>
-            <a:r>
-              <a:rPr lang="ja-JP" altLang="ja-JP" sz="3200" dirty="0">
-                <a:solidFill>
-                  <a:srgbClr val="FF0000"/>
-                </a:solidFill>
-              </a:rPr>
-              <a:t>書き換えることで</a:t>
-            </a:r>
-            <a:r>
-              <a:rPr lang="ja-JP" altLang="ja-JP" sz="3200" dirty="0" smtClean="0">
-                <a:solidFill>
-                  <a:srgbClr val="FF0000"/>
-                </a:solidFill>
-              </a:rPr>
-              <a:t>実現</a:t>
-            </a:r>
-            <a:r>
-              <a:rPr lang="ja-JP" altLang="ja-JP" sz="3200" dirty="0" smtClean="0"/>
-              <a:t>．</a:t>
-            </a:r>
-            <a:endParaRPr lang="en-US" altLang="ja-JP" sz="3200" dirty="0" smtClean="0"/>
-          </a:p>
-          <a:p>
-            <a:pPr marL="0" indent="0">
-              <a:buNone/>
-            </a:pPr>
-            <a:endParaRPr lang="en-US" altLang="ja-JP" sz="3200" dirty="0"/>
-          </a:p>
-          <a:p>
-            <a:r>
-              <a:rPr lang="en-US" altLang="ja-JP" sz="3200" dirty="0"/>
-              <a:t>NGINX</a:t>
-            </a:r>
-            <a:r>
-              <a:rPr lang="ja-JP" altLang="ja-JP" sz="3200" dirty="0"/>
-              <a:t>の設定ファイルを動的</a:t>
-            </a:r>
-            <a:r>
-              <a:rPr lang="ja-JP" altLang="ja-JP" sz="3200" dirty="0" smtClean="0"/>
-              <a:t>に更新</a:t>
-            </a:r>
-            <a:r>
-              <a:rPr lang="ja-JP" altLang="ja-JP" sz="3200" dirty="0"/>
-              <a:t>し，</a:t>
-            </a:r>
-            <a:r>
-              <a:rPr lang="ja-JP" altLang="ja-JP" sz="3200" u="sng" dirty="0"/>
-              <a:t>再読み</a:t>
-            </a:r>
-            <a:r>
-              <a:rPr lang="ja-JP" altLang="ja-JP" sz="3200" dirty="0"/>
-              <a:t>込みするように</a:t>
-            </a:r>
-            <a:r>
-              <a:rPr lang="ja-JP" altLang="ja-JP" sz="3200" dirty="0" smtClean="0"/>
-              <a:t>設計</a:t>
-            </a:r>
-            <a:r>
-              <a:rPr lang="ja-JP" altLang="en-US" sz="3200" dirty="0" smtClean="0"/>
-              <a:t>．</a:t>
-            </a:r>
-            <a:endParaRPr lang="en-US" altLang="ja-JP" sz="3200" dirty="0"/>
-          </a:p>
-          <a:p>
-            <a:pPr marL="0" indent="0">
-              <a:buNone/>
-            </a:pPr>
-            <a:r>
-              <a:rPr lang="ja-JP" altLang="ja-JP" sz="3200" u="sng" dirty="0" smtClean="0"/>
-              <a:t>稼働率</a:t>
-            </a:r>
-            <a:r>
-              <a:rPr lang="ja-JP" altLang="ja-JP" sz="3200" u="sng" dirty="0"/>
-              <a:t>を落とすことなく</a:t>
-            </a:r>
-            <a:r>
-              <a:rPr lang="ja-JP" altLang="ja-JP" sz="3200" dirty="0" smtClean="0"/>
-              <a:t>，負荷分散の重みを動的にロードバランサ</a:t>
-            </a:r>
-            <a:r>
-              <a:rPr lang="ja-JP" altLang="en-US" sz="3200" dirty="0" smtClean="0"/>
-              <a:t>へ</a:t>
-            </a:r>
-            <a:r>
-              <a:rPr lang="ja-JP" altLang="ja-JP" sz="3200" dirty="0" smtClean="0"/>
-              <a:t>反映</a:t>
-            </a:r>
-            <a:r>
-              <a:rPr lang="ja-JP" altLang="ja-JP" sz="3200" dirty="0"/>
-              <a:t>することができる</a:t>
-            </a:r>
-            <a:r>
-              <a:rPr lang="ja-JP" altLang="ja-JP" sz="3200" dirty="0" smtClean="0"/>
-              <a:t>．</a:t>
-            </a:r>
-            <a:endParaRPr lang="en-US" altLang="ja-JP" sz="3200" dirty="0"/>
-          </a:p>
-        </p:txBody>
-      </p:sp>
-      <p:sp>
-        <p:nvSpPr>
-          <p:cNvPr id="4" name="スライド番号プレースホルダー 3"/>
-          <p:cNvSpPr>
-            <a:spLocks noGrp="1"/>
-          </p:cNvSpPr>
-          <p:nvPr>
-            <p:ph type="sldNum" sz="quarter" idx="12"/>
-          </p:nvPr>
-        </p:nvSpPr>
-        <p:spPr/>
-        <p:txBody>
-          <a:bodyPr/>
-          <a:lstStyle/>
-          <a:p>
-            <a:fld id="{B4451160-128F-4DAD-AE29-4A8CC0E7B9E9}" type="slidenum">
-              <a:rPr lang="ja-JP" altLang="en-US" smtClean="0"/>
-              <a:pPr/>
-              <a:t>12</a:t>
-            </a:fld>
-            <a:endParaRPr lang="ja-JP" altLang="en-US" dirty="0"/>
-          </a:p>
-        </p:txBody>
-      </p:sp>
-    </p:spTree>
-    <p:extLst>
-      <p:ext uri="{BB962C8B-B14F-4D97-AF65-F5344CB8AC3E}">
-        <p14:creationId xmlns:p14="http://schemas.microsoft.com/office/powerpoint/2010/main" val="2157659374"/>
-      </p:ext>
-    </p:extLst>
-  </p:cSld>
-  <p:clrMapOvr>
-    <a:masterClrMapping/>
-  </p:clrMapOvr>
-  <p:timing>
-    <p:tnLst>
-      <p:par>
-        <p:cTn id="1" dur="indefinite" restart="never" nodeType="tmRoot"/>
-      </p:par>
-    </p:tnLst>
-  </p:timing>
-</p:sld>
-</file>
-
-<file path=ppt/slides/slide13.xml><?xml version="1.0" encoding="utf-8"?>
-<p:sld xmlns:a="http://schemas.openxmlformats.org/drawingml/2006/main" xmlns:r="http://schemas.openxmlformats.org/officeDocument/2006/relationships" xmlns:p="http://schemas.openxmlformats.org/presentationml/2006/main">
-  <p:cSld>
-    <p:spTree>
-      <p:nvGrpSpPr>
-        <p:cNvPr id="1" name=""/>
-        <p:cNvGrpSpPr/>
-        <p:nvPr/>
-      </p:nvGrpSpPr>
-      <p:grpSpPr>
-        <a:xfrm>
-          <a:off x="0" y="0"/>
-          <a:ext cx="0" cy="0"/>
-          <a:chOff x="0" y="0"/>
-          <a:chExt cx="0" cy="0"/>
-        </a:xfrm>
-      </p:grpSpPr>
-      <p:sp>
-        <p:nvSpPr>
-          <p:cNvPr id="2" name="タイトル 1"/>
-          <p:cNvSpPr>
-            <a:spLocks noGrp="1"/>
-          </p:cNvSpPr>
-          <p:nvPr>
-            <p:ph type="title"/>
-          </p:nvPr>
-        </p:nvSpPr>
         <p:spPr/>
         <p:txBody>
           <a:bodyPr/>
@@ -6565,7 +5813,7 @@
             <a:fld id="{B4451160-128F-4DAD-AE29-4A8CC0E7B9E9}" type="slidenum">
               <a:rPr lang="ja-JP" altLang="en-US" smtClean="0"/>
               <a:pPr/>
-              <a:t>13</a:t>
+              <a:t>12</a:t>
             </a:fld>
             <a:endParaRPr lang="ja-JP" altLang="en-US" dirty="0"/>
           </a:p>
@@ -6880,7 +6128,7 @@
 </p:sld>
 </file>
 
-<file path=ppt/slides/slide14.xml><?xml version="1.0" encoding="utf-8"?>
+<file path=ppt/slides/slide13.xml><?xml version="1.0" encoding="utf-8"?>
 <p:sld xmlns:a="http://schemas.openxmlformats.org/drawingml/2006/main" xmlns:r="http://schemas.openxmlformats.org/officeDocument/2006/relationships" xmlns:p="http://schemas.openxmlformats.org/presentationml/2006/main">
   <p:cSld>
     <p:spTree>
@@ -6914,11 +6162,15 @@
           <a:p>
             <a:r>
               <a:rPr lang="ja-JP" altLang="en-US" dirty="0" smtClean="0"/>
-              <a:t>実験環境</a:t>
-            </a:r>
-            <a:r>
-              <a:rPr lang="en-US" altLang="ja-JP" dirty="0" smtClean="0"/>
-              <a:t>1</a:t>
+              <a:t>実験</a:t>
+            </a:r>
+            <a:r>
+              <a:rPr lang="ja-JP" altLang="en-US" dirty="0" smtClean="0"/>
+              <a:t>環境</a:t>
+            </a:r>
+            <a:r>
+              <a:rPr lang="ja-JP" altLang="en-US" dirty="0" smtClean="0"/>
+              <a:t>１</a:t>
             </a:r>
             <a:endParaRPr kumimoji="1" lang="ja-JP" altLang="en-US" dirty="0"/>
           </a:p>
@@ -6942,7 +6194,7 @@
             <a:fld id="{B4451160-128F-4DAD-AE29-4A8CC0E7B9E9}" type="slidenum">
               <a:rPr lang="ja-JP" altLang="en-US" smtClean="0"/>
               <a:pPr/>
-              <a:t>14</a:t>
+              <a:t>13</a:t>
             </a:fld>
             <a:endParaRPr lang="ja-JP" altLang="en-US" dirty="0"/>
           </a:p>
@@ -7769,7 +7021,7 @@
 </p:sld>
 </file>
 
-<file path=ppt/slides/slide15.xml><?xml version="1.0" encoding="utf-8"?>
+<file path=ppt/slides/slide14.xml><?xml version="1.0" encoding="utf-8"?>
 <p:sld xmlns:a="http://schemas.openxmlformats.org/drawingml/2006/main" xmlns:r="http://schemas.openxmlformats.org/officeDocument/2006/relationships" xmlns:p="http://schemas.openxmlformats.org/presentationml/2006/main">
   <p:cSld>
     <p:spTree>
@@ -7803,11 +7055,15 @@
           <a:p>
             <a:r>
               <a:rPr lang="ja-JP" altLang="en-US" dirty="0" smtClean="0"/>
-              <a:t>実験環境</a:t>
-            </a:r>
-            <a:r>
-              <a:rPr lang="en-US" altLang="ja-JP" dirty="0" smtClean="0"/>
-              <a:t>2</a:t>
+              <a:t>実験</a:t>
+            </a:r>
+            <a:r>
+              <a:rPr lang="ja-JP" altLang="en-US" dirty="0" smtClean="0"/>
+              <a:t>環境</a:t>
+            </a:r>
+            <a:r>
+              <a:rPr lang="ja-JP" altLang="en-US" dirty="0"/>
+              <a:t>２</a:t>
             </a:r>
             <a:endParaRPr kumimoji="1" lang="ja-JP" altLang="en-US" dirty="0"/>
           </a:p>
@@ -7831,7 +7087,7 @@
             <a:fld id="{B4451160-128F-4DAD-AE29-4A8CC0E7B9E9}" type="slidenum">
               <a:rPr lang="ja-JP" altLang="en-US" smtClean="0"/>
               <a:pPr/>
-              <a:t>15</a:t>
+              <a:t>14</a:t>
             </a:fld>
             <a:endParaRPr lang="ja-JP" altLang="en-US" dirty="0"/>
           </a:p>
@@ -7844,11 +7100,7 @@
             <a:graphicFrameLocks noGrp="1"/>
           </p:cNvGraphicFramePr>
           <p:nvPr>
-            <p:extLst>
-              <p:ext uri="{D42A27DB-BD31-4B8C-83A1-F6EECF244321}">
-                <p14:modId xmlns:p14="http://schemas.microsoft.com/office/powerpoint/2010/main" val="2044373224"/>
-              </p:ext>
-            </p:extLst>
+            <p:extLst/>
           </p:nvPr>
         </p:nvGraphicFramePr>
         <p:xfrm>
@@ -8691,7 +7943,7 @@
     </p:spTree>
     <p:extLst>
       <p:ext uri="{BB962C8B-B14F-4D97-AF65-F5344CB8AC3E}">
-        <p14:creationId xmlns:p14="http://schemas.microsoft.com/office/powerpoint/2010/main" val="2513580079"/>
+        <p14:creationId xmlns:p14="http://schemas.microsoft.com/office/powerpoint/2010/main" val="1467322392"/>
       </p:ext>
     </p:extLst>
   </p:cSld>
@@ -8705,6 +7957,1034 @@
       </p:par>
     </p:tnLst>
   </p:timing>
+</p:sld>
+</file>
+
+<file path=ppt/slides/slide15.xml><?xml version="1.0" encoding="utf-8"?>
+<p:sld xmlns:a="http://schemas.openxmlformats.org/drawingml/2006/main" xmlns:r="http://schemas.openxmlformats.org/officeDocument/2006/relationships" xmlns:p="http://schemas.openxmlformats.org/presentationml/2006/main">
+  <p:cSld>
+    <p:spTree>
+      <p:nvGrpSpPr>
+        <p:cNvPr id="1" name=""/>
+        <p:cNvGrpSpPr/>
+        <p:nvPr/>
+      </p:nvGrpSpPr>
+      <p:grpSpPr>
+        <a:xfrm>
+          <a:off x="0" y="0"/>
+          <a:ext cx="0" cy="0"/>
+          <a:chOff x="0" y="0"/>
+          <a:chExt cx="0" cy="0"/>
+        </a:xfrm>
+      </p:grpSpPr>
+      <p:sp>
+        <p:nvSpPr>
+          <p:cNvPr id="2" name="タイトル 1"/>
+          <p:cNvSpPr>
+            <a:spLocks noGrp="1"/>
+          </p:cNvSpPr>
+          <p:nvPr>
+            <p:ph type="title"/>
+          </p:nvPr>
+        </p:nvSpPr>
+        <p:spPr/>
+        <p:txBody>
+          <a:bodyPr/>
+          <a:lstStyle/>
+          <a:p>
+            <a:r>
+              <a:rPr kumimoji="1" lang="ja-JP" altLang="en-US" dirty="0" smtClean="0"/>
+              <a:t>実験環境３</a:t>
+            </a:r>
+            <a:endParaRPr kumimoji="1" lang="ja-JP" altLang="en-US" dirty="0"/>
+          </a:p>
+        </p:txBody>
+      </p:sp>
+      <p:sp>
+        <p:nvSpPr>
+          <p:cNvPr id="4" name="スライド番号プレースホルダー 3"/>
+          <p:cNvSpPr>
+            <a:spLocks noGrp="1"/>
+          </p:cNvSpPr>
+          <p:nvPr>
+            <p:ph type="sldNum" sz="quarter" idx="12"/>
+          </p:nvPr>
+        </p:nvSpPr>
+        <p:spPr/>
+        <p:txBody>
+          <a:bodyPr/>
+          <a:lstStyle/>
+          <a:p>
+            <a:fld id="{B4451160-128F-4DAD-AE29-4A8CC0E7B9E9}" type="slidenum">
+              <a:rPr lang="ja-JP" altLang="en-US" smtClean="0"/>
+              <a:pPr/>
+              <a:t>15</a:t>
+            </a:fld>
+            <a:endParaRPr lang="ja-JP" altLang="en-US" dirty="0"/>
+          </a:p>
+        </p:txBody>
+      </p:sp>
+      <p:graphicFrame>
+        <p:nvGraphicFramePr>
+          <p:cNvPr id="9" name="表 8"/>
+          <p:cNvGraphicFramePr>
+            <a:graphicFrameLocks noGrp="1"/>
+          </p:cNvGraphicFramePr>
+          <p:nvPr>
+            <p:extLst>
+              <p:ext uri="{D42A27DB-BD31-4B8C-83A1-F6EECF244321}">
+                <p14:modId xmlns:p14="http://schemas.microsoft.com/office/powerpoint/2010/main" val="2324311255"/>
+              </p:ext>
+            </p:extLst>
+          </p:nvPr>
+        </p:nvGraphicFramePr>
+        <p:xfrm>
+          <a:off x="1781398" y="1861661"/>
+          <a:ext cx="5600860" cy="3023052"/>
+        </p:xfrm>
+        <a:graphic>
+          <a:graphicData uri="http://schemas.openxmlformats.org/drawingml/2006/table">
+            <a:tbl>
+              <a:tblPr>
+                <a:tableStyleId>{5C22544A-7EE6-4342-B048-85BDC9FD1C3A}</a:tableStyleId>
+              </a:tblPr>
+              <a:tblGrid>
+                <a:gridCol w="4313767">
+                  <a:extLst>
+                    <a:ext uri="{9D8B030D-6E8A-4147-A177-3AD203B41FA5}">
+                      <a16:colId xmlns:a16="http://schemas.microsoft.com/office/drawing/2014/main" val="20000"/>
+                    </a:ext>
+                  </a:extLst>
+                </a:gridCol>
+                <a:gridCol w="1287093">
+                  <a:extLst>
+                    <a:ext uri="{9D8B030D-6E8A-4147-A177-3AD203B41FA5}">
+                      <a16:colId xmlns:a16="http://schemas.microsoft.com/office/drawing/2014/main" val="20001"/>
+                    </a:ext>
+                  </a:extLst>
+                </a:gridCol>
+              </a:tblGrid>
+              <a:tr h="503842">
+                <a:tc>
+                  <a:txBody>
+                    <a:bodyPr/>
+                    <a:lstStyle/>
+                    <a:p>
+                      <a:pPr algn="ctr" fontAlgn="ctr"/>
+                      <a:r>
+                        <a:rPr kumimoji="1" lang="ja-JP" altLang="en-US" sz="1800" u="none" strike="noStrike" kern="1200" dirty="0" smtClean="0">
+                          <a:solidFill>
+                            <a:schemeClr val="dk1"/>
+                          </a:solidFill>
+                          <a:effectLst/>
+                          <a:latin typeface="+mn-lt"/>
+                          <a:ea typeface="+mn-ea"/>
+                          <a:cs typeface="+mn-cs"/>
+                        </a:rPr>
+                        <a:t>応答速度の範囲</a:t>
+                      </a:r>
+                      <a:endParaRPr kumimoji="1" lang="ja-JP" altLang="en-US" sz="1800" u="none" strike="noStrike" kern="1200" dirty="0">
+                        <a:solidFill>
+                          <a:schemeClr val="dk1"/>
+                        </a:solidFill>
+                        <a:effectLst/>
+                        <a:latin typeface="+mn-lt"/>
+                        <a:ea typeface="+mn-ea"/>
+                        <a:cs typeface="+mn-cs"/>
+                      </a:endParaRPr>
+                    </a:p>
+                  </a:txBody>
+                  <a:tcPr marL="9525" marR="9525" marT="9525" marB="0" anchor="ctr"/>
+                </a:tc>
+                <a:tc>
+                  <a:txBody>
+                    <a:bodyPr/>
+                    <a:lstStyle/>
+                    <a:p>
+                      <a:pPr algn="ctr" fontAlgn="ctr"/>
+                      <a:r>
+                        <a:rPr kumimoji="1" lang="ja-JP" altLang="en-US" sz="1800" u="none" strike="noStrike" kern="1200" dirty="0" smtClean="0">
+                          <a:solidFill>
+                            <a:schemeClr val="dk1"/>
+                          </a:solidFill>
+                          <a:effectLst/>
+                          <a:latin typeface="+mn-lt"/>
+                          <a:ea typeface="+mn-ea"/>
+                          <a:cs typeface="+mn-cs"/>
+                        </a:rPr>
+                        <a:t>評価</a:t>
+                      </a:r>
+                      <a:endParaRPr kumimoji="1" lang="ja-JP" altLang="en-US" sz="1800" u="none" strike="noStrike" kern="1200" dirty="0">
+                        <a:solidFill>
+                          <a:schemeClr val="dk1"/>
+                        </a:solidFill>
+                        <a:effectLst/>
+                        <a:latin typeface="+mn-lt"/>
+                        <a:ea typeface="+mn-ea"/>
+                        <a:cs typeface="+mn-cs"/>
+                      </a:endParaRPr>
+                    </a:p>
+                  </a:txBody>
+                  <a:tcPr marL="9525" marR="9525" marT="9525" marB="0" anchor="ctr"/>
+                </a:tc>
+                <a:extLst>
+                  <a:ext uri="{0D108BD9-81ED-4DB2-BD59-A6C34878D82A}">
+                    <a16:rowId xmlns:a16="http://schemas.microsoft.com/office/drawing/2014/main" val="10000"/>
+                  </a:ext>
+                </a:extLst>
+              </a:tr>
+              <a:tr h="503842">
+                <a:tc>
+                  <a:txBody>
+                    <a:bodyPr/>
+                    <a:lstStyle/>
+                    <a:p>
+                      <a:pPr marL="0" marR="0" lvl="0" indent="0" algn="ctr" defTabSz="914400" rtl="0" eaLnBrk="1" fontAlgn="ctr" latinLnBrk="0" hangingPunct="1">
+                        <a:lnSpc>
+                          <a:spcPct val="100000"/>
+                        </a:lnSpc>
+                        <a:spcBef>
+                          <a:spcPts val="0"/>
+                        </a:spcBef>
+                        <a:spcAft>
+                          <a:spcPts val="0"/>
+                        </a:spcAft>
+                        <a:buClrTx/>
+                        <a:buSzTx/>
+                        <a:buFontTx/>
+                        <a:buNone/>
+                        <a:tabLst/>
+                        <a:defRPr/>
+                      </a:pPr>
+                      <a:r>
+                        <a:rPr kumimoji="1" lang="en-US" altLang="ja-JP" sz="1800" kern="1200" dirty="0" smtClean="0">
+                          <a:solidFill>
+                            <a:schemeClr val="dk1"/>
+                          </a:solidFill>
+                          <a:effectLst/>
+                          <a:latin typeface="+mn-lt"/>
+                          <a:ea typeface="+mn-ea"/>
+                          <a:cs typeface="+mn-cs"/>
+                        </a:rPr>
+                        <a:t>0.000~0.016</a:t>
+                      </a:r>
+                      <a:endParaRPr lang="ja-JP" altLang="ja-JP" dirty="0" smtClean="0">
+                        <a:effectLst/>
+                      </a:endParaRPr>
+                    </a:p>
+                  </a:txBody>
+                  <a:tcPr marL="9525" marR="9525" marT="9525" marB="0" anchor="ctr"/>
+                </a:tc>
+                <a:tc>
+                  <a:txBody>
+                    <a:bodyPr/>
+                    <a:lstStyle/>
+                    <a:p>
+                      <a:pPr algn="ctr" fontAlgn="ctr"/>
+                      <a:r>
+                        <a:rPr kumimoji="1" lang="en-US" altLang="ja-JP" sz="1800" u="none" strike="noStrike" kern="1200" dirty="0">
+                          <a:solidFill>
+                            <a:schemeClr val="dk1"/>
+                          </a:solidFill>
+                          <a:effectLst/>
+                          <a:latin typeface="+mn-lt"/>
+                          <a:ea typeface="+mn-ea"/>
+                          <a:cs typeface="+mn-cs"/>
+                        </a:rPr>
+                        <a:t>S</a:t>
+                      </a:r>
+                      <a:endParaRPr kumimoji="1" lang="en-US" altLang="ja-JP" sz="1800" u="none" strike="noStrike" kern="1200" dirty="0">
+                        <a:solidFill>
+                          <a:schemeClr val="dk1"/>
+                        </a:solidFill>
+                        <a:effectLst/>
+                        <a:latin typeface="+mn-lt"/>
+                        <a:ea typeface="+mn-ea"/>
+                        <a:cs typeface="+mn-cs"/>
+                      </a:endParaRPr>
+                    </a:p>
+                  </a:txBody>
+                  <a:tcPr marL="9525" marR="9525" marT="9525" marB="0" anchor="ctr"/>
+                </a:tc>
+                <a:extLst>
+                  <a:ext uri="{0D108BD9-81ED-4DB2-BD59-A6C34878D82A}">
+                    <a16:rowId xmlns:a16="http://schemas.microsoft.com/office/drawing/2014/main" val="10002"/>
+                  </a:ext>
+                </a:extLst>
+              </a:tr>
+              <a:tr h="503842">
+                <a:tc>
+                  <a:txBody>
+                    <a:bodyPr/>
+                    <a:lstStyle/>
+                    <a:p>
+                      <a:pPr marL="0" marR="0" lvl="0" indent="0" algn="ctr" defTabSz="914400" rtl="0" eaLnBrk="1" fontAlgn="ctr" latinLnBrk="0" hangingPunct="1">
+                        <a:lnSpc>
+                          <a:spcPct val="100000"/>
+                        </a:lnSpc>
+                        <a:spcBef>
+                          <a:spcPts val="0"/>
+                        </a:spcBef>
+                        <a:spcAft>
+                          <a:spcPts val="0"/>
+                        </a:spcAft>
+                        <a:buClrTx/>
+                        <a:buSzTx/>
+                        <a:buFontTx/>
+                        <a:buNone/>
+                        <a:tabLst/>
+                        <a:defRPr/>
+                      </a:pPr>
+                      <a:r>
+                        <a:rPr kumimoji="1" lang="en-US" altLang="ja-JP" sz="1800" kern="1200" dirty="0" smtClean="0">
+                          <a:solidFill>
+                            <a:schemeClr val="dk1"/>
+                          </a:solidFill>
+                          <a:effectLst/>
+                          <a:latin typeface="+mn-lt"/>
+                          <a:ea typeface="+mn-ea"/>
+                          <a:cs typeface="+mn-cs"/>
+                        </a:rPr>
+                        <a:t>0.017~0.099</a:t>
+                      </a:r>
+                      <a:endParaRPr lang="ja-JP" altLang="ja-JP" dirty="0" smtClean="0">
+                        <a:effectLst/>
+                      </a:endParaRPr>
+                    </a:p>
+                  </a:txBody>
+                  <a:tcPr marL="9525" marR="9525" marT="9525" marB="0" anchor="ctr"/>
+                </a:tc>
+                <a:tc>
+                  <a:txBody>
+                    <a:bodyPr/>
+                    <a:lstStyle/>
+                    <a:p>
+                      <a:pPr algn="ctr" fontAlgn="ctr"/>
+                      <a:r>
+                        <a:rPr kumimoji="1" lang="en-US" altLang="ja-JP" sz="1800" u="none" strike="noStrike" kern="1200" dirty="0" smtClean="0">
+                          <a:solidFill>
+                            <a:schemeClr val="dk1"/>
+                          </a:solidFill>
+                          <a:effectLst/>
+                          <a:latin typeface="+mn-lt"/>
+                          <a:ea typeface="+mn-ea"/>
+                          <a:cs typeface="+mn-cs"/>
+                        </a:rPr>
+                        <a:t>A</a:t>
+                      </a:r>
+                      <a:endParaRPr kumimoji="1" lang="en-US" altLang="ja-JP" sz="1800" u="none" strike="noStrike" kern="1200" dirty="0">
+                        <a:solidFill>
+                          <a:schemeClr val="dk1"/>
+                        </a:solidFill>
+                        <a:effectLst/>
+                        <a:latin typeface="+mn-lt"/>
+                        <a:ea typeface="+mn-ea"/>
+                        <a:cs typeface="+mn-cs"/>
+                      </a:endParaRPr>
+                    </a:p>
+                  </a:txBody>
+                  <a:tcPr marL="9525" marR="9525" marT="9525" marB="0" anchor="ctr"/>
+                </a:tc>
+                <a:extLst>
+                  <a:ext uri="{0D108BD9-81ED-4DB2-BD59-A6C34878D82A}">
+                    <a16:rowId xmlns:a16="http://schemas.microsoft.com/office/drawing/2014/main" val="2601721426"/>
+                  </a:ext>
+                </a:extLst>
+              </a:tr>
+              <a:tr h="503842">
+                <a:tc>
+                  <a:txBody>
+                    <a:bodyPr/>
+                    <a:lstStyle/>
+                    <a:p>
+                      <a:pPr marL="0" marR="0" lvl="0" indent="0" algn="ctr" defTabSz="914400" rtl="0" eaLnBrk="1" fontAlgn="ctr" latinLnBrk="0" hangingPunct="1">
+                        <a:lnSpc>
+                          <a:spcPct val="100000"/>
+                        </a:lnSpc>
+                        <a:spcBef>
+                          <a:spcPts val="0"/>
+                        </a:spcBef>
+                        <a:spcAft>
+                          <a:spcPts val="0"/>
+                        </a:spcAft>
+                        <a:buClrTx/>
+                        <a:buSzTx/>
+                        <a:buFontTx/>
+                        <a:buNone/>
+                        <a:tabLst/>
+                        <a:defRPr/>
+                      </a:pPr>
+                      <a:r>
+                        <a:rPr kumimoji="1" lang="en-US" altLang="ja-JP" sz="1800" kern="1200" dirty="0" smtClean="0">
+                          <a:solidFill>
+                            <a:schemeClr val="dk1"/>
+                          </a:solidFill>
+                          <a:effectLst/>
+                          <a:latin typeface="+mn-lt"/>
+                          <a:ea typeface="+mn-ea"/>
+                          <a:cs typeface="+mn-cs"/>
+                        </a:rPr>
+                        <a:t>0.100~0.999</a:t>
+                      </a:r>
+                      <a:endParaRPr lang="ja-JP" altLang="ja-JP" dirty="0" smtClean="0">
+                        <a:effectLst/>
+                      </a:endParaRPr>
+                    </a:p>
+                  </a:txBody>
+                  <a:tcPr marL="9525" marR="9525" marT="9525" marB="0" anchor="ctr"/>
+                </a:tc>
+                <a:tc>
+                  <a:txBody>
+                    <a:bodyPr/>
+                    <a:lstStyle/>
+                    <a:p>
+                      <a:pPr algn="ctr" fontAlgn="ctr"/>
+                      <a:r>
+                        <a:rPr kumimoji="1" lang="en-US" altLang="ja-JP" sz="1800" u="none" strike="noStrike" kern="1200" dirty="0" smtClean="0">
+                          <a:solidFill>
+                            <a:schemeClr val="dk1"/>
+                          </a:solidFill>
+                          <a:effectLst/>
+                          <a:latin typeface="+mn-lt"/>
+                          <a:ea typeface="+mn-ea"/>
+                          <a:cs typeface="+mn-cs"/>
+                        </a:rPr>
+                        <a:t>B</a:t>
+                      </a:r>
+                      <a:endParaRPr kumimoji="1" lang="en-US" altLang="ja-JP" sz="1800" u="none" strike="noStrike" kern="1200" dirty="0">
+                        <a:solidFill>
+                          <a:schemeClr val="dk1"/>
+                        </a:solidFill>
+                        <a:effectLst/>
+                        <a:latin typeface="+mn-lt"/>
+                        <a:ea typeface="+mn-ea"/>
+                        <a:cs typeface="+mn-cs"/>
+                      </a:endParaRPr>
+                    </a:p>
+                  </a:txBody>
+                  <a:tcPr marL="9525" marR="9525" marT="9525" marB="0" anchor="ctr"/>
+                </a:tc>
+                <a:extLst>
+                  <a:ext uri="{0D108BD9-81ED-4DB2-BD59-A6C34878D82A}">
+                    <a16:rowId xmlns:a16="http://schemas.microsoft.com/office/drawing/2014/main" val="3775029512"/>
+                  </a:ext>
+                </a:extLst>
+              </a:tr>
+              <a:tr h="503842">
+                <a:tc>
+                  <a:txBody>
+                    <a:bodyPr/>
+                    <a:lstStyle/>
+                    <a:p>
+                      <a:pPr marL="0" marR="0" lvl="0" indent="0" algn="ctr" defTabSz="914400" rtl="0" eaLnBrk="1" fontAlgn="ctr" latinLnBrk="0" hangingPunct="1">
+                        <a:lnSpc>
+                          <a:spcPct val="100000"/>
+                        </a:lnSpc>
+                        <a:spcBef>
+                          <a:spcPts val="0"/>
+                        </a:spcBef>
+                        <a:spcAft>
+                          <a:spcPts val="0"/>
+                        </a:spcAft>
+                        <a:buClrTx/>
+                        <a:buSzTx/>
+                        <a:buFontTx/>
+                        <a:buNone/>
+                        <a:tabLst/>
+                        <a:defRPr/>
+                      </a:pPr>
+                      <a:r>
+                        <a:rPr kumimoji="1" lang="en-US" altLang="ja-JP" sz="1800" kern="1200" dirty="0" smtClean="0">
+                          <a:solidFill>
+                            <a:schemeClr val="dk1"/>
+                          </a:solidFill>
+                          <a:effectLst/>
+                          <a:latin typeface="+mn-lt"/>
+                          <a:ea typeface="+mn-ea"/>
+                          <a:cs typeface="+mn-cs"/>
+                        </a:rPr>
+                        <a:t>1.000~9.999</a:t>
+                      </a:r>
+                      <a:endParaRPr lang="ja-JP" altLang="ja-JP" dirty="0" smtClean="0">
+                        <a:effectLst/>
+                      </a:endParaRPr>
+                    </a:p>
+                  </a:txBody>
+                  <a:tcPr marL="9525" marR="9525" marT="9525" marB="0" anchor="ctr"/>
+                </a:tc>
+                <a:tc>
+                  <a:txBody>
+                    <a:bodyPr/>
+                    <a:lstStyle/>
+                    <a:p>
+                      <a:pPr algn="ctr" fontAlgn="ctr"/>
+                      <a:r>
+                        <a:rPr kumimoji="1" lang="en-US" altLang="ja-JP" sz="1800" u="none" strike="noStrike" kern="1200" dirty="0" smtClean="0">
+                          <a:solidFill>
+                            <a:schemeClr val="dk1"/>
+                          </a:solidFill>
+                          <a:effectLst/>
+                          <a:latin typeface="+mn-lt"/>
+                          <a:ea typeface="+mn-ea"/>
+                          <a:cs typeface="+mn-cs"/>
+                        </a:rPr>
+                        <a:t>C</a:t>
+                      </a:r>
+                      <a:endParaRPr kumimoji="1" lang="en-US" altLang="ja-JP" sz="1800" u="none" strike="noStrike" kern="1200" dirty="0">
+                        <a:solidFill>
+                          <a:schemeClr val="dk1"/>
+                        </a:solidFill>
+                        <a:effectLst/>
+                        <a:latin typeface="+mn-lt"/>
+                        <a:ea typeface="+mn-ea"/>
+                        <a:cs typeface="+mn-cs"/>
+                      </a:endParaRPr>
+                    </a:p>
+                  </a:txBody>
+                  <a:tcPr marL="9525" marR="9525" marT="9525" marB="0" anchor="ctr"/>
+                </a:tc>
+                <a:extLst>
+                  <a:ext uri="{0D108BD9-81ED-4DB2-BD59-A6C34878D82A}">
+                    <a16:rowId xmlns:a16="http://schemas.microsoft.com/office/drawing/2014/main" val="2493037878"/>
+                  </a:ext>
+                </a:extLst>
+              </a:tr>
+              <a:tr h="503842">
+                <a:tc>
+                  <a:txBody>
+                    <a:bodyPr/>
+                    <a:lstStyle/>
+                    <a:p>
+                      <a:pPr marL="0" marR="0" lvl="0" indent="0" algn="ctr" defTabSz="914400" rtl="0" eaLnBrk="1" fontAlgn="ctr" latinLnBrk="0" hangingPunct="1">
+                        <a:lnSpc>
+                          <a:spcPct val="100000"/>
+                        </a:lnSpc>
+                        <a:spcBef>
+                          <a:spcPts val="0"/>
+                        </a:spcBef>
+                        <a:spcAft>
+                          <a:spcPts val="0"/>
+                        </a:spcAft>
+                        <a:buClrTx/>
+                        <a:buSzTx/>
+                        <a:buFontTx/>
+                        <a:buNone/>
+                        <a:tabLst/>
+                        <a:defRPr/>
+                      </a:pPr>
+                      <a:r>
+                        <a:rPr kumimoji="1" lang="en-US" altLang="ja-JP" sz="1800" kern="1200" dirty="0" smtClean="0">
+                          <a:solidFill>
+                            <a:schemeClr val="dk1"/>
+                          </a:solidFill>
+                          <a:effectLst/>
+                          <a:latin typeface="+mn-lt"/>
+                          <a:ea typeface="+mn-ea"/>
+                          <a:cs typeface="+mn-cs"/>
+                        </a:rPr>
+                        <a:t>10.000</a:t>
+                      </a:r>
+                      <a:r>
+                        <a:rPr kumimoji="1" lang="ja-JP" altLang="ja-JP" sz="1800" kern="1200" dirty="0" smtClean="0">
+                          <a:solidFill>
+                            <a:schemeClr val="dk1"/>
+                          </a:solidFill>
+                          <a:effectLst/>
+                          <a:latin typeface="+mn-lt"/>
+                          <a:ea typeface="+mn-ea"/>
+                          <a:cs typeface="+mn-cs"/>
+                        </a:rPr>
+                        <a:t>以上</a:t>
+                      </a:r>
+                      <a:endParaRPr lang="ja-JP" altLang="ja-JP" dirty="0" smtClean="0">
+                        <a:effectLst/>
+                      </a:endParaRPr>
+                    </a:p>
+                  </a:txBody>
+                  <a:tcPr marL="9525" marR="9525" marT="9525" marB="0" anchor="ctr"/>
+                </a:tc>
+                <a:tc>
+                  <a:txBody>
+                    <a:bodyPr/>
+                    <a:lstStyle/>
+                    <a:p>
+                      <a:pPr algn="ctr" fontAlgn="ctr"/>
+                      <a:r>
+                        <a:rPr kumimoji="1" lang="en-US" altLang="ja-JP" sz="1800" u="none" strike="noStrike" kern="1200" dirty="0" smtClean="0">
+                          <a:solidFill>
+                            <a:schemeClr val="dk1"/>
+                          </a:solidFill>
+                          <a:effectLst/>
+                          <a:latin typeface="+mn-lt"/>
+                          <a:ea typeface="+mn-ea"/>
+                          <a:cs typeface="+mn-cs"/>
+                        </a:rPr>
+                        <a:t>D</a:t>
+                      </a:r>
+                      <a:endParaRPr kumimoji="1" lang="en-US" altLang="ja-JP" sz="1800" u="none" strike="noStrike" kern="1200" dirty="0">
+                        <a:solidFill>
+                          <a:schemeClr val="dk1"/>
+                        </a:solidFill>
+                        <a:effectLst/>
+                        <a:latin typeface="+mn-lt"/>
+                        <a:ea typeface="+mn-ea"/>
+                        <a:cs typeface="+mn-cs"/>
+                      </a:endParaRPr>
+                    </a:p>
+                  </a:txBody>
+                  <a:tcPr marL="9525" marR="9525" marT="9525" marB="0" anchor="ctr"/>
+                </a:tc>
+                <a:extLst>
+                  <a:ext uri="{0D108BD9-81ED-4DB2-BD59-A6C34878D82A}">
+                    <a16:rowId xmlns:a16="http://schemas.microsoft.com/office/drawing/2014/main" val="3958763001"/>
+                  </a:ext>
+                </a:extLst>
+              </a:tr>
+            </a:tbl>
+          </a:graphicData>
+        </a:graphic>
+      </p:graphicFrame>
+      <p:sp>
+        <p:nvSpPr>
+          <p:cNvPr id="10" name="コンテンツ プレースホルダー 2"/>
+          <p:cNvSpPr txBox="1">
+            <a:spLocks/>
+          </p:cNvSpPr>
+          <p:nvPr/>
+        </p:nvSpPr>
+        <p:spPr>
+          <a:xfrm>
+            <a:off x="458568" y="5147436"/>
+            <a:ext cx="8356248" cy="951612"/>
+          </a:xfrm>
+          <a:prstGeom prst="rect">
+            <a:avLst/>
+          </a:prstGeom>
+        </p:spPr>
+        <p:txBody>
+          <a:bodyPr vert="horz" lIns="91440" tIns="45720" rIns="91440" bIns="45720" rtlCol="0">
+            <a:normAutofit/>
+          </a:bodyPr>
+          <a:lstStyle>
+            <a:lvl1pPr marL="228600" indent="-228600" algn="l" defTabSz="914400" rtl="0" eaLnBrk="1" latinLnBrk="0" hangingPunct="1">
+              <a:lnSpc>
+                <a:spcPct val="90000"/>
+              </a:lnSpc>
+              <a:spcBef>
+                <a:spcPts val="1000"/>
+              </a:spcBef>
+              <a:buFont typeface="Arial" panose="020B0604020202020204" pitchFamily="34" charset="0"/>
+              <a:buChar char="•"/>
+              <a:defRPr kumimoji="1" sz="2800" kern="1200">
+                <a:solidFill>
+                  <a:schemeClr val="tx1"/>
+                </a:solidFill>
+                <a:latin typeface="+mn-lt"/>
+                <a:ea typeface="+mn-ea"/>
+                <a:cs typeface="+mn-cs"/>
+              </a:defRPr>
+            </a:lvl1pPr>
+            <a:lvl2pPr marL="685800" indent="-228600" algn="l" defTabSz="914400" rtl="0" eaLnBrk="1" latinLnBrk="0" hangingPunct="1">
+              <a:lnSpc>
+                <a:spcPct val="90000"/>
+              </a:lnSpc>
+              <a:spcBef>
+                <a:spcPts val="500"/>
+              </a:spcBef>
+              <a:buFont typeface="Arial" panose="020B0604020202020204" pitchFamily="34" charset="0"/>
+              <a:buChar char="•"/>
+              <a:defRPr kumimoji="1" sz="2400" kern="1200">
+                <a:solidFill>
+                  <a:schemeClr val="tx1"/>
+                </a:solidFill>
+                <a:latin typeface="+mn-lt"/>
+                <a:ea typeface="+mn-ea"/>
+                <a:cs typeface="+mn-cs"/>
+              </a:defRPr>
+            </a:lvl2pPr>
+            <a:lvl3pPr marL="1143000" indent="-228600" algn="l" defTabSz="914400" rtl="0" eaLnBrk="1" latinLnBrk="0" hangingPunct="1">
+              <a:lnSpc>
+                <a:spcPct val="90000"/>
+              </a:lnSpc>
+              <a:spcBef>
+                <a:spcPts val="500"/>
+              </a:spcBef>
+              <a:buFont typeface="Arial" panose="020B0604020202020204" pitchFamily="34" charset="0"/>
+              <a:buChar char="•"/>
+              <a:defRPr kumimoji="1" sz="2000" kern="1200">
+                <a:solidFill>
+                  <a:schemeClr val="tx1"/>
+                </a:solidFill>
+                <a:latin typeface="+mn-lt"/>
+                <a:ea typeface="+mn-ea"/>
+                <a:cs typeface="+mn-cs"/>
+              </a:defRPr>
+            </a:lvl3pPr>
+            <a:lvl4pPr marL="1600200" indent="-228600" algn="l" defTabSz="914400" rtl="0" eaLnBrk="1" latinLnBrk="0" hangingPunct="1">
+              <a:lnSpc>
+                <a:spcPct val="90000"/>
+              </a:lnSpc>
+              <a:spcBef>
+                <a:spcPts val="500"/>
+              </a:spcBef>
+              <a:buFont typeface="Arial" panose="020B0604020202020204" pitchFamily="34" charset="0"/>
+              <a:buChar char="•"/>
+              <a:defRPr kumimoji="1" sz="1800" kern="1200">
+                <a:solidFill>
+                  <a:schemeClr val="tx1"/>
+                </a:solidFill>
+                <a:latin typeface="+mn-lt"/>
+                <a:ea typeface="+mn-ea"/>
+                <a:cs typeface="+mn-cs"/>
+              </a:defRPr>
+            </a:lvl4pPr>
+            <a:lvl5pPr marL="2057400" indent="-228600" algn="l" defTabSz="914400" rtl="0" eaLnBrk="1" latinLnBrk="0" hangingPunct="1">
+              <a:lnSpc>
+                <a:spcPct val="90000"/>
+              </a:lnSpc>
+              <a:spcBef>
+                <a:spcPts val="500"/>
+              </a:spcBef>
+              <a:buFont typeface="Arial" panose="020B0604020202020204" pitchFamily="34" charset="0"/>
+              <a:buChar char="•"/>
+              <a:defRPr kumimoji="1" sz="1800" kern="1200">
+                <a:solidFill>
+                  <a:schemeClr val="tx1"/>
+                </a:solidFill>
+                <a:latin typeface="+mn-lt"/>
+                <a:ea typeface="+mn-ea"/>
+                <a:cs typeface="+mn-cs"/>
+              </a:defRPr>
+            </a:lvl5pPr>
+            <a:lvl6pPr marL="2514600" indent="-228600" algn="l" defTabSz="914400" rtl="0" eaLnBrk="1" latinLnBrk="0" hangingPunct="1">
+              <a:lnSpc>
+                <a:spcPct val="90000"/>
+              </a:lnSpc>
+              <a:spcBef>
+                <a:spcPts val="500"/>
+              </a:spcBef>
+              <a:buFont typeface="Arial" panose="020B0604020202020204" pitchFamily="34" charset="0"/>
+              <a:buChar char="•"/>
+              <a:defRPr kumimoji="1" sz="1800" kern="1200">
+                <a:solidFill>
+                  <a:schemeClr val="tx1"/>
+                </a:solidFill>
+                <a:latin typeface="+mn-lt"/>
+                <a:ea typeface="+mn-ea"/>
+                <a:cs typeface="+mn-cs"/>
+              </a:defRPr>
+            </a:lvl6pPr>
+            <a:lvl7pPr marL="2971800" indent="-228600" algn="l" defTabSz="914400" rtl="0" eaLnBrk="1" latinLnBrk="0" hangingPunct="1">
+              <a:lnSpc>
+                <a:spcPct val="90000"/>
+              </a:lnSpc>
+              <a:spcBef>
+                <a:spcPts val="500"/>
+              </a:spcBef>
+              <a:buFont typeface="Arial" panose="020B0604020202020204" pitchFamily="34" charset="0"/>
+              <a:buChar char="•"/>
+              <a:defRPr kumimoji="1" sz="1800" kern="1200">
+                <a:solidFill>
+                  <a:schemeClr val="tx1"/>
+                </a:solidFill>
+                <a:latin typeface="+mn-lt"/>
+                <a:ea typeface="+mn-ea"/>
+                <a:cs typeface="+mn-cs"/>
+              </a:defRPr>
+            </a:lvl7pPr>
+            <a:lvl8pPr marL="3429000" indent="-228600" algn="l" defTabSz="914400" rtl="0" eaLnBrk="1" latinLnBrk="0" hangingPunct="1">
+              <a:lnSpc>
+                <a:spcPct val="90000"/>
+              </a:lnSpc>
+              <a:spcBef>
+                <a:spcPts val="500"/>
+              </a:spcBef>
+              <a:buFont typeface="Arial" panose="020B0604020202020204" pitchFamily="34" charset="0"/>
+              <a:buChar char="•"/>
+              <a:defRPr kumimoji="1" sz="1800" kern="1200">
+                <a:solidFill>
+                  <a:schemeClr val="tx1"/>
+                </a:solidFill>
+                <a:latin typeface="+mn-lt"/>
+                <a:ea typeface="+mn-ea"/>
+                <a:cs typeface="+mn-cs"/>
+              </a:defRPr>
+            </a:lvl8pPr>
+            <a:lvl9pPr marL="3886200" indent="-228600" algn="l" defTabSz="914400" rtl="0" eaLnBrk="1" latinLnBrk="0" hangingPunct="1">
+              <a:lnSpc>
+                <a:spcPct val="90000"/>
+              </a:lnSpc>
+              <a:spcBef>
+                <a:spcPts val="500"/>
+              </a:spcBef>
+              <a:buFont typeface="Arial" panose="020B0604020202020204" pitchFamily="34" charset="0"/>
+              <a:buChar char="•"/>
+              <a:defRPr kumimoji="1" sz="1800" kern="1200">
+                <a:solidFill>
+                  <a:schemeClr val="tx1"/>
+                </a:solidFill>
+                <a:latin typeface="+mn-lt"/>
+                <a:ea typeface="+mn-ea"/>
+                <a:cs typeface="+mn-cs"/>
+              </a:defRPr>
+            </a:lvl9pPr>
+          </a:lstStyle>
+          <a:p>
+            <a:r>
+              <a:rPr lang="ja-JP" altLang="en-US" dirty="0" smtClean="0"/>
+              <a:t>本実験の</a:t>
+            </a:r>
+            <a:r>
+              <a:rPr lang="ja-JP" altLang="ja-JP" dirty="0" smtClean="0"/>
+              <a:t>段階付け評価</a:t>
+            </a:r>
+            <a:r>
+              <a:rPr lang="ja-JP" altLang="en-US" dirty="0" smtClean="0"/>
+              <a:t>は，</a:t>
+            </a:r>
+            <a:r>
+              <a:rPr lang="en-US" altLang="ja-JP" dirty="0">
+                <a:latin typeface="ＭＳ Ｐゴシック" panose="020B0600070205080204" pitchFamily="50" charset="-128"/>
+              </a:rPr>
+              <a:t> [Paul 2014]</a:t>
+            </a:r>
+            <a:r>
+              <a:rPr lang="ja-JP" altLang="en-US" dirty="0"/>
+              <a:t>や</a:t>
+            </a:r>
+            <a:r>
+              <a:rPr lang="en-US" altLang="ja-JP" dirty="0"/>
+              <a:t>[Google </a:t>
+            </a:r>
+            <a:r>
+              <a:rPr lang="en-US" altLang="ja-JP" dirty="0" smtClean="0"/>
+              <a:t>2008]</a:t>
+            </a:r>
+            <a:r>
+              <a:rPr lang="ja-JP" altLang="en-US" dirty="0" smtClean="0"/>
+              <a:t>を基に，上記の値で評価付けを行うようにした</a:t>
+            </a:r>
+            <a:r>
+              <a:rPr lang="ja-JP" altLang="en-US" dirty="0"/>
+              <a:t>．</a:t>
+            </a:r>
+            <a:endParaRPr lang="en-US" altLang="ja-JP" dirty="0">
+              <a:latin typeface="ＭＳ Ｐゴシック" panose="020B0600070205080204" pitchFamily="50" charset="-128"/>
+            </a:endParaRPr>
+          </a:p>
+        </p:txBody>
+      </p:sp>
+      <p:sp>
+        <p:nvSpPr>
+          <p:cNvPr id="11" name="コンテンツ プレースホルダー 2"/>
+          <p:cNvSpPr txBox="1">
+            <a:spLocks/>
+          </p:cNvSpPr>
+          <p:nvPr/>
+        </p:nvSpPr>
+        <p:spPr>
+          <a:xfrm>
+            <a:off x="2508655" y="1481331"/>
+            <a:ext cx="4236418" cy="487612"/>
+          </a:xfrm>
+          <a:prstGeom prst="rect">
+            <a:avLst/>
+          </a:prstGeom>
+        </p:spPr>
+        <p:txBody>
+          <a:bodyPr vert="horz" lIns="91440" tIns="45720" rIns="91440" bIns="45720" rtlCol="0">
+            <a:normAutofit/>
+          </a:bodyPr>
+          <a:lstStyle>
+            <a:lvl1pPr marL="228600" indent="-228600" algn="l" defTabSz="914400" rtl="0" eaLnBrk="1" latinLnBrk="0" hangingPunct="1">
+              <a:lnSpc>
+                <a:spcPct val="90000"/>
+              </a:lnSpc>
+              <a:spcBef>
+                <a:spcPts val="1000"/>
+              </a:spcBef>
+              <a:buFont typeface="Arial" panose="020B0604020202020204" pitchFamily="34" charset="0"/>
+              <a:buChar char="•"/>
+              <a:defRPr kumimoji="1" sz="2800" kern="1200">
+                <a:solidFill>
+                  <a:schemeClr val="tx1"/>
+                </a:solidFill>
+                <a:latin typeface="+mn-lt"/>
+                <a:ea typeface="+mn-ea"/>
+                <a:cs typeface="+mn-cs"/>
+              </a:defRPr>
+            </a:lvl1pPr>
+            <a:lvl2pPr marL="685800" indent="-228600" algn="l" defTabSz="914400" rtl="0" eaLnBrk="1" latinLnBrk="0" hangingPunct="1">
+              <a:lnSpc>
+                <a:spcPct val="90000"/>
+              </a:lnSpc>
+              <a:spcBef>
+                <a:spcPts val="500"/>
+              </a:spcBef>
+              <a:buFont typeface="Arial" panose="020B0604020202020204" pitchFamily="34" charset="0"/>
+              <a:buChar char="•"/>
+              <a:defRPr kumimoji="1" sz="2400" kern="1200">
+                <a:solidFill>
+                  <a:schemeClr val="tx1"/>
+                </a:solidFill>
+                <a:latin typeface="+mn-lt"/>
+                <a:ea typeface="+mn-ea"/>
+                <a:cs typeface="+mn-cs"/>
+              </a:defRPr>
+            </a:lvl2pPr>
+            <a:lvl3pPr marL="1143000" indent="-228600" algn="l" defTabSz="914400" rtl="0" eaLnBrk="1" latinLnBrk="0" hangingPunct="1">
+              <a:lnSpc>
+                <a:spcPct val="90000"/>
+              </a:lnSpc>
+              <a:spcBef>
+                <a:spcPts val="500"/>
+              </a:spcBef>
+              <a:buFont typeface="Arial" panose="020B0604020202020204" pitchFamily="34" charset="0"/>
+              <a:buChar char="•"/>
+              <a:defRPr kumimoji="1" sz="2000" kern="1200">
+                <a:solidFill>
+                  <a:schemeClr val="tx1"/>
+                </a:solidFill>
+                <a:latin typeface="+mn-lt"/>
+                <a:ea typeface="+mn-ea"/>
+                <a:cs typeface="+mn-cs"/>
+              </a:defRPr>
+            </a:lvl3pPr>
+            <a:lvl4pPr marL="1600200" indent="-228600" algn="l" defTabSz="914400" rtl="0" eaLnBrk="1" latinLnBrk="0" hangingPunct="1">
+              <a:lnSpc>
+                <a:spcPct val="90000"/>
+              </a:lnSpc>
+              <a:spcBef>
+                <a:spcPts val="500"/>
+              </a:spcBef>
+              <a:buFont typeface="Arial" panose="020B0604020202020204" pitchFamily="34" charset="0"/>
+              <a:buChar char="•"/>
+              <a:defRPr kumimoji="1" sz="1800" kern="1200">
+                <a:solidFill>
+                  <a:schemeClr val="tx1"/>
+                </a:solidFill>
+                <a:latin typeface="+mn-lt"/>
+                <a:ea typeface="+mn-ea"/>
+                <a:cs typeface="+mn-cs"/>
+              </a:defRPr>
+            </a:lvl4pPr>
+            <a:lvl5pPr marL="2057400" indent="-228600" algn="l" defTabSz="914400" rtl="0" eaLnBrk="1" latinLnBrk="0" hangingPunct="1">
+              <a:lnSpc>
+                <a:spcPct val="90000"/>
+              </a:lnSpc>
+              <a:spcBef>
+                <a:spcPts val="500"/>
+              </a:spcBef>
+              <a:buFont typeface="Arial" panose="020B0604020202020204" pitchFamily="34" charset="0"/>
+              <a:buChar char="•"/>
+              <a:defRPr kumimoji="1" sz="1800" kern="1200">
+                <a:solidFill>
+                  <a:schemeClr val="tx1"/>
+                </a:solidFill>
+                <a:latin typeface="+mn-lt"/>
+                <a:ea typeface="+mn-ea"/>
+                <a:cs typeface="+mn-cs"/>
+              </a:defRPr>
+            </a:lvl5pPr>
+            <a:lvl6pPr marL="2514600" indent="-228600" algn="l" defTabSz="914400" rtl="0" eaLnBrk="1" latinLnBrk="0" hangingPunct="1">
+              <a:lnSpc>
+                <a:spcPct val="90000"/>
+              </a:lnSpc>
+              <a:spcBef>
+                <a:spcPts val="500"/>
+              </a:spcBef>
+              <a:buFont typeface="Arial" panose="020B0604020202020204" pitchFamily="34" charset="0"/>
+              <a:buChar char="•"/>
+              <a:defRPr kumimoji="1" sz="1800" kern="1200">
+                <a:solidFill>
+                  <a:schemeClr val="tx1"/>
+                </a:solidFill>
+                <a:latin typeface="+mn-lt"/>
+                <a:ea typeface="+mn-ea"/>
+                <a:cs typeface="+mn-cs"/>
+              </a:defRPr>
+            </a:lvl6pPr>
+            <a:lvl7pPr marL="2971800" indent="-228600" algn="l" defTabSz="914400" rtl="0" eaLnBrk="1" latinLnBrk="0" hangingPunct="1">
+              <a:lnSpc>
+                <a:spcPct val="90000"/>
+              </a:lnSpc>
+              <a:spcBef>
+                <a:spcPts val="500"/>
+              </a:spcBef>
+              <a:buFont typeface="Arial" panose="020B0604020202020204" pitchFamily="34" charset="0"/>
+              <a:buChar char="•"/>
+              <a:defRPr kumimoji="1" sz="1800" kern="1200">
+                <a:solidFill>
+                  <a:schemeClr val="tx1"/>
+                </a:solidFill>
+                <a:latin typeface="+mn-lt"/>
+                <a:ea typeface="+mn-ea"/>
+                <a:cs typeface="+mn-cs"/>
+              </a:defRPr>
+            </a:lvl7pPr>
+            <a:lvl8pPr marL="3429000" indent="-228600" algn="l" defTabSz="914400" rtl="0" eaLnBrk="1" latinLnBrk="0" hangingPunct="1">
+              <a:lnSpc>
+                <a:spcPct val="90000"/>
+              </a:lnSpc>
+              <a:spcBef>
+                <a:spcPts val="500"/>
+              </a:spcBef>
+              <a:buFont typeface="Arial" panose="020B0604020202020204" pitchFamily="34" charset="0"/>
+              <a:buChar char="•"/>
+              <a:defRPr kumimoji="1" sz="1800" kern="1200">
+                <a:solidFill>
+                  <a:schemeClr val="tx1"/>
+                </a:solidFill>
+                <a:latin typeface="+mn-lt"/>
+                <a:ea typeface="+mn-ea"/>
+                <a:cs typeface="+mn-cs"/>
+              </a:defRPr>
+            </a:lvl8pPr>
+            <a:lvl9pPr marL="3886200" indent="-228600" algn="l" defTabSz="914400" rtl="0" eaLnBrk="1" latinLnBrk="0" hangingPunct="1">
+              <a:lnSpc>
+                <a:spcPct val="90000"/>
+              </a:lnSpc>
+              <a:spcBef>
+                <a:spcPts val="500"/>
+              </a:spcBef>
+              <a:buFont typeface="Arial" panose="020B0604020202020204" pitchFamily="34" charset="0"/>
+              <a:buChar char="•"/>
+              <a:defRPr kumimoji="1" sz="1800" kern="1200">
+                <a:solidFill>
+                  <a:schemeClr val="tx1"/>
+                </a:solidFill>
+                <a:latin typeface="+mn-lt"/>
+                <a:ea typeface="+mn-ea"/>
+                <a:cs typeface="+mn-cs"/>
+              </a:defRPr>
+            </a:lvl9pPr>
+          </a:lstStyle>
+          <a:p>
+            <a:pPr marL="0" indent="0">
+              <a:buNone/>
+            </a:pPr>
+            <a:r>
+              <a:rPr lang="ja-JP" altLang="en-US" sz="2000" dirty="0" smtClean="0">
+                <a:latin typeface="ＭＳ Ｐゴシック" panose="020B0600070205080204" pitchFamily="50" charset="-128"/>
+              </a:rPr>
+              <a:t>速度に対する段階付け評価の対応表</a:t>
+            </a:r>
+            <a:endParaRPr lang="en-US" altLang="ja-JP" sz="2000" dirty="0">
+              <a:latin typeface="ＭＳ Ｐゴシック" panose="020B0600070205080204" pitchFamily="50" charset="-128"/>
+            </a:endParaRPr>
+          </a:p>
+        </p:txBody>
+      </p:sp>
+    </p:spTree>
+    <p:extLst>
+      <p:ext uri="{BB962C8B-B14F-4D97-AF65-F5344CB8AC3E}">
+        <p14:creationId xmlns:p14="http://schemas.microsoft.com/office/powerpoint/2010/main" val="1570447387"/>
+      </p:ext>
+    </p:extLst>
+  </p:cSld>
+  <p:clrMapOvr>
+    <a:masterClrMapping/>
+  </p:clrMapOvr>
 </p:sld>
 </file>
 
@@ -8797,38 +9077,57 @@
           </a:p>
           <a:p>
             <a:r>
-              <a:rPr lang="en-US" altLang="ja-JP" dirty="0"/>
+              <a:rPr lang="en-US" altLang="ja-JP" dirty="0" smtClean="0"/>
               <a:t>WEB</a:t>
             </a:r>
             <a:r>
               <a:rPr lang="ja-JP" altLang="en-US" dirty="0"/>
-              <a:t>サーバを不均一にする．</a:t>
-            </a:r>
+              <a:t>サーバを不均一にする</a:t>
+            </a:r>
+            <a:r>
+              <a:rPr lang="ja-JP" altLang="en-US" dirty="0" smtClean="0"/>
+              <a:t>．</a:t>
+            </a:r>
+            <a:r>
+              <a:rPr lang="ja-JP" altLang="en-US" sz="2000" dirty="0" smtClean="0"/>
+              <a:t>（実験</a:t>
+            </a:r>
+            <a:r>
+              <a:rPr lang="ja-JP" altLang="en-US" sz="2000" dirty="0"/>
+              <a:t>環境</a:t>
+            </a:r>
+            <a:r>
+              <a:rPr lang="ja-JP" altLang="en-US" sz="2000" dirty="0" smtClean="0"/>
+              <a:t>２）</a:t>
+            </a:r>
+            <a:endParaRPr lang="ja-JP" altLang="en-US" dirty="0"/>
           </a:p>
           <a:p>
             <a:r>
               <a:rPr lang="ja-JP" altLang="en-US" dirty="0"/>
-              <a:t>コンフィグの設定を変更</a:t>
+              <a:t>コンフィグの</a:t>
             </a:r>
             <a:r>
               <a:rPr lang="ja-JP" altLang="en-US" dirty="0" smtClean="0"/>
-              <a:t>し，重み付け</a:t>
+              <a:t>設定</a:t>
             </a:r>
             <a:r>
               <a:rPr lang="ja-JP" altLang="en-US" dirty="0"/>
-              <a:t>を等しくする．</a:t>
-            </a:r>
-            <a:br>
+              <a:t>から</a:t>
+            </a:r>
+            <a:r>
+              <a:rPr lang="ja-JP" altLang="en-US" dirty="0" smtClean="0"/>
+              <a:t>，重み付けを均等にし，ラウンドロビン</a:t>
+            </a:r>
+            <a:r>
               <a:rPr lang="ja-JP" altLang="en-US" dirty="0"/>
-            </a:br>
+              <a:t>と</a:t>
+            </a:r>
             <a:r>
               <a:rPr lang="ja-JP" altLang="en-US" dirty="0" smtClean="0"/>
-              <a:t>→ラウンドロビン</a:t>
-            </a:r>
-            <a:r>
-              <a:rPr lang="ja-JP" altLang="en-US" dirty="0"/>
-              <a:t>として割り振られる．</a:t>
-            </a:r>
+              <a:t>して動作させる．</a:t>
+            </a:r>
+            <a:endParaRPr lang="ja-JP" altLang="en-US" dirty="0"/>
           </a:p>
           <a:p>
             <a:r>
@@ -8864,34 +9163,11 @@
             </a:r>
             <a:r>
               <a:rPr lang="ja-JP" altLang="en-US" dirty="0" smtClean="0"/>
-              <a:t>システムのプロトタイプに</a:t>
+              <a:t>システムのプロトタイプに切り替え，表示</a:t>
             </a:r>
             <a:r>
               <a:rPr lang="ja-JP" altLang="en-US" dirty="0"/>
-              <a:t>切り替える</a:t>
-            </a:r>
-            <a:r>
-              <a:rPr lang="ja-JP" altLang="en-US" dirty="0" smtClean="0"/>
-              <a:t>．</a:t>
-            </a:r>
-            <a:endParaRPr lang="ja-JP" altLang="en-US" dirty="0"/>
-          </a:p>
-          <a:p>
-            <a:r>
-              <a:rPr lang="ja-JP" altLang="en-US" dirty="0" smtClean="0"/>
-              <a:t>「</a:t>
-            </a:r>
-            <a:r>
-              <a:rPr lang="ja-JP" altLang="en-US" dirty="0"/>
-              <a:t>提案システム</a:t>
-            </a:r>
-            <a:r>
-              <a:rPr lang="ja-JP" altLang="en-US" dirty="0" smtClean="0"/>
-              <a:t>」での</a:t>
-            </a:r>
-            <a:r>
-              <a:rPr lang="ja-JP" altLang="en-US" dirty="0"/>
-              <a:t>表示速度を</a:t>
+              <a:t>速度を</a:t>
             </a:r>
             <a:r>
               <a:rPr lang="en-US" altLang="ja-JP" dirty="0"/>
@@ -9177,6 +9453,104 @@
           </a:prstGeom>
         </p:spPr>
       </p:pic>
+      <p:sp>
+        <p:nvSpPr>
+          <p:cNvPr id="3" name="テキスト ボックス 2"/>
+          <p:cNvSpPr txBox="1"/>
+          <p:nvPr/>
+        </p:nvSpPr>
+        <p:spPr>
+          <a:xfrm>
+            <a:off x="2992374" y="5800000"/>
+            <a:ext cx="1517904" cy="369332"/>
+          </a:xfrm>
+          <a:prstGeom prst="rect">
+            <a:avLst/>
+          </a:prstGeom>
+          <a:noFill/>
+        </p:spPr>
+        <p:txBody>
+          <a:bodyPr wrap="square" rtlCol="0">
+            <a:spAutoFit/>
+          </a:bodyPr>
+          <a:lstStyle/>
+          <a:p>
+            <a:r>
+              <a:rPr kumimoji="1" lang="ja-JP" altLang="en-US" dirty="0" smtClean="0"/>
+              <a:t>速いサーバ</a:t>
+            </a:r>
+            <a:endParaRPr kumimoji="1" lang="ja-JP" altLang="en-US" dirty="0"/>
+          </a:p>
+        </p:txBody>
+      </p:sp>
+      <p:sp>
+        <p:nvSpPr>
+          <p:cNvPr id="9" name="テキスト ボックス 8"/>
+          <p:cNvSpPr txBox="1"/>
+          <p:nvPr/>
+        </p:nvSpPr>
+        <p:spPr>
+          <a:xfrm>
+            <a:off x="4510278" y="5798729"/>
+            <a:ext cx="1517904" cy="369332"/>
+          </a:xfrm>
+          <a:prstGeom prst="rect">
+            <a:avLst/>
+          </a:prstGeom>
+          <a:noFill/>
+        </p:spPr>
+        <p:txBody>
+          <a:bodyPr wrap="square" rtlCol="0">
+            <a:spAutoFit/>
+          </a:bodyPr>
+          <a:lstStyle/>
+          <a:p>
+            <a:r>
+              <a:rPr lang="ja-JP" altLang="en-US" dirty="0" smtClean="0"/>
+              <a:t>遅</a:t>
+            </a:r>
+            <a:r>
+              <a:rPr kumimoji="1" lang="ja-JP" altLang="en-US" dirty="0" smtClean="0"/>
+              <a:t>いサーバ</a:t>
+            </a:r>
+            <a:endParaRPr kumimoji="1" lang="ja-JP" altLang="en-US" dirty="0"/>
+          </a:p>
+        </p:txBody>
+      </p:sp>
+      <p:sp>
+        <p:nvSpPr>
+          <p:cNvPr id="10" name="テキスト ボックス 9"/>
+          <p:cNvSpPr txBox="1"/>
+          <p:nvPr/>
+        </p:nvSpPr>
+        <p:spPr>
+          <a:xfrm>
+            <a:off x="6115608" y="5798729"/>
+            <a:ext cx="1517904" cy="369332"/>
+          </a:xfrm>
+          <a:prstGeom prst="rect">
+            <a:avLst/>
+          </a:prstGeom>
+          <a:noFill/>
+        </p:spPr>
+        <p:txBody>
+          <a:bodyPr wrap="square" rtlCol="0">
+            <a:spAutoFit/>
+          </a:bodyPr>
+          <a:lstStyle/>
+          <a:p>
+            <a:r>
+              <a:rPr lang="ja-JP" altLang="en-US" dirty="0"/>
+              <a:t>遅い</a:t>
+            </a:r>
+            <a:r>
+              <a:rPr kumimoji="1" lang="ja-JP" altLang="en-US" dirty="0" smtClean="0"/>
+              <a:t>サーバ</a:t>
+            </a:r>
+            <a:endParaRPr kumimoji="1" lang="ja-JP" altLang="en-US" dirty="0"/>
+          </a:p>
+        </p:txBody>
+      </p:sp>
     </p:spTree>
     <p:extLst>
       <p:ext uri="{BB962C8B-B14F-4D97-AF65-F5344CB8AC3E}">
@@ -9437,19 +9811,552 @@
         </p:nvSpPr>
         <p:spPr>
           <a:xfrm>
-            <a:off x="528066" y="72518"/>
-            <a:ext cx="7886700" cy="1325563"/>
+            <a:off x="210312" y="137160"/>
+            <a:ext cx="7886700" cy="940881"/>
           </a:xfrm>
         </p:spPr>
         <p:txBody>
-          <a:bodyPr/>
+          <a:bodyPr>
+            <a:normAutofit/>
+          </a:bodyPr>
           <a:lstStyle/>
           <a:p>
             <a:r>
-              <a:rPr kumimoji="1" lang="ja-JP" altLang="en-US" dirty="0" smtClean="0"/>
+              <a:rPr kumimoji="1" lang="ja-JP" altLang="en-US" sz="3600" dirty="0" smtClean="0"/>
               <a:t>参考文献</a:t>
             </a:r>
-            <a:endParaRPr kumimoji="1" lang="ja-JP" altLang="en-US" dirty="0"/>
+            <a:endParaRPr kumimoji="1" lang="ja-JP" altLang="en-US" sz="3600" dirty="0"/>
+          </a:p>
+        </p:txBody>
+      </p:sp>
+      <p:sp>
+        <p:nvSpPr>
+          <p:cNvPr id="3" name="コンテンツ プレースホルダー 2"/>
+          <p:cNvSpPr>
+            <a:spLocks noGrp="1"/>
+          </p:cNvSpPr>
+          <p:nvPr>
+            <p:ph idx="1"/>
+          </p:nvPr>
+        </p:nvSpPr>
+        <p:spPr>
+          <a:xfrm>
+            <a:off x="329184" y="849441"/>
+            <a:ext cx="8659368" cy="5889372"/>
+          </a:xfrm>
+        </p:spPr>
+        <p:txBody>
+          <a:bodyPr>
+            <a:noAutofit/>
+          </a:bodyPr>
+          <a:lstStyle/>
+          <a:p>
+            <a:pPr marL="0" indent="0">
+              <a:buNone/>
+            </a:pPr>
+            <a:r>
+              <a:rPr lang="ja-JP" altLang="en-US" sz="1600" b="1" u="sng" dirty="0">
+                <a:latin typeface="ＭＳ Ｐゴシック" panose="020B0600070205080204" pitchFamily="50" charset="-128"/>
+              </a:rPr>
+              <a:t>リバースプロキシによるロードバランシング手法</a:t>
+            </a:r>
+            <a:endParaRPr lang="en-US" altLang="ja-JP" sz="1600" b="1" u="sng" dirty="0">
+              <a:latin typeface="ＭＳ Ｐゴシック" panose="020B0600070205080204" pitchFamily="50" charset="-128"/>
+            </a:endParaRPr>
+          </a:p>
+          <a:p>
+            <a:pPr marL="0" indent="0">
+              <a:lnSpc>
+                <a:spcPct val="100000"/>
+              </a:lnSpc>
+              <a:buNone/>
+            </a:pPr>
+            <a:r>
+              <a:rPr lang="en-US" altLang="ja-JP" sz="1400" b="1" dirty="0">
+                <a:latin typeface="ＭＳ Ｐゴシック" panose="020B0600070205080204" pitchFamily="50" charset="-128"/>
+              </a:rPr>
+              <a:t>[</a:t>
+            </a:r>
+            <a:r>
+              <a:rPr lang="en-US" altLang="ja-JP" sz="1400" b="1" dirty="0" err="1">
+                <a:latin typeface="ＭＳ Ｐゴシック" panose="020B0600070205080204" pitchFamily="50" charset="-128"/>
+              </a:rPr>
+              <a:t>Tsuchi</a:t>
+            </a:r>
+            <a:r>
+              <a:rPr lang="en-US" altLang="ja-JP" sz="1400" b="1" dirty="0">
+                <a:latin typeface="ＭＳ Ｐゴシック" panose="020B0600070205080204" pitchFamily="50" charset="-128"/>
+              </a:rPr>
+              <a:t> 2008]</a:t>
+            </a:r>
+            <a:r>
+              <a:rPr lang="ja-JP" altLang="en-US" sz="1400" b="1" dirty="0">
+                <a:latin typeface="ＭＳ Ｐゴシック" panose="020B0600070205080204" pitchFamily="50" charset="-128"/>
+              </a:rPr>
+              <a:t>土居幸一郎</a:t>
+            </a:r>
+            <a:r>
+              <a:rPr lang="en-US" altLang="ja-JP" sz="1400" b="1" dirty="0">
+                <a:latin typeface="ＭＳ Ｐゴシック" panose="020B0600070205080204" pitchFamily="50" charset="-128"/>
+              </a:rPr>
+              <a:t>,</a:t>
+            </a:r>
+            <a:r>
+              <a:rPr lang="ja-JP" altLang="en-US" sz="1400" b="1" dirty="0">
+                <a:latin typeface="ＭＳ Ｐゴシック" panose="020B0600070205080204" pitchFamily="50" charset="-128"/>
+              </a:rPr>
+              <a:t>後藤滋樹</a:t>
+            </a:r>
+            <a:r>
+              <a:rPr lang="en-US" altLang="ja-JP" sz="1400" b="1" dirty="0">
+                <a:latin typeface="ＭＳ Ｐゴシック" panose="020B0600070205080204" pitchFamily="50" charset="-128"/>
+              </a:rPr>
+              <a:t>HTTP</a:t>
+            </a:r>
+            <a:r>
+              <a:rPr lang="ja-JP" altLang="en-US" sz="1400" b="1" dirty="0">
+                <a:latin typeface="ＭＳ Ｐゴシック" panose="020B0600070205080204" pitchFamily="50" charset="-128"/>
+              </a:rPr>
+              <a:t>セッションのハンドオーバによる</a:t>
+            </a:r>
+            <a:r>
+              <a:rPr lang="en-US" altLang="ja-JP" sz="1400" b="1" dirty="0">
+                <a:latin typeface="ＭＳ Ｐゴシック" panose="020B0600070205080204" pitchFamily="50" charset="-128"/>
+              </a:rPr>
+              <a:t>WEB</a:t>
+            </a:r>
+            <a:r>
+              <a:rPr lang="ja-JP" altLang="en-US" sz="1400" b="1" dirty="0">
+                <a:latin typeface="ＭＳ Ｐゴシック" panose="020B0600070205080204" pitchFamily="50" charset="-128"/>
+              </a:rPr>
+              <a:t>サーバのロードバランス </a:t>
+            </a:r>
+            <a:r>
+              <a:rPr lang="en-US" altLang="ja-JP" sz="1400" b="1" dirty="0">
+                <a:latin typeface="ＭＳ Ｐゴシック" panose="020B0600070205080204" pitchFamily="50" charset="-128"/>
+              </a:rPr>
+              <a:t>(</a:t>
+            </a:r>
+            <a:r>
+              <a:rPr lang="ja-JP" altLang="en-US" sz="1400" b="1" dirty="0">
+                <a:latin typeface="ＭＳ Ｐゴシック" panose="020B0600070205080204" pitchFamily="50" charset="-128"/>
+              </a:rPr>
+              <a:t>分散システム</a:t>
+            </a:r>
+            <a:r>
+              <a:rPr lang="en-US" altLang="ja-JP" sz="1400" b="1" dirty="0">
+                <a:latin typeface="ＭＳ Ｐゴシック" panose="020B0600070205080204" pitchFamily="50" charset="-128"/>
+              </a:rPr>
+              <a:t>/</a:t>
+            </a:r>
+            <a:r>
+              <a:rPr lang="ja-JP" altLang="en-US" sz="1400" b="1" dirty="0">
+                <a:latin typeface="ＭＳ Ｐゴシック" panose="020B0600070205080204" pitchFamily="50" charset="-128"/>
+              </a:rPr>
+              <a:t>インターネット運用技術・高品質インターネット</a:t>
+            </a:r>
+            <a:r>
+              <a:rPr lang="en-US" altLang="ja-JP" sz="1400" b="1" dirty="0">
+                <a:latin typeface="ＭＳ Ｐゴシック" panose="020B0600070205080204" pitchFamily="50" charset="-128"/>
+              </a:rPr>
+              <a:t>)</a:t>
+            </a:r>
+            <a:r>
+              <a:rPr lang="ja-JP" altLang="en-US" sz="1400" b="1" dirty="0">
+                <a:latin typeface="ＭＳ Ｐゴシック" panose="020B0600070205080204" pitchFamily="50" charset="-128"/>
+              </a:rPr>
+              <a:t>掲載誌 情報処理学会研究報告 </a:t>
+            </a:r>
+            <a:r>
+              <a:rPr lang="en-US" altLang="ja-JP" sz="1400" b="1" dirty="0">
+                <a:latin typeface="ＭＳ Ｐゴシック" panose="020B0600070205080204" pitchFamily="50" charset="-128"/>
+              </a:rPr>
+              <a:t>= IPSJ SIG technical reports p.25-29(2008-3-6)</a:t>
+            </a:r>
+          </a:p>
+          <a:p>
+            <a:pPr marL="0" indent="0">
+              <a:lnSpc>
+                <a:spcPct val="100000"/>
+              </a:lnSpc>
+              <a:buNone/>
+            </a:pPr>
+            <a:r>
+              <a:rPr lang="ja-JP" altLang="en-US" sz="1600" b="1" u="sng" dirty="0">
+                <a:latin typeface="ＭＳ Ｐゴシック" panose="020B0600070205080204" pitchFamily="50" charset="-128"/>
+              </a:rPr>
+              <a:t>応答速度評価付けシステムの評価手法</a:t>
+            </a:r>
+            <a:endParaRPr lang="en-US" altLang="ja-JP" sz="1600" b="1" u="sng" dirty="0">
+              <a:latin typeface="ＭＳ Ｐゴシック" panose="020B0600070205080204" pitchFamily="50" charset="-128"/>
+            </a:endParaRPr>
+          </a:p>
+          <a:p>
+            <a:pPr marL="0" indent="0">
+              <a:lnSpc>
+                <a:spcPct val="100000"/>
+              </a:lnSpc>
+              <a:buNone/>
+            </a:pPr>
+            <a:r>
+              <a:rPr lang="en-US" altLang="ja-JP" sz="1400" b="1" dirty="0">
+                <a:latin typeface="ＭＳ Ｐゴシック" panose="020B0600070205080204" pitchFamily="50" charset="-128"/>
+              </a:rPr>
+              <a:t>[</a:t>
+            </a:r>
+            <a:r>
+              <a:rPr lang="en-US" altLang="ja-JP" sz="1400" b="1" dirty="0" err="1">
+                <a:latin typeface="ＭＳ Ｐゴシック" panose="020B0600070205080204" pitchFamily="50" charset="-128"/>
+              </a:rPr>
+              <a:t>Kono</a:t>
+            </a:r>
+            <a:r>
+              <a:rPr lang="en-US" altLang="ja-JP" sz="1400" b="1" dirty="0">
+                <a:latin typeface="ＭＳ Ｐゴシック" panose="020B0600070205080204" pitchFamily="50" charset="-128"/>
+              </a:rPr>
+              <a:t> 2007]</a:t>
+            </a:r>
+            <a:r>
+              <a:rPr lang="ja-JP" altLang="en-US" sz="1400" b="1" dirty="0">
+                <a:latin typeface="ＭＳ Ｐゴシック" panose="020B0600070205080204" pitchFamily="50" charset="-128"/>
+              </a:rPr>
+              <a:t>複数のロードバランサによる Ｗｅｂシステムの応答時間最適化河野 知行</a:t>
+            </a:r>
+            <a:r>
+              <a:rPr lang="en-US" altLang="ja-JP" sz="1400" b="1" dirty="0">
+                <a:latin typeface="ＭＳ Ｐゴシック" panose="020B0600070205080204" pitchFamily="50" charset="-128"/>
+              </a:rPr>
+              <a:t>Tomoyuki KAWANO</a:t>
+            </a:r>
+            <a:r>
+              <a:rPr lang="ja-JP" altLang="en-US" sz="1400" b="1" dirty="0">
+                <a:latin typeface="ＭＳ Ｐゴシック" panose="020B0600070205080204" pitchFamily="50" charset="-128"/>
+              </a:rPr>
+              <a:t>情報処理学会研究報告システム評価（</a:t>
+            </a:r>
+            <a:r>
+              <a:rPr lang="en-US" altLang="ja-JP" sz="1400" b="1" dirty="0">
+                <a:latin typeface="ＭＳ Ｐゴシック" panose="020B0600070205080204" pitchFamily="50" charset="-128"/>
+              </a:rPr>
+              <a:t>EVA</a:t>
+            </a:r>
+            <a:r>
+              <a:rPr lang="ja-JP" altLang="en-US" sz="1400" b="1" dirty="0">
+                <a:latin typeface="ＭＳ Ｐゴシック" panose="020B0600070205080204" pitchFamily="50" charset="-128"/>
+              </a:rPr>
+              <a:t>）</a:t>
+            </a:r>
+            <a:r>
+              <a:rPr lang="en-US" altLang="ja-JP" sz="1400" b="1" dirty="0">
+                <a:latin typeface="ＭＳ Ｐゴシック" panose="020B0600070205080204" pitchFamily="50" charset="-128"/>
+              </a:rPr>
+              <a:t>,2007(63(2007-EVA-021)),p.27-34 (2007-06-22)</a:t>
+            </a:r>
+          </a:p>
+          <a:p>
+            <a:pPr marL="0" indent="0">
+              <a:lnSpc>
+                <a:spcPct val="100000"/>
+              </a:lnSpc>
+              <a:buNone/>
+            </a:pPr>
+            <a:r>
+              <a:rPr lang="en-US" altLang="ja-JP" sz="1400" b="1" dirty="0">
+                <a:latin typeface="ＭＳ Ｐゴシック" panose="020B0600070205080204" pitchFamily="50" charset="-128"/>
+              </a:rPr>
+              <a:t>[Paul 2014]</a:t>
+            </a:r>
+            <a:r>
+              <a:rPr lang="ja-JP" altLang="en-US" sz="1400" b="1" dirty="0">
+                <a:latin typeface="ＭＳ Ｐゴシック" panose="020B0600070205080204" pitchFamily="50" charset="-128"/>
+              </a:rPr>
+              <a:t>反応時間の遅延とそれに対するユーザの反応</a:t>
+            </a:r>
+            <a:r>
+              <a:rPr lang="en-US" altLang="ja-JP" sz="1400" b="1" dirty="0">
+                <a:latin typeface="ＭＳ Ｐゴシック" panose="020B0600070205080204" pitchFamily="50" charset="-128"/>
+              </a:rPr>
+              <a:t/>
+            </a:r>
+            <a:br>
+              <a:rPr lang="en-US" altLang="ja-JP" sz="1400" b="1" dirty="0">
+                <a:latin typeface="ＭＳ Ｐゴシック" panose="020B0600070205080204" pitchFamily="50" charset="-128"/>
+              </a:rPr>
+            </a:br>
+            <a:r>
+              <a:rPr lang="en-US" altLang="ja-JP" sz="1400" b="1" dirty="0">
+                <a:latin typeface="ＭＳ Ｐゴシック" panose="020B0600070205080204" pitchFamily="50" charset="-128"/>
+              </a:rPr>
+              <a:t>Paul </a:t>
+            </a:r>
+            <a:r>
+              <a:rPr lang="en-US" altLang="ja-JP" sz="1400" b="1" dirty="0" err="1">
+                <a:latin typeface="ＭＳ Ｐゴシック" panose="020B0600070205080204" pitchFamily="50" charset="-128"/>
+              </a:rPr>
+              <a:t>Kinlan</a:t>
+            </a:r>
+            <a:r>
+              <a:rPr lang="en-US" altLang="ja-JP" sz="1400" b="1" dirty="0">
+                <a:latin typeface="ＭＳ Ｐゴシック" panose="020B0600070205080204" pitchFamily="50" charset="-128"/>
+              </a:rPr>
+              <a:t>. What do people want from a news experience? (2014-12-8)</a:t>
+            </a:r>
+            <a:endParaRPr lang="en-US" altLang="ja-JP" sz="1600" b="1" u="sng" dirty="0">
+              <a:latin typeface="ＭＳ Ｐゴシック" panose="020B0600070205080204" pitchFamily="50" charset="-128"/>
+            </a:endParaRPr>
+          </a:p>
+          <a:p>
+            <a:pPr marL="0" indent="0">
+              <a:lnSpc>
+                <a:spcPct val="100000"/>
+              </a:lnSpc>
+              <a:buNone/>
+            </a:pPr>
+            <a:r>
+              <a:rPr lang="en-US" altLang="ja-JP" sz="1600" b="1" u="sng" dirty="0">
+                <a:latin typeface="ＭＳ Ｐゴシック" panose="020B0600070205080204" pitchFamily="50" charset="-128"/>
+              </a:rPr>
+              <a:t>WEB</a:t>
+            </a:r>
+            <a:r>
+              <a:rPr lang="ja-JP" altLang="en-US" sz="1600" b="1" u="sng" dirty="0">
+                <a:latin typeface="ＭＳ Ｐゴシック" panose="020B0600070205080204" pitchFamily="50" charset="-128"/>
+              </a:rPr>
+              <a:t>サーバ計測システムの設計・開発</a:t>
+            </a:r>
+            <a:endParaRPr lang="en-US" altLang="ja-JP" sz="1600" b="1" u="sng" dirty="0">
+              <a:latin typeface="ＭＳ Ｐゴシック" panose="020B0600070205080204" pitchFamily="50" charset="-128"/>
+            </a:endParaRPr>
+          </a:p>
+          <a:p>
+            <a:pPr marL="0" indent="0">
+              <a:buNone/>
+            </a:pPr>
+            <a:r>
+              <a:rPr lang="en-US" altLang="ja-JP" sz="1400" b="1" dirty="0">
+                <a:latin typeface="ＭＳ Ｐゴシック" panose="020B0600070205080204" pitchFamily="50" charset="-128"/>
+              </a:rPr>
+              <a:t>[</a:t>
+            </a:r>
+            <a:r>
+              <a:rPr lang="en-US" altLang="ja-JP" sz="1400" b="1" dirty="0" err="1">
+                <a:latin typeface="ＭＳ Ｐゴシック" panose="020B0600070205080204" pitchFamily="50" charset="-128"/>
+              </a:rPr>
+              <a:t>Horiuchi</a:t>
+            </a:r>
+            <a:r>
+              <a:rPr lang="en-US" altLang="ja-JP" sz="1400" b="1" dirty="0">
+                <a:latin typeface="ＭＳ Ｐゴシック" panose="020B0600070205080204" pitchFamily="50" charset="-128"/>
+              </a:rPr>
+              <a:t> 2014]</a:t>
+            </a:r>
+            <a:r>
+              <a:rPr lang="ja-JP" altLang="en-US" sz="1400" b="1" dirty="0">
+                <a:latin typeface="ＭＳ Ｐゴシック" panose="020B0600070205080204" pitchFamily="50" charset="-128"/>
+              </a:rPr>
+              <a:t>クラウドに適した</a:t>
+            </a:r>
+            <a:r>
+              <a:rPr lang="en-US" altLang="ja-JP" sz="1400" b="1" dirty="0">
+                <a:latin typeface="ＭＳ Ｐゴシック" panose="020B0600070205080204" pitchFamily="50" charset="-128"/>
+              </a:rPr>
+              <a:t>Web</a:t>
+            </a:r>
+            <a:r>
+              <a:rPr lang="ja-JP" altLang="en-US" sz="1400" b="1" dirty="0">
+                <a:latin typeface="ＭＳ Ｐゴシック" panose="020B0600070205080204" pitchFamily="50" charset="-128"/>
+              </a:rPr>
+              <a:t>システムの負荷監視機能の改善について堀内晨彦 </a:t>
+            </a:r>
+            <a:r>
+              <a:rPr lang="en-US" altLang="ja-JP" sz="1400" b="1" dirty="0">
+                <a:latin typeface="ＭＳ Ｐゴシック" panose="020B0600070205080204" pitchFamily="50" charset="-128"/>
+              </a:rPr>
+              <a:t>, </a:t>
+            </a:r>
+            <a:r>
+              <a:rPr lang="ja-JP" altLang="en-US" sz="1400" b="1" dirty="0">
+                <a:latin typeface="ＭＳ Ｐゴシック" panose="020B0600070205080204" pitchFamily="50" charset="-128"/>
+              </a:rPr>
+              <a:t>最所圭三第</a:t>
+            </a:r>
+            <a:r>
+              <a:rPr lang="en-US" altLang="ja-JP" sz="1400" b="1" dirty="0">
+                <a:latin typeface="ＭＳ Ｐゴシック" panose="020B0600070205080204" pitchFamily="50" charset="-128"/>
+              </a:rPr>
+              <a:t>76</a:t>
+            </a:r>
+            <a:r>
+              <a:rPr lang="ja-JP" altLang="en-US" sz="1400" b="1" dirty="0">
+                <a:latin typeface="ＭＳ Ｐゴシック" panose="020B0600070205080204" pitchFamily="50" charset="-128"/>
+              </a:rPr>
+              <a:t>回全国大会講演論文集</a:t>
+            </a:r>
+            <a:r>
+              <a:rPr lang="en-US" altLang="ja-JP" sz="1400" b="1" dirty="0">
+                <a:latin typeface="ＭＳ Ｐゴシック" panose="020B0600070205080204" pitchFamily="50" charset="-128"/>
+              </a:rPr>
+              <a:t>,2014(1),p437-438 (2014-03-11</a:t>
+            </a:r>
+            <a:r>
+              <a:rPr lang="en-US" altLang="ja-JP" sz="1400" b="1" dirty="0" smtClean="0">
+                <a:latin typeface="ＭＳ Ｐゴシック" panose="020B0600070205080204" pitchFamily="50" charset="-128"/>
+              </a:rPr>
+              <a:t>)</a:t>
+            </a:r>
+          </a:p>
+          <a:p>
+            <a:pPr marL="0" indent="0">
+              <a:buNone/>
+            </a:pPr>
+            <a:r>
+              <a:rPr lang="ja-JP" altLang="en-US" sz="1600" b="1" u="sng" dirty="0"/>
+              <a:t>ページの表示速度と</a:t>
+            </a:r>
+            <a:r>
+              <a:rPr lang="en-US" altLang="ja-JP" sz="1600" b="1" u="sng" dirty="0"/>
+              <a:t>SEO</a:t>
+            </a:r>
+            <a:r>
+              <a:rPr lang="ja-JP" altLang="en-US" sz="1600" b="1" u="sng" dirty="0"/>
+              <a:t>の関係</a:t>
+            </a:r>
+            <a:endParaRPr lang="en-US" altLang="ja-JP" sz="1600" b="1" u="sng" dirty="0"/>
+          </a:p>
+          <a:p>
+            <a:pPr marL="0" indent="0">
+              <a:buNone/>
+            </a:pPr>
+            <a:r>
+              <a:rPr lang="en-US" altLang="ja-JP" sz="1400" b="1" dirty="0"/>
+              <a:t>[Daniel 2017]Daniel An.</a:t>
+            </a:r>
+            <a:r>
+              <a:rPr lang="en-US" altLang="ja-JP" sz="1400" b="1" dirty="0">
+                <a:latin typeface="ＭＳ Ｐゴシック" panose="020B0600070205080204" pitchFamily="50" charset="-128"/>
+              </a:rPr>
+              <a:t> </a:t>
+            </a:r>
+            <a:r>
+              <a:rPr lang="en-US" altLang="ja-JP" sz="1400" b="1" dirty="0"/>
+              <a:t>Find out how you stack up to new industry benchmarks for mobile page </a:t>
+            </a:r>
+            <a:r>
+              <a:rPr lang="en-US" altLang="ja-JP" sz="1400" b="1" dirty="0" smtClean="0"/>
+              <a:t>speed.p11</a:t>
+            </a:r>
+            <a:r>
+              <a:rPr lang="en-US" altLang="ja-JP" sz="1400" b="1" dirty="0" smtClean="0">
+                <a:latin typeface="ＭＳ Ｐゴシック" panose="020B0600070205080204" pitchFamily="50" charset="-128"/>
+              </a:rPr>
+              <a:t>(2017-02</a:t>
+            </a:r>
+            <a:r>
+              <a:rPr lang="en-US" altLang="ja-JP" sz="1400" b="1" dirty="0">
+                <a:latin typeface="ＭＳ Ｐゴシック" panose="020B0600070205080204" pitchFamily="50" charset="-128"/>
+              </a:rPr>
+              <a:t>)</a:t>
+            </a:r>
+          </a:p>
+          <a:p>
+            <a:pPr marL="0" indent="0">
+              <a:buNone/>
+            </a:pPr>
+            <a:r>
+              <a:rPr lang="ja-JP" altLang="ja-JP" sz="1600" b="1" u="sng" dirty="0"/>
+              <a:t>反応時間の遅延と</a:t>
+            </a:r>
+            <a:r>
+              <a:rPr lang="ja-JP" altLang="en-US" sz="1600" b="1" u="sng" dirty="0"/>
+              <a:t>，</a:t>
+            </a:r>
+            <a:r>
+              <a:rPr lang="ja-JP" altLang="ja-JP" sz="1600" b="1" u="sng" dirty="0"/>
+              <a:t>それに対するユーザの反応</a:t>
+            </a:r>
+            <a:endParaRPr lang="en-US" altLang="ja-JP" sz="1600" b="1" u="sng" dirty="0">
+              <a:latin typeface="ＭＳ Ｐゴシック" panose="020B0600070205080204" pitchFamily="50" charset="-128"/>
+            </a:endParaRPr>
+          </a:p>
+          <a:p>
+            <a:pPr marL="0" indent="0">
+              <a:buNone/>
+            </a:pPr>
+            <a:r>
+              <a:rPr lang="en-US" altLang="ja-JP" sz="1400" b="1" dirty="0">
+                <a:latin typeface="ＭＳ Ｐゴシック" panose="020B0600070205080204" pitchFamily="50" charset="-128"/>
+              </a:rPr>
+              <a:t>[Paul 2014] Paul </a:t>
+            </a:r>
+            <a:r>
+              <a:rPr lang="en-US" altLang="ja-JP" sz="1400" b="1" dirty="0" err="1">
+                <a:latin typeface="ＭＳ Ｐゴシック" panose="020B0600070205080204" pitchFamily="50" charset="-128"/>
+              </a:rPr>
+              <a:t>Kinlan.</a:t>
+            </a:r>
+            <a:r>
+              <a:rPr lang="en-US" altLang="ja-JP" sz="1400" b="1" dirty="0" err="1"/>
+              <a:t>What</a:t>
+            </a:r>
+            <a:r>
+              <a:rPr lang="en-US" altLang="ja-JP" sz="1400" b="1" dirty="0"/>
+              <a:t> do people want from a news experience?</a:t>
+            </a:r>
+            <a:r>
+              <a:rPr lang="en-US" altLang="ja-JP" sz="1400" b="1" dirty="0">
+                <a:latin typeface="ＭＳ Ｐゴシック" panose="020B0600070205080204" pitchFamily="50" charset="-128"/>
+              </a:rPr>
+              <a:t> (2014-12-8)</a:t>
+            </a:r>
+          </a:p>
+          <a:p>
+            <a:pPr marL="0" indent="0">
+              <a:buNone/>
+            </a:pPr>
+            <a:r>
+              <a:rPr lang="en-US" altLang="ja-JP" sz="1600" b="1" u="sng" dirty="0"/>
+              <a:t>Web</a:t>
+            </a:r>
+            <a:r>
+              <a:rPr lang="ja-JP" altLang="en-US" sz="1600" b="1" u="sng" dirty="0"/>
+              <a:t>パフォーマンスの計測・最適化</a:t>
+            </a:r>
+            <a:r>
+              <a:rPr lang="en-US" altLang="ja-JP" sz="1600" b="1" u="sng" dirty="0"/>
+              <a:t>(RAIL</a:t>
+            </a:r>
+            <a:r>
+              <a:rPr lang="ja-JP" altLang="en-US" sz="1600" b="1" u="sng" dirty="0"/>
+              <a:t>モデル</a:t>
+            </a:r>
+            <a:r>
+              <a:rPr lang="en-US" altLang="ja-JP" sz="1600" b="1" u="sng" dirty="0"/>
+              <a:t>)</a:t>
+            </a:r>
+          </a:p>
+          <a:p>
+            <a:pPr marL="0" indent="0">
+              <a:buNone/>
+            </a:pPr>
+            <a:r>
+              <a:rPr lang="en-US" altLang="ja-JP" sz="1400" b="1" dirty="0"/>
+              <a:t>[Google 2018]Google Inc. The RAIL Performance Model. https://developers.google.com/web/ tools/chrome-</a:t>
+            </a:r>
+            <a:r>
+              <a:rPr lang="en-US" altLang="ja-JP" sz="1400" b="1" dirty="0" err="1"/>
+              <a:t>devtools</a:t>
+            </a:r>
+            <a:r>
+              <a:rPr lang="en-US" altLang="ja-JP" sz="1400" b="1" dirty="0"/>
+              <a:t>/profile/evaluate-performance/rail, 2018</a:t>
+            </a:r>
+            <a:r>
+              <a:rPr lang="en-US" altLang="ja-JP" sz="1400" b="1" dirty="0" smtClean="0"/>
+              <a:t>.</a:t>
+            </a:r>
+            <a:endParaRPr lang="ja-JP" altLang="en-US" sz="1400" b="1" dirty="0">
+              <a:latin typeface="ＭＳ Ｐゴシック" panose="020B0600070205080204" pitchFamily="50" charset="-128"/>
+            </a:endParaRPr>
           </a:p>
         </p:txBody>
       </p:sp>
@@ -9477,34 +10384,10 @@
           </a:p>
         </p:txBody>
       </p:sp>
-      <p:pic>
-        <p:nvPicPr>
-          <p:cNvPr id="5" name="図 4"/>
-          <p:cNvPicPr>
-            <a:picLocks noChangeAspect="1"/>
-          </p:cNvPicPr>
-          <p:nvPr/>
-        </p:nvPicPr>
-        <p:blipFill>
-          <a:blip r:embed="rId3"/>
-          <a:stretch>
-            <a:fillRect/>
-          </a:stretch>
-        </p:blipFill>
-        <p:spPr>
-          <a:xfrm>
-            <a:off x="442912" y="1044576"/>
-            <a:ext cx="8258175" cy="5676900"/>
-          </a:xfrm>
-          <a:prstGeom prst="rect">
-            <a:avLst/>
-          </a:prstGeom>
-        </p:spPr>
-      </p:pic>
     </p:spTree>
     <p:extLst>
       <p:ext uri="{BB962C8B-B14F-4D97-AF65-F5344CB8AC3E}">
-        <p14:creationId xmlns:p14="http://schemas.microsoft.com/office/powerpoint/2010/main" val="664081202"/>
+        <p14:creationId xmlns:p14="http://schemas.microsoft.com/office/powerpoint/2010/main" val="1354858444"/>
       </p:ext>
     </p:extLst>
   </p:cSld>
@@ -9740,511 +10623,6 @@
       <p:transition spd="slow" advTm="3542"/>
     </mc:Fallback>
   </mc:AlternateContent>
-  <p:timing>
-    <p:tnLst>
-      <p:par>
-        <p:cTn id="1" dur="indefinite" restart="never" nodeType="tmRoot"/>
-      </p:par>
-    </p:tnLst>
-  </p:timing>
-</p:sld>
-</file>
-
-<file path=ppt/slides/slide20.xml><?xml version="1.0" encoding="utf-8"?>
-<p:sld xmlns:a="http://schemas.openxmlformats.org/drawingml/2006/main" xmlns:r="http://schemas.openxmlformats.org/officeDocument/2006/relationships" xmlns:p="http://schemas.openxmlformats.org/presentationml/2006/main">
-  <p:cSld>
-    <p:spTree>
-      <p:nvGrpSpPr>
-        <p:cNvPr id="1" name=""/>
-        <p:cNvGrpSpPr/>
-        <p:nvPr/>
-      </p:nvGrpSpPr>
-      <p:grpSpPr>
-        <a:xfrm>
-          <a:off x="0" y="0"/>
-          <a:ext cx="0" cy="0"/>
-          <a:chOff x="0" y="0"/>
-          <a:chExt cx="0" cy="0"/>
-        </a:xfrm>
-      </p:grpSpPr>
-      <p:sp>
-        <p:nvSpPr>
-          <p:cNvPr id="2" name="タイトル 1"/>
-          <p:cNvSpPr>
-            <a:spLocks noGrp="1"/>
-          </p:cNvSpPr>
-          <p:nvPr>
-            <p:ph type="title"/>
-          </p:nvPr>
-        </p:nvSpPr>
-        <p:spPr/>
-        <p:txBody>
-          <a:bodyPr/>
-          <a:lstStyle/>
-          <a:p>
-            <a:r>
-              <a:rPr kumimoji="1" lang="ja-JP" altLang="en-US" dirty="0" smtClean="0"/>
-              <a:t>参考文献</a:t>
-            </a:r>
-            <a:endParaRPr kumimoji="1" lang="ja-JP" altLang="en-US" dirty="0"/>
-          </a:p>
-        </p:txBody>
-      </p:sp>
-      <p:sp>
-        <p:nvSpPr>
-          <p:cNvPr id="3" name="コンテンツ プレースホルダー 2"/>
-          <p:cNvSpPr>
-            <a:spLocks noGrp="1"/>
-          </p:cNvSpPr>
-          <p:nvPr>
-            <p:ph idx="1"/>
-          </p:nvPr>
-        </p:nvSpPr>
-        <p:spPr>
-          <a:xfrm>
-            <a:off x="628650" y="1606168"/>
-            <a:ext cx="7886700" cy="4602607"/>
-          </a:xfrm>
-        </p:spPr>
-        <p:txBody>
-          <a:bodyPr>
-            <a:normAutofit fontScale="92500" lnSpcReduction="10000"/>
-          </a:bodyPr>
-          <a:lstStyle/>
-          <a:p>
-            <a:pPr marL="0" indent="0">
-              <a:buNone/>
-            </a:pPr>
-            <a:r>
-              <a:rPr lang="ja-JP" altLang="en-US" b="1" u="sng" dirty="0" smtClean="0"/>
-              <a:t>ページの表示速度と</a:t>
-            </a:r>
-            <a:r>
-              <a:rPr lang="en-US" altLang="ja-JP" b="1" u="sng" dirty="0" smtClean="0"/>
-              <a:t>SEO</a:t>
-            </a:r>
-            <a:r>
-              <a:rPr lang="ja-JP" altLang="en-US" b="1" u="sng" dirty="0" smtClean="0"/>
-              <a:t>の関係</a:t>
-            </a:r>
-            <a:endParaRPr lang="en-US" altLang="ja-JP" b="1" u="sng" dirty="0" smtClean="0"/>
-          </a:p>
-          <a:p>
-            <a:pPr marL="0" indent="0">
-              <a:buNone/>
-            </a:pPr>
-            <a:r>
-              <a:rPr lang="en-US" altLang="ja-JP" dirty="0" smtClean="0"/>
-              <a:t>[</a:t>
-            </a:r>
-            <a:r>
-              <a:rPr lang="en-US" altLang="ja-JP" dirty="0"/>
-              <a:t>Daniel</a:t>
-            </a:r>
-            <a:r>
-              <a:rPr lang="en-US" altLang="ja-JP" dirty="0" smtClean="0"/>
-              <a:t> 2017]Daniel An.</a:t>
-            </a:r>
-            <a:r>
-              <a:rPr lang="en-US" altLang="ja-JP" dirty="0" smtClean="0">
-                <a:latin typeface="ＭＳ Ｐゴシック" panose="020B0600070205080204" pitchFamily="50" charset="-128"/>
-              </a:rPr>
-              <a:t> </a:t>
-            </a:r>
-            <a:r>
-              <a:rPr lang="en-US" altLang="ja-JP" dirty="0"/>
-              <a:t>Find out how you stack up to new industry benchmarks for mobile page </a:t>
-            </a:r>
-            <a:r>
-              <a:rPr lang="en-US" altLang="ja-JP" dirty="0" err="1" smtClean="0"/>
-              <a:t>speed.p</a:t>
-            </a:r>
-            <a:endParaRPr lang="en-US" altLang="ja-JP" dirty="0"/>
-          </a:p>
-          <a:p>
-            <a:pPr marL="0" indent="0">
-              <a:buNone/>
-            </a:pPr>
-            <a:r>
-              <a:rPr lang="en-US" altLang="ja-JP" dirty="0" smtClean="0">
-                <a:latin typeface="ＭＳ Ｐゴシック" panose="020B0600070205080204" pitchFamily="50" charset="-128"/>
-              </a:rPr>
-              <a:t>(2017-02)</a:t>
-            </a:r>
-          </a:p>
-          <a:p>
-            <a:pPr marL="0" indent="0">
-              <a:buNone/>
-            </a:pPr>
-            <a:r>
-              <a:rPr lang="ja-JP" altLang="ja-JP" b="1" u="sng" dirty="0" smtClean="0"/>
-              <a:t>反応</a:t>
-            </a:r>
-            <a:r>
-              <a:rPr lang="ja-JP" altLang="ja-JP" b="1" u="sng" dirty="0"/>
-              <a:t>時間の遅延</a:t>
-            </a:r>
-            <a:r>
-              <a:rPr lang="ja-JP" altLang="ja-JP" b="1" u="sng" dirty="0" smtClean="0"/>
-              <a:t>と</a:t>
-            </a:r>
-            <a:r>
-              <a:rPr lang="ja-JP" altLang="en-US" b="1" u="sng" dirty="0" smtClean="0"/>
-              <a:t>，</a:t>
-            </a:r>
-            <a:r>
-              <a:rPr lang="ja-JP" altLang="ja-JP" b="1" u="sng" dirty="0" smtClean="0"/>
-              <a:t>それ</a:t>
-            </a:r>
-            <a:r>
-              <a:rPr lang="ja-JP" altLang="ja-JP" b="1" u="sng" dirty="0"/>
-              <a:t>に対するユーザの反応</a:t>
-            </a:r>
-            <a:endParaRPr lang="en-US" altLang="ja-JP" b="1" u="sng" dirty="0" smtClean="0">
-              <a:latin typeface="ＭＳ Ｐゴシック" panose="020B0600070205080204" pitchFamily="50" charset="-128"/>
-            </a:endParaRPr>
-          </a:p>
-          <a:p>
-            <a:pPr marL="0" indent="0">
-              <a:buNone/>
-            </a:pPr>
-            <a:r>
-              <a:rPr lang="en-US" altLang="ja-JP" dirty="0" smtClean="0">
-                <a:latin typeface="ＭＳ Ｐゴシック" panose="020B0600070205080204" pitchFamily="50" charset="-128"/>
-              </a:rPr>
-              <a:t>[Paul 2014] </a:t>
-            </a:r>
-            <a:r>
-              <a:rPr lang="en-US" altLang="ja-JP" dirty="0">
-                <a:latin typeface="ＭＳ Ｐゴシック" panose="020B0600070205080204" pitchFamily="50" charset="-128"/>
-              </a:rPr>
-              <a:t>Paul </a:t>
-            </a:r>
-            <a:r>
-              <a:rPr lang="en-US" altLang="ja-JP" dirty="0" err="1" smtClean="0">
-                <a:latin typeface="ＭＳ Ｐゴシック" panose="020B0600070205080204" pitchFamily="50" charset="-128"/>
-              </a:rPr>
-              <a:t>Kinlan.</a:t>
-            </a:r>
-            <a:r>
-              <a:rPr lang="en-US" altLang="ja-JP" dirty="0" err="1" smtClean="0"/>
-              <a:t>What</a:t>
-            </a:r>
-            <a:r>
-              <a:rPr lang="en-US" altLang="ja-JP" dirty="0" smtClean="0"/>
-              <a:t> </a:t>
-            </a:r>
-            <a:r>
-              <a:rPr lang="en-US" altLang="ja-JP" dirty="0"/>
-              <a:t>do people want from a news experience</a:t>
-            </a:r>
-            <a:r>
-              <a:rPr lang="en-US" altLang="ja-JP" dirty="0" smtClean="0"/>
-              <a:t>?</a:t>
-            </a:r>
-            <a:r>
-              <a:rPr lang="en-US" altLang="ja-JP" dirty="0">
-                <a:latin typeface="ＭＳ Ｐゴシック" panose="020B0600070205080204" pitchFamily="50" charset="-128"/>
-              </a:rPr>
-              <a:t> (2014-12-8</a:t>
-            </a:r>
-            <a:r>
-              <a:rPr lang="en-US" altLang="ja-JP" dirty="0" smtClean="0">
-                <a:latin typeface="ＭＳ Ｐゴシック" panose="020B0600070205080204" pitchFamily="50" charset="-128"/>
-              </a:rPr>
-              <a:t>)</a:t>
-            </a:r>
-          </a:p>
-          <a:p>
-            <a:pPr marL="0" indent="0">
-              <a:buNone/>
-            </a:pPr>
-            <a:r>
-              <a:rPr lang="en-US" altLang="ja-JP" b="1" u="sng" dirty="0"/>
-              <a:t>Web</a:t>
-            </a:r>
-            <a:r>
-              <a:rPr lang="ja-JP" altLang="en-US" b="1" u="sng" dirty="0" smtClean="0"/>
-              <a:t>パフォーマンスの計測・最適化</a:t>
-            </a:r>
-            <a:r>
-              <a:rPr lang="en-US" altLang="ja-JP" b="1" u="sng" dirty="0" smtClean="0"/>
-              <a:t>(RAIL</a:t>
-            </a:r>
-            <a:r>
-              <a:rPr lang="ja-JP" altLang="en-US" b="1" u="sng" dirty="0" smtClean="0"/>
-              <a:t>モデル</a:t>
-            </a:r>
-            <a:r>
-              <a:rPr lang="en-US" altLang="ja-JP" b="1" u="sng" dirty="0" smtClean="0"/>
-              <a:t>)</a:t>
-            </a:r>
-          </a:p>
-          <a:p>
-            <a:pPr marL="0" indent="0">
-              <a:buNone/>
-            </a:pPr>
-            <a:r>
-              <a:rPr lang="en-US" altLang="ja-JP" dirty="0" smtClean="0"/>
-              <a:t>[Google 2018]Google </a:t>
-            </a:r>
-            <a:r>
-              <a:rPr lang="en-US" altLang="ja-JP" dirty="0"/>
-              <a:t>Inc. The RAIL Performance Model. https://developers.google.com/web/ tools/chrome-</a:t>
-            </a:r>
-            <a:r>
-              <a:rPr lang="en-US" altLang="ja-JP" dirty="0" err="1"/>
-              <a:t>devtools</a:t>
-            </a:r>
-            <a:r>
-              <a:rPr lang="en-US" altLang="ja-JP" dirty="0"/>
-              <a:t>/profile/evaluate-performance/rail, 2018.</a:t>
-            </a:r>
-            <a:endParaRPr lang="ja-JP" altLang="en-US" dirty="0">
-              <a:latin typeface="ＭＳ Ｐゴシック" panose="020B0600070205080204" pitchFamily="50" charset="-128"/>
-            </a:endParaRPr>
-          </a:p>
-        </p:txBody>
-      </p:sp>
-      <p:sp>
-        <p:nvSpPr>
-          <p:cNvPr id="4" name="スライド番号プレースホルダー 3"/>
-          <p:cNvSpPr>
-            <a:spLocks noGrp="1"/>
-          </p:cNvSpPr>
-          <p:nvPr>
-            <p:ph type="sldNum" sz="quarter" idx="12"/>
-          </p:nvPr>
-        </p:nvSpPr>
-        <p:spPr/>
-        <p:txBody>
-          <a:bodyPr/>
-          <a:lstStyle/>
-          <a:p>
-            <a:fld id="{B4451160-128F-4DAD-AE29-4A8CC0E7B9E9}" type="slidenum">
-              <a:rPr lang="ja-JP" altLang="en-US" smtClean="0"/>
-              <a:pPr/>
-              <a:t>20</a:t>
-            </a:fld>
-            <a:endParaRPr lang="ja-JP" altLang="en-US" dirty="0"/>
-          </a:p>
-        </p:txBody>
-      </p:sp>
-    </p:spTree>
-    <p:extLst>
-      <p:ext uri="{BB962C8B-B14F-4D97-AF65-F5344CB8AC3E}">
-        <p14:creationId xmlns:p14="http://schemas.microsoft.com/office/powerpoint/2010/main" val="1354858444"/>
-      </p:ext>
-    </p:extLst>
-  </p:cSld>
-  <p:clrMapOvr>
-    <a:masterClrMapping/>
-  </p:clrMapOvr>
-  <p:timing>
-    <p:tnLst>
-      <p:par>
-        <p:cTn id="1" dur="indefinite" restart="never" nodeType="tmRoot"/>
-      </p:par>
-    </p:tnLst>
-  </p:timing>
-</p:sld>
-</file>
-
-<file path=ppt/slides/slide21.xml><?xml version="1.0" encoding="utf-8"?>
-<p:sld xmlns:a="http://schemas.openxmlformats.org/drawingml/2006/main" xmlns:r="http://schemas.openxmlformats.org/officeDocument/2006/relationships" xmlns:p="http://schemas.openxmlformats.org/presentationml/2006/main">
-  <p:cSld>
-    <p:spTree>
-      <p:nvGrpSpPr>
-        <p:cNvPr id="1" name=""/>
-        <p:cNvGrpSpPr/>
-        <p:nvPr/>
-      </p:nvGrpSpPr>
-      <p:grpSpPr>
-        <a:xfrm>
-          <a:off x="0" y="0"/>
-          <a:ext cx="0" cy="0"/>
-          <a:chOff x="0" y="0"/>
-          <a:chExt cx="0" cy="0"/>
-        </a:xfrm>
-      </p:grpSpPr>
-      <p:sp>
-        <p:nvSpPr>
-          <p:cNvPr id="2" name="タイトル 1"/>
-          <p:cNvSpPr>
-            <a:spLocks noGrp="1"/>
-          </p:cNvSpPr>
-          <p:nvPr>
-            <p:ph type="title"/>
-          </p:nvPr>
-        </p:nvSpPr>
-        <p:spPr/>
-        <p:txBody>
-          <a:bodyPr/>
-          <a:lstStyle/>
-          <a:p>
-            <a:r>
-              <a:rPr kumimoji="1" lang="ja-JP" altLang="en-US" dirty="0" smtClean="0"/>
-              <a:t>参考文献</a:t>
-            </a:r>
-            <a:endParaRPr kumimoji="1" lang="ja-JP" altLang="en-US" dirty="0"/>
-          </a:p>
-        </p:txBody>
-      </p:sp>
-      <p:sp>
-        <p:nvSpPr>
-          <p:cNvPr id="3" name="コンテンツ プレースホルダー 2"/>
-          <p:cNvSpPr>
-            <a:spLocks noGrp="1"/>
-          </p:cNvSpPr>
-          <p:nvPr>
-            <p:ph idx="1"/>
-          </p:nvPr>
-        </p:nvSpPr>
-        <p:spPr>
-          <a:xfrm>
-            <a:off x="628650" y="1606168"/>
-            <a:ext cx="7886700" cy="4602607"/>
-          </a:xfrm>
-        </p:spPr>
-        <p:txBody>
-          <a:bodyPr>
-            <a:normAutofit/>
-          </a:bodyPr>
-          <a:lstStyle/>
-          <a:p>
-            <a:pPr marL="0" indent="0">
-              <a:buNone/>
-            </a:pPr>
-            <a:r>
-              <a:rPr lang="en-US" altLang="ja-JP" b="1" u="sng" dirty="0" smtClean="0"/>
-              <a:t>Raspberry Pi OS </a:t>
-            </a:r>
-            <a:r>
-              <a:rPr lang="ja-JP" altLang="en-US" b="1" u="sng" dirty="0" smtClean="0"/>
-              <a:t>インストール</a:t>
-            </a:r>
-            <a:endParaRPr lang="en-US" altLang="ja-JP" b="1" u="sng" dirty="0" smtClean="0"/>
-          </a:p>
-          <a:p>
-            <a:pPr marL="0" indent="0">
-              <a:buNone/>
-            </a:pPr>
-            <a:r>
-              <a:rPr lang="en-US" altLang="ja-JP" dirty="0" smtClean="0"/>
-              <a:t>[Raspberry 2021] </a:t>
-            </a:r>
-            <a:r>
-              <a:rPr lang="en-US" altLang="ja-JP" dirty="0"/>
-              <a:t>https://www.raspberrypi.com/software/</a:t>
-            </a:r>
-            <a:r>
-              <a:rPr lang="ja-JP" altLang="en-US" dirty="0"/>
-              <a:t>（</a:t>
-            </a:r>
-            <a:r>
-              <a:rPr lang="en-US" altLang="ja-JP" dirty="0"/>
-              <a:t>2021/11/03</a:t>
-            </a:r>
-            <a:r>
-              <a:rPr lang="ja-JP" altLang="en-US" dirty="0" smtClean="0"/>
-              <a:t>）</a:t>
-            </a:r>
-            <a:endParaRPr lang="en-US" altLang="ja-JP" dirty="0" smtClean="0"/>
-          </a:p>
-          <a:p>
-            <a:pPr marL="0" indent="0">
-              <a:buNone/>
-            </a:pPr>
-            <a:r>
-              <a:rPr lang="en-US" altLang="ja-JP" b="1" u="sng" dirty="0" smtClean="0"/>
-              <a:t>Anaconda</a:t>
-            </a:r>
-            <a:r>
-              <a:rPr lang="ja-JP" altLang="en-US" b="1" u="sng" dirty="0" err="1"/>
-              <a:t>，</a:t>
-            </a:r>
-            <a:r>
-              <a:rPr lang="en-US" altLang="ja-JP" b="1" u="sng" dirty="0" smtClean="0"/>
-              <a:t>Python</a:t>
-            </a:r>
-            <a:r>
-              <a:rPr lang="ja-JP" altLang="en-US" b="1" u="sng" dirty="0" smtClean="0"/>
-              <a:t>開発環境の構築</a:t>
-            </a:r>
-            <a:endParaRPr lang="en-US" altLang="ja-JP" b="1" u="sng" dirty="0" smtClean="0">
-              <a:latin typeface="ＭＳ Ｐゴシック" panose="020B0600070205080204" pitchFamily="50" charset="-128"/>
-            </a:endParaRPr>
-          </a:p>
-          <a:p>
-            <a:pPr marL="0" indent="0">
-              <a:buNone/>
-            </a:pPr>
-            <a:r>
-              <a:rPr lang="en-US" altLang="ja-JP" dirty="0">
-                <a:latin typeface="ＭＳ Ｐゴシック" panose="020B0600070205080204" pitchFamily="50" charset="-128"/>
-              </a:rPr>
-              <a:t>[Anaconda </a:t>
-            </a:r>
-            <a:r>
-              <a:rPr lang="en-US" altLang="ja-JP" dirty="0" smtClean="0">
-                <a:latin typeface="ＭＳ Ｐゴシック" panose="020B0600070205080204" pitchFamily="50" charset="-128"/>
-              </a:rPr>
-              <a:t>2014] </a:t>
-            </a:r>
-            <a:r>
-              <a:rPr lang="en-US" altLang="ja-JP" dirty="0"/>
-              <a:t>https://www.anaconda.com/products/individual</a:t>
-            </a:r>
-            <a:r>
-              <a:rPr lang="ja-JP" altLang="ja-JP" dirty="0"/>
-              <a:t>（</a:t>
-            </a:r>
-            <a:r>
-              <a:rPr lang="en-US" altLang="ja-JP" dirty="0"/>
-              <a:t>2021/11/13</a:t>
-            </a:r>
-            <a:r>
-              <a:rPr lang="ja-JP" altLang="ja-JP" dirty="0"/>
-              <a:t>） </a:t>
-            </a:r>
-            <a:endParaRPr lang="en-US" altLang="ja-JP" dirty="0" smtClean="0"/>
-          </a:p>
-        </p:txBody>
-      </p:sp>
-      <p:sp>
-        <p:nvSpPr>
-          <p:cNvPr id="4" name="スライド番号プレースホルダー 3"/>
-          <p:cNvSpPr>
-            <a:spLocks noGrp="1"/>
-          </p:cNvSpPr>
-          <p:nvPr>
-            <p:ph type="sldNum" sz="quarter" idx="12"/>
-          </p:nvPr>
-        </p:nvSpPr>
-        <p:spPr/>
-        <p:txBody>
-          <a:bodyPr/>
-          <a:lstStyle/>
-          <a:p>
-            <a:fld id="{B4451160-128F-4DAD-AE29-4A8CC0E7B9E9}" type="slidenum">
-              <a:rPr lang="ja-JP" altLang="en-US" smtClean="0"/>
-              <a:pPr/>
-              <a:t>21</a:t>
-            </a:fld>
-            <a:endParaRPr lang="ja-JP" altLang="en-US" dirty="0"/>
-          </a:p>
-        </p:txBody>
-      </p:sp>
-    </p:spTree>
-    <p:extLst>
-      <p:ext uri="{BB962C8B-B14F-4D97-AF65-F5344CB8AC3E}">
-        <p14:creationId xmlns:p14="http://schemas.microsoft.com/office/powerpoint/2010/main" val="1718718443"/>
-      </p:ext>
-    </p:extLst>
-  </p:cSld>
-  <p:clrMapOvr>
-    <a:masterClrMapping/>
-  </p:clrMapOvr>
   <p:timing>
     <p:tnLst>
       <p:par>
@@ -10425,8 +10803,8 @@
         </p:nvSpPr>
         <p:spPr>
           <a:xfrm>
-            <a:off x="628650" y="1568931"/>
-            <a:ext cx="8166434" cy="4685565"/>
+            <a:off x="628650" y="1252821"/>
+            <a:ext cx="8166434" cy="5316392"/>
           </a:xfrm>
         </p:spPr>
         <p:txBody>
@@ -10456,7 +10834,7 @@
               <a:buNone/>
             </a:pPr>
             <a:r>
-              <a:rPr lang="en-US" altLang="ja-JP" sz="2400" dirty="0" smtClean="0">
+              <a:rPr lang="en-US" altLang="ja-JP" sz="2400" dirty="0">
                 <a:latin typeface="ＭＳ Ｐゴシック" panose="020B0600070205080204" pitchFamily="50" charset="-128"/>
               </a:rPr>
               <a:t>[</a:t>
@@ -10465,25 +10843,13 @@
               <a:rPr lang="en-US" altLang="ja-JP" sz="2400" dirty="0" err="1">
                 <a:latin typeface="ＭＳ Ｐゴシック" panose="020B0600070205080204" pitchFamily="50" charset="-128"/>
               </a:rPr>
-              <a:t>T</a:t>
-            </a:r>
-            <a:r>
-              <a:rPr lang="en-US" altLang="ja-JP" sz="2400" dirty="0" err="1" smtClean="0">
-                <a:latin typeface="ＭＳ Ｐゴシック" panose="020B0600070205080204" pitchFamily="50" charset="-128"/>
-              </a:rPr>
-              <a:t>suchi</a:t>
-            </a:r>
-            <a:r>
-              <a:rPr lang="en-US" altLang="ja-JP" sz="2400" dirty="0" smtClean="0">
-                <a:latin typeface="ＭＳ Ｐゴシック" panose="020B0600070205080204" pitchFamily="50" charset="-128"/>
-              </a:rPr>
-              <a:t> </a:t>
+              <a:t>Tsuchi</a:t>
             </a:r>
             <a:r>
               <a:rPr lang="en-US" altLang="ja-JP" sz="2400" dirty="0">
                 <a:latin typeface="ＭＳ Ｐゴシック" panose="020B0600070205080204" pitchFamily="50" charset="-128"/>
               </a:rPr>
-              <a:t>2008]</a:t>
+              <a:t> 2008]</a:t>
             </a:r>
             <a:r>
               <a:rPr lang="ja-JP" altLang="en-US" sz="2400" dirty="0">
@@ -10525,56 +10891,17 @@
               <a:rPr lang="ja-JP" altLang="en-US" sz="2400" dirty="0">
                 <a:latin typeface="ＭＳ Ｐゴシック" panose="020B0600070205080204" pitchFamily="50" charset="-128"/>
               </a:rPr>
-              <a:t>サーバのロードバランス </a:t>
-            </a:r>
-            <a:r>
-              <a:rPr lang="en-US" altLang="ja-JP" sz="2400" dirty="0">
+              <a:t>サーバの</a:t>
+            </a:r>
+            <a:r>
+              <a:rPr lang="ja-JP" altLang="en-US" sz="2400" dirty="0" smtClean="0">
                 <a:latin typeface="ＭＳ Ｐゴシック" panose="020B0600070205080204" pitchFamily="50" charset="-128"/>
               </a:rPr>
-              <a:t>(</a:t>
-            </a:r>
-            <a:r>
-              <a:rPr lang="ja-JP" altLang="en-US" sz="2400" dirty="0">
-                <a:latin typeface="ＭＳ Ｐゴシック" panose="020B0600070205080204" pitchFamily="50" charset="-128"/>
-              </a:rPr>
-              <a:t>分散システム</a:t>
-            </a:r>
-            <a:r>
-              <a:rPr lang="en-US" altLang="ja-JP" sz="2400" dirty="0">
-                <a:latin typeface="ＭＳ Ｐゴシック" panose="020B0600070205080204" pitchFamily="50" charset="-128"/>
-              </a:rPr>
-              <a:t>/</a:t>
-            </a:r>
-            <a:r>
-              <a:rPr lang="ja-JP" altLang="en-US" sz="2400" dirty="0">
-                <a:latin typeface="ＭＳ Ｐゴシック" panose="020B0600070205080204" pitchFamily="50" charset="-128"/>
-              </a:rPr>
-              <a:t>インターネット運用技術・高品質インターネット</a:t>
-            </a:r>
-            <a:r>
-              <a:rPr lang="en-US" altLang="ja-JP" sz="2400" dirty="0">
-                <a:latin typeface="ＭＳ Ｐゴシック" panose="020B0600070205080204" pitchFamily="50" charset="-128"/>
-              </a:rPr>
-              <a:t>)</a:t>
-            </a:r>
-            <a:r>
-              <a:rPr lang="ja-JP" altLang="en-US" sz="2400" dirty="0">
-                <a:latin typeface="ＭＳ Ｐゴシック" panose="020B0600070205080204" pitchFamily="50" charset="-128"/>
-              </a:rPr>
-              <a:t>掲載誌 情報処理学会研究報告 </a:t>
-            </a:r>
-            <a:r>
-              <a:rPr lang="en-US" altLang="ja-JP" sz="2400" dirty="0">
-                <a:latin typeface="ＭＳ Ｐゴシック" panose="020B0600070205080204" pitchFamily="50" charset="-128"/>
-              </a:rPr>
-              <a:t>= IPSJ SIG technical reports </a:t>
-            </a:r>
-            <a:r>
-              <a:rPr lang="en-US" altLang="ja-JP" sz="2400" dirty="0" smtClean="0">
-                <a:latin typeface="ＭＳ Ｐゴシック" panose="020B0600070205080204" pitchFamily="50" charset="-128"/>
-              </a:rPr>
-              <a:t>p.25-29(2008-3-6)</a:t>
-            </a:r>
+              <a:t>ロードバランス</a:t>
+            </a:r>
+            <a:endParaRPr lang="en-US" altLang="ja-JP" sz="2400" b="1" u="sng" dirty="0">
+              <a:latin typeface="ＭＳ Ｐゴシック" panose="020B0600070205080204" pitchFamily="50" charset="-128"/>
+            </a:endParaRPr>
           </a:p>
           <a:p>
             <a:pPr marL="0" indent="0">
@@ -10583,7 +10910,69 @@
               </a:lnSpc>
               <a:buNone/>
             </a:pPr>
-            <a:endParaRPr lang="en-US" altLang="ja-JP" sz="2400" dirty="0">
+            <a:r>
+              <a:rPr lang="en-US" altLang="ja-JP" b="1" u="sng" dirty="0">
+                <a:latin typeface="ＭＳ Ｐゴシック" panose="020B0600070205080204" pitchFamily="50" charset="-128"/>
+              </a:rPr>
+              <a:t>WEB</a:t>
+            </a:r>
+            <a:r>
+              <a:rPr lang="ja-JP" altLang="en-US" b="1" u="sng" dirty="0">
+                <a:latin typeface="ＭＳ Ｐゴシック" panose="020B0600070205080204" pitchFamily="50" charset="-128"/>
+              </a:rPr>
+              <a:t>サーバ計測システムの設計・開発</a:t>
+            </a:r>
+            <a:endParaRPr lang="en-US" altLang="ja-JP" b="1" u="sng" dirty="0">
+              <a:latin typeface="ＭＳ Ｐゴシック" panose="020B0600070205080204" pitchFamily="50" charset="-128"/>
+            </a:endParaRPr>
+          </a:p>
+          <a:p>
+            <a:pPr marL="0" indent="0">
+              <a:buNone/>
+            </a:pPr>
+            <a:r>
+              <a:rPr lang="en-US" altLang="ja-JP" sz="2400" dirty="0">
+                <a:latin typeface="ＭＳ Ｐゴシック" panose="020B0600070205080204" pitchFamily="50" charset="-128"/>
+              </a:rPr>
+              <a:t>[</a:t>
+            </a:r>
+            <a:r>
+              <a:rPr lang="en-US" altLang="ja-JP" sz="2400" dirty="0" err="1">
+                <a:latin typeface="ＭＳ Ｐゴシック" panose="020B0600070205080204" pitchFamily="50" charset="-128"/>
+              </a:rPr>
+              <a:t>Horiuchi</a:t>
+            </a:r>
+            <a:r>
+              <a:rPr lang="en-US" altLang="ja-JP" sz="2400" dirty="0">
+                <a:latin typeface="ＭＳ Ｐゴシック" panose="020B0600070205080204" pitchFamily="50" charset="-128"/>
+              </a:rPr>
+              <a:t> 2014]</a:t>
+            </a:r>
+            <a:r>
+              <a:rPr lang="ja-JP" altLang="en-US" sz="2400" dirty="0">
+                <a:latin typeface="ＭＳ Ｐゴシック" panose="020B0600070205080204" pitchFamily="50" charset="-128"/>
+              </a:rPr>
+              <a:t>クラウドに適した</a:t>
+            </a:r>
+            <a:r>
+              <a:rPr lang="en-US" altLang="ja-JP" sz="2400" dirty="0">
+                <a:latin typeface="ＭＳ Ｐゴシック" panose="020B0600070205080204" pitchFamily="50" charset="-128"/>
+              </a:rPr>
+              <a:t>Web</a:t>
+            </a:r>
+            <a:r>
+              <a:rPr lang="ja-JP" altLang="en-US" sz="2400" dirty="0">
+                <a:latin typeface="ＭＳ Ｐゴシック" panose="020B0600070205080204" pitchFamily="50" charset="-128"/>
+              </a:rPr>
+              <a:t>システムの負荷監視機能の改善に</a:t>
+            </a:r>
+            <a:r>
+              <a:rPr lang="ja-JP" altLang="en-US" sz="2400" dirty="0" smtClean="0">
+                <a:latin typeface="ＭＳ Ｐゴシック" panose="020B0600070205080204" pitchFamily="50" charset="-128"/>
+              </a:rPr>
+              <a:t>ついて</a:t>
+            </a:r>
+            <a:endParaRPr lang="en-US" altLang="ja-JP" b="1" u="sng" dirty="0">
               <a:latin typeface="ＭＳ Ｐゴシック" panose="020B0600070205080204" pitchFamily="50" charset="-128"/>
             </a:endParaRPr>
           </a:p>
@@ -10595,91 +10984,20 @@
               <a:buNone/>
             </a:pPr>
             <a:r>
-              <a:rPr lang="en-US" altLang="ja-JP" b="1" u="sng" dirty="0">
+              <a:rPr lang="ja-JP" altLang="en-US" b="1" u="sng" dirty="0" smtClean="0">
                 <a:latin typeface="ＭＳ Ｐゴシック" panose="020B0600070205080204" pitchFamily="50" charset="-128"/>
               </a:rPr>
-              <a:t>WEB</a:t>
-            </a:r>
-            <a:r>
-              <a:rPr lang="ja-JP" altLang="en-US" b="1" u="sng" dirty="0">
+              <a:t>応答</a:t>
+            </a:r>
+            <a:r>
+              <a:rPr lang="ja-JP" altLang="en-US" b="1" u="sng" dirty="0" smtClean="0">
                 <a:latin typeface="ＭＳ Ｐゴシック" panose="020B0600070205080204" pitchFamily="50" charset="-128"/>
               </a:rPr>
-              <a:t>サーバ計測システムの設計・開発</a:t>
-            </a:r>
-            <a:endParaRPr lang="en-US" altLang="ja-JP" b="1" u="sng" dirty="0">
+              <a:t>速度の最適化</a:t>
+            </a:r>
+            <a:endParaRPr lang="en-US" altLang="ja-JP" b="1" u="sng" dirty="0" smtClean="0">
               <a:latin typeface="ＭＳ Ｐゴシック" panose="020B0600070205080204" pitchFamily="50" charset="-128"/>
             </a:endParaRPr>
-          </a:p>
-          <a:p>
-            <a:pPr marL="0" indent="0">
-              <a:buNone/>
-            </a:pPr>
-            <a:r>
-              <a:rPr lang="en-US" altLang="ja-JP" sz="2400" dirty="0">
-                <a:latin typeface="ＭＳ Ｐゴシック" panose="020B0600070205080204" pitchFamily="50" charset="-128"/>
-              </a:rPr>
-              <a:t>[</a:t>
-            </a:r>
-            <a:r>
-              <a:rPr lang="en-US" altLang="ja-JP" sz="2400" dirty="0" err="1">
-                <a:latin typeface="ＭＳ Ｐゴシック" panose="020B0600070205080204" pitchFamily="50" charset="-128"/>
-              </a:rPr>
-              <a:t>Horiuchi</a:t>
-            </a:r>
-            <a:r>
-              <a:rPr lang="en-US" altLang="ja-JP" sz="2400" dirty="0">
-                <a:latin typeface="ＭＳ Ｐゴシック" panose="020B0600070205080204" pitchFamily="50" charset="-128"/>
-              </a:rPr>
-              <a:t> 2014]</a:t>
-            </a:r>
-            <a:r>
-              <a:rPr lang="ja-JP" altLang="en-US" sz="2400" dirty="0">
-                <a:latin typeface="ＭＳ Ｐゴシック" panose="020B0600070205080204" pitchFamily="50" charset="-128"/>
-              </a:rPr>
-              <a:t>クラウドに適した</a:t>
-            </a:r>
-            <a:r>
-              <a:rPr lang="en-US" altLang="ja-JP" sz="2400" dirty="0">
-                <a:latin typeface="ＭＳ Ｐゴシック" panose="020B0600070205080204" pitchFamily="50" charset="-128"/>
-              </a:rPr>
-              <a:t>Web</a:t>
-            </a:r>
-            <a:r>
-              <a:rPr lang="ja-JP" altLang="en-US" sz="2400" dirty="0">
-                <a:latin typeface="ＭＳ Ｐゴシック" panose="020B0600070205080204" pitchFamily="50" charset="-128"/>
-              </a:rPr>
-              <a:t>システムの負荷監視機能の改善について堀内晨彦 </a:t>
-            </a:r>
-            <a:r>
-              <a:rPr lang="en-US" altLang="ja-JP" sz="2400" dirty="0">
-                <a:latin typeface="ＭＳ Ｐゴシック" panose="020B0600070205080204" pitchFamily="50" charset="-128"/>
-              </a:rPr>
-              <a:t>, </a:t>
-            </a:r>
-            <a:r>
-              <a:rPr lang="ja-JP" altLang="en-US" sz="2400" dirty="0">
-                <a:latin typeface="ＭＳ Ｐゴシック" panose="020B0600070205080204" pitchFamily="50" charset="-128"/>
-              </a:rPr>
-              <a:t>最所圭三第</a:t>
-            </a:r>
-            <a:r>
-              <a:rPr lang="en-US" altLang="ja-JP" sz="2400" dirty="0">
-                <a:latin typeface="ＭＳ Ｐゴシック" panose="020B0600070205080204" pitchFamily="50" charset="-128"/>
-              </a:rPr>
-              <a:t>76</a:t>
-            </a:r>
-            <a:r>
-              <a:rPr lang="ja-JP" altLang="en-US" sz="2400" dirty="0">
-                <a:latin typeface="ＭＳ Ｐゴシック" panose="020B0600070205080204" pitchFamily="50" charset="-128"/>
-              </a:rPr>
-              <a:t>回全国大会講演論文集</a:t>
-            </a:r>
-            <a:r>
-              <a:rPr lang="en-US" altLang="ja-JP" sz="2400" dirty="0">
-                <a:latin typeface="ＭＳ Ｐゴシック" panose="020B0600070205080204" pitchFamily="50" charset="-128"/>
-              </a:rPr>
-              <a:t>,2014(1),p437-438 (2014-03-11)</a:t>
-            </a:r>
           </a:p>
           <a:p>
             <a:pPr marL="0" indent="0">
@@ -10688,7 +11006,95 @@
               </a:lnSpc>
               <a:buNone/>
             </a:pPr>
-            <a:endParaRPr lang="en-US" altLang="ja-JP" sz="2400" dirty="0">
+            <a:r>
+              <a:rPr lang="en-US" altLang="ja-JP" sz="2400" dirty="0" smtClean="0">
+                <a:latin typeface="ＭＳ Ｐゴシック" panose="020B0600070205080204" pitchFamily="50" charset="-128"/>
+              </a:rPr>
+              <a:t>[</a:t>
+            </a:r>
+            <a:r>
+              <a:rPr lang="en-US" altLang="ja-JP" sz="2400" dirty="0" err="1" smtClean="0">
+                <a:latin typeface="ＭＳ Ｐゴシック" panose="020B0600070205080204" pitchFamily="50" charset="-128"/>
+              </a:rPr>
+              <a:t>Kono</a:t>
+            </a:r>
+            <a:r>
+              <a:rPr lang="en-US" altLang="ja-JP" sz="2400" dirty="0" smtClean="0">
+                <a:latin typeface="ＭＳ Ｐゴシック" panose="020B0600070205080204" pitchFamily="50" charset="-128"/>
+              </a:rPr>
+              <a:t> 2007]</a:t>
+            </a:r>
+            <a:r>
+              <a:rPr lang="ja-JP" altLang="en-US" sz="2400" dirty="0" smtClean="0">
+                <a:latin typeface="ＭＳ Ｐゴシック" panose="020B0600070205080204" pitchFamily="50" charset="-128"/>
+              </a:rPr>
+              <a:t>複数のロードバランサによる Ｗｅｂシステムの応答時間</a:t>
+            </a:r>
+            <a:r>
+              <a:rPr lang="ja-JP" altLang="en-US" sz="2400" dirty="0" smtClean="0">
+                <a:latin typeface="ＭＳ Ｐゴシック" panose="020B0600070205080204" pitchFamily="50" charset="-128"/>
+              </a:rPr>
+              <a:t>最適化</a:t>
+            </a:r>
+            <a:endParaRPr lang="en-US" altLang="ja-JP" sz="2400" dirty="0" smtClean="0">
+              <a:latin typeface="ＭＳ Ｐゴシック" panose="020B0600070205080204" pitchFamily="50" charset="-128"/>
+            </a:endParaRPr>
+          </a:p>
+          <a:p>
+            <a:pPr marL="0" indent="0">
+              <a:lnSpc>
+                <a:spcPct val="100000"/>
+              </a:lnSpc>
+              <a:buNone/>
+            </a:pPr>
+            <a:r>
+              <a:rPr lang="ja-JP" altLang="en-US" b="1" u="sng" dirty="0">
+                <a:latin typeface="ＭＳ Ｐゴシック" panose="020B0600070205080204" pitchFamily="50" charset="-128"/>
+              </a:rPr>
+              <a:t>応答速度</a:t>
+            </a:r>
+            <a:r>
+              <a:rPr lang="ja-JP" altLang="en-US" b="1" u="sng" dirty="0" smtClean="0">
+                <a:latin typeface="ＭＳ Ｐゴシック" panose="020B0600070205080204" pitchFamily="50" charset="-128"/>
+              </a:rPr>
+              <a:t>の</a:t>
+            </a:r>
+            <a:r>
+              <a:rPr lang="ja-JP" altLang="en-US" b="1" u="sng" dirty="0">
+                <a:latin typeface="ＭＳ Ｐゴシック" panose="020B0600070205080204" pitchFamily="50" charset="-128"/>
+              </a:rPr>
+              <a:t>評価</a:t>
+            </a:r>
+            <a:endParaRPr lang="en-US" altLang="ja-JP" dirty="0" smtClean="0">
+              <a:latin typeface="ＭＳ Ｐゴシック" panose="020B0600070205080204" pitchFamily="50" charset="-128"/>
+            </a:endParaRPr>
+          </a:p>
+          <a:p>
+            <a:pPr marL="0" indent="0">
+              <a:lnSpc>
+                <a:spcPct val="100000"/>
+              </a:lnSpc>
+              <a:buNone/>
+            </a:pPr>
+            <a:r>
+              <a:rPr lang="en-US" altLang="ja-JP" sz="2400" dirty="0" smtClean="0">
+                <a:latin typeface="ＭＳ Ｐゴシック" panose="020B0600070205080204" pitchFamily="50" charset="-128"/>
+              </a:rPr>
+              <a:t>[Paul 2014]</a:t>
+            </a:r>
+            <a:r>
+              <a:rPr lang="ja-JP" altLang="en-US" sz="2400" dirty="0" smtClean="0">
+                <a:latin typeface="ＭＳ Ｐゴシック" panose="020B0600070205080204" pitchFamily="50" charset="-128"/>
+              </a:rPr>
+              <a:t>反応時間の遅延とそれに対するユーザの</a:t>
+            </a:r>
+            <a:r>
+              <a:rPr lang="ja-JP" altLang="en-US" sz="2400" dirty="0" smtClean="0">
+                <a:latin typeface="ＭＳ Ｐゴシック" panose="020B0600070205080204" pitchFamily="50" charset="-128"/>
+              </a:rPr>
+              <a:t>反応</a:t>
+            </a:r>
+            <a:endParaRPr lang="en-US" altLang="ja-JP" u="sng" dirty="0" smtClean="0">
               <a:latin typeface="ＭＳ Ｐゴシック" panose="020B0600070205080204" pitchFamily="50" charset="-128"/>
             </a:endParaRPr>
           </a:p>
@@ -10727,13 +11133,18 @@
             <p:ph type="title"/>
           </p:nvPr>
         </p:nvSpPr>
-        <p:spPr/>
+        <p:spPr>
+          <a:xfrm>
+            <a:off x="482346" y="127382"/>
+            <a:ext cx="7886700" cy="1325563"/>
+          </a:xfrm>
+        </p:spPr>
         <p:txBody>
           <a:bodyPr/>
           <a:lstStyle/>
           <a:p>
             <a:r>
-              <a:rPr kumimoji="1" lang="ja-JP" altLang="en-US" dirty="0" smtClean="0"/>
+              <a:rPr lang="ja-JP" altLang="en-US" dirty="0" smtClean="0"/>
               <a:t>関連研究</a:t>
             </a:r>
             <a:endParaRPr kumimoji="1" lang="ja-JP" altLang="en-US" dirty="0"/>
@@ -10743,7 +11154,7 @@
     </p:spTree>
     <p:extLst>
       <p:ext uri="{BB962C8B-B14F-4D97-AF65-F5344CB8AC3E}">
-        <p14:creationId xmlns:p14="http://schemas.microsoft.com/office/powerpoint/2010/main" val="2794857047"/>
+        <p14:creationId xmlns:p14="http://schemas.microsoft.com/office/powerpoint/2010/main" val="1372800676"/>
       </p:ext>
     </p:extLst>
   </p:cSld>
@@ -10779,6 +11190,28 @@
       </p:grpSpPr>
       <p:sp>
         <p:nvSpPr>
+          <p:cNvPr id="2" name="タイトル 1"/>
+          <p:cNvSpPr>
+            <a:spLocks noGrp="1"/>
+          </p:cNvSpPr>
+          <p:nvPr>
+            <p:ph type="title"/>
+          </p:nvPr>
+        </p:nvSpPr>
+        <p:spPr/>
+        <p:txBody>
+          <a:bodyPr/>
+          <a:lstStyle/>
+          <a:p>
+            <a:r>
+              <a:rPr kumimoji="1" lang="ja-JP" altLang="en-US" dirty="0"/>
+              <a:t>研究課題</a:t>
+            </a:r>
+          </a:p>
+        </p:txBody>
+      </p:sp>
+      <p:sp>
+        <p:nvSpPr>
           <p:cNvPr id="3" name="コンテンツ プレースホルダー 2"/>
           <p:cNvSpPr>
             <a:spLocks noGrp="1"/>
@@ -10789,181 +11222,93 @@
         </p:nvSpPr>
         <p:spPr>
           <a:xfrm>
-            <a:off x="628650" y="1569040"/>
-            <a:ext cx="8166434" cy="4969873"/>
+            <a:off x="532986" y="1740384"/>
+            <a:ext cx="8078028" cy="4351338"/>
           </a:xfrm>
         </p:spPr>
         <p:txBody>
           <a:bodyPr>
-            <a:noAutofit/>
+            <a:normAutofit fontScale="92500" lnSpcReduction="10000"/>
           </a:bodyPr>
           <a:lstStyle/>
           <a:p>
-            <a:pPr marL="0" indent="0">
+            <a:pPr algn="just">
               <a:lnSpc>
-                <a:spcPct val="100000"/>
+                <a:spcPct val="120000"/>
               </a:lnSpc>
-              <a:buNone/>
             </a:pPr>
             <a:r>
-              <a:rPr lang="ja-JP" altLang="en-US" b="1" u="sng" dirty="0" smtClean="0">
-                <a:latin typeface="ＭＳ Ｐゴシック" panose="020B0600070205080204" pitchFamily="50" charset="-128"/>
-              </a:rPr>
-              <a:t>応答速度の最適化</a:t>
-            </a:r>
-            <a:endParaRPr lang="en-US" altLang="ja-JP" b="1" u="sng" dirty="0" smtClean="0">
-              <a:latin typeface="ＭＳ Ｐゴシック" panose="020B0600070205080204" pitchFamily="50" charset="-128"/>
-            </a:endParaRPr>
-          </a:p>
-          <a:p>
-            <a:pPr marL="0" indent="0">
+              <a:rPr lang="ja-JP" altLang="en-US" sz="3200" dirty="0"/>
+              <a:t>既存技術では</a:t>
+            </a:r>
+            <a:r>
+              <a:rPr lang="ja-JP" altLang="en-US" sz="3200" dirty="0" smtClean="0"/>
+              <a:t>，導入</a:t>
+            </a:r>
+            <a:r>
+              <a:rPr lang="ja-JP" altLang="en-US" sz="3200" dirty="0"/>
+              <a:t>の</a:t>
+            </a:r>
+            <a:r>
+              <a:rPr lang="ja-JP" altLang="en-US" sz="3200" dirty="0" smtClean="0"/>
+              <a:t>しやすさ，コストの安さから異種</a:t>
+            </a:r>
+            <a:r>
+              <a:rPr lang="ja-JP" altLang="en-US" sz="3200" dirty="0"/>
+              <a:t>環境において</a:t>
+            </a:r>
+            <a:r>
+              <a:rPr lang="ja-JP" altLang="en-US" sz="3200" dirty="0" smtClean="0"/>
+              <a:t>も</a:t>
+            </a:r>
+            <a:r>
+              <a:rPr lang="ja-JP" altLang="en-US" sz="3200" dirty="0"/>
+              <a:t>均等</a:t>
+            </a:r>
+            <a:r>
+              <a:rPr lang="ja-JP" altLang="en-US" sz="3200" dirty="0" smtClean="0"/>
+              <a:t>に割り振る</a:t>
+            </a:r>
+            <a:r>
+              <a:rPr lang="ja-JP" altLang="en-US" sz="3200" dirty="0"/>
+              <a:t>「ラウンドロビン」方式が頻繁に利用</a:t>
+            </a:r>
+            <a:r>
+              <a:rPr lang="ja-JP" altLang="en-US" sz="3200" dirty="0" smtClean="0"/>
+              <a:t>されている．</a:t>
+            </a:r>
+            <a:endParaRPr lang="en-US" altLang="ja-JP" sz="3200" dirty="0" smtClean="0"/>
+          </a:p>
+          <a:p>
+            <a:pPr algn="just">
               <a:lnSpc>
-                <a:spcPct val="100000"/>
+                <a:spcPct val="120000"/>
               </a:lnSpc>
-              <a:buNone/>
             </a:pPr>
             <a:r>
-              <a:rPr lang="en-US" altLang="ja-JP" sz="2400" dirty="0" smtClean="0">
-                <a:latin typeface="ＭＳ Ｐゴシック" panose="020B0600070205080204" pitchFamily="50" charset="-128"/>
-              </a:rPr>
-              <a:t>[</a:t>
-            </a:r>
-            <a:r>
-              <a:rPr lang="en-US" altLang="ja-JP" sz="2400" dirty="0" err="1" smtClean="0">
-                <a:latin typeface="ＭＳ Ｐゴシック" panose="020B0600070205080204" pitchFamily="50" charset="-128"/>
-              </a:rPr>
-              <a:t>Kono</a:t>
-            </a:r>
-            <a:r>
-              <a:rPr lang="en-US" altLang="ja-JP" sz="2400" dirty="0" smtClean="0">
-                <a:latin typeface="ＭＳ Ｐゴシック" panose="020B0600070205080204" pitchFamily="50" charset="-128"/>
-              </a:rPr>
-              <a:t> 2007]</a:t>
-            </a:r>
-            <a:r>
-              <a:rPr lang="ja-JP" altLang="en-US" sz="2400" dirty="0" smtClean="0">
-                <a:latin typeface="ＭＳ Ｐゴシック" panose="020B0600070205080204" pitchFamily="50" charset="-128"/>
-              </a:rPr>
-              <a:t>複数のロードバランサによる Ｗｅｂシステムの応答時間最適化河野 知行</a:t>
-            </a:r>
-            <a:r>
-              <a:rPr lang="en-US" altLang="ja-JP" sz="2400" dirty="0" smtClean="0">
-                <a:latin typeface="ＭＳ Ｐゴシック" panose="020B0600070205080204" pitchFamily="50" charset="-128"/>
-              </a:rPr>
-              <a:t>Tomoyuki KAWANO</a:t>
-            </a:r>
-            <a:r>
-              <a:rPr lang="ja-JP" altLang="en-US" sz="2400" dirty="0" smtClean="0">
-                <a:latin typeface="ＭＳ Ｐゴシック" panose="020B0600070205080204" pitchFamily="50" charset="-128"/>
-              </a:rPr>
-              <a:t>情報処理学会研究報告システム評価（</a:t>
-            </a:r>
-            <a:r>
-              <a:rPr lang="en-US" altLang="ja-JP" sz="2400" dirty="0" smtClean="0">
-                <a:latin typeface="ＭＳ Ｐゴシック" panose="020B0600070205080204" pitchFamily="50" charset="-128"/>
-              </a:rPr>
-              <a:t>EVA</a:t>
-            </a:r>
-            <a:r>
-              <a:rPr lang="ja-JP" altLang="en-US" sz="2400" dirty="0" smtClean="0">
-                <a:latin typeface="ＭＳ Ｐゴシック" panose="020B0600070205080204" pitchFamily="50" charset="-128"/>
-              </a:rPr>
-              <a:t>）</a:t>
-            </a:r>
-            <a:r>
-              <a:rPr lang="en-US" altLang="ja-JP" sz="2400" dirty="0" smtClean="0">
-                <a:latin typeface="ＭＳ Ｐゴシック" panose="020B0600070205080204" pitchFamily="50" charset="-128"/>
-              </a:rPr>
-              <a:t>,2007(63(2007-EVA-021)),p.27-34 (2007-06-22)</a:t>
-            </a:r>
-            <a:br>
-              <a:rPr lang="en-US" altLang="ja-JP" sz="2400" dirty="0" smtClean="0">
-                <a:latin typeface="ＭＳ Ｐゴシック" panose="020B0600070205080204" pitchFamily="50" charset="-128"/>
-              </a:rPr>
-            </a:br>
-            <a:endParaRPr lang="en-US" altLang="ja-JP" sz="2400" dirty="0" smtClean="0">
-              <a:latin typeface="ＭＳ Ｐゴシック" panose="020B0600070205080204" pitchFamily="50" charset="-128"/>
-            </a:endParaRPr>
-          </a:p>
-          <a:p>
-            <a:pPr marL="0" indent="0">
+              <a:rPr lang="ja-JP" altLang="en-US" sz="3200" dirty="0"/>
+              <a:t>サーバ間の性能や通信装置の性能にバラつきがある場合，応答速度が一定とは限らない．単純に空いているサーバへ割り振るだけではなく，応答速度も加味してロードバランスを行う必要がある．</a:t>
+            </a:r>
+            <a:endParaRPr lang="en-US" altLang="ja-JP" sz="3200" dirty="0"/>
+          </a:p>
+          <a:p>
+            <a:pPr algn="just">
               <a:lnSpc>
-                <a:spcPct val="100000"/>
+                <a:spcPct val="120000"/>
               </a:lnSpc>
-              <a:buNone/>
             </a:pPr>
-            <a:r>
-              <a:rPr lang="ja-JP" altLang="en-US" b="1" u="sng" dirty="0">
-                <a:latin typeface="ＭＳ Ｐゴシック" panose="020B0600070205080204" pitchFamily="50" charset="-128"/>
-              </a:rPr>
-              <a:t>応答速度</a:t>
-            </a:r>
-            <a:r>
-              <a:rPr lang="ja-JP" altLang="en-US" b="1" u="sng" dirty="0" smtClean="0">
-                <a:latin typeface="ＭＳ Ｐゴシック" panose="020B0600070205080204" pitchFamily="50" charset="-128"/>
-              </a:rPr>
-              <a:t>の</a:t>
-            </a:r>
-            <a:r>
-              <a:rPr lang="ja-JP" altLang="en-US" b="1" u="sng" dirty="0">
-                <a:latin typeface="ＭＳ Ｐゴシック" panose="020B0600070205080204" pitchFamily="50" charset="-128"/>
-              </a:rPr>
-              <a:t>評価</a:t>
-            </a:r>
+            <a:endParaRPr lang="ja-JP" altLang="en-US" sz="3200" dirty="0"/>
+          </a:p>
+          <a:p>
+            <a:pPr algn="just">
+              <a:lnSpc>
+                <a:spcPct val="120000"/>
+              </a:lnSpc>
+            </a:pPr>
             <a:endParaRPr lang="en-US" altLang="ja-JP" dirty="0" smtClean="0">
-              <a:latin typeface="ＭＳ Ｐゴシック" panose="020B0600070205080204" pitchFamily="50" charset="-128"/>
-            </a:endParaRPr>
-          </a:p>
-          <a:p>
-            <a:pPr marL="0" indent="0">
-              <a:lnSpc>
-                <a:spcPct val="100000"/>
-              </a:lnSpc>
-              <a:buNone/>
-            </a:pPr>
-            <a:r>
-              <a:rPr lang="en-US" altLang="ja-JP" sz="2400" dirty="0" smtClean="0">
-                <a:latin typeface="ＭＳ Ｐゴシック" panose="020B0600070205080204" pitchFamily="50" charset="-128"/>
-              </a:rPr>
-              <a:t>[Paul 2014]</a:t>
-            </a:r>
-            <a:r>
-              <a:rPr lang="ja-JP" altLang="en-US" sz="2400" dirty="0" smtClean="0">
-                <a:latin typeface="ＭＳ Ｐゴシック" panose="020B0600070205080204" pitchFamily="50" charset="-128"/>
-              </a:rPr>
-              <a:t>反応時間の遅延とそれに対するユーザの反応</a:t>
-            </a:r>
-            <a:r>
-              <a:rPr lang="en-US" altLang="ja-JP" sz="2400" dirty="0" smtClean="0">
-                <a:latin typeface="ＭＳ Ｐゴシック" panose="020B0600070205080204" pitchFamily="50" charset="-128"/>
-              </a:rPr>
-              <a:t/>
-            </a:r>
-            <a:br>
-              <a:rPr lang="en-US" altLang="ja-JP" sz="2400" dirty="0" smtClean="0">
-                <a:latin typeface="ＭＳ Ｐゴシック" panose="020B0600070205080204" pitchFamily="50" charset="-128"/>
-              </a:rPr>
-            </a:br>
-            <a:r>
-              <a:rPr lang="en-US" altLang="ja-JP" sz="2400" dirty="0" smtClean="0">
-                <a:latin typeface="ＭＳ Ｐゴシック" panose="020B0600070205080204" pitchFamily="50" charset="-128"/>
-              </a:rPr>
-              <a:t>Paul </a:t>
-            </a:r>
-            <a:r>
-              <a:rPr lang="en-US" altLang="ja-JP" sz="2400" dirty="0" err="1" smtClean="0">
-                <a:latin typeface="ＭＳ Ｐゴシック" panose="020B0600070205080204" pitchFamily="50" charset="-128"/>
-              </a:rPr>
-              <a:t>Kinlan</a:t>
-            </a:r>
-            <a:r>
-              <a:rPr lang="en-US" altLang="ja-JP" sz="2400" dirty="0" smtClean="0">
-                <a:latin typeface="ＭＳ Ｐゴシック" panose="020B0600070205080204" pitchFamily="50" charset="-128"/>
-              </a:rPr>
-              <a:t>. What do people want from a news experience (2014-12-8)</a:t>
-            </a:r>
-            <a:endParaRPr lang="en-US" altLang="ja-JP" u="sng" dirty="0" smtClean="0">
-              <a:latin typeface="ＭＳ Ｐゴシック" panose="020B0600070205080204" pitchFamily="50" charset="-128"/>
+              <a:solidFill>
+                <a:srgbClr val="FF0000"/>
+              </a:solidFill>
             </a:endParaRPr>
           </a:p>
         </p:txBody>
@@ -10991,33 +11336,10 @@
           </a:p>
         </p:txBody>
       </p:sp>
-      <p:sp>
-        <p:nvSpPr>
-          <p:cNvPr id="5" name="タイトル 4"/>
-          <p:cNvSpPr>
-            <a:spLocks noGrp="1"/>
-          </p:cNvSpPr>
-          <p:nvPr>
-            <p:ph type="title"/>
-          </p:nvPr>
-        </p:nvSpPr>
-        <p:spPr/>
-        <p:txBody>
-          <a:bodyPr/>
-          <a:lstStyle/>
-          <a:p>
-            <a:r>
-              <a:rPr lang="ja-JP" altLang="en-US" dirty="0" smtClean="0"/>
-              <a:t>関連研究</a:t>
-            </a:r>
-            <a:endParaRPr kumimoji="1" lang="ja-JP" altLang="en-US" dirty="0"/>
-          </a:p>
-        </p:txBody>
-      </p:sp>
     </p:spTree>
     <p:extLst>
       <p:ext uri="{BB962C8B-B14F-4D97-AF65-F5344CB8AC3E}">
-        <p14:creationId xmlns:p14="http://schemas.microsoft.com/office/powerpoint/2010/main" val="1372800676"/>
+        <p14:creationId xmlns:p14="http://schemas.microsoft.com/office/powerpoint/2010/main" val="3347172904"/>
       </p:ext>
     </p:extLst>
   </p:cSld>
@@ -11053,28 +11375,6 @@
       </p:grpSpPr>
       <p:sp>
         <p:nvSpPr>
-          <p:cNvPr id="2" name="タイトル 1"/>
-          <p:cNvSpPr>
-            <a:spLocks noGrp="1"/>
-          </p:cNvSpPr>
-          <p:nvPr>
-            <p:ph type="title"/>
-          </p:nvPr>
-        </p:nvSpPr>
-        <p:spPr/>
-        <p:txBody>
-          <a:bodyPr/>
-          <a:lstStyle/>
-          <a:p>
-            <a:r>
-              <a:rPr kumimoji="1" lang="ja-JP" altLang="en-US" dirty="0"/>
-              <a:t>研究課題</a:t>
-            </a:r>
-          </a:p>
-        </p:txBody>
-      </p:sp>
-      <p:sp>
-        <p:nvSpPr>
           <p:cNvPr id="3" name="コンテンツ プレースホルダー 2"/>
           <p:cNvSpPr>
             <a:spLocks noGrp="1"/>
@@ -11091,7 +11391,7 @@
         </p:spPr>
         <p:txBody>
           <a:bodyPr>
-            <a:normAutofit fontScale="92500" lnSpcReduction="10000"/>
+            <a:noAutofit/>
           </a:bodyPr>
           <a:lstStyle/>
           <a:p>
@@ -11101,46 +11401,30 @@
               </a:lnSpc>
             </a:pPr>
             <a:r>
-              <a:rPr lang="ja-JP" altLang="en-US" sz="3200" dirty="0"/>
-              <a:t>既存技術では</a:t>
-            </a:r>
-            <a:r>
-              <a:rPr lang="ja-JP" altLang="en-US" sz="3200" dirty="0" smtClean="0"/>
-              <a:t>，導入</a:t>
-            </a:r>
-            <a:r>
-              <a:rPr lang="ja-JP" altLang="en-US" sz="3200" dirty="0"/>
-              <a:t>の</a:t>
-            </a:r>
-            <a:r>
-              <a:rPr lang="ja-JP" altLang="en-US" sz="3200" dirty="0" smtClean="0"/>
-              <a:t>しやすさ，コストの安さから異種</a:t>
-            </a:r>
-            <a:r>
-              <a:rPr lang="ja-JP" altLang="en-US" sz="3200" dirty="0"/>
-              <a:t>環境において</a:t>
-            </a:r>
-            <a:r>
-              <a:rPr lang="ja-JP" altLang="en-US" sz="3200" dirty="0" smtClean="0"/>
-              <a:t>も</a:t>
-            </a:r>
-            <a:r>
-              <a:rPr lang="ja-JP" altLang="en-US" sz="3200" dirty="0"/>
-              <a:t>均等</a:t>
-            </a:r>
-            <a:r>
-              <a:rPr lang="ja-JP" altLang="en-US" sz="3200" dirty="0" smtClean="0"/>
-              <a:t>に割り振る</a:t>
-            </a:r>
-            <a:r>
-              <a:rPr lang="ja-JP" altLang="en-US" sz="3200" dirty="0"/>
-              <a:t>「ラウンドロビン」方式が頻繁に利用</a:t>
-            </a:r>
-            <a:r>
-              <a:rPr lang="ja-JP" altLang="en-US" sz="3200" dirty="0" smtClean="0"/>
-              <a:t>されている．</a:t>
-            </a:r>
-            <a:endParaRPr lang="en-US" altLang="ja-JP" sz="3200" dirty="0" smtClean="0"/>
+              <a:rPr lang="ja-JP" altLang="ja-JP" sz="3200" dirty="0" smtClean="0"/>
+              <a:t>ロードバランサ</a:t>
+            </a:r>
+            <a:r>
+              <a:rPr lang="ja-JP" altLang="ja-JP" sz="3200" dirty="0"/>
+              <a:t>の導入コストを抑えるために，</a:t>
+            </a:r>
+            <a:r>
+              <a:rPr lang="ja-JP" altLang="ja-JP" sz="3200" u="sng" dirty="0"/>
+              <a:t>安価で現行システムに導入でき，</a:t>
+            </a:r>
+            <a:r>
+              <a:rPr lang="en-US" altLang="ja-JP" sz="3200" u="sng" dirty="0"/>
+              <a:t>Web</a:t>
+            </a:r>
+            <a:r>
+              <a:rPr lang="ja-JP" altLang="ja-JP" sz="3200" u="sng" dirty="0"/>
+              <a:t>の負荷分散に詳しくないユーザでも導入できる実装方法が求められる</a:t>
+            </a:r>
+            <a:r>
+              <a:rPr lang="ja-JP" altLang="ja-JP" sz="3200" u="sng" dirty="0" smtClean="0"/>
+              <a:t>．</a:t>
+            </a:r>
+            <a:endParaRPr lang="en-US" altLang="ja-JP" sz="3200" u="sng" dirty="0" smtClean="0"/>
           </a:p>
           <a:p>
             <a:pPr algn="just">
@@ -11148,27 +11432,7 @@
                 <a:spcPct val="120000"/>
               </a:lnSpc>
             </a:pPr>
-            <a:r>
-              <a:rPr lang="ja-JP" altLang="en-US" sz="3200" dirty="0"/>
-              <a:t>サーバ間の性能や通信装置の性能にバラつきがある場合，応答速度が一定とは限らない．単純に空いているサーバへ割り振るだけではなく，応答速度も加味してロードバランスを行う必要がある．</a:t>
-            </a:r>
-            <a:endParaRPr lang="en-US" altLang="ja-JP" sz="3200" dirty="0"/>
-          </a:p>
-          <a:p>
-            <a:pPr algn="just">
-              <a:lnSpc>
-                <a:spcPct val="120000"/>
-              </a:lnSpc>
-            </a:pPr>
-            <a:endParaRPr lang="ja-JP" altLang="en-US" sz="3200" dirty="0"/>
-          </a:p>
-          <a:p>
-            <a:pPr algn="just">
-              <a:lnSpc>
-                <a:spcPct val="120000"/>
-              </a:lnSpc>
-            </a:pPr>
-            <a:endParaRPr lang="en-US" altLang="ja-JP" dirty="0" smtClean="0">
+            <a:endParaRPr lang="en-US" altLang="ja-JP" sz="2900" dirty="0" smtClean="0">
               <a:solidFill>
                 <a:srgbClr val="FF0000"/>
               </a:solidFill>
@@ -11199,10 +11463,33 @@
           </a:p>
         </p:txBody>
       </p:sp>
+      <p:sp>
+        <p:nvSpPr>
+          <p:cNvPr id="5" name="タイトル 4"/>
+          <p:cNvSpPr>
+            <a:spLocks noGrp="1"/>
+          </p:cNvSpPr>
+          <p:nvPr>
+            <p:ph type="title"/>
+          </p:nvPr>
+        </p:nvSpPr>
+        <p:spPr/>
+        <p:txBody>
+          <a:bodyPr/>
+          <a:lstStyle/>
+          <a:p>
+            <a:r>
+              <a:rPr kumimoji="1" lang="ja-JP" altLang="en-US" dirty="0" smtClean="0"/>
+              <a:t>研究課題</a:t>
+            </a:r>
+            <a:endParaRPr kumimoji="1" lang="ja-JP" altLang="en-US" dirty="0"/>
+          </a:p>
+        </p:txBody>
+      </p:sp>
     </p:spTree>
     <p:extLst>
       <p:ext uri="{BB962C8B-B14F-4D97-AF65-F5344CB8AC3E}">
-        <p14:creationId xmlns:p14="http://schemas.microsoft.com/office/powerpoint/2010/main" val="3347172904"/>
+        <p14:creationId xmlns:p14="http://schemas.microsoft.com/office/powerpoint/2010/main" val="1055307171"/>
       </p:ext>
     </p:extLst>
   </p:cSld>
@@ -11238,6 +11525,28 @@
       </p:grpSpPr>
       <p:sp>
         <p:nvSpPr>
+          <p:cNvPr id="2" name="タイトル 1"/>
+          <p:cNvSpPr>
+            <a:spLocks noGrp="1"/>
+          </p:cNvSpPr>
+          <p:nvPr>
+            <p:ph type="title"/>
+          </p:nvPr>
+        </p:nvSpPr>
+        <p:spPr/>
+        <p:txBody>
+          <a:bodyPr/>
+          <a:lstStyle/>
+          <a:p>
+            <a:r>
+              <a:rPr kumimoji="1" lang="ja-JP" altLang="en-US" dirty="0"/>
+              <a:t>研究目的</a:t>
+            </a:r>
+          </a:p>
+        </p:txBody>
+      </p:sp>
+      <p:sp>
+        <p:nvSpPr>
           <p:cNvPr id="3" name="コンテンツ プレースホルダー 2"/>
           <p:cNvSpPr>
             <a:spLocks noGrp="1"/>
@@ -11248,8 +11557,8 @@
         </p:nvSpPr>
         <p:spPr>
           <a:xfrm>
-            <a:off x="532986" y="1740384"/>
-            <a:ext cx="8078028" cy="4351338"/>
+            <a:off x="384048" y="1600678"/>
+            <a:ext cx="8558784" cy="4845684"/>
           </a:xfrm>
         </p:spPr>
         <p:txBody>
@@ -11258,48 +11567,74 @@
           </a:bodyPr>
           <a:lstStyle/>
           <a:p>
-            <a:pPr algn="just">
-              <a:lnSpc>
-                <a:spcPct val="120000"/>
-              </a:lnSpc>
-            </a:pPr>
+            <a:r>
+              <a:rPr lang="ja-JP" altLang="en-US" sz="3200" dirty="0"/>
+              <a:t>応答速度によってサーバの割り振り先を決めるアルゴリズムの提案．</a:t>
+            </a:r>
+            <a:endParaRPr lang="en-US" altLang="ja-JP" sz="3200" dirty="0"/>
+          </a:p>
+          <a:p>
+            <a:r>
+              <a:rPr lang="ja-JP" altLang="en-US" sz="3200" dirty="0"/>
+              <a:t>サーバを監視し評価するシステムの設計と開発．</a:t>
+            </a:r>
+            <a:endParaRPr lang="en-US" altLang="ja-JP" sz="3200" dirty="0"/>
+          </a:p>
+          <a:p>
+            <a:r>
+              <a:rPr lang="ja-JP" altLang="en-US" sz="3200" dirty="0"/>
+              <a:t>異種環境を想定した，応答速度に基づく動的割り振りを行うロードバランサの設計と開発．</a:t>
+            </a:r>
+            <a:r>
+              <a:rPr lang="en-US" altLang="ja-JP" sz="3200" dirty="0"/>
+              <a:t/>
+            </a:r>
+            <a:br>
+              <a:rPr lang="en-US" altLang="ja-JP" sz="3200" dirty="0"/>
+            </a:br>
             <a:r>
               <a:rPr lang="ja-JP" altLang="ja-JP" sz="3200" dirty="0" smtClean="0"/>
-              <a:t>ロードバランサ</a:t>
+              <a:t>安価</a:t>
             </a:r>
             <a:r>
               <a:rPr lang="ja-JP" altLang="ja-JP" sz="3200" dirty="0"/>
-              <a:t>の導入コストを抑えるために，</a:t>
-            </a:r>
-            <a:r>
-              <a:rPr lang="ja-JP" altLang="ja-JP" sz="3200" u="sng" dirty="0"/>
-              <a:t>安価で現行システムに導入でき，</a:t>
-            </a:r>
-            <a:r>
-              <a:rPr lang="en-US" altLang="ja-JP" sz="3200" u="sng" dirty="0"/>
-              <a:t>Web</a:t>
-            </a:r>
-            <a:r>
-              <a:rPr lang="ja-JP" altLang="ja-JP" sz="3200" u="sng" dirty="0"/>
-              <a:t>の負荷分散に詳しくないユーザでも導入できる実装方法が求められる</a:t>
-            </a:r>
-            <a:r>
-              <a:rPr lang="ja-JP" altLang="ja-JP" sz="3200" u="sng" dirty="0" smtClean="0"/>
-              <a:t>．</a:t>
-            </a:r>
-            <a:endParaRPr lang="en-US" altLang="ja-JP" sz="3200" u="sng" dirty="0" smtClean="0"/>
-          </a:p>
-          <a:p>
-            <a:pPr algn="just">
-              <a:lnSpc>
-                <a:spcPct val="120000"/>
-              </a:lnSpc>
-            </a:pPr>
-            <a:endParaRPr lang="en-US" altLang="ja-JP" sz="2900" dirty="0" smtClean="0">
-              <a:solidFill>
-                <a:srgbClr val="FF0000"/>
-              </a:solidFill>
-            </a:endParaRPr>
+              <a:t>で導入</a:t>
+            </a:r>
+            <a:r>
+              <a:rPr lang="ja-JP" altLang="en-US" sz="3200" dirty="0"/>
+              <a:t>しやすい</a:t>
+            </a:r>
+            <a:r>
+              <a:rPr lang="ja-JP" altLang="ja-JP" sz="3200" dirty="0" smtClean="0"/>
+              <a:t>システ</a:t>
+            </a:r>
+            <a:r>
+              <a:rPr lang="ja-JP" altLang="en-US" sz="3200" dirty="0" smtClean="0"/>
+              <a:t>ムで</a:t>
+            </a:r>
+            <a:r>
+              <a:rPr lang="ja-JP" altLang="ja-JP" sz="3200" dirty="0" smtClean="0"/>
+              <a:t>課題</a:t>
+            </a:r>
+            <a:r>
+              <a:rPr lang="ja-JP" altLang="ja-JP" sz="3200" dirty="0"/>
+              <a:t>の</a:t>
+            </a:r>
+            <a:r>
+              <a:rPr lang="ja-JP" altLang="ja-JP" sz="3200" dirty="0" smtClean="0"/>
+              <a:t>解決</a:t>
+            </a:r>
+            <a:r>
+              <a:rPr lang="ja-JP" altLang="en-US" sz="3200" dirty="0" smtClean="0"/>
+              <a:t>を目指す．</a:t>
+            </a:r>
+            <a:endParaRPr lang="ja-JP" altLang="en-US" sz="3200" dirty="0"/>
+          </a:p>
+          <a:p>
+            <a:r>
+              <a:rPr lang="ja-JP" altLang="en-US" sz="3200" dirty="0"/>
+              <a:t>実験による実現可能性の評価</a:t>
+            </a:r>
           </a:p>
         </p:txBody>
       </p:sp>
@@ -11326,33 +11661,10 @@
           </a:p>
         </p:txBody>
       </p:sp>
-      <p:sp>
-        <p:nvSpPr>
-          <p:cNvPr id="5" name="タイトル 4"/>
-          <p:cNvSpPr>
-            <a:spLocks noGrp="1"/>
-          </p:cNvSpPr>
-          <p:nvPr>
-            <p:ph type="title"/>
-          </p:nvPr>
-        </p:nvSpPr>
-        <p:spPr/>
-        <p:txBody>
-          <a:bodyPr/>
-          <a:lstStyle/>
-          <a:p>
-            <a:r>
-              <a:rPr kumimoji="1" lang="ja-JP" altLang="en-US" dirty="0" smtClean="0"/>
-              <a:t>研究課題</a:t>
-            </a:r>
-            <a:endParaRPr kumimoji="1" lang="ja-JP" altLang="en-US" dirty="0"/>
-          </a:p>
-        </p:txBody>
-      </p:sp>
     </p:spTree>
     <p:extLst>
       <p:ext uri="{BB962C8B-B14F-4D97-AF65-F5344CB8AC3E}">
-        <p14:creationId xmlns:p14="http://schemas.microsoft.com/office/powerpoint/2010/main" val="1055307171"/>
+        <p14:creationId xmlns:p14="http://schemas.microsoft.com/office/powerpoint/2010/main" val="33680443"/>
       </p:ext>
     </p:extLst>
   </p:cSld>
@@ -11396,181 +11708,6 @@
             <p:ph type="title"/>
           </p:nvPr>
         </p:nvSpPr>
-        <p:spPr/>
-        <p:txBody>
-          <a:bodyPr/>
-          <a:lstStyle/>
-          <a:p>
-            <a:r>
-              <a:rPr kumimoji="1" lang="ja-JP" altLang="en-US" dirty="0"/>
-              <a:t>研究目的</a:t>
-            </a:r>
-          </a:p>
-        </p:txBody>
-      </p:sp>
-      <p:sp>
-        <p:nvSpPr>
-          <p:cNvPr id="3" name="コンテンツ プレースホルダー 2"/>
-          <p:cNvSpPr>
-            <a:spLocks noGrp="1"/>
-          </p:cNvSpPr>
-          <p:nvPr>
-            <p:ph idx="1"/>
-          </p:nvPr>
-        </p:nvSpPr>
-        <p:spPr>
-          <a:xfrm>
-            <a:off x="384048" y="1600678"/>
-            <a:ext cx="8558784" cy="4845684"/>
-          </a:xfrm>
-        </p:spPr>
-        <p:txBody>
-          <a:bodyPr>
-            <a:noAutofit/>
-          </a:bodyPr>
-          <a:lstStyle/>
-          <a:p>
-            <a:r>
-              <a:rPr lang="ja-JP" altLang="en-US" sz="3200" dirty="0"/>
-              <a:t>応答速度によってサーバの割り振り先を決めるアルゴリズムの提案．</a:t>
-            </a:r>
-            <a:endParaRPr lang="en-US" altLang="ja-JP" sz="3200" dirty="0"/>
-          </a:p>
-          <a:p>
-            <a:r>
-              <a:rPr lang="ja-JP" altLang="en-US" sz="3200" dirty="0"/>
-              <a:t>サーバを監視し評価するシステムの設計と開発．</a:t>
-            </a:r>
-            <a:endParaRPr lang="en-US" altLang="ja-JP" sz="3200" dirty="0"/>
-          </a:p>
-          <a:p>
-            <a:r>
-              <a:rPr lang="ja-JP" altLang="en-US" sz="3200" dirty="0"/>
-              <a:t>異種環境を想定した，応答速度に基づく動的割り振りを行うロードバランサの設計と開発．</a:t>
-            </a:r>
-            <a:r>
-              <a:rPr lang="en-US" altLang="ja-JP" sz="3200" dirty="0"/>
-              <a:t/>
-            </a:r>
-            <a:br>
-              <a:rPr lang="en-US" altLang="ja-JP" sz="3200" dirty="0"/>
-            </a:br>
-            <a:r>
-              <a:rPr lang="ja-JP" altLang="en-US" sz="3200" dirty="0"/>
-              <a:t>→</a:t>
-            </a:r>
-            <a:r>
-              <a:rPr lang="ja-JP" altLang="ja-JP" sz="3200" dirty="0"/>
-              <a:t>安価で導入</a:t>
-            </a:r>
-            <a:r>
-              <a:rPr lang="ja-JP" altLang="en-US" sz="3200" dirty="0"/>
-              <a:t>しやすい</a:t>
-            </a:r>
-            <a:r>
-              <a:rPr lang="ja-JP" altLang="ja-JP" sz="3200" dirty="0" smtClean="0"/>
-              <a:t>システ</a:t>
-            </a:r>
-            <a:r>
-              <a:rPr lang="ja-JP" altLang="en-US" sz="3200" dirty="0" smtClean="0"/>
-              <a:t>ムで</a:t>
-            </a:r>
-            <a:r>
-              <a:rPr lang="ja-JP" altLang="ja-JP" sz="3200" dirty="0" smtClean="0"/>
-              <a:t>課題</a:t>
-            </a:r>
-            <a:r>
-              <a:rPr lang="ja-JP" altLang="ja-JP" sz="3200" dirty="0"/>
-              <a:t>の</a:t>
-            </a:r>
-            <a:r>
-              <a:rPr lang="ja-JP" altLang="ja-JP" sz="3200" dirty="0" smtClean="0"/>
-              <a:t>解決</a:t>
-            </a:r>
-            <a:r>
-              <a:rPr lang="ja-JP" altLang="en-US" sz="3200" dirty="0" smtClean="0"/>
-              <a:t>を目指す．</a:t>
-            </a:r>
-            <a:endParaRPr lang="ja-JP" altLang="en-US" sz="3200" dirty="0"/>
-          </a:p>
-          <a:p>
-            <a:r>
-              <a:rPr lang="ja-JP" altLang="en-US" sz="3200" dirty="0"/>
-              <a:t>実験による実現可能性の評価</a:t>
-            </a:r>
-          </a:p>
-        </p:txBody>
-      </p:sp>
-      <p:sp>
-        <p:nvSpPr>
-          <p:cNvPr id="4" name="スライド番号プレースホルダー 3"/>
-          <p:cNvSpPr>
-            <a:spLocks noGrp="1"/>
-          </p:cNvSpPr>
-          <p:nvPr>
-            <p:ph type="sldNum" sz="quarter" idx="12"/>
-          </p:nvPr>
-        </p:nvSpPr>
-        <p:spPr/>
-        <p:txBody>
-          <a:bodyPr/>
-          <a:lstStyle/>
-          <a:p>
-            <a:fld id="{B4451160-128F-4DAD-AE29-4A8CC0E7B9E9}" type="slidenum">
-              <a:rPr kumimoji="1" lang="ja-JP" altLang="en-US" smtClean="0"/>
-              <a:t>8</a:t>
-            </a:fld>
-            <a:endParaRPr kumimoji="1" lang="ja-JP" altLang="en-US"/>
-          </a:p>
-        </p:txBody>
-      </p:sp>
-    </p:spTree>
-    <p:extLst>
-      <p:ext uri="{BB962C8B-B14F-4D97-AF65-F5344CB8AC3E}">
-        <p14:creationId xmlns:p14="http://schemas.microsoft.com/office/powerpoint/2010/main" val="33680443"/>
-      </p:ext>
-    </p:extLst>
-  </p:cSld>
-  <p:clrMapOvr>
-    <a:masterClrMapping/>
-  </p:clrMapOvr>
-  <p:timing>
-    <p:tnLst>
-      <p:par>
-        <p:cTn id="1" dur="indefinite" restart="never" nodeType="tmRoot"/>
-      </p:par>
-    </p:tnLst>
-  </p:timing>
-</p:sld>
-</file>
-
-<file path=ppt/slides/slide9.xml><?xml version="1.0" encoding="utf-8"?>
-<p:sld xmlns:a="http://schemas.openxmlformats.org/drawingml/2006/main" xmlns:r="http://schemas.openxmlformats.org/officeDocument/2006/relationships" xmlns:p="http://schemas.openxmlformats.org/presentationml/2006/main">
-  <p:cSld>
-    <p:spTree>
-      <p:nvGrpSpPr>
-        <p:cNvPr id="1" name=""/>
-        <p:cNvGrpSpPr/>
-        <p:nvPr/>
-      </p:nvGrpSpPr>
-      <p:grpSpPr>
-        <a:xfrm>
-          <a:off x="0" y="0"/>
-          <a:ext cx="0" cy="0"/>
-          <a:chOff x="0" y="0"/>
-          <a:chExt cx="0" cy="0"/>
-        </a:xfrm>
-      </p:grpSpPr>
-      <p:sp>
-        <p:nvSpPr>
-          <p:cNvPr id="2" name="タイトル 1"/>
-          <p:cNvSpPr>
-            <a:spLocks noGrp="1"/>
-          </p:cNvSpPr>
-          <p:nvPr>
-            <p:ph type="title"/>
-          </p:nvPr>
-        </p:nvSpPr>
         <p:spPr>
           <a:xfrm>
             <a:off x="366783" y="0"/>
@@ -11610,7 +11747,7 @@
           <a:p>
             <a:fld id="{B4451160-128F-4DAD-AE29-4A8CC0E7B9E9}" type="slidenum">
               <a:rPr kumimoji="1" lang="ja-JP" altLang="en-US" smtClean="0"/>
-              <a:t>9</a:t>
+              <a:t>8</a:t>
             </a:fld>
             <a:endParaRPr kumimoji="1" lang="ja-JP" altLang="en-US"/>
           </a:p>
@@ -11657,6 +11794,358 @@
       </p:par>
     </p:tnLst>
   </p:timing>
+</p:sld>
+</file>
+
+<file path=ppt/slides/slide9.xml><?xml version="1.0" encoding="utf-8"?>
+<p:sld xmlns:a="http://schemas.openxmlformats.org/drawingml/2006/main" xmlns:r="http://schemas.openxmlformats.org/officeDocument/2006/relationships" xmlns:p="http://schemas.openxmlformats.org/presentationml/2006/main">
+  <p:cSld>
+    <p:spTree>
+      <p:nvGrpSpPr>
+        <p:cNvPr id="1" name=""/>
+        <p:cNvGrpSpPr/>
+        <p:nvPr/>
+      </p:nvGrpSpPr>
+      <p:grpSpPr>
+        <a:xfrm>
+          <a:off x="0" y="0"/>
+          <a:ext cx="0" cy="0"/>
+          <a:chOff x="0" y="0"/>
+          <a:chExt cx="0" cy="0"/>
+        </a:xfrm>
+      </p:grpSpPr>
+      <p:sp>
+        <p:nvSpPr>
+          <p:cNvPr id="2" name="タイトル 1"/>
+          <p:cNvSpPr>
+            <a:spLocks noGrp="1"/>
+          </p:cNvSpPr>
+          <p:nvPr>
+            <p:ph type="title"/>
+          </p:nvPr>
+        </p:nvSpPr>
+        <p:spPr>
+          <a:xfrm>
+            <a:off x="628650" y="365126"/>
+            <a:ext cx="7886700" cy="1325563"/>
+          </a:xfrm>
+        </p:spPr>
+        <p:txBody>
+          <a:bodyPr>
+            <a:normAutofit/>
+          </a:bodyPr>
+          <a:lstStyle/>
+          <a:p>
+            <a:r>
+              <a:rPr kumimoji="1" lang="en-US" altLang="ja-JP" dirty="0" smtClean="0"/>
+              <a:t>[step:3]</a:t>
+            </a:r>
+            <a:r>
+              <a:rPr kumimoji="1" lang="ja-JP" altLang="en-US" dirty="0" smtClean="0"/>
+              <a:t>評価付けシステム</a:t>
+            </a:r>
+            <a:endParaRPr kumimoji="1" lang="ja-JP" altLang="en-US" sz="5400" dirty="0"/>
+          </a:p>
+        </p:txBody>
+      </p:sp>
+      <mc:AlternateContent xmlns:mc="http://schemas.openxmlformats.org/markup-compatibility/2006" xmlns:a14="http://schemas.microsoft.com/office/drawing/2010/main">
+        <mc:Choice Requires="a14">
+          <p:sp>
+            <p:nvSpPr>
+              <p:cNvPr id="3" name="コンテンツ プレースホルダー 2"/>
+              <p:cNvSpPr>
+                <a:spLocks noGrp="1"/>
+              </p:cNvSpPr>
+              <p:nvPr>
+                <p:ph idx="1"/>
+              </p:nvPr>
+            </p:nvSpPr>
+            <p:spPr>
+              <a:xfrm>
+                <a:off x="628650" y="1825625"/>
+                <a:ext cx="7886700" cy="3066886"/>
+              </a:xfrm>
+            </p:spPr>
+            <p:txBody>
+              <a:bodyPr>
+                <a:normAutofit/>
+              </a:bodyPr>
+              <a:lstStyle/>
+              <a:p>
+                <a:r>
+                  <a:rPr lang="ja-JP" altLang="ja-JP" dirty="0"/>
+                  <a:t>実行手順の</a:t>
+                </a:r>
+                <a:r>
+                  <a:rPr lang="en-US" altLang="ja-JP" dirty="0"/>
+                  <a:t>STEP-3</a:t>
+                </a:r>
+                <a:r>
+                  <a:rPr lang="ja-JP" altLang="ja-JP" dirty="0" smtClean="0"/>
+                  <a:t>では</a:t>
+                </a:r>
+                <a:r>
+                  <a:rPr lang="en-US" altLang="ja-JP" dirty="0"/>
+                  <a:t>L</a:t>
+                </a:r>
+                <a:r>
+                  <a:rPr lang="en-US" altLang="ja-JP" baseline="-25000" dirty="0"/>
+                  <a:t>1</a:t>
+                </a:r>
+                <a:r>
+                  <a:rPr lang="ja-JP" altLang="ja-JP" dirty="0"/>
+                  <a:t>～</a:t>
+                </a:r>
+                <a:r>
+                  <a:rPr lang="en-US" altLang="ja-JP" dirty="0"/>
+                  <a:t>L</a:t>
+                </a:r>
+                <a:r>
+                  <a:rPr lang="en-US" altLang="ja-JP" baseline="-25000" dirty="0"/>
+                  <a:t>n</a:t>
+                </a:r>
+                <a:r>
+                  <a:rPr lang="ja-JP" altLang="ja-JP" dirty="0"/>
+                  <a:t>の</a:t>
+                </a:r>
+                <a:r>
+                  <a:rPr lang="en-US" altLang="ja-JP" dirty="0"/>
+                  <a:t>n</a:t>
+                </a:r>
+                <a:r>
+                  <a:rPr lang="ja-JP" altLang="ja-JP" dirty="0"/>
+                  <a:t>段階で評価</a:t>
+                </a:r>
+                <a:r>
+                  <a:rPr lang="ja-JP" altLang="en-US" dirty="0"/>
+                  <a:t>を</a:t>
+                </a:r>
+                <a:r>
+                  <a:rPr lang="ja-JP" altLang="en-US" dirty="0" smtClean="0"/>
+                  <a:t>行う</a:t>
+                </a:r>
+                <a:r>
+                  <a:rPr lang="en-US" altLang="ja-JP" dirty="0" smtClean="0"/>
+                  <a:t>. </a:t>
+                </a:r>
+                <a:r>
+                  <a:rPr lang="ja-JP" altLang="en-US" dirty="0" smtClean="0"/>
+                  <a:t>評価付けに使う数式は下記に示す．</a:t>
+                </a:r>
+                <a:r>
+                  <a:rPr lang="en-US" altLang="ja-JP" dirty="0" smtClean="0"/>
+                  <a:t/>
+                </a:r>
+                <a:br>
+                  <a:rPr lang="en-US" altLang="ja-JP" dirty="0" smtClean="0"/>
+                </a:br>
+                <a:endParaRPr lang="en-US" altLang="ja-JP" dirty="0"/>
+              </a:p>
+              <a:p>
+                <a:r>
+                  <a:rPr lang="en-US" altLang="ja-JP" dirty="0" smtClean="0"/>
+                  <a:t>L</a:t>
+                </a:r>
+                <a:r>
+                  <a:rPr lang="ja-JP" altLang="ja-JP" dirty="0" smtClean="0"/>
+                  <a:t>は</a:t>
+                </a:r>
+                <a:r>
+                  <a:rPr lang="ja-JP" altLang="en-US" dirty="0" smtClean="0"/>
+                  <a:t>サーバ</a:t>
+                </a:r>
+                <a:r>
+                  <a:rPr lang="ja-JP" altLang="ja-JP" dirty="0" smtClean="0"/>
+                  <a:t>評価値，</a:t>
+                </a:r>
+                <a14:m>
+                  <m:oMath xmlns:m="http://schemas.openxmlformats.org/officeDocument/2006/math">
+                    <m:r>
+                      <m:rPr>
+                        <m:sty m:val="p"/>
+                      </m:rPr>
+                      <a:rPr lang="en-US" altLang="ja-JP" i="1" dirty="0">
+                        <a:latin typeface="Cambria Math" panose="02040503050406030204" pitchFamily="18" charset="0"/>
+                      </a:rPr>
+                      <m:t>Ave</m:t>
+                    </m:r>
+                  </m:oMath>
+                </a14:m>
+                <a:r>
+                  <a:rPr lang="en-US" altLang="ja-JP" dirty="0" smtClean="0"/>
+                  <a:t> </a:t>
+                </a:r>
+                <a:r>
+                  <a:rPr lang="ja-JP" altLang="ja-JP" dirty="0"/>
+                  <a:t>は</a:t>
+                </a:r>
+                <a:r>
+                  <a:rPr lang="ja-JP" altLang="ja-JP" dirty="0" smtClean="0"/>
+                  <a:t>過去の</a:t>
+                </a:r>
+                <a:r>
+                  <a:rPr lang="ja-JP" altLang="ja-JP" dirty="0"/>
+                  <a:t>平均速度，</a:t>
+                </a:r>
+                <a14:m>
+                  <m:oMath xmlns:m="http://schemas.openxmlformats.org/officeDocument/2006/math">
+                    <m:r>
+                      <m:rPr>
+                        <m:sty m:val="p"/>
+                      </m:rPr>
+                      <a:rPr lang="en-US" altLang="ja-JP">
+                        <a:latin typeface="Cambria Math" panose="02040503050406030204" pitchFamily="18" charset="0"/>
+                      </a:rPr>
+                      <m:t>T</m:t>
+                    </m:r>
+                  </m:oMath>
+                </a14:m>
+                <a:r>
+                  <a:rPr lang="ja-JP" altLang="ja-JP" dirty="0" smtClean="0"/>
+                  <a:t>は</a:t>
+                </a:r>
+                <a:r>
+                  <a:rPr lang="en-US" altLang="ja-JP" dirty="0" smtClean="0">
+                    <a:latin typeface="ＭＳ Ｐゴシック" panose="020B0600070205080204" pitchFamily="50" charset="-128"/>
+                  </a:rPr>
+                  <a:t>[</a:t>
+                </a:r>
+                <a:r>
+                  <a:rPr lang="en-US" altLang="ja-JP" dirty="0">
+                    <a:latin typeface="ＭＳ Ｐゴシック" panose="020B0600070205080204" pitchFamily="50" charset="-128"/>
+                  </a:rPr>
+                  <a:t>Paul 2014</a:t>
+                </a:r>
+                <a:r>
+                  <a:rPr lang="en-US" altLang="ja-JP" dirty="0" smtClean="0">
+                    <a:latin typeface="ＭＳ Ｐゴシック" panose="020B0600070205080204" pitchFamily="50" charset="-128"/>
+                  </a:rPr>
+                  <a:t>]</a:t>
+                </a:r>
+                <a:r>
+                  <a:rPr lang="ja-JP" altLang="en-US" dirty="0" smtClean="0"/>
+                  <a:t>や</a:t>
+                </a:r>
+                <a:r>
+                  <a:rPr lang="en-US" altLang="ja-JP" dirty="0" smtClean="0"/>
+                  <a:t>[Google 2008]</a:t>
+                </a:r>
+                <a:r>
+                  <a:rPr lang="ja-JP" altLang="en-US" dirty="0" smtClean="0"/>
+                  <a:t>を参考にした</a:t>
+                </a:r>
+                <a:r>
+                  <a:rPr lang="ja-JP" altLang="ja-JP" dirty="0" smtClean="0"/>
+                  <a:t>応答</a:t>
+                </a:r>
+                <a:r>
+                  <a:rPr lang="ja-JP" altLang="ja-JP" dirty="0"/>
+                  <a:t>速度の範囲を示す</a:t>
+                </a:r>
+                <a:r>
+                  <a:rPr lang="ja-JP" altLang="ja-JP" dirty="0" smtClean="0"/>
+                  <a:t>．</a:t>
+                </a:r>
+                <a:endParaRPr lang="ja-JP" altLang="ja-JP" dirty="0"/>
+              </a:p>
+            </p:txBody>
+          </p:sp>
+        </mc:Choice>
+        <mc:Fallback xmlns="">
+          <p:sp>
+            <p:nvSpPr>
+              <p:cNvPr id="3" name="コンテンツ プレースホルダー 2"/>
+              <p:cNvSpPr>
+                <a:spLocks noGrp="1" noRot="1" noChangeAspect="1" noMove="1" noResize="1" noEditPoints="1" noAdjustHandles="1" noChangeArrowheads="1" noChangeShapeType="1" noTextEdit="1"/>
+              </p:cNvSpPr>
+              <p:nvPr>
+                <p:ph idx="1"/>
+              </p:nvPr>
+            </p:nvSpPr>
+            <p:spPr>
+              <a:xfrm>
+                <a:off x="628650" y="1825625"/>
+                <a:ext cx="7886700" cy="3066886"/>
+              </a:xfrm>
+              <a:blipFill>
+                <a:blip r:embed="rId2"/>
+                <a:stretch>
+                  <a:fillRect l="-1391" t="-4167"/>
+                </a:stretch>
+              </a:blipFill>
+            </p:spPr>
+            <p:txBody>
+              <a:bodyPr/>
+              <a:lstStyle/>
+              <a:p>
+                <a:r>
+                  <a:rPr lang="ja-JP" altLang="en-US">
+                    <a:noFill/>
+                  </a:rPr>
+                  <a:t> </a:t>
+                </a:r>
+              </a:p>
+            </p:txBody>
+          </p:sp>
+        </mc:Fallback>
+      </mc:AlternateContent>
+      <p:sp>
+        <p:nvSpPr>
+          <p:cNvPr id="4" name="スライド番号プレースホルダー 3"/>
+          <p:cNvSpPr>
+            <a:spLocks noGrp="1"/>
+          </p:cNvSpPr>
+          <p:nvPr>
+            <p:ph type="sldNum" sz="quarter" idx="12"/>
+          </p:nvPr>
+        </p:nvSpPr>
+        <p:spPr/>
+        <p:txBody>
+          <a:bodyPr/>
+          <a:lstStyle/>
+          <a:p>
+            <a:fld id="{B4451160-128F-4DAD-AE29-4A8CC0E7B9E9}" type="slidenum">
+              <a:rPr lang="ja-JP" altLang="en-US" smtClean="0"/>
+              <a:pPr/>
+              <a:t>9</a:t>
+            </a:fld>
+            <a:endParaRPr lang="ja-JP" altLang="en-US" dirty="0"/>
+          </a:p>
+        </p:txBody>
+      </p:sp>
+      <p:pic>
+        <p:nvPicPr>
+          <p:cNvPr id="7" name="図 6"/>
+          <p:cNvPicPr>
+            <a:picLocks noChangeAspect="1"/>
+          </p:cNvPicPr>
+          <p:nvPr/>
+        </p:nvPicPr>
+        <p:blipFill rotWithShape="1">
+          <a:blip r:embed="rId3"/>
+          <a:srcRect l="30907" r="30967"/>
+          <a:stretch/>
+        </p:blipFill>
+        <p:spPr>
+          <a:xfrm>
+            <a:off x="1076188" y="4710137"/>
+            <a:ext cx="6851660" cy="1390652"/>
+          </a:xfrm>
+          <a:prstGeom prst="rect">
+            <a:avLst/>
+          </a:prstGeom>
+        </p:spPr>
+      </p:pic>
+    </p:spTree>
+    <p:extLst>
+      <p:ext uri="{BB962C8B-B14F-4D97-AF65-F5344CB8AC3E}">
+        <p14:creationId xmlns:p14="http://schemas.microsoft.com/office/powerpoint/2010/main" val="1211922631"/>
+      </p:ext>
+    </p:extLst>
+  </p:cSld>
+  <p:clrMapOvr>
+    <a:masterClrMapping/>
+  </p:clrMapOvr>
 </p:sld>
 </file>
 

--- a/発表用/1821086_卒業研究発表会.pptx
+++ b/発表用/1821086_卒業研究発表会.pptx
@@ -5521,18 +5521,19 @@
             </a:r>
             <a:r>
               <a:rPr lang="ja-JP" altLang="en-US" sz="3200" dirty="0" smtClean="0"/>
-              <a:t>速度に基づいた割り振り</a:t>
-            </a:r>
-            <a:r>
-              <a:rPr lang="en-US" altLang="ja-JP" sz="3200" dirty="0"/>
-              <a:t/>
-            </a:r>
-            <a:br>
-              <a:rPr lang="en-US" altLang="ja-JP" sz="3200" dirty="0"/>
-            </a:br>
-            <a:r>
-              <a:rPr lang="en-US" altLang="ja-JP" sz="3200" dirty="0" smtClean="0"/>
-              <a:t>Nginx</a:t>
+              <a:t>速度に</a:t>
+            </a:r>
+            <a:r>
+              <a:rPr lang="ja-JP" altLang="en-US" sz="3200" smtClean="0"/>
+              <a:t>基づいた</a:t>
+            </a:r>
+            <a:r>
+              <a:rPr lang="ja-JP" altLang="en-US" sz="3200" smtClean="0"/>
+              <a:t>割り振り</a:t>
+            </a:r>
+            <a:r>
+              <a:rPr lang="en-US" altLang="ja-JP" sz="3200" smtClean="0"/>
+              <a:t>NGINX</a:t>
             </a:r>
             <a:r>
               <a:rPr lang="ja-JP" altLang="en-US" sz="3200" dirty="0" smtClean="0"/>
@@ -5627,6 +5628,13 @@
               <a:rPr lang="ja-JP" altLang="en-US" sz="3200" dirty="0" smtClean="0"/>
               <a:t>．</a:t>
             </a:r>
+            <a:r>
+              <a:rPr lang="en-US" altLang="ja-JP" sz="3200" dirty="0" smtClean="0"/>
+              <a:t/>
+            </a:r>
+            <a:br>
+              <a:rPr lang="en-US" altLang="ja-JP" sz="3200" dirty="0" smtClean="0"/>
+            </a:br>
             <a:r>
               <a:rPr lang="ja-JP" altLang="ja-JP" sz="3200" u="sng" dirty="0" smtClean="0"/>
               <a:t>稼働率</a:t>
@@ -6162,15 +6170,7 @@
           <a:p>
             <a:r>
               <a:rPr lang="ja-JP" altLang="en-US" dirty="0" smtClean="0"/>
-              <a:t>実験</a:t>
-            </a:r>
-            <a:r>
-              <a:rPr lang="ja-JP" altLang="en-US" dirty="0" smtClean="0"/>
-              <a:t>環境</a:t>
-            </a:r>
-            <a:r>
-              <a:rPr lang="ja-JP" altLang="en-US" dirty="0" smtClean="0"/>
-              <a:t>１</a:t>
+              <a:t>実験環境１</a:t>
             </a:r>
             <a:endParaRPr kumimoji="1" lang="ja-JP" altLang="en-US" dirty="0"/>
           </a:p>
@@ -7055,11 +7055,7 @@
           <a:p>
             <a:r>
               <a:rPr lang="ja-JP" altLang="en-US" dirty="0" smtClean="0"/>
-              <a:t>実験</a:t>
-            </a:r>
-            <a:r>
-              <a:rPr lang="ja-JP" altLang="en-US" dirty="0" smtClean="0"/>
-              <a:t>環境</a:t>
+              <a:t>実験環境</a:t>
             </a:r>
             <a:r>
               <a:rPr lang="ja-JP" altLang="en-US" dirty="0"/>
@@ -8193,15 +8189,6 @@
                         </a:rPr>
                         <a:t>S</a:t>
                       </a:r>
-                      <a:endParaRPr kumimoji="1" lang="en-US" altLang="ja-JP" sz="1800" u="none" strike="noStrike" kern="1200" dirty="0">
-                        <a:solidFill>
-                          <a:schemeClr val="dk1"/>
-                        </a:solidFill>
-                        <a:effectLst/>
-                        <a:latin typeface="+mn-lt"/>
-                        <a:ea typeface="+mn-ea"/>
-                        <a:cs typeface="+mn-cs"/>
-                      </a:endParaRPr>
                     </a:p>
                   </a:txBody>
                   <a:tcPr marL="9525" marR="9525" marT="9525" marB="0" anchor="ctr"/>
@@ -8985,6 +8972,13 @@
   <p:clrMapOvr>
     <a:masterClrMapping/>
   </p:clrMapOvr>
+  <p:timing>
+    <p:tnLst>
+      <p:par>
+        <p:cTn id="1" dur="indefinite" restart="never" nodeType="tmRoot"/>
+      </p:par>
+    </p:tnLst>
+  </p:timing>
 </p:sld>
 </file>
 
@@ -10987,13 +10981,7 @@
               <a:rPr lang="ja-JP" altLang="en-US" b="1" u="sng" dirty="0" smtClean="0">
                 <a:latin typeface="ＭＳ Ｐゴシック" panose="020B0600070205080204" pitchFamily="50" charset="-128"/>
               </a:rPr>
-              <a:t>応答</a:t>
-            </a:r>
-            <a:r>
-              <a:rPr lang="ja-JP" altLang="en-US" b="1" u="sng" dirty="0" smtClean="0">
-                <a:latin typeface="ＭＳ Ｐゴシック" panose="020B0600070205080204" pitchFamily="50" charset="-128"/>
-              </a:rPr>
-              <a:t>速度の最適化</a:t>
+              <a:t>応答速度の最適化</a:t>
             </a:r>
             <a:endParaRPr lang="en-US" altLang="ja-JP" b="1" u="sng" dirty="0" smtClean="0">
               <a:latin typeface="ＭＳ Ｐゴシック" panose="020B0600070205080204" pitchFamily="50" charset="-128"/>
@@ -11028,13 +11016,7 @@
               <a:rPr lang="ja-JP" altLang="en-US" sz="2400" dirty="0" smtClean="0">
                 <a:latin typeface="ＭＳ Ｐゴシック" panose="020B0600070205080204" pitchFamily="50" charset="-128"/>
               </a:rPr>
-              <a:t>複数のロードバランサによる Ｗｅｂシステムの応答時間</a:t>
-            </a:r>
-            <a:r>
-              <a:rPr lang="ja-JP" altLang="en-US" sz="2400" dirty="0" smtClean="0">
-                <a:latin typeface="ＭＳ Ｐゴシック" panose="020B0600070205080204" pitchFamily="50" charset="-128"/>
-              </a:rPr>
-              <a:t>最適化</a:t>
+              <a:t>複数のロードバランサによる Ｗｅｂシステムの応答時間最適化</a:t>
             </a:r>
             <a:endParaRPr lang="en-US" altLang="ja-JP" sz="2400" dirty="0" smtClean="0">
               <a:latin typeface="ＭＳ Ｐゴシック" panose="020B0600070205080204" pitchFamily="50" charset="-128"/>
@@ -11086,13 +11068,7 @@
               <a:rPr lang="ja-JP" altLang="en-US" sz="2400" dirty="0" smtClean="0">
                 <a:latin typeface="ＭＳ Ｐゴシック" panose="020B0600070205080204" pitchFamily="50" charset="-128"/>
               </a:rPr>
-              <a:t>反応時間の遅延とそれに対するユーザの</a:t>
-            </a:r>
-            <a:r>
-              <a:rPr lang="ja-JP" altLang="en-US" sz="2400" dirty="0" smtClean="0">
-                <a:latin typeface="ＭＳ Ｐゴシック" panose="020B0600070205080204" pitchFamily="50" charset="-128"/>
-              </a:rPr>
-              <a:t>反応</a:t>
+              <a:t>反応時間の遅延とそれに対するユーザの反応</a:t>
             </a:r>
             <a:endParaRPr lang="en-US" altLang="ja-JP" u="sng" dirty="0" smtClean="0">
               <a:latin typeface="ＭＳ Ｐゴシック" panose="020B0600070205080204" pitchFamily="50" charset="-128"/>
@@ -12146,6 +12122,13 @@
   <p:clrMapOvr>
     <a:masterClrMapping/>
   </p:clrMapOvr>
+  <p:timing>
+    <p:tnLst>
+      <p:par>
+        <p:cTn id="1" dur="indefinite" restart="never" nodeType="tmRoot"/>
+      </p:par>
+    </p:tnLst>
+  </p:timing>
 </p:sld>
 </file>
 

--- a/発表用/1821086_卒業研究発表会.pptx
+++ b/発表用/1821086_卒業研究発表会.pptx
@@ -5,28 +5,26 @@
     <p:sldMasterId id="2147483660" r:id="rId1"/>
   </p:sldMasterIdLst>
   <p:notesMasterIdLst>
-    <p:notesMasterId r:id="rId21"/>
+    <p:notesMasterId r:id="rId19"/>
   </p:notesMasterIdLst>
   <p:sldIdLst>
     <p:sldId id="291" r:id="rId2"/>
     <p:sldId id="300" r:id="rId3"/>
-    <p:sldId id="334" r:id="rId4"/>
-    <p:sldId id="335" r:id="rId5"/>
-    <p:sldId id="258" r:id="rId6"/>
-    <p:sldId id="336" r:id="rId7"/>
-    <p:sldId id="260" r:id="rId8"/>
-    <p:sldId id="263" r:id="rId9"/>
-    <p:sldId id="338" r:id="rId10"/>
-    <p:sldId id="318" r:id="rId11"/>
-    <p:sldId id="330" r:id="rId12"/>
-    <p:sldId id="289" r:id="rId13"/>
-    <p:sldId id="286" r:id="rId14"/>
-    <p:sldId id="339" r:id="rId15"/>
-    <p:sldId id="337" r:id="rId16"/>
-    <p:sldId id="294" r:id="rId17"/>
-    <p:sldId id="331" r:id="rId18"/>
-    <p:sldId id="315" r:id="rId19"/>
-    <p:sldId id="333" r:id="rId20"/>
+    <p:sldId id="335" r:id="rId4"/>
+    <p:sldId id="258" r:id="rId5"/>
+    <p:sldId id="260" r:id="rId6"/>
+    <p:sldId id="263" r:id="rId7"/>
+    <p:sldId id="338" r:id="rId8"/>
+    <p:sldId id="330" r:id="rId9"/>
+    <p:sldId id="318" r:id="rId10"/>
+    <p:sldId id="289" r:id="rId11"/>
+    <p:sldId id="286" r:id="rId12"/>
+    <p:sldId id="339" r:id="rId13"/>
+    <p:sldId id="337" r:id="rId14"/>
+    <p:sldId id="294" r:id="rId15"/>
+    <p:sldId id="331" r:id="rId16"/>
+    <p:sldId id="315" r:id="rId17"/>
+    <p:sldId id="333" r:id="rId18"/>
   </p:sldIdLst>
   <p:sldSz cx="9144000" cy="6858000" type="screen4x3"/>
   <p:notesSz cx="6735763" cy="9866313"/>
@@ -270,7 +268,7 @@
           <a:p>
             <a:fld id="{27571B5F-C8EC-4379-AD76-80FD414F3861}" type="datetimeFigureOut">
               <a:rPr kumimoji="1" lang="ja-JP" altLang="en-US" smtClean="0"/>
-              <a:t>2022/1/18</a:t>
+              <a:t>2022/1/20</a:t>
             </a:fld>
             <a:endParaRPr kumimoji="1" lang="ja-JP" altLang="en-US"/>
           </a:p>
@@ -766,73 +764,94 @@
           <a:lstStyle/>
           <a:p>
             <a:r>
-              <a:rPr lang="ja-JP" altLang="ja-JP" dirty="0" smtClean="0"/>
-              <a:t>大企業だけでなく中小企業や個人のサイトでもサービスが拡大するにつれて</a:t>
-            </a:r>
-            <a:r>
-              <a:rPr lang="en-US" altLang="ja-JP" dirty="0" smtClean="0"/>
-              <a:t>Web</a:t>
-            </a:r>
-            <a:r>
-              <a:rPr lang="ja-JP" altLang="ja-JP" dirty="0" smtClean="0"/>
-              <a:t>の負荷分散が可能な</a:t>
-            </a:r>
-            <a:r>
-              <a:rPr lang="ja-JP" altLang="en-US" dirty="0" smtClean="0"/>
-              <a:t>「</a:t>
-            </a:r>
-            <a:r>
-              <a:rPr lang="ja-JP" altLang="ja-JP" dirty="0" smtClean="0"/>
-              <a:t>サーバロードバランシング</a:t>
-            </a:r>
-            <a:r>
-              <a:rPr lang="ja-JP" altLang="en-US" dirty="0" smtClean="0"/>
-              <a:t>」</a:t>
-            </a:r>
-            <a:r>
-              <a:rPr lang="ja-JP" altLang="ja-JP" dirty="0" smtClean="0"/>
-              <a:t>は重要される．</a:t>
-            </a:r>
-            <a:endParaRPr lang="en-US" altLang="ja-JP" dirty="0" smtClean="0"/>
-          </a:p>
-          <a:p>
-            <a:r>
-              <a:rPr lang="en-US" altLang="ja-JP" dirty="0" smtClean="0"/>
-              <a:t>SEO(Search Engine Optimization)</a:t>
-            </a:r>
-            <a:r>
-              <a:rPr lang="ja-JP" altLang="ja-JP" dirty="0" smtClean="0"/>
-              <a:t>の観点から視，競合サイトと比較し自身のサイトの表示速度が遅いとランキング評価で不利になるとされている</a:t>
-            </a:r>
-            <a:r>
-              <a:rPr lang="en-US" altLang="ja-JP" dirty="0" smtClean="0"/>
-              <a:t>[Daniel 2017]</a:t>
-            </a:r>
-            <a:r>
-              <a:rPr lang="ja-JP" altLang="en-US" dirty="0" smtClean="0"/>
-              <a:t>為</a:t>
-            </a:r>
-            <a:r>
-              <a:rPr lang="ja-JP" altLang="ja-JP" dirty="0" smtClean="0"/>
-              <a:t>，負荷分散時にも応答速度に配慮する必要がある．</a:t>
-            </a:r>
-            <a:endParaRPr lang="en-US" altLang="ja-JP" dirty="0" smtClean="0"/>
-          </a:p>
-          <a:p>
-            <a:r>
-              <a:rPr lang="ja-JP" altLang="ja-JP" dirty="0" smtClean="0"/>
-              <a:t>通常ロードバランサのリバース先であるサーバ</a:t>
-            </a:r>
-            <a:r>
-              <a:rPr lang="ja-JP" altLang="en-US" dirty="0" smtClean="0"/>
-              <a:t>群</a:t>
-            </a:r>
-            <a:r>
-              <a:rPr lang="ja-JP" altLang="ja-JP" dirty="0" smtClean="0"/>
-              <a:t>は同性能であることが望ましいとされている．しかし，リプレイスによって導入された新しいサーバと旧式のサーバを混合して負荷分散に利用されることも個人や中小企業を中心に見受けられる．</a:t>
-            </a:r>
-          </a:p>
-          <a:p>
+              <a:rPr kumimoji="1" lang="ja-JP" altLang="en-US" dirty="0" smtClean="0"/>
+              <a:t>１つめ、（</a:t>
+            </a:r>
+            <a:r>
+              <a:rPr kumimoji="1" lang="en-US" altLang="ja-JP" dirty="0" smtClean="0"/>
+              <a:t>HTTP</a:t>
+            </a:r>
+            <a:r>
+              <a:rPr kumimoji="1" lang="ja-JP" altLang="en-US" dirty="0" smtClean="0"/>
+              <a:t>セッションのハンドオーバによる</a:t>
+            </a:r>
+            <a:r>
+              <a:rPr kumimoji="1" lang="en-US" altLang="ja-JP" dirty="0" smtClean="0"/>
+              <a:t>WEB</a:t>
+            </a:r>
+            <a:r>
+              <a:rPr kumimoji="1" lang="ja-JP" altLang="en-US" dirty="0" smtClean="0"/>
+              <a:t>サーバのロードバランス）</a:t>
+            </a:r>
+          </a:p>
+          <a:p>
+            <a:r>
+              <a:rPr kumimoji="1" lang="ja-JP" altLang="en-US" dirty="0" smtClean="0"/>
+              <a:t>こちらの論文では、リバースプロキシによるロードバランス手法について書かれています。</a:t>
+            </a:r>
+          </a:p>
+          <a:p>
+            <a:endParaRPr kumimoji="1" lang="ja-JP" altLang="en-US" dirty="0" smtClean="0"/>
+          </a:p>
+          <a:p>
+            <a:r>
+              <a:rPr kumimoji="1" lang="ja-JP" altLang="en-US" dirty="0" smtClean="0"/>
+              <a:t>２つめ、（複数のロードバランサによる Ｗｅｂシステムの応答時間最適化）</a:t>
+            </a:r>
+          </a:p>
+          <a:p>
+            <a:r>
+              <a:rPr kumimoji="1" lang="ja-JP" altLang="en-US" dirty="0" smtClean="0"/>
+              <a:t>こちらは応答速度の最適化について、</a:t>
+            </a:r>
+          </a:p>
+          <a:p>
+            <a:endParaRPr kumimoji="1" lang="ja-JP" altLang="en-US" dirty="0" smtClean="0"/>
+          </a:p>
+          <a:p>
+            <a:r>
+              <a:rPr kumimoji="1" lang="ja-JP" altLang="en-US" dirty="0" smtClean="0"/>
+              <a:t>また、</a:t>
+            </a:r>
+            <a:r>
+              <a:rPr kumimoji="1" lang="en-US" altLang="ja-JP" dirty="0" smtClean="0"/>
+              <a:t>3</a:t>
+            </a:r>
+            <a:r>
+              <a:rPr kumimoji="1" lang="ja-JP" altLang="en-US" dirty="0" smtClean="0"/>
+              <a:t>つ目は（</a:t>
+            </a:r>
+            <a:r>
+              <a:rPr kumimoji="1" lang="en-US" altLang="ja-JP" dirty="0" smtClean="0"/>
+              <a:t>What do people want from a news experience</a:t>
+            </a:r>
+            <a:r>
+              <a:rPr kumimoji="1" lang="ja-JP" altLang="en-US" dirty="0" smtClean="0"/>
+              <a:t>）</a:t>
+            </a:r>
+          </a:p>
+          <a:p>
+            <a:r>
+              <a:rPr kumimoji="1" lang="ja-JP" altLang="en-US" dirty="0" smtClean="0"/>
+              <a:t>応答速度の評価手法について書かれています。</a:t>
+            </a:r>
+          </a:p>
+          <a:p>
+            <a:endParaRPr kumimoji="1" lang="ja-JP" altLang="en-US" dirty="0" smtClean="0"/>
+          </a:p>
+          <a:p>
+            <a:r>
+              <a:rPr kumimoji="1" lang="ja-JP" altLang="en-US" dirty="0" smtClean="0"/>
+              <a:t>４つめは</a:t>
+            </a:r>
+            <a:r>
+              <a:rPr kumimoji="1" lang="en-US" altLang="ja-JP" dirty="0" smtClean="0"/>
+              <a:t>WEB</a:t>
+            </a:r>
+            <a:r>
+              <a:rPr kumimoji="1" lang="ja-JP" altLang="en-US" dirty="0" smtClean="0"/>
+              <a:t>サーバ計測システムの設計・開発について書かれています。</a:t>
+            </a:r>
             <a:endParaRPr kumimoji="1" lang="ja-JP" altLang="en-US" dirty="0"/>
           </a:p>
         </p:txBody>
@@ -856,14 +875,14 @@
               <a:rPr kumimoji="1" lang="ja-JP" altLang="en-US" smtClean="0"/>
               <a:t>3</a:t>
             </a:fld>
-            <a:endParaRPr kumimoji="1" lang="ja-JP" altLang="en-US" dirty="0"/>
+            <a:endParaRPr kumimoji="1" lang="ja-JP" altLang="en-US"/>
           </a:p>
         </p:txBody>
       </p:sp>
     </p:spTree>
     <p:extLst>
       <p:ext uri="{BB962C8B-B14F-4D97-AF65-F5344CB8AC3E}">
-        <p14:creationId xmlns:p14="http://schemas.microsoft.com/office/powerpoint/2010/main" val="2717061913"/>
+        <p14:creationId xmlns:p14="http://schemas.microsoft.com/office/powerpoint/2010/main" val="1434039659"/>
       </p:ext>
     </p:extLst>
   </p:cSld>
@@ -919,92 +938,25 @@
           <a:p>
             <a:r>
               <a:rPr kumimoji="1" lang="ja-JP" altLang="en-US" dirty="0" smtClean="0"/>
-              <a:t>１つめ、（</a:t>
+              <a:t>このシステムのポイントは、不均一な性能のサーバ環境で応答時間を測って、サーバ評価アルゴリズムに通して、</a:t>
             </a:r>
             <a:r>
               <a:rPr kumimoji="1" lang="en-US" altLang="ja-JP" dirty="0" smtClean="0"/>
-              <a:t>HTTP</a:t>
-            </a:r>
+              <a:t/>
+            </a:r>
+            <a:br>
+              <a:rPr kumimoji="1" lang="en-US" altLang="ja-JP" dirty="0" smtClean="0"/>
+            </a:br>
             <a:r>
               <a:rPr kumimoji="1" lang="ja-JP" altLang="en-US" dirty="0" smtClean="0"/>
-              <a:t>セッションのハンドオーバによる</a:t>
-            </a:r>
-            <a:r>
-              <a:rPr kumimoji="1" lang="en-US" altLang="ja-JP" dirty="0" smtClean="0"/>
-              <a:t>WEB</a:t>
-            </a:r>
+              <a:t>評価付けを行う点です。これによって、異種環境のサーバ郡で、応答速度に基づいて動的割り振りを行います。</a:t>
+            </a:r>
+            <a:endParaRPr kumimoji="1" lang="en-US" altLang="ja-JP" dirty="0" smtClean="0"/>
+          </a:p>
+          <a:p>
             <a:r>
               <a:rPr kumimoji="1" lang="ja-JP" altLang="en-US" dirty="0" smtClean="0"/>
-              <a:t>サーバのロードバランス）</a:t>
-            </a:r>
-          </a:p>
-          <a:p>
-            <a:r>
-              <a:rPr kumimoji="1" lang="ja-JP" altLang="en-US" dirty="0" smtClean="0"/>
-              <a:t>こちらの論文では、リバースプロキシによるロードバランス手法について書かれています。</a:t>
-            </a:r>
-          </a:p>
-          <a:p>
-            <a:endParaRPr kumimoji="1" lang="ja-JP" altLang="en-US" dirty="0" smtClean="0"/>
-          </a:p>
-          <a:p>
-            <a:r>
-              <a:rPr kumimoji="1" lang="ja-JP" altLang="en-US" dirty="0" smtClean="0"/>
-              <a:t>２つめ、（複数のロードバランサによる Ｗｅｂシステムの応答時間最適化）</a:t>
-            </a:r>
-          </a:p>
-          <a:p>
-            <a:r>
-              <a:rPr kumimoji="1" lang="ja-JP" altLang="en-US" dirty="0" smtClean="0"/>
-              <a:t>こちらは応答速度の最適化について、</a:t>
-            </a:r>
-          </a:p>
-          <a:p>
-            <a:endParaRPr kumimoji="1" lang="ja-JP" altLang="en-US" dirty="0" smtClean="0"/>
-          </a:p>
-          <a:p>
-            <a:r>
-              <a:rPr kumimoji="1" lang="ja-JP" altLang="en-US" dirty="0" smtClean="0"/>
-              <a:t>また、</a:t>
-            </a:r>
-            <a:r>
-              <a:rPr kumimoji="1" lang="en-US" altLang="ja-JP" dirty="0" smtClean="0"/>
-              <a:t>3</a:t>
-            </a:r>
-            <a:r>
-              <a:rPr kumimoji="1" lang="ja-JP" altLang="en-US" dirty="0" smtClean="0"/>
-              <a:t>つ目は（</a:t>
-            </a:r>
-            <a:r>
-              <a:rPr kumimoji="1" lang="en-US" altLang="ja-JP" dirty="0" smtClean="0"/>
-              <a:t>What do people want from a news experience</a:t>
-            </a:r>
-            <a:r>
-              <a:rPr kumimoji="1" lang="ja-JP" altLang="en-US" dirty="0" smtClean="0"/>
-              <a:t>）</a:t>
-            </a:r>
-          </a:p>
-          <a:p>
-            <a:r>
-              <a:rPr kumimoji="1" lang="ja-JP" altLang="en-US" dirty="0" smtClean="0"/>
-              <a:t>応答速度の評価手法について書かれています。</a:t>
-            </a:r>
-          </a:p>
-          <a:p>
-            <a:endParaRPr kumimoji="1" lang="ja-JP" altLang="en-US" dirty="0" smtClean="0"/>
-          </a:p>
-          <a:p>
-            <a:r>
-              <a:rPr kumimoji="1" lang="ja-JP" altLang="en-US" dirty="0" smtClean="0"/>
-              <a:t>４つめは</a:t>
-            </a:r>
-            <a:r>
-              <a:rPr kumimoji="1" lang="en-US" altLang="ja-JP" dirty="0" smtClean="0"/>
-              <a:t>WEB</a:t>
-            </a:r>
-            <a:r>
-              <a:rPr kumimoji="1" lang="ja-JP" altLang="en-US" dirty="0" smtClean="0"/>
-              <a:t>サーバ計測システムの設計・開発について書かれています。</a:t>
+              <a:t>ステップ３は方法論、ステップ５は実現方法が大事になるので次のスライドで説明します。</a:t>
             </a:r>
             <a:endParaRPr kumimoji="1" lang="ja-JP" altLang="en-US" dirty="0"/>
           </a:p>
@@ -1027,7 +979,7 @@
           <a:p>
             <a:fld id="{9D828324-DCC9-430F-AD2C-1DD1805E2C40}" type="slidenum">
               <a:rPr kumimoji="1" lang="ja-JP" altLang="en-US" smtClean="0"/>
-              <a:t>4</a:t>
+              <a:t>6</a:t>
             </a:fld>
             <a:endParaRPr kumimoji="1" lang="ja-JP" altLang="en-US"/>
           </a:p>
@@ -1036,7 +988,7 @@
     </p:spTree>
     <p:extLst>
       <p:ext uri="{BB962C8B-B14F-4D97-AF65-F5344CB8AC3E}">
-        <p14:creationId xmlns:p14="http://schemas.microsoft.com/office/powerpoint/2010/main" val="1434039659"/>
+        <p14:creationId xmlns:p14="http://schemas.microsoft.com/office/powerpoint/2010/main" val="3429871460"/>
       </p:ext>
     </p:extLst>
   </p:cSld>
@@ -1091,187 +1043,10 @@
           <a:lstStyle/>
           <a:p>
             <a:r>
-              <a:rPr lang="en-US" altLang="ja-JP" sz="1200" dirty="0" smtClean="0"/>
-              <a:t>[STEP-1]</a:t>
-            </a:r>
-            <a:r>
-              <a:rPr lang="ja-JP" altLang="ja-JP" sz="1200" dirty="0" smtClean="0"/>
-              <a:t>冗長的で性能が不均一な</a:t>
-            </a:r>
-            <a:r>
-              <a:rPr lang="en-US" altLang="ja-JP" sz="1200" dirty="0" smtClean="0"/>
-              <a:t>WEB</a:t>
-            </a:r>
-            <a:r>
-              <a:rPr lang="ja-JP" altLang="ja-JP" sz="1200" dirty="0" smtClean="0"/>
-              <a:t>サーバを用意</a:t>
-            </a:r>
-            <a:r>
               <a:rPr lang="ja-JP" altLang="en-US" sz="1200" dirty="0" smtClean="0"/>
-              <a:t>．</a:t>
+              <a:t>時間が足りなかったらここは省略</a:t>
             </a:r>
             <a:endParaRPr lang="en-US" altLang="ja-JP" sz="1200" dirty="0" smtClean="0"/>
-          </a:p>
-          <a:p>
-            <a:r>
-              <a:rPr lang="en-US" altLang="ja-JP" sz="1200" dirty="0" smtClean="0"/>
-              <a:t>[STEP-2]</a:t>
-            </a:r>
-            <a:r>
-              <a:rPr lang="ja-JP" altLang="ja-JP" sz="1200" dirty="0" smtClean="0"/>
-              <a:t>そ</a:t>
-            </a:r>
-            <a:r>
-              <a:rPr lang="ja-JP" altLang="en-US" sz="1200" dirty="0" smtClean="0"/>
-              <a:t>れぞれのサーバの応答速度を測るため，サーバにリクエストを送って応答速度を返す「応答速度計測プログラム」を作成し利用する． </a:t>
-            </a:r>
-            <a:endParaRPr lang="en-US" altLang="ja-JP" sz="1200" dirty="0" smtClean="0"/>
-          </a:p>
-          <a:p>
-            <a:r>
-              <a:rPr lang="en-US" altLang="ja-JP" sz="1200" dirty="0" smtClean="0"/>
-              <a:t>[ STEP-3 ] STEP-2</a:t>
-            </a:r>
-            <a:r>
-              <a:rPr lang="ja-JP" altLang="ja-JP" sz="1200" dirty="0" smtClean="0"/>
-              <a:t>で計測したデータは考案した応答速度評価アルゴリズムを用いて</a:t>
-            </a:r>
-            <a:r>
-              <a:rPr lang="en-US" altLang="ja-JP" sz="1200" dirty="0" smtClean="0"/>
-              <a:t>L1</a:t>
-            </a:r>
-            <a:r>
-              <a:rPr lang="ja-JP" altLang="en-US" sz="1200" dirty="0" smtClean="0"/>
-              <a:t>～</a:t>
-            </a:r>
-            <a:r>
-              <a:rPr lang="en-US" altLang="ja-JP" sz="1200" dirty="0" smtClean="0"/>
-              <a:t>Ln</a:t>
-            </a:r>
-            <a:r>
-              <a:rPr lang="ja-JP" altLang="en-US" sz="1200" dirty="0" smtClean="0"/>
-              <a:t>の</a:t>
-            </a:r>
-            <a:r>
-              <a:rPr lang="en-US" altLang="ja-JP" sz="1200" dirty="0" smtClean="0"/>
-              <a:t>n</a:t>
-            </a:r>
-            <a:r>
-              <a:rPr lang="ja-JP" altLang="en-US" sz="1200" dirty="0" smtClean="0"/>
-              <a:t>段階で評価付ける．</a:t>
-            </a:r>
-            <a:r>
-              <a:rPr lang="ja-JP" altLang="ja-JP" sz="1200" dirty="0" smtClean="0"/>
-              <a:t>評価は主観的になりやすい為</a:t>
-            </a:r>
-            <a:r>
-              <a:rPr lang="ja-JP" altLang="en-US" sz="1200" dirty="0" smtClean="0"/>
-              <a:t>，先行研究である「</a:t>
-            </a:r>
-            <a:r>
-              <a:rPr lang="en-US" altLang="ja-JP" sz="1200" dirty="0" smtClean="0"/>
-              <a:t>Web</a:t>
-            </a:r>
-            <a:r>
-              <a:rPr lang="ja-JP" altLang="ja-JP" sz="1200" dirty="0" smtClean="0"/>
-              <a:t>サイトの反応時間の遅延と</a:t>
-            </a:r>
-            <a:r>
-              <a:rPr lang="ja-JP" altLang="en-US" sz="1200" dirty="0" smtClean="0"/>
-              <a:t>，</a:t>
-            </a:r>
-            <a:r>
-              <a:rPr lang="ja-JP" altLang="ja-JP" sz="1200" dirty="0" smtClean="0"/>
-              <a:t>それに対するユーザの反応</a:t>
-            </a:r>
-            <a:r>
-              <a:rPr lang="ja-JP" altLang="en-US" sz="1200" dirty="0" smtClean="0"/>
-              <a:t>」</a:t>
-            </a:r>
-            <a:r>
-              <a:rPr lang="en-US" altLang="ja-JP" sz="1200" dirty="0" smtClean="0">
-                <a:latin typeface="ＭＳ Ｐゴシック" panose="020B0600070205080204" pitchFamily="50" charset="-128"/>
-              </a:rPr>
-              <a:t> [Paul 2014]</a:t>
-            </a:r>
-            <a:r>
-              <a:rPr lang="ja-JP" altLang="en-US" sz="1200" dirty="0" smtClean="0"/>
-              <a:t>や「</a:t>
-            </a:r>
-            <a:r>
-              <a:rPr lang="en-US" altLang="ja-JP" sz="1200" dirty="0" smtClean="0"/>
-              <a:t>RAIL</a:t>
-            </a:r>
-            <a:r>
-              <a:rPr lang="ja-JP" altLang="en-US" sz="1200" dirty="0" smtClean="0"/>
-              <a:t>モデル」</a:t>
-            </a:r>
-            <a:r>
-              <a:rPr lang="en-US" altLang="ja-JP" sz="1200" dirty="0" smtClean="0"/>
-              <a:t>[Google 2008]</a:t>
-            </a:r>
-            <a:r>
-              <a:rPr lang="ja-JP" altLang="ja-JP" sz="1200" dirty="0" smtClean="0"/>
-              <a:t>を参考に評価</a:t>
-            </a:r>
-            <a:r>
-              <a:rPr lang="ja-JP" altLang="en-US" sz="1200" dirty="0" smtClean="0"/>
-              <a:t>を行う</a:t>
-            </a:r>
-            <a:r>
-              <a:rPr lang="en-US" altLang="ja-JP" sz="1200" dirty="0" smtClean="0"/>
-              <a:t>.</a:t>
-            </a:r>
-            <a:endParaRPr lang="ja-JP" altLang="ja-JP" sz="1200" dirty="0" smtClean="0"/>
-          </a:p>
-          <a:p>
-            <a:r>
-              <a:rPr lang="en-US" altLang="ja-JP" sz="1200" dirty="0" smtClean="0"/>
-              <a:t>[ STEP-4 ]</a:t>
-            </a:r>
-            <a:r>
-              <a:rPr lang="ja-JP" altLang="ja-JP" sz="1200" dirty="0" smtClean="0"/>
-              <a:t>評価されたデータは評価済み応答速度としてデータベースへ保管される</a:t>
-            </a:r>
-            <a:r>
-              <a:rPr lang="ja-JP" altLang="en-US" sz="1200" dirty="0" smtClean="0"/>
-              <a:t>．</a:t>
-            </a:r>
-            <a:endParaRPr lang="ja-JP" altLang="ja-JP" sz="1200" dirty="0" smtClean="0"/>
-          </a:p>
-          <a:p>
-            <a:r>
-              <a:rPr lang="en-US" altLang="ja-JP" sz="1200" dirty="0" smtClean="0"/>
-              <a:t>[ STEP-5 ]</a:t>
-            </a:r>
-            <a:r>
-              <a:rPr lang="ja-JP" altLang="ja-JP" sz="1200" dirty="0" smtClean="0"/>
-              <a:t>ロードバランサはこのデータベースへアクセスする</a:t>
-            </a:r>
-            <a:r>
-              <a:rPr lang="ja-JP" altLang="en-US" sz="1200" dirty="0" smtClean="0"/>
-              <a:t>．</a:t>
-            </a:r>
-            <a:r>
-              <a:rPr lang="ja-JP" altLang="ja-JP" sz="1200" dirty="0" smtClean="0"/>
-              <a:t>サーバの状態に応じて割り振り方法を動的に変化させることが可能になる</a:t>
-            </a:r>
-            <a:r>
-              <a:rPr lang="ja-JP" altLang="en-US" sz="1200" dirty="0" smtClean="0"/>
-              <a:t>．</a:t>
-            </a:r>
-            <a:r>
-              <a:rPr lang="ja-JP" altLang="ja-JP" sz="1200" dirty="0" smtClean="0"/>
-              <a:t>応答速度が最も早いサーバへの接続が優先される</a:t>
-            </a:r>
-            <a:r>
-              <a:rPr lang="ja-JP" altLang="en-US" sz="1200" dirty="0" smtClean="0"/>
-              <a:t>．</a:t>
-            </a:r>
-            <a:endParaRPr lang="ja-JP" altLang="ja-JP" sz="1200" dirty="0" smtClean="0"/>
-          </a:p>
-          <a:p>
-            <a:endParaRPr kumimoji="1" lang="ja-JP" altLang="en-US" dirty="0"/>
           </a:p>
         </p:txBody>
       </p:sp>
@@ -1292,7 +1067,7 @@
           <a:p>
             <a:fld id="{9D828324-DCC9-430F-AD2C-1DD1805E2C40}" type="slidenum">
               <a:rPr kumimoji="1" lang="ja-JP" altLang="en-US" smtClean="0"/>
-              <a:t>8</a:t>
+              <a:t>9</a:t>
             </a:fld>
             <a:endParaRPr kumimoji="1" lang="ja-JP" altLang="en-US"/>
           </a:p>
@@ -1301,7 +1076,7 @@
     </p:spTree>
     <p:extLst>
       <p:ext uri="{BB962C8B-B14F-4D97-AF65-F5344CB8AC3E}">
-        <p14:creationId xmlns:p14="http://schemas.microsoft.com/office/powerpoint/2010/main" val="3429871460"/>
+        <p14:creationId xmlns:p14="http://schemas.microsoft.com/office/powerpoint/2010/main" val="3884351513"/>
       </p:ext>
     </p:extLst>
   </p:cSld>
@@ -1355,7 +1130,7 @@
           <a:bodyPr/>
           <a:lstStyle/>
           <a:p>
-            <a:endParaRPr lang="en-US" altLang="ja-JP" sz="1200" dirty="0" smtClean="0"/>
+            <a:endParaRPr kumimoji="1" lang="ja-JP" altLang="en-US" dirty="0"/>
           </a:p>
         </p:txBody>
       </p:sp>
@@ -1376,7 +1151,7 @@
           <a:p>
             <a:fld id="{9D828324-DCC9-430F-AD2C-1DD1805E2C40}" type="slidenum">
               <a:rPr kumimoji="1" lang="ja-JP" altLang="en-US" smtClean="0"/>
-              <a:t>10</a:t>
+              <a:t>14</a:t>
             </a:fld>
             <a:endParaRPr kumimoji="1" lang="ja-JP" altLang="en-US"/>
           </a:p>
@@ -1385,7 +1160,7 @@
     </p:spTree>
     <p:extLst>
       <p:ext uri="{BB962C8B-B14F-4D97-AF65-F5344CB8AC3E}">
-        <p14:creationId xmlns:p14="http://schemas.microsoft.com/office/powerpoint/2010/main" val="3884351513"/>
+        <p14:creationId xmlns:p14="http://schemas.microsoft.com/office/powerpoint/2010/main" val="1508117209"/>
       </p:ext>
     </p:extLst>
   </p:cSld>
@@ -1439,7 +1214,96 @@
           <a:bodyPr/>
           <a:lstStyle/>
           <a:p>
-            <a:endParaRPr kumimoji="1" lang="ja-JP" altLang="en-US" dirty="0"/>
+            <a:pPr marL="0" marR="0" lvl="0" indent="0" algn="l" defTabSz="914400" rtl="0" eaLnBrk="1" fontAlgn="auto" latinLnBrk="0" hangingPunct="1">
+              <a:lnSpc>
+                <a:spcPct val="100000"/>
+              </a:lnSpc>
+              <a:spcBef>
+                <a:spcPts val="0"/>
+              </a:spcBef>
+              <a:spcAft>
+                <a:spcPts val="0"/>
+              </a:spcAft>
+              <a:buClrTx/>
+              <a:buSzTx/>
+              <a:buFontTx/>
+              <a:buNone/>
+              <a:tabLst/>
+              <a:defRPr/>
+            </a:pPr>
+            <a:r>
+              <a:rPr lang="ja-JP" altLang="en-US" dirty="0" smtClean="0">
+                <a:effectLst/>
+              </a:rPr>
+              <a:t>実験結果です。ラウンドロビンの応答速度は、</a:t>
+            </a:r>
+            <a:r>
+              <a:rPr lang="en-US" altLang="ja-JP" dirty="0" smtClean="0">
+                <a:effectLst/>
+              </a:rPr>
+              <a:t>0.4</a:t>
+            </a:r>
+            <a:r>
+              <a:rPr lang="ja-JP" altLang="en-US" dirty="0" smtClean="0">
+                <a:effectLst/>
+              </a:rPr>
+              <a:t>秒なのに対して、プロトタイプは</a:t>
+            </a:r>
+            <a:r>
+              <a:rPr lang="en-US" altLang="ja-JP" dirty="0" smtClean="0">
+                <a:effectLst/>
+              </a:rPr>
+              <a:t>0.15</a:t>
+            </a:r>
+            <a:r>
+              <a:rPr lang="ja-JP" altLang="en-US" dirty="0" smtClean="0">
+                <a:effectLst/>
+              </a:rPr>
+              <a:t>秒でした。</a:t>
+            </a:r>
+            <a:r>
+              <a:rPr lang="en-US" altLang="ja-JP" dirty="0" smtClean="0">
+                <a:effectLst/>
+              </a:rPr>
+              <a:t/>
+            </a:r>
+            <a:br>
+              <a:rPr lang="en-US" altLang="ja-JP" dirty="0" smtClean="0">
+                <a:effectLst/>
+              </a:rPr>
+            </a:br>
+            <a:r>
+              <a:rPr lang="ja-JP" altLang="en-US" dirty="0" smtClean="0">
+                <a:effectLst/>
+              </a:rPr>
+              <a:t>これは、応答速度が遅いサーバにつなぐ頻度を減らすことが出来たからです。</a:t>
+            </a:r>
+            <a:r>
+              <a:rPr lang="en-US" altLang="ja-JP" dirty="0" smtClean="0">
+                <a:effectLst/>
+              </a:rPr>
+              <a:t/>
+            </a:r>
+            <a:br>
+              <a:rPr lang="en-US" altLang="ja-JP" dirty="0" smtClean="0">
+                <a:effectLst/>
+              </a:rPr>
+            </a:br>
+            <a:r>
+              <a:rPr kumimoji="1" lang="ja-JP" altLang="ja-JP" sz="1200" kern="1200" dirty="0" smtClean="0">
+                <a:solidFill>
+                  <a:schemeClr val="tx1"/>
+                </a:solidFill>
+                <a:effectLst/>
+                <a:latin typeface="+mn-lt"/>
+                <a:ea typeface="+mn-ea"/>
+                <a:cs typeface="+mn-cs"/>
+              </a:rPr>
+              <a:t>実験結果より，異種環境において，提案システムを利用すると応答速度が向上することが確認できた．</a:t>
+            </a:r>
+            <a:endParaRPr lang="ja-JP" altLang="ja-JP" dirty="0" smtClean="0">
+              <a:effectLst/>
+            </a:endParaRPr>
           </a:p>
         </p:txBody>
       </p:sp>
@@ -1460,7 +1324,7 @@
           <a:p>
             <a:fld id="{9D828324-DCC9-430F-AD2C-1DD1805E2C40}" type="slidenum">
               <a:rPr kumimoji="1" lang="ja-JP" altLang="en-US" smtClean="0"/>
-              <a:t>16</a:t>
+              <a:t>15</a:t>
             </a:fld>
             <a:endParaRPr kumimoji="1" lang="ja-JP" altLang="en-US"/>
           </a:p>
@@ -1469,7 +1333,7 @@
     </p:spTree>
     <p:extLst>
       <p:ext uri="{BB962C8B-B14F-4D97-AF65-F5344CB8AC3E}">
-        <p14:creationId xmlns:p14="http://schemas.microsoft.com/office/powerpoint/2010/main" val="1508117209"/>
+        <p14:creationId xmlns:p14="http://schemas.microsoft.com/office/powerpoint/2010/main" val="584063967"/>
       </p:ext>
     </p:extLst>
   </p:cSld>
@@ -1541,160 +1405,17 @@
               <a:defRPr/>
             </a:pPr>
             <a:r>
-              <a:rPr lang="ja-JP" altLang="en-US" dirty="0" smtClean="0">
-                <a:effectLst/>
-              </a:rPr>
-              <a:t>実験結果です。ラウンドロビンの応答速度は、</a:t>
-            </a:r>
-            <a:r>
-              <a:rPr lang="en-US" altLang="ja-JP" dirty="0" smtClean="0">
-                <a:effectLst/>
-              </a:rPr>
-              <a:t>0.4</a:t>
-            </a:r>
-            <a:r>
-              <a:rPr lang="ja-JP" altLang="en-US" dirty="0" smtClean="0">
-                <a:effectLst/>
-              </a:rPr>
-              <a:t>秒なのに対して、プロトタイプは</a:t>
-            </a:r>
-            <a:r>
-              <a:rPr lang="en-US" altLang="ja-JP" dirty="0" smtClean="0">
-                <a:effectLst/>
-              </a:rPr>
-              <a:t>0.15</a:t>
-            </a:r>
-            <a:r>
-              <a:rPr lang="ja-JP" altLang="en-US" dirty="0" smtClean="0">
-                <a:effectLst/>
-              </a:rPr>
-              <a:t>秒でした。</a:t>
-            </a:r>
-            <a:r>
-              <a:rPr lang="en-US" altLang="ja-JP" dirty="0" smtClean="0">
-                <a:effectLst/>
-              </a:rPr>
-              <a:t/>
-            </a:r>
-            <a:br>
-              <a:rPr lang="en-US" altLang="ja-JP" dirty="0" smtClean="0">
-                <a:effectLst/>
-              </a:rPr>
-            </a:br>
-            <a:r>
-              <a:rPr lang="ja-JP" altLang="en-US" dirty="0" smtClean="0">
-                <a:effectLst/>
-              </a:rPr>
-              <a:t>これは、応答速度が遅いサーバにつなぐ頻度を減らすことが出来たからです。</a:t>
-            </a:r>
-            <a:r>
-              <a:rPr lang="en-US" altLang="ja-JP" dirty="0" smtClean="0">
-                <a:effectLst/>
-              </a:rPr>
-              <a:t/>
-            </a:r>
-            <a:br>
-              <a:rPr lang="en-US" altLang="ja-JP" dirty="0" smtClean="0">
-                <a:effectLst/>
-              </a:rPr>
-            </a:br>
-            <a:r>
-              <a:rPr kumimoji="1" lang="ja-JP" altLang="ja-JP" sz="1200" kern="1200" dirty="0" smtClean="0">
+              <a:rPr kumimoji="1" lang="en-US" altLang="ja-JP" sz="1200" kern="1200" dirty="0" smtClean="0">
                 <a:solidFill>
                   <a:schemeClr val="tx1"/>
                 </a:solidFill>
-                <a:effectLst/>
                 <a:latin typeface="+mn-lt"/>
                 <a:ea typeface="+mn-ea"/>
                 <a:cs typeface="+mn-cs"/>
               </a:rPr>
-              <a:t>実験結果より，異種環境において，提案システムを利用すると応答速度が向上することが確認できた．</a:t>
-            </a:r>
-            <a:endParaRPr lang="ja-JP" altLang="ja-JP" dirty="0" smtClean="0">
-              <a:effectLst/>
-            </a:endParaRPr>
-          </a:p>
-        </p:txBody>
-      </p:sp>
-      <p:sp>
-        <p:nvSpPr>
-          <p:cNvPr id="4" name="スライド番号プレースホルダー 3"/>
-          <p:cNvSpPr>
-            <a:spLocks noGrp="1"/>
-          </p:cNvSpPr>
-          <p:nvPr>
-            <p:ph type="sldNum" sz="quarter" idx="10"/>
-          </p:nvPr>
-        </p:nvSpPr>
-        <p:spPr/>
-        <p:txBody>
-          <a:bodyPr/>
-          <a:lstStyle/>
-          <a:p>
-            <a:fld id="{9D828324-DCC9-430F-AD2C-1DD1805E2C40}" type="slidenum">
-              <a:rPr kumimoji="1" lang="ja-JP" altLang="en-US" smtClean="0"/>
-              <a:t>17</a:t>
-            </a:fld>
-            <a:endParaRPr kumimoji="1" lang="ja-JP" altLang="en-US"/>
-          </a:p>
-        </p:txBody>
-      </p:sp>
-    </p:spTree>
-    <p:extLst>
-      <p:ext uri="{BB962C8B-B14F-4D97-AF65-F5344CB8AC3E}">
-        <p14:creationId xmlns:p14="http://schemas.microsoft.com/office/powerpoint/2010/main" val="584063967"/>
-      </p:ext>
-    </p:extLst>
-  </p:cSld>
-  <p:clrMapOvr>
-    <a:masterClrMapping/>
-  </p:clrMapOvr>
-</p:notes>
-</file>
-
-<file path=ppt/notesSlides/notesSlide8.xml><?xml version="1.0" encoding="utf-8"?>
-<p:notes xmlns:a="http://schemas.openxmlformats.org/drawingml/2006/main" xmlns:r="http://schemas.openxmlformats.org/officeDocument/2006/relationships" xmlns:p="http://schemas.openxmlformats.org/presentationml/2006/main">
-  <p:cSld>
-    <p:spTree>
-      <p:nvGrpSpPr>
-        <p:cNvPr id="1" name=""/>
-        <p:cNvGrpSpPr/>
-        <p:nvPr/>
-      </p:nvGrpSpPr>
-      <p:grpSpPr>
-        <a:xfrm>
-          <a:off x="0" y="0"/>
-          <a:ext cx="0" cy="0"/>
-          <a:chOff x="0" y="0"/>
-          <a:chExt cx="0" cy="0"/>
-        </a:xfrm>
-      </p:grpSpPr>
-      <p:sp>
-        <p:nvSpPr>
-          <p:cNvPr id="2" name="スライド イメージ プレースホルダー 1"/>
-          <p:cNvSpPr>
-            <a:spLocks noGrp="1" noRot="1" noChangeAspect="1"/>
-          </p:cNvSpPr>
-          <p:nvPr>
-            <p:ph type="sldImg"/>
-          </p:nvPr>
-        </p:nvSpPr>
-        <p:spPr/>
-      </p:sp>
-      <p:sp>
-        <p:nvSpPr>
-          <p:cNvPr id="3" name="ノート プレースホルダー 2"/>
-          <p:cNvSpPr>
-            <a:spLocks noGrp="1"/>
-          </p:cNvSpPr>
-          <p:nvPr>
-            <p:ph type="body" idx="1"/>
-          </p:nvPr>
-        </p:nvSpPr>
-        <p:spPr/>
-        <p:txBody>
-          <a:bodyPr/>
-          <a:lstStyle/>
+              <a:t>SEO</a:t>
+            </a:r>
+          </a:p>
           <a:p>
             <a:pPr marL="0" marR="0" lvl="0" indent="0" algn="l" defTabSz="914400" rtl="0" eaLnBrk="1" fontAlgn="auto" latinLnBrk="0" hangingPunct="1">
               <a:lnSpc>
@@ -1721,9 +1442,18 @@
                 <a:latin typeface="+mn-lt"/>
                 <a:ea typeface="+mn-ea"/>
                 <a:cs typeface="+mn-cs"/>
-              </a:rPr>
-              <a:t>SEO</a:t>
-            </a:r>
+                <a:hlinkClick r:id="rId3"/>
+              </a:rPr>
+              <a:t>https://www.thinkwithgoogle.com/marketing-strategies/app-and-mobile/mobile-page-speed-new-industry-benchmarks/</a:t>
+            </a:r>
+            <a:endParaRPr kumimoji="1" lang="en-US" altLang="ja-JP" sz="1200" kern="1200" dirty="0" smtClean="0">
+              <a:solidFill>
+                <a:schemeClr val="tx1"/>
+              </a:solidFill>
+              <a:latin typeface="+mn-lt"/>
+              <a:ea typeface="+mn-ea"/>
+              <a:cs typeface="+mn-cs"/>
+            </a:endParaRPr>
           </a:p>
           <a:p>
             <a:pPr marL="0" marR="0" lvl="0" indent="0" algn="l" defTabSz="914400" rtl="0" eaLnBrk="1" fontAlgn="auto" latinLnBrk="0" hangingPunct="1">
@@ -1751,9 +1481,19 @@
                 <a:latin typeface="+mn-lt"/>
                 <a:ea typeface="+mn-ea"/>
                 <a:cs typeface="+mn-cs"/>
-                <a:hlinkClick r:id="rId3"/>
-              </a:rPr>
-              <a:t>https://www.thinkwithgoogle.com/marketing-strategies/app-and-mobile/mobile-page-speed-new-industry-benchmarks/</a:t>
+              </a:rPr>
+              <a:t>RAIL</a:t>
+            </a:r>
+            <a:r>
+              <a:rPr kumimoji="1" lang="ja-JP" altLang="en-US" sz="1200" kern="1200" dirty="0" smtClean="0">
+                <a:solidFill>
+                  <a:schemeClr val="tx1"/>
+                </a:solidFill>
+                <a:latin typeface="+mn-lt"/>
+                <a:ea typeface="+mn-ea"/>
+                <a:cs typeface="+mn-cs"/>
+              </a:rPr>
+              <a:t>モデルでパフォーマンスを測定する</a:t>
             </a:r>
             <a:endParaRPr kumimoji="1" lang="en-US" altLang="ja-JP" sz="1200" kern="1200" dirty="0" smtClean="0">
               <a:solidFill>
@@ -1791,55 +1531,6 @@
                 <a:ea typeface="+mn-ea"/>
                 <a:cs typeface="+mn-cs"/>
               </a:rPr>
-              <a:t>RAIL</a:t>
-            </a:r>
-            <a:r>
-              <a:rPr kumimoji="1" lang="ja-JP" altLang="en-US" sz="1200" kern="1200" dirty="0" smtClean="0">
-                <a:solidFill>
-                  <a:schemeClr val="tx1"/>
-                </a:solidFill>
-                <a:latin typeface="+mn-lt"/>
-                <a:ea typeface="+mn-ea"/>
-                <a:cs typeface="+mn-cs"/>
-              </a:rPr>
-              <a:t>モデルでパフォーマンスを測定する</a:t>
-            </a:r>
-            <a:endParaRPr kumimoji="1" lang="en-US" altLang="ja-JP" sz="1200" kern="1200" dirty="0" smtClean="0">
-              <a:solidFill>
-                <a:schemeClr val="tx1"/>
-              </a:solidFill>
-              <a:latin typeface="+mn-lt"/>
-              <a:ea typeface="+mn-ea"/>
-              <a:cs typeface="+mn-cs"/>
-            </a:endParaRPr>
-          </a:p>
-          <a:p>
-            <a:pPr marL="0" marR="0" lvl="0" indent="0" algn="l" defTabSz="914400" rtl="0" eaLnBrk="1" fontAlgn="auto" latinLnBrk="0" hangingPunct="1">
-              <a:lnSpc>
-                <a:spcPct val="100000"/>
-              </a:lnSpc>
-              <a:spcBef>
-                <a:spcPts val="0"/>
-              </a:spcBef>
-              <a:spcAft>
-                <a:spcPts val="0"/>
-              </a:spcAft>
-              <a:buClrTx/>
-              <a:buSzTx/>
-              <a:buFontTx/>
-              <a:buNone/>
-              <a:tabLst/>
-              <a:defRPr/>
-            </a:pPr>
-            <a:r>
-              <a:rPr kumimoji="1" lang="en-US" altLang="ja-JP" sz="1200" kern="1200" dirty="0" smtClean="0">
-                <a:solidFill>
-                  <a:schemeClr val="tx1"/>
-                </a:solidFill>
-                <a:latin typeface="+mn-lt"/>
-                <a:ea typeface="+mn-ea"/>
-                <a:cs typeface="+mn-cs"/>
-              </a:rPr>
               <a:t>https://web.dev/rail/</a:t>
             </a:r>
           </a:p>
@@ -1872,7 +1563,7 @@
           <a:p>
             <a:fld id="{9D828324-DCC9-430F-AD2C-1DD1805E2C40}" type="slidenum">
               <a:rPr kumimoji="1" lang="ja-JP" altLang="en-US" smtClean="0"/>
-              <a:t>19</a:t>
+              <a:t>17</a:t>
             </a:fld>
             <a:endParaRPr kumimoji="1" lang="ja-JP" altLang="en-US"/>
           </a:p>
@@ -2022,7 +1713,7 @@
           <a:p>
             <a:fld id="{ED609840-96BF-4512-A2C1-C87E0BBF3D2F}" type="datetime1">
               <a:rPr kumimoji="1" lang="ja-JP" altLang="en-US" smtClean="0"/>
-              <a:t>2022/1/18</a:t>
+              <a:t>2022/1/20</a:t>
             </a:fld>
             <a:endParaRPr kumimoji="1" lang="ja-JP" altLang="en-US"/>
           </a:p>
@@ -2225,7 +1916,7 @@
           <a:p>
             <a:fld id="{F97B6116-28DE-44C1-8891-65688903BD50}" type="datetime1">
               <a:rPr kumimoji="1" lang="ja-JP" altLang="en-US" smtClean="0"/>
-              <a:t>2022/1/18</a:t>
+              <a:t>2022/1/20</a:t>
             </a:fld>
             <a:endParaRPr kumimoji="1" lang="ja-JP" altLang="en-US"/>
           </a:p>
@@ -2438,7 +2129,7 @@
           <a:p>
             <a:fld id="{EDE04BF4-1FC0-40EE-A15F-5986BB2387E9}" type="datetime1">
               <a:rPr kumimoji="1" lang="ja-JP" altLang="en-US" smtClean="0"/>
-              <a:t>2022/1/18</a:t>
+              <a:t>2022/1/20</a:t>
             </a:fld>
             <a:endParaRPr kumimoji="1" lang="ja-JP" altLang="en-US"/>
           </a:p>
@@ -2641,7 +2332,7 @@
           <a:p>
             <a:fld id="{AFE4124D-C094-469A-99BC-7EA66CDB293F}" type="datetime1">
               <a:rPr kumimoji="1" lang="ja-JP" altLang="en-US" smtClean="0"/>
-              <a:t>2022/1/18</a:t>
+              <a:t>2022/1/20</a:t>
             </a:fld>
             <a:endParaRPr kumimoji="1" lang="ja-JP" altLang="en-US"/>
           </a:p>
@@ -2890,7 +2581,7 @@
           <a:p>
             <a:fld id="{F808FAA8-DC38-46BC-9A48-0414366DDF43}" type="datetime1">
               <a:rPr kumimoji="1" lang="ja-JP" altLang="en-US" smtClean="0"/>
-              <a:t>2022/1/18</a:t>
+              <a:t>2022/1/20</a:t>
             </a:fld>
             <a:endParaRPr kumimoji="1" lang="ja-JP" altLang="en-US"/>
           </a:p>
@@ -3187,7 +2878,7 @@
           <a:p>
             <a:fld id="{43B61DD3-8484-4FD8-9D55-71FA047E405C}" type="datetime1">
               <a:rPr kumimoji="1" lang="ja-JP" altLang="en-US" smtClean="0"/>
-              <a:t>2022/1/18</a:t>
+              <a:t>2022/1/20</a:t>
             </a:fld>
             <a:endParaRPr kumimoji="1" lang="ja-JP" altLang="en-US"/>
           </a:p>
@@ -3619,7 +3310,7 @@
           <a:p>
             <a:fld id="{61FE3252-B303-4BFD-B995-E88780D087A2}" type="datetime1">
               <a:rPr kumimoji="1" lang="ja-JP" altLang="en-US" smtClean="0"/>
-              <a:t>2022/1/18</a:t>
+              <a:t>2022/1/20</a:t>
             </a:fld>
             <a:endParaRPr kumimoji="1" lang="ja-JP" altLang="en-US"/>
           </a:p>
@@ -3738,7 +3429,7 @@
           <a:p>
             <a:fld id="{83973884-A525-473B-9B85-E710649C3EE9}" type="datetime1">
               <a:rPr kumimoji="1" lang="ja-JP" altLang="en-US" smtClean="0"/>
-              <a:t>2022/1/18</a:t>
+              <a:t>2022/1/20</a:t>
             </a:fld>
             <a:endParaRPr kumimoji="1" lang="ja-JP" altLang="en-US"/>
           </a:p>
@@ -3834,7 +3525,7 @@
           <a:p>
             <a:fld id="{630B9591-4670-4AF8-B7B7-F5F2443A761A}" type="datetime1">
               <a:rPr kumimoji="1" lang="ja-JP" altLang="en-US" smtClean="0"/>
-              <a:t>2022/1/18</a:t>
+              <a:t>2022/1/20</a:t>
             </a:fld>
             <a:endParaRPr kumimoji="1" lang="ja-JP" altLang="en-US"/>
           </a:p>
@@ -4144,7 +3835,7 @@
           <a:p>
             <a:fld id="{434F6BA0-5DA2-4153-9B76-E2457FA21F47}" type="datetime1">
               <a:rPr kumimoji="1" lang="ja-JP" altLang="en-US" smtClean="0"/>
-              <a:t>2022/1/18</a:t>
+              <a:t>2022/1/20</a:t>
             </a:fld>
             <a:endParaRPr kumimoji="1" lang="ja-JP" altLang="en-US"/>
           </a:p>
@@ -4402,7 +4093,7 @@
           <a:p>
             <a:fld id="{590B58CC-0A81-4826-A84E-1F1030B25368}" type="datetime1">
               <a:rPr kumimoji="1" lang="ja-JP" altLang="en-US" smtClean="0"/>
-              <a:t>2022/1/18</a:t>
+              <a:t>2022/1/20</a:t>
             </a:fld>
             <a:endParaRPr kumimoji="1" lang="ja-JP" altLang="en-US"/>
           </a:p>
@@ -4648,7 +4339,7 @@
           <a:p>
             <a:fld id="{77253A0B-EAD4-46D7-BD2F-C5BFFB89C890}" type="datetime1">
               <a:rPr kumimoji="1" lang="ja-JP" altLang="en-US" smtClean="0"/>
-              <a:t>2022/1/18</a:t>
+              <a:t>2022/1/20</a:t>
             </a:fld>
             <a:endParaRPr kumimoji="1" lang="ja-JP" altLang="en-US"/>
           </a:p>
@@ -5077,6 +4768,11 @@
           </a:bodyPr>
           <a:lstStyle/>
           <a:p>
+            <a:pPr>
+              <a:lnSpc>
+                <a:spcPct val="100000"/>
+              </a:lnSpc>
+            </a:pPr>
             <a:r>
               <a:rPr kumimoji="1" lang="ja-JP" altLang="en-US" dirty="0" smtClean="0"/>
               <a:t>異種</a:t>
@@ -5215,529 +4911,6 @@
             <p:ph type="title"/>
           </p:nvPr>
         </p:nvSpPr>
-        <p:spPr>
-          <a:xfrm>
-            <a:off x="628650" y="273686"/>
-            <a:ext cx="7886700" cy="1325563"/>
-          </a:xfrm>
-        </p:spPr>
-        <p:txBody>
-          <a:bodyPr/>
-          <a:lstStyle/>
-          <a:p>
-            <a:r>
-              <a:rPr lang="ja-JP" altLang="en-US" dirty="0" smtClean="0"/>
-              <a:t>実装した</a:t>
-            </a:r>
-            <a:r>
-              <a:rPr kumimoji="1" lang="ja-JP" altLang="en-US" dirty="0" smtClean="0"/>
-              <a:t>割り振り方法</a:t>
-            </a:r>
-            <a:endParaRPr kumimoji="1" lang="ja-JP" altLang="en-US" dirty="0"/>
-          </a:p>
-        </p:txBody>
-      </p:sp>
-      <p:sp>
-        <p:nvSpPr>
-          <p:cNvPr id="3" name="コンテンツ プレースホルダー 2"/>
-          <p:cNvSpPr>
-            <a:spLocks noGrp="1"/>
-          </p:cNvSpPr>
-          <p:nvPr>
-            <p:ph idx="1"/>
-          </p:nvPr>
-        </p:nvSpPr>
-        <p:spPr>
-          <a:xfrm>
-            <a:off x="438340" y="1124712"/>
-            <a:ext cx="8376476" cy="4965192"/>
-          </a:xfrm>
-        </p:spPr>
-        <p:txBody>
-          <a:bodyPr>
-            <a:noAutofit/>
-          </a:bodyPr>
-          <a:lstStyle/>
-          <a:p>
-            <a:pPr marL="0" indent="0">
-              <a:buNone/>
-            </a:pPr>
-            <a:endParaRPr lang="en-US" altLang="ja-JP" sz="3200" dirty="0" smtClean="0"/>
-          </a:p>
-          <a:p>
-            <a:r>
-              <a:rPr lang="ja-JP" altLang="ja-JP" sz="3200" dirty="0" smtClean="0"/>
-              <a:t>過去</a:t>
-            </a:r>
-            <a:r>
-              <a:rPr lang="en-US" altLang="ja-JP" sz="3200" dirty="0"/>
-              <a:t>24</a:t>
-            </a:r>
-            <a:r>
-              <a:rPr lang="ja-JP" altLang="ja-JP" sz="3200" dirty="0"/>
-              <a:t>時間</a:t>
-            </a:r>
-            <a:r>
-              <a:rPr lang="ja-JP" altLang="ja-JP" sz="3200" dirty="0" smtClean="0"/>
-              <a:t>で評価</a:t>
-            </a:r>
-            <a:r>
-              <a:rPr lang="ja-JP" altLang="ja-JP" sz="3200" dirty="0"/>
-              <a:t>が最も高いサーバに多く</a:t>
-            </a:r>
-            <a:r>
-              <a:rPr lang="ja-JP" altLang="ja-JP" sz="3200" dirty="0" smtClean="0"/>
-              <a:t>割り振る</a:t>
-            </a:r>
-            <a:r>
-              <a:rPr lang="ja-JP" altLang="en-US" sz="3200" dirty="0" smtClean="0"/>
-              <a:t>ように設計</a:t>
-            </a:r>
-            <a:r>
-              <a:rPr lang="ja-JP" altLang="ja-JP" sz="3200" dirty="0" smtClean="0"/>
-              <a:t>．</a:t>
-            </a:r>
-            <a:endParaRPr lang="en-US" altLang="ja-JP" sz="3200" dirty="0"/>
-          </a:p>
-          <a:p>
-            <a:r>
-              <a:rPr lang="ja-JP" altLang="ja-JP" sz="3200" dirty="0" smtClean="0"/>
-              <a:t>現在の</a:t>
-            </a:r>
-            <a:r>
-              <a:rPr lang="ja-JP" altLang="en-US" sz="3200" dirty="0" smtClean="0"/>
-              <a:t>応答</a:t>
-            </a:r>
-            <a:r>
-              <a:rPr lang="ja-JP" altLang="ja-JP" sz="3200" dirty="0" smtClean="0"/>
-              <a:t>速度</a:t>
-            </a:r>
-            <a:r>
-              <a:rPr lang="ja-JP" altLang="ja-JP" sz="3200" dirty="0"/>
-              <a:t>が</a:t>
-            </a:r>
-            <a:r>
-              <a:rPr lang="en-US" altLang="ja-JP" sz="3200" dirty="0"/>
-              <a:t>10</a:t>
-            </a:r>
-            <a:r>
-              <a:rPr lang="ja-JP" altLang="ja-JP" sz="3200" dirty="0"/>
-              <a:t>秒以上</a:t>
-            </a:r>
-            <a:r>
-              <a:rPr lang="ja-JP" altLang="ja-JP" sz="3200" dirty="0" smtClean="0"/>
-              <a:t>掛かる場合，</a:t>
-            </a:r>
-            <a:r>
-              <a:rPr lang="ja-JP" altLang="en-US" sz="3200" dirty="0" smtClean="0"/>
-              <a:t>該当サーバへの</a:t>
-            </a:r>
-            <a:r>
-              <a:rPr lang="ja-JP" altLang="ja-JP" sz="3200" dirty="0" smtClean="0"/>
-              <a:t>割り振り</a:t>
-            </a:r>
-            <a:r>
-              <a:rPr lang="ja-JP" altLang="en-US" sz="3200" dirty="0" smtClean="0"/>
-              <a:t>を行わない</a:t>
-            </a:r>
-            <a:r>
-              <a:rPr lang="ja-JP" altLang="ja-JP" sz="3200" dirty="0" smtClean="0"/>
-              <a:t>．</a:t>
-            </a:r>
-            <a:endParaRPr lang="en-US" altLang="ja-JP" sz="3200" dirty="0" smtClean="0"/>
-          </a:p>
-          <a:p>
-            <a:r>
-              <a:rPr lang="en-US" altLang="ja-JP" sz="3200" dirty="0"/>
-              <a:t>Web</a:t>
-            </a:r>
-            <a:r>
-              <a:rPr lang="ja-JP" altLang="ja-JP" sz="3200" dirty="0"/>
-              <a:t>サーバで負荷分散するにはリバースプロキシが使われる</a:t>
-            </a:r>
-            <a:r>
-              <a:rPr lang="ja-JP" altLang="ja-JP" sz="3200" dirty="0" smtClean="0"/>
-              <a:t>．プロトタイプ</a:t>
-            </a:r>
-            <a:r>
-              <a:rPr lang="ja-JP" altLang="ja-JP" sz="3200" dirty="0"/>
-              <a:t>では，リバースプロキシ導入のためにオープンソースの</a:t>
-            </a:r>
-            <a:r>
-              <a:rPr lang="en-US" altLang="ja-JP" sz="3200" dirty="0"/>
-              <a:t>Web</a:t>
-            </a:r>
-            <a:r>
-              <a:rPr lang="ja-JP" altLang="ja-JP" sz="3200" dirty="0"/>
-              <a:t>サーバである</a:t>
-            </a:r>
-            <a:r>
-              <a:rPr lang="en-US" altLang="ja-JP" sz="3200" dirty="0"/>
-              <a:t>NGINX(</a:t>
-            </a:r>
-            <a:r>
-              <a:rPr lang="ja-JP" altLang="ja-JP" sz="3200" dirty="0"/>
-              <a:t>エンジンエックス</a:t>
-            </a:r>
-            <a:r>
-              <a:rPr lang="en-US" altLang="ja-JP" sz="3200" dirty="0"/>
-              <a:t>)</a:t>
-            </a:r>
-            <a:r>
-              <a:rPr lang="ja-JP" altLang="ja-JP" sz="3200" dirty="0"/>
-              <a:t>を用いた．</a:t>
-            </a:r>
-            <a:endParaRPr lang="en-US" altLang="ja-JP" sz="3200" dirty="0"/>
-          </a:p>
-          <a:p>
-            <a:endParaRPr lang="en-US" altLang="ja-JP" sz="3200" dirty="0"/>
-          </a:p>
-        </p:txBody>
-      </p:sp>
-      <p:sp>
-        <p:nvSpPr>
-          <p:cNvPr id="4" name="スライド番号プレースホルダー 3"/>
-          <p:cNvSpPr>
-            <a:spLocks noGrp="1"/>
-          </p:cNvSpPr>
-          <p:nvPr>
-            <p:ph type="sldNum" sz="quarter" idx="12"/>
-          </p:nvPr>
-        </p:nvSpPr>
-        <p:spPr/>
-        <p:txBody>
-          <a:bodyPr/>
-          <a:lstStyle/>
-          <a:p>
-            <a:fld id="{B4451160-128F-4DAD-AE29-4A8CC0E7B9E9}" type="slidenum">
-              <a:rPr lang="ja-JP" altLang="en-US" smtClean="0"/>
-              <a:pPr/>
-              <a:t>10</a:t>
-            </a:fld>
-            <a:endParaRPr lang="ja-JP" altLang="en-US" dirty="0"/>
-          </a:p>
-        </p:txBody>
-      </p:sp>
-    </p:spTree>
-    <p:extLst>
-      <p:ext uri="{BB962C8B-B14F-4D97-AF65-F5344CB8AC3E}">
-        <p14:creationId xmlns:p14="http://schemas.microsoft.com/office/powerpoint/2010/main" val="1895997517"/>
-      </p:ext>
-    </p:extLst>
-  </p:cSld>
-  <p:clrMapOvr>
-    <a:masterClrMapping/>
-  </p:clrMapOvr>
-  <p:timing>
-    <p:tnLst>
-      <p:par>
-        <p:cTn id="1" dur="indefinite" restart="never" nodeType="tmRoot"/>
-      </p:par>
-    </p:tnLst>
-  </p:timing>
-</p:sld>
-</file>
-
-<file path=ppt/slides/slide11.xml><?xml version="1.0" encoding="utf-8"?>
-<p:sld xmlns:a="http://schemas.openxmlformats.org/drawingml/2006/main" xmlns:r="http://schemas.openxmlformats.org/officeDocument/2006/relationships" xmlns:p="http://schemas.openxmlformats.org/presentationml/2006/main">
-  <p:cSld>
-    <p:spTree>
-      <p:nvGrpSpPr>
-        <p:cNvPr id="1" name=""/>
-        <p:cNvGrpSpPr/>
-        <p:nvPr/>
-      </p:nvGrpSpPr>
-      <p:grpSpPr>
-        <a:xfrm>
-          <a:off x="0" y="0"/>
-          <a:ext cx="0" cy="0"/>
-          <a:chOff x="0" y="0"/>
-          <a:chExt cx="0" cy="0"/>
-        </a:xfrm>
-      </p:grpSpPr>
-      <p:sp>
-        <p:nvSpPr>
-          <p:cNvPr id="2" name="タイトル 1"/>
-          <p:cNvSpPr>
-            <a:spLocks noGrp="1"/>
-          </p:cNvSpPr>
-          <p:nvPr>
-            <p:ph type="title"/>
-          </p:nvPr>
-        </p:nvSpPr>
-        <p:spPr>
-          <a:xfrm>
-            <a:off x="628650" y="273686"/>
-            <a:ext cx="7886700" cy="1325563"/>
-          </a:xfrm>
-        </p:spPr>
-        <p:txBody>
-          <a:bodyPr/>
-          <a:lstStyle/>
-          <a:p>
-            <a:r>
-              <a:rPr lang="ja-JP" altLang="en-US" dirty="0" smtClean="0"/>
-              <a:t>実装した</a:t>
-            </a:r>
-            <a:r>
-              <a:rPr kumimoji="1" lang="ja-JP" altLang="en-US" dirty="0" smtClean="0"/>
-              <a:t>割り振り方法</a:t>
-            </a:r>
-            <a:endParaRPr kumimoji="1" lang="ja-JP" altLang="en-US" dirty="0"/>
-          </a:p>
-        </p:txBody>
-      </p:sp>
-      <p:sp>
-        <p:nvSpPr>
-          <p:cNvPr id="3" name="コンテンツ プレースホルダー 2"/>
-          <p:cNvSpPr>
-            <a:spLocks noGrp="1"/>
-          </p:cNvSpPr>
-          <p:nvPr>
-            <p:ph idx="1"/>
-          </p:nvPr>
-        </p:nvSpPr>
-        <p:spPr>
-          <a:xfrm>
-            <a:off x="438340" y="1061022"/>
-            <a:ext cx="8267319" cy="5477891"/>
-          </a:xfrm>
-        </p:spPr>
-        <p:txBody>
-          <a:bodyPr>
-            <a:normAutofit/>
-          </a:bodyPr>
-          <a:lstStyle/>
-          <a:p>
-            <a:pPr marL="0" indent="0">
-              <a:buNone/>
-            </a:pPr>
-            <a:endParaRPr lang="en-US" altLang="ja-JP" sz="3200" dirty="0" smtClean="0"/>
-          </a:p>
-          <a:p>
-            <a:r>
-              <a:rPr lang="ja-JP" altLang="en-US" sz="3200" dirty="0"/>
-              <a:t>応答</a:t>
-            </a:r>
-            <a:r>
-              <a:rPr lang="ja-JP" altLang="en-US" sz="3200" dirty="0" smtClean="0"/>
-              <a:t>速度に</a:t>
-            </a:r>
-            <a:r>
-              <a:rPr lang="ja-JP" altLang="en-US" sz="3200" smtClean="0"/>
-              <a:t>基づいた</a:t>
-            </a:r>
-            <a:r>
-              <a:rPr lang="ja-JP" altLang="en-US" sz="3200" smtClean="0"/>
-              <a:t>割り振り</a:t>
-            </a:r>
-            <a:r>
-              <a:rPr lang="en-US" altLang="ja-JP" sz="3200" smtClean="0"/>
-              <a:t>NGINX</a:t>
-            </a:r>
-            <a:r>
-              <a:rPr lang="ja-JP" altLang="en-US" sz="3200" dirty="0" smtClean="0"/>
-              <a:t>の設定ファイル</a:t>
-            </a:r>
-            <a:r>
-              <a:rPr lang="ja-JP" altLang="ja-JP" sz="3200" dirty="0" smtClean="0"/>
-              <a:t>の</a:t>
-            </a:r>
-            <a:r>
-              <a:rPr lang="ja-JP" altLang="ja-JP" sz="3200" dirty="0" smtClean="0">
-                <a:solidFill>
-                  <a:srgbClr val="FF0000"/>
-                </a:solidFill>
-              </a:rPr>
-              <a:t>重みを</a:t>
-            </a:r>
-            <a:r>
-              <a:rPr lang="ja-JP" altLang="ja-JP" sz="3200" dirty="0">
-                <a:solidFill>
-                  <a:srgbClr val="FF0000"/>
-                </a:solidFill>
-              </a:rPr>
-              <a:t>プログラム</a:t>
-            </a:r>
-            <a:r>
-              <a:rPr lang="ja-JP" altLang="ja-JP" sz="3200" dirty="0" smtClean="0">
-                <a:solidFill>
-                  <a:srgbClr val="FF0000"/>
-                </a:solidFill>
-              </a:rPr>
-              <a:t>によって</a:t>
-            </a:r>
-            <a:r>
-              <a:rPr lang="ja-JP" altLang="ja-JP" sz="3200" dirty="0">
-                <a:solidFill>
-                  <a:srgbClr val="FF0000"/>
-                </a:solidFill>
-              </a:rPr>
-              <a:t>書き換えることで</a:t>
-            </a:r>
-            <a:r>
-              <a:rPr lang="ja-JP" altLang="ja-JP" sz="3200" dirty="0" smtClean="0">
-                <a:solidFill>
-                  <a:srgbClr val="FF0000"/>
-                </a:solidFill>
-              </a:rPr>
-              <a:t>実現</a:t>
-            </a:r>
-            <a:r>
-              <a:rPr lang="ja-JP" altLang="ja-JP" sz="3200" dirty="0" smtClean="0"/>
-              <a:t>．</a:t>
-            </a:r>
-            <a:endParaRPr lang="en-US" altLang="ja-JP" sz="3200" dirty="0" smtClean="0"/>
-          </a:p>
-          <a:p>
-            <a:pPr marL="0" indent="0">
-              <a:buNone/>
-            </a:pPr>
-            <a:endParaRPr lang="en-US" altLang="ja-JP" sz="3200" dirty="0"/>
-          </a:p>
-          <a:p>
-            <a:r>
-              <a:rPr lang="en-US" altLang="ja-JP" sz="3200" dirty="0"/>
-              <a:t>NGINX</a:t>
-            </a:r>
-            <a:r>
-              <a:rPr lang="ja-JP" altLang="ja-JP" sz="3200" dirty="0"/>
-              <a:t>の設定ファイルを動的</a:t>
-            </a:r>
-            <a:r>
-              <a:rPr lang="ja-JP" altLang="ja-JP" sz="3200" dirty="0" smtClean="0"/>
-              <a:t>に更新</a:t>
-            </a:r>
-            <a:r>
-              <a:rPr lang="ja-JP" altLang="ja-JP" sz="3200" dirty="0"/>
-              <a:t>し，</a:t>
-            </a:r>
-            <a:r>
-              <a:rPr lang="ja-JP" altLang="ja-JP" sz="3200" u="sng" dirty="0"/>
-              <a:t>再読み</a:t>
-            </a:r>
-            <a:r>
-              <a:rPr lang="ja-JP" altLang="ja-JP" sz="3200" dirty="0"/>
-              <a:t>込みするように</a:t>
-            </a:r>
-            <a:r>
-              <a:rPr lang="ja-JP" altLang="ja-JP" sz="3200" dirty="0" smtClean="0"/>
-              <a:t>設計</a:t>
-            </a:r>
-            <a:r>
-              <a:rPr lang="ja-JP" altLang="en-US" sz="3200" dirty="0" smtClean="0"/>
-              <a:t>．</a:t>
-            </a:r>
-            <a:r>
-              <a:rPr lang="en-US" altLang="ja-JP" sz="3200" dirty="0" smtClean="0"/>
-              <a:t/>
-            </a:r>
-            <a:br>
-              <a:rPr lang="en-US" altLang="ja-JP" sz="3200" dirty="0" smtClean="0"/>
-            </a:br>
-            <a:r>
-              <a:rPr lang="ja-JP" altLang="ja-JP" sz="3200" u="sng" dirty="0" smtClean="0"/>
-              <a:t>稼働率</a:t>
-            </a:r>
-            <a:r>
-              <a:rPr lang="ja-JP" altLang="ja-JP" sz="3200" u="sng" dirty="0"/>
-              <a:t>を落とすことなく</a:t>
-            </a:r>
-            <a:r>
-              <a:rPr lang="ja-JP" altLang="ja-JP" sz="3200" dirty="0" smtClean="0"/>
-              <a:t>，負荷分散の重みを動的にロードバランサ</a:t>
-            </a:r>
-            <a:r>
-              <a:rPr lang="ja-JP" altLang="en-US" sz="3200" dirty="0" smtClean="0"/>
-              <a:t>へ</a:t>
-            </a:r>
-            <a:r>
-              <a:rPr lang="ja-JP" altLang="ja-JP" sz="3200" dirty="0" smtClean="0"/>
-              <a:t>反映</a:t>
-            </a:r>
-            <a:r>
-              <a:rPr lang="ja-JP" altLang="ja-JP" sz="3200" dirty="0"/>
-              <a:t>することができる</a:t>
-            </a:r>
-            <a:r>
-              <a:rPr lang="ja-JP" altLang="ja-JP" sz="3200" dirty="0" smtClean="0"/>
-              <a:t>．</a:t>
-            </a:r>
-            <a:endParaRPr lang="en-US" altLang="ja-JP" sz="3200" dirty="0"/>
-          </a:p>
-        </p:txBody>
-      </p:sp>
-      <p:sp>
-        <p:nvSpPr>
-          <p:cNvPr id="4" name="スライド番号プレースホルダー 3"/>
-          <p:cNvSpPr>
-            <a:spLocks noGrp="1"/>
-          </p:cNvSpPr>
-          <p:nvPr>
-            <p:ph type="sldNum" sz="quarter" idx="12"/>
-          </p:nvPr>
-        </p:nvSpPr>
-        <p:spPr/>
-        <p:txBody>
-          <a:bodyPr/>
-          <a:lstStyle/>
-          <a:p>
-            <a:fld id="{B4451160-128F-4DAD-AE29-4A8CC0E7B9E9}" type="slidenum">
-              <a:rPr lang="ja-JP" altLang="en-US" smtClean="0"/>
-              <a:pPr/>
-              <a:t>11</a:t>
-            </a:fld>
-            <a:endParaRPr lang="ja-JP" altLang="en-US" dirty="0"/>
-          </a:p>
-        </p:txBody>
-      </p:sp>
-    </p:spTree>
-    <p:extLst>
-      <p:ext uri="{BB962C8B-B14F-4D97-AF65-F5344CB8AC3E}">
-        <p14:creationId xmlns:p14="http://schemas.microsoft.com/office/powerpoint/2010/main" val="2157659374"/>
-      </p:ext>
-    </p:extLst>
-  </p:cSld>
-  <p:clrMapOvr>
-    <a:masterClrMapping/>
-  </p:clrMapOvr>
-  <p:timing>
-    <p:tnLst>
-      <p:par>
-        <p:cTn id="1" dur="indefinite" restart="never" nodeType="tmRoot"/>
-      </p:par>
-    </p:tnLst>
-  </p:timing>
-</p:sld>
-</file>
-
-<file path=ppt/slides/slide12.xml><?xml version="1.0" encoding="utf-8"?>
-<p:sld xmlns:a="http://schemas.openxmlformats.org/drawingml/2006/main" xmlns:r="http://schemas.openxmlformats.org/officeDocument/2006/relationships" xmlns:p="http://schemas.openxmlformats.org/presentationml/2006/main">
-  <p:cSld>
-    <p:spTree>
-      <p:nvGrpSpPr>
-        <p:cNvPr id="1" name=""/>
-        <p:cNvGrpSpPr/>
-        <p:nvPr/>
-      </p:nvGrpSpPr>
-      <p:grpSpPr>
-        <a:xfrm>
-          <a:off x="0" y="0"/>
-          <a:ext cx="0" cy="0"/>
-          <a:chOff x="0" y="0"/>
-          <a:chExt cx="0" cy="0"/>
-        </a:xfrm>
-      </p:grpSpPr>
-      <p:sp>
-        <p:nvSpPr>
-          <p:cNvPr id="2" name="タイトル 1"/>
-          <p:cNvSpPr>
-            <a:spLocks noGrp="1"/>
-          </p:cNvSpPr>
-          <p:nvPr>
-            <p:ph type="title"/>
-          </p:nvPr>
-        </p:nvSpPr>
         <p:spPr/>
         <p:txBody>
           <a:bodyPr/>
@@ -5821,7 +4994,7 @@
             <a:fld id="{B4451160-128F-4DAD-AE29-4A8CC0E7B9E9}" type="slidenum">
               <a:rPr lang="ja-JP" altLang="en-US" smtClean="0"/>
               <a:pPr/>
-              <a:t>12</a:t>
+              <a:t>10</a:t>
             </a:fld>
             <a:endParaRPr lang="ja-JP" altLang="en-US" dirty="0"/>
           </a:p>
@@ -6136,7 +5309,7 @@
 </p:sld>
 </file>
 
-<file path=ppt/slides/slide13.xml><?xml version="1.0" encoding="utf-8"?>
+<file path=ppt/slides/slide11.xml><?xml version="1.0" encoding="utf-8"?>
 <p:sld xmlns:a="http://schemas.openxmlformats.org/drawingml/2006/main" xmlns:r="http://schemas.openxmlformats.org/officeDocument/2006/relationships" xmlns:p="http://schemas.openxmlformats.org/presentationml/2006/main">
   <p:cSld>
     <p:spTree>
@@ -6194,7 +5367,7 @@
             <a:fld id="{B4451160-128F-4DAD-AE29-4A8CC0E7B9E9}" type="slidenum">
               <a:rPr lang="ja-JP" altLang="en-US" smtClean="0"/>
               <a:pPr/>
-              <a:t>13</a:t>
+              <a:t>11</a:t>
             </a:fld>
             <a:endParaRPr lang="ja-JP" altLang="en-US" dirty="0"/>
           </a:p>
@@ -7021,7 +6194,7 @@
 </p:sld>
 </file>
 
-<file path=ppt/slides/slide14.xml><?xml version="1.0" encoding="utf-8"?>
+<file path=ppt/slides/slide12.xml><?xml version="1.0" encoding="utf-8"?>
 <p:sld xmlns:a="http://schemas.openxmlformats.org/drawingml/2006/main" xmlns:r="http://schemas.openxmlformats.org/officeDocument/2006/relationships" xmlns:p="http://schemas.openxmlformats.org/presentationml/2006/main">
   <p:cSld>
     <p:spTree>
@@ -7083,7 +6256,7 @@
             <a:fld id="{B4451160-128F-4DAD-AE29-4A8CC0E7B9E9}" type="slidenum">
               <a:rPr lang="ja-JP" altLang="en-US" smtClean="0"/>
               <a:pPr/>
-              <a:t>14</a:t>
+              <a:t>12</a:t>
             </a:fld>
             <a:endParaRPr lang="ja-JP" altLang="en-US" dirty="0"/>
           </a:p>
@@ -7956,7 +7129,7 @@
 </p:sld>
 </file>
 
-<file path=ppt/slides/slide15.xml><?xml version="1.0" encoding="utf-8"?>
+<file path=ppt/slides/slide13.xml><?xml version="1.0" encoding="utf-8"?>
 <p:sld xmlns:a="http://schemas.openxmlformats.org/drawingml/2006/main" xmlns:r="http://schemas.openxmlformats.org/officeDocument/2006/relationships" xmlns:p="http://schemas.openxmlformats.org/presentationml/2006/main">
   <p:cSld>
     <p:spTree>
@@ -8014,7 +7187,7 @@
             <a:fld id="{B4451160-128F-4DAD-AE29-4A8CC0E7B9E9}" type="slidenum">
               <a:rPr lang="ja-JP" altLang="en-US" smtClean="0"/>
               <a:pPr/>
-              <a:t>15</a:t>
+              <a:t>13</a:t>
             </a:fld>
             <a:endParaRPr lang="ja-JP" altLang="en-US" dirty="0"/>
           </a:p>
@@ -8029,7 +7202,7 @@
           <p:nvPr>
             <p:extLst>
               <p:ext uri="{D42A27DB-BD31-4B8C-83A1-F6EECF244321}">
-                <p14:modId xmlns:p14="http://schemas.microsoft.com/office/powerpoint/2010/main" val="2324311255"/>
+                <p14:modId xmlns:p14="http://schemas.microsoft.com/office/powerpoint/2010/main" val="1057689901"/>
               </p:ext>
             </p:extLst>
           </p:nvPr>
@@ -8068,7 +7241,7 @@
                     <a:p>
                       <a:pPr algn="ctr" fontAlgn="ctr"/>
                       <a:r>
-                        <a:rPr kumimoji="1" lang="ja-JP" altLang="en-US" sz="1800" u="none" strike="noStrike" kern="1200" dirty="0" smtClean="0">
+                        <a:rPr kumimoji="1" lang="ja-JP" altLang="en-US" sz="2400" u="none" strike="noStrike" kern="1200" dirty="0" smtClean="0">
                           <a:solidFill>
                             <a:schemeClr val="dk1"/>
                           </a:solidFill>
@@ -8079,7 +7252,7 @@
                         </a:rPr>
                         <a:t>応答速度の範囲</a:t>
                       </a:r>
-                      <a:endParaRPr kumimoji="1" lang="ja-JP" altLang="en-US" sz="1800" u="none" strike="noStrike" kern="1200" dirty="0">
+                      <a:endParaRPr kumimoji="1" lang="ja-JP" altLang="en-US" sz="2400" u="none" strike="noStrike" kern="1200" dirty="0">
                         <a:solidFill>
                           <a:schemeClr val="dk1"/>
                         </a:solidFill>
@@ -8099,7 +7272,7 @@
                     <a:p>
                       <a:pPr algn="ctr" fontAlgn="ctr"/>
                       <a:r>
-                        <a:rPr kumimoji="1" lang="ja-JP" altLang="en-US" sz="1800" u="none" strike="noStrike" kern="1200" dirty="0" smtClean="0">
+                        <a:rPr kumimoji="1" lang="ja-JP" altLang="en-US" sz="2400" u="none" strike="noStrike" kern="1200" dirty="0" smtClean="0">
                           <a:solidFill>
                             <a:schemeClr val="dk1"/>
                           </a:solidFill>
@@ -8110,7 +7283,7 @@
                         </a:rPr>
                         <a:t>評価</a:t>
                       </a:r>
-                      <a:endParaRPr kumimoji="1" lang="ja-JP" altLang="en-US" sz="1800" u="none" strike="noStrike" kern="1200" dirty="0">
+                      <a:endParaRPr kumimoji="1" lang="ja-JP" altLang="en-US" sz="2400" u="none" strike="noStrike" kern="1200" dirty="0">
                         <a:solidFill>
                           <a:schemeClr val="dk1"/>
                         </a:solidFill>
@@ -8153,7 +7326,7 @@
                         <a:defRPr/>
                       </a:pPr>
                       <a:r>
-                        <a:rPr kumimoji="1" lang="en-US" altLang="ja-JP" sz="1800" kern="1200" dirty="0" smtClean="0">
+                        <a:rPr kumimoji="1" lang="en-US" altLang="ja-JP" sz="2400" kern="1200" dirty="0" smtClean="0">
                           <a:solidFill>
                             <a:schemeClr val="dk1"/>
                           </a:solidFill>
@@ -8164,7 +7337,19 @@
                         </a:rPr>
                         <a:t>0.000~0.016</a:t>
                       </a:r>
-                      <a:endParaRPr lang="ja-JP" altLang="ja-JP" dirty="0" smtClean="0">
+                      <a:r>
+                        <a:rPr kumimoji="1" lang="ja-JP" altLang="en-US" sz="2400" kern="1200" dirty="0" smtClean="0">
+                          <a:solidFill>
+                            <a:schemeClr val="dk1"/>
+                          </a:solidFill>
+                          <a:effectLst/>
+                          <a:latin typeface="+mn-lt"/>
+                          <a:ea typeface="+mn-ea"/>
+                          <a:cs typeface="+mn-cs"/>
+                        </a:rPr>
+                        <a:t>秒</a:t>
+                      </a:r>
+                      <a:endParaRPr lang="ja-JP" altLang="ja-JP" sz="2400" dirty="0" smtClean="0">
                         <a:effectLst/>
                       </a:endParaRPr>
                     </a:p>
@@ -8178,7 +7363,7 @@
                     <a:p>
                       <a:pPr algn="ctr" fontAlgn="ctr"/>
                       <a:r>
-                        <a:rPr kumimoji="1" lang="en-US" altLang="ja-JP" sz="1800" u="none" strike="noStrike" kern="1200" dirty="0">
+                        <a:rPr kumimoji="1" lang="en-US" altLang="ja-JP" sz="2400" u="none" strike="noStrike" kern="1200" dirty="0">
                           <a:solidFill>
                             <a:schemeClr val="dk1"/>
                           </a:solidFill>
@@ -8223,7 +7408,7 @@
                         <a:defRPr/>
                       </a:pPr>
                       <a:r>
-                        <a:rPr kumimoji="1" lang="en-US" altLang="ja-JP" sz="1800" kern="1200" dirty="0" smtClean="0">
+                        <a:rPr kumimoji="1" lang="en-US" altLang="ja-JP" sz="2400" kern="1200" dirty="0" smtClean="0">
                           <a:solidFill>
                             <a:schemeClr val="dk1"/>
                           </a:solidFill>
@@ -8234,7 +7419,19 @@
                         </a:rPr>
                         <a:t>0.017~0.099</a:t>
                       </a:r>
-                      <a:endParaRPr lang="ja-JP" altLang="ja-JP" dirty="0" smtClean="0">
+                      <a:r>
+                        <a:rPr kumimoji="1" lang="ja-JP" altLang="en-US" sz="2400" kern="1200" dirty="0" smtClean="0">
+                          <a:solidFill>
+                            <a:schemeClr val="dk1"/>
+                          </a:solidFill>
+                          <a:effectLst/>
+                          <a:latin typeface="+mn-lt"/>
+                          <a:ea typeface="+mn-ea"/>
+                          <a:cs typeface="+mn-cs"/>
+                        </a:rPr>
+                        <a:t>秒</a:t>
+                      </a:r>
+                      <a:endParaRPr lang="ja-JP" altLang="ja-JP" sz="2400" dirty="0" smtClean="0">
                         <a:effectLst/>
                       </a:endParaRPr>
                     </a:p>
@@ -8248,7 +7445,7 @@
                     <a:p>
                       <a:pPr algn="ctr" fontAlgn="ctr"/>
                       <a:r>
-                        <a:rPr kumimoji="1" lang="en-US" altLang="ja-JP" sz="1800" u="none" strike="noStrike" kern="1200" dirty="0" smtClean="0">
+                        <a:rPr kumimoji="1" lang="en-US" altLang="ja-JP" sz="2400" u="none" strike="noStrike" kern="1200" dirty="0" smtClean="0">
                           <a:solidFill>
                             <a:schemeClr val="dk1"/>
                           </a:solidFill>
@@ -8259,7 +7456,7 @@
                         </a:rPr>
                         <a:t>A</a:t>
                       </a:r>
-                      <a:endParaRPr kumimoji="1" lang="en-US" altLang="ja-JP" sz="1800" u="none" strike="noStrike" kern="1200" dirty="0">
+                      <a:endParaRPr kumimoji="1" lang="en-US" altLang="ja-JP" sz="2400" u="none" strike="noStrike" kern="1200" dirty="0">
                         <a:solidFill>
                           <a:schemeClr val="dk1"/>
                         </a:solidFill>
@@ -8302,7 +7499,7 @@
                         <a:defRPr/>
                       </a:pPr>
                       <a:r>
-                        <a:rPr kumimoji="1" lang="en-US" altLang="ja-JP" sz="1800" kern="1200" dirty="0" smtClean="0">
+                        <a:rPr kumimoji="1" lang="en-US" altLang="ja-JP" sz="2400" kern="1200" dirty="0" smtClean="0">
                           <a:solidFill>
                             <a:schemeClr val="dk1"/>
                           </a:solidFill>
@@ -8313,7 +7510,19 @@
                         </a:rPr>
                         <a:t>0.100~0.999</a:t>
                       </a:r>
-                      <a:endParaRPr lang="ja-JP" altLang="ja-JP" dirty="0" smtClean="0">
+                      <a:r>
+                        <a:rPr kumimoji="1" lang="ja-JP" altLang="en-US" sz="2400" kern="1200" dirty="0" smtClean="0">
+                          <a:solidFill>
+                            <a:schemeClr val="dk1"/>
+                          </a:solidFill>
+                          <a:effectLst/>
+                          <a:latin typeface="+mn-lt"/>
+                          <a:ea typeface="+mn-ea"/>
+                          <a:cs typeface="+mn-cs"/>
+                        </a:rPr>
+                        <a:t>秒</a:t>
+                      </a:r>
+                      <a:endParaRPr lang="ja-JP" altLang="ja-JP" sz="2400" dirty="0" smtClean="0">
                         <a:effectLst/>
                       </a:endParaRPr>
                     </a:p>
@@ -8327,7 +7536,7 @@
                     <a:p>
                       <a:pPr algn="ctr" fontAlgn="ctr"/>
                       <a:r>
-                        <a:rPr kumimoji="1" lang="en-US" altLang="ja-JP" sz="1800" u="none" strike="noStrike" kern="1200" dirty="0" smtClean="0">
+                        <a:rPr kumimoji="1" lang="en-US" altLang="ja-JP" sz="2400" u="none" strike="noStrike" kern="1200" dirty="0" smtClean="0">
                           <a:solidFill>
                             <a:schemeClr val="dk1"/>
                           </a:solidFill>
@@ -8338,7 +7547,7 @@
                         </a:rPr>
                         <a:t>B</a:t>
                       </a:r>
-                      <a:endParaRPr kumimoji="1" lang="en-US" altLang="ja-JP" sz="1800" u="none" strike="noStrike" kern="1200" dirty="0">
+                      <a:endParaRPr kumimoji="1" lang="en-US" altLang="ja-JP" sz="2400" u="none" strike="noStrike" kern="1200" dirty="0">
                         <a:solidFill>
                           <a:schemeClr val="dk1"/>
                         </a:solidFill>
@@ -8381,7 +7590,7 @@
                         <a:defRPr/>
                       </a:pPr>
                       <a:r>
-                        <a:rPr kumimoji="1" lang="en-US" altLang="ja-JP" sz="1800" kern="1200" dirty="0" smtClean="0">
+                        <a:rPr kumimoji="1" lang="en-US" altLang="ja-JP" sz="2400" kern="1200" dirty="0" smtClean="0">
                           <a:solidFill>
                             <a:schemeClr val="dk1"/>
                           </a:solidFill>
@@ -8392,7 +7601,19 @@
                         </a:rPr>
                         <a:t>1.000~9.999</a:t>
                       </a:r>
-                      <a:endParaRPr lang="ja-JP" altLang="ja-JP" dirty="0" smtClean="0">
+                      <a:r>
+                        <a:rPr kumimoji="1" lang="ja-JP" altLang="en-US" sz="2400" kern="1200" dirty="0" smtClean="0">
+                          <a:solidFill>
+                            <a:schemeClr val="dk1"/>
+                          </a:solidFill>
+                          <a:effectLst/>
+                          <a:latin typeface="+mn-lt"/>
+                          <a:ea typeface="+mn-ea"/>
+                          <a:cs typeface="+mn-cs"/>
+                        </a:rPr>
+                        <a:t>秒</a:t>
+                      </a:r>
+                      <a:endParaRPr lang="ja-JP" altLang="ja-JP" sz="2400" dirty="0" smtClean="0">
                         <a:effectLst/>
                       </a:endParaRPr>
                     </a:p>
@@ -8406,7 +7627,7 @@
                     <a:p>
                       <a:pPr algn="ctr" fontAlgn="ctr"/>
                       <a:r>
-                        <a:rPr kumimoji="1" lang="en-US" altLang="ja-JP" sz="1800" u="none" strike="noStrike" kern="1200" dirty="0" smtClean="0">
+                        <a:rPr kumimoji="1" lang="en-US" altLang="ja-JP" sz="2400" u="none" strike="noStrike" kern="1200" dirty="0" smtClean="0">
                           <a:solidFill>
                             <a:schemeClr val="dk1"/>
                           </a:solidFill>
@@ -8417,7 +7638,7 @@
                         </a:rPr>
                         <a:t>C</a:t>
                       </a:r>
-                      <a:endParaRPr kumimoji="1" lang="en-US" altLang="ja-JP" sz="1800" u="none" strike="noStrike" kern="1200" dirty="0">
+                      <a:endParaRPr kumimoji="1" lang="en-US" altLang="ja-JP" sz="2400" u="none" strike="noStrike" kern="1200" dirty="0">
                         <a:solidFill>
                           <a:schemeClr val="dk1"/>
                         </a:solidFill>
@@ -8460,7 +7681,7 @@
                         <a:defRPr/>
                       </a:pPr>
                       <a:r>
-                        <a:rPr kumimoji="1" lang="en-US" altLang="ja-JP" sz="1800" kern="1200" dirty="0" smtClean="0">
+                        <a:rPr kumimoji="1" lang="en-US" altLang="ja-JP" sz="2400" kern="1200" dirty="0" smtClean="0">
                           <a:solidFill>
                             <a:schemeClr val="dk1"/>
                           </a:solidFill>
@@ -8472,7 +7693,7 @@
                         <a:t>10.000</a:t>
                       </a:r>
                       <a:r>
-                        <a:rPr kumimoji="1" lang="ja-JP" altLang="ja-JP" sz="1800" kern="1200" dirty="0" smtClean="0">
+                        <a:rPr kumimoji="1" lang="ja-JP" altLang="ja-JP" sz="2400" kern="1200" dirty="0" smtClean="0">
                           <a:solidFill>
                             <a:schemeClr val="dk1"/>
                           </a:solidFill>
@@ -8483,7 +7704,19 @@
                         </a:rPr>
                         <a:t>以上</a:t>
                       </a:r>
-                      <a:endParaRPr lang="ja-JP" altLang="ja-JP" dirty="0" smtClean="0">
+                      <a:r>
+                        <a:rPr kumimoji="1" lang="ja-JP" altLang="en-US" sz="2400" kern="1200" dirty="0" smtClean="0">
+                          <a:solidFill>
+                            <a:schemeClr val="dk1"/>
+                          </a:solidFill>
+                          <a:effectLst/>
+                          <a:latin typeface="+mn-lt"/>
+                          <a:ea typeface="+mn-ea"/>
+                          <a:cs typeface="+mn-cs"/>
+                        </a:rPr>
+                        <a:t>秒</a:t>
+                      </a:r>
+                      <a:endParaRPr lang="ja-JP" altLang="ja-JP" sz="2400" dirty="0" smtClean="0">
                         <a:effectLst/>
                       </a:endParaRPr>
                     </a:p>
@@ -8497,7 +7730,7 @@
                     <a:p>
                       <a:pPr algn="ctr" fontAlgn="ctr"/>
                       <a:r>
-                        <a:rPr kumimoji="1" lang="en-US" altLang="ja-JP" sz="1800" u="none" strike="noStrike" kern="1200" dirty="0" smtClean="0">
+                        <a:rPr kumimoji="1" lang="en-US" altLang="ja-JP" sz="2400" u="none" strike="noStrike" kern="1200" dirty="0" smtClean="0">
                           <a:solidFill>
                             <a:schemeClr val="dk1"/>
                           </a:solidFill>
@@ -8508,7 +7741,7 @@
                         </a:rPr>
                         <a:t>D</a:t>
                       </a:r>
-                      <a:endParaRPr kumimoji="1" lang="en-US" altLang="ja-JP" sz="1800" u="none" strike="noStrike" kern="1200" dirty="0">
+                      <a:endParaRPr kumimoji="1" lang="en-US" altLang="ja-JP" sz="2400" u="none" strike="noStrike" kern="1200" dirty="0">
                         <a:solidFill>
                           <a:schemeClr val="dk1"/>
                         </a:solidFill>
@@ -8982,6 +8215,569 @@
 </p:sld>
 </file>
 
+<file path=ppt/slides/slide14.xml><?xml version="1.0" encoding="utf-8"?>
+<p:sld xmlns:a="http://schemas.openxmlformats.org/drawingml/2006/main" xmlns:r="http://schemas.openxmlformats.org/officeDocument/2006/relationships" xmlns:p="http://schemas.openxmlformats.org/presentationml/2006/main">
+  <p:cSld>
+    <p:spTree>
+      <p:nvGrpSpPr>
+        <p:cNvPr id="1" name=""/>
+        <p:cNvGrpSpPr/>
+        <p:nvPr/>
+      </p:nvGrpSpPr>
+      <p:grpSpPr>
+        <a:xfrm>
+          <a:off x="0" y="0"/>
+          <a:ext cx="0" cy="0"/>
+          <a:chOff x="0" y="0"/>
+          <a:chExt cx="0" cy="0"/>
+        </a:xfrm>
+      </p:grpSpPr>
+      <p:sp>
+        <p:nvSpPr>
+          <p:cNvPr id="2" name="タイトル 1"/>
+          <p:cNvSpPr>
+            <a:spLocks noGrp="1"/>
+          </p:cNvSpPr>
+          <p:nvPr>
+            <p:ph type="title"/>
+          </p:nvPr>
+        </p:nvSpPr>
+        <p:spPr/>
+        <p:txBody>
+          <a:bodyPr/>
+          <a:lstStyle/>
+          <a:p>
+            <a:r>
+              <a:rPr kumimoji="1" lang="ja-JP" altLang="en-US" dirty="0" smtClean="0"/>
+              <a:t>実験方法</a:t>
+            </a:r>
+            <a:endParaRPr kumimoji="1" lang="ja-JP" altLang="en-US" dirty="0"/>
+          </a:p>
+        </p:txBody>
+      </p:sp>
+      <p:sp>
+        <p:nvSpPr>
+          <p:cNvPr id="3" name="コンテンツ プレースホルダー 2"/>
+          <p:cNvSpPr>
+            <a:spLocks noGrp="1"/>
+          </p:cNvSpPr>
+          <p:nvPr>
+            <p:ph idx="1"/>
+          </p:nvPr>
+        </p:nvSpPr>
+        <p:spPr>
+          <a:xfrm>
+            <a:off x="613266" y="1690689"/>
+            <a:ext cx="8061501" cy="4608951"/>
+          </a:xfrm>
+        </p:spPr>
+        <p:txBody>
+          <a:bodyPr>
+            <a:normAutofit/>
+          </a:bodyPr>
+          <a:lstStyle/>
+          <a:p>
+            <a:pPr marL="0" indent="0">
+              <a:buNone/>
+            </a:pPr>
+            <a:r>
+              <a:rPr lang="ja-JP" altLang="en-US" sz="3200" dirty="0" smtClean="0"/>
+              <a:t>応答</a:t>
+            </a:r>
+            <a:r>
+              <a:rPr lang="ja-JP" altLang="en-US" sz="3200" dirty="0"/>
+              <a:t>速度を</a:t>
+            </a:r>
+            <a:r>
+              <a:rPr lang="ja-JP" altLang="en-US" sz="3200" u="sng" dirty="0"/>
+              <a:t>比較</a:t>
+            </a:r>
+            <a:r>
+              <a:rPr lang="ja-JP" altLang="en-US" sz="3200" u="sng" dirty="0" smtClean="0"/>
+              <a:t>実験</a:t>
+            </a:r>
+            <a:r>
+              <a:rPr lang="ja-JP" altLang="en-US" sz="3200" dirty="0" smtClean="0"/>
+              <a:t>．</a:t>
+            </a:r>
+            <a:endParaRPr lang="en-US" altLang="ja-JP" sz="3200" dirty="0" smtClean="0"/>
+          </a:p>
+          <a:p>
+            <a:r>
+              <a:rPr lang="en-US" altLang="ja-JP" dirty="0" smtClean="0"/>
+              <a:t>WEB</a:t>
+            </a:r>
+            <a:r>
+              <a:rPr lang="ja-JP" altLang="en-US" dirty="0"/>
+              <a:t>サーバを不均一にする</a:t>
+            </a:r>
+            <a:r>
+              <a:rPr lang="ja-JP" altLang="en-US" dirty="0" smtClean="0"/>
+              <a:t>．</a:t>
+            </a:r>
+            <a:r>
+              <a:rPr lang="ja-JP" altLang="en-US" sz="2000" dirty="0" smtClean="0"/>
+              <a:t>（実験</a:t>
+            </a:r>
+            <a:r>
+              <a:rPr lang="ja-JP" altLang="en-US" sz="2000" dirty="0"/>
+              <a:t>環境</a:t>
+            </a:r>
+            <a:r>
+              <a:rPr lang="ja-JP" altLang="en-US" sz="2000" dirty="0" smtClean="0"/>
+              <a:t>２）</a:t>
+            </a:r>
+            <a:endParaRPr lang="ja-JP" altLang="en-US" dirty="0"/>
+          </a:p>
+          <a:p>
+            <a:r>
+              <a:rPr lang="ja-JP" altLang="en-US" dirty="0"/>
+              <a:t>コンフィグの</a:t>
+            </a:r>
+            <a:r>
+              <a:rPr lang="ja-JP" altLang="en-US" dirty="0" smtClean="0"/>
+              <a:t>設定</a:t>
+            </a:r>
+            <a:r>
+              <a:rPr lang="ja-JP" altLang="en-US" dirty="0"/>
+              <a:t>から</a:t>
+            </a:r>
+            <a:r>
+              <a:rPr lang="ja-JP" altLang="en-US" dirty="0" smtClean="0"/>
+              <a:t>，重み付けを均等にし，ラウンドロビン</a:t>
+            </a:r>
+            <a:r>
+              <a:rPr lang="ja-JP" altLang="en-US" dirty="0"/>
+              <a:t>と</a:t>
+            </a:r>
+            <a:r>
+              <a:rPr lang="ja-JP" altLang="en-US" dirty="0" smtClean="0"/>
+              <a:t>して動作させる．</a:t>
+            </a:r>
+            <a:endParaRPr lang="ja-JP" altLang="en-US" dirty="0"/>
+          </a:p>
+          <a:p>
+            <a:r>
+              <a:rPr lang="ja-JP" altLang="en-US" dirty="0" smtClean="0"/>
+              <a:t>「</a:t>
+            </a:r>
+            <a:r>
+              <a:rPr lang="ja-JP" altLang="en-US" dirty="0"/>
+              <a:t>ラウンドロビン</a:t>
+            </a:r>
+            <a:r>
+              <a:rPr lang="ja-JP" altLang="en-US" dirty="0" smtClean="0"/>
+              <a:t>」での</a:t>
+            </a:r>
+            <a:r>
+              <a:rPr lang="ja-JP" altLang="en-US" dirty="0"/>
+              <a:t>表示速度を</a:t>
+            </a:r>
+            <a:r>
+              <a:rPr lang="en-US" altLang="ja-JP" dirty="0"/>
+              <a:t>6</a:t>
+            </a:r>
+            <a:r>
+              <a:rPr lang="ja-JP" altLang="en-US" dirty="0" smtClean="0"/>
+              <a:t>時間計測．</a:t>
+            </a:r>
+            <a:endParaRPr lang="ja-JP" altLang="en-US" dirty="0"/>
+          </a:p>
+          <a:p>
+            <a:r>
+              <a:rPr lang="ja-JP" altLang="en-US" dirty="0"/>
+              <a:t>提案</a:t>
+            </a:r>
+            <a:r>
+              <a:rPr lang="ja-JP" altLang="en-US" dirty="0" smtClean="0"/>
+              <a:t>システムのプロトタイプに切り替え，表示</a:t>
+            </a:r>
+            <a:r>
+              <a:rPr lang="ja-JP" altLang="en-US" dirty="0"/>
+              <a:t>速度を</a:t>
+            </a:r>
+            <a:r>
+              <a:rPr lang="en-US" altLang="ja-JP" dirty="0"/>
+              <a:t>6</a:t>
+            </a:r>
+            <a:r>
+              <a:rPr lang="ja-JP" altLang="en-US" dirty="0"/>
+              <a:t>時間計測． </a:t>
+            </a:r>
+          </a:p>
+          <a:p>
+            <a:r>
+              <a:rPr lang="ja-JP" altLang="en-US" dirty="0"/>
+              <a:t>表示にかかった時間の平均を求めて比較実験終了</a:t>
+            </a:r>
+          </a:p>
+          <a:p>
+            <a:endParaRPr lang="en-US" altLang="ja-JP" dirty="0"/>
+          </a:p>
+        </p:txBody>
+      </p:sp>
+      <p:sp>
+        <p:nvSpPr>
+          <p:cNvPr id="4" name="スライド番号プレースホルダー 3"/>
+          <p:cNvSpPr>
+            <a:spLocks noGrp="1"/>
+          </p:cNvSpPr>
+          <p:nvPr>
+            <p:ph type="sldNum" sz="quarter" idx="12"/>
+          </p:nvPr>
+        </p:nvSpPr>
+        <p:spPr/>
+        <p:txBody>
+          <a:bodyPr/>
+          <a:lstStyle/>
+          <a:p>
+            <a:fld id="{B4451160-128F-4DAD-AE29-4A8CC0E7B9E9}" type="slidenum">
+              <a:rPr lang="ja-JP" altLang="en-US" smtClean="0"/>
+              <a:pPr/>
+              <a:t>14</a:t>
+            </a:fld>
+            <a:endParaRPr lang="ja-JP" altLang="en-US" dirty="0"/>
+          </a:p>
+        </p:txBody>
+      </p:sp>
+    </p:spTree>
+    <p:extLst>
+      <p:ext uri="{BB962C8B-B14F-4D97-AF65-F5344CB8AC3E}">
+        <p14:creationId xmlns:p14="http://schemas.microsoft.com/office/powerpoint/2010/main" val="1364320783"/>
+      </p:ext>
+    </p:extLst>
+  </p:cSld>
+  <p:clrMapOvr>
+    <a:masterClrMapping/>
+  </p:clrMapOvr>
+  <p:timing>
+    <p:tnLst>
+      <p:par>
+        <p:cTn id="1" dur="indefinite" restart="never" nodeType="tmRoot"/>
+      </p:par>
+    </p:tnLst>
+  </p:timing>
+</p:sld>
+</file>
+
+<file path=ppt/slides/slide15.xml><?xml version="1.0" encoding="utf-8"?>
+<p:sld xmlns:a="http://schemas.openxmlformats.org/drawingml/2006/main" xmlns:r="http://schemas.openxmlformats.org/officeDocument/2006/relationships" xmlns:p="http://schemas.openxmlformats.org/presentationml/2006/main">
+  <p:cSld>
+    <p:spTree>
+      <p:nvGrpSpPr>
+        <p:cNvPr id="1" name=""/>
+        <p:cNvGrpSpPr/>
+        <p:nvPr/>
+      </p:nvGrpSpPr>
+      <p:grpSpPr>
+        <a:xfrm>
+          <a:off x="0" y="0"/>
+          <a:ext cx="0" cy="0"/>
+          <a:chOff x="0" y="0"/>
+          <a:chExt cx="0" cy="0"/>
+        </a:xfrm>
+      </p:grpSpPr>
+      <p:sp>
+        <p:nvSpPr>
+          <p:cNvPr id="2" name="タイトル 1"/>
+          <p:cNvSpPr>
+            <a:spLocks noGrp="1"/>
+          </p:cNvSpPr>
+          <p:nvPr>
+            <p:ph type="title"/>
+          </p:nvPr>
+        </p:nvSpPr>
+        <p:spPr>
+          <a:xfrm>
+            <a:off x="628650" y="550853"/>
+            <a:ext cx="8094726" cy="1325563"/>
+          </a:xfrm>
+        </p:spPr>
+        <p:txBody>
+          <a:bodyPr/>
+          <a:lstStyle/>
+          <a:p>
+            <a:r>
+              <a:rPr lang="ja-JP" altLang="en-US" dirty="0" smtClean="0"/>
+              <a:t>実験結果</a:t>
+            </a:r>
+            <a:endParaRPr kumimoji="1" lang="ja-JP" altLang="en-US" sz="6000" dirty="0">
+              <a:solidFill>
+                <a:srgbClr val="FF0000"/>
+              </a:solidFill>
+            </a:endParaRPr>
+          </a:p>
+        </p:txBody>
+      </p:sp>
+      <p:sp>
+        <p:nvSpPr>
+          <p:cNvPr id="4" name="スライド番号プレースホルダー 3"/>
+          <p:cNvSpPr>
+            <a:spLocks noGrp="1"/>
+          </p:cNvSpPr>
+          <p:nvPr>
+            <p:ph type="sldNum" sz="quarter" idx="12"/>
+          </p:nvPr>
+        </p:nvSpPr>
+        <p:spPr/>
+        <p:txBody>
+          <a:bodyPr/>
+          <a:lstStyle/>
+          <a:p>
+            <a:fld id="{B4451160-128F-4DAD-AE29-4A8CC0E7B9E9}" type="slidenum">
+              <a:rPr lang="ja-JP" altLang="en-US" smtClean="0"/>
+              <a:pPr/>
+              <a:t>15</a:t>
+            </a:fld>
+            <a:endParaRPr lang="ja-JP" altLang="en-US" dirty="0"/>
+          </a:p>
+        </p:txBody>
+      </p:sp>
+      <p:sp>
+        <p:nvSpPr>
+          <p:cNvPr id="20" name="テキスト ボックス 19"/>
+          <p:cNvSpPr txBox="1"/>
+          <p:nvPr/>
+        </p:nvSpPr>
+        <p:spPr>
+          <a:xfrm>
+            <a:off x="458219" y="244632"/>
+            <a:ext cx="3648456" cy="369332"/>
+          </a:xfrm>
+          <a:prstGeom prst="rect">
+            <a:avLst/>
+          </a:prstGeom>
+          <a:noFill/>
+        </p:spPr>
+        <p:txBody>
+          <a:bodyPr wrap="square" rtlCol="0">
+            <a:spAutoFit/>
+          </a:bodyPr>
+          <a:lstStyle/>
+          <a:p>
+            <a:r>
+              <a:rPr lang="ja-JP" altLang="en-US" dirty="0"/>
+              <a:t>実施日</a:t>
+            </a:r>
+            <a:r>
+              <a:rPr lang="ja-JP" altLang="en-US" dirty="0" smtClean="0"/>
+              <a:t>：</a:t>
+            </a:r>
+            <a:r>
+              <a:rPr lang="en-US" altLang="ja-JP"/>
+              <a:t>2021/10/15  </a:t>
+            </a:r>
+            <a:r>
+              <a:rPr lang="en-US" altLang="ja-JP" smtClean="0"/>
+              <a:t>23:14:53</a:t>
+            </a:r>
+            <a:r>
+              <a:rPr lang="ja-JP" altLang="en-US" dirty="0" smtClean="0"/>
+              <a:t>～</a:t>
+            </a:r>
+            <a:endParaRPr kumimoji="1" lang="ja-JP" altLang="en-US" dirty="0"/>
+          </a:p>
+        </p:txBody>
+      </p:sp>
+      <p:sp>
+        <p:nvSpPr>
+          <p:cNvPr id="14" name="テキスト ボックス 13"/>
+          <p:cNvSpPr txBox="1"/>
+          <p:nvPr/>
+        </p:nvSpPr>
+        <p:spPr>
+          <a:xfrm>
+            <a:off x="6116166" y="1041572"/>
+            <a:ext cx="3209544" cy="954107"/>
+          </a:xfrm>
+          <a:prstGeom prst="rect">
+            <a:avLst/>
+          </a:prstGeom>
+          <a:noFill/>
+        </p:spPr>
+        <p:txBody>
+          <a:bodyPr wrap="square" rtlCol="0">
+            <a:spAutoFit/>
+          </a:bodyPr>
+          <a:lstStyle/>
+          <a:p>
+            <a:r>
+              <a:rPr kumimoji="1" lang="ja-JP" altLang="en-US" sz="2800" dirty="0" smtClean="0"/>
+              <a:t>計測間隔：</a:t>
+            </a:r>
+            <a:r>
+              <a:rPr kumimoji="1" lang="en-US" altLang="ja-JP" sz="2800" dirty="0" smtClean="0"/>
+              <a:t>5</a:t>
+            </a:r>
+            <a:r>
+              <a:rPr kumimoji="1" lang="ja-JP" altLang="en-US" sz="2800" dirty="0" smtClean="0"/>
+              <a:t>分</a:t>
+            </a:r>
+            <a:endParaRPr kumimoji="1" lang="en-US" altLang="ja-JP" sz="2800" dirty="0" smtClean="0"/>
+          </a:p>
+          <a:p>
+            <a:r>
+              <a:rPr lang="ja-JP" altLang="en-US" sz="2800" dirty="0" smtClean="0"/>
+              <a:t>計測時間：</a:t>
+            </a:r>
+            <a:r>
+              <a:rPr lang="en-US" altLang="ja-JP" sz="2800" dirty="0" smtClean="0"/>
+              <a:t>6</a:t>
+            </a:r>
+            <a:r>
+              <a:rPr lang="ja-JP" altLang="en-US" sz="2800" dirty="0" smtClean="0"/>
+              <a:t>時間</a:t>
+            </a:r>
+            <a:endParaRPr lang="en-US" altLang="ja-JP" sz="2800" dirty="0" smtClean="0"/>
+          </a:p>
+        </p:txBody>
+      </p:sp>
+      <p:pic>
+        <p:nvPicPr>
+          <p:cNvPr id="5" name="図 4"/>
+          <p:cNvPicPr>
+            <a:picLocks noChangeAspect="1"/>
+          </p:cNvPicPr>
+          <p:nvPr/>
+        </p:nvPicPr>
+        <p:blipFill>
+          <a:blip r:embed="rId3"/>
+          <a:stretch>
+            <a:fillRect/>
+          </a:stretch>
+        </p:blipFill>
+        <p:spPr>
+          <a:xfrm>
+            <a:off x="4407409" y="4291559"/>
+            <a:ext cx="4520538" cy="1387906"/>
+          </a:xfrm>
+          <a:prstGeom prst="rect">
+            <a:avLst/>
+          </a:prstGeom>
+        </p:spPr>
+      </p:pic>
+      <p:pic>
+        <p:nvPicPr>
+          <p:cNvPr id="7" name="図 6"/>
+          <p:cNvPicPr>
+            <a:picLocks noChangeAspect="1"/>
+          </p:cNvPicPr>
+          <p:nvPr/>
+        </p:nvPicPr>
+        <p:blipFill>
+          <a:blip r:embed="rId4"/>
+          <a:stretch>
+            <a:fillRect/>
+          </a:stretch>
+        </p:blipFill>
+        <p:spPr>
+          <a:xfrm>
+            <a:off x="4407409" y="2367135"/>
+            <a:ext cx="4520538" cy="1380510"/>
+          </a:xfrm>
+          <a:prstGeom prst="rect">
+            <a:avLst/>
+          </a:prstGeom>
+        </p:spPr>
+      </p:pic>
+      <p:sp>
+        <p:nvSpPr>
+          <p:cNvPr id="10" name="テキスト ボックス 9"/>
+          <p:cNvSpPr txBox="1"/>
+          <p:nvPr/>
+        </p:nvSpPr>
+        <p:spPr>
+          <a:xfrm>
+            <a:off x="5798439" y="5679465"/>
+            <a:ext cx="3527271" cy="369332"/>
+          </a:xfrm>
+          <a:prstGeom prst="rect">
+            <a:avLst/>
+          </a:prstGeom>
+          <a:noFill/>
+        </p:spPr>
+        <p:txBody>
+          <a:bodyPr wrap="square" rtlCol="0">
+            <a:spAutoFit/>
+          </a:bodyPr>
+          <a:lstStyle/>
+          <a:p>
+            <a:r>
+              <a:rPr kumimoji="1" lang="ja-JP" altLang="en-US" dirty="0" smtClean="0"/>
+              <a:t>速　　　　　　遅　　　　　　遅</a:t>
+            </a:r>
+            <a:endParaRPr kumimoji="1" lang="ja-JP" altLang="en-US" dirty="0"/>
+          </a:p>
+        </p:txBody>
+      </p:sp>
+      <p:pic>
+        <p:nvPicPr>
+          <p:cNvPr id="11" name="図 10"/>
+          <p:cNvPicPr>
+            <a:picLocks noChangeAspect="1"/>
+          </p:cNvPicPr>
+          <p:nvPr/>
+        </p:nvPicPr>
+        <p:blipFill>
+          <a:blip r:embed="rId5"/>
+          <a:stretch>
+            <a:fillRect/>
+          </a:stretch>
+        </p:blipFill>
+        <p:spPr>
+          <a:xfrm>
+            <a:off x="256033" y="1857503"/>
+            <a:ext cx="3986784" cy="2244025"/>
+          </a:xfrm>
+          <a:prstGeom prst="rect">
+            <a:avLst/>
+          </a:prstGeom>
+        </p:spPr>
+      </p:pic>
+      <p:pic>
+        <p:nvPicPr>
+          <p:cNvPr id="6" name="図 5"/>
+          <p:cNvPicPr>
+            <a:picLocks noChangeAspect="1"/>
+          </p:cNvPicPr>
+          <p:nvPr/>
+        </p:nvPicPr>
+        <p:blipFill>
+          <a:blip r:embed="rId6"/>
+          <a:stretch>
+            <a:fillRect/>
+          </a:stretch>
+        </p:blipFill>
+        <p:spPr>
+          <a:xfrm>
+            <a:off x="256033" y="4141197"/>
+            <a:ext cx="3986784" cy="2215154"/>
+          </a:xfrm>
+          <a:prstGeom prst="rect">
+            <a:avLst/>
+          </a:prstGeom>
+        </p:spPr>
+      </p:pic>
+    </p:spTree>
+    <p:extLst>
+      <p:ext uri="{BB962C8B-B14F-4D97-AF65-F5344CB8AC3E}">
+        <p14:creationId xmlns:p14="http://schemas.microsoft.com/office/powerpoint/2010/main" val="3879654857"/>
+      </p:ext>
+    </p:extLst>
+  </p:cSld>
+  <p:clrMapOvr>
+    <a:masterClrMapping/>
+  </p:clrMapOvr>
+  <p:timing>
+    <p:tnLst>
+      <p:par>
+        <p:cTn id="1" dur="indefinite" restart="never" nodeType="tmRoot"/>
+      </p:par>
+    </p:tnLst>
+  </p:timing>
+</p:sld>
+</file>
+
 <file path=ppt/slides/slide16.xml><?xml version="1.0" encoding="utf-8"?>
 <p:sld xmlns:a="http://schemas.openxmlformats.org/drawingml/2006/main" xmlns:r="http://schemas.openxmlformats.org/officeDocument/2006/relationships" xmlns:p="http://schemas.openxmlformats.org/presentationml/2006/main">
   <p:cSld>
@@ -9016,7 +8812,7 @@
           <a:p>
             <a:r>
               <a:rPr kumimoji="1" lang="ja-JP" altLang="en-US" dirty="0" smtClean="0"/>
-              <a:t>実験方法</a:t>
+              <a:t>まとめ・今後の展望</a:t>
             </a:r>
             <a:endParaRPr kumimoji="1" lang="ja-JP" altLang="en-US" dirty="0"/>
           </a:p>
@@ -9034,152 +8830,118 @@
         </p:nvSpPr>
         <p:spPr>
           <a:xfrm>
-            <a:off x="613266" y="1690689"/>
-            <a:ext cx="8061501" cy="4608951"/>
+            <a:off x="628650" y="1563624"/>
+            <a:ext cx="7886700" cy="4613339"/>
           </a:xfrm>
         </p:spPr>
         <p:txBody>
           <a:bodyPr>
-            <a:normAutofit/>
+            <a:normAutofit lnSpcReduction="10000"/>
           </a:bodyPr>
           <a:lstStyle/>
           <a:p>
-            <a:pPr marL="0" indent="0">
-              <a:buNone/>
-            </a:pPr>
-            <a:r>
-              <a:rPr lang="ja-JP" altLang="en-US" sz="3200" dirty="0" smtClean="0"/>
-              <a:t>応答</a:t>
-            </a:r>
-            <a:r>
-              <a:rPr lang="ja-JP" altLang="en-US" sz="3200" dirty="0"/>
-              <a:t>速度を</a:t>
-            </a:r>
-            <a:r>
-              <a:rPr lang="ja-JP" altLang="en-US" sz="3200" u="sng" dirty="0"/>
-              <a:t>比較</a:t>
-            </a:r>
-            <a:r>
-              <a:rPr lang="ja-JP" altLang="en-US" sz="3200" u="sng" dirty="0" smtClean="0"/>
-              <a:t>実験</a:t>
-            </a:r>
-            <a:r>
-              <a:rPr lang="ja-JP" altLang="en-US" sz="3200" dirty="0" smtClean="0"/>
-              <a:t>．</a:t>
-            </a:r>
-            <a:endParaRPr lang="en-US" altLang="ja-JP" sz="3200" dirty="0" smtClean="0"/>
-          </a:p>
-          <a:p>
+            <a:r>
+              <a:rPr lang="ja-JP" altLang="en-US" dirty="0" smtClean="0"/>
+              <a:t>実験結果より提案システムの実現可能性が確認できた．</a:t>
+            </a:r>
+            <a:endParaRPr lang="en-US" altLang="ja-JP" dirty="0" smtClean="0"/>
+          </a:p>
+          <a:p>
+            <a:r>
+              <a:rPr lang="ja-JP" altLang="ja-JP" dirty="0" smtClean="0"/>
+              <a:t>本提案</a:t>
+            </a:r>
+            <a:r>
+              <a:rPr lang="ja-JP" altLang="ja-JP" dirty="0"/>
+              <a:t>システム</a:t>
+            </a:r>
+            <a:r>
+              <a:rPr lang="ja-JP" altLang="ja-JP" dirty="0" smtClean="0"/>
+              <a:t>は</a:t>
+            </a:r>
+            <a:r>
+              <a:rPr lang="en-US" altLang="ja-JP" dirty="0"/>
+              <a:t>N</a:t>
+            </a:r>
             <a:r>
               <a:rPr lang="en-US" altLang="ja-JP" dirty="0" smtClean="0"/>
-              <a:t>WEB</a:t>
+              <a:t>ginx</a:t>
             </a:r>
             <a:r>
               <a:rPr lang="ja-JP" altLang="en-US" dirty="0"/>
-              <a:t>サーバを不均一にする</a:t>
+              <a:t>の設定ファイルを書き換える仕組みなので再現しやすい</a:t>
             </a:r>
             <a:r>
               <a:rPr lang="ja-JP" altLang="en-US" dirty="0" smtClean="0"/>
               <a:t>．</a:t>
             </a:r>
-            <a:r>
-              <a:rPr lang="ja-JP" altLang="en-US" sz="2000" dirty="0" smtClean="0"/>
-              <a:t>（実験</a:t>
-            </a:r>
-            <a:r>
-              <a:rPr lang="ja-JP" altLang="en-US" sz="2000" dirty="0"/>
-              <a:t>環境</a:t>
-            </a:r>
-            <a:r>
-              <a:rPr lang="ja-JP" altLang="en-US" sz="2000" dirty="0" smtClean="0"/>
-              <a:t>２）</a:t>
-            </a:r>
-            <a:endParaRPr lang="ja-JP" altLang="en-US" dirty="0"/>
-          </a:p>
-          <a:p>
-            <a:r>
-              <a:rPr lang="ja-JP" altLang="en-US" dirty="0"/>
-              <a:t>コンフィグの</a:t>
+            <a:endParaRPr lang="en-US" altLang="ja-JP" dirty="0"/>
+          </a:p>
+          <a:p>
+            <a:r>
+              <a:rPr lang="ja-JP" altLang="ja-JP" dirty="0" smtClean="0"/>
+              <a:t>現状</a:t>
+            </a:r>
+            <a:r>
+              <a:rPr lang="ja-JP" altLang="ja-JP" dirty="0"/>
+              <a:t>，利用する環境ごとに細かく設定を書き直す必要があり</a:t>
+            </a:r>
+            <a:r>
+              <a:rPr lang="ja-JP" altLang="ja-JP" dirty="0" smtClean="0"/>
+              <a:t>， </a:t>
+            </a:r>
+            <a:r>
+              <a:rPr lang="ja-JP" altLang="ja-JP" dirty="0"/>
+              <a:t>こうした設定を自動で適応処理することが出来れば，個人でも気軽に安価な負荷分散が出来ると考える</a:t>
+            </a:r>
+            <a:r>
+              <a:rPr lang="ja-JP" altLang="ja-JP" dirty="0" smtClean="0"/>
+              <a:t>．</a:t>
+            </a:r>
+            <a:endParaRPr lang="ja-JP" altLang="ja-JP" dirty="0"/>
+          </a:p>
+          <a:p>
+            <a:r>
+              <a:rPr lang="en-US" altLang="ja-JP" dirty="0" smtClean="0"/>
+              <a:t>Web</a:t>
+            </a:r>
+            <a:r>
+              <a:rPr lang="ja-JP" altLang="ja-JP" dirty="0"/>
+              <a:t>サイトも重要なライフラインになりつつあるので，</a:t>
+            </a:r>
+            <a:r>
+              <a:rPr lang="ja-JP" altLang="ja-JP" dirty="0" smtClean="0"/>
+              <a:t>本</a:t>
             </a:r>
             <a:r>
               <a:rPr lang="ja-JP" altLang="en-US" dirty="0" smtClean="0"/>
-              <a:t>設定</a:t>
-            </a:r>
-            <a:r>
-              <a:rPr lang="ja-JP" altLang="en-US" dirty="0"/>
-              <a:t>から</a:t>
+              <a:t>提案</a:t>
+            </a:r>
+            <a:r>
+              <a:rPr lang="ja-JP" altLang="ja-JP" dirty="0" smtClean="0"/>
+              <a:t>システム</a:t>
             </a:r>
             <a:r>
               <a:rPr lang="ja-JP" altLang="en-US" dirty="0" smtClean="0"/>
-              <a:t>，重み付けを均等にし，ラウンドロビン</a:t>
-            </a:r>
-            <a:r>
-              <a:rPr lang="ja-JP" altLang="en-US" dirty="0"/>
-              <a:t>と</a:t>
+              <a:t>が</a:t>
+            </a:r>
+            <a:r>
+              <a:rPr lang="ja-JP" altLang="ja-JP" dirty="0" smtClean="0"/>
+              <a:t>，</a:t>
             </a:r>
             <a:r>
               <a:rPr lang="ja-JP" altLang="en-US" dirty="0" smtClean="0"/>
-              <a:t>して動作させる．</a:t>
-            </a:r>
-            <a:endParaRPr lang="ja-JP" altLang="en-US" dirty="0"/>
-          </a:p>
-          <a:p>
-            <a:r>
-              <a:rPr lang="ja-JP" altLang="en-US" dirty="0" smtClean="0"/>
-              <a:t>「</a:t>
-            </a:r>
-            <a:r>
-              <a:rPr lang="ja-JP" altLang="en-US" dirty="0"/>
-              <a:t>ラウンドロビン</a:t>
-            </a:r>
-            <a:r>
-              <a:rPr lang="ja-JP" altLang="en-US" dirty="0" smtClean="0"/>
-              <a:t>」での</a:t>
-            </a:r>
-            <a:r>
-              <a:rPr lang="ja-JP" altLang="en-US" dirty="0"/>
-              <a:t>表示速度を</a:t>
-            </a:r>
-            <a:r>
-              <a:rPr lang="en-US" altLang="ja-JP" dirty="0"/>
-              <a:t>6</a:t>
-            </a:r>
-            <a:r>
-              <a:rPr lang="ja-JP" altLang="en-US" dirty="0" smtClean="0"/>
-              <a:t>時間計測．</a:t>
-            </a:r>
-            <a:endParaRPr lang="ja-JP" altLang="en-US" dirty="0"/>
-          </a:p>
-          <a:p>
-            <a:r>
-              <a:rPr lang="ja-JP" altLang="en-US" dirty="0"/>
-              <a:t>提案</a:t>
-            </a:r>
-            <a:r>
-              <a:rPr lang="ja-JP" altLang="en-US" dirty="0" smtClean="0"/>
-              <a:t>システムのプロトタイプに切り替え，表示</a:t>
-            </a:r>
-            <a:r>
-              <a:rPr lang="ja-JP" altLang="en-US" dirty="0"/>
-              <a:t>速度を</a:t>
-            </a:r>
-            <a:r>
-              <a:rPr lang="en-US" altLang="ja-JP" dirty="0"/>
-              <a:t>6</a:t>
-            </a:r>
-            <a:r>
-              <a:rPr lang="ja-JP" altLang="en-US" dirty="0"/>
-              <a:t>時間計測． </a:t>
-            </a:r>
-          </a:p>
-          <a:p>
-            <a:r>
-              <a:rPr lang="ja-JP" altLang="en-US" dirty="0"/>
-              <a:t>表示にかかった時間の平均を求めて比較実験終了</a:t>
-            </a:r>
-          </a:p>
-          <a:p>
-            <a:endParaRPr lang="en-US" altLang="ja-JP" dirty="0"/>
+              <a:t>安価で，負荷に強く，応答速度が速い</a:t>
+            </a:r>
+            <a:r>
+              <a:rPr lang="en-US" altLang="ja-JP" dirty="0" smtClean="0"/>
+              <a:t>Web</a:t>
+            </a:r>
+            <a:r>
+              <a:rPr lang="ja-JP" altLang="ja-JP" dirty="0"/>
+              <a:t>サイト作りに貢献できることを期待している．</a:t>
+            </a:r>
+            <a:endParaRPr kumimoji="1" lang="ja-JP" altLang="en-US" dirty="0"/>
           </a:p>
         </p:txBody>
       </p:sp>
@@ -9210,7 +8972,7 @@
     </p:spTree>
     <p:extLst>
       <p:ext uri="{BB962C8B-B14F-4D97-AF65-F5344CB8AC3E}">
-        <p14:creationId xmlns:p14="http://schemas.microsoft.com/office/powerpoint/2010/main" val="1364320783"/>
+        <p14:creationId xmlns:p14="http://schemas.microsoft.com/office/powerpoint/2010/main" val="3987284099"/>
       </p:ext>
     </p:extLst>
   </p:cSld>
@@ -9256,555 +9018,6 @@
         </p:nvSpPr>
         <p:spPr>
           <a:xfrm>
-            <a:off x="628650" y="550853"/>
-            <a:ext cx="8094726" cy="1325563"/>
-          </a:xfrm>
-        </p:spPr>
-        <p:txBody>
-          <a:bodyPr/>
-          <a:lstStyle/>
-          <a:p>
-            <a:r>
-              <a:rPr lang="ja-JP" altLang="en-US" dirty="0" smtClean="0"/>
-              <a:t>実験結果</a:t>
-            </a:r>
-            <a:endParaRPr kumimoji="1" lang="ja-JP" altLang="en-US" sz="6000" dirty="0">
-              <a:solidFill>
-                <a:srgbClr val="FF0000"/>
-              </a:solidFill>
-            </a:endParaRPr>
-          </a:p>
-        </p:txBody>
-      </p:sp>
-      <p:sp>
-        <p:nvSpPr>
-          <p:cNvPr id="4" name="スライド番号プレースホルダー 3"/>
-          <p:cNvSpPr>
-            <a:spLocks noGrp="1"/>
-          </p:cNvSpPr>
-          <p:nvPr>
-            <p:ph type="sldNum" sz="quarter" idx="12"/>
-          </p:nvPr>
-        </p:nvSpPr>
-        <p:spPr/>
-        <p:txBody>
-          <a:bodyPr/>
-          <a:lstStyle/>
-          <a:p>
-            <a:fld id="{B4451160-128F-4DAD-AE29-4A8CC0E7B9E9}" type="slidenum">
-              <a:rPr lang="ja-JP" altLang="en-US" smtClean="0"/>
-              <a:pPr/>
-              <a:t>17</a:t>
-            </a:fld>
-            <a:endParaRPr lang="ja-JP" altLang="en-US" dirty="0"/>
-          </a:p>
-        </p:txBody>
-      </p:sp>
-      <p:sp>
-        <p:nvSpPr>
-          <p:cNvPr id="20" name="テキスト ボックス 19"/>
-          <p:cNvSpPr txBox="1"/>
-          <p:nvPr/>
-        </p:nvSpPr>
-        <p:spPr>
-          <a:xfrm>
-            <a:off x="458219" y="244632"/>
-            <a:ext cx="3648456" cy="369332"/>
-          </a:xfrm>
-          <a:prstGeom prst="rect">
-            <a:avLst/>
-          </a:prstGeom>
-          <a:noFill/>
-        </p:spPr>
-        <p:txBody>
-          <a:bodyPr wrap="square" rtlCol="0">
-            <a:spAutoFit/>
-          </a:bodyPr>
-          <a:lstStyle/>
-          <a:p>
-            <a:r>
-              <a:rPr lang="ja-JP" altLang="en-US" dirty="0"/>
-              <a:t>実施日</a:t>
-            </a:r>
-            <a:r>
-              <a:rPr lang="ja-JP" altLang="en-US" dirty="0" smtClean="0"/>
-              <a:t>：</a:t>
-            </a:r>
-            <a:r>
-              <a:rPr lang="en-US" altLang="ja-JP"/>
-              <a:t>2021/10/15  </a:t>
-            </a:r>
-            <a:r>
-              <a:rPr lang="en-US" altLang="ja-JP" smtClean="0"/>
-              <a:t>23:14:53</a:t>
-            </a:r>
-            <a:r>
-              <a:rPr lang="ja-JP" altLang="en-US" dirty="0" smtClean="0"/>
-              <a:t>～</a:t>
-            </a:r>
-            <a:endParaRPr kumimoji="1" lang="ja-JP" altLang="en-US" dirty="0"/>
-          </a:p>
-        </p:txBody>
-      </p:sp>
-      <p:sp>
-        <p:nvSpPr>
-          <p:cNvPr id="14" name="テキスト ボックス 13"/>
-          <p:cNvSpPr txBox="1"/>
-          <p:nvPr/>
-        </p:nvSpPr>
-        <p:spPr>
-          <a:xfrm>
-            <a:off x="6116166" y="1041572"/>
-            <a:ext cx="3209544" cy="954107"/>
-          </a:xfrm>
-          <a:prstGeom prst="rect">
-            <a:avLst/>
-          </a:prstGeom>
-          <a:noFill/>
-        </p:spPr>
-        <p:txBody>
-          <a:bodyPr wrap="square" rtlCol="0">
-            <a:spAutoFit/>
-          </a:bodyPr>
-          <a:lstStyle/>
-          <a:p>
-            <a:r>
-              <a:rPr kumimoji="1" lang="ja-JP" altLang="en-US" sz="2800" dirty="0" smtClean="0"/>
-              <a:t>計測間隔：</a:t>
-            </a:r>
-            <a:r>
-              <a:rPr kumimoji="1" lang="en-US" altLang="ja-JP" sz="2800" dirty="0" smtClean="0"/>
-              <a:t>5</a:t>
-            </a:r>
-            <a:r>
-              <a:rPr kumimoji="1" lang="ja-JP" altLang="en-US" sz="2800" dirty="0" smtClean="0"/>
-              <a:t>分</a:t>
-            </a:r>
-            <a:endParaRPr kumimoji="1" lang="en-US" altLang="ja-JP" sz="2800" dirty="0" smtClean="0"/>
-          </a:p>
-          <a:p>
-            <a:r>
-              <a:rPr lang="ja-JP" altLang="en-US" sz="2800" dirty="0" smtClean="0"/>
-              <a:t>計測時間：</a:t>
-            </a:r>
-            <a:r>
-              <a:rPr lang="en-US" altLang="ja-JP" sz="2800" dirty="0" smtClean="0"/>
-              <a:t>6</a:t>
-            </a:r>
-            <a:r>
-              <a:rPr lang="ja-JP" altLang="en-US" sz="2800" dirty="0" smtClean="0"/>
-              <a:t>時間</a:t>
-            </a:r>
-            <a:endParaRPr lang="en-US" altLang="ja-JP" sz="2800" dirty="0" smtClean="0"/>
-          </a:p>
-        </p:txBody>
-      </p:sp>
-      <p:pic>
-        <p:nvPicPr>
-          <p:cNvPr id="5" name="図 4"/>
-          <p:cNvPicPr>
-            <a:picLocks noChangeAspect="1"/>
-          </p:cNvPicPr>
-          <p:nvPr/>
-        </p:nvPicPr>
-        <p:blipFill>
-          <a:blip r:embed="rId3"/>
-          <a:stretch>
-            <a:fillRect/>
-          </a:stretch>
-        </p:blipFill>
-        <p:spPr>
-          <a:xfrm>
-            <a:off x="1101698" y="4105435"/>
-            <a:ext cx="6619240" cy="1693294"/>
-          </a:xfrm>
-          <a:prstGeom prst="rect">
-            <a:avLst/>
-          </a:prstGeom>
-        </p:spPr>
-      </p:pic>
-      <p:pic>
-        <p:nvPicPr>
-          <p:cNvPr id="7" name="図 6"/>
-          <p:cNvPicPr>
-            <a:picLocks noChangeAspect="1"/>
-          </p:cNvPicPr>
-          <p:nvPr/>
-        </p:nvPicPr>
-        <p:blipFill>
-          <a:blip r:embed="rId4"/>
-          <a:stretch>
-            <a:fillRect/>
-          </a:stretch>
-        </p:blipFill>
-        <p:spPr>
-          <a:xfrm>
-            <a:off x="1101698" y="2182637"/>
-            <a:ext cx="6619240" cy="1684271"/>
-          </a:xfrm>
-          <a:prstGeom prst="rect">
-            <a:avLst/>
-          </a:prstGeom>
-        </p:spPr>
-      </p:pic>
-      <p:sp>
-        <p:nvSpPr>
-          <p:cNvPr id="3" name="テキスト ボックス 2"/>
-          <p:cNvSpPr txBox="1"/>
-          <p:nvPr/>
-        </p:nvSpPr>
-        <p:spPr>
-          <a:xfrm>
-            <a:off x="2992374" y="5800000"/>
-            <a:ext cx="1517904" cy="369332"/>
-          </a:xfrm>
-          <a:prstGeom prst="rect">
-            <a:avLst/>
-          </a:prstGeom>
-          <a:noFill/>
-        </p:spPr>
-        <p:txBody>
-          <a:bodyPr wrap="square" rtlCol="0">
-            <a:spAutoFit/>
-          </a:bodyPr>
-          <a:lstStyle/>
-          <a:p>
-            <a:r>
-              <a:rPr kumimoji="1" lang="ja-JP" altLang="en-US" dirty="0" smtClean="0"/>
-              <a:t>速いサーバ</a:t>
-            </a:r>
-            <a:endParaRPr kumimoji="1" lang="ja-JP" altLang="en-US" dirty="0"/>
-          </a:p>
-        </p:txBody>
-      </p:sp>
-      <p:sp>
-        <p:nvSpPr>
-          <p:cNvPr id="9" name="テキスト ボックス 8"/>
-          <p:cNvSpPr txBox="1"/>
-          <p:nvPr/>
-        </p:nvSpPr>
-        <p:spPr>
-          <a:xfrm>
-            <a:off x="4510278" y="5798729"/>
-            <a:ext cx="1517904" cy="369332"/>
-          </a:xfrm>
-          <a:prstGeom prst="rect">
-            <a:avLst/>
-          </a:prstGeom>
-          <a:noFill/>
-        </p:spPr>
-        <p:txBody>
-          <a:bodyPr wrap="square" rtlCol="0">
-            <a:spAutoFit/>
-          </a:bodyPr>
-          <a:lstStyle/>
-          <a:p>
-            <a:r>
-              <a:rPr lang="ja-JP" altLang="en-US" dirty="0" smtClean="0"/>
-              <a:t>遅</a:t>
-            </a:r>
-            <a:r>
-              <a:rPr kumimoji="1" lang="ja-JP" altLang="en-US" dirty="0" smtClean="0"/>
-              <a:t>いサーバ</a:t>
-            </a:r>
-            <a:endParaRPr kumimoji="1" lang="ja-JP" altLang="en-US" dirty="0"/>
-          </a:p>
-        </p:txBody>
-      </p:sp>
-      <p:sp>
-        <p:nvSpPr>
-          <p:cNvPr id="10" name="テキスト ボックス 9"/>
-          <p:cNvSpPr txBox="1"/>
-          <p:nvPr/>
-        </p:nvSpPr>
-        <p:spPr>
-          <a:xfrm>
-            <a:off x="6115608" y="5798729"/>
-            <a:ext cx="1517904" cy="369332"/>
-          </a:xfrm>
-          <a:prstGeom prst="rect">
-            <a:avLst/>
-          </a:prstGeom>
-          <a:noFill/>
-        </p:spPr>
-        <p:txBody>
-          <a:bodyPr wrap="square" rtlCol="0">
-            <a:spAutoFit/>
-          </a:bodyPr>
-          <a:lstStyle/>
-          <a:p>
-            <a:r>
-              <a:rPr lang="ja-JP" altLang="en-US" dirty="0"/>
-              <a:t>遅い</a:t>
-            </a:r>
-            <a:r>
-              <a:rPr kumimoji="1" lang="ja-JP" altLang="en-US" dirty="0" smtClean="0"/>
-              <a:t>サーバ</a:t>
-            </a:r>
-            <a:endParaRPr kumimoji="1" lang="ja-JP" altLang="en-US" dirty="0"/>
-          </a:p>
-        </p:txBody>
-      </p:sp>
-    </p:spTree>
-    <p:extLst>
-      <p:ext uri="{BB962C8B-B14F-4D97-AF65-F5344CB8AC3E}">
-        <p14:creationId xmlns:p14="http://schemas.microsoft.com/office/powerpoint/2010/main" val="3879654857"/>
-      </p:ext>
-    </p:extLst>
-  </p:cSld>
-  <p:clrMapOvr>
-    <a:masterClrMapping/>
-  </p:clrMapOvr>
-  <p:timing>
-    <p:tnLst>
-      <p:par>
-        <p:cTn id="1" dur="indefinite" restart="never" nodeType="tmRoot"/>
-      </p:par>
-    </p:tnLst>
-  </p:timing>
-</p:sld>
-</file>
-
-<file path=ppt/slides/slide18.xml><?xml version="1.0" encoding="utf-8"?>
-<p:sld xmlns:a="http://schemas.openxmlformats.org/drawingml/2006/main" xmlns:r="http://schemas.openxmlformats.org/officeDocument/2006/relationships" xmlns:p="http://schemas.openxmlformats.org/presentationml/2006/main">
-  <p:cSld>
-    <p:spTree>
-      <p:nvGrpSpPr>
-        <p:cNvPr id="1" name=""/>
-        <p:cNvGrpSpPr/>
-        <p:nvPr/>
-      </p:nvGrpSpPr>
-      <p:grpSpPr>
-        <a:xfrm>
-          <a:off x="0" y="0"/>
-          <a:ext cx="0" cy="0"/>
-          <a:chOff x="0" y="0"/>
-          <a:chExt cx="0" cy="0"/>
-        </a:xfrm>
-      </p:grpSpPr>
-      <p:sp>
-        <p:nvSpPr>
-          <p:cNvPr id="2" name="タイトル 1"/>
-          <p:cNvSpPr>
-            <a:spLocks noGrp="1"/>
-          </p:cNvSpPr>
-          <p:nvPr>
-            <p:ph type="title"/>
-          </p:nvPr>
-        </p:nvSpPr>
-        <p:spPr/>
-        <p:txBody>
-          <a:bodyPr/>
-          <a:lstStyle/>
-          <a:p>
-            <a:r>
-              <a:rPr kumimoji="1" lang="ja-JP" altLang="en-US" dirty="0" smtClean="0"/>
-              <a:t>まとめ・今後の展望</a:t>
-            </a:r>
-            <a:endParaRPr kumimoji="1" lang="ja-JP" altLang="en-US" dirty="0"/>
-          </a:p>
-        </p:txBody>
-      </p:sp>
-      <p:sp>
-        <p:nvSpPr>
-          <p:cNvPr id="3" name="コンテンツ プレースホルダー 2"/>
-          <p:cNvSpPr>
-            <a:spLocks noGrp="1"/>
-          </p:cNvSpPr>
-          <p:nvPr>
-            <p:ph idx="1"/>
-          </p:nvPr>
-        </p:nvSpPr>
-        <p:spPr>
-          <a:xfrm>
-            <a:off x="628650" y="1563624"/>
-            <a:ext cx="7886700" cy="4613339"/>
-          </a:xfrm>
-        </p:spPr>
-        <p:txBody>
-          <a:bodyPr>
-            <a:normAutofit lnSpcReduction="10000"/>
-          </a:bodyPr>
-          <a:lstStyle/>
-          <a:p>
-            <a:r>
-              <a:rPr lang="ja-JP" altLang="en-US" dirty="0" smtClean="0"/>
-              <a:t>実験結果より提案システムの実現可能性が確認できた．</a:t>
-            </a:r>
-            <a:endParaRPr lang="en-US" altLang="ja-JP" dirty="0" smtClean="0"/>
-          </a:p>
-          <a:p>
-            <a:r>
-              <a:rPr lang="ja-JP" altLang="ja-JP" dirty="0" smtClean="0"/>
-              <a:t>本提案</a:t>
-            </a:r>
-            <a:r>
-              <a:rPr lang="ja-JP" altLang="ja-JP" dirty="0"/>
-              <a:t>システム</a:t>
-            </a:r>
-            <a:r>
-              <a:rPr lang="ja-JP" altLang="ja-JP" dirty="0" smtClean="0"/>
-              <a:t>は</a:t>
-            </a:r>
-            <a:r>
-              <a:rPr lang="en-US" altLang="ja-JP" dirty="0"/>
-              <a:t>N</a:t>
-            </a:r>
-            <a:r>
-              <a:rPr lang="en-US" altLang="ja-JP" dirty="0" smtClean="0"/>
-              <a:t>ginx</a:t>
-            </a:r>
-            <a:r>
-              <a:rPr lang="ja-JP" altLang="en-US" dirty="0"/>
-              <a:t>の設定ファイルを書き換える仕組みなので再現しやすい</a:t>
-            </a:r>
-            <a:r>
-              <a:rPr lang="ja-JP" altLang="en-US" dirty="0" smtClean="0"/>
-              <a:t>．</a:t>
-            </a:r>
-            <a:endParaRPr lang="en-US" altLang="ja-JP" dirty="0"/>
-          </a:p>
-          <a:p>
-            <a:r>
-              <a:rPr lang="ja-JP" altLang="ja-JP" dirty="0" smtClean="0"/>
-              <a:t>現状</a:t>
-            </a:r>
-            <a:r>
-              <a:rPr lang="ja-JP" altLang="ja-JP" dirty="0"/>
-              <a:t>，利用する環境ごとに細かく設定を書き直す必要があり</a:t>
-            </a:r>
-            <a:r>
-              <a:rPr lang="ja-JP" altLang="ja-JP" dirty="0" smtClean="0"/>
-              <a:t>， </a:t>
-            </a:r>
-            <a:r>
-              <a:rPr lang="ja-JP" altLang="ja-JP" dirty="0"/>
-              <a:t>こうした設定を自動で適応処理することが出来れば，個人でも気軽に安価な負荷分散が出来ると考える</a:t>
-            </a:r>
-            <a:r>
-              <a:rPr lang="ja-JP" altLang="ja-JP" dirty="0" smtClean="0"/>
-              <a:t>．</a:t>
-            </a:r>
-            <a:endParaRPr lang="ja-JP" altLang="ja-JP" dirty="0"/>
-          </a:p>
-          <a:p>
-            <a:r>
-              <a:rPr lang="en-US" altLang="ja-JP" dirty="0" smtClean="0"/>
-              <a:t>Web</a:t>
-            </a:r>
-            <a:r>
-              <a:rPr lang="ja-JP" altLang="ja-JP" dirty="0"/>
-              <a:t>サイトも重要なライフラインになりつつあるので，</a:t>
-            </a:r>
-            <a:r>
-              <a:rPr lang="ja-JP" altLang="ja-JP" dirty="0" smtClean="0"/>
-              <a:t>本</a:t>
-            </a:r>
-            <a:r>
-              <a:rPr lang="ja-JP" altLang="en-US" dirty="0" smtClean="0"/>
-              <a:t>提案</a:t>
-            </a:r>
-            <a:r>
-              <a:rPr lang="ja-JP" altLang="ja-JP" dirty="0" smtClean="0"/>
-              <a:t>システム</a:t>
-            </a:r>
-            <a:r>
-              <a:rPr lang="ja-JP" altLang="en-US" dirty="0" smtClean="0"/>
-              <a:t>が</a:t>
-            </a:r>
-            <a:r>
-              <a:rPr lang="ja-JP" altLang="ja-JP" dirty="0" smtClean="0"/>
-              <a:t>，</a:t>
-            </a:r>
-            <a:r>
-              <a:rPr lang="ja-JP" altLang="en-US" dirty="0" smtClean="0"/>
-              <a:t>安価で，負荷に強く，応答速度が速い</a:t>
-            </a:r>
-            <a:r>
-              <a:rPr lang="en-US" altLang="ja-JP" dirty="0" smtClean="0"/>
-              <a:t>Web</a:t>
-            </a:r>
-            <a:r>
-              <a:rPr lang="ja-JP" altLang="ja-JP" dirty="0"/>
-              <a:t>サイト作りに貢献できることを期待している．</a:t>
-            </a:r>
-            <a:endParaRPr kumimoji="1" lang="ja-JP" altLang="en-US" dirty="0"/>
-          </a:p>
-        </p:txBody>
-      </p:sp>
-      <p:sp>
-        <p:nvSpPr>
-          <p:cNvPr id="4" name="スライド番号プレースホルダー 3"/>
-          <p:cNvSpPr>
-            <a:spLocks noGrp="1"/>
-          </p:cNvSpPr>
-          <p:nvPr>
-            <p:ph type="sldNum" sz="quarter" idx="12"/>
-          </p:nvPr>
-        </p:nvSpPr>
-        <p:spPr/>
-        <p:txBody>
-          <a:bodyPr/>
-          <a:lstStyle/>
-          <a:p>
-            <a:fld id="{B4451160-128F-4DAD-AE29-4A8CC0E7B9E9}" type="slidenum">
-              <a:rPr lang="ja-JP" altLang="en-US" smtClean="0"/>
-              <a:pPr/>
-              <a:t>18</a:t>
-            </a:fld>
-            <a:endParaRPr lang="ja-JP" altLang="en-US" dirty="0"/>
-          </a:p>
-        </p:txBody>
-      </p:sp>
-    </p:spTree>
-    <p:extLst>
-      <p:ext uri="{BB962C8B-B14F-4D97-AF65-F5344CB8AC3E}">
-        <p14:creationId xmlns:p14="http://schemas.microsoft.com/office/powerpoint/2010/main" val="3987284099"/>
-      </p:ext>
-    </p:extLst>
-  </p:cSld>
-  <p:clrMapOvr>
-    <a:masterClrMapping/>
-  </p:clrMapOvr>
-  <p:timing>
-    <p:tnLst>
-      <p:par>
-        <p:cTn id="1" dur="indefinite" restart="never" nodeType="tmRoot"/>
-      </p:par>
-    </p:tnLst>
-  </p:timing>
-</p:sld>
-</file>
-
-<file path=ppt/slides/slide19.xml><?xml version="1.0" encoding="utf-8"?>
-<p:sld xmlns:a="http://schemas.openxmlformats.org/drawingml/2006/main" xmlns:r="http://schemas.openxmlformats.org/officeDocument/2006/relationships" xmlns:p="http://schemas.openxmlformats.org/presentationml/2006/main">
-  <p:cSld>
-    <p:spTree>
-      <p:nvGrpSpPr>
-        <p:cNvPr id="1" name=""/>
-        <p:cNvGrpSpPr/>
-        <p:nvPr/>
-      </p:nvGrpSpPr>
-      <p:grpSpPr>
-        <a:xfrm>
-          <a:off x="0" y="0"/>
-          <a:ext cx="0" cy="0"/>
-          <a:chOff x="0" y="0"/>
-          <a:chExt cx="0" cy="0"/>
-        </a:xfrm>
-      </p:grpSpPr>
-      <p:sp>
-        <p:nvSpPr>
-          <p:cNvPr id="2" name="タイトル 1"/>
-          <p:cNvSpPr>
-            <a:spLocks noGrp="1"/>
-          </p:cNvSpPr>
-          <p:nvPr>
-            <p:ph type="title"/>
-          </p:nvPr>
-        </p:nvSpPr>
-        <p:spPr>
-          <a:xfrm>
             <a:off x="210312" y="137160"/>
             <a:ext cx="7886700" cy="940881"/>
           </a:xfrm>
@@ -10372,7 +9585,7 @@
             <a:fld id="{B4451160-128F-4DAD-AE29-4A8CC0E7B9E9}" type="slidenum">
               <a:rPr lang="ja-JP" altLang="en-US" smtClean="0"/>
               <a:pPr/>
-              <a:t>19</a:t>
+              <a:t>17</a:t>
             </a:fld>
             <a:endParaRPr lang="ja-JP" altLang="en-US" dirty="0"/>
           </a:p>
@@ -10427,7 +9640,7 @@
         </p:nvSpPr>
         <p:spPr>
           <a:xfrm>
-            <a:off x="438446" y="1603000"/>
+            <a:off x="438446" y="1548813"/>
             <a:ext cx="8303683" cy="4904300"/>
           </a:xfrm>
         </p:spPr>
@@ -10437,109 +9650,140 @@
           </a:bodyPr>
           <a:lstStyle/>
           <a:p>
+            <a:pPr>
+              <a:lnSpc>
+                <a:spcPct val="100000"/>
+              </a:lnSpc>
+            </a:pPr>
+            <a:r>
+              <a:rPr lang="en-US" altLang="ja-JP" sz="3200" dirty="0" smtClean="0"/>
+              <a:t>Web</a:t>
+            </a:r>
+            <a:r>
+              <a:rPr lang="ja-JP" altLang="ja-JP" sz="3200" dirty="0" smtClean="0"/>
+              <a:t>サービス</a:t>
+            </a:r>
             <a:r>
               <a:rPr lang="ja-JP" altLang="ja-JP" sz="3200" dirty="0"/>
-              <a:t>大企業だけでなく中小企業や個人のサイト</a:t>
+              <a:t>が拡大するにつれて</a:t>
+            </a:r>
+            <a:r>
+              <a:rPr lang="ja-JP" altLang="en-US" sz="3200" dirty="0"/>
+              <a:t>「</a:t>
+            </a:r>
+            <a:r>
+              <a:rPr lang="ja-JP" altLang="ja-JP" sz="3200" dirty="0"/>
+              <a:t>サーバロードバランシング</a:t>
+            </a:r>
+            <a:r>
+              <a:rPr lang="ja-JP" altLang="en-US" sz="3200" dirty="0"/>
+              <a:t>」</a:t>
+            </a:r>
+            <a:r>
+              <a:rPr lang="ja-JP" altLang="ja-JP" sz="3200" dirty="0"/>
+              <a:t>は重要視される．</a:t>
+            </a:r>
+            <a:endParaRPr lang="en-US" altLang="ja-JP" sz="3200" dirty="0" smtClean="0"/>
+          </a:p>
+          <a:p>
+            <a:pPr>
+              <a:lnSpc>
+                <a:spcPct val="100000"/>
+              </a:lnSpc>
+            </a:pPr>
+            <a:r>
+              <a:rPr lang="en-US" altLang="ja-JP" sz="3200" dirty="0" smtClean="0"/>
+              <a:t>SEO(Search </a:t>
+            </a:r>
+            <a:r>
+              <a:rPr lang="en-US" altLang="ja-JP" sz="3200" dirty="0"/>
+              <a:t>Engine Optimization)</a:t>
             </a:r>
             <a:r>
               <a:rPr lang="ja-JP" altLang="ja-JP" sz="3200" dirty="0" smtClean="0"/>
-              <a:t>でもサービス</a:t>
+              <a:t>の</a:t>
             </a:r>
             <a:r>
               <a:rPr lang="ja-JP" altLang="ja-JP" sz="3200" dirty="0"/>
-              <a:t>が拡大するに</a:t>
+              <a:t>観点から</a:t>
             </a:r>
             <a:r>
               <a:rPr lang="ja-JP" altLang="ja-JP" sz="3200" dirty="0" smtClean="0"/>
-              <a:t>つれて</a:t>
+              <a:t>，競合サイトと比較し自身の</a:t>
+            </a:r>
+            <a:r>
+              <a:rPr lang="en-US" altLang="ja-JP" sz="3200" dirty="0" smtClean="0"/>
+              <a:t>WEB</a:t>
+            </a:r>
+            <a:r>
+              <a:rPr lang="ja-JP" altLang="ja-JP" sz="3200" dirty="0" smtClean="0"/>
+              <a:t>サイトの表示</a:t>
+            </a:r>
+            <a:r>
+              <a:rPr lang="ja-JP" altLang="ja-JP" sz="3200" dirty="0"/>
+              <a:t>速度が遅いとランキング評価で不利になるとされて</a:t>
+            </a:r>
+            <a:r>
+              <a:rPr lang="ja-JP" altLang="ja-JP" sz="3200" dirty="0" smtClean="0"/>
+              <a:t>いる</a:t>
+            </a:r>
+            <a:r>
+              <a:rPr lang="en-US" altLang="ja-JP" sz="3200" dirty="0"/>
+              <a:t>[Daniel </a:t>
+            </a:r>
+            <a:r>
+              <a:rPr lang="en-US" altLang="ja-JP" sz="3200" dirty="0" smtClean="0"/>
+              <a:t>2017].</a:t>
+            </a:r>
+            <a:endParaRPr lang="en-US" altLang="ja-JP" sz="3200" dirty="0"/>
+          </a:p>
+          <a:p>
+            <a:pPr>
+              <a:lnSpc>
+                <a:spcPct val="100000"/>
+              </a:lnSpc>
+            </a:pPr>
+            <a:r>
+              <a:rPr lang="ja-JP" altLang="en-US" sz="3200" dirty="0"/>
+              <a:t>負荷分散する場合</a:t>
             </a:r>
             <a:r>
               <a:rPr lang="ja-JP" altLang="en-US" sz="3200" dirty="0" smtClean="0"/>
-              <a:t>「</a:t>
+              <a:t>に</a:t>
+            </a:r>
+            <a:r>
+              <a:rPr lang="ja-JP" altLang="en-US" sz="3200" dirty="0"/>
+              <a:t>，</a:t>
+            </a:r>
+            <a:r>
+              <a:rPr lang="ja-JP" altLang="en-US" sz="3200" dirty="0" smtClean="0"/>
+              <a:t>企業</a:t>
+            </a:r>
+            <a:r>
+              <a:rPr lang="ja-JP" altLang="en-US" sz="3200" dirty="0"/>
+              <a:t>の状況によって</a:t>
+            </a:r>
+            <a:r>
+              <a:rPr lang="ja-JP" altLang="en-US" sz="3200" dirty="0" smtClean="0"/>
+              <a:t>は，</a:t>
             </a:r>
             <a:r>
               <a:rPr lang="ja-JP" altLang="ja-JP" sz="3200" dirty="0" smtClean="0"/>
-              <a:t>サーバロードバランシング</a:t>
-            </a:r>
-            <a:r>
-              <a:rPr lang="ja-JP" altLang="en-US" sz="3200" dirty="0" smtClean="0"/>
-              <a:t>」</a:t>
-            </a:r>
-            <a:r>
-              <a:rPr lang="ja-JP" altLang="ja-JP" sz="3200" dirty="0" smtClean="0"/>
-              <a:t>は</a:t>
+              <a:t>新しい</a:t>
             </a:r>
             <a:r>
               <a:rPr lang="ja-JP" altLang="ja-JP" sz="3200" dirty="0"/>
-              <a:t>重要視される</a:t>
+              <a:t>サーバと旧式のサーバを混合して負荷分散に利用されることも</a:t>
+            </a:r>
+            <a:r>
+              <a:rPr lang="ja-JP" altLang="en-US" sz="3200" dirty="0"/>
+              <a:t>ある</a:t>
             </a:r>
             <a:r>
               <a:rPr lang="ja-JP" altLang="ja-JP" sz="3200" dirty="0" smtClean="0"/>
               <a:t>．</a:t>
             </a:r>
-            <a:r>
-              <a:rPr lang="en-US" altLang="ja-JP" sz="3200" dirty="0"/>
-              <a:t/>
-            </a:r>
-            <a:br>
-              <a:rPr lang="en-US" altLang="ja-JP" sz="3200" dirty="0"/>
-            </a:br>
-            <a:endParaRPr lang="en-US" altLang="ja-JP" sz="3200" dirty="0" smtClean="0"/>
-          </a:p>
-          <a:p>
-            <a:r>
-              <a:rPr lang="en-US" altLang="ja-JP" sz="3200" dirty="0" smtClean="0"/>
-              <a:t>SEO(Search </a:t>
-            </a:r>
-            <a:r>
-              <a:rPr lang="en-US" altLang="ja-JP" sz="3200" dirty="0"/>
-              <a:t>Engine Optimization)</a:t>
-            </a:r>
-            <a:r>
-              <a:rPr lang="ja-JP" altLang="ja-JP" sz="3200" dirty="0" smtClean="0"/>
-              <a:t>の</a:t>
-            </a:r>
-            <a:r>
-              <a:rPr lang="ja-JP" altLang="ja-JP" sz="3200" dirty="0"/>
-              <a:t>観点から</a:t>
-            </a:r>
-            <a:r>
-              <a:rPr lang="ja-JP" altLang="ja-JP" sz="3200" dirty="0" smtClean="0"/>
-              <a:t>，競合サイトと比較し自身のサイトの表示</a:t>
-            </a:r>
-            <a:r>
-              <a:rPr lang="ja-JP" altLang="ja-JP" sz="3200" dirty="0"/>
-              <a:t>速度が遅いとランキング評価で不利になるとされて</a:t>
-            </a:r>
-            <a:r>
-              <a:rPr lang="ja-JP" altLang="ja-JP" sz="3200" dirty="0" smtClean="0"/>
-              <a:t>いる</a:t>
-            </a:r>
-            <a:r>
-              <a:rPr lang="en-US" altLang="ja-JP" sz="3200" dirty="0"/>
-              <a:t>[Daniel </a:t>
-            </a:r>
-            <a:r>
-              <a:rPr lang="en-US" altLang="ja-JP" sz="3200" dirty="0" smtClean="0"/>
-              <a:t>2017]</a:t>
-            </a:r>
-            <a:r>
-              <a:rPr lang="ja-JP" altLang="en-US" sz="3200" dirty="0"/>
-              <a:t>ため</a:t>
-            </a:r>
-            <a:r>
-              <a:rPr lang="ja-JP" altLang="ja-JP" sz="3200" dirty="0" smtClean="0"/>
-              <a:t>，</a:t>
-            </a:r>
-            <a:r>
-              <a:rPr lang="ja-JP" altLang="ja-JP" sz="3200" dirty="0"/>
-              <a:t>負荷分散時にも応答速度に配慮する必要がある</a:t>
-            </a:r>
-            <a:r>
-              <a:rPr lang="ja-JP" altLang="ja-JP" sz="3200" dirty="0" smtClean="0"/>
-              <a:t>．</a:t>
-            </a:r>
-            <a:endParaRPr lang="en-US" altLang="ja-JP" sz="3200" dirty="0" smtClean="0"/>
+            <a:endParaRPr lang="en-US" altLang="ja-JP" sz="3200" dirty="0"/>
           </a:p>
         </p:txBody>
       </p:sp>
@@ -10656,8 +9900,8 @@
         </p:nvSpPr>
         <p:spPr>
           <a:xfrm>
-            <a:off x="429302" y="1558231"/>
-            <a:ext cx="8303683" cy="4904300"/>
+            <a:off x="573786" y="1222521"/>
+            <a:ext cx="8166434" cy="5316392"/>
           </a:xfrm>
         </p:spPr>
         <p:txBody>
@@ -10666,21 +9910,318 @@
           </a:bodyPr>
           <a:lstStyle/>
           <a:p>
-            <a:r>
-              <a:rPr lang="ja-JP" altLang="ja-JP" sz="3600" dirty="0"/>
-              <a:t>リプレイスによって導入された新しいサーバと旧式のサーバを混合して負荷分散に利用されること</a:t>
-            </a:r>
-            <a:r>
-              <a:rPr lang="ja-JP" altLang="ja-JP" sz="3600" dirty="0" smtClean="0"/>
-              <a:t>も個人</a:t>
-            </a:r>
-            <a:r>
-              <a:rPr lang="ja-JP" altLang="ja-JP" sz="3600" dirty="0"/>
-              <a:t>や中小企業を中心に見受けられる．</a:t>
-            </a:r>
-          </a:p>
-          <a:p>
-            <a:endParaRPr lang="en-US" altLang="ja-JP" sz="4000" dirty="0" smtClean="0"/>
+            <a:pPr marL="0" indent="0">
+              <a:lnSpc>
+                <a:spcPct val="100000"/>
+              </a:lnSpc>
+              <a:buNone/>
+            </a:pPr>
+            <a:r>
+              <a:rPr lang="ja-JP" altLang="en-US" b="1" u="sng" dirty="0">
+                <a:latin typeface="ＭＳ Ｐゴシック" panose="020B0600070205080204" pitchFamily="50" charset="-128"/>
+              </a:rPr>
+              <a:t>リバースプロキシによるロードバランシング手法</a:t>
+            </a:r>
+            <a:endParaRPr lang="en-US" altLang="ja-JP" b="1" u="sng" dirty="0">
+              <a:latin typeface="ＭＳ Ｐゴシック" panose="020B0600070205080204" pitchFamily="50" charset="-128"/>
+            </a:endParaRPr>
+          </a:p>
+          <a:p>
+            <a:pPr marL="0" indent="0">
+              <a:lnSpc>
+                <a:spcPct val="100000"/>
+              </a:lnSpc>
+              <a:buNone/>
+            </a:pPr>
+            <a:r>
+              <a:rPr lang="en-US" altLang="ja-JP" sz="2400" dirty="0">
+                <a:latin typeface="ＭＳ Ｐゴシック" panose="020B0600070205080204" pitchFamily="50" charset="-128"/>
+              </a:rPr>
+              <a:t>[</a:t>
+            </a:r>
+            <a:r>
+              <a:rPr lang="en-US" altLang="ja-JP" sz="2400" dirty="0" err="1">
+                <a:latin typeface="ＭＳ Ｐゴシック" panose="020B0600070205080204" pitchFamily="50" charset="-128"/>
+              </a:rPr>
+              <a:t>Tsuchi</a:t>
+            </a:r>
+            <a:r>
+              <a:rPr lang="en-US" altLang="ja-JP" sz="2400" dirty="0">
+                <a:latin typeface="ＭＳ Ｐゴシック" panose="020B0600070205080204" pitchFamily="50" charset="-128"/>
+              </a:rPr>
+              <a:t> 2008</a:t>
+            </a:r>
+            <a:r>
+              <a:rPr lang="en-US" altLang="ja-JP" sz="2400" dirty="0" smtClean="0">
+                <a:latin typeface="ＭＳ Ｐゴシック" panose="020B0600070205080204" pitchFamily="50" charset="-128"/>
+              </a:rPr>
+              <a:t>]</a:t>
+            </a:r>
+            <a:r>
+              <a:rPr lang="ja-JP" altLang="en-US" sz="2400" dirty="0" smtClean="0">
+                <a:latin typeface="ＭＳ Ｐゴシック" panose="020B0600070205080204" pitchFamily="50" charset="-128"/>
+              </a:rPr>
+              <a:t> </a:t>
+            </a:r>
+            <a:r>
+              <a:rPr lang="en-US" altLang="ja-JP" sz="2400" dirty="0" smtClean="0">
+                <a:latin typeface="ＭＳ Ｐゴシック" panose="020B0600070205080204" pitchFamily="50" charset="-128"/>
+              </a:rPr>
+              <a:t>HTTP</a:t>
+            </a:r>
+            <a:r>
+              <a:rPr lang="ja-JP" altLang="en-US" sz="2400" dirty="0">
+                <a:latin typeface="ＭＳ Ｐゴシック" panose="020B0600070205080204" pitchFamily="50" charset="-128"/>
+              </a:rPr>
+              <a:t>セッションのハンドオーバに</a:t>
+            </a:r>
+            <a:r>
+              <a:rPr lang="ja-JP" altLang="en-US" sz="2400" dirty="0" smtClean="0">
+                <a:latin typeface="ＭＳ Ｐゴシック" panose="020B0600070205080204" pitchFamily="50" charset="-128"/>
+              </a:rPr>
+              <a:t>よる</a:t>
+            </a:r>
+            <a:r>
+              <a:rPr lang="en-US" altLang="ja-JP" sz="2400" dirty="0" smtClean="0">
+                <a:latin typeface="ＭＳ Ｐゴシック" panose="020B0600070205080204" pitchFamily="50" charset="-128"/>
+              </a:rPr>
+              <a:t/>
+            </a:r>
+            <a:br>
+              <a:rPr lang="en-US" altLang="ja-JP" sz="2400" dirty="0" smtClean="0">
+                <a:latin typeface="ＭＳ Ｐゴシック" panose="020B0600070205080204" pitchFamily="50" charset="-128"/>
+              </a:rPr>
+            </a:br>
+            <a:r>
+              <a:rPr lang="en-US" altLang="ja-JP" sz="2400" dirty="0" smtClean="0">
+                <a:latin typeface="ＭＳ Ｐゴシック" panose="020B0600070205080204" pitchFamily="50" charset="-128"/>
+              </a:rPr>
+              <a:t>WEB</a:t>
+            </a:r>
+            <a:r>
+              <a:rPr lang="ja-JP" altLang="en-US" sz="2400" dirty="0">
+                <a:latin typeface="ＭＳ Ｐゴシック" panose="020B0600070205080204" pitchFamily="50" charset="-128"/>
+              </a:rPr>
+              <a:t>サーバの</a:t>
+            </a:r>
+            <a:r>
+              <a:rPr lang="ja-JP" altLang="en-US" sz="2400" dirty="0" smtClean="0">
+                <a:latin typeface="ＭＳ Ｐゴシック" panose="020B0600070205080204" pitchFamily="50" charset="-128"/>
+              </a:rPr>
+              <a:t>ロードバランス</a:t>
+            </a:r>
+            <a:endParaRPr lang="en-US" altLang="ja-JP" sz="2400" b="1" u="sng" dirty="0">
+              <a:latin typeface="ＭＳ Ｐゴシック" panose="020B0600070205080204" pitchFamily="50" charset="-128"/>
+            </a:endParaRPr>
+          </a:p>
+          <a:p>
+            <a:pPr marL="0" indent="0">
+              <a:lnSpc>
+                <a:spcPct val="100000"/>
+              </a:lnSpc>
+              <a:buNone/>
+            </a:pPr>
+            <a:r>
+              <a:rPr lang="en-US" altLang="ja-JP" b="1" u="sng" dirty="0">
+                <a:latin typeface="ＭＳ Ｐゴシック" panose="020B0600070205080204" pitchFamily="50" charset="-128"/>
+              </a:rPr>
+              <a:t>WEB</a:t>
+            </a:r>
+            <a:r>
+              <a:rPr lang="ja-JP" altLang="en-US" b="1" u="sng" dirty="0">
+                <a:latin typeface="ＭＳ Ｐゴシック" panose="020B0600070205080204" pitchFamily="50" charset="-128"/>
+              </a:rPr>
+              <a:t>サーバ計測システムの設計・開発</a:t>
+            </a:r>
+            <a:endParaRPr lang="en-US" altLang="ja-JP" b="1" u="sng" dirty="0">
+              <a:latin typeface="ＭＳ Ｐゴシック" panose="020B0600070205080204" pitchFamily="50" charset="-128"/>
+            </a:endParaRPr>
+          </a:p>
+          <a:p>
+            <a:pPr marL="0" indent="0">
+              <a:lnSpc>
+                <a:spcPct val="100000"/>
+              </a:lnSpc>
+              <a:buNone/>
+            </a:pPr>
+            <a:r>
+              <a:rPr lang="en-US" altLang="ja-JP" sz="2400" dirty="0">
+                <a:latin typeface="ＭＳ Ｐゴシック" panose="020B0600070205080204" pitchFamily="50" charset="-128"/>
+              </a:rPr>
+              <a:t>[</a:t>
+            </a:r>
+            <a:r>
+              <a:rPr lang="en-US" altLang="ja-JP" sz="2400" dirty="0" err="1">
+                <a:latin typeface="ＭＳ Ｐゴシック" panose="020B0600070205080204" pitchFamily="50" charset="-128"/>
+              </a:rPr>
+              <a:t>Horiuchi</a:t>
+            </a:r>
+            <a:r>
+              <a:rPr lang="en-US" altLang="ja-JP" sz="2400" dirty="0">
+                <a:latin typeface="ＭＳ Ｐゴシック" panose="020B0600070205080204" pitchFamily="50" charset="-128"/>
+              </a:rPr>
+              <a:t> 2014]</a:t>
+            </a:r>
+            <a:r>
+              <a:rPr lang="ja-JP" altLang="en-US" sz="2400" dirty="0">
+                <a:latin typeface="ＭＳ Ｐゴシック" panose="020B0600070205080204" pitchFamily="50" charset="-128"/>
+              </a:rPr>
+              <a:t>クラウドに適した</a:t>
+            </a:r>
+            <a:r>
+              <a:rPr lang="en-US" altLang="ja-JP" sz="2400" dirty="0">
+                <a:latin typeface="ＭＳ Ｐゴシック" panose="020B0600070205080204" pitchFamily="50" charset="-128"/>
+              </a:rPr>
+              <a:t>Web</a:t>
+            </a:r>
+            <a:r>
+              <a:rPr lang="ja-JP" altLang="en-US" sz="2400" dirty="0">
+                <a:latin typeface="ＭＳ Ｐゴシック" panose="020B0600070205080204" pitchFamily="50" charset="-128"/>
+              </a:rPr>
+              <a:t>システム</a:t>
+            </a:r>
+            <a:r>
+              <a:rPr lang="ja-JP" altLang="en-US" sz="2400" dirty="0" smtClean="0">
+                <a:latin typeface="ＭＳ Ｐゴシック" panose="020B0600070205080204" pitchFamily="50" charset="-128"/>
+              </a:rPr>
+              <a:t>の</a:t>
+            </a:r>
+            <a:r>
+              <a:rPr lang="en-US" altLang="ja-JP" sz="2400" dirty="0" smtClean="0">
+                <a:latin typeface="ＭＳ Ｐゴシック" panose="020B0600070205080204" pitchFamily="50" charset="-128"/>
+              </a:rPr>
+              <a:t/>
+            </a:r>
+            <a:br>
+              <a:rPr lang="en-US" altLang="ja-JP" sz="2400" dirty="0" smtClean="0">
+                <a:latin typeface="ＭＳ Ｐゴシック" panose="020B0600070205080204" pitchFamily="50" charset="-128"/>
+              </a:rPr>
+            </a:br>
+            <a:r>
+              <a:rPr lang="ja-JP" altLang="en-US" sz="2400" dirty="0" smtClean="0">
+                <a:latin typeface="ＭＳ Ｐゴシック" panose="020B0600070205080204" pitchFamily="50" charset="-128"/>
+              </a:rPr>
+              <a:t>負荷</a:t>
+            </a:r>
+            <a:r>
+              <a:rPr lang="ja-JP" altLang="en-US" sz="2400" dirty="0">
+                <a:latin typeface="ＭＳ Ｐゴシック" panose="020B0600070205080204" pitchFamily="50" charset="-128"/>
+              </a:rPr>
+              <a:t>監視機能の改善に</a:t>
+            </a:r>
+            <a:r>
+              <a:rPr lang="ja-JP" altLang="en-US" sz="2400" dirty="0" smtClean="0">
+                <a:latin typeface="ＭＳ Ｐゴシック" panose="020B0600070205080204" pitchFamily="50" charset="-128"/>
+              </a:rPr>
+              <a:t>ついて</a:t>
+            </a:r>
+            <a:endParaRPr lang="en-US" altLang="ja-JP" b="1" u="sng" dirty="0">
+              <a:latin typeface="ＭＳ Ｐゴシック" panose="020B0600070205080204" pitchFamily="50" charset="-128"/>
+            </a:endParaRPr>
+          </a:p>
+          <a:p>
+            <a:pPr marL="0" indent="0">
+              <a:lnSpc>
+                <a:spcPct val="100000"/>
+              </a:lnSpc>
+              <a:buNone/>
+            </a:pPr>
+            <a:r>
+              <a:rPr lang="ja-JP" altLang="en-US" b="1" u="sng" dirty="0" smtClean="0">
+                <a:latin typeface="ＭＳ Ｐゴシック" panose="020B0600070205080204" pitchFamily="50" charset="-128"/>
+              </a:rPr>
+              <a:t>応答速度の最適化</a:t>
+            </a:r>
+            <a:endParaRPr lang="en-US" altLang="ja-JP" b="1" u="sng" dirty="0" smtClean="0">
+              <a:latin typeface="ＭＳ Ｐゴシック" panose="020B0600070205080204" pitchFamily="50" charset="-128"/>
+            </a:endParaRPr>
+          </a:p>
+          <a:p>
+            <a:pPr marL="0" indent="0">
+              <a:lnSpc>
+                <a:spcPct val="100000"/>
+              </a:lnSpc>
+              <a:buNone/>
+            </a:pPr>
+            <a:r>
+              <a:rPr lang="en-US" altLang="ja-JP" sz="2400" dirty="0" smtClean="0">
+                <a:latin typeface="ＭＳ Ｐゴシック" panose="020B0600070205080204" pitchFamily="50" charset="-128"/>
+              </a:rPr>
+              <a:t>[</a:t>
+            </a:r>
+            <a:r>
+              <a:rPr lang="en-US" altLang="ja-JP" sz="2400" dirty="0" err="1" smtClean="0">
+                <a:latin typeface="ＭＳ Ｐゴシック" panose="020B0600070205080204" pitchFamily="50" charset="-128"/>
+              </a:rPr>
+              <a:t>Kono</a:t>
+            </a:r>
+            <a:r>
+              <a:rPr lang="en-US" altLang="ja-JP" sz="2400" dirty="0" smtClean="0">
+                <a:latin typeface="ＭＳ Ｐゴシック" panose="020B0600070205080204" pitchFamily="50" charset="-128"/>
+              </a:rPr>
+              <a:t> 2007]</a:t>
+            </a:r>
+            <a:r>
+              <a:rPr lang="ja-JP" altLang="en-US" sz="2400" dirty="0" smtClean="0">
+                <a:latin typeface="ＭＳ Ｐゴシック" panose="020B0600070205080204" pitchFamily="50" charset="-128"/>
+              </a:rPr>
+              <a:t>複数のロードバランサによる Ｗｅｂシステムの応答時間最適化</a:t>
+            </a:r>
+            <a:endParaRPr lang="en-US" altLang="ja-JP" sz="2400" dirty="0" smtClean="0">
+              <a:latin typeface="ＭＳ Ｐゴシック" panose="020B0600070205080204" pitchFamily="50" charset="-128"/>
+            </a:endParaRPr>
+          </a:p>
+          <a:p>
+            <a:pPr marL="0" indent="0">
+              <a:lnSpc>
+                <a:spcPct val="100000"/>
+              </a:lnSpc>
+              <a:buNone/>
+            </a:pPr>
+            <a:r>
+              <a:rPr lang="ja-JP" altLang="en-US" b="1" u="sng" dirty="0">
+                <a:latin typeface="ＭＳ Ｐゴシック" panose="020B0600070205080204" pitchFamily="50" charset="-128"/>
+              </a:rPr>
+              <a:t>応答速度</a:t>
+            </a:r>
+            <a:r>
+              <a:rPr lang="ja-JP" altLang="en-US" b="1" u="sng" dirty="0" smtClean="0">
+                <a:latin typeface="ＭＳ Ｐゴシック" panose="020B0600070205080204" pitchFamily="50" charset="-128"/>
+              </a:rPr>
+              <a:t>の</a:t>
+            </a:r>
+            <a:r>
+              <a:rPr lang="ja-JP" altLang="en-US" b="1" u="sng" dirty="0">
+                <a:latin typeface="ＭＳ Ｐゴシック" panose="020B0600070205080204" pitchFamily="50" charset="-128"/>
+              </a:rPr>
+              <a:t>評価</a:t>
+            </a:r>
+            <a:endParaRPr lang="en-US" altLang="ja-JP" dirty="0" smtClean="0">
+              <a:latin typeface="ＭＳ Ｐゴシック" panose="020B0600070205080204" pitchFamily="50" charset="-128"/>
+            </a:endParaRPr>
+          </a:p>
+          <a:p>
+            <a:pPr marL="0" indent="0">
+              <a:lnSpc>
+                <a:spcPct val="100000"/>
+              </a:lnSpc>
+              <a:buNone/>
+            </a:pPr>
+            <a:r>
+              <a:rPr lang="en-US" altLang="ja-JP" sz="2400" dirty="0" smtClean="0">
+                <a:latin typeface="ＭＳ Ｐゴシック" panose="020B0600070205080204" pitchFamily="50" charset="-128"/>
+              </a:rPr>
+              <a:t>[Paul 2014]</a:t>
+            </a:r>
+            <a:r>
+              <a:rPr lang="ja-JP" altLang="en-US" sz="2400" dirty="0" smtClean="0">
+                <a:latin typeface="ＭＳ Ｐゴシック" panose="020B0600070205080204" pitchFamily="50" charset="-128"/>
+              </a:rPr>
+              <a:t>反応時間の遅延とそれに対するユーザの反応</a:t>
+            </a:r>
+            <a:endParaRPr lang="en-US" altLang="ja-JP" u="sng" dirty="0" smtClean="0">
+              <a:latin typeface="ＭＳ Ｐゴシック" panose="020B0600070205080204" pitchFamily="50" charset="-128"/>
+            </a:endParaRPr>
           </a:p>
         </p:txBody>
       </p:sp>
@@ -10694,12 +10235,7 @@
             <p:ph type="sldNum" sz="quarter" idx="12"/>
           </p:nvPr>
         </p:nvSpPr>
-        <p:spPr>
-          <a:xfrm>
-            <a:off x="6466042" y="6097406"/>
-            <a:ext cx="2057400" cy="365125"/>
-          </a:xfrm>
-        </p:spPr>
+        <p:spPr/>
         <p:txBody>
           <a:bodyPr/>
           <a:lstStyle/>
@@ -10708,13 +10244,13 @@
               <a:rPr kumimoji="1" lang="ja-JP" altLang="en-US" smtClean="0"/>
               <a:t>3</a:t>
             </a:fld>
-            <a:endParaRPr kumimoji="1" lang="ja-JP" altLang="en-US" dirty="0"/>
-          </a:p>
-        </p:txBody>
-      </p:sp>
-      <p:sp>
-        <p:nvSpPr>
-          <p:cNvPr id="8" name="タイトル 7"/>
+            <a:endParaRPr kumimoji="1" lang="ja-JP" altLang="en-US"/>
+          </a:p>
+        </p:txBody>
+      </p:sp>
+      <p:sp>
+        <p:nvSpPr>
+          <p:cNvPr id="5" name="タイトル 4"/>
           <p:cNvSpPr>
             <a:spLocks noGrp="1"/>
           </p:cNvSpPr>
@@ -10724,7 +10260,7 @@
         </p:nvSpPr>
         <p:spPr>
           <a:xfrm>
-            <a:off x="555498" y="273686"/>
+            <a:off x="482346" y="127382"/>
             <a:ext cx="7886700" cy="1325563"/>
           </a:xfrm>
         </p:spPr>
@@ -10733,8 +10269,8 @@
           <a:lstStyle/>
           <a:p>
             <a:r>
-              <a:rPr kumimoji="1" lang="ja-JP" altLang="en-US" dirty="0" smtClean="0"/>
-              <a:t>研究背景</a:t>
+              <a:rPr lang="ja-JP" altLang="en-US" dirty="0" smtClean="0"/>
+              <a:t>関連研究</a:t>
             </a:r>
             <a:endParaRPr kumimoji="1" lang="ja-JP" altLang="en-US" dirty="0"/>
           </a:p>
@@ -10743,21 +10279,13 @@
     </p:spTree>
     <p:extLst>
       <p:ext uri="{BB962C8B-B14F-4D97-AF65-F5344CB8AC3E}">
-        <p14:creationId xmlns:p14="http://schemas.microsoft.com/office/powerpoint/2010/main" val="1641013163"/>
+        <p14:creationId xmlns:p14="http://schemas.microsoft.com/office/powerpoint/2010/main" val="1372800676"/>
       </p:ext>
     </p:extLst>
   </p:cSld>
   <p:clrMapOvr>
     <a:masterClrMapping/>
   </p:clrMapOvr>
-  <mc:AlternateContent xmlns:mc="http://schemas.openxmlformats.org/markup-compatibility/2006" xmlns:p14="http://schemas.microsoft.com/office/powerpoint/2010/main">
-    <mc:Choice Requires="p14">
-      <p:transition spd="slow" p14:dur="2000" advTm="3542"/>
-    </mc:Choice>
-    <mc:Fallback xmlns="">
-      <p:transition spd="slow" advTm="3542"/>
-    </mc:Fallback>
-  </mc:AlternateContent>
   <p:timing>
     <p:tnLst>
       <p:par>
@@ -10787,6 +10315,28 @@
       </p:grpSpPr>
       <p:sp>
         <p:nvSpPr>
+          <p:cNvPr id="2" name="タイトル 1"/>
+          <p:cNvSpPr>
+            <a:spLocks noGrp="1"/>
+          </p:cNvSpPr>
+          <p:nvPr>
+            <p:ph type="title"/>
+          </p:nvPr>
+        </p:nvSpPr>
+        <p:spPr/>
+        <p:txBody>
+          <a:bodyPr/>
+          <a:lstStyle/>
+          <a:p>
+            <a:r>
+              <a:rPr kumimoji="1" lang="ja-JP" altLang="en-US" dirty="0"/>
+              <a:t>研究課題</a:t>
+            </a:r>
+          </a:p>
+        </p:txBody>
+      </p:sp>
+      <p:sp>
+        <p:nvSpPr>
           <p:cNvPr id="3" name="コンテンツ プレースホルダー 2"/>
           <p:cNvSpPr>
             <a:spLocks noGrp="1"/>
@@ -10797,8 +10347,8 @@
         </p:nvSpPr>
         <p:spPr>
           <a:xfrm>
-            <a:off x="628650" y="1252821"/>
-            <a:ext cx="8166434" cy="5316392"/>
+            <a:off x="532986" y="1575792"/>
+            <a:ext cx="8078028" cy="4852440"/>
           </a:xfrm>
         </p:spPr>
         <p:txBody>
@@ -10807,272 +10357,60 @@
           </a:bodyPr>
           <a:lstStyle/>
           <a:p>
-            <a:pPr marL="0" indent="0">
-              <a:buNone/>
+            <a:pPr algn="just">
+              <a:lnSpc>
+                <a:spcPct val="110000"/>
+              </a:lnSpc>
             </a:pPr>
             <a:r>
-              <a:rPr lang="ja-JP" altLang="en-US" b="1" u="sng" dirty="0">
-                <a:latin typeface="ＭＳ Ｐゴシック" panose="020B0600070205080204" pitchFamily="50" charset="-128"/>
-              </a:rPr>
-              <a:t>リバースプロキシによるロードバランシング手法</a:t>
-            </a:r>
-            <a:endParaRPr lang="en-US" altLang="ja-JP" b="1" u="sng" dirty="0">
-              <a:latin typeface="ＭＳ Ｐゴシック" panose="020B0600070205080204" pitchFamily="50" charset="-128"/>
-            </a:endParaRPr>
-          </a:p>
-          <a:p>
-            <a:pPr marL="0" indent="0">
+              <a:rPr lang="ja-JP" altLang="en-US" sz="3200" dirty="0" smtClean="0"/>
+              <a:t>サーバ間の性能や通信装置の性能にバラつきがある場合，応答速度が一定とは限らない．</a:t>
+            </a:r>
+            <a:endParaRPr lang="en-US" altLang="ja-JP" sz="3200" dirty="0" smtClean="0"/>
+          </a:p>
+          <a:p>
+            <a:pPr algn="just">
               <a:lnSpc>
-                <a:spcPct val="100000"/>
+                <a:spcPct val="110000"/>
               </a:lnSpc>
-              <a:buNone/>
             </a:pPr>
             <a:r>
-              <a:rPr lang="en-US" altLang="ja-JP" sz="2400" dirty="0">
-                <a:latin typeface="ＭＳ Ｐゴシック" panose="020B0600070205080204" pitchFamily="50" charset="-128"/>
-              </a:rPr>
-              <a:t>[</a:t>
-            </a:r>
-            <a:r>
-              <a:rPr lang="en-US" altLang="ja-JP" sz="2400" dirty="0" err="1">
-                <a:latin typeface="ＭＳ Ｐゴシック" panose="020B0600070205080204" pitchFamily="50" charset="-128"/>
-              </a:rPr>
-              <a:t>Tsuchi</a:t>
-            </a:r>
-            <a:r>
-              <a:rPr lang="en-US" altLang="ja-JP" sz="2400" dirty="0">
-                <a:latin typeface="ＭＳ Ｐゴシック" panose="020B0600070205080204" pitchFamily="50" charset="-128"/>
-              </a:rPr>
-              <a:t> 2008]</a:t>
-            </a:r>
-            <a:r>
-              <a:rPr lang="ja-JP" altLang="en-US" sz="2400" dirty="0">
-                <a:latin typeface="ＭＳ Ｐゴシック" panose="020B0600070205080204" pitchFamily="50" charset="-128"/>
-              </a:rPr>
-              <a:t>土居幸一郎</a:t>
-            </a:r>
-            <a:r>
-              <a:rPr lang="en-US" altLang="ja-JP" sz="2400" dirty="0">
-                <a:latin typeface="ＭＳ Ｐゴシック" panose="020B0600070205080204" pitchFamily="50" charset="-128"/>
-              </a:rPr>
-              <a:t>,</a:t>
-            </a:r>
-            <a:r>
-              <a:rPr lang="ja-JP" altLang="en-US" sz="2400" dirty="0">
-                <a:latin typeface="ＭＳ Ｐゴシック" panose="020B0600070205080204" pitchFamily="50" charset="-128"/>
-              </a:rPr>
-              <a:t>後藤滋樹</a:t>
-            </a:r>
-            <a:r>
-              <a:rPr lang="en-US" altLang="ja-JP" sz="2400" dirty="0">
-                <a:latin typeface="ＭＳ Ｐゴシック" panose="020B0600070205080204" pitchFamily="50" charset="-128"/>
-              </a:rPr>
-              <a:t>HTTP</a:t>
-            </a:r>
-            <a:r>
-              <a:rPr lang="ja-JP" altLang="en-US" sz="2400" dirty="0">
-                <a:latin typeface="ＭＳ Ｐゴシック" panose="020B0600070205080204" pitchFamily="50" charset="-128"/>
-              </a:rPr>
-              <a:t>セッションのハンドオーバによる</a:t>
-            </a:r>
-            <a:r>
-              <a:rPr lang="en-US" altLang="ja-JP" sz="2400" dirty="0">
-                <a:latin typeface="ＭＳ Ｐゴシック" panose="020B0600070205080204" pitchFamily="50" charset="-128"/>
-              </a:rPr>
-              <a:t>WEB</a:t>
-            </a:r>
-            <a:r>
-              <a:rPr lang="ja-JP" altLang="en-US" sz="2400" dirty="0">
-                <a:latin typeface="ＭＳ Ｐゴシック" panose="020B0600070205080204" pitchFamily="50" charset="-128"/>
-              </a:rPr>
-              <a:t>サーバの</a:t>
-            </a:r>
-            <a:r>
-              <a:rPr lang="ja-JP" altLang="en-US" sz="2400" dirty="0" smtClean="0">
-                <a:latin typeface="ＭＳ Ｐゴシック" panose="020B0600070205080204" pitchFamily="50" charset="-128"/>
-              </a:rPr>
-              <a:t>ロードバランス</a:t>
-            </a:r>
-            <a:endParaRPr lang="en-US" altLang="ja-JP" sz="2400" b="1" u="sng" dirty="0">
-              <a:latin typeface="ＭＳ Ｐゴシック" panose="020B0600070205080204" pitchFamily="50" charset="-128"/>
-            </a:endParaRPr>
-          </a:p>
-          <a:p>
-            <a:pPr marL="0" indent="0">
+              <a:rPr lang="ja-JP" altLang="en-US" sz="3200" dirty="0"/>
+              <a:t>既存技術では，導入のしやすさ，コストの安さから</a:t>
+            </a:r>
+            <a:r>
+              <a:rPr lang="ja-JP" altLang="en-US" sz="3200" u="sng" dirty="0"/>
+              <a:t>異種環境においても均等に割り振る「ラウンドロビン」方式が頻繁に利用されている</a:t>
+            </a:r>
+            <a:r>
+              <a:rPr lang="ja-JP" altLang="en-US" sz="3200" u="sng" dirty="0" smtClean="0"/>
+              <a:t>．</a:t>
+            </a:r>
+            <a:endParaRPr lang="en-US" altLang="ja-JP" sz="3200" dirty="0" smtClean="0"/>
+          </a:p>
+          <a:p>
+            <a:pPr algn="just">
               <a:lnSpc>
-                <a:spcPct val="100000"/>
+                <a:spcPct val="110000"/>
               </a:lnSpc>
-              <a:buNone/>
             </a:pPr>
             <a:r>
-              <a:rPr lang="en-US" altLang="ja-JP" b="1" u="sng" dirty="0">
-                <a:latin typeface="ＭＳ Ｐゴシック" panose="020B0600070205080204" pitchFamily="50" charset="-128"/>
-              </a:rPr>
-              <a:t>WEB</a:t>
-            </a:r>
-            <a:r>
-              <a:rPr lang="ja-JP" altLang="en-US" b="1" u="sng" dirty="0">
-                <a:latin typeface="ＭＳ Ｐゴシック" panose="020B0600070205080204" pitchFamily="50" charset="-128"/>
-              </a:rPr>
-              <a:t>サーバ計測システムの設計・開発</a:t>
-            </a:r>
-            <a:endParaRPr lang="en-US" altLang="ja-JP" b="1" u="sng" dirty="0">
-              <a:latin typeface="ＭＳ Ｐゴシック" panose="020B0600070205080204" pitchFamily="50" charset="-128"/>
-            </a:endParaRPr>
-          </a:p>
-          <a:p>
-            <a:pPr marL="0" indent="0">
-              <a:buNone/>
-            </a:pPr>
-            <a:r>
-              <a:rPr lang="en-US" altLang="ja-JP" sz="2400" dirty="0">
-                <a:latin typeface="ＭＳ Ｐゴシック" panose="020B0600070205080204" pitchFamily="50" charset="-128"/>
-              </a:rPr>
-              <a:t>[</a:t>
-            </a:r>
-            <a:r>
-              <a:rPr lang="en-US" altLang="ja-JP" sz="2400" dirty="0" err="1">
-                <a:latin typeface="ＭＳ Ｐゴシック" panose="020B0600070205080204" pitchFamily="50" charset="-128"/>
-              </a:rPr>
-              <a:t>Horiuchi</a:t>
-            </a:r>
-            <a:r>
-              <a:rPr lang="en-US" altLang="ja-JP" sz="2400" dirty="0">
-                <a:latin typeface="ＭＳ Ｐゴシック" panose="020B0600070205080204" pitchFamily="50" charset="-128"/>
-              </a:rPr>
-              <a:t> 2014]</a:t>
-            </a:r>
-            <a:r>
-              <a:rPr lang="ja-JP" altLang="en-US" sz="2400" dirty="0">
-                <a:latin typeface="ＭＳ Ｐゴシック" panose="020B0600070205080204" pitchFamily="50" charset="-128"/>
-              </a:rPr>
-              <a:t>クラウドに適した</a:t>
-            </a:r>
-            <a:r>
-              <a:rPr lang="en-US" altLang="ja-JP" sz="2400" dirty="0">
-                <a:latin typeface="ＭＳ Ｐゴシック" panose="020B0600070205080204" pitchFamily="50" charset="-128"/>
-              </a:rPr>
+              <a:rPr lang="ja-JP" altLang="ja-JP" sz="3200" u="sng" dirty="0"/>
+              <a:t>安価で現行システムに導入でき，</a:t>
+            </a:r>
+            <a:r>
+              <a:rPr lang="en-US" altLang="ja-JP" sz="3200" u="sng" dirty="0"/>
               <a:t>Web</a:t>
             </a:r>
             <a:r>
-              <a:rPr lang="ja-JP" altLang="en-US" sz="2400" dirty="0">
-                <a:latin typeface="ＭＳ Ｐゴシック" panose="020B0600070205080204" pitchFamily="50" charset="-128"/>
-              </a:rPr>
-              <a:t>システムの負荷監視機能の改善に</a:t>
-            </a:r>
-            <a:r>
-              <a:rPr lang="ja-JP" altLang="en-US" sz="2400" dirty="0" smtClean="0">
-                <a:latin typeface="ＭＳ Ｐゴシック" panose="020B0600070205080204" pitchFamily="50" charset="-128"/>
-              </a:rPr>
-              <a:t>ついて</a:t>
-            </a:r>
-            <a:endParaRPr lang="en-US" altLang="ja-JP" b="1" u="sng" dirty="0">
-              <a:latin typeface="ＭＳ Ｐゴシック" panose="020B0600070205080204" pitchFamily="50" charset="-128"/>
-            </a:endParaRPr>
-          </a:p>
-          <a:p>
-            <a:pPr marL="0" indent="0">
-              <a:lnSpc>
-                <a:spcPct val="100000"/>
-              </a:lnSpc>
-              <a:buNone/>
-            </a:pPr>
-            <a:r>
-              <a:rPr lang="ja-JP" altLang="en-US" b="1" u="sng" dirty="0" smtClean="0">
-                <a:latin typeface="ＭＳ Ｐゴシック" panose="020B0600070205080204" pitchFamily="50" charset="-128"/>
-              </a:rPr>
-              <a:t>応答速度の最適化</a:t>
-            </a:r>
-            <a:endParaRPr lang="en-US" altLang="ja-JP" b="1" u="sng" dirty="0" smtClean="0">
-              <a:latin typeface="ＭＳ Ｐゴシック" panose="020B0600070205080204" pitchFamily="50" charset="-128"/>
-            </a:endParaRPr>
-          </a:p>
-          <a:p>
-            <a:pPr marL="0" indent="0">
-              <a:lnSpc>
-                <a:spcPct val="100000"/>
-              </a:lnSpc>
-              <a:buNone/>
-            </a:pPr>
-            <a:r>
-              <a:rPr lang="en-US" altLang="ja-JP" sz="2400" dirty="0" smtClean="0">
-                <a:latin typeface="ＭＳ Ｐゴシック" panose="020B0600070205080204" pitchFamily="50" charset="-128"/>
-              </a:rPr>
-              <a:t>[</a:t>
-            </a:r>
-            <a:r>
-              <a:rPr lang="en-US" altLang="ja-JP" sz="2400" dirty="0" err="1" smtClean="0">
-                <a:latin typeface="ＭＳ Ｐゴシック" panose="020B0600070205080204" pitchFamily="50" charset="-128"/>
-              </a:rPr>
-              <a:t>Kono</a:t>
-            </a:r>
-            <a:r>
-              <a:rPr lang="en-US" altLang="ja-JP" sz="2400" dirty="0" smtClean="0">
-                <a:latin typeface="ＭＳ Ｐゴシック" panose="020B0600070205080204" pitchFamily="50" charset="-128"/>
-              </a:rPr>
-              <a:t> 2007]</a:t>
-            </a:r>
-            <a:r>
-              <a:rPr lang="ja-JP" altLang="en-US" sz="2400" dirty="0" smtClean="0">
-                <a:latin typeface="ＭＳ Ｐゴシック" panose="020B0600070205080204" pitchFamily="50" charset="-128"/>
-              </a:rPr>
-              <a:t>複数のロードバランサによる Ｗｅｂシステムの応答時間最適化</a:t>
-            </a:r>
-            <a:endParaRPr lang="en-US" altLang="ja-JP" sz="2400" dirty="0" smtClean="0">
-              <a:latin typeface="ＭＳ Ｐゴシック" panose="020B0600070205080204" pitchFamily="50" charset="-128"/>
-            </a:endParaRPr>
-          </a:p>
-          <a:p>
-            <a:pPr marL="0" indent="0">
-              <a:lnSpc>
-                <a:spcPct val="100000"/>
-              </a:lnSpc>
-              <a:buNone/>
-            </a:pPr>
-            <a:r>
-              <a:rPr lang="ja-JP" altLang="en-US" b="1" u="sng" dirty="0">
-                <a:latin typeface="ＭＳ Ｐゴシック" panose="020B0600070205080204" pitchFamily="50" charset="-128"/>
-              </a:rPr>
-              <a:t>応答速度</a:t>
-            </a:r>
-            <a:r>
-              <a:rPr lang="ja-JP" altLang="en-US" b="1" u="sng" dirty="0" smtClean="0">
-                <a:latin typeface="ＭＳ Ｐゴシック" panose="020B0600070205080204" pitchFamily="50" charset="-128"/>
-              </a:rPr>
-              <a:t>の</a:t>
-            </a:r>
-            <a:r>
-              <a:rPr lang="ja-JP" altLang="en-US" b="1" u="sng" dirty="0">
-                <a:latin typeface="ＭＳ Ｐゴシック" panose="020B0600070205080204" pitchFamily="50" charset="-128"/>
-              </a:rPr>
-              <a:t>評価</a:t>
-            </a:r>
-            <a:endParaRPr lang="en-US" altLang="ja-JP" dirty="0" smtClean="0">
-              <a:latin typeface="ＭＳ Ｐゴシック" panose="020B0600070205080204" pitchFamily="50" charset="-128"/>
-            </a:endParaRPr>
-          </a:p>
-          <a:p>
-            <a:pPr marL="0" indent="0">
-              <a:lnSpc>
-                <a:spcPct val="100000"/>
-              </a:lnSpc>
-              <a:buNone/>
-            </a:pPr>
-            <a:r>
-              <a:rPr lang="en-US" altLang="ja-JP" sz="2400" dirty="0" smtClean="0">
-                <a:latin typeface="ＭＳ Ｐゴシック" panose="020B0600070205080204" pitchFamily="50" charset="-128"/>
-              </a:rPr>
-              <a:t>[Paul 2014]</a:t>
-            </a:r>
-            <a:r>
-              <a:rPr lang="ja-JP" altLang="en-US" sz="2400" dirty="0" smtClean="0">
-                <a:latin typeface="ＭＳ Ｐゴシック" panose="020B0600070205080204" pitchFamily="50" charset="-128"/>
-              </a:rPr>
-              <a:t>反応時間の遅延とそれに対するユーザの反応</a:t>
-            </a:r>
-            <a:endParaRPr lang="en-US" altLang="ja-JP" u="sng" dirty="0" smtClean="0">
-              <a:latin typeface="ＭＳ Ｐゴシック" panose="020B0600070205080204" pitchFamily="50" charset="-128"/>
-            </a:endParaRPr>
+              <a:rPr lang="ja-JP" altLang="ja-JP" sz="3200" u="sng" dirty="0"/>
+              <a:t>の負荷分散に詳しくないユーザでも導入できる実装方法が求められる</a:t>
+            </a:r>
+            <a:r>
+              <a:rPr lang="ja-JP" altLang="ja-JP" sz="3200" u="sng" dirty="0" smtClean="0"/>
+              <a:t>．</a:t>
+            </a:r>
+            <a:endParaRPr lang="en-US" altLang="ja-JP" sz="3200" u="sng" dirty="0"/>
           </a:p>
         </p:txBody>
       </p:sp>
@@ -11099,38 +10437,10 @@
           </a:p>
         </p:txBody>
       </p:sp>
-      <p:sp>
-        <p:nvSpPr>
-          <p:cNvPr id="5" name="タイトル 4"/>
-          <p:cNvSpPr>
-            <a:spLocks noGrp="1"/>
-          </p:cNvSpPr>
-          <p:nvPr>
-            <p:ph type="title"/>
-          </p:nvPr>
-        </p:nvSpPr>
-        <p:spPr>
-          <a:xfrm>
-            <a:off x="482346" y="127382"/>
-            <a:ext cx="7886700" cy="1325563"/>
-          </a:xfrm>
-        </p:spPr>
-        <p:txBody>
-          <a:bodyPr/>
-          <a:lstStyle/>
-          <a:p>
-            <a:r>
-              <a:rPr lang="ja-JP" altLang="en-US" dirty="0" smtClean="0"/>
-              <a:t>関連研究</a:t>
-            </a:r>
-            <a:endParaRPr kumimoji="1" lang="ja-JP" altLang="en-US" dirty="0"/>
-          </a:p>
-        </p:txBody>
-      </p:sp>
     </p:spTree>
     <p:extLst>
       <p:ext uri="{BB962C8B-B14F-4D97-AF65-F5344CB8AC3E}">
-        <p14:creationId xmlns:p14="http://schemas.microsoft.com/office/powerpoint/2010/main" val="1372800676"/>
+        <p14:creationId xmlns:p14="http://schemas.microsoft.com/office/powerpoint/2010/main" val="3347172904"/>
       </p:ext>
     </p:extLst>
   </p:cSld>
@@ -11181,7 +10491,7 @@
           <a:p>
             <a:r>
               <a:rPr kumimoji="1" lang="ja-JP" altLang="en-US" dirty="0"/>
-              <a:t>研究課題</a:t>
+              <a:t>研究目的</a:t>
             </a:r>
           </a:p>
         </p:txBody>
@@ -11198,94 +10508,75 @@
         </p:nvSpPr>
         <p:spPr>
           <a:xfrm>
-            <a:off x="532986" y="1740384"/>
-            <a:ext cx="8078028" cy="4351338"/>
+            <a:off x="393192" y="1690689"/>
+            <a:ext cx="8558784" cy="4381247"/>
           </a:xfrm>
         </p:spPr>
         <p:txBody>
           <a:bodyPr>
-            <a:normAutofit fontScale="92500" lnSpcReduction="10000"/>
+            <a:noAutofit/>
           </a:bodyPr>
           <a:lstStyle/>
           <a:p>
-            <a:pPr algn="just">
-              <a:lnSpc>
-                <a:spcPct val="120000"/>
-              </a:lnSpc>
-            </a:pPr>
             <a:r>
               <a:rPr lang="ja-JP" altLang="en-US" sz="3200" dirty="0"/>
-              <a:t>既存技術では</a:t>
+              <a:t>応答速度によってサーバの割り振り先を決めるアルゴリズムの提案</a:t>
             </a:r>
             <a:r>
               <a:rPr lang="ja-JP" altLang="en-US" sz="3200" dirty="0" smtClean="0"/>
-              <a:t>，導入</a:t>
+              <a:t>．</a:t>
+            </a:r>
+            <a:endParaRPr lang="en-US" altLang="ja-JP" sz="3200" strike="sngStrike" dirty="0"/>
+          </a:p>
+          <a:p>
+            <a:endParaRPr lang="en-US" altLang="ja-JP" sz="3200" dirty="0" smtClean="0"/>
+          </a:p>
+          <a:p>
+            <a:r>
+              <a:rPr lang="ja-JP" altLang="en-US" sz="3200" dirty="0" smtClean="0"/>
+              <a:t>異種</a:t>
             </a:r>
             <a:r>
               <a:rPr lang="ja-JP" altLang="en-US" sz="3200" dirty="0"/>
-              <a:t>の</a:t>
+              <a:t>環境を想定した，応答速度に基づく</a:t>
             </a:r>
             <a:r>
               <a:rPr lang="ja-JP" altLang="en-US" sz="3200" dirty="0" smtClean="0"/>
-              <a:t>しやすさ，コストの安さから異種</a:t>
+              <a:t>動的</a:t>
+            </a:r>
+            <a:r>
+              <a:rPr lang="en-US" altLang="ja-JP" sz="3200" dirty="0"/>
+              <a:t/>
+            </a:r>
+            <a:br>
+              <a:rPr lang="en-US" altLang="ja-JP" sz="3200" dirty="0"/>
+            </a:br>
+            <a:r>
+              <a:rPr lang="ja-JP" altLang="en-US" sz="3200" dirty="0" smtClean="0"/>
+              <a:t>割り振り</a:t>
             </a:r>
             <a:r>
               <a:rPr lang="ja-JP" altLang="en-US" sz="3200" dirty="0"/>
-              <a:t>環境において</a:t>
+              <a:t>を行うロードバランサの設計と開発</a:t>
             </a:r>
             <a:r>
               <a:rPr lang="ja-JP" altLang="en-US" sz="3200" dirty="0" smtClean="0"/>
-              <a:t>も</a:t>
+              <a:t>．</a:t>
+            </a:r>
+            <a:endParaRPr lang="en-US" altLang="ja-JP" sz="3200" dirty="0"/>
+          </a:p>
+          <a:p>
+            <a:endParaRPr lang="en-US" altLang="ja-JP" sz="3200" dirty="0"/>
+          </a:p>
+          <a:p>
+            <a:r>
+              <a:rPr lang="ja-JP" altLang="en-US" sz="3200" dirty="0" smtClean="0"/>
+              <a:t>実験</a:t>
             </a:r>
             <a:r>
               <a:rPr lang="ja-JP" altLang="en-US" sz="3200" dirty="0"/>
-              <a:t>均等</a:t>
-            </a:r>
-            <a:r>
-              <a:rPr lang="ja-JP" altLang="en-US" sz="3200" dirty="0" smtClean="0"/>
-              <a:t>に割り振る</a:t>
-            </a:r>
-            <a:r>
-              <a:rPr lang="ja-JP" altLang="en-US" sz="3200" dirty="0"/>
-              <a:t>「ラウンドロビン」方式が頻繁に利用</a:t>
-            </a:r>
-            <a:r>
-              <a:rPr lang="ja-JP" altLang="en-US" sz="3200" dirty="0" smtClean="0"/>
-              <a:t>されている．</a:t>
-            </a:r>
-            <a:endParaRPr lang="en-US" altLang="ja-JP" sz="3200" dirty="0" smtClean="0"/>
-          </a:p>
-          <a:p>
-            <a:pPr algn="just">
-              <a:lnSpc>
-                <a:spcPct val="120000"/>
-              </a:lnSpc>
-            </a:pPr>
-            <a:r>
-              <a:rPr lang="ja-JP" altLang="en-US" sz="3200" dirty="0"/>
-              <a:t>サーバ間の性能や通信装置の性能にバラつきがある場合，応答速度が一定とは限らない．単純に空いているサーバへ割り振るだけではなく，応答速度も加味してロードバランスを行う必要がある．</a:t>
-            </a:r>
-            <a:endParaRPr lang="en-US" altLang="ja-JP" sz="3200" dirty="0"/>
-          </a:p>
-          <a:p>
-            <a:pPr algn="just">
-              <a:lnSpc>
-                <a:spcPct val="120000"/>
-              </a:lnSpc>
-            </a:pPr>
-            <a:endParaRPr lang="ja-JP" altLang="en-US" sz="3200" dirty="0"/>
-          </a:p>
-          <a:p>
-            <a:pPr algn="just">
-              <a:lnSpc>
-                <a:spcPct val="120000"/>
-              </a:lnSpc>
-            </a:pPr>
-            <a:endParaRPr lang="en-US" altLang="ja-JP" dirty="0" smtClean="0">
-              <a:solidFill>
-                <a:srgbClr val="FF0000"/>
-              </a:solidFill>
-            </a:endParaRPr>
+              <a:t>による実現可能性の評価</a:t>
+            </a:r>
           </a:p>
         </p:txBody>
       </p:sp>
@@ -11312,10 +10603,80 @@
           </a:p>
         </p:txBody>
       </p:sp>
+      <p:sp>
+        <p:nvSpPr>
+          <p:cNvPr id="6" name="正方形/長方形 5"/>
+          <p:cNvSpPr/>
+          <p:nvPr/>
+        </p:nvSpPr>
+        <p:spPr>
+          <a:xfrm>
+            <a:off x="3470741" y="554907"/>
+            <a:ext cx="5280067" cy="521208"/>
+          </a:xfrm>
+          <a:prstGeom prst="rect">
+            <a:avLst/>
+          </a:prstGeom>
+          <a:ln w="38100">
+            <a:solidFill>
+              <a:srgbClr val="FF0000"/>
+            </a:solidFill>
+          </a:ln>
+        </p:spPr>
+        <p:style>
+          <a:lnRef idx="2">
+            <a:schemeClr val="accent6"/>
+          </a:lnRef>
+          <a:fillRef idx="1">
+            <a:schemeClr val="lt1"/>
+          </a:fillRef>
+          <a:effectRef idx="0">
+            <a:schemeClr val="accent6"/>
+          </a:effectRef>
+          <a:fontRef idx="minor">
+            <a:schemeClr val="dk1"/>
+          </a:fontRef>
+        </p:style>
+        <p:txBody>
+          <a:bodyPr rtlCol="0" anchor="ctr"/>
+          <a:lstStyle/>
+          <a:p>
+            <a:r>
+              <a:rPr lang="ja-JP" altLang="ja-JP" dirty="0"/>
+              <a:t>安価で導入</a:t>
+            </a:r>
+            <a:r>
+              <a:rPr lang="ja-JP" altLang="en-US" dirty="0"/>
+              <a:t>しやすい</a:t>
+            </a:r>
+            <a:r>
+              <a:rPr lang="ja-JP" altLang="ja-JP" dirty="0"/>
+              <a:t>システ</a:t>
+            </a:r>
+            <a:r>
+              <a:rPr lang="ja-JP" altLang="en-US" dirty="0"/>
+              <a:t>ムで</a:t>
+            </a:r>
+            <a:r>
+              <a:rPr lang="ja-JP" altLang="ja-JP" dirty="0"/>
+              <a:t>課題の解決</a:t>
+            </a:r>
+            <a:r>
+              <a:rPr lang="ja-JP" altLang="en-US" dirty="0"/>
+              <a:t>を目指す</a:t>
+            </a:r>
+            <a:r>
+              <a:rPr lang="ja-JP" altLang="en-US" dirty="0" smtClean="0"/>
+              <a:t>．</a:t>
+            </a:r>
+            <a:endParaRPr lang="ja-JP" altLang="en-US" dirty="0"/>
+          </a:p>
+        </p:txBody>
+      </p:sp>
     </p:spTree>
     <p:extLst>
       <p:ext uri="{BB962C8B-B14F-4D97-AF65-F5344CB8AC3E}">
-        <p14:creationId xmlns:p14="http://schemas.microsoft.com/office/powerpoint/2010/main" val="3347172904"/>
+        <p14:creationId xmlns:p14="http://schemas.microsoft.com/office/powerpoint/2010/main" val="33680443"/>
       </p:ext>
     </p:extLst>
   </p:cSld>
@@ -11351,68 +10712,29 @@
       </p:grpSpPr>
       <p:sp>
         <p:nvSpPr>
-          <p:cNvPr id="3" name="コンテンツ プレースホルダー 2"/>
-          <p:cNvSpPr>
-            <a:spLocks noGrp="1"/>
-          </p:cNvSpPr>
-          <p:nvPr>
-            <p:ph idx="1"/>
+          <p:cNvPr id="2" name="タイトル 1"/>
+          <p:cNvSpPr>
+            <a:spLocks noGrp="1"/>
+          </p:cNvSpPr>
+          <p:nvPr>
+            <p:ph type="title"/>
           </p:nvPr>
         </p:nvSpPr>
         <p:spPr>
           <a:xfrm>
-            <a:off x="532986" y="1740384"/>
-            <a:ext cx="8078028" cy="4351338"/>
+            <a:off x="366783" y="0"/>
+            <a:ext cx="7886700" cy="1325563"/>
           </a:xfrm>
         </p:spPr>
         <p:txBody>
-          <a:bodyPr>
-            <a:noAutofit/>
-          </a:bodyPr>
+          <a:bodyPr/>
           <a:lstStyle/>
           <a:p>
-            <a:pPr algn="just">
-              <a:lnSpc>
-                <a:spcPct val="120000"/>
-              </a:lnSpc>
-            </a:pPr>
-            <a:r>
-              <a:rPr lang="ja-JP" altLang="ja-JP" sz="3200" dirty="0" smtClean="0"/>
-              <a:t>ロードバランサ</a:t>
-            </a:r>
-            <a:r>
-              <a:rPr lang="ja-JP" altLang="ja-JP" sz="3200" dirty="0"/>
-              <a:t>の導入コストを抑えるために，</a:t>
-            </a:r>
-            <a:r>
-              <a:rPr lang="ja-JP" altLang="ja-JP" sz="3200" u="sng" dirty="0"/>
-              <a:t>安価で現行システムに導入でき，</a:t>
-            </a:r>
-            <a:r>
-              <a:rPr lang="en-US" altLang="ja-JP" sz="3200" u="sng" dirty="0"/>
-              <a:t>Web</a:t>
-            </a:r>
-            <a:r>
-              <a:rPr lang="ja-JP" altLang="ja-JP" sz="3200" u="sng" dirty="0"/>
-              <a:t>の負荷分散に詳しくないユーザでも導入できる実装方法が求められる</a:t>
-            </a:r>
-            <a:r>
-              <a:rPr lang="ja-JP" altLang="ja-JP" sz="3200" u="sng" dirty="0" smtClean="0"/>
-              <a:t>．</a:t>
-            </a:r>
-            <a:endParaRPr lang="en-US" altLang="ja-JP" sz="3200" u="sng" dirty="0" smtClean="0"/>
-          </a:p>
-          <a:p>
-            <a:pPr algn="just">
-              <a:lnSpc>
-                <a:spcPct val="120000"/>
-              </a:lnSpc>
-            </a:pPr>
-            <a:endParaRPr lang="en-US" altLang="ja-JP" sz="2900" dirty="0" smtClean="0">
-              <a:solidFill>
-                <a:srgbClr val="FF0000"/>
-              </a:solidFill>
-            </a:endParaRPr>
+            <a:r>
+              <a:rPr kumimoji="1" lang="ja-JP" altLang="en-US" dirty="0" smtClean="0"/>
+              <a:t>提案システム</a:t>
+            </a:r>
+            <a:endParaRPr kumimoji="1" lang="ja-JP" altLang="en-US" dirty="0"/>
           </a:p>
         </p:txBody>
       </p:sp>
@@ -11439,33 +10761,34 @@
           </a:p>
         </p:txBody>
       </p:sp>
-      <p:sp>
-        <p:nvSpPr>
-          <p:cNvPr id="5" name="タイトル 4"/>
-          <p:cNvSpPr>
-            <a:spLocks noGrp="1"/>
-          </p:cNvSpPr>
-          <p:nvPr>
-            <p:ph type="title"/>
-          </p:nvPr>
-        </p:nvSpPr>
-        <p:spPr/>
-        <p:txBody>
-          <a:bodyPr/>
-          <a:lstStyle/>
-          <a:p>
-            <a:r>
-              <a:rPr kumimoji="1" lang="ja-JP" altLang="en-US" dirty="0" smtClean="0"/>
-              <a:t>研究課題</a:t>
-            </a:r>
-            <a:endParaRPr kumimoji="1" lang="ja-JP" altLang="en-US" dirty="0"/>
-          </a:p>
-        </p:txBody>
-      </p:sp>
+      <p:pic>
+        <p:nvPicPr>
+          <p:cNvPr id="62" name="図 61"/>
+          <p:cNvPicPr>
+            <a:picLocks noChangeAspect="1"/>
+          </p:cNvPicPr>
+          <p:nvPr/>
+        </p:nvPicPr>
+        <p:blipFill>
+          <a:blip r:embed="rId3"/>
+          <a:stretch>
+            <a:fillRect/>
+          </a:stretch>
+        </p:blipFill>
+        <p:spPr>
+          <a:xfrm>
+            <a:off x="658007" y="914842"/>
+            <a:ext cx="7785862" cy="5852230"/>
+          </a:xfrm>
+          <a:prstGeom prst="rect">
+            <a:avLst/>
+          </a:prstGeom>
+        </p:spPr>
+      </p:pic>
     </p:spTree>
     <p:extLst>
       <p:ext uri="{BB962C8B-B14F-4D97-AF65-F5344CB8AC3E}">
-        <p14:creationId xmlns:p14="http://schemas.microsoft.com/office/powerpoint/2010/main" val="1055307171"/>
+        <p14:creationId xmlns:p14="http://schemas.microsoft.com/office/powerpoint/2010/main" val="3726678057"/>
       </p:ext>
     </p:extLst>
   </p:cSld>
@@ -11509,138 +10832,367 @@
             <p:ph type="title"/>
           </p:nvPr>
         </p:nvSpPr>
+        <p:spPr>
+          <a:xfrm>
+            <a:off x="628650" y="365126"/>
+            <a:ext cx="8177022" cy="1325563"/>
+          </a:xfrm>
+        </p:spPr>
+        <p:txBody>
+          <a:bodyPr>
+            <a:normAutofit/>
+          </a:bodyPr>
+          <a:lstStyle/>
+          <a:p>
+            <a:r>
+              <a:rPr kumimoji="1" lang="en-US" altLang="ja-JP" dirty="0" smtClean="0"/>
+              <a:t>[step:3]</a:t>
+            </a:r>
+            <a:r>
+              <a:rPr kumimoji="1" lang="ja-JP" altLang="en-US" dirty="0" smtClean="0"/>
+              <a:t>応答速度</a:t>
+            </a:r>
+            <a:r>
+              <a:rPr lang="ja-JP" altLang="en-US" dirty="0"/>
+              <a:t>の</a:t>
+            </a:r>
+            <a:r>
+              <a:rPr kumimoji="1" lang="ja-JP" altLang="en-US" dirty="0" smtClean="0"/>
+              <a:t>評価付け</a:t>
+            </a:r>
+            <a:endParaRPr kumimoji="1" lang="ja-JP" altLang="en-US" sz="5400" dirty="0"/>
+          </a:p>
+        </p:txBody>
+      </p:sp>
+      <mc:AlternateContent xmlns:mc="http://schemas.openxmlformats.org/markup-compatibility/2006">
+        <mc:Choice xmlns:a14="http://schemas.microsoft.com/office/drawing/2010/main" Requires="a14">
+          <p:sp>
+            <p:nvSpPr>
+              <p:cNvPr id="3" name="コンテンツ プレースホルダー 2"/>
+              <p:cNvSpPr>
+                <a:spLocks noGrp="1"/>
+              </p:cNvSpPr>
+              <p:nvPr>
+                <p:ph idx="1"/>
+              </p:nvPr>
+            </p:nvSpPr>
+            <p:spPr>
+              <a:xfrm>
+                <a:off x="628650" y="1110203"/>
+                <a:ext cx="7886700" cy="4059936"/>
+              </a:xfrm>
+            </p:spPr>
+            <p:txBody>
+              <a:bodyPr>
+                <a:noAutofit/>
+              </a:bodyPr>
+              <a:lstStyle/>
+              <a:p>
+                <a:pPr>
+                  <a:lnSpc>
+                    <a:spcPct val="100000"/>
+                  </a:lnSpc>
+                </a:pPr>
+                <a:endParaRPr lang="en-US" altLang="ja-JP" sz="2900" dirty="0" smtClean="0"/>
+              </a:p>
+              <a:p>
+                <a:pPr>
+                  <a:lnSpc>
+                    <a:spcPct val="100000"/>
+                  </a:lnSpc>
+                </a:pPr>
+                <a:r>
+                  <a:rPr lang="ja-JP" altLang="en-US" sz="2900" dirty="0" smtClean="0"/>
+                  <a:t>評価は主観的になりやすいため，</a:t>
+                </a:r>
+                <a:r>
+                  <a:rPr lang="en-US" altLang="ja-JP" sz="2900" dirty="0">
+                    <a:latin typeface="ＭＳ Ｐゴシック" panose="020B0600070205080204" pitchFamily="50" charset="-128"/>
+                  </a:rPr>
+                  <a:t>[Paul 2014]</a:t>
+                </a:r>
+                <a:r>
+                  <a:rPr lang="ja-JP" altLang="en-US" sz="2900" dirty="0"/>
+                  <a:t>や</a:t>
+                </a:r>
+                <a:r>
+                  <a:rPr lang="en-US" altLang="ja-JP" sz="2900" dirty="0"/>
+                  <a:t>[Google 2008]</a:t>
+                </a:r>
+                <a:r>
+                  <a:rPr lang="ja-JP" altLang="en-US" sz="2900" dirty="0"/>
+                  <a:t>を参考</a:t>
+                </a:r>
+                <a:r>
+                  <a:rPr lang="ja-JP" altLang="en-US" sz="2900" dirty="0" smtClean="0"/>
+                  <a:t>に</a:t>
+                </a:r>
+                <a:r>
+                  <a:rPr lang="ja-JP" altLang="ja-JP" sz="2900" dirty="0" smtClean="0"/>
+                  <a:t>応答</a:t>
+                </a:r>
+                <a:r>
+                  <a:rPr lang="ja-JP" altLang="ja-JP" sz="2900" dirty="0"/>
+                  <a:t>速度の範囲</a:t>
+                </a:r>
+                <a:r>
+                  <a:rPr lang="ja-JP" altLang="ja-JP" sz="2900" dirty="0" smtClean="0"/>
+                  <a:t>を</a:t>
+                </a:r>
+                <a:r>
+                  <a:rPr lang="ja-JP" altLang="en-US" sz="2900" dirty="0"/>
+                  <a:t>設定</a:t>
+                </a:r>
+                <a:r>
+                  <a:rPr lang="ja-JP" altLang="ja-JP" sz="2900" dirty="0" smtClean="0"/>
+                  <a:t>．</a:t>
+                </a:r>
+                <a:endParaRPr lang="en-US" altLang="ja-JP" sz="2900" dirty="0"/>
+              </a:p>
+              <a:p>
+                <a:pPr>
+                  <a:lnSpc>
+                    <a:spcPct val="100000"/>
+                  </a:lnSpc>
+                </a:pPr>
+                <a:r>
+                  <a:rPr lang="en-US" altLang="ja-JP" sz="2900" dirty="0" smtClean="0"/>
+                  <a:t>L</a:t>
+                </a:r>
+                <a:r>
+                  <a:rPr lang="en-US" altLang="ja-JP" sz="2900" baseline="-25000" dirty="0" smtClean="0"/>
+                  <a:t>1</a:t>
+                </a:r>
+                <a:r>
+                  <a:rPr lang="ja-JP" altLang="ja-JP" sz="2900" dirty="0"/>
+                  <a:t>～</a:t>
+                </a:r>
+                <a:r>
+                  <a:rPr lang="en-US" altLang="ja-JP" sz="2900" dirty="0"/>
+                  <a:t>L</a:t>
+                </a:r>
+                <a:r>
+                  <a:rPr lang="en-US" altLang="ja-JP" sz="2900" baseline="-25000" dirty="0"/>
+                  <a:t>n</a:t>
+                </a:r>
+                <a:r>
+                  <a:rPr lang="ja-JP" altLang="ja-JP" sz="2900" dirty="0"/>
+                  <a:t>の</a:t>
+                </a:r>
+                <a:r>
+                  <a:rPr lang="en-US" altLang="ja-JP" sz="2900" dirty="0"/>
+                  <a:t>n</a:t>
+                </a:r>
+                <a:r>
+                  <a:rPr lang="ja-JP" altLang="ja-JP" sz="2900" dirty="0"/>
+                  <a:t>段階で評価</a:t>
+                </a:r>
+                <a:r>
+                  <a:rPr lang="ja-JP" altLang="en-US" sz="2900" dirty="0"/>
+                  <a:t>を行う</a:t>
+                </a:r>
+                <a:r>
+                  <a:rPr lang="en-US" altLang="ja-JP" sz="2900" dirty="0" smtClean="0"/>
+                  <a:t>.</a:t>
+                </a:r>
+                <a:endParaRPr lang="en-US" altLang="ja-JP" sz="2900" dirty="0"/>
+              </a:p>
+              <a:p>
+                <a:pPr>
+                  <a:lnSpc>
+                    <a:spcPct val="100000"/>
+                  </a:lnSpc>
+                </a:pPr>
+                <a:r>
+                  <a:rPr lang="en-US" altLang="ja-JP" sz="2900" dirty="0" smtClean="0"/>
+                  <a:t> </a:t>
+                </a:r>
+                <a:r>
+                  <a:rPr lang="ja-JP" altLang="en-US" sz="2900" dirty="0"/>
+                  <a:t>評価付けに使う数式は下記に示す</a:t>
+                </a:r>
+                <a:r>
+                  <a:rPr lang="ja-JP" altLang="en-US" sz="2900" dirty="0" smtClean="0"/>
+                  <a:t>．</a:t>
+                </a:r>
+                <a:endParaRPr lang="en-US" altLang="ja-JP" sz="2900" dirty="0"/>
+              </a:p>
+              <a:p>
+                <a:pPr>
+                  <a:lnSpc>
+                    <a:spcPct val="100000"/>
+                  </a:lnSpc>
+                </a:pPr>
+                <a:r>
+                  <a:rPr lang="en-US" altLang="ja-JP" sz="2900" dirty="0" smtClean="0"/>
+                  <a:t>L</a:t>
+                </a:r>
+                <a:r>
+                  <a:rPr lang="ja-JP" altLang="ja-JP" sz="2900" dirty="0" smtClean="0"/>
+                  <a:t>は</a:t>
+                </a:r>
+                <a:r>
+                  <a:rPr lang="ja-JP" altLang="en-US" sz="2900" dirty="0" smtClean="0"/>
+                  <a:t>サーバ</a:t>
+                </a:r>
+                <a:r>
+                  <a:rPr lang="ja-JP" altLang="ja-JP" sz="2900" dirty="0" smtClean="0"/>
+                  <a:t>評価値，</a:t>
+                </a:r>
+                <a14:m>
+                  <m:oMath xmlns:m="http://schemas.openxmlformats.org/officeDocument/2006/math">
+                    <m:r>
+                      <m:rPr>
+                        <m:sty m:val="p"/>
+                      </m:rPr>
+                      <a:rPr lang="en-US" altLang="ja-JP" sz="2900" i="1" dirty="0">
+                        <a:latin typeface="Cambria Math" panose="02040503050406030204" pitchFamily="18" charset="0"/>
+                      </a:rPr>
+                      <m:t>Ave</m:t>
+                    </m:r>
+                  </m:oMath>
+                </a14:m>
+                <a:r>
+                  <a:rPr lang="en-US" altLang="ja-JP" sz="2900" dirty="0" smtClean="0"/>
+                  <a:t> </a:t>
+                </a:r>
+                <a:r>
+                  <a:rPr lang="ja-JP" altLang="ja-JP" sz="2900" dirty="0"/>
+                  <a:t>は</a:t>
+                </a:r>
+                <a:r>
+                  <a:rPr lang="ja-JP" altLang="ja-JP" sz="2900" dirty="0" smtClean="0"/>
+                  <a:t>過去の</a:t>
+                </a:r>
+                <a:r>
+                  <a:rPr lang="ja-JP" altLang="ja-JP" sz="2900" dirty="0"/>
+                  <a:t>平均速度，</a:t>
+                </a:r>
+                <a14:m>
+                  <m:oMath xmlns:m="http://schemas.openxmlformats.org/officeDocument/2006/math">
+                    <m:r>
+                      <m:rPr>
+                        <m:sty m:val="p"/>
+                      </m:rPr>
+                      <a:rPr lang="en-US" altLang="ja-JP" sz="2900">
+                        <a:latin typeface="Cambria Math" panose="02040503050406030204" pitchFamily="18" charset="0"/>
+                      </a:rPr>
+                      <m:t>T</m:t>
+                    </m:r>
+                    <m:r>
+                      <a:rPr lang="ja-JP" altLang="en-US" sz="2900" i="1">
+                        <a:latin typeface="Cambria Math" panose="02040503050406030204" pitchFamily="18" charset="0"/>
+                      </a:rPr>
+                      <m:t>は</m:t>
+                    </m:r>
+                  </m:oMath>
+                </a14:m>
+                <a:r>
+                  <a:rPr lang="ja-JP" altLang="ja-JP" sz="2900" dirty="0" smtClean="0"/>
+                  <a:t>応答</a:t>
+                </a:r>
+                <a:r>
+                  <a:rPr lang="ja-JP" altLang="ja-JP" sz="2900" dirty="0"/>
+                  <a:t>速度の範囲を示す</a:t>
+                </a:r>
+                <a:r>
+                  <a:rPr lang="ja-JP" altLang="ja-JP" sz="2900" dirty="0" smtClean="0"/>
+                  <a:t>．</a:t>
+                </a:r>
+                <a:endParaRPr lang="ja-JP" altLang="ja-JP" sz="2900" dirty="0"/>
+              </a:p>
+            </p:txBody>
+          </p:sp>
+        </mc:Choice>
+        <mc:Fallback>
+          <p:sp>
+            <p:nvSpPr>
+              <p:cNvPr id="3" name="コンテンツ プレースホルダー 2"/>
+              <p:cNvSpPr>
+                <a:spLocks noGrp="1" noRot="1" noChangeAspect="1" noMove="1" noResize="1" noEditPoints="1" noAdjustHandles="1" noChangeArrowheads="1" noChangeShapeType="1" noTextEdit="1"/>
+              </p:cNvSpPr>
+              <p:nvPr>
+                <p:ph idx="1"/>
+              </p:nvPr>
+            </p:nvSpPr>
+            <p:spPr>
+              <a:xfrm>
+                <a:off x="628650" y="1110203"/>
+                <a:ext cx="7886700" cy="4059936"/>
+              </a:xfrm>
+              <a:blipFill>
+                <a:blip r:embed="rId2"/>
+                <a:stretch>
+                  <a:fillRect l="-1468" r="-232"/>
+                </a:stretch>
+              </a:blipFill>
+            </p:spPr>
+            <p:txBody>
+              <a:bodyPr/>
+              <a:lstStyle/>
+              <a:p>
+                <a:r>
+                  <a:rPr lang="ja-JP" altLang="en-US">
+                    <a:noFill/>
+                  </a:rPr>
+                  <a:t> </a:t>
+                </a:r>
+              </a:p>
+            </p:txBody>
+          </p:sp>
+        </mc:Fallback>
+      </mc:AlternateContent>
+      <p:sp>
+        <p:nvSpPr>
+          <p:cNvPr id="4" name="スライド番号プレースホルダー 3"/>
+          <p:cNvSpPr>
+            <a:spLocks noGrp="1"/>
+          </p:cNvSpPr>
+          <p:nvPr>
+            <p:ph type="sldNum" sz="quarter" idx="12"/>
+          </p:nvPr>
+        </p:nvSpPr>
         <p:spPr/>
         <p:txBody>
           <a:bodyPr/>
           <a:lstStyle/>
           <a:p>
-            <a:r>
-              <a:rPr kumimoji="1" lang="ja-JP" altLang="en-US" dirty="0"/>
-              <a:t>研究目的</a:t>
-            </a:r>
-          </a:p>
-        </p:txBody>
-      </p:sp>
-      <p:sp>
-        <p:nvSpPr>
-          <p:cNvPr id="3" name="コンテンツ プレースホルダー 2"/>
-          <p:cNvSpPr>
-            <a:spLocks noGrp="1"/>
-          </p:cNvSpPr>
-          <p:nvPr>
-            <p:ph idx="1"/>
-          </p:nvPr>
-        </p:nvSpPr>
+            <a:fld id="{B4451160-128F-4DAD-AE29-4A8CC0E7B9E9}" type="slidenum">
+              <a:rPr lang="ja-JP" altLang="en-US" smtClean="0"/>
+              <a:pPr/>
+              <a:t>7</a:t>
+            </a:fld>
+            <a:endParaRPr lang="ja-JP" altLang="en-US" dirty="0"/>
+          </a:p>
+        </p:txBody>
+      </p:sp>
+      <p:pic>
+        <p:nvPicPr>
+          <p:cNvPr id="7" name="図 6"/>
+          <p:cNvPicPr>
+            <a:picLocks noChangeAspect="1"/>
+          </p:cNvPicPr>
+          <p:nvPr/>
+        </p:nvPicPr>
+        <p:blipFill rotWithShape="1">
+          <a:blip r:embed="rId3"/>
+          <a:srcRect l="30907" r="30967"/>
+          <a:stretch/>
+        </p:blipFill>
         <p:spPr>
           <a:xfrm>
-            <a:off x="384048" y="1600678"/>
-            <a:ext cx="8558784" cy="4845684"/>
+            <a:off x="1146170" y="4853035"/>
+            <a:ext cx="6851660" cy="1390652"/>
           </a:xfrm>
+          <a:prstGeom prst="rect">
+            <a:avLst/>
+          </a:prstGeom>
         </p:spPr>
-        <p:txBody>
-          <a:bodyPr>
-            <a:noAutofit/>
-          </a:bodyPr>
-          <a:lstStyle/>
-          <a:p>
-            <a:r>
-              <a:rPr lang="ja-JP" altLang="en-US" sz="3200" dirty="0"/>
-              <a:t>応答速度によってサーバの割り振り先を決めるアルゴリズムの提案．</a:t>
-            </a:r>
-            <a:endParaRPr lang="en-US" altLang="ja-JP" sz="3200" dirty="0"/>
-          </a:p>
-          <a:p>
-            <a:r>
-              <a:rPr lang="ja-JP" altLang="en-US" sz="3200" dirty="0"/>
-              <a:t>サーバを監視し評価するシステムの設計と開発．</a:t>
-            </a:r>
-            <a:endParaRPr lang="en-US" altLang="ja-JP" sz="3200" dirty="0"/>
-          </a:p>
-          <a:p>
-            <a:r>
-              <a:rPr lang="ja-JP" altLang="en-US" sz="3200" dirty="0"/>
-              <a:t>異種環境を想定した，応答速度に基づく動的割り振りを行うロードバランサの設計と開発．</a:t>
-            </a:r>
-            <a:r>
-              <a:rPr lang="en-US" altLang="ja-JP" sz="3200" dirty="0"/>
-              <a:t/>
-            </a:r>
-            <a:br>
-              <a:rPr lang="en-US" altLang="ja-JP" sz="3200" dirty="0"/>
-            </a:br>
-            <a:r>
-              <a:rPr lang="ja-JP" altLang="ja-JP" sz="3200" dirty="0" smtClean="0"/>
-              <a:t>安価</a:t>
-            </a:r>
-            <a:r>
-              <a:rPr lang="ja-JP" altLang="ja-JP" sz="3200" dirty="0"/>
-              <a:t>で導入</a:t>
-            </a:r>
-            <a:r>
-              <a:rPr lang="ja-JP" altLang="en-US" sz="3200" dirty="0"/>
-              <a:t>しやすい</a:t>
-            </a:r>
-            <a:r>
-              <a:rPr lang="ja-JP" altLang="ja-JP" sz="3200" dirty="0" smtClean="0"/>
-              <a:t>システ</a:t>
-            </a:r>
-            <a:r>
-              <a:rPr lang="ja-JP" altLang="en-US" sz="3200" dirty="0" smtClean="0"/>
-              <a:t>ムで</a:t>
-            </a:r>
-            <a:r>
-              <a:rPr lang="ja-JP" altLang="ja-JP" sz="3200" dirty="0" smtClean="0"/>
-              <a:t>課題</a:t>
-            </a:r>
-            <a:r>
-              <a:rPr lang="ja-JP" altLang="ja-JP" sz="3200" dirty="0"/>
-              <a:t>の</a:t>
-            </a:r>
-            <a:r>
-              <a:rPr lang="ja-JP" altLang="ja-JP" sz="3200" dirty="0" smtClean="0"/>
-              <a:t>解決</a:t>
-            </a:r>
-            <a:r>
-              <a:rPr lang="ja-JP" altLang="en-US" sz="3200" dirty="0" smtClean="0"/>
-              <a:t>を目指す．</a:t>
-            </a:r>
-            <a:endParaRPr lang="ja-JP" altLang="en-US" sz="3200" dirty="0"/>
-          </a:p>
-          <a:p>
-            <a:r>
-              <a:rPr lang="ja-JP" altLang="en-US" sz="3200" dirty="0"/>
-              <a:t>実験による実現可能性の評価</a:t>
-            </a:r>
-          </a:p>
-        </p:txBody>
-      </p:sp>
-      <p:sp>
-        <p:nvSpPr>
-          <p:cNvPr id="4" name="スライド番号プレースホルダー 3"/>
-          <p:cNvSpPr>
-            <a:spLocks noGrp="1"/>
-          </p:cNvSpPr>
-          <p:nvPr>
-            <p:ph type="sldNum" sz="quarter" idx="12"/>
-          </p:nvPr>
-        </p:nvSpPr>
-        <p:spPr/>
-        <p:txBody>
-          <a:bodyPr/>
-          <a:lstStyle/>
-          <a:p>
-            <a:fld id="{B4451160-128F-4DAD-AE29-4A8CC0E7B9E9}" type="slidenum">
-              <a:rPr kumimoji="1" lang="ja-JP" altLang="en-US" smtClean="0"/>
-              <a:t>7</a:t>
-            </a:fld>
-            <a:endParaRPr kumimoji="1" lang="ja-JP" altLang="en-US"/>
-          </a:p>
-        </p:txBody>
-      </p:sp>
+      </p:pic>
     </p:spTree>
     <p:extLst>
       <p:ext uri="{BB962C8B-B14F-4D97-AF65-F5344CB8AC3E}">
-        <p14:creationId xmlns:p14="http://schemas.microsoft.com/office/powerpoint/2010/main" val="33680443"/>
+        <p14:creationId xmlns:p14="http://schemas.microsoft.com/office/powerpoint/2010/main" val="1211922631"/>
       </p:ext>
     </p:extLst>
   </p:cSld>
@@ -11686,7 +11238,7 @@
         </p:nvSpPr>
         <p:spPr>
           <a:xfrm>
-            <a:off x="366783" y="0"/>
+            <a:off x="628650" y="273686"/>
             <a:ext cx="7886700" cy="1325563"/>
           </a:xfrm>
         </p:spPr>
@@ -11695,14 +11247,253 @@
           <a:lstStyle/>
           <a:p>
             <a:r>
-              <a:rPr kumimoji="1" lang="ja-JP" altLang="en-US" dirty="0"/>
-              <a:t>提案</a:t>
-            </a:r>
-            <a:r>
-              <a:rPr kumimoji="1" lang="ja-JP" altLang="en-US" dirty="0" smtClean="0"/>
-              <a:t>方式</a:t>
+              <a:rPr lang="en-US" altLang="ja-JP" dirty="0"/>
+              <a:t>[</a:t>
+            </a:r>
+            <a:r>
+              <a:rPr lang="en-US" altLang="ja-JP" dirty="0" smtClean="0"/>
+              <a:t>step:5]</a:t>
+            </a:r>
+            <a:r>
+              <a:rPr lang="ja-JP" altLang="en-US" dirty="0" smtClean="0"/>
+              <a:t>の実現方法</a:t>
             </a:r>
             <a:endParaRPr kumimoji="1" lang="ja-JP" altLang="en-US" dirty="0"/>
+          </a:p>
+        </p:txBody>
+      </p:sp>
+      <p:sp>
+        <p:nvSpPr>
+          <p:cNvPr id="3" name="コンテンツ プレースホルダー 2"/>
+          <p:cNvSpPr>
+            <a:spLocks noGrp="1"/>
+          </p:cNvSpPr>
+          <p:nvPr>
+            <p:ph idx="1"/>
+          </p:nvPr>
+        </p:nvSpPr>
+        <p:spPr>
+          <a:xfrm>
+            <a:off x="438340" y="936467"/>
+            <a:ext cx="8267319" cy="5395913"/>
+          </a:xfrm>
+        </p:spPr>
+        <p:txBody>
+          <a:bodyPr>
+            <a:normAutofit lnSpcReduction="10000"/>
+          </a:bodyPr>
+          <a:lstStyle/>
+          <a:p>
+            <a:pPr marL="0" indent="0">
+              <a:buNone/>
+            </a:pPr>
+            <a:endParaRPr lang="en-US" altLang="ja-JP" sz="3200" dirty="0" smtClean="0"/>
+          </a:p>
+          <a:p>
+            <a:pPr>
+              <a:lnSpc>
+                <a:spcPct val="100000"/>
+              </a:lnSpc>
+            </a:pPr>
+            <a:r>
+              <a:rPr lang="en-US" altLang="ja-JP" sz="3200" dirty="0" smtClean="0"/>
+              <a:t>Web</a:t>
+            </a:r>
+            <a:r>
+              <a:rPr lang="ja-JP" altLang="ja-JP" sz="3200" dirty="0" smtClean="0"/>
+              <a:t>で</a:t>
+            </a:r>
+            <a:r>
+              <a:rPr lang="ja-JP" altLang="ja-JP" sz="3200" dirty="0"/>
+              <a:t>負荷</a:t>
+            </a:r>
+            <a:r>
+              <a:rPr lang="ja-JP" altLang="ja-JP" sz="3200" dirty="0" smtClean="0"/>
+              <a:t>分散</a:t>
+            </a:r>
+            <a:r>
+              <a:rPr lang="ja-JP" altLang="en-US" sz="3200" dirty="0" smtClean="0"/>
+              <a:t>を行う</a:t>
+            </a:r>
+            <a:r>
+              <a:rPr lang="ja-JP" altLang="ja-JP" sz="3200" dirty="0" smtClean="0"/>
+              <a:t>には</a:t>
+            </a:r>
+            <a:r>
+              <a:rPr lang="ja-JP" altLang="en-US" sz="3200" dirty="0" smtClean="0"/>
+              <a:t>，</a:t>
+            </a:r>
+            <a:r>
+              <a:rPr lang="ja-JP" altLang="ja-JP" sz="3200" dirty="0" smtClean="0"/>
+              <a:t>リバースプロキシ</a:t>
+            </a:r>
+            <a:r>
+              <a:rPr lang="ja-JP" altLang="ja-JP" sz="3200" dirty="0"/>
+              <a:t>が使われる．プロトタイプでは</a:t>
+            </a:r>
+            <a:r>
+              <a:rPr lang="ja-JP" altLang="ja-JP" sz="3200" dirty="0" smtClean="0"/>
+              <a:t>，オープンソース</a:t>
+            </a:r>
+            <a:r>
+              <a:rPr lang="ja-JP" altLang="ja-JP" sz="3200" dirty="0"/>
+              <a:t>の</a:t>
+            </a:r>
+            <a:r>
+              <a:rPr lang="en-US" altLang="ja-JP" sz="3200" dirty="0"/>
+              <a:t>Web</a:t>
+            </a:r>
+            <a:r>
+              <a:rPr lang="ja-JP" altLang="ja-JP" sz="3200" dirty="0"/>
+              <a:t>サーバである</a:t>
+            </a:r>
+            <a:r>
+              <a:rPr lang="en-US" altLang="ja-JP" sz="3200" dirty="0"/>
+              <a:t>NGINX(</a:t>
+            </a:r>
+            <a:r>
+              <a:rPr lang="ja-JP" altLang="ja-JP" sz="3200" dirty="0"/>
+              <a:t>エンジンエックス</a:t>
+            </a:r>
+            <a:r>
+              <a:rPr lang="en-US" altLang="ja-JP" sz="3200" dirty="0"/>
+              <a:t>)</a:t>
+            </a:r>
+            <a:r>
+              <a:rPr lang="ja-JP" altLang="ja-JP" sz="3200" dirty="0"/>
+              <a:t>を</a:t>
+            </a:r>
+            <a:r>
+              <a:rPr lang="ja-JP" altLang="ja-JP" sz="3200" dirty="0" smtClean="0"/>
+              <a:t>用い</a:t>
+            </a:r>
+            <a:r>
+              <a:rPr lang="ja-JP" altLang="en-US" sz="3200" dirty="0" smtClean="0"/>
+              <a:t>て実現</a:t>
+            </a:r>
+            <a:r>
+              <a:rPr lang="ja-JP" altLang="ja-JP" sz="3200" dirty="0" smtClean="0"/>
+              <a:t>．</a:t>
+            </a:r>
+            <a:endParaRPr lang="en-US" altLang="ja-JP" sz="3200" dirty="0" smtClean="0"/>
+          </a:p>
+          <a:p>
+            <a:r>
+              <a:rPr lang="ja-JP" altLang="en-US" sz="3200" dirty="0"/>
+              <a:t>応答</a:t>
+            </a:r>
+            <a:r>
+              <a:rPr lang="ja-JP" altLang="en-US" sz="3200" dirty="0" smtClean="0"/>
+              <a:t>速度に基づいた割り振りは</a:t>
+            </a:r>
+            <a:r>
+              <a:rPr lang="en-US" altLang="ja-JP" sz="3200" dirty="0" smtClean="0"/>
+              <a:t>NGINX</a:t>
+            </a:r>
+            <a:r>
+              <a:rPr lang="ja-JP" altLang="en-US" sz="3200" dirty="0" smtClean="0"/>
+              <a:t>の設定ファイル</a:t>
+            </a:r>
+            <a:r>
+              <a:rPr lang="ja-JP" altLang="ja-JP" sz="3200" dirty="0" smtClean="0"/>
+              <a:t>の</a:t>
+            </a:r>
+            <a:r>
+              <a:rPr lang="ja-JP" altLang="ja-JP" sz="3200" dirty="0" smtClean="0">
+                <a:solidFill>
+                  <a:srgbClr val="FF0000"/>
+                </a:solidFill>
+              </a:rPr>
+              <a:t>重みを</a:t>
+            </a:r>
+            <a:r>
+              <a:rPr lang="ja-JP" altLang="ja-JP" sz="3200" dirty="0">
+                <a:solidFill>
+                  <a:srgbClr val="FF0000"/>
+                </a:solidFill>
+              </a:rPr>
+              <a:t>プログラム</a:t>
+            </a:r>
+            <a:r>
+              <a:rPr lang="ja-JP" altLang="ja-JP" sz="3200" dirty="0" smtClean="0">
+                <a:solidFill>
+                  <a:srgbClr val="FF0000"/>
+                </a:solidFill>
+              </a:rPr>
+              <a:t>によって</a:t>
+            </a:r>
+            <a:r>
+              <a:rPr lang="ja-JP" altLang="ja-JP" sz="3200" dirty="0">
+                <a:solidFill>
+                  <a:srgbClr val="FF0000"/>
+                </a:solidFill>
+              </a:rPr>
+              <a:t>書き換えることで</a:t>
+            </a:r>
+            <a:r>
+              <a:rPr lang="ja-JP" altLang="ja-JP" sz="3200" dirty="0" smtClean="0">
+                <a:solidFill>
+                  <a:srgbClr val="FF0000"/>
+                </a:solidFill>
+              </a:rPr>
+              <a:t>実現</a:t>
+            </a:r>
+            <a:r>
+              <a:rPr lang="ja-JP" altLang="ja-JP" sz="3200" dirty="0" smtClean="0"/>
+              <a:t>．</a:t>
+            </a:r>
+            <a:endParaRPr lang="en-US" altLang="ja-JP" sz="3200" dirty="0"/>
+          </a:p>
+          <a:p>
+            <a:r>
+              <a:rPr lang="ja-JP" altLang="ja-JP" sz="3200" dirty="0" smtClean="0"/>
+              <a:t>動的に更新</a:t>
+            </a:r>
+            <a:r>
+              <a:rPr lang="ja-JP" altLang="ja-JP" sz="3200" dirty="0"/>
+              <a:t>し，</a:t>
+            </a:r>
+            <a:r>
+              <a:rPr lang="ja-JP" altLang="ja-JP" sz="3200" u="sng" dirty="0"/>
+              <a:t>再読み</a:t>
+            </a:r>
+            <a:r>
+              <a:rPr lang="ja-JP" altLang="ja-JP" sz="3200" dirty="0"/>
+              <a:t>込みするように</a:t>
+            </a:r>
+            <a:r>
+              <a:rPr lang="ja-JP" altLang="ja-JP" sz="3200" dirty="0" smtClean="0"/>
+              <a:t>設計</a:t>
+            </a:r>
+            <a:r>
+              <a:rPr lang="ja-JP" altLang="en-US" sz="3200" dirty="0" smtClean="0"/>
+              <a:t>することで</a:t>
+            </a:r>
+            <a:r>
+              <a:rPr lang="ja-JP" altLang="en-US" sz="3200" dirty="0"/>
+              <a:t>，</a:t>
+            </a:r>
+            <a:r>
+              <a:rPr lang="ja-JP" altLang="ja-JP" sz="3200" u="sng" dirty="0" smtClean="0"/>
+              <a:t>稼働率</a:t>
+            </a:r>
+            <a:r>
+              <a:rPr lang="ja-JP" altLang="ja-JP" sz="3200" u="sng" dirty="0"/>
+              <a:t>を落とすことなく</a:t>
+            </a:r>
+            <a:r>
+              <a:rPr lang="ja-JP" altLang="ja-JP" sz="3200" dirty="0" smtClean="0"/>
+              <a:t>，負荷分散の重みを動的に反映</a:t>
+            </a:r>
+            <a:r>
+              <a:rPr lang="ja-JP" altLang="ja-JP" sz="3200" dirty="0"/>
+              <a:t>することができる</a:t>
+            </a:r>
+            <a:r>
+              <a:rPr lang="ja-JP" altLang="ja-JP" sz="3200" dirty="0" smtClean="0"/>
+              <a:t>．</a:t>
+            </a:r>
+            <a:endParaRPr lang="en-US" altLang="ja-JP" sz="3200" dirty="0"/>
           </a:p>
         </p:txBody>
       </p:sp>
@@ -11722,41 +11513,18 @@
           <a:lstStyle/>
           <a:p>
             <a:fld id="{B4451160-128F-4DAD-AE29-4A8CC0E7B9E9}" type="slidenum">
-              <a:rPr kumimoji="1" lang="ja-JP" altLang="en-US" smtClean="0"/>
+              <a:rPr lang="ja-JP" altLang="en-US" smtClean="0"/>
+              <a:pPr/>
               <a:t>8</a:t>
             </a:fld>
-            <a:endParaRPr kumimoji="1" lang="ja-JP" altLang="en-US"/>
-          </a:p>
-        </p:txBody>
-      </p:sp>
-      <p:pic>
-        <p:nvPicPr>
-          <p:cNvPr id="3" name="図 2"/>
-          <p:cNvPicPr>
-            <a:picLocks noChangeAspect="1"/>
-          </p:cNvPicPr>
-          <p:nvPr/>
-        </p:nvPicPr>
-        <p:blipFill>
-          <a:blip r:embed="rId3"/>
-          <a:stretch>
-            <a:fillRect/>
-          </a:stretch>
-        </p:blipFill>
-        <p:spPr>
-          <a:xfrm>
-            <a:off x="603257" y="1103779"/>
-            <a:ext cx="8056111" cy="5474356"/>
-          </a:xfrm>
-          <a:prstGeom prst="rect">
-            <a:avLst/>
-          </a:prstGeom>
-        </p:spPr>
-      </p:pic>
+            <a:endParaRPr lang="ja-JP" altLang="en-US" dirty="0"/>
+          </a:p>
+        </p:txBody>
+      </p:sp>
     </p:spTree>
     <p:extLst>
       <p:ext uri="{BB962C8B-B14F-4D97-AF65-F5344CB8AC3E}">
-        <p14:creationId xmlns:p14="http://schemas.microsoft.com/office/powerpoint/2010/main" val="3726678057"/>
+        <p14:creationId xmlns:p14="http://schemas.microsoft.com/office/powerpoint/2010/main" val="2157659374"/>
       </p:ext>
     </p:extLst>
   </p:cSld>
@@ -11802,269 +11570,139 @@
         </p:nvSpPr>
         <p:spPr>
           <a:xfrm>
-            <a:off x="628650" y="365126"/>
+            <a:off x="628650" y="273686"/>
             <a:ext cx="7886700" cy="1325563"/>
           </a:xfrm>
         </p:spPr>
         <p:txBody>
+          <a:bodyPr/>
+          <a:lstStyle/>
+          <a:p>
+            <a:r>
+              <a:rPr lang="ja-JP" altLang="en-US" dirty="0" smtClean="0"/>
+              <a:t>実装した割り振り方法</a:t>
+            </a:r>
+            <a:endParaRPr kumimoji="1" lang="ja-JP" altLang="en-US" dirty="0"/>
+          </a:p>
+        </p:txBody>
+      </p:sp>
+      <p:sp>
+        <p:nvSpPr>
+          <p:cNvPr id="3" name="コンテンツ プレースホルダー 2"/>
+          <p:cNvSpPr>
+            <a:spLocks noGrp="1"/>
+          </p:cNvSpPr>
+          <p:nvPr>
+            <p:ph idx="1"/>
+          </p:nvPr>
+        </p:nvSpPr>
+        <p:spPr>
+          <a:xfrm>
+            <a:off x="438340" y="1124712"/>
+            <a:ext cx="8376476" cy="3429000"/>
+          </a:xfrm>
+        </p:spPr>
+        <p:txBody>
           <a:bodyPr>
-            <a:normAutofit/>
+            <a:noAutofit/>
           </a:bodyPr>
           <a:lstStyle/>
           <a:p>
-            <a:r>
-              <a:rPr kumimoji="1" lang="en-US" altLang="ja-JP" dirty="0" smtClean="0"/>
-              <a:t>[step:3]</a:t>
-            </a:r>
-            <a:r>
-              <a:rPr kumimoji="1" lang="ja-JP" altLang="en-US" dirty="0" smtClean="0"/>
-              <a:t>評価付けシステム</a:t>
-            </a:r>
-            <a:endParaRPr kumimoji="1" lang="ja-JP" altLang="en-US" sz="5400" dirty="0"/>
-          </a:p>
-        </p:txBody>
-      </p:sp>
-      <mc:AlternateContent xmlns:mc="http://schemas.openxmlformats.org/markup-compatibility/2006" xmlns:a14="http://schemas.microsoft.com/office/drawing/2010/main">
-        <mc:Choice Requires="a14">
-          <p:sp>
-            <p:nvSpPr>
-              <p:cNvPr id="3" name="コンテンツ プレースホルダー 2"/>
-              <p:cNvSpPr>
-                <a:spLocks noGrp="1"/>
-              </p:cNvSpPr>
-              <p:nvPr>
-                <p:ph idx="1"/>
-              </p:nvPr>
-            </p:nvSpPr>
-            <p:spPr>
-              <a:xfrm>
-                <a:off x="628650" y="1825625"/>
-                <a:ext cx="7886700" cy="3066886"/>
-              </a:xfrm>
-            </p:spPr>
-            <p:txBody>
-              <a:bodyPr>
-                <a:normAutofit/>
-              </a:bodyPr>
-              <a:lstStyle/>
-              <a:p>
-                <a:r>
-                  <a:rPr lang="ja-JP" altLang="ja-JP" dirty="0"/>
-                  <a:t>実行手順の</a:t>
-                </a:r>
-                <a:r>
-                  <a:rPr lang="en-US" altLang="ja-JP" dirty="0"/>
-                  <a:t>STEP-3</a:t>
-                </a:r>
-                <a:r>
-                  <a:rPr lang="ja-JP" altLang="ja-JP" dirty="0" smtClean="0"/>
-                  <a:t>では</a:t>
-                </a:r>
-                <a:r>
-                  <a:rPr lang="en-US" altLang="ja-JP" dirty="0"/>
-                  <a:t>L</a:t>
-                </a:r>
-                <a:r>
-                  <a:rPr lang="en-US" altLang="ja-JP" baseline="-25000" dirty="0"/>
-                  <a:t>1</a:t>
-                </a:r>
-                <a:r>
-                  <a:rPr lang="ja-JP" altLang="ja-JP" dirty="0"/>
-                  <a:t>～</a:t>
-                </a:r>
-                <a:r>
-                  <a:rPr lang="en-US" altLang="ja-JP" dirty="0"/>
-                  <a:t>L</a:t>
-                </a:r>
-                <a:r>
-                  <a:rPr lang="en-US" altLang="ja-JP" baseline="-25000" dirty="0"/>
-                  <a:t>n</a:t>
-                </a:r>
-                <a:r>
-                  <a:rPr lang="ja-JP" altLang="ja-JP" dirty="0"/>
-                  <a:t>の</a:t>
-                </a:r>
-                <a:r>
-                  <a:rPr lang="en-US" altLang="ja-JP" dirty="0"/>
-                  <a:t>n</a:t>
-                </a:r>
-                <a:r>
-                  <a:rPr lang="ja-JP" altLang="ja-JP" dirty="0"/>
-                  <a:t>段階で評価</a:t>
-                </a:r>
-                <a:r>
-                  <a:rPr lang="ja-JP" altLang="en-US" dirty="0"/>
-                  <a:t>を</a:t>
-                </a:r>
-                <a:r>
-                  <a:rPr lang="ja-JP" altLang="en-US" dirty="0" smtClean="0"/>
-                  <a:t>行う</a:t>
-                </a:r>
-                <a:r>
-                  <a:rPr lang="en-US" altLang="ja-JP" dirty="0" smtClean="0"/>
-                  <a:t>. </a:t>
-                </a:r>
-                <a:r>
-                  <a:rPr lang="ja-JP" altLang="en-US" dirty="0" smtClean="0"/>
-                  <a:t>評価付けに使う数式は下記に示す．</a:t>
-                </a:r>
-                <a:r>
-                  <a:rPr lang="en-US" altLang="ja-JP" dirty="0" smtClean="0"/>
-                  <a:t/>
-                </a:r>
-                <a:br>
-                  <a:rPr lang="en-US" altLang="ja-JP" dirty="0" smtClean="0"/>
-                </a:br>
-                <a:endParaRPr lang="en-US" altLang="ja-JP" dirty="0"/>
-              </a:p>
-              <a:p>
-                <a:r>
-                  <a:rPr lang="en-US" altLang="ja-JP" dirty="0" smtClean="0"/>
-                  <a:t>L</a:t>
-                </a:r>
-                <a:r>
-                  <a:rPr lang="ja-JP" altLang="ja-JP" dirty="0" smtClean="0"/>
-                  <a:t>は</a:t>
-                </a:r>
-                <a:r>
-                  <a:rPr lang="ja-JP" altLang="en-US" dirty="0" smtClean="0"/>
-                  <a:t>サーバ</a:t>
-                </a:r>
-                <a:r>
-                  <a:rPr lang="ja-JP" altLang="ja-JP" dirty="0" smtClean="0"/>
-                  <a:t>評価値，</a:t>
-                </a:r>
-                <a14:m>
-                  <m:oMath xmlns:m="http://schemas.openxmlformats.org/officeDocument/2006/math">
-                    <m:r>
-                      <m:rPr>
-                        <m:sty m:val="p"/>
-                      </m:rPr>
-                      <a:rPr lang="en-US" altLang="ja-JP" i="1" dirty="0">
-                        <a:latin typeface="Cambria Math" panose="02040503050406030204" pitchFamily="18" charset="0"/>
-                      </a:rPr>
-                      <m:t>Ave</m:t>
-                    </m:r>
-                  </m:oMath>
-                </a14:m>
-                <a:r>
-                  <a:rPr lang="en-US" altLang="ja-JP" dirty="0" smtClean="0"/>
-                  <a:t> </a:t>
-                </a:r>
-                <a:r>
-                  <a:rPr lang="ja-JP" altLang="ja-JP" dirty="0"/>
-                  <a:t>は</a:t>
-                </a:r>
-                <a:r>
-                  <a:rPr lang="ja-JP" altLang="ja-JP" dirty="0" smtClean="0"/>
-                  <a:t>過去の</a:t>
-                </a:r>
-                <a:r>
-                  <a:rPr lang="ja-JP" altLang="ja-JP" dirty="0"/>
-                  <a:t>平均速度，</a:t>
-                </a:r>
-                <a14:m>
-                  <m:oMath xmlns:m="http://schemas.openxmlformats.org/officeDocument/2006/math">
-                    <m:r>
-                      <m:rPr>
-                        <m:sty m:val="p"/>
-                      </m:rPr>
-                      <a:rPr lang="en-US" altLang="ja-JP">
-                        <a:latin typeface="Cambria Math" panose="02040503050406030204" pitchFamily="18" charset="0"/>
-                      </a:rPr>
-                      <m:t>T</m:t>
-                    </m:r>
-                  </m:oMath>
-                </a14:m>
-                <a:r>
-                  <a:rPr lang="ja-JP" altLang="ja-JP" dirty="0" smtClean="0"/>
-                  <a:t>は</a:t>
-                </a:r>
-                <a:r>
-                  <a:rPr lang="en-US" altLang="ja-JP" dirty="0" smtClean="0">
-                    <a:latin typeface="ＭＳ Ｐゴシック" panose="020B0600070205080204" pitchFamily="50" charset="-128"/>
-                  </a:rPr>
-                  <a:t>[</a:t>
-                </a:r>
-                <a:r>
-                  <a:rPr lang="en-US" altLang="ja-JP" dirty="0">
-                    <a:latin typeface="ＭＳ Ｐゴシック" panose="020B0600070205080204" pitchFamily="50" charset="-128"/>
-                  </a:rPr>
-                  <a:t>Paul 2014</a:t>
-                </a:r>
-                <a:r>
-                  <a:rPr lang="en-US" altLang="ja-JP" dirty="0" smtClean="0">
-                    <a:latin typeface="ＭＳ Ｐゴシック" panose="020B0600070205080204" pitchFamily="50" charset="-128"/>
-                  </a:rPr>
-                  <a:t>]</a:t>
-                </a:r>
-                <a:r>
-                  <a:rPr lang="ja-JP" altLang="en-US" dirty="0" smtClean="0"/>
-                  <a:t>や</a:t>
-                </a:r>
-                <a:r>
-                  <a:rPr lang="en-US" altLang="ja-JP" dirty="0" smtClean="0"/>
-                  <a:t>[Google 2008]</a:t>
-                </a:r>
-                <a:r>
-                  <a:rPr lang="ja-JP" altLang="en-US" dirty="0" smtClean="0"/>
-                  <a:t>を参考にした</a:t>
-                </a:r>
-                <a:r>
-                  <a:rPr lang="ja-JP" altLang="ja-JP" dirty="0" smtClean="0"/>
-                  <a:t>応答</a:t>
-                </a:r>
-                <a:r>
-                  <a:rPr lang="ja-JP" altLang="ja-JP" dirty="0"/>
-                  <a:t>速度の範囲を示す</a:t>
-                </a:r>
-                <a:r>
-                  <a:rPr lang="ja-JP" altLang="ja-JP" dirty="0" smtClean="0"/>
-                  <a:t>．</a:t>
-                </a:r>
-                <a:endParaRPr lang="ja-JP" altLang="ja-JP" dirty="0"/>
-              </a:p>
-            </p:txBody>
-          </p:sp>
-        </mc:Choice>
-        <mc:Fallback xmlns="">
-          <p:sp>
-            <p:nvSpPr>
-              <p:cNvPr id="3" name="コンテンツ プレースホルダー 2"/>
-              <p:cNvSpPr>
-                <a:spLocks noGrp="1" noRot="1" noChangeAspect="1" noMove="1" noResize="1" noEditPoints="1" noAdjustHandles="1" noChangeArrowheads="1" noChangeShapeType="1" noTextEdit="1"/>
-              </p:cNvSpPr>
-              <p:nvPr>
-                <p:ph idx="1"/>
-              </p:nvPr>
-            </p:nvSpPr>
-            <p:spPr>
-              <a:xfrm>
-                <a:off x="628650" y="1825625"/>
-                <a:ext cx="7886700" cy="3066886"/>
-              </a:xfrm>
-              <a:blipFill>
-                <a:blip r:embed="rId2"/>
-                <a:stretch>
-                  <a:fillRect l="-1391" t="-4167"/>
-                </a:stretch>
-              </a:blipFill>
-            </p:spPr>
-            <p:txBody>
-              <a:bodyPr/>
-              <a:lstStyle/>
-              <a:p>
-                <a:r>
-                  <a:rPr lang="ja-JP" altLang="en-US">
-                    <a:noFill/>
-                  </a:rPr>
-                  <a:t> </a:t>
-                </a:r>
-              </a:p>
-            </p:txBody>
-          </p:sp>
-        </mc:Fallback>
-      </mc:AlternateContent>
+            <a:pPr marL="0" indent="0">
+              <a:buNone/>
+            </a:pPr>
+            <a:endParaRPr lang="en-US" altLang="ja-JP" sz="3200" dirty="0" smtClean="0"/>
+          </a:p>
+          <a:p>
+            <a:r>
+              <a:rPr lang="ja-JP" altLang="ja-JP" sz="3200" dirty="0" smtClean="0"/>
+              <a:t>過去</a:t>
+            </a:r>
+            <a:r>
+              <a:rPr lang="en-US" altLang="ja-JP" sz="3200" dirty="0"/>
+              <a:t>24</a:t>
+            </a:r>
+            <a:r>
+              <a:rPr lang="ja-JP" altLang="ja-JP" sz="3200" dirty="0"/>
+              <a:t>時間</a:t>
+            </a:r>
+            <a:r>
+              <a:rPr lang="ja-JP" altLang="ja-JP" sz="3200" dirty="0" smtClean="0"/>
+              <a:t>で評価</a:t>
+            </a:r>
+            <a:r>
+              <a:rPr lang="ja-JP" altLang="ja-JP" sz="3200" dirty="0"/>
+              <a:t>が最も高いサーバに多く</a:t>
+            </a:r>
+            <a:r>
+              <a:rPr lang="ja-JP" altLang="ja-JP" sz="3200" dirty="0" smtClean="0"/>
+              <a:t>割り振る</a:t>
+            </a:r>
+            <a:r>
+              <a:rPr lang="ja-JP" altLang="en-US" sz="3200" dirty="0" smtClean="0"/>
+              <a:t>ように設計</a:t>
+            </a:r>
+            <a:r>
+              <a:rPr lang="ja-JP" altLang="ja-JP" sz="3200" dirty="0" smtClean="0"/>
+              <a:t>．</a:t>
+            </a:r>
+            <a:endParaRPr lang="en-US" altLang="ja-JP" sz="3200" dirty="0"/>
+          </a:p>
+          <a:p>
+            <a:endParaRPr lang="en-US" altLang="ja-JP" sz="3200" dirty="0"/>
+          </a:p>
+          <a:p>
+            <a:r>
+              <a:rPr lang="ja-JP" altLang="ja-JP" sz="3200" dirty="0" smtClean="0"/>
+              <a:t>現在の</a:t>
+            </a:r>
+            <a:r>
+              <a:rPr lang="ja-JP" altLang="en-US" sz="3200" dirty="0" smtClean="0"/>
+              <a:t>応答</a:t>
+            </a:r>
+            <a:r>
+              <a:rPr lang="ja-JP" altLang="ja-JP" sz="3200" dirty="0" smtClean="0"/>
+              <a:t>速度</a:t>
+            </a:r>
+            <a:r>
+              <a:rPr lang="ja-JP" altLang="ja-JP" sz="3200" dirty="0"/>
+              <a:t>が</a:t>
+            </a:r>
+            <a:r>
+              <a:rPr lang="en-US" altLang="ja-JP" sz="3200" dirty="0"/>
+              <a:t>10</a:t>
+            </a:r>
+            <a:r>
+              <a:rPr lang="ja-JP" altLang="ja-JP" sz="3200" dirty="0"/>
+              <a:t>秒以上</a:t>
+            </a:r>
+            <a:r>
+              <a:rPr lang="ja-JP" altLang="ja-JP" sz="3200" dirty="0" smtClean="0"/>
+              <a:t>掛かる場合，</a:t>
+            </a:r>
+            <a:r>
+              <a:rPr lang="ja-JP" altLang="en-US" sz="3200" dirty="0" smtClean="0"/>
+              <a:t>該当サーバへの</a:t>
+            </a:r>
+            <a:r>
+              <a:rPr lang="ja-JP" altLang="ja-JP" sz="3200" dirty="0" smtClean="0"/>
+              <a:t>割り振り</a:t>
+            </a:r>
+            <a:r>
+              <a:rPr lang="ja-JP" altLang="en-US" sz="3200" dirty="0" smtClean="0"/>
+              <a:t>を行わない</a:t>
+            </a:r>
+            <a:r>
+              <a:rPr lang="ja-JP" altLang="ja-JP" sz="3200" dirty="0" smtClean="0"/>
+              <a:t>．</a:t>
+            </a:r>
+            <a:endParaRPr lang="en-US" altLang="ja-JP" sz="3200" dirty="0" smtClean="0"/>
+          </a:p>
+          <a:p>
+            <a:endParaRPr lang="en-US" altLang="ja-JP" sz="3200" dirty="0"/>
+          </a:p>
+        </p:txBody>
+      </p:sp>
       <p:sp>
         <p:nvSpPr>
           <p:cNvPr id="4" name="スライド番号プレースホルダー 3"/>
@@ -12089,33 +11727,10 @@
           </a:p>
         </p:txBody>
       </p:sp>
-      <p:pic>
-        <p:nvPicPr>
-          <p:cNvPr id="7" name="図 6"/>
-          <p:cNvPicPr>
-            <a:picLocks noChangeAspect="1"/>
-          </p:cNvPicPr>
-          <p:nvPr/>
-        </p:nvPicPr>
-        <p:blipFill rotWithShape="1">
-          <a:blip r:embed="rId3"/>
-          <a:srcRect l="30907" r="30967"/>
-          <a:stretch/>
-        </p:blipFill>
-        <p:spPr>
-          <a:xfrm>
-            <a:off x="1076188" y="4710137"/>
-            <a:ext cx="6851660" cy="1390652"/>
-          </a:xfrm>
-          <a:prstGeom prst="rect">
-            <a:avLst/>
-          </a:prstGeom>
-        </p:spPr>
-      </p:pic>
     </p:spTree>
     <p:extLst>
       <p:ext uri="{BB962C8B-B14F-4D97-AF65-F5344CB8AC3E}">
-        <p14:creationId xmlns:p14="http://schemas.microsoft.com/office/powerpoint/2010/main" val="1211922631"/>
+        <p14:creationId xmlns:p14="http://schemas.microsoft.com/office/powerpoint/2010/main" val="1895997517"/>
       </p:ext>
     </p:extLst>
   </p:cSld>

--- a/発表用/1821086_卒業研究発表会.pptx
+++ b/発表用/1821086_卒業研究発表会.pptx
@@ -936,28 +936,6 @@
           <a:bodyPr/>
           <a:lstStyle/>
           <a:p>
-            <a:r>
-              <a:rPr kumimoji="1" lang="ja-JP" altLang="en-US" dirty="0" smtClean="0"/>
-              <a:t>このシステムのポイントは、不均一な性能のサーバ環境で応答時間を測って、サーバ評価アルゴリズムに通して、</a:t>
-            </a:r>
-            <a:r>
-              <a:rPr kumimoji="1" lang="en-US" altLang="ja-JP" dirty="0" smtClean="0"/>
-              <a:t/>
-            </a:r>
-            <a:br>
-              <a:rPr kumimoji="1" lang="en-US" altLang="ja-JP" dirty="0" smtClean="0"/>
-            </a:br>
-            <a:r>
-              <a:rPr kumimoji="1" lang="ja-JP" altLang="en-US" dirty="0" smtClean="0"/>
-              <a:t>評価付けを行う点です。これによって、異種環境のサーバ郡で、応答速度に基づいて動的割り振りを行います。</a:t>
-            </a:r>
-            <a:endParaRPr kumimoji="1" lang="en-US" altLang="ja-JP" dirty="0" smtClean="0"/>
-          </a:p>
-          <a:p>
-            <a:r>
-              <a:rPr kumimoji="1" lang="ja-JP" altLang="en-US" dirty="0" smtClean="0"/>
-              <a:t>ステップ３は方法論、ステップ５は実現方法が大事になるので次のスライドで説明します。</a:t>
-            </a:r>
             <a:endParaRPr kumimoji="1" lang="ja-JP" altLang="en-US" dirty="0"/>
           </a:p>
         </p:txBody>
@@ -4866,12 +4844,12 @@
   <p:clrMapOvr>
     <a:masterClrMapping/>
   </p:clrMapOvr>
-  <mc:AlternateContent xmlns:mc="http://schemas.openxmlformats.org/markup-compatibility/2006" xmlns:p14="http://schemas.microsoft.com/office/powerpoint/2010/main">
-    <mc:Choice Requires="p14">
-      <p:transition spd="slow" p14:dur="2000" advTm="15280"/>
+  <mc:AlternateContent xmlns:mc="http://schemas.openxmlformats.org/markup-compatibility/2006">
+    <mc:Choice xmlns:p14="http://schemas.microsoft.com/office/powerpoint/2010/main" Requires="p14">
+      <p:transition spd="slow" p14:dur="2000" advTm="1664"/>
     </mc:Choice>
-    <mc:Fallback xmlns="">
-      <p:transition spd="slow" advTm="15280"/>
+    <mc:Fallback>
+      <p:transition spd="slow" advTm="1664"/>
     </mc:Fallback>
   </mc:AlternateContent>
   <p:timing>
@@ -10376,14 +10354,10 @@
             </a:pPr>
             <a:r>
               <a:rPr lang="ja-JP" altLang="en-US" sz="3200" dirty="0"/>
-              <a:t>既存技術では，導入のしやすさ，コストの安さから</a:t>
-            </a:r>
-            <a:r>
-              <a:rPr lang="ja-JP" altLang="en-US" sz="3200" u="sng" dirty="0"/>
-              <a:t>異種環境においても均等に割り振る「ラウンドロビン」方式が頻繁に利用されている</a:t>
-            </a:r>
-            <a:r>
-              <a:rPr lang="ja-JP" altLang="en-US" sz="3200" u="sng" dirty="0" smtClean="0"/>
+              <a:t>既存技術では，導入のしやすさ，コストの安さから異種環境においても均等に割り振る「ラウンドロビン」方式が頻繁に利用されている</a:t>
+            </a:r>
+            <a:r>
+              <a:rPr lang="ja-JP" altLang="en-US" sz="3200" dirty="0" smtClean="0"/>
               <a:t>．</a:t>
             </a:r>
             <a:endParaRPr lang="en-US" altLang="ja-JP" sz="3200" dirty="0" smtClean="0"/>
@@ -10395,22 +10369,22 @@
               </a:lnSpc>
             </a:pPr>
             <a:r>
-              <a:rPr lang="ja-JP" altLang="ja-JP" sz="3200" u="sng" dirty="0"/>
+              <a:rPr lang="ja-JP" altLang="ja-JP" sz="3200" dirty="0"/>
               <a:t>安価で現行システムに導入でき，</a:t>
             </a:r>
             <a:r>
-              <a:rPr lang="en-US" altLang="ja-JP" sz="3200" u="sng" dirty="0"/>
+              <a:rPr lang="en-US" altLang="ja-JP" sz="3200" dirty="0"/>
               <a:t>Web</a:t>
             </a:r>
             <a:r>
-              <a:rPr lang="ja-JP" altLang="ja-JP" sz="3200" u="sng" dirty="0"/>
+              <a:rPr lang="ja-JP" altLang="ja-JP" sz="3200" dirty="0"/>
               <a:t>の負荷分散に詳しくないユーザでも導入できる実装方法が求められる</a:t>
             </a:r>
             <a:r>
-              <a:rPr lang="ja-JP" altLang="ja-JP" sz="3200" u="sng" dirty="0" smtClean="0"/>
+              <a:rPr lang="ja-JP" altLang="ja-JP" sz="3200" dirty="0" smtClean="0"/>
               <a:t>．</a:t>
             </a:r>
-            <a:endParaRPr lang="en-US" altLang="ja-JP" sz="3200" u="sng" dirty="0"/>
+            <a:endParaRPr lang="en-US" altLang="ja-JP" sz="3200" dirty="0"/>
           </a:p>
         </p:txBody>
       </p:sp>
@@ -10864,8 +10838,8 @@
           </a:p>
         </p:txBody>
       </p:sp>
-      <mc:AlternateContent xmlns:mc="http://schemas.openxmlformats.org/markup-compatibility/2006">
-        <mc:Choice xmlns:a14="http://schemas.microsoft.com/office/drawing/2010/main" Requires="a14">
+      <mc:AlternateContent xmlns:mc="http://schemas.openxmlformats.org/markup-compatibility/2006" xmlns:a14="http://schemas.microsoft.com/office/drawing/2010/main">
+        <mc:Choice Requires="a14">
           <p:sp>
             <p:nvSpPr>
               <p:cNvPr id="3" name="コンテンツ プレースホルダー 2"/>
@@ -11104,7 +11078,7 @@
             </p:txBody>
           </p:sp>
         </mc:Choice>
-        <mc:Fallback>
+        <mc:Fallback xmlns="">
           <p:sp>
             <p:nvSpPr>
               <p:cNvPr id="3" name="コンテンツ プレースホルダー 2"/>

--- a/発表用/1821086_卒業研究発表会.pptx
+++ b/発表用/1821086_卒業研究発表会.pptx
@@ -268,7 +268,7 @@
           <a:p>
             <a:fld id="{27571B5F-C8EC-4379-AD76-80FD414F3861}" type="datetimeFigureOut">
               <a:rPr kumimoji="1" lang="ja-JP" altLang="en-US" smtClean="0"/>
-              <a:t>2022/1/20</a:t>
+              <a:t>2022/1/23</a:t>
             </a:fld>
             <a:endParaRPr kumimoji="1" lang="ja-JP" altLang="en-US"/>
           </a:p>
@@ -1691,7 +1691,7 @@
           <a:p>
             <a:fld id="{ED609840-96BF-4512-A2C1-C87E0BBF3D2F}" type="datetime1">
               <a:rPr kumimoji="1" lang="ja-JP" altLang="en-US" smtClean="0"/>
-              <a:t>2022/1/20</a:t>
+              <a:t>2022/1/23</a:t>
             </a:fld>
             <a:endParaRPr kumimoji="1" lang="ja-JP" altLang="en-US"/>
           </a:p>
@@ -1894,7 +1894,7 @@
           <a:p>
             <a:fld id="{F97B6116-28DE-44C1-8891-65688903BD50}" type="datetime1">
               <a:rPr kumimoji="1" lang="ja-JP" altLang="en-US" smtClean="0"/>
-              <a:t>2022/1/20</a:t>
+              <a:t>2022/1/23</a:t>
             </a:fld>
             <a:endParaRPr kumimoji="1" lang="ja-JP" altLang="en-US"/>
           </a:p>
@@ -2107,7 +2107,7 @@
           <a:p>
             <a:fld id="{EDE04BF4-1FC0-40EE-A15F-5986BB2387E9}" type="datetime1">
               <a:rPr kumimoji="1" lang="ja-JP" altLang="en-US" smtClean="0"/>
-              <a:t>2022/1/20</a:t>
+              <a:t>2022/1/23</a:t>
             </a:fld>
             <a:endParaRPr kumimoji="1" lang="ja-JP" altLang="en-US"/>
           </a:p>
@@ -2310,7 +2310,7 @@
           <a:p>
             <a:fld id="{AFE4124D-C094-469A-99BC-7EA66CDB293F}" type="datetime1">
               <a:rPr kumimoji="1" lang="ja-JP" altLang="en-US" smtClean="0"/>
-              <a:t>2022/1/20</a:t>
+              <a:t>2022/1/23</a:t>
             </a:fld>
             <a:endParaRPr kumimoji="1" lang="ja-JP" altLang="en-US"/>
           </a:p>
@@ -2559,7 +2559,7 @@
           <a:p>
             <a:fld id="{F808FAA8-DC38-46BC-9A48-0414366DDF43}" type="datetime1">
               <a:rPr kumimoji="1" lang="ja-JP" altLang="en-US" smtClean="0"/>
-              <a:t>2022/1/20</a:t>
+              <a:t>2022/1/23</a:t>
             </a:fld>
             <a:endParaRPr kumimoji="1" lang="ja-JP" altLang="en-US"/>
           </a:p>
@@ -2856,7 +2856,7 @@
           <a:p>
             <a:fld id="{43B61DD3-8484-4FD8-9D55-71FA047E405C}" type="datetime1">
               <a:rPr kumimoji="1" lang="ja-JP" altLang="en-US" smtClean="0"/>
-              <a:t>2022/1/20</a:t>
+              <a:t>2022/1/23</a:t>
             </a:fld>
             <a:endParaRPr kumimoji="1" lang="ja-JP" altLang="en-US"/>
           </a:p>
@@ -3288,7 +3288,7 @@
           <a:p>
             <a:fld id="{61FE3252-B303-4BFD-B995-E88780D087A2}" type="datetime1">
               <a:rPr kumimoji="1" lang="ja-JP" altLang="en-US" smtClean="0"/>
-              <a:t>2022/1/20</a:t>
+              <a:t>2022/1/23</a:t>
             </a:fld>
             <a:endParaRPr kumimoji="1" lang="ja-JP" altLang="en-US"/>
           </a:p>
@@ -3407,7 +3407,7 @@
           <a:p>
             <a:fld id="{83973884-A525-473B-9B85-E710649C3EE9}" type="datetime1">
               <a:rPr kumimoji="1" lang="ja-JP" altLang="en-US" smtClean="0"/>
-              <a:t>2022/1/20</a:t>
+              <a:t>2022/1/23</a:t>
             </a:fld>
             <a:endParaRPr kumimoji="1" lang="ja-JP" altLang="en-US"/>
           </a:p>
@@ -3503,7 +3503,7 @@
           <a:p>
             <a:fld id="{630B9591-4670-4AF8-B7B7-F5F2443A761A}" type="datetime1">
               <a:rPr kumimoji="1" lang="ja-JP" altLang="en-US" smtClean="0"/>
-              <a:t>2022/1/20</a:t>
+              <a:t>2022/1/23</a:t>
             </a:fld>
             <a:endParaRPr kumimoji="1" lang="ja-JP" altLang="en-US"/>
           </a:p>
@@ -3813,7 +3813,7 @@
           <a:p>
             <a:fld id="{434F6BA0-5DA2-4153-9B76-E2457FA21F47}" type="datetime1">
               <a:rPr kumimoji="1" lang="ja-JP" altLang="en-US" smtClean="0"/>
-              <a:t>2022/1/20</a:t>
+              <a:t>2022/1/23</a:t>
             </a:fld>
             <a:endParaRPr kumimoji="1" lang="ja-JP" altLang="en-US"/>
           </a:p>
@@ -4071,7 +4071,7 @@
           <a:p>
             <a:fld id="{590B58CC-0A81-4826-A84E-1F1030B25368}" type="datetime1">
               <a:rPr kumimoji="1" lang="ja-JP" altLang="en-US" smtClean="0"/>
-              <a:t>2022/1/20</a:t>
+              <a:t>2022/1/23</a:t>
             </a:fld>
             <a:endParaRPr kumimoji="1" lang="ja-JP" altLang="en-US"/>
           </a:p>
@@ -4317,7 +4317,7 @@
           <a:p>
             <a:fld id="{77253A0B-EAD4-46D7-BD2F-C5BFFB89C890}" type="datetime1">
               <a:rPr kumimoji="1" lang="ja-JP" altLang="en-US" smtClean="0"/>
-              <a:t>2022/1/20</a:t>
+              <a:t>2022/1/23</a:t>
             </a:fld>
             <a:endParaRPr kumimoji="1" lang="ja-JP" altLang="en-US"/>
           </a:p>
@@ -4844,11 +4844,11 @@
   <p:clrMapOvr>
     <a:masterClrMapping/>
   </p:clrMapOvr>
-  <mc:AlternateContent xmlns:mc="http://schemas.openxmlformats.org/markup-compatibility/2006">
-    <mc:Choice xmlns:p14="http://schemas.microsoft.com/office/powerpoint/2010/main" Requires="p14">
+  <mc:AlternateContent xmlns:mc="http://schemas.openxmlformats.org/markup-compatibility/2006" xmlns:p14="http://schemas.microsoft.com/office/powerpoint/2010/main">
+    <mc:Choice Requires="p14">
       <p:transition spd="slow" p14:dur="2000" advTm="1664"/>
     </mc:Choice>
-    <mc:Fallback>
+    <mc:Fallback xmlns="">
       <p:transition spd="slow" advTm="1664"/>
     </mc:Fallback>
   </mc:AlternateContent>
@@ -8467,7 +8467,7 @@
         </p:nvSpPr>
         <p:spPr>
           <a:xfrm>
-            <a:off x="628650" y="550853"/>
+            <a:off x="628650" y="454305"/>
             <a:ext cx="8094726" cy="1325563"/>
           </a:xfrm>
         </p:spPr>
@@ -8565,7 +8565,7 @@
         </p:nvSpPr>
         <p:spPr>
           <a:xfrm>
-            <a:off x="6116166" y="1041572"/>
+            <a:off x="6116166" y="736580"/>
             <a:ext cx="3209544" cy="954107"/>
           </a:xfrm>
           <a:prstGeom prst="rect">
@@ -8626,8 +8626,8 @@
         </p:blipFill>
         <p:spPr>
           <a:xfrm>
-            <a:off x="4407409" y="4291559"/>
-            <a:ext cx="4520538" cy="1387906"/>
+            <a:off x="4475328" y="1964514"/>
+            <a:ext cx="4553203" cy="1464081"/>
           </a:xfrm>
           <a:prstGeom prst="rect">
             <a:avLst/>
@@ -8650,8 +8650,8 @@
         </p:blipFill>
         <p:spPr>
           <a:xfrm>
-            <a:off x="4407409" y="2367135"/>
-            <a:ext cx="4520538" cy="1380510"/>
+            <a:off x="4475328" y="4434840"/>
+            <a:ext cx="4553203" cy="1464081"/>
           </a:xfrm>
           <a:prstGeom prst="rect">
             <a:avLst/>
@@ -8666,8 +8666,8 @@
         </p:nvSpPr>
         <p:spPr>
           <a:xfrm>
-            <a:off x="5798439" y="5679465"/>
-            <a:ext cx="3527271" cy="369332"/>
+            <a:off x="6003010" y="5898921"/>
+            <a:ext cx="2924937" cy="369332"/>
           </a:xfrm>
           <a:prstGeom prst="rect">
             <a:avLst/>
@@ -8690,7 +8690,7 @@
       </p:sp>
       <p:pic>
         <p:nvPicPr>
-          <p:cNvPr id="11" name="図 10"/>
+          <p:cNvPr id="3" name="図 2"/>
           <p:cNvPicPr>
             <a:picLocks noChangeAspect="1"/>
           </p:cNvPicPr>
@@ -8704,32 +8704,8 @@
         </p:blipFill>
         <p:spPr>
           <a:xfrm>
-            <a:off x="256033" y="1857503"/>
-            <a:ext cx="3986784" cy="2244025"/>
-          </a:xfrm>
-          <a:prstGeom prst="rect">
-            <a:avLst/>
-          </a:prstGeom>
-        </p:spPr>
-      </p:pic>
-      <p:pic>
-        <p:nvPicPr>
-          <p:cNvPr id="6" name="図 5"/>
-          <p:cNvPicPr>
-            <a:picLocks noChangeAspect="1"/>
-          </p:cNvPicPr>
-          <p:nvPr/>
-        </p:nvPicPr>
-        <p:blipFill>
-          <a:blip r:embed="rId6"/>
-          <a:stretch>
-            <a:fillRect/>
-          </a:stretch>
-        </p:blipFill>
-        <p:spPr>
-          <a:xfrm>
-            <a:off x="256033" y="4141197"/>
-            <a:ext cx="3986784" cy="2215154"/>
+            <a:off x="151109" y="1518625"/>
+            <a:ext cx="4260211" cy="5240232"/>
           </a:xfrm>
           <a:prstGeom prst="rect">
             <a:avLst/>

--- a/発表用/1821086_卒業研究発表会.pptx
+++ b/発表用/1821086_卒業研究発表会.pptx
@@ -268,7 +268,7 @@
           <a:p>
             <a:fld id="{27571B5F-C8EC-4379-AD76-80FD414F3861}" type="datetimeFigureOut">
               <a:rPr kumimoji="1" lang="ja-JP" altLang="en-US" smtClean="0"/>
-              <a:t>2022/1/23</a:t>
+              <a:t>2022/1/24</a:t>
             </a:fld>
             <a:endParaRPr kumimoji="1" lang="ja-JP" altLang="en-US"/>
           </a:p>
@@ -1691,7 +1691,7 @@
           <a:p>
             <a:fld id="{ED609840-96BF-4512-A2C1-C87E0BBF3D2F}" type="datetime1">
               <a:rPr kumimoji="1" lang="ja-JP" altLang="en-US" smtClean="0"/>
-              <a:t>2022/1/23</a:t>
+              <a:t>2022/1/24</a:t>
             </a:fld>
             <a:endParaRPr kumimoji="1" lang="ja-JP" altLang="en-US"/>
           </a:p>
@@ -1894,7 +1894,7 @@
           <a:p>
             <a:fld id="{F97B6116-28DE-44C1-8891-65688903BD50}" type="datetime1">
               <a:rPr kumimoji="1" lang="ja-JP" altLang="en-US" smtClean="0"/>
-              <a:t>2022/1/23</a:t>
+              <a:t>2022/1/24</a:t>
             </a:fld>
             <a:endParaRPr kumimoji="1" lang="ja-JP" altLang="en-US"/>
           </a:p>
@@ -2107,7 +2107,7 @@
           <a:p>
             <a:fld id="{EDE04BF4-1FC0-40EE-A15F-5986BB2387E9}" type="datetime1">
               <a:rPr kumimoji="1" lang="ja-JP" altLang="en-US" smtClean="0"/>
-              <a:t>2022/1/23</a:t>
+              <a:t>2022/1/24</a:t>
             </a:fld>
             <a:endParaRPr kumimoji="1" lang="ja-JP" altLang="en-US"/>
           </a:p>
@@ -2310,7 +2310,7 @@
           <a:p>
             <a:fld id="{AFE4124D-C094-469A-99BC-7EA66CDB293F}" type="datetime1">
               <a:rPr kumimoji="1" lang="ja-JP" altLang="en-US" smtClean="0"/>
-              <a:t>2022/1/23</a:t>
+              <a:t>2022/1/24</a:t>
             </a:fld>
             <a:endParaRPr kumimoji="1" lang="ja-JP" altLang="en-US"/>
           </a:p>
@@ -2559,7 +2559,7 @@
           <a:p>
             <a:fld id="{F808FAA8-DC38-46BC-9A48-0414366DDF43}" type="datetime1">
               <a:rPr kumimoji="1" lang="ja-JP" altLang="en-US" smtClean="0"/>
-              <a:t>2022/1/23</a:t>
+              <a:t>2022/1/24</a:t>
             </a:fld>
             <a:endParaRPr kumimoji="1" lang="ja-JP" altLang="en-US"/>
           </a:p>
@@ -2856,7 +2856,7 @@
           <a:p>
             <a:fld id="{43B61DD3-8484-4FD8-9D55-71FA047E405C}" type="datetime1">
               <a:rPr kumimoji="1" lang="ja-JP" altLang="en-US" smtClean="0"/>
-              <a:t>2022/1/23</a:t>
+              <a:t>2022/1/24</a:t>
             </a:fld>
             <a:endParaRPr kumimoji="1" lang="ja-JP" altLang="en-US"/>
           </a:p>
@@ -3288,7 +3288,7 @@
           <a:p>
             <a:fld id="{61FE3252-B303-4BFD-B995-E88780D087A2}" type="datetime1">
               <a:rPr kumimoji="1" lang="ja-JP" altLang="en-US" smtClean="0"/>
-              <a:t>2022/1/23</a:t>
+              <a:t>2022/1/24</a:t>
             </a:fld>
             <a:endParaRPr kumimoji="1" lang="ja-JP" altLang="en-US"/>
           </a:p>
@@ -3407,7 +3407,7 @@
           <a:p>
             <a:fld id="{83973884-A525-473B-9B85-E710649C3EE9}" type="datetime1">
               <a:rPr kumimoji="1" lang="ja-JP" altLang="en-US" smtClean="0"/>
-              <a:t>2022/1/23</a:t>
+              <a:t>2022/1/24</a:t>
             </a:fld>
             <a:endParaRPr kumimoji="1" lang="ja-JP" altLang="en-US"/>
           </a:p>
@@ -3503,7 +3503,7 @@
           <a:p>
             <a:fld id="{630B9591-4670-4AF8-B7B7-F5F2443A761A}" type="datetime1">
               <a:rPr kumimoji="1" lang="ja-JP" altLang="en-US" smtClean="0"/>
-              <a:t>2022/1/23</a:t>
+              <a:t>2022/1/24</a:t>
             </a:fld>
             <a:endParaRPr kumimoji="1" lang="ja-JP" altLang="en-US"/>
           </a:p>
@@ -3813,7 +3813,7 @@
           <a:p>
             <a:fld id="{434F6BA0-5DA2-4153-9B76-E2457FA21F47}" type="datetime1">
               <a:rPr kumimoji="1" lang="ja-JP" altLang="en-US" smtClean="0"/>
-              <a:t>2022/1/23</a:t>
+              <a:t>2022/1/24</a:t>
             </a:fld>
             <a:endParaRPr kumimoji="1" lang="ja-JP" altLang="en-US"/>
           </a:p>
@@ -4071,7 +4071,7 @@
           <a:p>
             <a:fld id="{590B58CC-0A81-4826-A84E-1F1030B25368}" type="datetime1">
               <a:rPr kumimoji="1" lang="ja-JP" altLang="en-US" smtClean="0"/>
-              <a:t>2022/1/23</a:t>
+              <a:t>2022/1/24</a:t>
             </a:fld>
             <a:endParaRPr kumimoji="1" lang="ja-JP" altLang="en-US"/>
           </a:p>
@@ -4317,7 +4317,7 @@
           <a:p>
             <a:fld id="{77253A0B-EAD4-46D7-BD2F-C5BFFB89C890}" type="datetime1">
               <a:rPr kumimoji="1" lang="ja-JP" altLang="en-US" smtClean="0"/>
-              <a:t>2022/1/23</a:t>
+              <a:t>2022/1/24</a:t>
             </a:fld>
             <a:endParaRPr kumimoji="1" lang="ja-JP" altLang="en-US"/>
           </a:p>
@@ -7180,7 +7180,7 @@
           <p:nvPr>
             <p:extLst>
               <p:ext uri="{D42A27DB-BD31-4B8C-83A1-F6EECF244321}">
-                <p14:modId xmlns:p14="http://schemas.microsoft.com/office/powerpoint/2010/main" val="1057689901"/>
+                <p14:modId xmlns:p14="http://schemas.microsoft.com/office/powerpoint/2010/main" val="3331476866"/>
               </p:ext>
             </p:extLst>
           </p:nvPr>
@@ -7671,6 +7671,18 @@
                         <a:t>10.000</a:t>
                       </a:r>
                       <a:r>
+                        <a:rPr kumimoji="1" lang="ja-JP" altLang="en-US" sz="2400" kern="1200" dirty="0" smtClean="0">
+                          <a:solidFill>
+                            <a:schemeClr val="dk1"/>
+                          </a:solidFill>
+                          <a:effectLst/>
+                          <a:latin typeface="+mn-lt"/>
+                          <a:ea typeface="+mn-ea"/>
+                          <a:cs typeface="+mn-cs"/>
+                        </a:rPr>
+                        <a:t>秒</a:t>
+                      </a:r>
+                      <a:r>
                         <a:rPr kumimoji="1" lang="ja-JP" altLang="ja-JP" sz="2400" kern="1200" dirty="0" smtClean="0">
                           <a:solidFill>
                             <a:schemeClr val="dk1"/>
@@ -7681,18 +7693,6 @@
                           <a:cs typeface="+mn-cs"/>
                         </a:rPr>
                         <a:t>以上</a:t>
-                      </a:r>
-                      <a:r>
-                        <a:rPr kumimoji="1" lang="ja-JP" altLang="en-US" sz="2400" kern="1200" dirty="0" smtClean="0">
-                          <a:solidFill>
-                            <a:schemeClr val="dk1"/>
-                          </a:solidFill>
-                          <a:effectLst/>
-                          <a:latin typeface="+mn-lt"/>
-                          <a:ea typeface="+mn-ea"/>
-                          <a:cs typeface="+mn-cs"/>
-                        </a:rPr>
-                        <a:t>秒</a:t>
                       </a:r>
                       <a:endParaRPr lang="ja-JP" altLang="ja-JP" sz="2400" dirty="0" smtClean="0">
                         <a:effectLst/>

--- a/発表用/1821086_卒業研究発表会.pptx
+++ b/発表用/1821086_卒業研究発表会.pptx
@@ -4736,13 +4736,13 @@
         </p:nvSpPr>
         <p:spPr>
           <a:xfrm>
-            <a:off x="291421" y="1697863"/>
-            <a:ext cx="8544222" cy="2387600"/>
+            <a:off x="291421" y="2035835"/>
+            <a:ext cx="8544222" cy="1954911"/>
           </a:xfrm>
         </p:spPr>
         <p:txBody>
           <a:bodyPr>
-            <a:normAutofit fontScale="90000"/>
+            <a:noAutofit/>
           </a:bodyPr>
           <a:lstStyle/>
           <a:p>
@@ -4752,61 +4752,48 @@
               </a:lnSpc>
             </a:pPr>
             <a:r>
-              <a:rPr kumimoji="1" lang="ja-JP" altLang="en-US" dirty="0" smtClean="0"/>
+              <a:rPr kumimoji="1" lang="ja-JP" altLang="en-US" sz="4400" dirty="0" smtClean="0"/>
               <a:t>異種</a:t>
             </a:r>
             <a:r>
-              <a:rPr kumimoji="1" lang="en-US" altLang="ja-JP" dirty="0" smtClean="0"/>
+              <a:rPr kumimoji="1" lang="en-US" altLang="ja-JP" sz="4400" dirty="0" smtClean="0"/>
               <a:t>Web</a:t>
             </a:r>
             <a:r>
-              <a:rPr kumimoji="1" lang="ja-JP" altLang="en-US" dirty="0" smtClean="0"/>
-              <a:t>サーバを対象とした応答速度に基づく</a:t>
-            </a:r>
-            <a:r>
-              <a:rPr kumimoji="1" lang="en-US" altLang="ja-JP" dirty="0" smtClean="0"/>
+              <a:rPr kumimoji="1" lang="ja-JP" altLang="en-US" sz="4400" dirty="0" smtClean="0"/>
+              <a:t>サーバを対象と</a:t>
+            </a:r>
+            <a:r>
+              <a:rPr kumimoji="1" lang="ja-JP" altLang="en-US" sz="4400" dirty="0" smtClean="0"/>
+              <a:t>した</a:t>
+            </a:r>
+            <a:r>
+              <a:rPr kumimoji="1" lang="en-US" altLang="ja-JP" sz="4400" dirty="0" smtClean="0"/>
               <a:t/>
             </a:r>
             <a:br>
-              <a:rPr kumimoji="1" lang="en-US" altLang="ja-JP" dirty="0" smtClean="0"/>
+              <a:rPr kumimoji="1" lang="en-US" altLang="ja-JP" sz="4400" dirty="0" smtClean="0"/>
             </a:br>
             <a:r>
-              <a:rPr kumimoji="1" lang="ja-JP" altLang="en-US" dirty="0" smtClean="0"/>
+              <a:rPr kumimoji="1" lang="ja-JP" altLang="en-US" sz="4400" dirty="0" smtClean="0"/>
+              <a:t>応答</a:t>
+            </a:r>
+            <a:r>
+              <a:rPr kumimoji="1" lang="ja-JP" altLang="en-US" sz="4400" dirty="0" smtClean="0"/>
+              <a:t>速度に基づく</a:t>
+            </a:r>
+            <a:r>
+              <a:rPr kumimoji="1" lang="en-US" altLang="ja-JP" sz="4400" dirty="0" smtClean="0"/>
+              <a:t/>
+            </a:r>
+            <a:br>
+              <a:rPr kumimoji="1" lang="en-US" altLang="ja-JP" sz="4400" dirty="0" smtClean="0"/>
+            </a:br>
+            <a:r>
+              <a:rPr kumimoji="1" lang="ja-JP" altLang="en-US" sz="4400" dirty="0" smtClean="0"/>
               <a:t>ロードバランサの開発と評価</a:t>
             </a:r>
-            <a:endParaRPr kumimoji="1" lang="ja-JP" altLang="en-US" dirty="0"/>
-          </a:p>
-        </p:txBody>
-      </p:sp>
-      <p:sp>
-        <p:nvSpPr>
-          <p:cNvPr id="3" name="サブタイトル 2"/>
-          <p:cNvSpPr>
-            <a:spLocks noGrp="1"/>
-          </p:cNvSpPr>
-          <p:nvPr>
-            <p:ph type="subTitle" idx="1"/>
-          </p:nvPr>
-        </p:nvSpPr>
-        <p:spPr>
-          <a:xfrm>
-            <a:off x="1134532" y="4573589"/>
-            <a:ext cx="6858000" cy="425449"/>
-          </a:xfrm>
-        </p:spPr>
-        <p:txBody>
-          <a:bodyPr/>
-          <a:lstStyle/>
-          <a:p>
-            <a:r>
-              <a:rPr kumimoji="1" lang="en-US" altLang="ja-JP" dirty="0" smtClean="0"/>
-              <a:t>1821086</a:t>
-            </a:r>
-            <a:r>
-              <a:rPr kumimoji="1" lang="ja-JP" altLang="en-US" dirty="0" smtClean="0"/>
-              <a:t>　松尾祐介</a:t>
-            </a:r>
-            <a:endParaRPr kumimoji="1" lang="ja-JP" altLang="en-US" dirty="0"/>
+            <a:endParaRPr kumimoji="1" lang="ja-JP" altLang="en-US" sz="4400" dirty="0"/>
           </a:p>
         </p:txBody>
       </p:sp>
@@ -4831,6 +4818,297 @@
               <a:t>1</a:t>
             </a:fld>
             <a:endParaRPr lang="ja-JP" altLang="en-US" dirty="0"/>
+          </a:p>
+        </p:txBody>
+      </p:sp>
+      <p:sp>
+        <p:nvSpPr>
+          <p:cNvPr id="7" name="テキスト ボックス 6"/>
+          <p:cNvSpPr txBox="1"/>
+          <p:nvPr/>
+        </p:nvSpPr>
+        <p:spPr>
+          <a:xfrm>
+            <a:off x="1569866" y="566600"/>
+            <a:ext cx="5987332" cy="646331"/>
+          </a:xfrm>
+          <a:prstGeom prst="rect">
+            <a:avLst/>
+          </a:prstGeom>
+          <a:noFill/>
+        </p:spPr>
+        <p:txBody>
+          <a:bodyPr wrap="square" rtlCol="0">
+            <a:spAutoFit/>
+          </a:bodyPr>
+          <a:lstStyle/>
+          <a:p>
+            <a:r>
+              <a:rPr lang="ja-JP" altLang="en-US" dirty="0" smtClean="0">
+                <a:latin typeface="ＭＳ ゴシック" panose="020B0609070205080204" pitchFamily="49" charset="-128"/>
+                <a:ea typeface="ＭＳ ゴシック" panose="020B0609070205080204" pitchFamily="49" charset="-128"/>
+              </a:rPr>
+              <a:t>２０２１年度　神奈川工科大学情報学部情報工学科</a:t>
+            </a:r>
+            <a:endParaRPr lang="en-US" altLang="ja-JP" dirty="0" smtClean="0">
+              <a:latin typeface="ＭＳ ゴシック" panose="020B0609070205080204" pitchFamily="49" charset="-128"/>
+              <a:ea typeface="ＭＳ ゴシック" panose="020B0609070205080204" pitchFamily="49" charset="-128"/>
+            </a:endParaRPr>
+          </a:p>
+          <a:p>
+            <a:r>
+              <a:rPr kumimoji="1" lang="ja-JP" altLang="en-US" dirty="0" smtClean="0">
+                <a:latin typeface="ＭＳ ゴシック" panose="020B0609070205080204" pitchFamily="49" charset="-128"/>
+                <a:ea typeface="ＭＳ ゴシック" panose="020B0609070205080204" pitchFamily="49" charset="-128"/>
+              </a:rPr>
+              <a:t>１月２５日卒業研究発表会</a:t>
+            </a:r>
+            <a:endParaRPr kumimoji="1" lang="ja-JP" altLang="en-US" dirty="0">
+              <a:latin typeface="ＭＳ ゴシック" panose="020B0609070205080204" pitchFamily="49" charset="-128"/>
+              <a:ea typeface="ＭＳ ゴシック" panose="020B0609070205080204" pitchFamily="49" charset="-128"/>
+            </a:endParaRPr>
+          </a:p>
+        </p:txBody>
+      </p:sp>
+      <p:sp>
+        <p:nvSpPr>
+          <p:cNvPr id="8" name="サブタイトル 2"/>
+          <p:cNvSpPr txBox="1">
+            <a:spLocks/>
+          </p:cNvSpPr>
+          <p:nvPr/>
+        </p:nvSpPr>
+        <p:spPr>
+          <a:xfrm>
+            <a:off x="1134532" y="4813650"/>
+            <a:ext cx="6858000" cy="1655762"/>
+          </a:xfrm>
+          <a:prstGeom prst="rect">
+            <a:avLst/>
+          </a:prstGeom>
+        </p:spPr>
+        <p:txBody>
+          <a:bodyPr vert="horz" lIns="91440" tIns="45720" rIns="91440" bIns="45720" rtlCol="0">
+            <a:normAutofit/>
+          </a:bodyPr>
+          <a:lstStyle>
+            <a:lvl1pPr marL="0" indent="0" algn="ctr" defTabSz="914400" rtl="0" eaLnBrk="1" latinLnBrk="0" hangingPunct="1">
+              <a:lnSpc>
+                <a:spcPct val="90000"/>
+              </a:lnSpc>
+              <a:spcBef>
+                <a:spcPts val="1000"/>
+              </a:spcBef>
+              <a:buFont typeface="Arial" panose="020B0604020202020204" pitchFamily="34" charset="0"/>
+              <a:buNone/>
+              <a:defRPr kumimoji="1" sz="2400" kern="1200">
+                <a:solidFill>
+                  <a:schemeClr val="tx1"/>
+                </a:solidFill>
+                <a:latin typeface="+mn-lt"/>
+                <a:ea typeface="+mn-ea"/>
+                <a:cs typeface="+mn-cs"/>
+              </a:defRPr>
+            </a:lvl1pPr>
+            <a:lvl2pPr marL="457200" indent="0" algn="ctr" defTabSz="914400" rtl="0" eaLnBrk="1" latinLnBrk="0" hangingPunct="1">
+              <a:lnSpc>
+                <a:spcPct val="90000"/>
+              </a:lnSpc>
+              <a:spcBef>
+                <a:spcPts val="500"/>
+              </a:spcBef>
+              <a:buFont typeface="Arial" panose="020B0604020202020204" pitchFamily="34" charset="0"/>
+              <a:buNone/>
+              <a:defRPr kumimoji="1" sz="2000" kern="1200">
+                <a:solidFill>
+                  <a:schemeClr val="tx1"/>
+                </a:solidFill>
+                <a:latin typeface="+mn-lt"/>
+                <a:ea typeface="+mn-ea"/>
+                <a:cs typeface="+mn-cs"/>
+              </a:defRPr>
+            </a:lvl2pPr>
+            <a:lvl3pPr marL="914400" indent="0" algn="ctr" defTabSz="914400" rtl="0" eaLnBrk="1" latinLnBrk="0" hangingPunct="1">
+              <a:lnSpc>
+                <a:spcPct val="90000"/>
+              </a:lnSpc>
+              <a:spcBef>
+                <a:spcPts val="500"/>
+              </a:spcBef>
+              <a:buFont typeface="Arial" panose="020B0604020202020204" pitchFamily="34" charset="0"/>
+              <a:buNone/>
+              <a:defRPr kumimoji="1" sz="1800" kern="1200">
+                <a:solidFill>
+                  <a:schemeClr val="tx1"/>
+                </a:solidFill>
+                <a:latin typeface="+mn-lt"/>
+                <a:ea typeface="+mn-ea"/>
+                <a:cs typeface="+mn-cs"/>
+              </a:defRPr>
+            </a:lvl3pPr>
+            <a:lvl4pPr marL="1371600" indent="0" algn="ctr" defTabSz="914400" rtl="0" eaLnBrk="1" latinLnBrk="0" hangingPunct="1">
+              <a:lnSpc>
+                <a:spcPct val="90000"/>
+              </a:lnSpc>
+              <a:spcBef>
+                <a:spcPts val="500"/>
+              </a:spcBef>
+              <a:buFont typeface="Arial" panose="020B0604020202020204" pitchFamily="34" charset="0"/>
+              <a:buNone/>
+              <a:defRPr kumimoji="1" sz="1600" kern="1200">
+                <a:solidFill>
+                  <a:schemeClr val="tx1"/>
+                </a:solidFill>
+                <a:latin typeface="+mn-lt"/>
+                <a:ea typeface="+mn-ea"/>
+                <a:cs typeface="+mn-cs"/>
+              </a:defRPr>
+            </a:lvl4pPr>
+            <a:lvl5pPr marL="1828800" indent="0" algn="ctr" defTabSz="914400" rtl="0" eaLnBrk="1" latinLnBrk="0" hangingPunct="1">
+              <a:lnSpc>
+                <a:spcPct val="90000"/>
+              </a:lnSpc>
+              <a:spcBef>
+                <a:spcPts val="500"/>
+              </a:spcBef>
+              <a:buFont typeface="Arial" panose="020B0604020202020204" pitchFamily="34" charset="0"/>
+              <a:buNone/>
+              <a:defRPr kumimoji="1" sz="1600" kern="1200">
+                <a:solidFill>
+                  <a:schemeClr val="tx1"/>
+                </a:solidFill>
+                <a:latin typeface="+mn-lt"/>
+                <a:ea typeface="+mn-ea"/>
+                <a:cs typeface="+mn-cs"/>
+              </a:defRPr>
+            </a:lvl5pPr>
+            <a:lvl6pPr marL="2286000" indent="0" algn="ctr" defTabSz="914400" rtl="0" eaLnBrk="1" latinLnBrk="0" hangingPunct="1">
+              <a:lnSpc>
+                <a:spcPct val="90000"/>
+              </a:lnSpc>
+              <a:spcBef>
+                <a:spcPts val="500"/>
+              </a:spcBef>
+              <a:buFont typeface="Arial" panose="020B0604020202020204" pitchFamily="34" charset="0"/>
+              <a:buNone/>
+              <a:defRPr kumimoji="1" sz="1600" kern="1200">
+                <a:solidFill>
+                  <a:schemeClr val="tx1"/>
+                </a:solidFill>
+                <a:latin typeface="+mn-lt"/>
+                <a:ea typeface="+mn-ea"/>
+                <a:cs typeface="+mn-cs"/>
+              </a:defRPr>
+            </a:lvl6pPr>
+            <a:lvl7pPr marL="2743200" indent="0" algn="ctr" defTabSz="914400" rtl="0" eaLnBrk="1" latinLnBrk="0" hangingPunct="1">
+              <a:lnSpc>
+                <a:spcPct val="90000"/>
+              </a:lnSpc>
+              <a:spcBef>
+                <a:spcPts val="500"/>
+              </a:spcBef>
+              <a:buFont typeface="Arial" panose="020B0604020202020204" pitchFamily="34" charset="0"/>
+              <a:buNone/>
+              <a:defRPr kumimoji="1" sz="1600" kern="1200">
+                <a:solidFill>
+                  <a:schemeClr val="tx1"/>
+                </a:solidFill>
+                <a:latin typeface="+mn-lt"/>
+                <a:ea typeface="+mn-ea"/>
+                <a:cs typeface="+mn-cs"/>
+              </a:defRPr>
+            </a:lvl7pPr>
+            <a:lvl8pPr marL="3200400" indent="0" algn="ctr" defTabSz="914400" rtl="0" eaLnBrk="1" latinLnBrk="0" hangingPunct="1">
+              <a:lnSpc>
+                <a:spcPct val="90000"/>
+              </a:lnSpc>
+              <a:spcBef>
+                <a:spcPts val="500"/>
+              </a:spcBef>
+              <a:buFont typeface="Arial" panose="020B0604020202020204" pitchFamily="34" charset="0"/>
+              <a:buNone/>
+              <a:defRPr kumimoji="1" sz="1600" kern="1200">
+                <a:solidFill>
+                  <a:schemeClr val="tx1"/>
+                </a:solidFill>
+                <a:latin typeface="+mn-lt"/>
+                <a:ea typeface="+mn-ea"/>
+                <a:cs typeface="+mn-cs"/>
+              </a:defRPr>
+            </a:lvl8pPr>
+            <a:lvl9pPr marL="3657600" indent="0" algn="ctr" defTabSz="914400" rtl="0" eaLnBrk="1" latinLnBrk="0" hangingPunct="1">
+              <a:lnSpc>
+                <a:spcPct val="90000"/>
+              </a:lnSpc>
+              <a:spcBef>
+                <a:spcPts val="500"/>
+              </a:spcBef>
+              <a:buFont typeface="Arial" panose="020B0604020202020204" pitchFamily="34" charset="0"/>
+              <a:buNone/>
+              <a:defRPr kumimoji="1" sz="1600" kern="1200">
+                <a:solidFill>
+                  <a:schemeClr val="tx1"/>
+                </a:solidFill>
+                <a:latin typeface="+mn-lt"/>
+                <a:ea typeface="+mn-ea"/>
+                <a:cs typeface="+mn-cs"/>
+              </a:defRPr>
+            </a:lvl9pPr>
+          </a:lstStyle>
+          <a:p>
+            <a:r>
+              <a:rPr lang="ja-JP" altLang="en-US" dirty="0" smtClean="0">
+                <a:latin typeface="ＭＳ ゴシック" panose="020B0609070205080204" pitchFamily="49" charset="-128"/>
+                <a:ea typeface="ＭＳ ゴシック" panose="020B0609070205080204" pitchFamily="49" charset="-128"/>
+              </a:rPr>
+              <a:t>鷹野研究室</a:t>
+            </a:r>
+            <a:endParaRPr lang="en-US" altLang="ja-JP" dirty="0" smtClean="0">
+              <a:latin typeface="ＭＳ ゴシック" panose="020B0609070205080204" pitchFamily="49" charset="-128"/>
+              <a:ea typeface="ＭＳ ゴシック" panose="020B0609070205080204" pitchFamily="49" charset="-128"/>
+            </a:endParaRPr>
+          </a:p>
+          <a:p>
+            <a:r>
+              <a:rPr lang="ja-JP" altLang="en-US" dirty="0" smtClean="0">
+                <a:latin typeface="ＭＳ ゴシック" panose="020B0609070205080204" pitchFamily="49" charset="-128"/>
+                <a:ea typeface="ＭＳ ゴシック" panose="020B0609070205080204" pitchFamily="49" charset="-128"/>
+              </a:rPr>
+              <a:t>学籍番号：</a:t>
+            </a:r>
+            <a:r>
+              <a:rPr lang="en-US" altLang="ja-JP" dirty="0" smtClean="0">
+                <a:latin typeface="ＭＳ ゴシック" panose="020B0609070205080204" pitchFamily="49" charset="-128"/>
+                <a:ea typeface="ＭＳ ゴシック" panose="020B0609070205080204" pitchFamily="49" charset="-128"/>
+              </a:rPr>
+              <a:t>1821086</a:t>
+            </a:r>
+            <a:r>
+              <a:rPr lang="ja-JP" altLang="en-US" dirty="0" smtClean="0">
+                <a:latin typeface="ＭＳ ゴシック" panose="020B0609070205080204" pitchFamily="49" charset="-128"/>
+                <a:ea typeface="ＭＳ ゴシック" panose="020B0609070205080204" pitchFamily="49" charset="-128"/>
+              </a:rPr>
+              <a:t>　氏名：松尾祐介　</a:t>
+            </a:r>
+            <a:endParaRPr lang="en-US" altLang="ja-JP" dirty="0" smtClean="0">
+              <a:latin typeface="ＭＳ ゴシック" panose="020B0609070205080204" pitchFamily="49" charset="-128"/>
+              <a:ea typeface="ＭＳ ゴシック" panose="020B0609070205080204" pitchFamily="49" charset="-128"/>
+            </a:endParaRPr>
+          </a:p>
+          <a:p>
+            <a:r>
+              <a:rPr lang="ja-JP" altLang="en-US" dirty="0" smtClean="0">
+                <a:latin typeface="ＭＳ ゴシック" panose="020B0609070205080204" pitchFamily="49" charset="-128"/>
+                <a:ea typeface="ＭＳ ゴシック" panose="020B0609070205080204" pitchFamily="49" charset="-128"/>
+              </a:rPr>
+              <a:t>指導教員：鷹野孝典教授</a:t>
+            </a:r>
+          </a:p>
+          <a:p>
+            <a:endParaRPr lang="ja-JP" altLang="en-US" dirty="0">
+              <a:latin typeface="ＭＳ ゴシック" panose="020B0609070205080204" pitchFamily="49" charset="-128"/>
+              <a:ea typeface="ＭＳ ゴシック" panose="020B0609070205080204" pitchFamily="49" charset="-128"/>
+            </a:endParaRPr>
           </a:p>
         </p:txBody>
       </p:sp>

--- a/発表用/1821086_卒業研究発表会.pptx
+++ b/発表用/1821086_卒業研究発表会.pptx
@@ -4761,11 +4761,7 @@
             </a:r>
             <a:r>
               <a:rPr kumimoji="1" lang="ja-JP" altLang="en-US" sz="4400" dirty="0" smtClean="0"/>
-              <a:t>サーバを対象と</a:t>
-            </a:r>
-            <a:r>
-              <a:rPr kumimoji="1" lang="ja-JP" altLang="en-US" sz="4400" dirty="0" smtClean="0"/>
-              <a:t>した</a:t>
+              <a:t>サーバを対象とした</a:t>
             </a:r>
             <a:r>
               <a:rPr kumimoji="1" lang="en-US" altLang="ja-JP" sz="4400" dirty="0" smtClean="0"/>
@@ -4776,11 +4772,7 @@
             </a:br>
             <a:r>
               <a:rPr kumimoji="1" lang="ja-JP" altLang="en-US" sz="4400" dirty="0" smtClean="0"/>
-              <a:t>応答</a:t>
-            </a:r>
-            <a:r>
-              <a:rPr kumimoji="1" lang="ja-JP" altLang="en-US" sz="4400" dirty="0" smtClean="0"/>
-              <a:t>速度に基づく</a:t>
+              <a:t>応答速度に基づく</a:t>
             </a:r>
             <a:r>
               <a:rPr kumimoji="1" lang="en-US" altLang="ja-JP" sz="4400" dirty="0" smtClean="0"/>
@@ -9068,17 +9060,35 @@
         </p:spPr>
         <p:txBody>
           <a:bodyPr>
-            <a:normAutofit lnSpcReduction="10000"/>
+            <a:normAutofit fontScale="92500" lnSpcReduction="20000"/>
           </a:bodyPr>
           <a:lstStyle/>
           <a:p>
+            <a:pPr>
+              <a:lnSpc>
+                <a:spcPct val="110000"/>
+              </a:lnSpc>
+            </a:pPr>
             <a:r>
               <a:rPr lang="ja-JP" altLang="en-US" dirty="0" smtClean="0"/>
-              <a:t>実験結果より提案システムの実現可能性が確認できた．</a:t>
+              <a:t>提案システムを利用すると異種環境に</a:t>
+            </a:r>
+            <a:r>
+              <a:rPr lang="ja-JP" altLang="en-US" dirty="0"/>
+              <a:t>おいて</a:t>
+            </a:r>
+            <a:r>
+              <a:rPr lang="ja-JP" altLang="en-US" dirty="0" smtClean="0"/>
+              <a:t>，応答速度が向上した．</a:t>
             </a:r>
             <a:endParaRPr lang="en-US" altLang="ja-JP" dirty="0" smtClean="0"/>
           </a:p>
           <a:p>
+            <a:pPr>
+              <a:lnSpc>
+                <a:spcPct val="110000"/>
+              </a:lnSpc>
+            </a:pPr>
             <a:r>
               <a:rPr lang="ja-JP" altLang="ja-JP" dirty="0" smtClean="0"/>
               <a:t>本提案</a:t>
@@ -9101,15 +9111,20 @@
             </a:r>
             <a:r>
               <a:rPr lang="ja-JP" altLang="en-US" dirty="0"/>
-              <a:t>の設定ファイルを書き換える仕組みなので再現しやすい</a:t>
-            </a:r>
-            <a:r>
-              <a:rPr lang="ja-JP" altLang="en-US" dirty="0" smtClean="0"/>
-              <a:t>．</a:t>
+              <a:t>の設定ファイルを書き換える仕組みなので再現</a:t>
+            </a:r>
+            <a:r>
+              <a:rPr lang="ja-JP" altLang="en-US" dirty="0"/>
+              <a:t>しやすく実現可能性が確認できた．</a:t>
             </a:r>
             <a:endParaRPr lang="en-US" altLang="ja-JP" dirty="0"/>
           </a:p>
           <a:p>
+            <a:pPr>
+              <a:lnSpc>
+                <a:spcPct val="110000"/>
+              </a:lnSpc>
+            </a:pPr>
             <a:r>
               <a:rPr lang="ja-JP" altLang="ja-JP" dirty="0" smtClean="0"/>
               <a:t>現状</a:t>
@@ -9133,6 +9148,11 @@
             <a:endParaRPr lang="ja-JP" altLang="ja-JP" dirty="0"/>
           </a:p>
           <a:p>
+            <a:pPr>
+              <a:lnSpc>
+                <a:spcPct val="110000"/>
+              </a:lnSpc>
+            </a:pPr>
             <a:r>
               <a:rPr lang="en-US" altLang="ja-JP" dirty="0" smtClean="0"/>
               <a:t>Web</a:t>

--- a/発表用/1821086_卒業研究発表会.pptx
+++ b/発表用/1821086_卒業研究発表会.pptx
@@ -936,7 +936,96 @@
           <a:bodyPr/>
           <a:lstStyle/>
           <a:p>
-            <a:endParaRPr kumimoji="1" lang="ja-JP" altLang="en-US" dirty="0"/>
+            <a:pPr marL="0" marR="0" lvl="0" indent="0" algn="l" defTabSz="914400" rtl="0" eaLnBrk="1" fontAlgn="auto" latinLnBrk="0" hangingPunct="1">
+              <a:lnSpc>
+                <a:spcPct val="100000"/>
+              </a:lnSpc>
+              <a:spcBef>
+                <a:spcPts val="0"/>
+              </a:spcBef>
+              <a:spcAft>
+                <a:spcPts val="0"/>
+              </a:spcAft>
+              <a:buClrTx/>
+              <a:buSzTx/>
+              <a:buFontTx/>
+              <a:buNone/>
+              <a:tabLst/>
+              <a:defRPr/>
+            </a:pPr>
+            <a:r>
+              <a:rPr kumimoji="1" lang="ja-JP" altLang="ja-JP" sz="1200" kern="1200" dirty="0" smtClean="0">
+                <a:solidFill>
+                  <a:schemeClr val="tx1"/>
+                </a:solidFill>
+                <a:effectLst/>
+                <a:latin typeface="+mn-lt"/>
+                <a:ea typeface="+mn-ea"/>
+                <a:cs typeface="+mn-cs"/>
+              </a:rPr>
+              <a:t>このシステムのポイントは、不均一な性能のサーバ環境で応答時間を測って、応答時間評価アルゴリズムに通して、評価付けを行う点です。これによって、異種環境のサーバ郡で、応答速度に基づいて動的割り振りを行います。</a:t>
+            </a:r>
+            <a:endParaRPr kumimoji="1" lang="en-US" altLang="ja-JP" sz="1200" kern="1200" dirty="0" smtClean="0">
+              <a:solidFill>
+                <a:schemeClr val="tx1"/>
+              </a:solidFill>
+              <a:effectLst/>
+              <a:latin typeface="+mn-lt"/>
+              <a:ea typeface="+mn-ea"/>
+              <a:cs typeface="+mn-cs"/>
+            </a:endParaRPr>
+          </a:p>
+          <a:p>
+            <a:pPr marL="0" marR="0" lvl="0" indent="0" algn="l" defTabSz="914400" rtl="0" eaLnBrk="1" fontAlgn="auto" latinLnBrk="0" hangingPunct="1">
+              <a:lnSpc>
+                <a:spcPct val="100000"/>
+              </a:lnSpc>
+              <a:spcBef>
+                <a:spcPts val="0"/>
+              </a:spcBef>
+              <a:spcAft>
+                <a:spcPts val="0"/>
+              </a:spcAft>
+              <a:buClrTx/>
+              <a:buSzTx/>
+              <a:buFontTx/>
+              <a:buNone/>
+              <a:tabLst/>
+              <a:defRPr/>
+            </a:pPr>
+            <a:r>
+              <a:rPr kumimoji="1" lang="en-US" altLang="ja-JP" sz="1200" kern="1200" dirty="0" smtClean="0">
+                <a:solidFill>
+                  <a:schemeClr val="tx1"/>
+                </a:solidFill>
+                <a:effectLst/>
+                <a:latin typeface="+mn-lt"/>
+                <a:ea typeface="+mn-ea"/>
+                <a:cs typeface="+mn-cs"/>
+              </a:rPr>
+              <a:t>Step3</a:t>
+            </a:r>
+            <a:r>
+              <a:rPr kumimoji="1" lang="ja-JP" altLang="en-US" sz="1200" kern="1200" dirty="0" smtClean="0">
+                <a:solidFill>
+                  <a:schemeClr val="tx1"/>
+                </a:solidFill>
+                <a:effectLst/>
+                <a:latin typeface="+mn-lt"/>
+                <a:ea typeface="+mn-ea"/>
+                <a:cs typeface="+mn-cs"/>
+              </a:rPr>
+              <a:t>は方法論が大事になって、ステップ５では、実装方法が大事になってくるので次のスライドで説明します。</a:t>
+            </a:r>
+            <a:endParaRPr kumimoji="1" lang="ja-JP" altLang="ja-JP" sz="1200" kern="1200" dirty="0" smtClean="0">
+              <a:solidFill>
+                <a:schemeClr val="tx1"/>
+              </a:solidFill>
+              <a:effectLst/>
+              <a:latin typeface="+mn-lt"/>
+              <a:ea typeface="+mn-ea"/>
+              <a:cs typeface="+mn-cs"/>
+            </a:endParaRPr>
           </a:p>
         </p:txBody>
       </p:sp>
@@ -1020,10 +1109,6 @@
           <a:bodyPr/>
           <a:lstStyle/>
           <a:p>
-            <a:r>
-              <a:rPr lang="ja-JP" altLang="en-US" sz="1200" dirty="0" smtClean="0"/>
-              <a:t>時間が足りなかったらここは省略</a:t>
-            </a:r>
             <a:endParaRPr lang="en-US" altLang="ja-JP" sz="1200" dirty="0" smtClean="0"/>
           </a:p>
         </p:txBody>
@@ -1192,81 +1277,6 @@
           <a:bodyPr/>
           <a:lstStyle/>
           <a:p>
-            <a:pPr marL="0" marR="0" lvl="0" indent="0" algn="l" defTabSz="914400" rtl="0" eaLnBrk="1" fontAlgn="auto" latinLnBrk="0" hangingPunct="1">
-              <a:lnSpc>
-                <a:spcPct val="100000"/>
-              </a:lnSpc>
-              <a:spcBef>
-                <a:spcPts val="0"/>
-              </a:spcBef>
-              <a:spcAft>
-                <a:spcPts val="0"/>
-              </a:spcAft>
-              <a:buClrTx/>
-              <a:buSzTx/>
-              <a:buFontTx/>
-              <a:buNone/>
-              <a:tabLst/>
-              <a:defRPr/>
-            </a:pPr>
-            <a:r>
-              <a:rPr lang="ja-JP" altLang="en-US" dirty="0" smtClean="0">
-                <a:effectLst/>
-              </a:rPr>
-              <a:t>実験結果です。ラウンドロビンの応答速度は、</a:t>
-            </a:r>
-            <a:r>
-              <a:rPr lang="en-US" altLang="ja-JP" dirty="0" smtClean="0">
-                <a:effectLst/>
-              </a:rPr>
-              <a:t>0.4</a:t>
-            </a:r>
-            <a:r>
-              <a:rPr lang="ja-JP" altLang="en-US" dirty="0" smtClean="0">
-                <a:effectLst/>
-              </a:rPr>
-              <a:t>秒なのに対して、プロトタイプは</a:t>
-            </a:r>
-            <a:r>
-              <a:rPr lang="en-US" altLang="ja-JP" dirty="0" smtClean="0">
-                <a:effectLst/>
-              </a:rPr>
-              <a:t>0.15</a:t>
-            </a:r>
-            <a:r>
-              <a:rPr lang="ja-JP" altLang="en-US" dirty="0" smtClean="0">
-                <a:effectLst/>
-              </a:rPr>
-              <a:t>秒でした。</a:t>
-            </a:r>
-            <a:r>
-              <a:rPr lang="en-US" altLang="ja-JP" dirty="0" smtClean="0">
-                <a:effectLst/>
-              </a:rPr>
-              <a:t/>
-            </a:r>
-            <a:br>
-              <a:rPr lang="en-US" altLang="ja-JP" dirty="0" smtClean="0">
-                <a:effectLst/>
-              </a:rPr>
-            </a:br>
-            <a:r>
-              <a:rPr lang="ja-JP" altLang="en-US" dirty="0" smtClean="0">
-                <a:effectLst/>
-              </a:rPr>
-              <a:t>これは、応答速度が遅いサーバにつなぐ頻度を減らすことが出来たからです。</a:t>
-            </a:r>
-            <a:r>
-              <a:rPr lang="en-US" altLang="ja-JP" dirty="0" smtClean="0">
-                <a:effectLst/>
-              </a:rPr>
-              <a:t/>
-            </a:r>
-            <a:br>
-              <a:rPr lang="en-US" altLang="ja-JP" dirty="0" smtClean="0">
-                <a:effectLst/>
-              </a:rPr>
-            </a:br>
             <a:r>
               <a:rPr kumimoji="1" lang="ja-JP" altLang="ja-JP" sz="1200" kern="1200" dirty="0" smtClean="0">
                 <a:solidFill>
@@ -1277,10 +1287,136 @@
                 <a:ea typeface="+mn-ea"/>
                 <a:cs typeface="+mn-cs"/>
               </a:rPr>
-              <a:t>実験結果より，異種環境において，提案システムを利用すると応答速度が向上することが確認できた．</a:t>
-            </a:r>
-            <a:endParaRPr lang="ja-JP" altLang="ja-JP" dirty="0" smtClean="0">
+              <a:t>実験結果です。ラウンドロビンの応答速度は、</a:t>
+            </a:r>
+            <a:r>
+              <a:rPr kumimoji="1" lang="en-US" altLang="ja-JP" sz="1200" kern="1200" dirty="0" smtClean="0">
+                <a:solidFill>
+                  <a:schemeClr val="tx1"/>
+                </a:solidFill>
+                <a:effectLst/>
+                <a:latin typeface="+mn-lt"/>
+                <a:ea typeface="+mn-ea"/>
+                <a:cs typeface="+mn-cs"/>
+              </a:rPr>
+              <a:t>0.4</a:t>
+            </a:r>
+            <a:r>
+              <a:rPr kumimoji="1" lang="ja-JP" altLang="ja-JP" sz="1200" kern="1200" dirty="0" smtClean="0">
+                <a:solidFill>
+                  <a:schemeClr val="tx1"/>
+                </a:solidFill>
+                <a:effectLst/>
+                <a:latin typeface="+mn-lt"/>
+                <a:ea typeface="+mn-ea"/>
+                <a:cs typeface="+mn-cs"/>
+              </a:rPr>
+              <a:t>秒なのに対して、プロトタイプは</a:t>
+            </a:r>
+            <a:r>
+              <a:rPr kumimoji="1" lang="en-US" altLang="ja-JP" sz="1200" kern="1200" dirty="0" smtClean="0">
+                <a:solidFill>
+                  <a:schemeClr val="tx1"/>
+                </a:solidFill>
+                <a:effectLst/>
+                <a:latin typeface="+mn-lt"/>
+                <a:ea typeface="+mn-ea"/>
+                <a:cs typeface="+mn-cs"/>
+              </a:rPr>
+              <a:t>0.15</a:t>
+            </a:r>
+            <a:r>
+              <a:rPr kumimoji="1" lang="ja-JP" altLang="ja-JP" sz="1200" kern="1200" dirty="0" smtClean="0">
+                <a:solidFill>
+                  <a:schemeClr val="tx1"/>
+                </a:solidFill>
+                <a:effectLst/>
+                <a:latin typeface="+mn-lt"/>
+                <a:ea typeface="+mn-ea"/>
+                <a:cs typeface="+mn-cs"/>
+              </a:rPr>
+              <a:t>秒でした。ラウンドロビンの選択頻度が、３３％～</a:t>
+            </a:r>
+            <a:r>
+              <a:rPr kumimoji="1" lang="en-US" altLang="ja-JP" sz="1200" kern="1200" dirty="0" smtClean="0">
+                <a:solidFill>
+                  <a:schemeClr val="tx1"/>
+                </a:solidFill>
+                <a:effectLst/>
+                <a:latin typeface="+mn-lt"/>
+                <a:ea typeface="+mn-ea"/>
+                <a:cs typeface="+mn-cs"/>
+              </a:rPr>
+              <a:t>34</a:t>
+            </a:r>
+            <a:r>
+              <a:rPr kumimoji="1" lang="ja-JP" altLang="ja-JP" sz="1200" kern="1200" dirty="0" smtClean="0">
+                <a:solidFill>
+                  <a:schemeClr val="tx1"/>
+                </a:solidFill>
+                <a:effectLst/>
+                <a:latin typeface="+mn-lt"/>
+                <a:ea typeface="+mn-ea"/>
+                <a:cs typeface="+mn-cs"/>
+              </a:rPr>
+              <a:t>％とほぼ均等なのに対して、プロトタイプでは、</a:t>
+            </a:r>
+            <a:r>
+              <a:rPr kumimoji="1" lang="en-US" altLang="ja-JP" sz="1200" kern="1200" dirty="0" smtClean="0">
+                <a:solidFill>
+                  <a:schemeClr val="tx1"/>
+                </a:solidFill>
+                <a:effectLst/>
+                <a:latin typeface="+mn-lt"/>
+                <a:ea typeface="+mn-ea"/>
+                <a:cs typeface="+mn-cs"/>
+              </a:rPr>
+              <a:t>81</a:t>
+            </a:r>
+            <a:r>
+              <a:rPr kumimoji="1" lang="ja-JP" altLang="ja-JP" sz="1200" kern="1200" dirty="0" smtClean="0">
+                <a:solidFill>
+                  <a:schemeClr val="tx1"/>
+                </a:solidFill>
+                <a:effectLst/>
+                <a:latin typeface="+mn-lt"/>
+                <a:ea typeface="+mn-ea"/>
+                <a:cs typeface="+mn-cs"/>
+              </a:rPr>
+              <a:t>サーバの選択頻度が</a:t>
+            </a:r>
+            <a:r>
+              <a:rPr kumimoji="1" lang="en-US" altLang="ja-JP" sz="1200" kern="1200" dirty="0" smtClean="0">
+                <a:solidFill>
+                  <a:schemeClr val="tx1"/>
+                </a:solidFill>
+                <a:effectLst/>
+                <a:latin typeface="+mn-lt"/>
+                <a:ea typeface="+mn-ea"/>
+                <a:cs typeface="+mn-cs"/>
+              </a:rPr>
+              <a:t>7</a:t>
+            </a:r>
+            <a:r>
+              <a:rPr kumimoji="1" lang="ja-JP" altLang="ja-JP" sz="1200" kern="1200" smtClean="0">
+                <a:solidFill>
+                  <a:schemeClr val="tx1"/>
+                </a:solidFill>
+                <a:effectLst/>
+                <a:latin typeface="+mn-lt"/>
+                <a:ea typeface="+mn-ea"/>
+                <a:cs typeface="+mn-cs"/>
+              </a:rPr>
+              <a:t>割近く占めています。サーバ郡の中で最も速いサーバに多くつなぐことが出来たため速度が向上したからだと考えられます。</a:t>
+            </a:r>
+            <a:endParaRPr kumimoji="1" lang="ja-JP" altLang="ja-JP" sz="1200" kern="1200">
+              <a:solidFill>
+                <a:schemeClr val="tx1"/>
+              </a:solidFill>
               <a:effectLst/>
+              <a:latin typeface="+mn-lt"/>
+              <a:ea typeface="+mn-ea"/>
+              <a:cs typeface="+mn-cs"/>
             </a:endParaRPr>
           </a:p>
         </p:txBody>
@@ -8896,8 +9032,8 @@
         </p:blipFill>
         <p:spPr>
           <a:xfrm>
-            <a:off x="4475328" y="1964514"/>
-            <a:ext cx="4553203" cy="1464081"/>
+            <a:off x="4411320" y="4433757"/>
+            <a:ext cx="4613223" cy="1464081"/>
           </a:xfrm>
           <a:prstGeom prst="rect">
             <a:avLst/>
@@ -8920,8 +9056,8 @@
         </p:blipFill>
         <p:spPr>
           <a:xfrm>
-            <a:off x="4475328" y="4434840"/>
-            <a:ext cx="4553203" cy="1464081"/>
+            <a:off x="4411320" y="1779868"/>
+            <a:ext cx="4613223" cy="1464081"/>
           </a:xfrm>
           <a:prstGeom prst="rect">
             <a:avLst/>
@@ -8936,7 +9072,7 @@
         </p:nvSpPr>
         <p:spPr>
           <a:xfrm>
-            <a:off x="6003010" y="5898921"/>
+            <a:off x="5999022" y="3243949"/>
             <a:ext cx="2924937" cy="369332"/>
           </a:xfrm>
           <a:prstGeom prst="rect">
@@ -8974,7 +9110,7 @@
         </p:blipFill>
         <p:spPr>
           <a:xfrm>
-            <a:off x="151109" y="1518625"/>
+            <a:off x="87101" y="1518625"/>
             <a:ext cx="4260211" cy="5240232"/>
           </a:xfrm>
           <a:prstGeom prst="rect">
@@ -9111,11 +9247,7 @@
             </a:r>
             <a:r>
               <a:rPr lang="ja-JP" altLang="en-US" dirty="0"/>
-              <a:t>の設定ファイルを書き換える仕組みなので再現</a:t>
-            </a:r>
-            <a:r>
-              <a:rPr lang="ja-JP" altLang="en-US" dirty="0"/>
-              <a:t>しやすく実現可能性が確認できた．</a:t>
+              <a:t>の設定ファイルを書き換える仕組みなので再現しやすく実現可能性が確認できた．</a:t>
             </a:r>
             <a:endParaRPr lang="en-US" altLang="ja-JP" dirty="0"/>
           </a:p>

--- a/発表用/1821086_卒業研究発表会.pptx
+++ b/発表用/1821086_卒業研究発表会.pptx
@@ -1277,6 +1277,23 @@
           <a:bodyPr/>
           <a:lstStyle/>
           <a:p>
+            <a:pPr marL="0" marR="0" lvl="0" indent="0" algn="l" defTabSz="914400" rtl="0" eaLnBrk="1" fontAlgn="auto" latinLnBrk="0" hangingPunct="1">
+              <a:lnSpc>
+                <a:spcPct val="100000"/>
+              </a:lnSpc>
+              <a:spcBef>
+                <a:spcPts val="0"/>
+              </a:spcBef>
+              <a:spcAft>
+                <a:spcPts val="0"/>
+              </a:spcAft>
+              <a:buClrTx/>
+              <a:buSzTx/>
+              <a:buFontTx/>
+              <a:buNone/>
+              <a:tabLst/>
+              <a:defRPr/>
+            </a:pPr>
             <a:r>
               <a:rPr kumimoji="1" lang="ja-JP" altLang="ja-JP" sz="1200" kern="1200" dirty="0" smtClean="0">
                 <a:solidFill>
@@ -1398,7 +1415,7 @@
               <a:t>7</a:t>
             </a:r>
             <a:r>
-              <a:rPr kumimoji="1" lang="ja-JP" altLang="ja-JP" sz="1200" kern="1200" smtClean="0">
+              <a:rPr kumimoji="1" lang="ja-JP" altLang="ja-JP" sz="1200" kern="1200" dirty="0" smtClean="0">
                 <a:solidFill>
                   <a:schemeClr val="tx1"/>
                 </a:solidFill>
@@ -1407,9 +1424,11 @@
                 <a:ea typeface="+mn-ea"/>
                 <a:cs typeface="+mn-cs"/>
               </a:rPr>
-              <a:t>割近く占めています。サーバ郡の中で最も速いサーバに多くつなぐことが出来たため速度が向上したからだと考えられます。</a:t>
-            </a:r>
-            <a:endParaRPr kumimoji="1" lang="ja-JP" altLang="ja-JP" sz="1200" kern="1200">
+              <a:t>割近く占めています。サーバ郡の中で最も速いサーバに多くつなぐことが出来たため速度が向上しと考えられます。</a:t>
+            </a:r>
+          </a:p>
+          <a:p>
+            <a:endParaRPr kumimoji="1" lang="ja-JP" altLang="ja-JP" sz="1200" kern="1200" dirty="0">
               <a:solidFill>
                 <a:schemeClr val="tx1"/>
               </a:solidFill>
@@ -5320,43 +5339,113 @@
         </p:nvSpPr>
         <p:spPr>
           <a:xfrm>
-            <a:off x="628650" y="1825625"/>
-            <a:ext cx="7886700" cy="1752057"/>
+            <a:off x="389226" y="1641980"/>
+            <a:ext cx="8396426" cy="1688104"/>
           </a:xfrm>
         </p:spPr>
         <p:txBody>
-          <a:bodyPr/>
+          <a:bodyPr>
+            <a:noAutofit/>
+          </a:bodyPr>
           <a:lstStyle/>
           <a:p>
-            <a:r>
-              <a:rPr lang="ja-JP" altLang="en-US" dirty="0" smtClean="0"/>
-              <a:t>設計・開発した動的ロードバランサと</a:t>
-            </a:r>
-            <a:r>
-              <a:rPr lang="ja-JP" altLang="en-US" dirty="0"/>
-              <a:t>一般的に使用されて</a:t>
-            </a:r>
-            <a:r>
-              <a:rPr lang="ja-JP" altLang="en-US" dirty="0" smtClean="0"/>
-              <a:t>いる順に割り振る方式</a:t>
-            </a:r>
-            <a:r>
-              <a:rPr lang="ja-JP" altLang="en-US" dirty="0"/>
-              <a:t>（ラウンドロビン）</a:t>
-            </a:r>
-            <a:r>
-              <a:rPr lang="ja-JP" altLang="en-US" dirty="0" smtClean="0"/>
-              <a:t>を比較し，応答</a:t>
-            </a:r>
-            <a:r>
-              <a:rPr lang="ja-JP" altLang="en-US" dirty="0"/>
-              <a:t>速度が向上したのかを実験で調査</a:t>
-            </a:r>
-            <a:r>
-              <a:rPr lang="ja-JP" altLang="en-US" dirty="0" smtClean="0"/>
+            <a:pPr marL="0" indent="0">
+              <a:lnSpc>
+                <a:spcPct val="120000"/>
+              </a:lnSpc>
+              <a:buNone/>
+            </a:pPr>
+            <a:r>
+              <a:rPr lang="ja-JP" altLang="en-US" sz="2700" dirty="0" smtClean="0"/>
+              <a:t>一般的な均等</a:t>
+            </a:r>
+            <a:r>
+              <a:rPr lang="ja-JP" altLang="en-US" sz="2700" dirty="0" smtClean="0"/>
+              <a:t>に割り振る方式</a:t>
+            </a:r>
+            <a:r>
+              <a:rPr lang="ja-JP" altLang="en-US" sz="2700" dirty="0"/>
+              <a:t>（ラウンドロビン</a:t>
+            </a:r>
+            <a:r>
+              <a:rPr lang="ja-JP" altLang="en-US" sz="2700" dirty="0" smtClean="0"/>
+              <a:t>）</a:t>
+            </a:r>
+            <a:r>
+              <a:rPr lang="ja-JP" altLang="en-US" sz="2700" dirty="0" smtClean="0"/>
+              <a:t>と</a:t>
+            </a:r>
+            <a:r>
+              <a:rPr lang="en-US" altLang="ja-JP" sz="2700" dirty="0" smtClean="0"/>
+              <a:t/>
+            </a:r>
+            <a:br>
+              <a:rPr lang="en-US" altLang="ja-JP" sz="2700" dirty="0" smtClean="0"/>
+            </a:br>
+            <a:r>
+              <a:rPr lang="ja-JP" altLang="en-US" sz="2700" dirty="0"/>
+              <a:t>設計・開発した動的</a:t>
+            </a:r>
+            <a:r>
+              <a:rPr lang="ja-JP" altLang="en-US" sz="2700" dirty="0" smtClean="0"/>
+              <a:t>ロードバランサを比較</a:t>
+            </a:r>
+            <a:r>
+              <a:rPr lang="ja-JP" altLang="en-US" sz="2700" dirty="0" smtClean="0"/>
+              <a:t>し，</a:t>
+            </a:r>
+            <a:r>
+              <a:rPr lang="en-US" altLang="ja-JP" sz="2700" dirty="0" smtClean="0"/>
+              <a:t/>
+            </a:r>
+            <a:br>
+              <a:rPr lang="en-US" altLang="ja-JP" sz="2700" dirty="0" smtClean="0"/>
+            </a:br>
+            <a:r>
+              <a:rPr lang="ja-JP" altLang="en-US" sz="2700" dirty="0" smtClean="0">
+                <a:solidFill>
+                  <a:srgbClr val="FF0000"/>
+                </a:solidFill>
+              </a:rPr>
+              <a:t>異種環境で，</a:t>
+            </a:r>
+            <a:r>
+              <a:rPr lang="ja-JP" altLang="en-US" sz="2700" u="sng" dirty="0" smtClean="0">
+                <a:solidFill>
+                  <a:srgbClr val="FF0000"/>
+                </a:solidFill>
+              </a:rPr>
+              <a:t>応答</a:t>
+            </a:r>
+            <a:r>
+              <a:rPr lang="ja-JP" altLang="en-US" sz="2700" u="sng" dirty="0">
+                <a:solidFill>
+                  <a:srgbClr val="FF0000"/>
+                </a:solidFill>
+              </a:rPr>
+              <a:t>速度が向上したのかを実験</a:t>
+            </a:r>
+            <a:r>
+              <a:rPr lang="ja-JP" altLang="en-US" sz="2700" u="sng" dirty="0" smtClean="0">
+                <a:solidFill>
+                  <a:srgbClr val="FF0000"/>
+                </a:solidFill>
+              </a:rPr>
+              <a:t>で評価</a:t>
+            </a:r>
+            <a:r>
+              <a:rPr lang="ja-JP" altLang="en-US" sz="2700" dirty="0" smtClean="0">
+                <a:solidFill>
+                  <a:srgbClr val="FF0000"/>
+                </a:solidFill>
+              </a:rPr>
               <a:t>する．</a:t>
             </a:r>
-            <a:endParaRPr kumimoji="1" lang="ja-JP" altLang="en-US" dirty="0"/>
+            <a:endParaRPr kumimoji="1" lang="ja-JP" altLang="en-US" sz="2700" dirty="0">
+              <a:solidFill>
+                <a:srgbClr val="FF0000"/>
+              </a:solidFill>
+            </a:endParaRPr>
           </a:p>
         </p:txBody>
       </p:sp>
@@ -5392,7 +5481,7 @@
         </p:nvGrpSpPr>
         <p:grpSpPr>
           <a:xfrm>
-            <a:off x="2174832" y="3577682"/>
+            <a:off x="2247984" y="3632663"/>
             <a:ext cx="5890176" cy="2365918"/>
             <a:chOff x="2437372" y="3860899"/>
             <a:chExt cx="5612974" cy="2172031"/>
@@ -7586,7 +7675,7 @@
           <p:nvPr>
             <p:extLst>
               <p:ext uri="{D42A27DB-BD31-4B8C-83A1-F6EECF244321}">
-                <p14:modId xmlns:p14="http://schemas.microsoft.com/office/powerpoint/2010/main" val="3331476866"/>
+                <p14:modId xmlns:p14="http://schemas.microsoft.com/office/powerpoint/2010/main" val="2001103450"/>
               </p:ext>
             </p:extLst>
           </p:nvPr>
@@ -7719,7 +7808,31 @@
                           <a:ea typeface="+mn-ea"/>
                           <a:cs typeface="+mn-cs"/>
                         </a:rPr>
-                        <a:t>0.000~0.016</a:t>
+                        <a:t>0.000</a:t>
+                      </a:r>
+                      <a:r>
+                        <a:rPr kumimoji="1" lang="ja-JP" altLang="en-US" sz="2400" kern="1200" dirty="0" smtClean="0">
+                          <a:solidFill>
+                            <a:schemeClr val="dk1"/>
+                          </a:solidFill>
+                          <a:effectLst/>
+                          <a:latin typeface="+mn-lt"/>
+                          <a:ea typeface="+mn-ea"/>
+                          <a:cs typeface="+mn-cs"/>
+                        </a:rPr>
+                        <a:t>～</a:t>
+                      </a:r>
+                      <a:r>
+                        <a:rPr kumimoji="1" lang="en-US" altLang="ja-JP" sz="2400" kern="1200" dirty="0" smtClean="0">
+                          <a:solidFill>
+                            <a:schemeClr val="dk1"/>
+                          </a:solidFill>
+                          <a:effectLst/>
+                          <a:latin typeface="+mn-lt"/>
+                          <a:ea typeface="+mn-ea"/>
+                          <a:cs typeface="+mn-cs"/>
+                        </a:rPr>
+                        <a:t>0.016</a:t>
                       </a:r>
                       <a:r>
                         <a:rPr kumimoji="1" lang="ja-JP" altLang="en-US" sz="2400" kern="1200" dirty="0" smtClean="0">
@@ -7801,7 +7914,31 @@
                           <a:ea typeface="+mn-ea"/>
                           <a:cs typeface="+mn-cs"/>
                         </a:rPr>
-                        <a:t>0.017~0.099</a:t>
+                        <a:t>0.017</a:t>
+                      </a:r>
+                      <a:r>
+                        <a:rPr kumimoji="1" lang="ja-JP" altLang="en-US" sz="2400" kern="1200" dirty="0" smtClean="0">
+                          <a:solidFill>
+                            <a:schemeClr val="dk1"/>
+                          </a:solidFill>
+                          <a:effectLst/>
+                          <a:latin typeface="+mn-lt"/>
+                          <a:ea typeface="+mn-ea"/>
+                          <a:cs typeface="+mn-cs"/>
+                        </a:rPr>
+                        <a:t>～</a:t>
+                      </a:r>
+                      <a:r>
+                        <a:rPr kumimoji="1" lang="en-US" altLang="ja-JP" sz="2400" kern="1200" dirty="0" smtClean="0">
+                          <a:solidFill>
+                            <a:schemeClr val="dk1"/>
+                          </a:solidFill>
+                          <a:effectLst/>
+                          <a:latin typeface="+mn-lt"/>
+                          <a:ea typeface="+mn-ea"/>
+                          <a:cs typeface="+mn-cs"/>
+                        </a:rPr>
+                        <a:t>0.099</a:t>
                       </a:r>
                       <a:r>
                         <a:rPr kumimoji="1" lang="ja-JP" altLang="en-US" sz="2400" kern="1200" dirty="0" smtClean="0">
@@ -7892,7 +8029,31 @@
                           <a:ea typeface="+mn-ea"/>
                           <a:cs typeface="+mn-cs"/>
                         </a:rPr>
-                        <a:t>0.100~0.999</a:t>
+                        <a:t>0.100</a:t>
+                      </a:r>
+                      <a:r>
+                        <a:rPr kumimoji="1" lang="ja-JP" altLang="en-US" sz="2400" kern="1200" dirty="0" smtClean="0">
+                          <a:solidFill>
+                            <a:schemeClr val="dk1"/>
+                          </a:solidFill>
+                          <a:effectLst/>
+                          <a:latin typeface="+mn-lt"/>
+                          <a:ea typeface="+mn-ea"/>
+                          <a:cs typeface="+mn-cs"/>
+                        </a:rPr>
+                        <a:t>～</a:t>
+                      </a:r>
+                      <a:r>
+                        <a:rPr kumimoji="1" lang="en-US" altLang="ja-JP" sz="2400" kern="1200" dirty="0" smtClean="0">
+                          <a:solidFill>
+                            <a:schemeClr val="dk1"/>
+                          </a:solidFill>
+                          <a:effectLst/>
+                          <a:latin typeface="+mn-lt"/>
+                          <a:ea typeface="+mn-ea"/>
+                          <a:cs typeface="+mn-cs"/>
+                        </a:rPr>
+                        <a:t>0.999</a:t>
                       </a:r>
                       <a:r>
                         <a:rPr kumimoji="1" lang="ja-JP" altLang="en-US" sz="2400" kern="1200" dirty="0" smtClean="0">
@@ -7983,7 +8144,31 @@
                           <a:ea typeface="+mn-ea"/>
                           <a:cs typeface="+mn-cs"/>
                         </a:rPr>
-                        <a:t>1.000~9.999</a:t>
+                        <a:t>1.000</a:t>
+                      </a:r>
+                      <a:r>
+                        <a:rPr kumimoji="1" lang="ja-JP" altLang="en-US" sz="2400" kern="1200" dirty="0" smtClean="0">
+                          <a:solidFill>
+                            <a:schemeClr val="dk1"/>
+                          </a:solidFill>
+                          <a:effectLst/>
+                          <a:latin typeface="+mn-lt"/>
+                          <a:ea typeface="+mn-ea"/>
+                          <a:cs typeface="+mn-cs"/>
+                        </a:rPr>
+                        <a:t>～</a:t>
+                      </a:r>
+                      <a:r>
+                        <a:rPr kumimoji="1" lang="en-US" altLang="ja-JP" sz="2400" kern="1200" dirty="0" smtClean="0">
+                          <a:solidFill>
+                            <a:schemeClr val="dk1"/>
+                          </a:solidFill>
+                          <a:effectLst/>
+                          <a:latin typeface="+mn-lt"/>
+                          <a:ea typeface="+mn-ea"/>
+                          <a:cs typeface="+mn-cs"/>
+                        </a:rPr>
+                        <a:t>9.999</a:t>
                       </a:r>
                       <a:r>
                         <a:rPr kumimoji="1" lang="ja-JP" altLang="en-US" sz="2400" kern="1200" dirty="0" smtClean="0">
@@ -9032,7 +9217,7 @@
         </p:blipFill>
         <p:spPr>
           <a:xfrm>
-            <a:off x="4411320" y="4433757"/>
+            <a:off x="4411320" y="4388037"/>
             <a:ext cx="4613223" cy="1464081"/>
           </a:xfrm>
           <a:prstGeom prst="rect">
@@ -9072,7 +9257,7 @@
         </p:nvSpPr>
         <p:spPr>
           <a:xfrm>
-            <a:off x="5999022" y="3243949"/>
+            <a:off x="5925870" y="5852118"/>
             <a:ext cx="2924937" cy="369332"/>
           </a:xfrm>
           <a:prstGeom prst="rect">
@@ -9190,99 +9375,120 @@
         </p:nvSpPr>
         <p:spPr>
           <a:xfrm>
-            <a:off x="628650" y="1563624"/>
-            <a:ext cx="7886700" cy="4613339"/>
+            <a:off x="628650" y="951294"/>
+            <a:ext cx="7886700" cy="5405057"/>
           </a:xfrm>
         </p:spPr>
         <p:txBody>
           <a:bodyPr>
-            <a:normAutofit fontScale="92500" lnSpcReduction="20000"/>
+            <a:normAutofit fontScale="92500"/>
           </a:bodyPr>
           <a:lstStyle/>
           <a:p>
+            <a:pPr marL="0" indent="0">
+              <a:lnSpc>
+                <a:spcPct val="120000"/>
+              </a:lnSpc>
+              <a:buNone/>
+            </a:pPr>
+            <a:endParaRPr lang="en-US" altLang="ja-JP" dirty="0" smtClean="0"/>
+          </a:p>
+          <a:p>
             <a:pPr>
               <a:lnSpc>
-                <a:spcPct val="110000"/>
+                <a:spcPct val="120000"/>
               </a:lnSpc>
             </a:pPr>
             <a:r>
               <a:rPr lang="ja-JP" altLang="en-US" dirty="0" smtClean="0"/>
-              <a:t>提案システムを利用すると異種環境に</a:t>
-            </a:r>
-            <a:r>
-              <a:rPr lang="ja-JP" altLang="en-US" dirty="0"/>
-              <a:t>おいて</a:t>
+              <a:t>実験結果より，</a:t>
+            </a:r>
+            <a:r>
+              <a:rPr lang="ja-JP" altLang="en-US" u="sng" dirty="0" smtClean="0"/>
+              <a:t>性能</a:t>
+            </a:r>
+            <a:r>
+              <a:rPr lang="ja-JP" altLang="en-US" u="sng" dirty="0"/>
+              <a:t>が不均一な環境下での実現</a:t>
+            </a:r>
+            <a:r>
+              <a:rPr lang="ja-JP" altLang="en-US" u="sng" dirty="0" smtClean="0"/>
+              <a:t>可能性が確認できた</a:t>
             </a:r>
             <a:r>
               <a:rPr lang="ja-JP" altLang="en-US" dirty="0" smtClean="0"/>
-              <a:t>，応答速度が向上した．</a:t>
-            </a:r>
-            <a:endParaRPr lang="en-US" altLang="ja-JP" dirty="0" smtClean="0"/>
+              <a:t>．</a:t>
+            </a:r>
+            <a:endParaRPr lang="en-US" altLang="ja-JP" dirty="0"/>
           </a:p>
           <a:p>
             <a:pPr>
               <a:lnSpc>
-                <a:spcPct val="110000"/>
+                <a:spcPct val="120000"/>
               </a:lnSpc>
             </a:pPr>
             <a:r>
               <a:rPr lang="ja-JP" altLang="ja-JP" dirty="0" smtClean="0"/>
-              <a:t>本提案</a:t>
+              <a:t>現状</a:t>
             </a:r>
             <a:r>
               <a:rPr lang="ja-JP" altLang="ja-JP" dirty="0"/>
-              <a:t>システム</a:t>
+              <a:t>，利用する環境ごと</a:t>
             </a:r>
             <a:r>
               <a:rPr lang="ja-JP" altLang="ja-JP" dirty="0" smtClean="0"/>
-              <a:t>は</a:t>
-            </a:r>
-            <a:r>
-              <a:rPr lang="en-US" altLang="ja-JP" dirty="0"/>
-              <a:t>N</a:t>
-            </a:r>
-            <a:r>
-              <a:rPr lang="en-US" altLang="ja-JP" dirty="0" smtClean="0"/>
-              <a:t>ginx</a:t>
-            </a:r>
-            <a:r>
-              <a:rPr lang="ja-JP" altLang="en-US" dirty="0"/>
-              <a:t>の設定ファイルを書き換える仕組みなので再現しやすく実現可能性が確認できた．</a:t>
-            </a:r>
-            <a:endParaRPr lang="en-US" altLang="ja-JP" dirty="0"/>
+              <a:t>に</a:t>
+            </a:r>
+            <a:r>
+              <a:rPr lang="ja-JP" altLang="en-US" dirty="0" smtClean="0"/>
+              <a:t>手動で</a:t>
+            </a:r>
+            <a:r>
+              <a:rPr lang="ja-JP" altLang="ja-JP" dirty="0" smtClean="0"/>
+              <a:t>設定</a:t>
+            </a:r>
+            <a:r>
+              <a:rPr lang="ja-JP" altLang="ja-JP" dirty="0"/>
+              <a:t>を書き直す必要があり</a:t>
+            </a:r>
+            <a:r>
+              <a:rPr lang="ja-JP" altLang="ja-JP" dirty="0" smtClean="0"/>
+              <a:t>， こう</a:t>
+            </a:r>
+            <a:r>
+              <a:rPr lang="ja-JP" altLang="ja-JP" dirty="0"/>
+              <a:t>した</a:t>
+            </a:r>
+            <a:r>
+              <a:rPr lang="ja-JP" altLang="ja-JP" u="sng" dirty="0"/>
+              <a:t>設定を自動</a:t>
+            </a:r>
+            <a:r>
+              <a:rPr lang="ja-JP" altLang="ja-JP" u="sng" dirty="0" smtClean="0"/>
+              <a:t>で処理</a:t>
+            </a:r>
+            <a:r>
+              <a:rPr lang="ja-JP" altLang="ja-JP" u="sng" dirty="0"/>
+              <a:t>することが出来れば</a:t>
+            </a:r>
+            <a:r>
+              <a:rPr lang="ja-JP" altLang="ja-JP" u="sng" dirty="0" smtClean="0"/>
+              <a:t>，</a:t>
+            </a:r>
+            <a:r>
+              <a:rPr lang="ja-JP" altLang="en-US" u="sng" dirty="0" smtClean="0"/>
+              <a:t>異種環境に適した負荷分散を導入しやすくなる</a:t>
+            </a:r>
+            <a:r>
+              <a:rPr lang="ja-JP" altLang="en-US" dirty="0" smtClean="0"/>
+              <a:t>．</a:t>
+            </a:r>
+            <a:endParaRPr lang="en-US" altLang="ja-JP" dirty="0" smtClean="0"/>
           </a:p>
           <a:p>
             <a:pPr>
               <a:lnSpc>
-                <a:spcPct val="110000"/>
-              </a:lnSpc>
-            </a:pPr>
-            <a:r>
-              <a:rPr lang="ja-JP" altLang="ja-JP" dirty="0" smtClean="0"/>
-              <a:t>現状</a:t>
-            </a:r>
-            <a:r>
-              <a:rPr lang="ja-JP" altLang="ja-JP" dirty="0"/>
-              <a:t>，利用する環境ごとに細かく設定を書き直す必要があり</a:t>
-            </a:r>
-            <a:r>
-              <a:rPr lang="ja-JP" altLang="ja-JP" dirty="0" smtClean="0"/>
-              <a:t>， </a:t>
-            </a:r>
-            <a:r>
-              <a:rPr lang="ja-JP" altLang="ja-JP" dirty="0"/>
-              <a:t>こうした設定を自動で適応処理することが出来れば，個人でも気軽に安価な負荷分散が出来ると考える</a:t>
-            </a:r>
-            <a:r>
-              <a:rPr lang="ja-JP" altLang="ja-JP" dirty="0" smtClean="0"/>
-              <a:t>．</a:t>
-            </a:r>
-            <a:endParaRPr lang="ja-JP" altLang="ja-JP" dirty="0"/>
-          </a:p>
-          <a:p>
-            <a:pPr>
-              <a:lnSpc>
-                <a:spcPct val="110000"/>
+                <a:spcPct val="120000"/>
               </a:lnSpc>
             </a:pPr>
             <a:r>
@@ -10333,13 +10539,13 @@
               <a:rPr lang="en-US" altLang="ja-JP" sz="2400" dirty="0">
                 <a:latin typeface="ＭＳ Ｐゴシック" panose="020B0600070205080204" pitchFamily="50" charset="-128"/>
               </a:rPr>
-              <a:t> 2008</a:t>
+              <a:t> </a:t>
             </a:r>
             <a:r>
               <a:rPr lang="en-US" altLang="ja-JP" sz="2400" dirty="0" smtClean="0">
                 <a:latin typeface="ＭＳ Ｐゴシック" panose="020B0600070205080204" pitchFamily="50" charset="-128"/>
               </a:rPr>
-              <a:t>]</a:t>
+              <a:t>2008]</a:t>
             </a:r>
             <a:r>
               <a:rPr lang="ja-JP" altLang="en-US" sz="2400" dirty="0" smtClean="0">
@@ -10365,17 +10571,6 @@
               </a:rPr>
               <a:t>よる</a:t>
             </a:r>
-            <a:r>
-              <a:rPr lang="en-US" altLang="ja-JP" sz="2400" dirty="0" smtClean="0">
-                <a:latin typeface="ＭＳ Ｐゴシック" panose="020B0600070205080204" pitchFamily="50" charset="-128"/>
-              </a:rPr>
-              <a:t/>
-            </a:r>
-            <a:br>
-              <a:rPr lang="en-US" altLang="ja-JP" sz="2400" dirty="0" smtClean="0">
-                <a:latin typeface="ＭＳ Ｐゴシック" panose="020B0600070205080204" pitchFamily="50" charset="-128"/>
-              </a:rPr>
-            </a:br>
             <a:r>
               <a:rPr lang="en-US" altLang="ja-JP" sz="2400" dirty="0" smtClean="0">
                 <a:latin typeface="ＭＳ Ｐゴシック" panose="020B0600070205080204" pitchFamily="50" charset="-128"/>
@@ -10444,13 +10639,25 @@
               <a:rPr lang="en-US" altLang="ja-JP" sz="2400" dirty="0">
                 <a:latin typeface="ＭＳ Ｐゴシック" panose="020B0600070205080204" pitchFamily="50" charset="-128"/>
               </a:rPr>
-              <a:t> 2014]</a:t>
+              <a:t> 2014</a:t>
+            </a:r>
+            <a:r>
+              <a:rPr lang="en-US" altLang="ja-JP" sz="2400" dirty="0" smtClean="0">
+                <a:latin typeface="ＭＳ Ｐゴシック" panose="020B0600070205080204" pitchFamily="50" charset="-128"/>
+              </a:rPr>
+              <a:t>]</a:t>
+            </a:r>
+            <a:r>
+              <a:rPr lang="ja-JP" altLang="en-US" sz="2400" dirty="0" smtClean="0">
+                <a:latin typeface="ＭＳ Ｐゴシック" panose="020B0600070205080204" pitchFamily="50" charset="-128"/>
+              </a:rPr>
+              <a:t>クラウド</a:t>
             </a:r>
             <a:r>
               <a:rPr lang="ja-JP" altLang="en-US" sz="2400" dirty="0">
                 <a:latin typeface="ＭＳ Ｐゴシック" panose="020B0600070205080204" pitchFamily="50" charset="-128"/>
               </a:rPr>
-              <a:t>クラウドに適した</a:t>
+              <a:t>に適した</a:t>
             </a:r>
             <a:r>
               <a:rPr lang="en-US" altLang="ja-JP" sz="2400" dirty="0">
@@ -10468,24 +10675,7 @@
               <a:rPr lang="ja-JP" altLang="en-US" sz="2400" dirty="0" smtClean="0">
                 <a:latin typeface="ＭＳ Ｐゴシック" panose="020B0600070205080204" pitchFamily="50" charset="-128"/>
               </a:rPr>
-              <a:t>の</a:t>
-            </a:r>
-            <a:r>
-              <a:rPr lang="en-US" altLang="ja-JP" sz="2400" dirty="0" smtClean="0">
-                <a:latin typeface="ＭＳ Ｐゴシック" panose="020B0600070205080204" pitchFamily="50" charset="-128"/>
-              </a:rPr>
-              <a:t/>
-            </a:r>
-            <a:br>
-              <a:rPr lang="en-US" altLang="ja-JP" sz="2400" dirty="0" smtClean="0">
-                <a:latin typeface="ＭＳ Ｐゴシック" panose="020B0600070205080204" pitchFamily="50" charset="-128"/>
-              </a:rPr>
-            </a:br>
-            <a:r>
-              <a:rPr lang="ja-JP" altLang="en-US" sz="2400" dirty="0" smtClean="0">
-                <a:latin typeface="ＭＳ Ｐゴシック" panose="020B0600070205080204" pitchFamily="50" charset="-128"/>
-              </a:rPr>
-              <a:t>負荷</a:t>
+              <a:t>の負荷</a:t>
             </a:r>
             <a:r>
               <a:rPr lang="ja-JP" altLang="en-US" sz="2400" dirty="0">
@@ -10549,7 +10739,7 @@
               <a:rPr lang="ja-JP" altLang="en-US" sz="2400" dirty="0" smtClean="0">
                 <a:latin typeface="ＭＳ Ｐゴシック" panose="020B0600070205080204" pitchFamily="50" charset="-128"/>
               </a:rPr>
-              <a:t>複数のロードバランサによる Ｗｅｂシステムの応答時間最適化</a:t>
+              <a:t>複数のロードバランサによるＷｅｂシステムの応答時間最適化</a:t>
             </a:r>
             <a:endParaRPr lang="en-US" altLang="ja-JP" sz="2400" dirty="0" smtClean="0">
               <a:latin typeface="ＭＳ Ｐゴシック" panose="020B0600070205080204" pitchFamily="50" charset="-128"/>
@@ -10563,10 +10753,16 @@
               <a:buNone/>
             </a:pPr>
             <a:r>
+              <a:rPr lang="ja-JP" altLang="en-US" b="1" u="sng" dirty="0" smtClean="0">
+                <a:latin typeface="ＭＳ Ｐゴシック" panose="020B0600070205080204" pitchFamily="50" charset="-128"/>
+              </a:rPr>
+              <a:t>応答</a:t>
+            </a:r>
+            <a:r>
               <a:rPr lang="ja-JP" altLang="en-US" b="1" u="sng" dirty="0">
                 <a:latin typeface="ＭＳ Ｐゴシック" panose="020B0600070205080204" pitchFamily="50" charset="-128"/>
               </a:rPr>
-              <a:t>応答速度</a:t>
+              <a:t>速度</a:t>
             </a:r>
             <a:r>
               <a:rPr lang="ja-JP" altLang="en-US" b="1" u="sng" dirty="0" smtClean="0">
@@ -10748,7 +10944,15 @@
             </a:pPr>
             <a:r>
               <a:rPr lang="ja-JP" altLang="en-US" sz="3200" dirty="0" smtClean="0"/>
-              <a:t>サーバ間の性能や通信装置の性能にバラつきがある場合，応答速度が一定とは限らない．</a:t>
+              <a:t>サーバ間の性能や通信装置の性能にバラつきがある場合，</a:t>
+            </a:r>
+            <a:r>
+              <a:rPr lang="ja-JP" altLang="en-US" sz="3200" u="sng" dirty="0" smtClean="0"/>
+              <a:t>応答速度が一定とは限らない</a:t>
+            </a:r>
+            <a:r>
+              <a:rPr lang="ja-JP" altLang="en-US" sz="3200" dirty="0" smtClean="0"/>
+              <a:t>．</a:t>
             </a:r>
             <a:endParaRPr lang="en-US" altLang="ja-JP" sz="3200" dirty="0" smtClean="0"/>
           </a:p>
@@ -10759,8 +10963,20 @@
               </a:lnSpc>
             </a:pPr>
             <a:r>
+              <a:rPr lang="ja-JP" altLang="en-US" sz="3200" dirty="0" smtClean="0"/>
+              <a:t>均等</a:t>
+            </a:r>
+            <a:r>
               <a:rPr lang="ja-JP" altLang="en-US" sz="3200" dirty="0"/>
-              <a:t>既存技術では，導入のしやすさ，コストの安さから異種環境においても均等に割り振る「ラウンドロビン」方式が頻繁に利用されている</a:t>
+              <a:t>に割り振る「ラウンドロビン」</a:t>
+            </a:r>
+            <a:r>
+              <a:rPr lang="ja-JP" altLang="en-US" sz="3200" dirty="0" smtClean="0"/>
+              <a:t>方式は導入はしやすいが，</a:t>
+            </a:r>
+            <a:r>
+              <a:rPr lang="ja-JP" altLang="en-US" sz="3200" u="sng" dirty="0" smtClean="0"/>
+              <a:t>応答速度に応じた，負荷分散に対応していない</a:t>
             </a:r>
             <a:r>
               <a:rPr lang="ja-JP" altLang="en-US" sz="3200" dirty="0" smtClean="0"/>
@@ -10775,16 +10991,24 @@
               </a:lnSpc>
             </a:pPr>
             <a:r>
-              <a:rPr lang="ja-JP" altLang="ja-JP" sz="3200" dirty="0"/>
-              <a:t>安価で現行システムに導入でき，</a:t>
-            </a:r>
-            <a:r>
-              <a:rPr lang="en-US" altLang="ja-JP" sz="3200" dirty="0"/>
-              <a:t>Web</a:t>
-            </a:r>
-            <a:r>
-              <a:rPr lang="ja-JP" altLang="ja-JP" sz="3200" dirty="0"/>
-              <a:t>の負荷分散に詳しくないユーザでも導入できる実装方法が求められる</a:t>
+              <a:rPr lang="ja-JP" altLang="ja-JP" sz="3200" u="sng" dirty="0"/>
+              <a:t>安価で現行システムに導入</a:t>
+            </a:r>
+            <a:r>
+              <a:rPr lang="ja-JP" altLang="ja-JP" sz="3200" u="sng" dirty="0" smtClean="0"/>
+              <a:t>でき</a:t>
+            </a:r>
+            <a:r>
+              <a:rPr lang="ja-JP" altLang="en-US" sz="3200" u="sng" dirty="0" smtClean="0"/>
+              <a:t>る</a:t>
+            </a:r>
+            <a:r>
+              <a:rPr lang="ja-JP" altLang="ja-JP" sz="3200" u="sng" dirty="0" smtClean="0"/>
+              <a:t>実装</a:t>
+            </a:r>
+            <a:r>
+              <a:rPr lang="ja-JP" altLang="ja-JP" sz="3200" u="sng" dirty="0"/>
+              <a:t>方法が求められる</a:t>
             </a:r>
             <a:r>
               <a:rPr lang="ja-JP" altLang="ja-JP" sz="3200" dirty="0" smtClean="0"/>
@@ -10943,9 +11167,12 @@
               <a:rPr lang="ja-JP" altLang="en-US" sz="3200" dirty="0" smtClean="0"/>
               <a:t>．</a:t>
             </a:r>
-            <a:endParaRPr lang="en-US" altLang="ja-JP" sz="3200" dirty="0"/>
-          </a:p>
-          <a:p>
+            <a:endParaRPr lang="en-US" altLang="ja-JP" sz="3200" dirty="0" smtClean="0"/>
+          </a:p>
+          <a:p>
+            <a:pPr marL="0" indent="0">
+              <a:buNone/>
+            </a:pPr>
             <a:endParaRPr lang="en-US" altLang="ja-JP" sz="3200" dirty="0"/>
           </a:p>
           <a:p>
@@ -10955,8 +11182,29 @@
             </a:r>
             <a:r>
               <a:rPr lang="ja-JP" altLang="en-US" sz="3200" dirty="0"/>
-              <a:t>による実現可能性の評価</a:t>
-            </a:r>
+              <a:t>に</a:t>
+            </a:r>
+            <a:r>
+              <a:rPr lang="ja-JP" altLang="en-US" sz="3200" dirty="0" smtClean="0"/>
+              <a:t>より</a:t>
+            </a:r>
+            <a:r>
+              <a:rPr lang="ja-JP" altLang="en-US" sz="3200" u="sng" dirty="0" smtClean="0"/>
+              <a:t>性能が不均一な環境下での</a:t>
+            </a:r>
+            <a:r>
+              <a:rPr lang="ja-JP" altLang="en-US" sz="3200" dirty="0" smtClean="0"/>
+              <a:t>実現</a:t>
+            </a:r>
+            <a:r>
+              <a:rPr lang="ja-JP" altLang="en-US" sz="3200" dirty="0"/>
+              <a:t>可能性の</a:t>
+            </a:r>
+            <a:r>
+              <a:rPr lang="ja-JP" altLang="en-US" sz="3200" dirty="0"/>
+              <a:t>評価．</a:t>
+            </a:r>
+            <a:endParaRPr lang="ja-JP" altLang="en-US" sz="3200" dirty="0"/>
           </a:p>
         </p:txBody>
       </p:sp>
@@ -10991,8 +11239,8 @@
         </p:nvSpPr>
         <p:spPr>
           <a:xfrm>
-            <a:off x="3470741" y="554907"/>
-            <a:ext cx="5280067" cy="521208"/>
+            <a:off x="3470741" y="554906"/>
+            <a:ext cx="5280067" cy="851367"/>
           </a:xfrm>
           <a:prstGeom prst="rect">
             <a:avLst/>
@@ -11022,34 +11270,34 @@
           <a:lstStyle/>
           <a:p>
             <a:r>
-              <a:rPr lang="ja-JP" altLang="ja-JP" dirty="0"/>
+              <a:rPr lang="ja-JP" altLang="ja-JP" sz="2400" dirty="0"/>
               <a:t>安価で導入</a:t>
             </a:r>
             <a:r>
-              <a:rPr lang="ja-JP" altLang="en-US" dirty="0"/>
+              <a:rPr lang="ja-JP" altLang="en-US" sz="2400" dirty="0"/>
               <a:t>しやすい</a:t>
             </a:r>
             <a:r>
-              <a:rPr lang="ja-JP" altLang="ja-JP" dirty="0"/>
+              <a:rPr lang="ja-JP" altLang="ja-JP" sz="2400" dirty="0"/>
               <a:t>システ</a:t>
             </a:r>
             <a:r>
-              <a:rPr lang="ja-JP" altLang="en-US" dirty="0"/>
+              <a:rPr lang="ja-JP" altLang="en-US" sz="2400" dirty="0"/>
               <a:t>ムで</a:t>
             </a:r>
             <a:r>
-              <a:rPr lang="ja-JP" altLang="ja-JP" dirty="0"/>
+              <a:rPr lang="ja-JP" altLang="ja-JP" sz="2400" dirty="0"/>
               <a:t>課題の解決</a:t>
             </a:r>
             <a:r>
-              <a:rPr lang="ja-JP" altLang="en-US" dirty="0"/>
+              <a:rPr lang="ja-JP" altLang="en-US" sz="2400" dirty="0"/>
               <a:t>を目指す</a:t>
             </a:r>
             <a:r>
-              <a:rPr lang="ja-JP" altLang="en-US" dirty="0" smtClean="0"/>
+              <a:rPr lang="ja-JP" altLang="en-US" sz="2400" dirty="0" smtClean="0"/>
               <a:t>．</a:t>
             </a:r>
-            <a:endParaRPr lang="ja-JP" altLang="en-US" dirty="0"/>
+            <a:endParaRPr lang="ja-JP" altLang="en-US" sz="2400" dirty="0"/>
           </a:p>
         </p:txBody>
       </p:sp>
@@ -11226,7 +11474,7 @@
           <a:p>
             <a:r>
               <a:rPr kumimoji="1" lang="en-US" altLang="ja-JP" dirty="0" smtClean="0"/>
-              <a:t>[step:3]</a:t>
+              <a:t>[Step:3]</a:t>
             </a:r>
             <a:r>
               <a:rPr kumimoji="1" lang="ja-JP" altLang="en-US" dirty="0" smtClean="0"/>
@@ -11336,7 +11584,7 @@
                   </a:lnSpc>
                 </a:pPr>
                 <a:r>
-                  <a:rPr lang="en-US" altLang="ja-JP" sz="2900" dirty="0" smtClean="0"/>
+                  <a:rPr lang="en-US" altLang="ja-JP" sz="2900" i="1" dirty="0" smtClean="0"/>
                   <a:t>L</a:t>
                 </a:r>
                 <a:r>
@@ -11348,7 +11596,7 @@
                   <a:t>～</a:t>
                 </a:r>
                 <a:r>
-                  <a:rPr lang="en-US" altLang="ja-JP" sz="2900" dirty="0"/>
+                  <a:rPr lang="en-US" altLang="ja-JP" sz="2900" i="1" dirty="0"/>
                   <a:t>L</a:t>
                 </a:r>
                 <a:r>
@@ -11360,15 +11608,15 @@
                   <a:t>の</a:t>
                 </a:r>
                 <a:r>
-                  <a:rPr lang="en-US" altLang="ja-JP" sz="2900" dirty="0"/>
+                  <a:rPr lang="en-US" altLang="ja-JP" sz="2900" u="sng" dirty="0"/>
                   <a:t>n</a:t>
                 </a:r>
                 <a:r>
-                  <a:rPr lang="ja-JP" altLang="ja-JP" sz="2900" dirty="0"/>
+                  <a:rPr lang="ja-JP" altLang="ja-JP" sz="2900" u="sng" dirty="0"/>
                   <a:t>段階で評価</a:t>
                 </a:r>
                 <a:r>
-                  <a:rPr lang="ja-JP" altLang="en-US" sz="2900" dirty="0"/>
+                  <a:rPr lang="ja-JP" altLang="en-US" sz="2900" u="sng" dirty="0"/>
                   <a:t>を行う</a:t>
                 </a:r>
                 <a:r>
@@ -11404,7 +11652,7 @@
                   </a:lnSpc>
                 </a:pPr>
                 <a:r>
-                  <a:rPr lang="en-US" altLang="ja-JP" sz="2900" dirty="0" smtClean="0"/>
+                  <a:rPr lang="en-US" altLang="ja-JP" sz="2900" i="1" dirty="0" smtClean="0"/>
                   <a:t>L</a:t>
                 </a:r>
                 <a:r>
@@ -11422,13 +11670,10 @@
                 <a14:m>
                   <m:oMath xmlns:m="http://schemas.openxmlformats.org/officeDocument/2006/math">
                     <m:r>
-                      <m:rPr>
-                        <m:sty m:val="p"/>
-                      </m:rPr>
                       <a:rPr lang="en-US" altLang="ja-JP" sz="2900" i="1" dirty="0">
                         <a:latin typeface="Cambria Math" panose="02040503050406030204" pitchFamily="18" charset="0"/>
                       </a:rPr>
-                      <m:t>Ave</m:t>
+                      <m:t>𝐴𝑣𝑒</m:t>
                     </m:r>
                   </m:oMath>
                 </a14:m>
@@ -11451,13 +11696,10 @@
                 <a14:m>
                   <m:oMath xmlns:m="http://schemas.openxmlformats.org/officeDocument/2006/math">
                     <m:r>
-                      <m:rPr>
-                        <m:sty m:val="p"/>
-                      </m:rPr>
-                      <a:rPr lang="en-US" altLang="ja-JP" sz="2900">
+                      <a:rPr lang="en-US" altLang="ja-JP" sz="2900" i="1">
                         <a:latin typeface="Cambria Math" panose="02040503050406030204" pitchFamily="18" charset="0"/>
                       </a:rPr>
-                      <m:t>T</m:t>
+                      <m:t>𝑇</m:t>
                     </m:r>
                     <m:r>
                       <a:rPr lang="ja-JP" altLang="en-US" sz="2900" i="1">
@@ -11627,12 +11869,16 @@
           <a:lstStyle/>
           <a:p>
             <a:r>
+              <a:rPr lang="en-US" altLang="ja-JP" dirty="0" smtClean="0"/>
+              <a:t>[</a:t>
+            </a:r>
+            <a:r>
               <a:rPr lang="en-US" altLang="ja-JP" dirty="0"/>
-              <a:t>[</a:t>
+              <a:t>S</a:t>
             </a:r>
             <a:r>
               <a:rPr lang="en-US" altLang="ja-JP" dirty="0" smtClean="0"/>
-              <a:t>step:5]</a:t>
+              <a:t>tep:5]</a:t>
             </a:r>
             <a:r>
               <a:rPr lang="ja-JP" altLang="en-US" dirty="0" smtClean="0"/>
@@ -11660,11 +11906,14 @@
         </p:spPr>
         <p:txBody>
           <a:bodyPr>
-            <a:normAutofit lnSpcReduction="10000"/>
+            <a:normAutofit fontScale="92500" lnSpcReduction="20000"/>
           </a:bodyPr>
           <a:lstStyle/>
           <a:p>
             <a:pPr marL="0" indent="0">
+              <a:lnSpc>
+                <a:spcPct val="110000"/>
+              </a:lnSpc>
               <a:buNone/>
             </a:pPr>
             <a:endParaRPr lang="en-US" altLang="ja-JP" sz="3200" dirty="0" smtClean="0"/>
@@ -11672,7 +11921,7 @@
           <a:p>
             <a:pPr>
               <a:lnSpc>
-                <a:spcPct val="100000"/>
+                <a:spcPct val="110000"/>
               </a:lnSpc>
             </a:pPr>
             <a:r>
@@ -11709,7 +11958,27 @@
             </a:r>
             <a:r>
               <a:rPr lang="ja-JP" altLang="ja-JP" sz="3200" dirty="0"/>
-              <a:t>が使われる．プロトタイプでは</a:t>
+              <a:t>が使われる</a:t>
+            </a:r>
+            <a:r>
+              <a:rPr lang="ja-JP" altLang="ja-JP" sz="3200" dirty="0" smtClean="0"/>
+              <a:t>．</a:t>
+            </a:r>
+            <a:endParaRPr lang="en-US" altLang="ja-JP" sz="3200" dirty="0" smtClean="0"/>
+          </a:p>
+          <a:p>
+            <a:pPr>
+              <a:lnSpc>
+                <a:spcPct val="110000"/>
+              </a:lnSpc>
+            </a:pPr>
+            <a:r>
+              <a:rPr lang="ja-JP" altLang="ja-JP" sz="3200" dirty="0" smtClean="0"/>
+              <a:t>プロトタイプ</a:t>
+            </a:r>
+            <a:r>
+              <a:rPr lang="ja-JP" altLang="ja-JP" sz="3200" dirty="0"/>
+              <a:t>では</a:t>
             </a:r>
             <a:r>
               <a:rPr lang="ja-JP" altLang="ja-JP" sz="3200" dirty="0" smtClean="0"/>
@@ -11758,25 +12027,34 @@
             <a:endParaRPr lang="en-US" altLang="ja-JP" sz="3200" dirty="0" smtClean="0"/>
           </a:p>
           <a:p>
-            <a:r>
-              <a:rPr lang="ja-JP" altLang="en-US" sz="3200" dirty="0"/>
+            <a:pPr>
+              <a:lnSpc>
+                <a:spcPct val="110000"/>
+              </a:lnSpc>
+            </a:pPr>
+            <a:r>
+              <a:rPr lang="ja-JP" altLang="en-US" sz="3200" u="sng" dirty="0"/>
               <a:t>応答</a:t>
             </a:r>
             <a:r>
-              <a:rPr lang="ja-JP" altLang="en-US" sz="3200" dirty="0" smtClean="0"/>
-              <a:t>速度に基づいた割り振りは</a:t>
-            </a:r>
-            <a:r>
-              <a:rPr lang="en-US" altLang="ja-JP" sz="3200" dirty="0" smtClean="0"/>
+              <a:rPr lang="ja-JP" altLang="en-US" sz="3200" u="sng" dirty="0" smtClean="0"/>
+              <a:t>速度に基づいた動的な割り振りは</a:t>
+            </a:r>
+            <a:r>
+              <a:rPr lang="en-US" altLang="ja-JP" sz="3200" dirty="0" smtClean="0">
+                <a:solidFill>
+                  <a:srgbClr val="FF0000"/>
+                </a:solidFill>
+              </a:rPr>
               <a:t>NGINX</a:t>
             </a:r>
             <a:r>
-              <a:rPr lang="ja-JP" altLang="en-US" sz="3200" dirty="0" smtClean="0"/>
-              <a:t>の設定ファイル</a:t>
-            </a:r>
-            <a:r>
-              <a:rPr lang="ja-JP" altLang="ja-JP" sz="3200" dirty="0" smtClean="0"/>
-              <a:t>の</a:t>
+              <a:rPr lang="ja-JP" altLang="en-US" sz="3200" dirty="0" smtClean="0">
+                <a:solidFill>
+                  <a:srgbClr val="FF0000"/>
+                </a:solidFill>
+              </a:rPr>
+              <a:t>設定ファイル</a:t>
             </a:r>
             <a:r>
               <a:rPr lang="ja-JP" altLang="ja-JP" sz="3200" dirty="0" smtClean="0">
@@ -11784,7 +12062,7 @@
                   <a:srgbClr val="FF0000"/>
                 </a:solidFill>
               </a:rPr>
-              <a:t>重みを</a:t>
+              <a:t>の重みを</a:t>
             </a:r>
             <a:r>
               <a:rPr lang="ja-JP" altLang="ja-JP" sz="3200" dirty="0">
@@ -11816,15 +12094,20 @@
                   <a:srgbClr val="FF0000"/>
                 </a:solidFill>
               </a:rPr>
-              <a:t>実現</a:t>
-            </a:r>
-            <a:r>
-              <a:rPr lang="ja-JP" altLang="ja-JP" sz="3200" dirty="0" smtClean="0"/>
-              <a:t>．</a:t>
-            </a:r>
-            <a:endParaRPr lang="en-US" altLang="ja-JP" sz="3200" dirty="0"/>
-          </a:p>
-          <a:p>
+              <a:t>実現．</a:t>
+            </a:r>
+            <a:endParaRPr lang="en-US" altLang="ja-JP" sz="3200" dirty="0">
+              <a:solidFill>
+                <a:srgbClr val="FF0000"/>
+              </a:solidFill>
+            </a:endParaRPr>
+          </a:p>
+          <a:p>
+            <a:pPr>
+              <a:lnSpc>
+                <a:spcPct val="110000"/>
+              </a:lnSpc>
+            </a:pPr>
             <a:r>
               <a:rPr lang="ja-JP" altLang="ja-JP" sz="3200" dirty="0" smtClean="0"/>
               <a:t>動的に更新</a:t>
@@ -11835,19 +12118,15 @@
             </a:r>
             <a:r>
               <a:rPr lang="ja-JP" altLang="ja-JP" sz="3200" u="sng" dirty="0"/>
-              <a:t>再読み</a:t>
-            </a:r>
-            <a:r>
-              <a:rPr lang="ja-JP" altLang="ja-JP" sz="3200" dirty="0"/>
-              <a:t>込みするように</a:t>
+              <a:t>再読み込み</a:t>
             </a:r>
             <a:r>
               <a:rPr lang="ja-JP" altLang="ja-JP" sz="3200" dirty="0" smtClean="0"/>
-              <a:t>設計</a:t>
+              <a:t>する</a:t>
             </a:r>
             <a:r>
               <a:rPr lang="ja-JP" altLang="en-US" sz="3200" dirty="0" smtClean="0"/>
-              <a:t>することで</a:t>
+              <a:t>ことで</a:t>
             </a:r>
             <a:r>
               <a:rPr lang="ja-JP" altLang="en-US" sz="3200" dirty="0"/>
